--- a/UnitTestingTSQL.pptx
+++ b/UnitTestingTSQL.pptx
@@ -5,35 +5,39 @@
     <p:sldMasterId id="2147483648" r:id="rId1"/>
   </p:sldMasterIdLst>
   <p:notesMasterIdLst>
-    <p:notesMasterId r:id="rId28"/>
+    <p:notesMasterId r:id="rId32"/>
   </p:notesMasterIdLst>
   <p:sldIdLst>
     <p:sldId id="256" r:id="rId2"/>
     <p:sldId id="282" r:id="rId3"/>
     <p:sldId id="283" r:id="rId4"/>
-    <p:sldId id="257" r:id="rId5"/>
-    <p:sldId id="261" r:id="rId6"/>
-    <p:sldId id="281" r:id="rId7"/>
-    <p:sldId id="287" r:id="rId8"/>
-    <p:sldId id="279" r:id="rId9"/>
-    <p:sldId id="280" r:id="rId10"/>
-    <p:sldId id="288" r:id="rId11"/>
-    <p:sldId id="260" r:id="rId12"/>
-    <p:sldId id="262" r:id="rId13"/>
-    <p:sldId id="264" r:id="rId14"/>
-    <p:sldId id="284" r:id="rId15"/>
-    <p:sldId id="273" r:id="rId16"/>
-    <p:sldId id="269" r:id="rId17"/>
-    <p:sldId id="285" r:id="rId18"/>
-    <p:sldId id="274" r:id="rId19"/>
-    <p:sldId id="286" r:id="rId20"/>
-    <p:sldId id="276" r:id="rId21"/>
-    <p:sldId id="278" r:id="rId22"/>
-    <p:sldId id="277" r:id="rId23"/>
-    <p:sldId id="270" r:id="rId24"/>
-    <p:sldId id="271" r:id="rId25"/>
-    <p:sldId id="265" r:id="rId26"/>
-    <p:sldId id="267" r:id="rId27"/>
+    <p:sldId id="289" r:id="rId5"/>
+    <p:sldId id="290" r:id="rId6"/>
+    <p:sldId id="291" r:id="rId7"/>
+    <p:sldId id="292" r:id="rId8"/>
+    <p:sldId id="257" r:id="rId9"/>
+    <p:sldId id="279" r:id="rId10"/>
+    <p:sldId id="280" r:id="rId11"/>
+    <p:sldId id="293" r:id="rId12"/>
+    <p:sldId id="294" r:id="rId13"/>
+    <p:sldId id="261" r:id="rId14"/>
+    <p:sldId id="281" r:id="rId15"/>
+    <p:sldId id="287" r:id="rId16"/>
+    <p:sldId id="262" r:id="rId17"/>
+    <p:sldId id="264" r:id="rId18"/>
+    <p:sldId id="284" r:id="rId19"/>
+    <p:sldId id="273" r:id="rId20"/>
+    <p:sldId id="269" r:id="rId21"/>
+    <p:sldId id="285" r:id="rId22"/>
+    <p:sldId id="274" r:id="rId23"/>
+    <p:sldId id="286" r:id="rId24"/>
+    <p:sldId id="276" r:id="rId25"/>
+    <p:sldId id="278" r:id="rId26"/>
+    <p:sldId id="277" r:id="rId27"/>
+    <p:sldId id="270" r:id="rId28"/>
+    <p:sldId id="271" r:id="rId29"/>
+    <p:sldId id="265" r:id="rId30"/>
+    <p:sldId id="267" r:id="rId31"/>
   </p:sldIdLst>
   <p:sldSz cx="9144000" cy="6858000" type="screen4x3"/>
   <p:notesSz cx="6858000" cy="9144000"/>
@@ -3481,11 +3485,11 @@
           <a:p>
             <a:r>
               <a:rPr lang="en-US" dirty="0"/>
-              <a:t>Get Testing with </a:t>
-            </a:r>
-            <a:r>
-              <a:rPr lang="en-US" dirty="0" err="1"/>
-              <a:t>tSQLt</a:t>
+              <a:t>Unit Testing with TSQL</a:t>
+            </a:r>
+            <a:r>
+              <a:rPr lang="en-US" baseline="0" dirty="0"/>
+              <a:t> Code</a:t>
             </a:r>
             <a:endParaRPr lang="en-US" dirty="0"/>
           </a:p>
@@ -3573,33 +3577,24 @@
           <a:p>
             <a:r>
               <a:rPr lang="en-US" dirty="0"/>
-              <a:t>Second</a:t>
-            </a:r>
-            <a:r>
-              <a:rPr lang="en-US" baseline="0" dirty="0"/>
-              <a:t> requirement – simple </a:t>
-            </a:r>
-            <a:r>
-              <a:rPr lang="en-US" baseline="0" dirty="0" err="1"/>
-              <a:t>procs</a:t>
-            </a:r>
-            <a:r>
-              <a:rPr lang="en-US" baseline="0" dirty="0"/>
-              <a:t>.</a:t>
-            </a:r>
-          </a:p>
-          <a:p>
-            <a:endParaRPr lang="en-US" baseline="0" dirty="0"/>
-          </a:p>
-          <a:p>
-            <a:r>
-              <a:rPr lang="en-US" baseline="0" dirty="0"/>
-              <a:t>Create </a:t>
-            </a:r>
-            <a:r>
-              <a:rPr lang="en-US" baseline="0" dirty="0" err="1"/>
-              <a:t>sp_insertArticleImage</a:t>
-            </a:r>
+              <a:t>Demo that shows how we build a table that doesn’t follow good practices. Use </a:t>
+            </a:r>
+            <a:r>
+              <a:rPr lang="en-US" dirty="0" err="1"/>
+              <a:t>tblStagingImages</a:t>
+            </a:r>
+            <a:r>
+              <a:rPr lang="en-US" dirty="0"/>
+              <a:t> as a table name</a:t>
+            </a:r>
+          </a:p>
+          <a:p>
+            <a:r>
+              <a:rPr lang="en-US" dirty="0"/>
+              <a:t>SQL Cop catches an error. Actually catches two, name and no PK.</a:t>
+            </a:r>
+          </a:p>
+          <a:p>
             <a:endParaRPr lang="en-US" dirty="0"/>
           </a:p>
         </p:txBody>
@@ -3630,7 +3625,7 @@
     </p:spTree>
     <p:extLst>
       <p:ext uri="{BB962C8B-B14F-4D97-AF65-F5344CB8AC3E}">
-        <p14:creationId xmlns:p14="http://schemas.microsoft.com/office/powerpoint/2010/main" val="4284040156"/>
+        <p14:creationId xmlns:p14="http://schemas.microsoft.com/office/powerpoint/2010/main" val="2852829571"/>
       </p:ext>
     </p:extLst>
   </p:cSld>
@@ -3686,22 +3681,33 @@
           <a:p>
             <a:r>
               <a:rPr lang="en-US" dirty="0"/>
-              <a:t>Alter the procedure  to meet the new logic</a:t>
-            </a:r>
-          </a:p>
-          <a:p>
-            <a:r>
-              <a:rPr lang="en-US" dirty="0"/>
-              <a:t>Write test for the proc</a:t>
-            </a:r>
-          </a:p>
-          <a:p>
-            <a:r>
-              <a:rPr lang="en-US" dirty="0"/>
-              <a:t>Run tests, have new test work, some other, older test that now fails.</a:t>
-            </a:r>
-          </a:p>
-          <a:p>
+              <a:t>Second</a:t>
+            </a:r>
+            <a:r>
+              <a:rPr lang="en-US" baseline="0" dirty="0"/>
+              <a:t> requirement – simple </a:t>
+            </a:r>
+            <a:r>
+              <a:rPr lang="en-US" baseline="0" dirty="0" err="1"/>
+              <a:t>procs</a:t>
+            </a:r>
+            <a:r>
+              <a:rPr lang="en-US" baseline="0" dirty="0"/>
+              <a:t>.</a:t>
+            </a:r>
+          </a:p>
+          <a:p>
+            <a:endParaRPr lang="en-US" baseline="0" dirty="0"/>
+          </a:p>
+          <a:p>
+            <a:r>
+              <a:rPr lang="en-US" baseline="0" dirty="0"/>
+              <a:t>Create </a:t>
+            </a:r>
+            <a:r>
+              <a:rPr lang="en-US" baseline="0" dirty="0" err="1"/>
+              <a:t>sp_insertArticleImage</a:t>
+            </a:r>
             <a:endParaRPr lang="en-US" dirty="0"/>
           </a:p>
         </p:txBody>
@@ -3723,7 +3729,7 @@
           <a:p>
             <a:fld id="{737EB954-88EE-45B2-878D-41C5C083E9B9}" type="slidenum">
               <a:rPr lang="en-US" smtClean="0"/>
-              <a:t>19</a:t>
+              <a:t>20</a:t>
             </a:fld>
             <a:endParaRPr lang="en-US"/>
           </a:p>
@@ -3732,7 +3738,7 @@
     </p:spTree>
     <p:extLst>
       <p:ext uri="{BB962C8B-B14F-4D97-AF65-F5344CB8AC3E}">
-        <p14:creationId xmlns:p14="http://schemas.microsoft.com/office/powerpoint/2010/main" val="815878000"/>
+        <p14:creationId xmlns:p14="http://schemas.microsoft.com/office/powerpoint/2010/main" val="4284040156"/>
       </p:ext>
     </p:extLst>
   </p:cSld>
@@ -3788,12 +3794,34 @@
           <a:p>
             <a:r>
               <a:rPr lang="en-US" dirty="0"/>
-              <a:t>This</a:t>
-            </a:r>
-            <a:r>
-              <a:rPr lang="en-US" baseline="0" dirty="0"/>
-              <a:t> is part of a software development philosophy that seeks to build software faster, with a higher level of quality.</a:t>
-            </a:r>
+              <a:t>Write proc for insert and select of images</a:t>
+            </a:r>
+          </a:p>
+          <a:p>
+            <a:r>
+              <a:rPr lang="en-US" dirty="0"/>
+              <a:t>Create new test for insert, don’t fill stub</a:t>
+            </a:r>
+          </a:p>
+          <a:p>
+            <a:r>
+              <a:rPr lang="en-US" dirty="0"/>
+              <a:t>Create new test for select and edit</a:t>
+            </a:r>
+          </a:p>
+          <a:p>
+            <a:r>
+              <a:rPr lang="en-US" dirty="0"/>
+              <a:t>Run tests, get caught naming issues, as well as one procedure works, one fails. We get the failure in the test we didn’t edit.</a:t>
+            </a:r>
+          </a:p>
+          <a:p>
+            <a:r>
+              <a:rPr lang="en-US" dirty="0"/>
+              <a:t>Correct issues in both procedures</a:t>
+            </a:r>
+          </a:p>
+          <a:p>
             <a:endParaRPr lang="en-US" dirty="0"/>
           </a:p>
         </p:txBody>
@@ -3815,7 +3843,7 @@
           <a:p>
             <a:fld id="{737EB954-88EE-45B2-878D-41C5C083E9B9}" type="slidenum">
               <a:rPr lang="en-US" smtClean="0"/>
-              <a:t>22</a:t>
+              <a:t>21</a:t>
             </a:fld>
             <a:endParaRPr lang="en-US"/>
           </a:p>
@@ -3824,7 +3852,7 @@
     </p:spTree>
     <p:extLst>
       <p:ext uri="{BB962C8B-B14F-4D97-AF65-F5344CB8AC3E}">
-        <p14:creationId xmlns:p14="http://schemas.microsoft.com/office/powerpoint/2010/main" val="2915440239"/>
+        <p14:creationId xmlns:p14="http://schemas.microsoft.com/office/powerpoint/2010/main" val="582914193"/>
       </p:ext>
     </p:extLst>
   </p:cSld>
@@ -3880,6 +3908,313 @@
           <a:p>
             <a:r>
               <a:rPr lang="en-US" dirty="0"/>
+              <a:t>Second</a:t>
+            </a:r>
+            <a:r>
+              <a:rPr lang="en-US" baseline="0" dirty="0"/>
+              <a:t> requirement – simple </a:t>
+            </a:r>
+            <a:r>
+              <a:rPr lang="en-US" baseline="0" dirty="0" err="1"/>
+              <a:t>procs</a:t>
+            </a:r>
+            <a:r>
+              <a:rPr lang="en-US" baseline="0" dirty="0"/>
+              <a:t>.</a:t>
+            </a:r>
+          </a:p>
+          <a:p>
+            <a:endParaRPr lang="en-US" baseline="0" dirty="0"/>
+          </a:p>
+          <a:p>
+            <a:r>
+              <a:rPr lang="en-US" baseline="0" dirty="0"/>
+              <a:t>Create </a:t>
+            </a:r>
+            <a:r>
+              <a:rPr lang="en-US" baseline="0" dirty="0" err="1"/>
+              <a:t>sp_insertArticleImage</a:t>
+            </a:r>
+            <a:endParaRPr lang="en-US" dirty="0"/>
+          </a:p>
+        </p:txBody>
+      </p:sp>
+      <p:sp>
+        <p:nvSpPr>
+          <p:cNvPr id="4" name="Slide Number Placeholder 3"/>
+          <p:cNvSpPr>
+            <a:spLocks noGrp="1"/>
+          </p:cNvSpPr>
+          <p:nvPr>
+            <p:ph type="sldNum" sz="quarter" idx="10"/>
+          </p:nvPr>
+        </p:nvSpPr>
+        <p:spPr/>
+        <p:txBody>
+          <a:bodyPr/>
+          <a:lstStyle/>
+          <a:p>
+            <a:fld id="{737EB954-88EE-45B2-878D-41C5C083E9B9}" type="slidenum">
+              <a:rPr lang="en-US" smtClean="0"/>
+              <a:t>22</a:t>
+            </a:fld>
+            <a:endParaRPr lang="en-US"/>
+          </a:p>
+        </p:txBody>
+      </p:sp>
+    </p:spTree>
+    <p:extLst>
+      <p:ext uri="{BB962C8B-B14F-4D97-AF65-F5344CB8AC3E}">
+        <p14:creationId xmlns:p14="http://schemas.microsoft.com/office/powerpoint/2010/main" val="4284040156"/>
+      </p:ext>
+    </p:extLst>
+  </p:cSld>
+  <p:clrMapOvr>
+    <a:masterClrMapping/>
+  </p:clrMapOvr>
+</p:notes>
+</file>
+
+<file path=ppt/notesSlides/notesSlide14.xml><?xml version="1.0" encoding="utf-8"?>
+<p:notes xmlns:a="http://schemas.openxmlformats.org/drawingml/2006/main" xmlns:r="http://schemas.openxmlformats.org/officeDocument/2006/relationships" xmlns:p="http://schemas.openxmlformats.org/presentationml/2006/main">
+  <p:cSld>
+    <p:spTree>
+      <p:nvGrpSpPr>
+        <p:cNvPr id="1" name=""/>
+        <p:cNvGrpSpPr/>
+        <p:nvPr/>
+      </p:nvGrpSpPr>
+      <p:grpSpPr>
+        <a:xfrm>
+          <a:off x="0" y="0"/>
+          <a:ext cx="0" cy="0"/>
+          <a:chOff x="0" y="0"/>
+          <a:chExt cx="0" cy="0"/>
+        </a:xfrm>
+      </p:grpSpPr>
+      <p:sp>
+        <p:nvSpPr>
+          <p:cNvPr id="2" name="Slide Image Placeholder 1"/>
+          <p:cNvSpPr>
+            <a:spLocks noGrp="1" noRot="1" noChangeAspect="1"/>
+          </p:cNvSpPr>
+          <p:nvPr>
+            <p:ph type="sldImg"/>
+          </p:nvPr>
+        </p:nvSpPr>
+        <p:spPr/>
+      </p:sp>
+      <p:sp>
+        <p:nvSpPr>
+          <p:cNvPr id="3" name="Notes Placeholder 2"/>
+          <p:cNvSpPr>
+            <a:spLocks noGrp="1"/>
+          </p:cNvSpPr>
+          <p:nvPr>
+            <p:ph type="body" idx="1"/>
+          </p:nvPr>
+        </p:nvSpPr>
+        <p:spPr/>
+        <p:txBody>
+          <a:bodyPr/>
+          <a:lstStyle/>
+          <a:p>
+            <a:r>
+              <a:rPr lang="en-US" dirty="0"/>
+              <a:t>Alter the procedure  to meet the new logic</a:t>
+            </a:r>
+          </a:p>
+          <a:p>
+            <a:r>
+              <a:rPr lang="en-US" dirty="0"/>
+              <a:t>Write test for the proc</a:t>
+            </a:r>
+          </a:p>
+          <a:p>
+            <a:r>
+              <a:rPr lang="en-US" dirty="0"/>
+              <a:t>Run tests, have new test work, some other, older test that now fails.</a:t>
+            </a:r>
+          </a:p>
+          <a:p>
+            <a:endParaRPr lang="en-US" dirty="0"/>
+          </a:p>
+        </p:txBody>
+      </p:sp>
+      <p:sp>
+        <p:nvSpPr>
+          <p:cNvPr id="4" name="Slide Number Placeholder 3"/>
+          <p:cNvSpPr>
+            <a:spLocks noGrp="1"/>
+          </p:cNvSpPr>
+          <p:nvPr>
+            <p:ph type="sldNum" sz="quarter" idx="10"/>
+          </p:nvPr>
+        </p:nvSpPr>
+        <p:spPr/>
+        <p:txBody>
+          <a:bodyPr/>
+          <a:lstStyle/>
+          <a:p>
+            <a:fld id="{737EB954-88EE-45B2-878D-41C5C083E9B9}" type="slidenum">
+              <a:rPr lang="en-US" smtClean="0"/>
+              <a:t>23</a:t>
+            </a:fld>
+            <a:endParaRPr lang="en-US"/>
+          </a:p>
+        </p:txBody>
+      </p:sp>
+    </p:spTree>
+    <p:extLst>
+      <p:ext uri="{BB962C8B-B14F-4D97-AF65-F5344CB8AC3E}">
+        <p14:creationId xmlns:p14="http://schemas.microsoft.com/office/powerpoint/2010/main" val="815878000"/>
+      </p:ext>
+    </p:extLst>
+  </p:cSld>
+  <p:clrMapOvr>
+    <a:masterClrMapping/>
+  </p:clrMapOvr>
+</p:notes>
+</file>
+
+<file path=ppt/notesSlides/notesSlide15.xml><?xml version="1.0" encoding="utf-8"?>
+<p:notes xmlns:a="http://schemas.openxmlformats.org/drawingml/2006/main" xmlns:r="http://schemas.openxmlformats.org/officeDocument/2006/relationships" xmlns:p="http://schemas.openxmlformats.org/presentationml/2006/main">
+  <p:cSld>
+    <p:spTree>
+      <p:nvGrpSpPr>
+        <p:cNvPr id="1" name=""/>
+        <p:cNvGrpSpPr/>
+        <p:nvPr/>
+      </p:nvGrpSpPr>
+      <p:grpSpPr>
+        <a:xfrm>
+          <a:off x="0" y="0"/>
+          <a:ext cx="0" cy="0"/>
+          <a:chOff x="0" y="0"/>
+          <a:chExt cx="0" cy="0"/>
+        </a:xfrm>
+      </p:grpSpPr>
+      <p:sp>
+        <p:nvSpPr>
+          <p:cNvPr id="2" name="Slide Image Placeholder 1"/>
+          <p:cNvSpPr>
+            <a:spLocks noGrp="1" noRot="1" noChangeAspect="1"/>
+          </p:cNvSpPr>
+          <p:nvPr>
+            <p:ph type="sldImg"/>
+          </p:nvPr>
+        </p:nvSpPr>
+        <p:spPr/>
+      </p:sp>
+      <p:sp>
+        <p:nvSpPr>
+          <p:cNvPr id="3" name="Notes Placeholder 2"/>
+          <p:cNvSpPr>
+            <a:spLocks noGrp="1"/>
+          </p:cNvSpPr>
+          <p:nvPr>
+            <p:ph type="body" idx="1"/>
+          </p:nvPr>
+        </p:nvSpPr>
+        <p:spPr/>
+        <p:txBody>
+          <a:bodyPr/>
+          <a:lstStyle/>
+          <a:p>
+            <a:r>
+              <a:rPr lang="en-US" dirty="0"/>
+              <a:t>This</a:t>
+            </a:r>
+            <a:r>
+              <a:rPr lang="en-US" baseline="0" dirty="0"/>
+              <a:t> is part of a software development philosophy that seeks to build software faster, with a higher level of quality.</a:t>
+            </a:r>
+            <a:endParaRPr lang="en-US" dirty="0"/>
+          </a:p>
+        </p:txBody>
+      </p:sp>
+      <p:sp>
+        <p:nvSpPr>
+          <p:cNvPr id="4" name="Slide Number Placeholder 3"/>
+          <p:cNvSpPr>
+            <a:spLocks noGrp="1"/>
+          </p:cNvSpPr>
+          <p:nvPr>
+            <p:ph type="sldNum" sz="quarter" idx="10"/>
+          </p:nvPr>
+        </p:nvSpPr>
+        <p:spPr/>
+        <p:txBody>
+          <a:bodyPr/>
+          <a:lstStyle/>
+          <a:p>
+            <a:fld id="{737EB954-88EE-45B2-878D-41C5C083E9B9}" type="slidenum">
+              <a:rPr lang="en-US" smtClean="0"/>
+              <a:t>26</a:t>
+            </a:fld>
+            <a:endParaRPr lang="en-US"/>
+          </a:p>
+        </p:txBody>
+      </p:sp>
+    </p:spTree>
+    <p:extLst>
+      <p:ext uri="{BB962C8B-B14F-4D97-AF65-F5344CB8AC3E}">
+        <p14:creationId xmlns:p14="http://schemas.microsoft.com/office/powerpoint/2010/main" val="2915440239"/>
+      </p:ext>
+    </p:extLst>
+  </p:cSld>
+  <p:clrMapOvr>
+    <a:masterClrMapping/>
+  </p:clrMapOvr>
+</p:notes>
+</file>
+
+<file path=ppt/notesSlides/notesSlide16.xml><?xml version="1.0" encoding="utf-8"?>
+<p:notes xmlns:a="http://schemas.openxmlformats.org/drawingml/2006/main" xmlns:r="http://schemas.openxmlformats.org/officeDocument/2006/relationships" xmlns:p="http://schemas.openxmlformats.org/presentationml/2006/main">
+  <p:cSld>
+    <p:spTree>
+      <p:nvGrpSpPr>
+        <p:cNvPr id="1" name=""/>
+        <p:cNvGrpSpPr/>
+        <p:nvPr/>
+      </p:nvGrpSpPr>
+      <p:grpSpPr>
+        <a:xfrm>
+          <a:off x="0" y="0"/>
+          <a:ext cx="0" cy="0"/>
+          <a:chOff x="0" y="0"/>
+          <a:chExt cx="0" cy="0"/>
+        </a:xfrm>
+      </p:grpSpPr>
+      <p:sp>
+        <p:nvSpPr>
+          <p:cNvPr id="2" name="Slide Image Placeholder 1"/>
+          <p:cNvSpPr>
+            <a:spLocks noGrp="1" noRot="1" noChangeAspect="1"/>
+          </p:cNvSpPr>
+          <p:nvPr>
+            <p:ph type="sldImg"/>
+          </p:nvPr>
+        </p:nvSpPr>
+        <p:spPr/>
+      </p:sp>
+      <p:sp>
+        <p:nvSpPr>
+          <p:cNvPr id="3" name="Notes Placeholder 2"/>
+          <p:cNvSpPr>
+            <a:spLocks noGrp="1"/>
+          </p:cNvSpPr>
+          <p:nvPr>
+            <p:ph type="body" idx="1"/>
+          </p:nvPr>
+        </p:nvSpPr>
+        <p:spPr/>
+        <p:txBody>
+          <a:bodyPr/>
+          <a:lstStyle/>
+          <a:p>
+            <a:r>
+              <a:rPr lang="en-US" dirty="0"/>
               <a:t>CD pipeline</a:t>
             </a:r>
             <a:r>
@@ -3935,7 +4270,7 @@
           <a:p>
             <a:fld id="{737EB954-88EE-45B2-878D-41C5C083E9B9}" type="slidenum">
               <a:rPr lang="en-US" smtClean="0"/>
-              <a:t>25</a:t>
+              <a:t>29</a:t>
             </a:fld>
             <a:endParaRPr lang="en-US"/>
           </a:p>
@@ -4079,7 +4414,12 @@
             <p:ph type="sldImg"/>
           </p:nvPr>
         </p:nvSpPr>
-        <p:spPr/>
+        <p:spPr>
+          <a:xfrm>
+            <a:off x="1371600" y="1143000"/>
+            <a:ext cx="4114800" cy="3086100"/>
+          </a:xfrm>
+        </p:spPr>
       </p:sp>
       <p:sp>
         <p:nvSpPr>
@@ -4096,15 +4436,7 @@
           <a:bodyPr/>
           <a:lstStyle/>
           <a:p>
-            <a:r>
-              <a:rPr lang="en-US" dirty="0"/>
-              <a:t>Note</a:t>
-            </a:r>
-            <a:r>
-              <a:rPr lang="en-US" baseline="0" dirty="0"/>
-              <a:t> that the cost of bugs rises. We know this. The earlier we find issues, the better. We can see from this survey that the cost of bugs rises dramatically as we get closer to the client.</a:t>
-            </a:r>
-            <a:endParaRPr lang="en-US" dirty="0"/>
+            <a:endParaRPr lang="en-GB" dirty="0"/>
           </a:p>
         </p:txBody>
       </p:sp>
@@ -4123,9 +4455,9 @@
           <a:bodyPr/>
           <a:lstStyle/>
           <a:p>
-            <a:fld id="{737EB954-88EE-45B2-878D-41C5C083E9B9}" type="slidenum">
+            <a:fld id="{23D30045-AEBE-4117-8D8F-8499E1D0AF2B}" type="slidenum">
               <a:rPr lang="en-US" smtClean="0"/>
-              <a:t>4</a:t>
+              <a:t>5</a:t>
             </a:fld>
             <a:endParaRPr lang="en-US"/>
           </a:p>
@@ -4134,7 +4466,7 @@
     </p:spTree>
     <p:extLst>
       <p:ext uri="{BB962C8B-B14F-4D97-AF65-F5344CB8AC3E}">
-        <p14:creationId xmlns:p14="http://schemas.microsoft.com/office/powerpoint/2010/main" val="1178868894"/>
+        <p14:creationId xmlns:p14="http://schemas.microsoft.com/office/powerpoint/2010/main" val="373289035"/>
       </p:ext>
     </p:extLst>
   </p:cSld>
@@ -4171,7 +4503,12 @@
             <p:ph type="sldImg"/>
           </p:nvPr>
         </p:nvSpPr>
-        <p:spPr/>
+        <p:spPr>
+          <a:xfrm>
+            <a:off x="1371600" y="1143000"/>
+            <a:ext cx="4114800" cy="3086100"/>
+          </a:xfrm>
+        </p:spPr>
       </p:sp>
       <p:sp>
         <p:nvSpPr>
@@ -4188,15 +4525,7 @@
           <a:bodyPr/>
           <a:lstStyle/>
           <a:p>
-            <a:r>
-              <a:rPr lang="en-US" dirty="0"/>
-              <a:t>Introduce the framework. Give URL, support,</a:t>
-            </a:r>
-            <a:r>
-              <a:rPr lang="en-US" baseline="0" dirty="0"/>
-              <a:t> this is free.</a:t>
-            </a:r>
-            <a:endParaRPr lang="en-US" dirty="0"/>
+            <a:endParaRPr lang="en-GB" dirty="0"/>
           </a:p>
         </p:txBody>
       </p:sp>
@@ -4215,9 +4544,9 @@
           <a:bodyPr/>
           <a:lstStyle/>
           <a:p>
-            <a:fld id="{737EB954-88EE-45B2-878D-41C5C083E9B9}" type="slidenum">
+            <a:fld id="{23D30045-AEBE-4117-8D8F-8499E1D0AF2B}" type="slidenum">
               <a:rPr lang="en-US" smtClean="0"/>
-              <a:t>5</a:t>
+              <a:t>6</a:t>
             </a:fld>
             <a:endParaRPr lang="en-US"/>
           </a:p>
@@ -4226,7 +4555,7 @@
     </p:spTree>
     <p:extLst>
       <p:ext uri="{BB962C8B-B14F-4D97-AF65-F5344CB8AC3E}">
-        <p14:creationId xmlns:p14="http://schemas.microsoft.com/office/powerpoint/2010/main" val="2314466544"/>
+        <p14:creationId xmlns:p14="http://schemas.microsoft.com/office/powerpoint/2010/main" val="1445769198"/>
       </p:ext>
     </p:extLst>
   </p:cSld>
@@ -4282,11 +4611,8 @@
           <a:p>
             <a:r>
               <a:rPr lang="en-US" dirty="0"/>
-              <a:t>https://msdn.microsoft.com/en-us/library/jj851212(v=vs.103).aspx</a:t>
-            </a:r>
-          </a:p>
-          <a:p>
-            <a:endParaRPr lang="en-US" dirty="0"/>
+              <a:t>http://nathanleclaire.com/images/unit-test-angularjs-service/cowboy.png</a:t>
+            </a:r>
           </a:p>
         </p:txBody>
       </p:sp>
@@ -4305,7 +4631,7 @@
           <a:bodyPr/>
           <a:lstStyle/>
           <a:p>
-            <a:fld id="{737EB954-88EE-45B2-878D-41C5C083E9B9}" type="slidenum">
+            <a:fld id="{23D30045-AEBE-4117-8D8F-8499E1D0AF2B}" type="slidenum">
               <a:rPr lang="en-US" smtClean="0"/>
               <a:t>7</a:t>
             </a:fld>
@@ -4316,7 +4642,7 @@
     </p:spTree>
     <p:extLst>
       <p:ext uri="{BB962C8B-B14F-4D97-AF65-F5344CB8AC3E}">
-        <p14:creationId xmlns:p14="http://schemas.microsoft.com/office/powerpoint/2010/main" val="1145474572"/>
+        <p14:creationId xmlns:p14="http://schemas.microsoft.com/office/powerpoint/2010/main" val="1204602472"/>
       </p:ext>
     </p:extLst>
   </p:cSld>
@@ -4372,11 +4698,11 @@
           <a:p>
             <a:r>
               <a:rPr lang="en-US" dirty="0"/>
-              <a:t>Needs a new name, but</a:t>
+              <a:t>Note</a:t>
             </a:r>
             <a:r>
               <a:rPr lang="en-US" baseline="0" dirty="0"/>
-              <a:t> this is where we talk about our demo app slightly (or code). Give a first requirement we need to do.</a:t>
+              <a:t> that the cost of bugs rises. We know this. The earlier we find issues, the better. We can see from this survey that the cost of bugs rises dramatically as we get closer to the client.</a:t>
             </a:r>
             <a:endParaRPr lang="en-US" dirty="0"/>
           </a:p>
@@ -4399,7 +4725,7 @@
           <a:p>
             <a:fld id="{737EB954-88EE-45B2-878D-41C5C083E9B9}" type="slidenum">
               <a:rPr lang="en-US" smtClean="0"/>
-              <a:t>13</a:t>
+              <a:t>8</a:t>
             </a:fld>
             <a:endParaRPr lang="en-US"/>
           </a:p>
@@ -4408,7 +4734,7 @@
     </p:spTree>
     <p:extLst>
       <p:ext uri="{BB962C8B-B14F-4D97-AF65-F5344CB8AC3E}">
-        <p14:creationId xmlns:p14="http://schemas.microsoft.com/office/powerpoint/2010/main" val="4284040156"/>
+        <p14:creationId xmlns:p14="http://schemas.microsoft.com/office/powerpoint/2010/main" val="1178868894"/>
       </p:ext>
     </p:extLst>
   </p:cSld>
@@ -4464,24 +4790,12 @@
           <a:p>
             <a:r>
               <a:rPr lang="en-US" dirty="0"/>
-              <a:t>Demo that shows how we build a table that doesn’t follow good practices. Use </a:t>
-            </a:r>
-            <a:r>
-              <a:rPr lang="en-US" dirty="0" err="1"/>
-              <a:t>tblStagingImages</a:t>
-            </a:r>
-            <a:r>
-              <a:rPr lang="en-US" dirty="0"/>
-              <a:t> as a table name</a:t>
-            </a:r>
-          </a:p>
-          <a:p>
-            <a:r>
-              <a:rPr lang="en-US" dirty="0"/>
-              <a:t>SQL Cop catches an error. Actually catches two, name and no PK.</a:t>
-            </a:r>
-          </a:p>
-          <a:p>
+              <a:t>Introduce the framework. Give URL, support,</a:t>
+            </a:r>
+            <a:r>
+              <a:rPr lang="en-US" baseline="0" dirty="0"/>
+              <a:t> this is free.</a:t>
+            </a:r>
             <a:endParaRPr lang="en-US" dirty="0"/>
           </a:p>
         </p:txBody>
@@ -4503,7 +4817,7 @@
           <a:p>
             <a:fld id="{737EB954-88EE-45B2-878D-41C5C083E9B9}" type="slidenum">
               <a:rPr lang="en-US" smtClean="0"/>
-              <a:t>14</a:t>
+              <a:t>13</a:t>
             </a:fld>
             <a:endParaRPr lang="en-US"/>
           </a:p>
@@ -4512,7 +4826,7 @@
     </p:spTree>
     <p:extLst>
       <p:ext uri="{BB962C8B-B14F-4D97-AF65-F5344CB8AC3E}">
-        <p14:creationId xmlns:p14="http://schemas.microsoft.com/office/powerpoint/2010/main" val="2852829571"/>
+        <p14:creationId xmlns:p14="http://schemas.microsoft.com/office/powerpoint/2010/main" val="2314466544"/>
       </p:ext>
     </p:extLst>
   </p:cSld>
@@ -4568,33 +4882,10 @@
           <a:p>
             <a:r>
               <a:rPr lang="en-US" dirty="0"/>
-              <a:t>Second</a:t>
-            </a:r>
-            <a:r>
-              <a:rPr lang="en-US" baseline="0" dirty="0"/>
-              <a:t> requirement – simple </a:t>
-            </a:r>
-            <a:r>
-              <a:rPr lang="en-US" baseline="0" dirty="0" err="1"/>
-              <a:t>procs</a:t>
-            </a:r>
-            <a:r>
-              <a:rPr lang="en-US" baseline="0" dirty="0"/>
-              <a:t>.</a:t>
-            </a:r>
-          </a:p>
-          <a:p>
-            <a:endParaRPr lang="en-US" baseline="0" dirty="0"/>
-          </a:p>
-          <a:p>
-            <a:r>
-              <a:rPr lang="en-US" baseline="0" dirty="0"/>
-              <a:t>Create </a:t>
-            </a:r>
-            <a:r>
-              <a:rPr lang="en-US" baseline="0" dirty="0" err="1"/>
-              <a:t>sp_insertArticleImage</a:t>
-            </a:r>
+              <a:t>https://msdn.microsoft.com/en-us/library/jj851212(v=vs.103).aspx</a:t>
+            </a:r>
+          </a:p>
+          <a:p>
             <a:endParaRPr lang="en-US" dirty="0"/>
           </a:p>
         </p:txBody>
@@ -4616,7 +4907,7 @@
           <a:p>
             <a:fld id="{737EB954-88EE-45B2-878D-41C5C083E9B9}" type="slidenum">
               <a:rPr lang="en-US" smtClean="0"/>
-              <a:t>16</a:t>
+              <a:t>15</a:t>
             </a:fld>
             <a:endParaRPr lang="en-US"/>
           </a:p>
@@ -4625,7 +4916,7 @@
     </p:spTree>
     <p:extLst>
       <p:ext uri="{BB962C8B-B14F-4D97-AF65-F5344CB8AC3E}">
-        <p14:creationId xmlns:p14="http://schemas.microsoft.com/office/powerpoint/2010/main" val="4284040156"/>
+        <p14:creationId xmlns:p14="http://schemas.microsoft.com/office/powerpoint/2010/main" val="1145474572"/>
       </p:ext>
     </p:extLst>
   </p:cSld>
@@ -4681,34 +4972,12 @@
           <a:p>
             <a:r>
               <a:rPr lang="en-US" dirty="0"/>
-              <a:t>Write proc for insert and select of images</a:t>
-            </a:r>
-          </a:p>
-          <a:p>
-            <a:r>
-              <a:rPr lang="en-US" dirty="0"/>
-              <a:t>Create new test for insert, don’t fill stub</a:t>
-            </a:r>
-          </a:p>
-          <a:p>
-            <a:r>
-              <a:rPr lang="en-US" dirty="0"/>
-              <a:t>Create new test for select and edit</a:t>
-            </a:r>
-          </a:p>
-          <a:p>
-            <a:r>
-              <a:rPr lang="en-US" dirty="0"/>
-              <a:t>Run tests, get caught naming issues, as well as one procedure works, one fails. We get the failure in the test we didn’t edit.</a:t>
-            </a:r>
-          </a:p>
-          <a:p>
-            <a:r>
-              <a:rPr lang="en-US" dirty="0"/>
-              <a:t>Correct issues in both procedures</a:t>
-            </a:r>
-          </a:p>
-          <a:p>
+              <a:t>Needs a new name, but</a:t>
+            </a:r>
+            <a:r>
+              <a:rPr lang="en-US" baseline="0" dirty="0"/>
+              <a:t> this is where we talk about our demo app slightly (or code). Give a first requirement we need to do.</a:t>
+            </a:r>
             <a:endParaRPr lang="en-US" dirty="0"/>
           </a:p>
         </p:txBody>
@@ -4739,7 +5008,7 @@
     </p:spTree>
     <p:extLst>
       <p:ext uri="{BB962C8B-B14F-4D97-AF65-F5344CB8AC3E}">
-        <p14:creationId xmlns:p14="http://schemas.microsoft.com/office/powerpoint/2010/main" val="582914193"/>
+        <p14:creationId xmlns:p14="http://schemas.microsoft.com/office/powerpoint/2010/main" val="4284040156"/>
       </p:ext>
     </p:extLst>
   </p:cSld>
@@ -8015,7 +8284,7 @@
           <a:p>
             <a:r>
               <a:rPr lang="en-US" dirty="0"/>
-              <a:t>Test Structure</a:t>
+              <a:t>Writing Tests</a:t>
             </a:r>
           </a:p>
         </p:txBody>
@@ -8037,25 +8306,32 @@
           <a:p>
             <a:r>
               <a:rPr lang="en-US" dirty="0"/>
-              <a:t>AAA</a:t>
+              <a:t>TDD?</a:t>
             </a:r>
           </a:p>
           <a:p>
             <a:r>
               <a:rPr lang="en-US" dirty="0"/>
-              <a:t>Assemble – prepare the environment</a:t>
+              <a:t>During development.</a:t>
             </a:r>
           </a:p>
           <a:p>
             <a:r>
               <a:rPr lang="en-US" dirty="0"/>
-              <a:t>Act – Execute the code</a:t>
-            </a:r>
-          </a:p>
-          <a:p>
+              <a:t>Write after if you must.</a:t>
+            </a:r>
+          </a:p>
+          <a:p>
+            <a:pPr lvl="1"/>
             <a:r>
               <a:rPr lang="en-US" dirty="0"/>
-              <a:t>Assert – Determine if the test succeeded. </a:t>
+              <a:t>Good for existing code</a:t>
+            </a:r>
+          </a:p>
+          <a:p>
+            <a:r>
+              <a:rPr lang="en-US" dirty="0"/>
+              <a:t>Write as you get feedback from CI and QA testing.</a:t>
             </a:r>
           </a:p>
         </p:txBody>
@@ -8063,7 +8339,7 @@
     </p:spTree>
     <p:extLst>
       <p:ext uri="{BB962C8B-B14F-4D97-AF65-F5344CB8AC3E}">
-        <p14:creationId xmlns:p14="http://schemas.microsoft.com/office/powerpoint/2010/main" val="1834405379"/>
+        <p14:creationId xmlns:p14="http://schemas.microsoft.com/office/powerpoint/2010/main" val="1110580934"/>
       </p:ext>
     </p:extLst>
   </p:cSld>
@@ -8107,7 +8383,7 @@
           <a:p>
             <a:r>
               <a:rPr lang="en-US" dirty="0"/>
-              <a:t>Types of Tests</a:t>
+              <a:t>Structure of tests</a:t>
             </a:r>
           </a:p>
         </p:txBody>
@@ -8124,32 +8400,144 @@
         </p:nvSpPr>
         <p:spPr/>
         <p:txBody>
-          <a:bodyPr/>
-          <a:lstStyle/>
-          <a:p>
-            <a:r>
-              <a:rPr lang="en-US" dirty="0"/>
-              <a:t>Standards Tests</a:t>
-            </a:r>
-          </a:p>
-          <a:p>
-            <a:r>
-              <a:rPr lang="en-US" dirty="0"/>
-              <a:t>Logic Tests</a:t>
-            </a:r>
-          </a:p>
-          <a:p>
-            <a:r>
-              <a:rPr lang="en-US" dirty="0"/>
-              <a:t>Performance Tests</a:t>
-            </a:r>
+          <a:bodyPr>
+            <a:normAutofit/>
+          </a:bodyPr>
+          <a:lstStyle/>
+          <a:p>
+            <a:pPr>
+              <a:spcAft>
+                <a:spcPts val="450"/>
+              </a:spcAft>
+              <a:buClr>
+                <a:srgbClr val="C00000"/>
+              </a:buClr>
+            </a:pPr>
+            <a:r>
+              <a:rPr lang="en-US" sz="2100" b="1" dirty="0">
+                <a:latin typeface="Arial" panose="020B0604020202020204" pitchFamily="34" charset="0"/>
+                <a:cs typeface="Arial" panose="020B0604020202020204" pitchFamily="34" charset="0"/>
+              </a:rPr>
+              <a:t>Classes</a:t>
+            </a:r>
+          </a:p>
+          <a:p>
+            <a:pPr marL="933450" lvl="1" indent="-457200">
+              <a:buFont typeface="Arial"/>
+              <a:buChar char="•"/>
+            </a:pPr>
+            <a:r>
+              <a:rPr lang="en-US" sz="2100" dirty="0">
+                <a:latin typeface="Arial" panose="020B0604020202020204" pitchFamily="34" charset="0"/>
+                <a:cs typeface="Arial" panose="020B0604020202020204" pitchFamily="34" charset="0"/>
+              </a:rPr>
+              <a:t>Group by object/area being tested</a:t>
+            </a:r>
+          </a:p>
+          <a:p>
+            <a:pPr marL="476250" lvl="1" indent="0">
+              <a:buNone/>
+            </a:pPr>
+            <a:r>
+              <a:rPr lang="en-US" sz="2100" dirty="0">
+                <a:latin typeface="Arial" panose="020B0604020202020204" pitchFamily="34" charset="0"/>
+                <a:cs typeface="Arial" panose="020B0604020202020204" pitchFamily="34" charset="0"/>
+              </a:rPr>
+              <a:t> </a:t>
+            </a:r>
+          </a:p>
+          <a:p>
+            <a:pPr>
+              <a:spcAft>
+                <a:spcPts val="450"/>
+              </a:spcAft>
+              <a:buClr>
+                <a:srgbClr val="C00000"/>
+              </a:buClr>
+            </a:pPr>
+            <a:r>
+              <a:rPr lang="en-US" sz="2100" b="1" dirty="0">
+                <a:latin typeface="Arial" panose="020B0604020202020204" pitchFamily="34" charset="0"/>
+                <a:cs typeface="Arial" panose="020B0604020202020204" pitchFamily="34" charset="0"/>
+              </a:rPr>
+              <a:t>Layout</a:t>
+            </a:r>
+          </a:p>
+          <a:p>
+            <a:pPr marL="933450" lvl="1" indent="-457200">
+              <a:buFont typeface="Arial"/>
+              <a:buChar char="•"/>
+            </a:pPr>
+            <a:r>
+              <a:rPr lang="en-US" sz="2100" dirty="0">
+                <a:latin typeface="Arial" panose="020B0604020202020204" pitchFamily="34" charset="0"/>
+                <a:cs typeface="Arial" panose="020B0604020202020204" pitchFamily="34" charset="0"/>
+              </a:rPr>
+              <a:t>Assemble</a:t>
+            </a:r>
+          </a:p>
+          <a:p>
+            <a:pPr marL="933450" lvl="1" indent="-457200">
+              <a:buFont typeface="Arial"/>
+              <a:buChar char="•"/>
+            </a:pPr>
+            <a:r>
+              <a:rPr lang="en-US" sz="2100" dirty="0">
+                <a:latin typeface="Arial" panose="020B0604020202020204" pitchFamily="34" charset="0"/>
+                <a:cs typeface="Arial" panose="020B0604020202020204" pitchFamily="34" charset="0"/>
+              </a:rPr>
+              <a:t>Act</a:t>
+            </a:r>
+          </a:p>
+          <a:p>
+            <a:pPr marL="933450" lvl="1" indent="-457200">
+              <a:buFont typeface="Arial"/>
+              <a:buChar char="•"/>
+            </a:pPr>
+            <a:r>
+              <a:rPr lang="en-US" sz="2100" dirty="0">
+                <a:latin typeface="Arial" panose="020B0604020202020204" pitchFamily="34" charset="0"/>
+                <a:cs typeface="Arial" panose="020B0604020202020204" pitchFamily="34" charset="0"/>
+              </a:rPr>
+              <a:t>Assert</a:t>
+            </a:r>
+          </a:p>
+          <a:p>
+            <a:pPr marL="933450" lvl="1" indent="-457200">
+              <a:buFont typeface="Arial"/>
+              <a:buChar char="•"/>
+            </a:pPr>
+            <a:endParaRPr lang="en-US" sz="2100" dirty="0">
+              <a:latin typeface="Arial" panose="020B0604020202020204" pitchFamily="34" charset="0"/>
+              <a:cs typeface="Arial" panose="020B0604020202020204" pitchFamily="34" charset="0"/>
+            </a:endParaRPr>
+          </a:p>
+          <a:p>
+            <a:pPr>
+              <a:spcAft>
+                <a:spcPts val="450"/>
+              </a:spcAft>
+              <a:buClr>
+                <a:srgbClr val="C00000"/>
+              </a:buClr>
+            </a:pPr>
+            <a:r>
+              <a:rPr lang="en-US" sz="2100" b="1" dirty="0">
+                <a:latin typeface="Arial" panose="020B0604020202020204" pitchFamily="34" charset="0"/>
+                <a:cs typeface="Arial" panose="020B0604020202020204" pitchFamily="34" charset="0"/>
+              </a:rPr>
+              <a:t>Tests fail first</a:t>
+            </a:r>
+          </a:p>
+          <a:p>
+            <a:endParaRPr lang="en-US" dirty="0"/>
           </a:p>
         </p:txBody>
       </p:sp>
     </p:spTree>
     <p:extLst>
       <p:ext uri="{BB962C8B-B14F-4D97-AF65-F5344CB8AC3E}">
-        <p14:creationId xmlns:p14="http://schemas.microsoft.com/office/powerpoint/2010/main" val="2760051257"/>
+        <p14:creationId xmlns:p14="http://schemas.microsoft.com/office/powerpoint/2010/main" val="3790041024"/>
       </p:ext>
     </p:extLst>
   </p:cSld>
@@ -8193,7 +8581,7 @@
           <a:p>
             <a:r>
               <a:rPr lang="en-US" dirty="0"/>
-              <a:t>Standards Tests</a:t>
+              <a:t>Test Data</a:t>
             </a:r>
           </a:p>
         </p:txBody>
@@ -8215,23 +8603,19 @@
           <a:p>
             <a:r>
               <a:rPr lang="en-US" dirty="0"/>
-              <a:t>Ensure that the standards you care about are followed.</a:t>
-            </a:r>
-          </a:p>
-          <a:p>
-            <a:r>
-              <a:rPr lang="en-US" dirty="0" err="1"/>
-              <a:t>SQLCop</a:t>
-            </a:r>
+              <a:t>We don't need lots of data to write code</a:t>
+            </a:r>
+          </a:p>
+          <a:p>
             <a:r>
               <a:rPr lang="en-US" dirty="0"/>
-              <a:t> – sqlcop.lessthandot.com</a:t>
+              <a:t>Ideally our tests contain data</a:t>
             </a:r>
           </a:p>
           <a:p>
             <a:r>
               <a:rPr lang="en-US" dirty="0"/>
-              <a:t>Easy to write your own.</a:t>
+              <a:t>For more extensive testing, we should have a curated set of data that all developers (and systems) use.</a:t>
             </a:r>
           </a:p>
         </p:txBody>
@@ -8239,7 +8623,7 @@
     </p:spTree>
     <p:extLst>
       <p:ext uri="{BB962C8B-B14F-4D97-AF65-F5344CB8AC3E}">
-        <p14:creationId xmlns:p14="http://schemas.microsoft.com/office/powerpoint/2010/main" val="1619672544"/>
+        <p14:creationId xmlns:p14="http://schemas.microsoft.com/office/powerpoint/2010/main" val="1968612938"/>
       </p:ext>
     </p:extLst>
   </p:cSld>
@@ -8282,45 +8666,100 @@
           <a:lstStyle/>
           <a:p>
             <a:r>
+              <a:rPr lang="en-US" dirty="0" err="1"/>
+              <a:t>tSQLt</a:t>
+            </a:r>
+            <a:endParaRPr lang="en-US" dirty="0"/>
+          </a:p>
+        </p:txBody>
+      </p:sp>
+      <p:sp>
+        <p:nvSpPr>
+          <p:cNvPr id="3" name="Content Placeholder 2"/>
+          <p:cNvSpPr>
+            <a:spLocks noGrp="1"/>
+          </p:cNvSpPr>
+          <p:nvPr>
+            <p:ph idx="1"/>
+          </p:nvPr>
+        </p:nvSpPr>
+        <p:spPr/>
+        <p:txBody>
+          <a:bodyPr/>
+          <a:lstStyle/>
+          <a:p>
+            <a:r>
+              <a:rPr lang="en-US" dirty="0" err="1"/>
+              <a:t>tSQLt</a:t>
+            </a:r>
+            <a:r>
               <a:rPr lang="en-US" dirty="0"/>
-              <a:t>Our Story</a:t>
-            </a:r>
-          </a:p>
-        </p:txBody>
-      </p:sp>
-      <p:sp>
-        <p:nvSpPr>
-          <p:cNvPr id="3" name="Content Placeholder 2"/>
-          <p:cNvSpPr>
-            <a:spLocks noGrp="1"/>
-          </p:cNvSpPr>
-          <p:nvPr>
-            <p:ph idx="1"/>
-          </p:nvPr>
-        </p:nvSpPr>
-        <p:spPr/>
-        <p:txBody>
-          <a:bodyPr/>
-          <a:lstStyle/>
-          <a:p>
+              <a:t> is a free testing framework similar to </a:t>
+            </a:r>
+            <a:r>
+              <a:rPr lang="en-US" dirty="0" err="1"/>
+              <a:t>nUnit</a:t>
+            </a:r>
             <a:r>
               <a:rPr lang="en-US" dirty="0"/>
-              <a:t>This is our app and we need to enhance it</a:t>
+              <a:t>/</a:t>
+            </a:r>
+            <a:r>
+              <a:rPr lang="en-US" dirty="0" err="1"/>
+              <a:t>jUnit</a:t>
+            </a:r>
+            <a:endParaRPr lang="en-US" dirty="0"/>
+          </a:p>
+          <a:p>
+            <a:r>
+              <a:rPr lang="en-US" dirty="0">
+                <a:hlinkClick r:id="rId3"/>
+              </a:rPr>
+              <a:t>tSQLt.org</a:t>
+            </a:r>
+            <a:r>
+              <a:rPr lang="en-US" dirty="0"/>
+              <a:t> – download</a:t>
             </a:r>
           </a:p>
           <a:p>
             <a:pPr lvl="1"/>
             <a:r>
-              <a:rPr lang="en-US" b="1" dirty="0"/>
-              <a:t>We need to add a table to stage the images for articles.</a:t>
-            </a:r>
+              <a:rPr lang="en-US" dirty="0"/>
+              <a:t>Auto setup with SQL Test</a:t>
+            </a:r>
+          </a:p>
+          <a:p>
+            <a:pPr lvl="1"/>
+            <a:r>
+              <a:rPr lang="en-US" dirty="0"/>
+              <a:t>Framework requires CLR</a:t>
+            </a:r>
+          </a:p>
+          <a:p>
+            <a:r>
+              <a:rPr lang="en-US" dirty="0">
+                <a:hlinkClick r:id="rId4"/>
+              </a:rPr>
+              <a:t>Support via Google Groups</a:t>
+            </a:r>
+            <a:endParaRPr lang="en-US" dirty="0"/>
+          </a:p>
+          <a:p>
+            <a:r>
+              <a:rPr lang="en-US" dirty="0">
+                <a:hlinkClick r:id="rId5"/>
+              </a:rPr>
+              <a:t>Articles at Simple Talk</a:t>
+            </a:r>
+            <a:endParaRPr lang="en-US" dirty="0"/>
           </a:p>
         </p:txBody>
       </p:sp>
     </p:spTree>
     <p:extLst>
       <p:ext uri="{BB962C8B-B14F-4D97-AF65-F5344CB8AC3E}">
-        <p14:creationId xmlns:p14="http://schemas.microsoft.com/office/powerpoint/2010/main" val="2542757025"/>
+        <p14:creationId xmlns:p14="http://schemas.microsoft.com/office/powerpoint/2010/main" val="2399096538"/>
       </p:ext>
     </p:extLst>
   </p:cSld>
@@ -8349,7 +8788,7 @@
       </p:grpSpPr>
       <p:sp>
         <p:nvSpPr>
-          <p:cNvPr id="4" name="Title 3"/>
+          <p:cNvPr id="2" name="Title 1"/>
           <p:cNvSpPr>
             <a:spLocks noGrp="1"/>
           </p:cNvSpPr>
@@ -8363,30 +8802,49 @@
           <a:lstStyle/>
           <a:p>
             <a:r>
+              <a:rPr lang="en-US" dirty="0" err="1"/>
+              <a:t>tSQLt</a:t>
+            </a:r>
+            <a:endParaRPr lang="en-US" dirty="0"/>
+          </a:p>
+        </p:txBody>
+      </p:sp>
+      <p:sp>
+        <p:nvSpPr>
+          <p:cNvPr id="3" name="Content Placeholder 2"/>
+          <p:cNvSpPr>
+            <a:spLocks noGrp="1"/>
+          </p:cNvSpPr>
+          <p:nvPr>
+            <p:ph idx="1"/>
+          </p:nvPr>
+        </p:nvSpPr>
+        <p:spPr/>
+        <p:txBody>
+          <a:bodyPr/>
+          <a:lstStyle/>
+          <a:p>
+            <a:r>
               <a:rPr lang="en-US" dirty="0"/>
-              <a:t>Catching bad design</a:t>
-            </a:r>
-          </a:p>
-        </p:txBody>
-      </p:sp>
-      <p:sp>
-        <p:nvSpPr>
-          <p:cNvPr id="5" name="Text Placeholder 4"/>
-          <p:cNvSpPr>
-            <a:spLocks noGrp="1"/>
-          </p:cNvSpPr>
-          <p:nvPr>
-            <p:ph type="body" idx="1"/>
-          </p:nvPr>
-        </p:nvSpPr>
-        <p:spPr/>
-        <p:txBody>
-          <a:bodyPr/>
-          <a:lstStyle/>
+              <a:t>Stored procedures in their own schema</a:t>
+            </a:r>
+          </a:p>
           <a:p>
             <a:r>
               <a:rPr lang="en-US" dirty="0"/>
-              <a:t>Demo</a:t>
+              <a:t>Can run setup before tests</a:t>
+            </a:r>
+          </a:p>
+          <a:p>
+            <a:r>
+              <a:rPr lang="en-US" dirty="0"/>
+              <a:t>Can mock objects </a:t>
+            </a:r>
+          </a:p>
+          <a:p>
+            <a:r>
+              <a:rPr lang="en-US" dirty="0"/>
+              <a:t>Can implement teardown</a:t>
             </a:r>
           </a:p>
         </p:txBody>
@@ -8394,7 +8852,7 @@
     </p:spTree>
     <p:extLst>
       <p:ext uri="{BB962C8B-B14F-4D97-AF65-F5344CB8AC3E}">
-        <p14:creationId xmlns:p14="http://schemas.microsoft.com/office/powerpoint/2010/main" val="420280027"/>
+        <p14:creationId xmlns:p14="http://schemas.microsoft.com/office/powerpoint/2010/main" val="1778634078"/>
       </p:ext>
     </p:extLst>
   </p:cSld>
@@ -8438,7 +8896,7 @@
           <a:p>
             <a:r>
               <a:rPr lang="en-US" dirty="0"/>
-              <a:t>Logic Tests</a:t>
+              <a:t>Microsoft Unit Testing Framework</a:t>
             </a:r>
           </a:p>
         </p:txBody>
@@ -8460,15 +8918,36 @@
           <a:p>
             <a:r>
               <a:rPr lang="en-US" dirty="0"/>
-              <a:t>These are unit tests designed to find issues with a particular specific function</a:t>
-            </a:r>
+              <a:t>For SQL Server, implemented as part of SSDT</a:t>
+            </a:r>
+          </a:p>
+          <a:p>
+            <a:r>
+              <a:rPr lang="en-US" dirty="0"/>
+              <a:t>This framework allows us to write tests in T-SQL.</a:t>
+            </a:r>
+          </a:p>
+          <a:p>
+            <a:r>
+              <a:rPr lang="en-US" dirty="0"/>
+              <a:t>Tests are a part of a Visual Studio Database Project</a:t>
+            </a:r>
+          </a:p>
+          <a:p>
+            <a:r>
+              <a:rPr lang="en-US" dirty="0"/>
+              <a:t>The framework handles transaction wrapping</a:t>
+            </a:r>
+          </a:p>
+          <a:p>
+            <a:endParaRPr lang="en-US" dirty="0"/>
           </a:p>
         </p:txBody>
       </p:sp>
     </p:spTree>
     <p:extLst>
       <p:ext uri="{BB962C8B-B14F-4D97-AF65-F5344CB8AC3E}">
-        <p14:creationId xmlns:p14="http://schemas.microsoft.com/office/powerpoint/2010/main" val="2549004961"/>
+        <p14:creationId xmlns:p14="http://schemas.microsoft.com/office/powerpoint/2010/main" val="966011027"/>
       </p:ext>
     </p:extLst>
   </p:cSld>
@@ -8512,7 +8991,7 @@
           <a:p>
             <a:r>
               <a:rPr lang="en-US" dirty="0"/>
-              <a:t>Our Story</a:t>
+              <a:t>Standards Tests</a:t>
             </a:r>
           </a:p>
         </p:txBody>
@@ -8534,21 +9013,30 @@
           <a:p>
             <a:r>
               <a:rPr lang="en-US" dirty="0"/>
-              <a:t>This is our app and we need to enhance it</a:t>
-            </a:r>
-          </a:p>
-          <a:p>
-            <a:pPr lvl="1"/>
+              <a:t>Ensure that the standards you care about are followed.</a:t>
+            </a:r>
+          </a:p>
+          <a:p>
+            <a:r>
+              <a:rPr lang="en-US" dirty="0" err="1"/>
+              <a:t>SQLCop</a:t>
+            </a:r>
             <a:r>
               <a:rPr lang="en-US" dirty="0"/>
-              <a:t>We need to add a table to hold the images for articles.</a:t>
-            </a:r>
-          </a:p>
-          <a:p>
-            <a:pPr lvl="1"/>
-            <a:r>
-              <a:rPr lang="en-US" b="1" dirty="0"/>
-              <a:t>Let’s write a procedures to insert and select back images</a:t>
+              <a:t> – </a:t>
+            </a:r>
+            <a:r>
+              <a:rPr lang="en-US" dirty="0">
+                <a:hlinkClick r:id="rId2"/>
+              </a:rPr>
+              <a:t>sqlcop.lessthandot.com</a:t>
+            </a:r>
+            <a:endParaRPr lang="en-US" dirty="0"/>
+          </a:p>
+          <a:p>
+            <a:r>
+              <a:rPr lang="en-US" dirty="0"/>
+              <a:t>Easy to write your own.</a:t>
             </a:r>
           </a:p>
         </p:txBody>
@@ -8556,7 +9044,7 @@
     </p:spTree>
     <p:extLst>
       <p:ext uri="{BB962C8B-B14F-4D97-AF65-F5344CB8AC3E}">
-        <p14:creationId xmlns:p14="http://schemas.microsoft.com/office/powerpoint/2010/main" val="3492864798"/>
+        <p14:creationId xmlns:p14="http://schemas.microsoft.com/office/powerpoint/2010/main" val="1619672544"/>
       </p:ext>
     </p:extLst>
   </p:cSld>
@@ -8585,7 +9073,7 @@
       </p:grpSpPr>
       <p:sp>
         <p:nvSpPr>
-          <p:cNvPr id="4" name="Title 3"/>
+          <p:cNvPr id="2" name="Title 1"/>
           <p:cNvSpPr>
             <a:spLocks noGrp="1"/>
           </p:cNvSpPr>
@@ -8600,19 +9088,19 @@
           <a:p>
             <a:r>
               <a:rPr lang="en-US" dirty="0"/>
-              <a:t>Testing Stored Procedures</a:t>
-            </a:r>
-          </a:p>
-        </p:txBody>
-      </p:sp>
-      <p:sp>
-        <p:nvSpPr>
-          <p:cNvPr id="5" name="Text Placeholder 4"/>
-          <p:cNvSpPr>
-            <a:spLocks noGrp="1"/>
-          </p:cNvSpPr>
-          <p:nvPr>
-            <p:ph type="body" idx="1"/>
+              <a:t>Our Story</a:t>
+            </a:r>
+          </a:p>
+        </p:txBody>
+      </p:sp>
+      <p:sp>
+        <p:nvSpPr>
+          <p:cNvPr id="3" name="Content Placeholder 2"/>
+          <p:cNvSpPr>
+            <a:spLocks noGrp="1"/>
+          </p:cNvSpPr>
+          <p:nvPr>
+            <p:ph idx="1"/>
           </p:nvPr>
         </p:nvSpPr>
         <p:spPr/>
@@ -8622,7 +9110,14 @@
           <a:p>
             <a:r>
               <a:rPr lang="en-US" dirty="0"/>
-              <a:t>Demo</a:t>
+              <a:t>This is our app and we need to enhance it</a:t>
+            </a:r>
+          </a:p>
+          <a:p>
+            <a:pPr lvl="1"/>
+            <a:r>
+              <a:rPr lang="en-US" b="1" dirty="0"/>
+              <a:t>We need to add a table to stage the images for articles.</a:t>
             </a:r>
           </a:p>
         </p:txBody>
@@ -8630,7 +9125,7 @@
     </p:spTree>
     <p:extLst>
       <p:ext uri="{BB962C8B-B14F-4D97-AF65-F5344CB8AC3E}">
-        <p14:creationId xmlns:p14="http://schemas.microsoft.com/office/powerpoint/2010/main" val="3075909317"/>
+        <p14:creationId xmlns:p14="http://schemas.microsoft.com/office/powerpoint/2010/main" val="2542757025"/>
       </p:ext>
     </p:extLst>
   </p:cSld>
@@ -8659,7 +9154,7 @@
       </p:grpSpPr>
       <p:sp>
         <p:nvSpPr>
-          <p:cNvPr id="2" name="Title 1"/>
+          <p:cNvPr id="4" name="Title 3"/>
           <p:cNvSpPr>
             <a:spLocks noGrp="1"/>
           </p:cNvSpPr>
@@ -8674,19 +9169,19 @@
           <a:p>
             <a:r>
               <a:rPr lang="en-US" dirty="0"/>
-              <a:t>Our Story</a:t>
-            </a:r>
-          </a:p>
-        </p:txBody>
-      </p:sp>
-      <p:sp>
-        <p:nvSpPr>
-          <p:cNvPr id="3" name="Content Placeholder 2"/>
-          <p:cNvSpPr>
-            <a:spLocks noGrp="1"/>
-          </p:cNvSpPr>
-          <p:nvPr>
-            <p:ph idx="1"/>
+              <a:t>Catching bad design</a:t>
+            </a:r>
+          </a:p>
+        </p:txBody>
+      </p:sp>
+      <p:sp>
+        <p:nvSpPr>
+          <p:cNvPr id="5" name="Text Placeholder 4"/>
+          <p:cNvSpPr>
+            <a:spLocks noGrp="1"/>
+          </p:cNvSpPr>
+          <p:nvPr>
+            <p:ph type="body" idx="1"/>
           </p:nvPr>
         </p:nvSpPr>
         <p:spPr/>
@@ -8696,28 +9191,7 @@
           <a:p>
             <a:r>
               <a:rPr lang="en-US" dirty="0"/>
-              <a:t>This is our app and we need to enhance it</a:t>
-            </a:r>
-          </a:p>
-          <a:p>
-            <a:pPr lvl="1"/>
-            <a:r>
-              <a:rPr lang="en-US" dirty="0"/>
-              <a:t>We need to add a table to hold the images for articles.</a:t>
-            </a:r>
-          </a:p>
-          <a:p>
-            <a:pPr lvl="1"/>
-            <a:r>
-              <a:rPr lang="en-US" dirty="0"/>
-              <a:t>Let’s write a procedures to insert and select back images</a:t>
-            </a:r>
-          </a:p>
-          <a:p>
-            <a:pPr lvl="1"/>
-            <a:r>
-              <a:rPr lang="en-US" b="1" dirty="0"/>
-              <a:t>More complex logic, refactoring a a procedure that can query for some type of aggregate</a:t>
+              <a:t>Demo</a:t>
             </a:r>
           </a:p>
         </p:txBody>
@@ -8725,7 +9199,7 @@
     </p:spTree>
     <p:extLst>
       <p:ext uri="{BB962C8B-B14F-4D97-AF65-F5344CB8AC3E}">
-        <p14:creationId xmlns:p14="http://schemas.microsoft.com/office/powerpoint/2010/main" val="4238152070"/>
+        <p14:creationId xmlns:p14="http://schemas.microsoft.com/office/powerpoint/2010/main" val="420280027"/>
       </p:ext>
     </p:extLst>
   </p:cSld>
@@ -8754,7 +9228,7 @@
       </p:grpSpPr>
       <p:sp>
         <p:nvSpPr>
-          <p:cNvPr id="4" name="Title 3"/>
+          <p:cNvPr id="2" name="Title 1"/>
           <p:cNvSpPr>
             <a:spLocks noGrp="1"/>
           </p:cNvSpPr>
@@ -8769,19 +9243,19 @@
           <a:p>
             <a:r>
               <a:rPr lang="en-US" dirty="0"/>
-              <a:t>Preventing Regressions</a:t>
-            </a:r>
-          </a:p>
-        </p:txBody>
-      </p:sp>
-      <p:sp>
-        <p:nvSpPr>
-          <p:cNvPr id="5" name="Text Placeholder 4"/>
-          <p:cNvSpPr>
-            <a:spLocks noGrp="1"/>
-          </p:cNvSpPr>
-          <p:nvPr>
-            <p:ph type="body" idx="1"/>
+              <a:t>Logic Tests</a:t>
+            </a:r>
+          </a:p>
+        </p:txBody>
+      </p:sp>
+      <p:sp>
+        <p:nvSpPr>
+          <p:cNvPr id="3" name="Content Placeholder 2"/>
+          <p:cNvSpPr>
+            <a:spLocks noGrp="1"/>
+          </p:cNvSpPr>
+          <p:nvPr>
+            <p:ph idx="1"/>
           </p:nvPr>
         </p:nvSpPr>
         <p:spPr/>
@@ -8791,7 +9265,13 @@
           <a:p>
             <a:r>
               <a:rPr lang="en-US" dirty="0"/>
-              <a:t>Demo</a:t>
+              <a:t>These are unit tests designed to find issues with a particular specific function.</a:t>
+            </a:r>
+          </a:p>
+          <a:p>
+            <a:r>
+              <a:rPr lang="en-US" dirty="0"/>
+              <a:t>This are especially useful when refactoring code as requirements may not be clear</a:t>
             </a:r>
           </a:p>
         </p:txBody>
@@ -8799,7 +9279,7 @@
     </p:spTree>
     <p:extLst>
       <p:ext uri="{BB962C8B-B14F-4D97-AF65-F5344CB8AC3E}">
-        <p14:creationId xmlns:p14="http://schemas.microsoft.com/office/powerpoint/2010/main" val="1027799721"/>
+        <p14:creationId xmlns:p14="http://schemas.microsoft.com/office/powerpoint/2010/main" val="2549004961"/>
       </p:ext>
     </p:extLst>
   </p:cSld>
@@ -8940,7 +9420,7 @@
           <a:p>
             <a:r>
               <a:rPr lang="en-US" dirty="0"/>
-              <a:t>Having a Test Suite</a:t>
+              <a:t>Our Story</a:t>
             </a:r>
           </a:p>
         </p:txBody>
@@ -8962,19 +9442,21 @@
           <a:p>
             <a:r>
               <a:rPr lang="en-US" dirty="0"/>
-              <a:t>By continuing to grow your test suite with each change, developers spread the load</a:t>
-            </a:r>
-          </a:p>
-          <a:p>
+              <a:t>This is our app and we need to enhance it</a:t>
+            </a:r>
+          </a:p>
+          <a:p>
+            <a:pPr lvl="1"/>
             <a:r>
               <a:rPr lang="en-US" dirty="0"/>
-              <a:t>By having a large suite, we have better code coverage.</a:t>
-            </a:r>
-          </a:p>
-          <a:p>
-            <a:r>
-              <a:rPr lang="en-US" dirty="0"/>
-              <a:t>We can easily regression test.</a:t>
+              <a:t>We need to add a table to hold the images for articles.</a:t>
+            </a:r>
+          </a:p>
+          <a:p>
+            <a:pPr lvl="1"/>
+            <a:r>
+              <a:rPr lang="en-US" b="1" dirty="0"/>
+              <a:t>Let’s check our sales tax calculation</a:t>
             </a:r>
           </a:p>
         </p:txBody>
@@ -8982,7 +9464,7 @@
     </p:spTree>
     <p:extLst>
       <p:ext uri="{BB962C8B-B14F-4D97-AF65-F5344CB8AC3E}">
-        <p14:creationId xmlns:p14="http://schemas.microsoft.com/office/powerpoint/2010/main" val="2479422556"/>
+        <p14:creationId xmlns:p14="http://schemas.microsoft.com/office/powerpoint/2010/main" val="3492864798"/>
       </p:ext>
     </p:extLst>
   </p:cSld>
@@ -9011,7 +9493,7 @@
       </p:grpSpPr>
       <p:sp>
         <p:nvSpPr>
-          <p:cNvPr id="2" name="Title 1"/>
+          <p:cNvPr id="4" name="Title 3"/>
           <p:cNvSpPr>
             <a:spLocks noGrp="1"/>
           </p:cNvSpPr>
@@ -9026,19 +9508,19 @@
           <a:p>
             <a:r>
               <a:rPr lang="en-US" dirty="0"/>
-              <a:t>Summary</a:t>
-            </a:r>
-          </a:p>
-        </p:txBody>
-      </p:sp>
-      <p:sp>
-        <p:nvSpPr>
-          <p:cNvPr id="3" name="Content Placeholder 2"/>
-          <p:cNvSpPr>
-            <a:spLocks noGrp="1"/>
-          </p:cNvSpPr>
-          <p:nvPr>
-            <p:ph idx="1"/>
+              <a:t>Testing Stored Procedures</a:t>
+            </a:r>
+          </a:p>
+        </p:txBody>
+      </p:sp>
+      <p:sp>
+        <p:nvSpPr>
+          <p:cNvPr id="5" name="Text Placeholder 4"/>
+          <p:cNvSpPr>
+            <a:spLocks noGrp="1"/>
+          </p:cNvSpPr>
+          <p:nvPr>
+            <p:ph type="body" idx="1"/>
           </p:nvPr>
         </p:nvSpPr>
         <p:spPr/>
@@ -9048,33 +9530,7 @@
           <a:p>
             <a:r>
               <a:rPr lang="en-US" dirty="0"/>
-              <a:t>Testing will improve the quality of your code</a:t>
-            </a:r>
-          </a:p>
-          <a:p>
-            <a:r>
-              <a:rPr lang="en-US" dirty="0"/>
-              <a:t>Testing will lower the cost of code</a:t>
-            </a:r>
-          </a:p>
-          <a:p>
-            <a:r>
-              <a:rPr lang="en-US" dirty="0" err="1"/>
-              <a:t>tSQLt</a:t>
-            </a:r>
-            <a:r>
-              <a:rPr lang="en-US" dirty="0"/>
-              <a:t> is a framework for testing T-SQL code</a:t>
-            </a:r>
-          </a:p>
-          <a:p>
-            <a:r>
-              <a:rPr lang="en-US" dirty="0"/>
-              <a:t>SQL Cop can help you easily test </a:t>
-            </a:r>
-            <a:r>
-              <a:rPr lang="en-US"/>
-              <a:t>for standards</a:t>
+              <a:t>Demo</a:t>
             </a:r>
           </a:p>
         </p:txBody>
@@ -9082,7 +9538,7 @@
     </p:spTree>
     <p:extLst>
       <p:ext uri="{BB962C8B-B14F-4D97-AF65-F5344CB8AC3E}">
-        <p14:creationId xmlns:p14="http://schemas.microsoft.com/office/powerpoint/2010/main" val="3709868887"/>
+        <p14:creationId xmlns:p14="http://schemas.microsoft.com/office/powerpoint/2010/main" val="3075909317"/>
       </p:ext>
     </p:extLst>
   </p:cSld>
@@ -9126,6 +9582,366 @@
           <a:p>
             <a:r>
               <a:rPr lang="en-US" dirty="0"/>
+              <a:t>Our Story</a:t>
+            </a:r>
+          </a:p>
+        </p:txBody>
+      </p:sp>
+      <p:sp>
+        <p:nvSpPr>
+          <p:cNvPr id="3" name="Content Placeholder 2"/>
+          <p:cNvSpPr>
+            <a:spLocks noGrp="1"/>
+          </p:cNvSpPr>
+          <p:nvPr>
+            <p:ph idx="1"/>
+          </p:nvPr>
+        </p:nvSpPr>
+        <p:spPr/>
+        <p:txBody>
+          <a:bodyPr/>
+          <a:lstStyle/>
+          <a:p>
+            <a:r>
+              <a:rPr lang="en-US" dirty="0"/>
+              <a:t>This is our app and we need to enhance it</a:t>
+            </a:r>
+          </a:p>
+          <a:p>
+            <a:pPr lvl="1"/>
+            <a:r>
+              <a:rPr lang="en-US" dirty="0"/>
+              <a:t>We need to add a table to hold the images for articles.</a:t>
+            </a:r>
+          </a:p>
+          <a:p>
+            <a:pPr lvl="1"/>
+            <a:r>
+              <a:rPr lang="en-US" dirty="0"/>
+              <a:t>Let’s check our sales tax calculation</a:t>
+            </a:r>
+          </a:p>
+          <a:p>
+            <a:pPr lvl="1"/>
+            <a:r>
+              <a:rPr lang="en-US" b="1" dirty="0"/>
+              <a:t>We want to ensure we always get the latest headlines</a:t>
+            </a:r>
+          </a:p>
+        </p:txBody>
+      </p:sp>
+    </p:spTree>
+    <p:extLst>
+      <p:ext uri="{BB962C8B-B14F-4D97-AF65-F5344CB8AC3E}">
+        <p14:creationId xmlns:p14="http://schemas.microsoft.com/office/powerpoint/2010/main" val="4238152070"/>
+      </p:ext>
+    </p:extLst>
+  </p:cSld>
+  <p:clrMapOvr>
+    <a:masterClrMapping/>
+  </p:clrMapOvr>
+</p:sld>
+</file>
+
+<file path=ppt/slides/slide23.xml><?xml version="1.0" encoding="utf-8"?>
+<p:sld xmlns:a="http://schemas.openxmlformats.org/drawingml/2006/main" xmlns:r="http://schemas.openxmlformats.org/officeDocument/2006/relationships" xmlns:p="http://schemas.openxmlformats.org/presentationml/2006/main">
+  <p:cSld>
+    <p:spTree>
+      <p:nvGrpSpPr>
+        <p:cNvPr id="1" name=""/>
+        <p:cNvGrpSpPr/>
+        <p:nvPr/>
+      </p:nvGrpSpPr>
+      <p:grpSpPr>
+        <a:xfrm>
+          <a:off x="0" y="0"/>
+          <a:ext cx="0" cy="0"/>
+          <a:chOff x="0" y="0"/>
+          <a:chExt cx="0" cy="0"/>
+        </a:xfrm>
+      </p:grpSpPr>
+      <p:sp>
+        <p:nvSpPr>
+          <p:cNvPr id="4" name="Title 3"/>
+          <p:cNvSpPr>
+            <a:spLocks noGrp="1"/>
+          </p:cNvSpPr>
+          <p:nvPr>
+            <p:ph type="title"/>
+          </p:nvPr>
+        </p:nvSpPr>
+        <p:spPr/>
+        <p:txBody>
+          <a:bodyPr/>
+          <a:lstStyle/>
+          <a:p>
+            <a:r>
+              <a:rPr lang="en-US" dirty="0"/>
+              <a:t>Preventing Data </a:t>
+            </a:r>
+            <a:r>
+              <a:rPr lang="en-US" dirty="0" err="1"/>
+              <a:t>IsSues</a:t>
+            </a:r>
+            <a:endParaRPr lang="en-US" dirty="0"/>
+          </a:p>
+        </p:txBody>
+      </p:sp>
+      <p:sp>
+        <p:nvSpPr>
+          <p:cNvPr id="5" name="Text Placeholder 4"/>
+          <p:cNvSpPr>
+            <a:spLocks noGrp="1"/>
+          </p:cNvSpPr>
+          <p:nvPr>
+            <p:ph type="body" idx="1"/>
+          </p:nvPr>
+        </p:nvSpPr>
+        <p:spPr/>
+        <p:txBody>
+          <a:bodyPr/>
+          <a:lstStyle/>
+          <a:p>
+            <a:r>
+              <a:rPr lang="en-US" dirty="0"/>
+              <a:t>Demo</a:t>
+            </a:r>
+          </a:p>
+        </p:txBody>
+      </p:sp>
+    </p:spTree>
+    <p:extLst>
+      <p:ext uri="{BB962C8B-B14F-4D97-AF65-F5344CB8AC3E}">
+        <p14:creationId xmlns:p14="http://schemas.microsoft.com/office/powerpoint/2010/main" val="1027799721"/>
+      </p:ext>
+    </p:extLst>
+  </p:cSld>
+  <p:clrMapOvr>
+    <a:masterClrMapping/>
+  </p:clrMapOvr>
+</p:sld>
+</file>
+
+<file path=ppt/slides/slide24.xml><?xml version="1.0" encoding="utf-8"?>
+<p:sld xmlns:a="http://schemas.openxmlformats.org/drawingml/2006/main" xmlns:r="http://schemas.openxmlformats.org/officeDocument/2006/relationships" xmlns:p="http://schemas.openxmlformats.org/presentationml/2006/main">
+  <p:cSld>
+    <p:spTree>
+      <p:nvGrpSpPr>
+        <p:cNvPr id="1" name=""/>
+        <p:cNvGrpSpPr/>
+        <p:nvPr/>
+      </p:nvGrpSpPr>
+      <p:grpSpPr>
+        <a:xfrm>
+          <a:off x="0" y="0"/>
+          <a:ext cx="0" cy="0"/>
+          <a:chOff x="0" y="0"/>
+          <a:chExt cx="0" cy="0"/>
+        </a:xfrm>
+      </p:grpSpPr>
+      <p:sp>
+        <p:nvSpPr>
+          <p:cNvPr id="2" name="Title 1"/>
+          <p:cNvSpPr>
+            <a:spLocks noGrp="1"/>
+          </p:cNvSpPr>
+          <p:nvPr>
+            <p:ph type="title"/>
+          </p:nvPr>
+        </p:nvSpPr>
+        <p:spPr/>
+        <p:txBody>
+          <a:bodyPr/>
+          <a:lstStyle/>
+          <a:p>
+            <a:r>
+              <a:rPr lang="en-US" dirty="0"/>
+              <a:t>Having a Test Suite</a:t>
+            </a:r>
+          </a:p>
+        </p:txBody>
+      </p:sp>
+      <p:sp>
+        <p:nvSpPr>
+          <p:cNvPr id="3" name="Content Placeholder 2"/>
+          <p:cNvSpPr>
+            <a:spLocks noGrp="1"/>
+          </p:cNvSpPr>
+          <p:nvPr>
+            <p:ph idx="1"/>
+          </p:nvPr>
+        </p:nvSpPr>
+        <p:spPr/>
+        <p:txBody>
+          <a:bodyPr/>
+          <a:lstStyle/>
+          <a:p>
+            <a:r>
+              <a:rPr lang="en-US" dirty="0"/>
+              <a:t>By continuing to grow your test suite with each change, developers spread the load</a:t>
+            </a:r>
+          </a:p>
+          <a:p>
+            <a:r>
+              <a:rPr lang="en-US" dirty="0"/>
+              <a:t>By having a large suite, we have better code coverage.</a:t>
+            </a:r>
+          </a:p>
+          <a:p>
+            <a:r>
+              <a:rPr lang="en-US" dirty="0"/>
+              <a:t>We can easily regression test.</a:t>
+            </a:r>
+          </a:p>
+        </p:txBody>
+      </p:sp>
+    </p:spTree>
+    <p:extLst>
+      <p:ext uri="{BB962C8B-B14F-4D97-AF65-F5344CB8AC3E}">
+        <p14:creationId xmlns:p14="http://schemas.microsoft.com/office/powerpoint/2010/main" val="2479422556"/>
+      </p:ext>
+    </p:extLst>
+  </p:cSld>
+  <p:clrMapOvr>
+    <a:masterClrMapping/>
+  </p:clrMapOvr>
+</p:sld>
+</file>
+
+<file path=ppt/slides/slide25.xml><?xml version="1.0" encoding="utf-8"?>
+<p:sld xmlns:a="http://schemas.openxmlformats.org/drawingml/2006/main" xmlns:r="http://schemas.openxmlformats.org/officeDocument/2006/relationships" xmlns:p="http://schemas.openxmlformats.org/presentationml/2006/main">
+  <p:cSld>
+    <p:spTree>
+      <p:nvGrpSpPr>
+        <p:cNvPr id="1" name=""/>
+        <p:cNvGrpSpPr/>
+        <p:nvPr/>
+      </p:nvGrpSpPr>
+      <p:grpSpPr>
+        <a:xfrm>
+          <a:off x="0" y="0"/>
+          <a:ext cx="0" cy="0"/>
+          <a:chOff x="0" y="0"/>
+          <a:chExt cx="0" cy="0"/>
+        </a:xfrm>
+      </p:grpSpPr>
+      <p:sp>
+        <p:nvSpPr>
+          <p:cNvPr id="2" name="Title 1"/>
+          <p:cNvSpPr>
+            <a:spLocks noGrp="1"/>
+          </p:cNvSpPr>
+          <p:nvPr>
+            <p:ph type="title"/>
+          </p:nvPr>
+        </p:nvSpPr>
+        <p:spPr/>
+        <p:txBody>
+          <a:bodyPr/>
+          <a:lstStyle/>
+          <a:p>
+            <a:r>
+              <a:rPr lang="en-US" dirty="0"/>
+              <a:t>Summary</a:t>
+            </a:r>
+          </a:p>
+        </p:txBody>
+      </p:sp>
+      <p:sp>
+        <p:nvSpPr>
+          <p:cNvPr id="3" name="Content Placeholder 2"/>
+          <p:cNvSpPr>
+            <a:spLocks noGrp="1"/>
+          </p:cNvSpPr>
+          <p:nvPr>
+            <p:ph idx="1"/>
+          </p:nvPr>
+        </p:nvSpPr>
+        <p:spPr/>
+        <p:txBody>
+          <a:bodyPr/>
+          <a:lstStyle/>
+          <a:p>
+            <a:r>
+              <a:rPr lang="en-US" dirty="0"/>
+              <a:t>Testing will improve the quality of your code</a:t>
+            </a:r>
+          </a:p>
+          <a:p>
+            <a:r>
+              <a:rPr lang="en-US" dirty="0"/>
+              <a:t>Testing will lower the cost of code</a:t>
+            </a:r>
+          </a:p>
+          <a:p>
+            <a:r>
+              <a:rPr lang="en-US" dirty="0" err="1"/>
+              <a:t>tSQLt</a:t>
+            </a:r>
+            <a:r>
+              <a:rPr lang="en-US" dirty="0"/>
+              <a:t> is a framework for testing T-SQL code</a:t>
+            </a:r>
+          </a:p>
+          <a:p>
+            <a:r>
+              <a:rPr lang="en-US" dirty="0"/>
+              <a:t>SQL Cop can help you easily test </a:t>
+            </a:r>
+            <a:r>
+              <a:rPr lang="en-US"/>
+              <a:t>for standards</a:t>
+            </a:r>
+          </a:p>
+        </p:txBody>
+      </p:sp>
+    </p:spTree>
+    <p:extLst>
+      <p:ext uri="{BB962C8B-B14F-4D97-AF65-F5344CB8AC3E}">
+        <p14:creationId xmlns:p14="http://schemas.microsoft.com/office/powerpoint/2010/main" val="3709868887"/>
+      </p:ext>
+    </p:extLst>
+  </p:cSld>
+  <p:clrMapOvr>
+    <a:masterClrMapping/>
+  </p:clrMapOvr>
+</p:sld>
+</file>
+
+<file path=ppt/slides/slide26.xml><?xml version="1.0" encoding="utf-8"?>
+<p:sld xmlns:a="http://schemas.openxmlformats.org/drawingml/2006/main" xmlns:r="http://schemas.openxmlformats.org/officeDocument/2006/relationships" xmlns:p="http://schemas.openxmlformats.org/presentationml/2006/main">
+  <p:cSld>
+    <p:spTree>
+      <p:nvGrpSpPr>
+        <p:cNvPr id="1" name=""/>
+        <p:cNvGrpSpPr/>
+        <p:nvPr/>
+      </p:nvGrpSpPr>
+      <p:grpSpPr>
+        <a:xfrm>
+          <a:off x="0" y="0"/>
+          <a:ext cx="0" cy="0"/>
+          <a:chOff x="0" y="0"/>
+          <a:chExt cx="0" cy="0"/>
+        </a:xfrm>
+      </p:grpSpPr>
+      <p:sp>
+        <p:nvSpPr>
+          <p:cNvPr id="2" name="Title 1"/>
+          <p:cNvSpPr>
+            <a:spLocks noGrp="1"/>
+          </p:cNvSpPr>
+          <p:nvPr>
+            <p:ph type="title"/>
+          </p:nvPr>
+        </p:nvSpPr>
+        <p:spPr/>
+        <p:txBody>
+          <a:bodyPr/>
+          <a:lstStyle/>
+          <a:p>
+            <a:r>
+              <a:rPr lang="en-US" dirty="0"/>
               <a:t>The Continuous Delivery Pipeline</a:t>
             </a:r>
           </a:p>
@@ -9169,7 +9985,7 @@
 </p:sld>
 </file>
 
-<file path=ppt/slides/slide23.xml><?xml version="1.0" encoding="utf-8"?>
+<file path=ppt/slides/slide27.xml><?xml version="1.0" encoding="utf-8"?>
 <p:sld xmlns:a="http://schemas.openxmlformats.org/drawingml/2006/main" xmlns:r="http://schemas.openxmlformats.org/officeDocument/2006/relationships" xmlns:p="http://schemas.openxmlformats.org/presentationml/2006/main">
   <p:cSld>
     <p:spTree>
@@ -9762,7 +10578,7 @@
 </p:sld>
 </file>
 
-<file path=ppt/slides/slide24.xml><?xml version="1.0" encoding="utf-8"?>
+<file path=ppt/slides/slide28.xml><?xml version="1.0" encoding="utf-8"?>
 <p:sld xmlns:a="http://schemas.openxmlformats.org/drawingml/2006/main" xmlns:r="http://schemas.openxmlformats.org/officeDocument/2006/relationships" xmlns:p="http://schemas.openxmlformats.org/presentationml/2006/main">
   <p:cSld>
     <p:spTree>
@@ -9860,7 +10676,7 @@
 </p:sld>
 </file>
 
-<file path=ppt/slides/slide25.xml><?xml version="1.0" encoding="utf-8"?>
+<file path=ppt/slides/slide29.xml><?xml version="1.0" encoding="utf-8"?>
 <p:sld xmlns:a="http://schemas.openxmlformats.org/drawingml/2006/main" xmlns:r="http://schemas.openxmlformats.org/officeDocument/2006/relationships" xmlns:p="http://schemas.openxmlformats.org/presentationml/2006/main">
   <p:cSld>
     <p:spTree>
@@ -9948,74 +10764,6 @@
     <p:extLst>
       <p:ext uri="{BB962C8B-B14F-4D97-AF65-F5344CB8AC3E}">
         <p14:creationId xmlns:p14="http://schemas.microsoft.com/office/powerpoint/2010/main" val="2354176993"/>
-      </p:ext>
-    </p:extLst>
-  </p:cSld>
-  <p:clrMapOvr>
-    <a:masterClrMapping/>
-  </p:clrMapOvr>
-</p:sld>
-</file>
-
-<file path=ppt/slides/slide26.xml><?xml version="1.0" encoding="utf-8"?>
-<p:sld xmlns:a="http://schemas.openxmlformats.org/drawingml/2006/main" xmlns:r="http://schemas.openxmlformats.org/officeDocument/2006/relationships" xmlns:p="http://schemas.openxmlformats.org/presentationml/2006/main">
-  <p:cSld>
-    <p:spTree>
-      <p:nvGrpSpPr>
-        <p:cNvPr id="1" name=""/>
-        <p:cNvGrpSpPr/>
-        <p:nvPr/>
-      </p:nvGrpSpPr>
-      <p:grpSpPr>
-        <a:xfrm>
-          <a:off x="0" y="0"/>
-          <a:ext cx="0" cy="0"/>
-          <a:chOff x="0" y="0"/>
-          <a:chExt cx="0" cy="0"/>
-        </a:xfrm>
-      </p:grpSpPr>
-      <p:sp>
-        <p:nvSpPr>
-          <p:cNvPr id="2" name="Title 1"/>
-          <p:cNvSpPr>
-            <a:spLocks noGrp="1"/>
-          </p:cNvSpPr>
-          <p:nvPr>
-            <p:ph type="title"/>
-          </p:nvPr>
-        </p:nvSpPr>
-        <p:spPr/>
-        <p:txBody>
-          <a:bodyPr/>
-          <a:lstStyle/>
-          <a:p>
-            <a:endParaRPr lang="en-US" dirty="0"/>
-          </a:p>
-        </p:txBody>
-      </p:sp>
-      <p:sp>
-        <p:nvSpPr>
-          <p:cNvPr id="3" name="Content Placeholder 2"/>
-          <p:cNvSpPr>
-            <a:spLocks noGrp="1"/>
-          </p:cNvSpPr>
-          <p:nvPr>
-            <p:ph idx="1"/>
-          </p:nvPr>
-        </p:nvSpPr>
-        <p:spPr/>
-        <p:txBody>
-          <a:bodyPr/>
-          <a:lstStyle/>
-          <a:p>
-            <a:endParaRPr lang="en-US"/>
-          </a:p>
-        </p:txBody>
-      </p:sp>
-    </p:spTree>
-    <p:extLst>
-      <p:ext uri="{BB962C8B-B14F-4D97-AF65-F5344CB8AC3E}">
-        <p14:creationId xmlns:p14="http://schemas.microsoft.com/office/powerpoint/2010/main" val="1667791595"/>
       </p:ext>
     </p:extLst>
   </p:cSld>
@@ -10528,7 +11276,989 @@
 </p:sld>
 </file>
 
+<file path=ppt/slides/slide30.xml><?xml version="1.0" encoding="utf-8"?>
+<p:sld xmlns:a="http://schemas.openxmlformats.org/drawingml/2006/main" xmlns:r="http://schemas.openxmlformats.org/officeDocument/2006/relationships" xmlns:p="http://schemas.openxmlformats.org/presentationml/2006/main">
+  <p:cSld>
+    <p:spTree>
+      <p:nvGrpSpPr>
+        <p:cNvPr id="1" name=""/>
+        <p:cNvGrpSpPr/>
+        <p:nvPr/>
+      </p:nvGrpSpPr>
+      <p:grpSpPr>
+        <a:xfrm>
+          <a:off x="0" y="0"/>
+          <a:ext cx="0" cy="0"/>
+          <a:chOff x="0" y="0"/>
+          <a:chExt cx="0" cy="0"/>
+        </a:xfrm>
+      </p:grpSpPr>
+      <p:sp>
+        <p:nvSpPr>
+          <p:cNvPr id="2" name="Title 1"/>
+          <p:cNvSpPr>
+            <a:spLocks noGrp="1"/>
+          </p:cNvSpPr>
+          <p:nvPr>
+            <p:ph type="title"/>
+          </p:nvPr>
+        </p:nvSpPr>
+        <p:spPr/>
+        <p:txBody>
+          <a:bodyPr/>
+          <a:lstStyle/>
+          <a:p>
+            <a:endParaRPr lang="en-US" dirty="0"/>
+          </a:p>
+        </p:txBody>
+      </p:sp>
+      <p:sp>
+        <p:nvSpPr>
+          <p:cNvPr id="3" name="Content Placeholder 2"/>
+          <p:cNvSpPr>
+            <a:spLocks noGrp="1"/>
+          </p:cNvSpPr>
+          <p:nvPr>
+            <p:ph idx="1"/>
+          </p:nvPr>
+        </p:nvSpPr>
+        <p:spPr/>
+        <p:txBody>
+          <a:bodyPr/>
+          <a:lstStyle/>
+          <a:p>
+            <a:endParaRPr lang="en-US"/>
+          </a:p>
+        </p:txBody>
+      </p:sp>
+    </p:spTree>
+    <p:extLst>
+      <p:ext uri="{BB962C8B-B14F-4D97-AF65-F5344CB8AC3E}">
+        <p14:creationId xmlns:p14="http://schemas.microsoft.com/office/powerpoint/2010/main" val="1667791595"/>
+      </p:ext>
+    </p:extLst>
+  </p:cSld>
+  <p:clrMapOvr>
+    <a:masterClrMapping/>
+  </p:clrMapOvr>
+</p:sld>
+</file>
+
 <file path=ppt/slides/slide4.xml><?xml version="1.0" encoding="utf-8"?>
+<p:sld xmlns:a="http://schemas.openxmlformats.org/drawingml/2006/main" xmlns:r="http://schemas.openxmlformats.org/officeDocument/2006/relationships" xmlns:p="http://schemas.openxmlformats.org/presentationml/2006/main">
+  <p:cSld>
+    <p:spTree>
+      <p:nvGrpSpPr>
+        <p:cNvPr id="1" name=""/>
+        <p:cNvGrpSpPr/>
+        <p:nvPr/>
+      </p:nvGrpSpPr>
+      <p:grpSpPr>
+        <a:xfrm>
+          <a:off x="0" y="0"/>
+          <a:ext cx="0" cy="0"/>
+          <a:chOff x="0" y="0"/>
+          <a:chExt cx="0" cy="0"/>
+        </a:xfrm>
+      </p:grpSpPr>
+      <p:sp>
+        <p:nvSpPr>
+          <p:cNvPr id="2" name="Title 1"/>
+          <p:cNvSpPr>
+            <a:spLocks noGrp="1"/>
+          </p:cNvSpPr>
+          <p:nvPr>
+            <p:ph type="title"/>
+          </p:nvPr>
+        </p:nvSpPr>
+        <p:spPr/>
+        <p:txBody>
+          <a:bodyPr/>
+          <a:lstStyle/>
+          <a:p>
+            <a:r>
+              <a:rPr lang="en-US" dirty="0"/>
+              <a:t>Who Does T-SQL Unit Testing?</a:t>
+            </a:r>
+          </a:p>
+        </p:txBody>
+      </p:sp>
+      <p:pic>
+        <p:nvPicPr>
+          <p:cNvPr id="3" name="Picture 2"/>
+          <p:cNvPicPr>
+            <a:picLocks noChangeAspect="1"/>
+          </p:cNvPicPr>
+          <p:nvPr/>
+        </p:nvPicPr>
+        <p:blipFill>
+          <a:blip r:embed="rId2">
+            <a:extLst>
+              <a:ext uri="{28A0092B-C50C-407E-A947-70E740481C1C}">
+                <a14:useLocalDpi xmlns:a14="http://schemas.microsoft.com/office/drawing/2010/main" val="0"/>
+              </a:ext>
+            </a:extLst>
+          </a:blip>
+          <a:stretch>
+            <a:fillRect/>
+          </a:stretch>
+        </p:blipFill>
+        <p:spPr>
+          <a:xfrm>
+            <a:off x="670968" y="4967242"/>
+            <a:ext cx="7802064" cy="657317"/>
+          </a:xfrm>
+          <a:prstGeom prst="rect">
+            <a:avLst/>
+          </a:prstGeom>
+        </p:spPr>
+      </p:pic>
+      <p:pic>
+        <p:nvPicPr>
+          <p:cNvPr id="4" name="Picture 3"/>
+          <p:cNvPicPr>
+            <a:picLocks noChangeAspect="1"/>
+          </p:cNvPicPr>
+          <p:nvPr/>
+        </p:nvPicPr>
+        <p:blipFill>
+          <a:blip r:embed="rId3">
+            <a:extLst>
+              <a:ext uri="{28A0092B-C50C-407E-A947-70E740481C1C}">
+                <a14:useLocalDpi xmlns:a14="http://schemas.microsoft.com/office/drawing/2010/main" val="0"/>
+              </a:ext>
+            </a:extLst>
+          </a:blip>
+          <a:stretch>
+            <a:fillRect/>
+          </a:stretch>
+        </p:blipFill>
+        <p:spPr>
+          <a:xfrm>
+            <a:off x="670969" y="1985838"/>
+            <a:ext cx="2848373" cy="1781424"/>
+          </a:xfrm>
+          <a:prstGeom prst="rect">
+            <a:avLst/>
+          </a:prstGeom>
+        </p:spPr>
+      </p:pic>
+      <p:sp>
+        <p:nvSpPr>
+          <p:cNvPr id="5" name="TextBox 4"/>
+          <p:cNvSpPr txBox="1"/>
+          <p:nvPr/>
+        </p:nvSpPr>
+        <p:spPr>
+          <a:xfrm>
+            <a:off x="4914900" y="1928689"/>
+            <a:ext cx="3124200" cy="584775"/>
+          </a:xfrm>
+          <a:prstGeom prst="rect">
+            <a:avLst/>
+          </a:prstGeom>
+          <a:noFill/>
+        </p:spPr>
+        <p:txBody>
+          <a:bodyPr wrap="square" rtlCol="0">
+            <a:spAutoFit/>
+          </a:bodyPr>
+          <a:lstStyle/>
+          <a:p>
+            <a:r>
+              <a:rPr lang="en-US" sz="3200" b="1" dirty="0">
+                <a:solidFill>
+                  <a:srgbClr val="CC0000"/>
+                </a:solidFill>
+              </a:rPr>
+              <a:t>Not this</a:t>
+            </a:r>
+          </a:p>
+        </p:txBody>
+      </p:sp>
+      <p:cxnSp>
+        <p:nvCxnSpPr>
+          <p:cNvPr id="7" name="Straight Arrow Connector 6"/>
+          <p:cNvCxnSpPr/>
+          <p:nvPr/>
+        </p:nvCxnSpPr>
+        <p:spPr>
+          <a:xfrm flipH="1">
+            <a:off x="3519342" y="2235476"/>
+            <a:ext cx="1357459" cy="164824"/>
+          </a:xfrm>
+          <a:prstGeom prst="straightConnector1">
+            <a:avLst/>
+          </a:prstGeom>
+          <a:ln w="127000">
+            <a:solidFill>
+              <a:srgbClr val="CC0000"/>
+            </a:solidFill>
+            <a:tailEnd type="triangle"/>
+          </a:ln>
+        </p:spPr>
+        <p:style>
+          <a:lnRef idx="1">
+            <a:schemeClr val="accent1"/>
+          </a:lnRef>
+          <a:fillRef idx="0">
+            <a:schemeClr val="accent1"/>
+          </a:fillRef>
+          <a:effectRef idx="0">
+            <a:schemeClr val="accent1"/>
+          </a:effectRef>
+          <a:fontRef idx="minor">
+            <a:schemeClr val="tx1"/>
+          </a:fontRef>
+        </p:style>
+      </p:cxnSp>
+      <p:cxnSp>
+        <p:nvCxnSpPr>
+          <p:cNvPr id="10" name="Straight Arrow Connector 9"/>
+          <p:cNvCxnSpPr/>
+          <p:nvPr/>
+        </p:nvCxnSpPr>
+        <p:spPr>
+          <a:xfrm flipH="1">
+            <a:off x="3519342" y="3786312"/>
+            <a:ext cx="1295400" cy="976450"/>
+          </a:xfrm>
+          <a:prstGeom prst="straightConnector1">
+            <a:avLst/>
+          </a:prstGeom>
+          <a:ln w="127000">
+            <a:solidFill>
+              <a:srgbClr val="CC0000"/>
+            </a:solidFill>
+            <a:tailEnd type="triangle"/>
+          </a:ln>
+        </p:spPr>
+        <p:style>
+          <a:lnRef idx="1">
+            <a:schemeClr val="accent1"/>
+          </a:lnRef>
+          <a:fillRef idx="0">
+            <a:schemeClr val="accent1"/>
+          </a:fillRef>
+          <a:effectRef idx="0">
+            <a:schemeClr val="accent1"/>
+          </a:effectRef>
+          <a:fontRef idx="minor">
+            <a:schemeClr val="tx1"/>
+          </a:fontRef>
+        </p:style>
+      </p:cxnSp>
+      <p:sp>
+        <p:nvSpPr>
+          <p:cNvPr id="14" name="Oval 13"/>
+          <p:cNvSpPr/>
+          <p:nvPr/>
+        </p:nvSpPr>
+        <p:spPr>
+          <a:xfrm>
+            <a:off x="342900" y="4387165"/>
+            <a:ext cx="5200650" cy="1351589"/>
+          </a:xfrm>
+          <a:prstGeom prst="ellipse">
+            <a:avLst/>
+          </a:prstGeom>
+          <a:noFill/>
+          <a:ln w="31750">
+            <a:solidFill>
+              <a:srgbClr val="CC0000"/>
+            </a:solidFill>
+          </a:ln>
+        </p:spPr>
+        <p:style>
+          <a:lnRef idx="2">
+            <a:schemeClr val="accent1">
+              <a:shade val="50000"/>
+            </a:schemeClr>
+          </a:lnRef>
+          <a:fillRef idx="1">
+            <a:schemeClr val="accent1"/>
+          </a:fillRef>
+          <a:effectRef idx="0">
+            <a:schemeClr val="accent1"/>
+          </a:effectRef>
+          <a:fontRef idx="minor">
+            <a:schemeClr val="lt1"/>
+          </a:fontRef>
+        </p:style>
+        <p:txBody>
+          <a:bodyPr rtlCol="0" anchor="ctr"/>
+          <a:lstStyle/>
+          <a:p>
+            <a:pPr algn="ctr"/>
+            <a:endParaRPr lang="en-US"/>
+          </a:p>
+        </p:txBody>
+      </p:sp>
+      <p:sp>
+        <p:nvSpPr>
+          <p:cNvPr id="6" name="Multiplication Sign 5"/>
+          <p:cNvSpPr/>
+          <p:nvPr/>
+        </p:nvSpPr>
+        <p:spPr>
+          <a:xfrm>
+            <a:off x="559521" y="1799557"/>
+            <a:ext cx="2438400" cy="2062103"/>
+          </a:xfrm>
+          <a:prstGeom prst="mathMultiply">
+            <a:avLst/>
+          </a:prstGeom>
+          <a:solidFill>
+            <a:schemeClr val="accent2"/>
+          </a:solidFill>
+          <a:ln>
+            <a:solidFill>
+              <a:schemeClr val="accent2"/>
+            </a:solidFill>
+          </a:ln>
+        </p:spPr>
+        <p:style>
+          <a:lnRef idx="2">
+            <a:schemeClr val="accent1">
+              <a:shade val="50000"/>
+            </a:schemeClr>
+          </a:lnRef>
+          <a:fillRef idx="1">
+            <a:schemeClr val="accent1"/>
+          </a:fillRef>
+          <a:effectRef idx="0">
+            <a:schemeClr val="accent1"/>
+          </a:effectRef>
+          <a:fontRef idx="minor">
+            <a:schemeClr val="lt1"/>
+          </a:fontRef>
+        </p:style>
+        <p:txBody>
+          <a:bodyPr rtlCol="0" anchor="ctr"/>
+          <a:lstStyle/>
+          <a:p>
+            <a:pPr algn="ctr"/>
+            <a:endParaRPr lang="en-US"/>
+          </a:p>
+        </p:txBody>
+      </p:sp>
+      <p:sp>
+        <p:nvSpPr>
+          <p:cNvPr id="11" name="TextBox 10"/>
+          <p:cNvSpPr txBox="1"/>
+          <p:nvPr/>
+        </p:nvSpPr>
+        <p:spPr>
+          <a:xfrm>
+            <a:off x="4918365" y="3157927"/>
+            <a:ext cx="3124200" cy="584775"/>
+          </a:xfrm>
+          <a:prstGeom prst="rect">
+            <a:avLst/>
+          </a:prstGeom>
+          <a:noFill/>
+        </p:spPr>
+        <p:txBody>
+          <a:bodyPr wrap="square" rtlCol="0">
+            <a:spAutoFit/>
+          </a:bodyPr>
+          <a:lstStyle/>
+          <a:p>
+            <a:r>
+              <a:rPr lang="en-US" sz="3200" b="1" dirty="0">
+                <a:solidFill>
+                  <a:srgbClr val="CC0000"/>
+                </a:solidFill>
+              </a:rPr>
+              <a:t>This</a:t>
+            </a:r>
+          </a:p>
+        </p:txBody>
+      </p:sp>
+    </p:spTree>
+    <p:extLst>
+      <p:ext uri="{BB962C8B-B14F-4D97-AF65-F5344CB8AC3E}">
+        <p14:creationId xmlns:p14="http://schemas.microsoft.com/office/powerpoint/2010/main" val="23070790"/>
+      </p:ext>
+    </p:extLst>
+  </p:cSld>
+  <p:clrMapOvr>
+    <a:masterClrMapping/>
+  </p:clrMapOvr>
+  <p:timing>
+    <p:tnLst>
+      <p:par>
+        <p:cTn id="1" dur="indefinite" restart="never" nodeType="tmRoot">
+          <p:childTnLst>
+            <p:seq concurrent="1" nextAc="seek">
+              <p:cTn id="2" dur="indefinite" nodeType="mainSeq">
+                <p:childTnLst>
+                  <p:par>
+                    <p:cTn id="3" fill="hold">
+                      <p:stCondLst>
+                        <p:cond delay="indefinite"/>
+                      </p:stCondLst>
+                      <p:childTnLst>
+                        <p:par>
+                          <p:cTn id="4" fill="hold">
+                            <p:stCondLst>
+                              <p:cond delay="0"/>
+                            </p:stCondLst>
+                            <p:childTnLst>
+                              <p:par>
+                                <p:cTn id="5" presetID="10" presetClass="entr" presetSubtype="0" fill="hold" grpId="0" nodeType="clickEffect">
+                                  <p:stCondLst>
+                                    <p:cond delay="0"/>
+                                  </p:stCondLst>
+                                  <p:childTnLst>
+                                    <p:set>
+                                      <p:cBhvr>
+                                        <p:cTn id="6" dur="1" fill="hold">
+                                          <p:stCondLst>
+                                            <p:cond delay="0"/>
+                                          </p:stCondLst>
+                                        </p:cTn>
+                                        <p:tgtEl>
+                                          <p:spTgt spid="6"/>
+                                        </p:tgtEl>
+                                        <p:attrNameLst>
+                                          <p:attrName>style.visibility</p:attrName>
+                                        </p:attrNameLst>
+                                      </p:cBhvr>
+                                      <p:to>
+                                        <p:strVal val="visible"/>
+                                      </p:to>
+                                    </p:set>
+                                    <p:animEffect transition="in" filter="fade">
+                                      <p:cBhvr>
+                                        <p:cTn id="7" dur="500"/>
+                                        <p:tgtEl>
+                                          <p:spTgt spid="6"/>
+                                        </p:tgtEl>
+                                      </p:cBhvr>
+                                    </p:animEffect>
+                                  </p:childTnLst>
+                                </p:cTn>
+                              </p:par>
+                              <p:par>
+                                <p:cTn id="8" presetID="10" presetClass="entr" presetSubtype="0" fill="hold" nodeType="withEffect">
+                                  <p:stCondLst>
+                                    <p:cond delay="0"/>
+                                  </p:stCondLst>
+                                  <p:childTnLst>
+                                    <p:set>
+                                      <p:cBhvr>
+                                        <p:cTn id="9" dur="1" fill="hold">
+                                          <p:stCondLst>
+                                            <p:cond delay="0"/>
+                                          </p:stCondLst>
+                                        </p:cTn>
+                                        <p:tgtEl>
+                                          <p:spTgt spid="7"/>
+                                        </p:tgtEl>
+                                        <p:attrNameLst>
+                                          <p:attrName>style.visibility</p:attrName>
+                                        </p:attrNameLst>
+                                      </p:cBhvr>
+                                      <p:to>
+                                        <p:strVal val="visible"/>
+                                      </p:to>
+                                    </p:set>
+                                    <p:animEffect transition="in" filter="fade">
+                                      <p:cBhvr>
+                                        <p:cTn id="10" dur="500"/>
+                                        <p:tgtEl>
+                                          <p:spTgt spid="7"/>
+                                        </p:tgtEl>
+                                      </p:cBhvr>
+                                    </p:animEffect>
+                                  </p:childTnLst>
+                                </p:cTn>
+                              </p:par>
+                              <p:par>
+                                <p:cTn id="11" presetID="10" presetClass="entr" presetSubtype="0" fill="hold" grpId="0" nodeType="withEffect">
+                                  <p:stCondLst>
+                                    <p:cond delay="0"/>
+                                  </p:stCondLst>
+                                  <p:childTnLst>
+                                    <p:set>
+                                      <p:cBhvr>
+                                        <p:cTn id="12" dur="1" fill="hold">
+                                          <p:stCondLst>
+                                            <p:cond delay="0"/>
+                                          </p:stCondLst>
+                                        </p:cTn>
+                                        <p:tgtEl>
+                                          <p:spTgt spid="5"/>
+                                        </p:tgtEl>
+                                        <p:attrNameLst>
+                                          <p:attrName>style.visibility</p:attrName>
+                                        </p:attrNameLst>
+                                      </p:cBhvr>
+                                      <p:to>
+                                        <p:strVal val="visible"/>
+                                      </p:to>
+                                    </p:set>
+                                    <p:animEffect transition="in" filter="fade">
+                                      <p:cBhvr>
+                                        <p:cTn id="13" dur="500"/>
+                                        <p:tgtEl>
+                                          <p:spTgt spid="5"/>
+                                        </p:tgtEl>
+                                      </p:cBhvr>
+                                    </p:animEffect>
+                                  </p:childTnLst>
+                                </p:cTn>
+                              </p:par>
+                            </p:childTnLst>
+                          </p:cTn>
+                        </p:par>
+                      </p:childTnLst>
+                    </p:cTn>
+                  </p:par>
+                  <p:par>
+                    <p:cTn id="14" fill="hold">
+                      <p:stCondLst>
+                        <p:cond delay="indefinite"/>
+                      </p:stCondLst>
+                      <p:childTnLst>
+                        <p:par>
+                          <p:cTn id="15" fill="hold">
+                            <p:stCondLst>
+                              <p:cond delay="0"/>
+                            </p:stCondLst>
+                            <p:childTnLst>
+                              <p:par>
+                                <p:cTn id="16" presetID="10" presetClass="entr" presetSubtype="0" fill="hold" nodeType="clickEffect">
+                                  <p:stCondLst>
+                                    <p:cond delay="0"/>
+                                  </p:stCondLst>
+                                  <p:childTnLst>
+                                    <p:set>
+                                      <p:cBhvr>
+                                        <p:cTn id="17" dur="1" fill="hold">
+                                          <p:stCondLst>
+                                            <p:cond delay="0"/>
+                                          </p:stCondLst>
+                                        </p:cTn>
+                                        <p:tgtEl>
+                                          <p:spTgt spid="10"/>
+                                        </p:tgtEl>
+                                        <p:attrNameLst>
+                                          <p:attrName>style.visibility</p:attrName>
+                                        </p:attrNameLst>
+                                      </p:cBhvr>
+                                      <p:to>
+                                        <p:strVal val="visible"/>
+                                      </p:to>
+                                    </p:set>
+                                    <p:animEffect transition="in" filter="fade">
+                                      <p:cBhvr>
+                                        <p:cTn id="18" dur="500"/>
+                                        <p:tgtEl>
+                                          <p:spTgt spid="10"/>
+                                        </p:tgtEl>
+                                      </p:cBhvr>
+                                    </p:animEffect>
+                                  </p:childTnLst>
+                                </p:cTn>
+                              </p:par>
+                            </p:childTnLst>
+                          </p:cTn>
+                        </p:par>
+                        <p:par>
+                          <p:cTn id="19" fill="hold">
+                            <p:stCondLst>
+                              <p:cond delay="500"/>
+                            </p:stCondLst>
+                            <p:childTnLst>
+                              <p:par>
+                                <p:cTn id="20" presetID="10" presetClass="entr" presetSubtype="0" fill="hold" grpId="0" nodeType="afterEffect">
+                                  <p:stCondLst>
+                                    <p:cond delay="0"/>
+                                  </p:stCondLst>
+                                  <p:childTnLst>
+                                    <p:set>
+                                      <p:cBhvr>
+                                        <p:cTn id="21" dur="1" fill="hold">
+                                          <p:stCondLst>
+                                            <p:cond delay="0"/>
+                                          </p:stCondLst>
+                                        </p:cTn>
+                                        <p:tgtEl>
+                                          <p:spTgt spid="14"/>
+                                        </p:tgtEl>
+                                        <p:attrNameLst>
+                                          <p:attrName>style.visibility</p:attrName>
+                                        </p:attrNameLst>
+                                      </p:cBhvr>
+                                      <p:to>
+                                        <p:strVal val="visible"/>
+                                      </p:to>
+                                    </p:set>
+                                    <p:animEffect transition="in" filter="fade">
+                                      <p:cBhvr>
+                                        <p:cTn id="22" dur="500"/>
+                                        <p:tgtEl>
+                                          <p:spTgt spid="14"/>
+                                        </p:tgtEl>
+                                      </p:cBhvr>
+                                    </p:animEffect>
+                                  </p:childTnLst>
+                                </p:cTn>
+                              </p:par>
+                              <p:par>
+                                <p:cTn id="23" presetID="10" presetClass="entr" presetSubtype="0" fill="hold" grpId="0" nodeType="withEffect">
+                                  <p:stCondLst>
+                                    <p:cond delay="0"/>
+                                  </p:stCondLst>
+                                  <p:childTnLst>
+                                    <p:set>
+                                      <p:cBhvr>
+                                        <p:cTn id="24" dur="1" fill="hold">
+                                          <p:stCondLst>
+                                            <p:cond delay="0"/>
+                                          </p:stCondLst>
+                                        </p:cTn>
+                                        <p:tgtEl>
+                                          <p:spTgt spid="11"/>
+                                        </p:tgtEl>
+                                        <p:attrNameLst>
+                                          <p:attrName>style.visibility</p:attrName>
+                                        </p:attrNameLst>
+                                      </p:cBhvr>
+                                      <p:to>
+                                        <p:strVal val="visible"/>
+                                      </p:to>
+                                    </p:set>
+                                    <p:animEffect transition="in" filter="fade">
+                                      <p:cBhvr>
+                                        <p:cTn id="25" dur="500"/>
+                                        <p:tgtEl>
+                                          <p:spTgt spid="11"/>
+                                        </p:tgtEl>
+                                      </p:cBhvr>
+                                    </p:animEffect>
+                                  </p:childTnLst>
+                                </p:cTn>
+                              </p:par>
+                            </p:childTnLst>
+                          </p:cTn>
+                        </p:par>
+                      </p:childTnLst>
+                    </p:cTn>
+                  </p:par>
+                </p:childTnLst>
+              </p:cTn>
+              <p:prevCondLst>
+                <p:cond evt="onPrev" delay="0">
+                  <p:tgtEl>
+                    <p:sldTgt/>
+                  </p:tgtEl>
+                </p:cond>
+              </p:prevCondLst>
+              <p:nextCondLst>
+                <p:cond evt="onNext" delay="0">
+                  <p:tgtEl>
+                    <p:sldTgt/>
+                  </p:tgtEl>
+                </p:cond>
+              </p:nextCondLst>
+            </p:seq>
+          </p:childTnLst>
+        </p:cTn>
+      </p:par>
+    </p:tnLst>
+    <p:bldLst>
+      <p:bldP spid="5" grpId="0"/>
+      <p:bldP spid="14" grpId="0" animBg="1"/>
+      <p:bldP spid="6" grpId="0" animBg="1"/>
+      <p:bldP spid="11" grpId="0"/>
+    </p:bldLst>
+  </p:timing>
+</p:sld>
+</file>
+
+<file path=ppt/slides/slide5.xml><?xml version="1.0" encoding="utf-8"?>
+<p:sld xmlns:a="http://schemas.openxmlformats.org/drawingml/2006/main" xmlns:r="http://schemas.openxmlformats.org/officeDocument/2006/relationships" xmlns:p="http://schemas.openxmlformats.org/presentationml/2006/main">
+  <p:cSld>
+    <p:spTree>
+      <p:nvGrpSpPr>
+        <p:cNvPr id="1" name=""/>
+        <p:cNvGrpSpPr/>
+        <p:nvPr/>
+      </p:nvGrpSpPr>
+      <p:grpSpPr>
+        <a:xfrm>
+          <a:off x="0" y="0"/>
+          <a:ext cx="0" cy="0"/>
+          <a:chOff x="0" y="0"/>
+          <a:chExt cx="0" cy="0"/>
+        </a:xfrm>
+      </p:grpSpPr>
+      <p:sp>
+        <p:nvSpPr>
+          <p:cNvPr id="2" name="Title 1"/>
+          <p:cNvSpPr>
+            <a:spLocks noGrp="1"/>
+          </p:cNvSpPr>
+          <p:nvPr>
+            <p:ph type="title"/>
+          </p:nvPr>
+        </p:nvSpPr>
+        <p:spPr/>
+        <p:txBody>
+          <a:bodyPr/>
+          <a:lstStyle/>
+          <a:p>
+            <a:r>
+              <a:rPr lang="en-US" dirty="0"/>
+              <a:t>Unit Testing</a:t>
+            </a:r>
+          </a:p>
+        </p:txBody>
+      </p:sp>
+      <p:sp>
+        <p:nvSpPr>
+          <p:cNvPr id="5" name="TextBox 4"/>
+          <p:cNvSpPr txBox="1"/>
+          <p:nvPr/>
+        </p:nvSpPr>
+        <p:spPr>
+          <a:xfrm>
+            <a:off x="405244" y="1987811"/>
+            <a:ext cx="7886700" cy="3877985"/>
+          </a:xfrm>
+          <a:prstGeom prst="rect">
+            <a:avLst/>
+          </a:prstGeom>
+          <a:noFill/>
+        </p:spPr>
+        <p:txBody>
+          <a:bodyPr wrap="square" rtlCol="0">
+            <a:spAutoFit/>
+          </a:bodyPr>
+          <a:lstStyle/>
+          <a:p>
+            <a:r>
+              <a:rPr lang="en-US" sz="3600" dirty="0"/>
+              <a:t>“The primary goal of unit testing is to take the smallest piece of testable software in the application, isolate it from the remainder of the code, and determine whether it behaves exactly as you expect.“</a:t>
+            </a:r>
+          </a:p>
+          <a:p>
+            <a:endParaRPr lang="en-US" dirty="0"/>
+          </a:p>
+          <a:p>
+            <a:r>
+              <a:rPr lang="en-US" sz="1200" dirty="0"/>
+              <a:t>From </a:t>
+            </a:r>
+            <a:r>
+              <a:rPr lang="en-US" sz="1200" dirty="0">
+                <a:hlinkClick r:id="rId3"/>
+              </a:rPr>
+              <a:t>https://msdn.microsoft.com/en-us/library/aa292197%28v=vs.71%29.aspx</a:t>
+            </a:r>
+            <a:endParaRPr lang="en-US" sz="1200" dirty="0"/>
+          </a:p>
+        </p:txBody>
+      </p:sp>
+    </p:spTree>
+    <p:extLst>
+      <p:ext uri="{BB962C8B-B14F-4D97-AF65-F5344CB8AC3E}">
+        <p14:creationId xmlns:p14="http://schemas.microsoft.com/office/powerpoint/2010/main" val="2912118878"/>
+      </p:ext>
+    </p:extLst>
+  </p:cSld>
+  <p:clrMapOvr>
+    <a:masterClrMapping/>
+  </p:clrMapOvr>
+</p:sld>
+</file>
+
+<file path=ppt/slides/slide6.xml><?xml version="1.0" encoding="utf-8"?>
+<p:sld xmlns:a="http://schemas.openxmlformats.org/drawingml/2006/main" xmlns:r="http://schemas.openxmlformats.org/officeDocument/2006/relationships" xmlns:p="http://schemas.openxmlformats.org/presentationml/2006/main">
+  <p:cSld>
+    <p:spTree>
+      <p:nvGrpSpPr>
+        <p:cNvPr id="1" name=""/>
+        <p:cNvGrpSpPr/>
+        <p:nvPr/>
+      </p:nvGrpSpPr>
+      <p:grpSpPr>
+        <a:xfrm>
+          <a:off x="0" y="0"/>
+          <a:ext cx="0" cy="0"/>
+          <a:chOff x="0" y="0"/>
+          <a:chExt cx="0" cy="0"/>
+        </a:xfrm>
+      </p:grpSpPr>
+      <p:sp>
+        <p:nvSpPr>
+          <p:cNvPr id="2" name="Title 1"/>
+          <p:cNvSpPr>
+            <a:spLocks noGrp="1"/>
+          </p:cNvSpPr>
+          <p:nvPr>
+            <p:ph type="title"/>
+          </p:nvPr>
+        </p:nvSpPr>
+        <p:spPr/>
+        <p:txBody>
+          <a:bodyPr/>
+          <a:lstStyle/>
+          <a:p>
+            <a:r>
+              <a:rPr lang="en-US" dirty="0"/>
+              <a:t>Unit Testing</a:t>
+            </a:r>
+          </a:p>
+        </p:txBody>
+      </p:sp>
+      <p:sp>
+        <p:nvSpPr>
+          <p:cNvPr id="12" name="TextBox 11"/>
+          <p:cNvSpPr txBox="1"/>
+          <p:nvPr/>
+        </p:nvSpPr>
+        <p:spPr>
+          <a:xfrm>
+            <a:off x="405245" y="2125268"/>
+            <a:ext cx="8208819" cy="3877985"/>
+          </a:xfrm>
+          <a:prstGeom prst="rect">
+            <a:avLst/>
+          </a:prstGeom>
+          <a:noFill/>
+        </p:spPr>
+        <p:txBody>
+          <a:bodyPr wrap="square" rtlCol="0">
+            <a:spAutoFit/>
+          </a:bodyPr>
+          <a:lstStyle/>
+          <a:p>
+            <a:r>
+              <a:rPr lang="en-US" sz="3600" b="1" dirty="0"/>
+              <a:t>“Unit testing is a lot like going to the gym.</a:t>
+            </a:r>
+            <a:r>
+              <a:rPr lang="en-US" sz="3600" dirty="0"/>
+              <a:t> You know it is good for you, all the arguments make sense, so you start working out. There's an initial rush, which is great, but after a few days you start to wonder if it is worth the trouble.”</a:t>
+            </a:r>
+          </a:p>
+          <a:p>
+            <a:endParaRPr lang="en-US" dirty="0"/>
+          </a:p>
+          <a:p>
+            <a:r>
+              <a:rPr lang="en-US" sz="1200" dirty="0"/>
+              <a:t>From </a:t>
+            </a:r>
+            <a:r>
+              <a:rPr lang="en-US" sz="1200" dirty="0">
+                <a:hlinkClick r:id="rId3"/>
+              </a:rPr>
+              <a:t>http://stackoverflow.com/questions/67299/is-unit-testing-worth-the-effort</a:t>
+            </a:r>
+            <a:endParaRPr lang="en-US" sz="1200" dirty="0"/>
+          </a:p>
+        </p:txBody>
+      </p:sp>
+    </p:spTree>
+    <p:extLst>
+      <p:ext uri="{BB962C8B-B14F-4D97-AF65-F5344CB8AC3E}">
+        <p14:creationId xmlns:p14="http://schemas.microsoft.com/office/powerpoint/2010/main" val="1340594583"/>
+      </p:ext>
+    </p:extLst>
+  </p:cSld>
+  <p:clrMapOvr>
+    <a:masterClrMapping/>
+  </p:clrMapOvr>
+</p:sld>
+</file>
+
+<file path=ppt/slides/slide7.xml><?xml version="1.0" encoding="utf-8"?>
+<p:sld xmlns:a="http://schemas.openxmlformats.org/drawingml/2006/main" xmlns:r="http://schemas.openxmlformats.org/officeDocument/2006/relationships" xmlns:p="http://schemas.openxmlformats.org/presentationml/2006/main">
+  <p:cSld>
+    <p:spTree>
+      <p:nvGrpSpPr>
+        <p:cNvPr id="1" name=""/>
+        <p:cNvGrpSpPr/>
+        <p:nvPr/>
+      </p:nvGrpSpPr>
+      <p:grpSpPr>
+        <a:xfrm>
+          <a:off x="0" y="0"/>
+          <a:ext cx="0" cy="0"/>
+          <a:chOff x="0" y="0"/>
+          <a:chExt cx="0" cy="0"/>
+        </a:xfrm>
+      </p:grpSpPr>
+      <p:sp>
+        <p:nvSpPr>
+          <p:cNvPr id="2" name="Title 1"/>
+          <p:cNvSpPr>
+            <a:spLocks noGrp="1"/>
+          </p:cNvSpPr>
+          <p:nvPr>
+            <p:ph type="title"/>
+          </p:nvPr>
+        </p:nvSpPr>
+        <p:spPr/>
+        <p:txBody>
+          <a:bodyPr/>
+          <a:lstStyle/>
+          <a:p>
+            <a:r>
+              <a:rPr lang="en-US" dirty="0"/>
+              <a:t>Database Unit Testing</a:t>
+            </a:r>
+          </a:p>
+        </p:txBody>
+      </p:sp>
+      <p:pic>
+        <p:nvPicPr>
+          <p:cNvPr id="6" name="Content Placeholder 5"/>
+          <p:cNvPicPr>
+            <a:picLocks noGrp="1" noChangeAspect="1"/>
+          </p:cNvPicPr>
+          <p:nvPr>
+            <p:ph idx="1"/>
+          </p:nvPr>
+        </p:nvPicPr>
+        <p:blipFill>
+          <a:blip r:embed="rId3">
+            <a:extLst>
+              <a:ext uri="{28A0092B-C50C-407E-A947-70E740481C1C}">
+                <a14:useLocalDpi xmlns:a14="http://schemas.microsoft.com/office/drawing/2010/main" val="0"/>
+              </a:ext>
+            </a:extLst>
+          </a:blip>
+          <a:stretch>
+            <a:fillRect/>
+          </a:stretch>
+        </p:blipFill>
+        <p:spPr>
+          <a:xfrm>
+            <a:off x="2101964" y="1961791"/>
+            <a:ext cx="4940072" cy="3262312"/>
+          </a:xfrm>
+        </p:spPr>
+      </p:pic>
+    </p:spTree>
+    <p:extLst>
+      <p:ext uri="{BB962C8B-B14F-4D97-AF65-F5344CB8AC3E}">
+        <p14:creationId xmlns:p14="http://schemas.microsoft.com/office/powerpoint/2010/main" val="2094435692"/>
+      </p:ext>
+    </p:extLst>
+  </p:cSld>
+  <p:clrMapOvr>
+    <a:masterClrMapping/>
+  </p:clrMapOvr>
+</p:sld>
+</file>
+
+<file path=ppt/slides/slide8.xml><?xml version="1.0" encoding="utf-8"?>
 <p:sld xmlns:a="http://schemas.openxmlformats.org/drawingml/2006/main" xmlns:r="http://schemas.openxmlformats.org/officeDocument/2006/relationships" xmlns:p="http://schemas.openxmlformats.org/presentationml/2006/main">
   <p:cSld>
     <p:spTree>
@@ -10609,416 +12339,6 @@
 </p:sld>
 </file>
 
-<file path=ppt/slides/slide5.xml><?xml version="1.0" encoding="utf-8"?>
-<p:sld xmlns:a="http://schemas.openxmlformats.org/drawingml/2006/main" xmlns:r="http://schemas.openxmlformats.org/officeDocument/2006/relationships" xmlns:p="http://schemas.openxmlformats.org/presentationml/2006/main">
-  <p:cSld>
-    <p:spTree>
-      <p:nvGrpSpPr>
-        <p:cNvPr id="1" name=""/>
-        <p:cNvGrpSpPr/>
-        <p:nvPr/>
-      </p:nvGrpSpPr>
-      <p:grpSpPr>
-        <a:xfrm>
-          <a:off x="0" y="0"/>
-          <a:ext cx="0" cy="0"/>
-          <a:chOff x="0" y="0"/>
-          <a:chExt cx="0" cy="0"/>
-        </a:xfrm>
-      </p:grpSpPr>
-      <p:sp>
-        <p:nvSpPr>
-          <p:cNvPr id="2" name="Title 1"/>
-          <p:cNvSpPr>
-            <a:spLocks noGrp="1"/>
-          </p:cNvSpPr>
-          <p:nvPr>
-            <p:ph type="title"/>
-          </p:nvPr>
-        </p:nvSpPr>
-        <p:spPr/>
-        <p:txBody>
-          <a:bodyPr/>
-          <a:lstStyle/>
-          <a:p>
-            <a:r>
-              <a:rPr lang="en-US" dirty="0" err="1"/>
-              <a:t>tSQLt</a:t>
-            </a:r>
-            <a:endParaRPr lang="en-US" dirty="0"/>
-          </a:p>
-        </p:txBody>
-      </p:sp>
-      <p:sp>
-        <p:nvSpPr>
-          <p:cNvPr id="3" name="Content Placeholder 2"/>
-          <p:cNvSpPr>
-            <a:spLocks noGrp="1"/>
-          </p:cNvSpPr>
-          <p:nvPr>
-            <p:ph idx="1"/>
-          </p:nvPr>
-        </p:nvSpPr>
-        <p:spPr/>
-        <p:txBody>
-          <a:bodyPr/>
-          <a:lstStyle/>
-          <a:p>
-            <a:r>
-              <a:rPr lang="en-US" dirty="0" err="1"/>
-              <a:t>tSQLt</a:t>
-            </a:r>
-            <a:r>
-              <a:rPr lang="en-US" dirty="0"/>
-              <a:t> is a free testing framework similar to </a:t>
-            </a:r>
-            <a:r>
-              <a:rPr lang="en-US" dirty="0" err="1"/>
-              <a:t>nUnit</a:t>
-            </a:r>
-            <a:r>
-              <a:rPr lang="en-US" dirty="0"/>
-              <a:t>/</a:t>
-            </a:r>
-            <a:r>
-              <a:rPr lang="en-US" dirty="0" err="1"/>
-              <a:t>jUnit</a:t>
-            </a:r>
-            <a:endParaRPr lang="en-US" dirty="0"/>
-          </a:p>
-          <a:p>
-            <a:r>
-              <a:rPr lang="en-US" dirty="0">
-                <a:hlinkClick r:id="rId3"/>
-              </a:rPr>
-              <a:t>tSQLt.org</a:t>
-            </a:r>
-            <a:r>
-              <a:rPr lang="en-US" dirty="0"/>
-              <a:t> – download</a:t>
-            </a:r>
-          </a:p>
-          <a:p>
-            <a:pPr lvl="1"/>
-            <a:r>
-              <a:rPr lang="en-US" dirty="0"/>
-              <a:t>Auto setup with SQL Test</a:t>
-            </a:r>
-          </a:p>
-          <a:p>
-            <a:pPr lvl="1"/>
-            <a:r>
-              <a:rPr lang="en-US" dirty="0"/>
-              <a:t>Framework requires CLR</a:t>
-            </a:r>
-          </a:p>
-          <a:p>
-            <a:r>
-              <a:rPr lang="en-US" dirty="0">
-                <a:hlinkClick r:id="rId4"/>
-              </a:rPr>
-              <a:t>Support via Google Groups</a:t>
-            </a:r>
-            <a:endParaRPr lang="en-US" dirty="0"/>
-          </a:p>
-          <a:p>
-            <a:r>
-              <a:rPr lang="en-US" dirty="0">
-                <a:hlinkClick r:id="rId5"/>
-              </a:rPr>
-              <a:t>Articles at Simple Talk</a:t>
-            </a:r>
-            <a:endParaRPr lang="en-US" dirty="0"/>
-          </a:p>
-        </p:txBody>
-      </p:sp>
-    </p:spTree>
-    <p:extLst>
-      <p:ext uri="{BB962C8B-B14F-4D97-AF65-F5344CB8AC3E}">
-        <p14:creationId xmlns:p14="http://schemas.microsoft.com/office/powerpoint/2010/main" val="2399096538"/>
-      </p:ext>
-    </p:extLst>
-  </p:cSld>
-  <p:clrMapOvr>
-    <a:masterClrMapping/>
-  </p:clrMapOvr>
-</p:sld>
-</file>
-
-<file path=ppt/slides/slide6.xml><?xml version="1.0" encoding="utf-8"?>
-<p:sld xmlns:a="http://schemas.openxmlformats.org/drawingml/2006/main" xmlns:r="http://schemas.openxmlformats.org/officeDocument/2006/relationships" xmlns:p="http://schemas.openxmlformats.org/presentationml/2006/main">
-  <p:cSld>
-    <p:spTree>
-      <p:nvGrpSpPr>
-        <p:cNvPr id="1" name=""/>
-        <p:cNvGrpSpPr/>
-        <p:nvPr/>
-      </p:nvGrpSpPr>
-      <p:grpSpPr>
-        <a:xfrm>
-          <a:off x="0" y="0"/>
-          <a:ext cx="0" cy="0"/>
-          <a:chOff x="0" y="0"/>
-          <a:chExt cx="0" cy="0"/>
-        </a:xfrm>
-      </p:grpSpPr>
-      <p:sp>
-        <p:nvSpPr>
-          <p:cNvPr id="2" name="Title 1"/>
-          <p:cNvSpPr>
-            <a:spLocks noGrp="1"/>
-          </p:cNvSpPr>
-          <p:nvPr>
-            <p:ph type="title"/>
-          </p:nvPr>
-        </p:nvSpPr>
-        <p:spPr/>
-        <p:txBody>
-          <a:bodyPr/>
-          <a:lstStyle/>
-          <a:p>
-            <a:r>
-              <a:rPr lang="en-US" dirty="0" err="1"/>
-              <a:t>tSQLt</a:t>
-            </a:r>
-            <a:endParaRPr lang="en-US" dirty="0"/>
-          </a:p>
-        </p:txBody>
-      </p:sp>
-      <p:sp>
-        <p:nvSpPr>
-          <p:cNvPr id="3" name="Content Placeholder 2"/>
-          <p:cNvSpPr>
-            <a:spLocks noGrp="1"/>
-          </p:cNvSpPr>
-          <p:nvPr>
-            <p:ph idx="1"/>
-          </p:nvPr>
-        </p:nvSpPr>
-        <p:spPr/>
-        <p:txBody>
-          <a:bodyPr/>
-          <a:lstStyle/>
-          <a:p>
-            <a:r>
-              <a:rPr lang="en-US" dirty="0"/>
-              <a:t>Stored procedures in their own schema</a:t>
-            </a:r>
-          </a:p>
-          <a:p>
-            <a:r>
-              <a:rPr lang="en-US" dirty="0"/>
-              <a:t>Can run setup before tests</a:t>
-            </a:r>
-          </a:p>
-          <a:p>
-            <a:r>
-              <a:rPr lang="en-US" dirty="0"/>
-              <a:t>Can mock objects </a:t>
-            </a:r>
-          </a:p>
-          <a:p>
-            <a:r>
-              <a:rPr lang="en-US" dirty="0"/>
-              <a:t>Can implement teardown</a:t>
-            </a:r>
-          </a:p>
-        </p:txBody>
-      </p:sp>
-    </p:spTree>
-    <p:extLst>
-      <p:ext uri="{BB962C8B-B14F-4D97-AF65-F5344CB8AC3E}">
-        <p14:creationId xmlns:p14="http://schemas.microsoft.com/office/powerpoint/2010/main" val="1778634078"/>
-      </p:ext>
-    </p:extLst>
-  </p:cSld>
-  <p:clrMapOvr>
-    <a:masterClrMapping/>
-  </p:clrMapOvr>
-</p:sld>
-</file>
-
-<file path=ppt/slides/slide7.xml><?xml version="1.0" encoding="utf-8"?>
-<p:sld xmlns:a="http://schemas.openxmlformats.org/drawingml/2006/main" xmlns:r="http://schemas.openxmlformats.org/officeDocument/2006/relationships" xmlns:p="http://schemas.openxmlformats.org/presentationml/2006/main">
-  <p:cSld>
-    <p:spTree>
-      <p:nvGrpSpPr>
-        <p:cNvPr id="1" name=""/>
-        <p:cNvGrpSpPr/>
-        <p:nvPr/>
-      </p:nvGrpSpPr>
-      <p:grpSpPr>
-        <a:xfrm>
-          <a:off x="0" y="0"/>
-          <a:ext cx="0" cy="0"/>
-          <a:chOff x="0" y="0"/>
-          <a:chExt cx="0" cy="0"/>
-        </a:xfrm>
-      </p:grpSpPr>
-      <p:sp>
-        <p:nvSpPr>
-          <p:cNvPr id="2" name="Title 1"/>
-          <p:cNvSpPr>
-            <a:spLocks noGrp="1"/>
-          </p:cNvSpPr>
-          <p:nvPr>
-            <p:ph type="title"/>
-          </p:nvPr>
-        </p:nvSpPr>
-        <p:spPr/>
-        <p:txBody>
-          <a:bodyPr/>
-          <a:lstStyle/>
-          <a:p>
-            <a:r>
-              <a:rPr lang="en-US" dirty="0"/>
-              <a:t>Microsoft Unit Testing Framework</a:t>
-            </a:r>
-          </a:p>
-        </p:txBody>
-      </p:sp>
-      <p:sp>
-        <p:nvSpPr>
-          <p:cNvPr id="3" name="Content Placeholder 2"/>
-          <p:cNvSpPr>
-            <a:spLocks noGrp="1"/>
-          </p:cNvSpPr>
-          <p:nvPr>
-            <p:ph idx="1"/>
-          </p:nvPr>
-        </p:nvSpPr>
-        <p:spPr/>
-        <p:txBody>
-          <a:bodyPr/>
-          <a:lstStyle/>
-          <a:p>
-            <a:r>
-              <a:rPr lang="en-US" dirty="0"/>
-              <a:t>For SQL Server, implemented as part of SSDT</a:t>
-            </a:r>
-          </a:p>
-          <a:p>
-            <a:r>
-              <a:rPr lang="en-US" dirty="0"/>
-              <a:t>This framework allows us to write tests in T-SQL.</a:t>
-            </a:r>
-          </a:p>
-          <a:p>
-            <a:r>
-              <a:rPr lang="en-US" dirty="0"/>
-              <a:t>Tests are a part of a Visual Studio Database Project</a:t>
-            </a:r>
-          </a:p>
-          <a:p>
-            <a:r>
-              <a:rPr lang="en-US" dirty="0"/>
-              <a:t>The framework handles transaction wrapping</a:t>
-            </a:r>
-          </a:p>
-          <a:p>
-            <a:endParaRPr lang="en-US" dirty="0"/>
-          </a:p>
-        </p:txBody>
-      </p:sp>
-    </p:spTree>
-    <p:extLst>
-      <p:ext uri="{BB962C8B-B14F-4D97-AF65-F5344CB8AC3E}">
-        <p14:creationId xmlns:p14="http://schemas.microsoft.com/office/powerpoint/2010/main" val="966011027"/>
-      </p:ext>
-    </p:extLst>
-  </p:cSld>
-  <p:clrMapOvr>
-    <a:masterClrMapping/>
-  </p:clrMapOvr>
-</p:sld>
-</file>
-
-<file path=ppt/slides/slide8.xml><?xml version="1.0" encoding="utf-8"?>
-<p:sld xmlns:a="http://schemas.openxmlformats.org/drawingml/2006/main" xmlns:r="http://schemas.openxmlformats.org/officeDocument/2006/relationships" xmlns:p="http://schemas.openxmlformats.org/presentationml/2006/main">
-  <p:cSld>
-    <p:spTree>
-      <p:nvGrpSpPr>
-        <p:cNvPr id="1" name=""/>
-        <p:cNvGrpSpPr/>
-        <p:nvPr/>
-      </p:nvGrpSpPr>
-      <p:grpSpPr>
-        <a:xfrm>
-          <a:off x="0" y="0"/>
-          <a:ext cx="0" cy="0"/>
-          <a:chOff x="0" y="0"/>
-          <a:chExt cx="0" cy="0"/>
-        </a:xfrm>
-      </p:grpSpPr>
-      <p:sp>
-        <p:nvSpPr>
-          <p:cNvPr id="2" name="Title 1"/>
-          <p:cNvSpPr>
-            <a:spLocks noGrp="1"/>
-          </p:cNvSpPr>
-          <p:nvPr>
-            <p:ph type="title"/>
-          </p:nvPr>
-        </p:nvSpPr>
-        <p:spPr/>
-        <p:txBody>
-          <a:bodyPr/>
-          <a:lstStyle/>
-          <a:p>
-            <a:r>
-              <a:rPr lang="en-US" dirty="0"/>
-              <a:t>Building Tests</a:t>
-            </a:r>
-          </a:p>
-        </p:txBody>
-      </p:sp>
-      <p:sp>
-        <p:nvSpPr>
-          <p:cNvPr id="3" name="Content Placeholder 2"/>
-          <p:cNvSpPr>
-            <a:spLocks noGrp="1"/>
-          </p:cNvSpPr>
-          <p:nvPr>
-            <p:ph idx="1"/>
-          </p:nvPr>
-        </p:nvSpPr>
-        <p:spPr/>
-        <p:txBody>
-          <a:bodyPr/>
-          <a:lstStyle/>
-          <a:p>
-            <a:r>
-              <a:rPr lang="en-US" dirty="0"/>
-              <a:t>We want repeatable tests</a:t>
-            </a:r>
-          </a:p>
-          <a:p>
-            <a:r>
-              <a:rPr lang="en-US" dirty="0"/>
-              <a:t>We want automated tests</a:t>
-            </a:r>
-          </a:p>
-          <a:p>
-            <a:r>
-              <a:rPr lang="en-US" dirty="0"/>
-              <a:t>We want a suite of tests</a:t>
-            </a:r>
-          </a:p>
-        </p:txBody>
-      </p:sp>
-    </p:spTree>
-    <p:extLst>
-      <p:ext uri="{BB962C8B-B14F-4D97-AF65-F5344CB8AC3E}">
-        <p14:creationId xmlns:p14="http://schemas.microsoft.com/office/powerpoint/2010/main" val="2858332371"/>
-      </p:ext>
-    </p:extLst>
-  </p:cSld>
-  <p:clrMapOvr>
-    <a:masterClrMapping/>
-  </p:clrMapOvr>
-</p:sld>
-</file>
-
 <file path=ppt/slides/slide9.xml><?xml version="1.0" encoding="utf-8"?>
 <p:sld xmlns:a="http://schemas.openxmlformats.org/drawingml/2006/main" xmlns:r="http://schemas.openxmlformats.org/officeDocument/2006/relationships" xmlns:p="http://schemas.openxmlformats.org/presentationml/2006/main">
   <p:cSld>
@@ -11053,7 +12373,7 @@
           <a:p>
             <a:r>
               <a:rPr lang="en-US" dirty="0"/>
-              <a:t>Writing Tests</a:t>
+              <a:t>Building Tests</a:t>
             </a:r>
           </a:p>
         </p:txBody>
@@ -11075,32 +12395,19 @@
           <a:p>
             <a:r>
               <a:rPr lang="en-US" dirty="0"/>
-              <a:t>TDD?</a:t>
+              <a:t>We want repeatable tests</a:t>
             </a:r>
           </a:p>
           <a:p>
             <a:r>
               <a:rPr lang="en-US" dirty="0"/>
-              <a:t>During development.</a:t>
+              <a:t>We want automated tests</a:t>
             </a:r>
           </a:p>
           <a:p>
             <a:r>
               <a:rPr lang="en-US" dirty="0"/>
-              <a:t>Write after if you must.</a:t>
-            </a:r>
-          </a:p>
-          <a:p>
-            <a:pPr lvl="1"/>
-            <a:r>
-              <a:rPr lang="en-US" dirty="0"/>
-              <a:t>Good for existing code</a:t>
-            </a:r>
-          </a:p>
-          <a:p>
-            <a:r>
-              <a:rPr lang="en-US" dirty="0"/>
-              <a:t>Write as you get feedback from CI and QA testing.</a:t>
+              <a:t>We want a suite of tests</a:t>
             </a:r>
           </a:p>
         </p:txBody>
@@ -11108,7 +12415,7 @@
     </p:spTree>
     <p:extLst>
       <p:ext uri="{BB962C8B-B14F-4D97-AF65-F5344CB8AC3E}">
-        <p14:creationId xmlns:p14="http://schemas.microsoft.com/office/powerpoint/2010/main" val="1110580934"/>
+        <p14:creationId xmlns:p14="http://schemas.microsoft.com/office/powerpoint/2010/main" val="2858332371"/>
       </p:ext>
     </p:extLst>
   </p:cSld>

--- a/UnitTestingTSQL.pptx
+++ b/UnitTestingTSQL.pptx
@@ -5,7 +5,7 @@
     <p:sldMasterId id="2147483648" r:id="rId1"/>
   </p:sldMasterIdLst>
   <p:notesMasterIdLst>
-    <p:notesMasterId r:id="rId32"/>
+    <p:notesMasterId r:id="rId28"/>
   </p:notesMasterIdLst>
   <p:sldIdLst>
     <p:sldId id="256" r:id="rId2"/>
@@ -20,24 +20,20 @@
     <p:sldId id="280" r:id="rId11"/>
     <p:sldId id="293" r:id="rId12"/>
     <p:sldId id="294" r:id="rId13"/>
-    <p:sldId id="261" r:id="rId14"/>
-    <p:sldId id="281" r:id="rId15"/>
-    <p:sldId id="287" r:id="rId16"/>
-    <p:sldId id="262" r:id="rId17"/>
-    <p:sldId id="264" r:id="rId18"/>
-    <p:sldId id="284" r:id="rId19"/>
-    <p:sldId id="273" r:id="rId20"/>
-    <p:sldId id="269" r:id="rId21"/>
+    <p:sldId id="295" r:id="rId14"/>
+    <p:sldId id="296" r:id="rId15"/>
+    <p:sldId id="261" r:id="rId16"/>
+    <p:sldId id="287" r:id="rId17"/>
+    <p:sldId id="297" r:id="rId18"/>
+    <p:sldId id="262" r:id="rId19"/>
+    <p:sldId id="284" r:id="rId20"/>
+    <p:sldId id="273" r:id="rId21"/>
     <p:sldId id="285" r:id="rId22"/>
-    <p:sldId id="274" r:id="rId23"/>
-    <p:sldId id="286" r:id="rId24"/>
-    <p:sldId id="276" r:id="rId25"/>
-    <p:sldId id="278" r:id="rId26"/>
-    <p:sldId id="277" r:id="rId27"/>
-    <p:sldId id="270" r:id="rId28"/>
-    <p:sldId id="271" r:id="rId29"/>
-    <p:sldId id="265" r:id="rId30"/>
-    <p:sldId id="267" r:id="rId31"/>
+    <p:sldId id="276" r:id="rId23"/>
+    <p:sldId id="278" r:id="rId24"/>
+    <p:sldId id="270" r:id="rId25"/>
+    <p:sldId id="271" r:id="rId26"/>
+    <p:sldId id="265" r:id="rId27"/>
   </p:sldIdLst>
   <p:sldSz cx="9144000" cy="6858000" type="screen4x3"/>
   <p:notesSz cx="6858000" cy="9144000"/>
@@ -155,2941 +151,6 @@
 </p:presentation>
 </file>
 
-<file path=ppt/diagrams/colors1.xml><?xml version="1.0" encoding="utf-8"?>
-<dgm:colorsDef xmlns:dgm="http://schemas.openxmlformats.org/drawingml/2006/diagram" xmlns:a="http://schemas.openxmlformats.org/drawingml/2006/main" uniqueId="urn:microsoft.com/office/officeart/2005/8/colors/accent1_2">
-  <dgm:title val=""/>
-  <dgm:desc val=""/>
-  <dgm:catLst>
-    <dgm:cat type="accent1" pri="11200"/>
-  </dgm:catLst>
-  <dgm:styleLbl name="node0">
-    <dgm:fillClrLst meth="repeat">
-      <a:schemeClr val="accent1"/>
-    </dgm:fillClrLst>
-    <dgm:linClrLst meth="repeat">
-      <a:schemeClr val="lt1"/>
-    </dgm:linClrLst>
-    <dgm:effectClrLst/>
-    <dgm:txLinClrLst/>
-    <dgm:txFillClrLst/>
-    <dgm:txEffectClrLst/>
-  </dgm:styleLbl>
-  <dgm:styleLbl name="alignNode1">
-    <dgm:fillClrLst meth="repeat">
-      <a:schemeClr val="accent1"/>
-    </dgm:fillClrLst>
-    <dgm:linClrLst meth="repeat">
-      <a:schemeClr val="accent1"/>
-    </dgm:linClrLst>
-    <dgm:effectClrLst/>
-    <dgm:txLinClrLst/>
-    <dgm:txFillClrLst/>
-    <dgm:txEffectClrLst/>
-  </dgm:styleLbl>
-  <dgm:styleLbl name="node1">
-    <dgm:fillClrLst meth="repeat">
-      <a:schemeClr val="accent1"/>
-    </dgm:fillClrLst>
-    <dgm:linClrLst meth="repeat">
-      <a:schemeClr val="lt1"/>
-    </dgm:linClrLst>
-    <dgm:effectClrLst/>
-    <dgm:txLinClrLst/>
-    <dgm:txFillClrLst/>
-    <dgm:txEffectClrLst/>
-  </dgm:styleLbl>
-  <dgm:styleLbl name="lnNode1">
-    <dgm:fillClrLst meth="repeat">
-      <a:schemeClr val="accent1"/>
-    </dgm:fillClrLst>
-    <dgm:linClrLst meth="repeat">
-      <a:schemeClr val="lt1"/>
-    </dgm:linClrLst>
-    <dgm:effectClrLst/>
-    <dgm:txLinClrLst/>
-    <dgm:txFillClrLst/>
-    <dgm:txEffectClrLst/>
-  </dgm:styleLbl>
-  <dgm:styleLbl name="vennNode1">
-    <dgm:fillClrLst meth="repeat">
-      <a:schemeClr val="accent1">
-        <a:alpha val="50000"/>
-      </a:schemeClr>
-    </dgm:fillClrLst>
-    <dgm:linClrLst meth="repeat">
-      <a:schemeClr val="lt1"/>
-    </dgm:linClrLst>
-    <dgm:effectClrLst/>
-    <dgm:txLinClrLst/>
-    <dgm:txFillClrLst/>
-    <dgm:txEffectClrLst/>
-  </dgm:styleLbl>
-  <dgm:styleLbl name="node2">
-    <dgm:fillClrLst meth="repeat">
-      <a:schemeClr val="accent1"/>
-    </dgm:fillClrLst>
-    <dgm:linClrLst meth="repeat">
-      <a:schemeClr val="lt1"/>
-    </dgm:linClrLst>
-    <dgm:effectClrLst/>
-    <dgm:txLinClrLst/>
-    <dgm:txFillClrLst/>
-    <dgm:txEffectClrLst/>
-  </dgm:styleLbl>
-  <dgm:styleLbl name="node3">
-    <dgm:fillClrLst meth="repeat">
-      <a:schemeClr val="accent1"/>
-    </dgm:fillClrLst>
-    <dgm:linClrLst meth="repeat">
-      <a:schemeClr val="lt1"/>
-    </dgm:linClrLst>
-    <dgm:effectClrLst/>
-    <dgm:txLinClrLst/>
-    <dgm:txFillClrLst/>
-    <dgm:txEffectClrLst/>
-  </dgm:styleLbl>
-  <dgm:styleLbl name="node4">
-    <dgm:fillClrLst meth="repeat">
-      <a:schemeClr val="accent1"/>
-    </dgm:fillClrLst>
-    <dgm:linClrLst meth="repeat">
-      <a:schemeClr val="lt1"/>
-    </dgm:linClrLst>
-    <dgm:effectClrLst/>
-    <dgm:txLinClrLst/>
-    <dgm:txFillClrLst/>
-    <dgm:txEffectClrLst/>
-  </dgm:styleLbl>
-  <dgm:styleLbl name="fgImgPlace1">
-    <dgm:fillClrLst meth="repeat">
-      <a:schemeClr val="accent1">
-        <a:tint val="50000"/>
-      </a:schemeClr>
-    </dgm:fillClrLst>
-    <dgm:linClrLst meth="repeat">
-      <a:schemeClr val="lt1"/>
-    </dgm:linClrLst>
-    <dgm:effectClrLst/>
-    <dgm:txLinClrLst/>
-    <dgm:txFillClrLst meth="repeat">
-      <a:schemeClr val="lt1"/>
-    </dgm:txFillClrLst>
-    <dgm:txEffectClrLst/>
-  </dgm:styleLbl>
-  <dgm:styleLbl name="alignImgPlace1">
-    <dgm:fillClrLst meth="repeat">
-      <a:schemeClr val="accent1">
-        <a:tint val="50000"/>
-      </a:schemeClr>
-    </dgm:fillClrLst>
-    <dgm:linClrLst meth="repeat">
-      <a:schemeClr val="lt1"/>
-    </dgm:linClrLst>
-    <dgm:effectClrLst/>
-    <dgm:txLinClrLst/>
-    <dgm:txFillClrLst meth="repeat">
-      <a:schemeClr val="lt1"/>
-    </dgm:txFillClrLst>
-    <dgm:txEffectClrLst/>
-  </dgm:styleLbl>
-  <dgm:styleLbl name="bgImgPlace1">
-    <dgm:fillClrLst meth="repeat">
-      <a:schemeClr val="accent1">
-        <a:tint val="50000"/>
-      </a:schemeClr>
-    </dgm:fillClrLst>
-    <dgm:linClrLst meth="repeat">
-      <a:schemeClr val="lt1"/>
-    </dgm:linClrLst>
-    <dgm:effectClrLst/>
-    <dgm:txLinClrLst/>
-    <dgm:txFillClrLst meth="repeat">
-      <a:schemeClr val="lt1"/>
-    </dgm:txFillClrLst>
-    <dgm:txEffectClrLst/>
-  </dgm:styleLbl>
-  <dgm:styleLbl name="sibTrans2D1">
-    <dgm:fillClrLst meth="repeat">
-      <a:schemeClr val="accent1">
-        <a:tint val="60000"/>
-      </a:schemeClr>
-    </dgm:fillClrLst>
-    <dgm:linClrLst meth="repeat">
-      <a:schemeClr val="accent1">
-        <a:tint val="60000"/>
-      </a:schemeClr>
-    </dgm:linClrLst>
-    <dgm:effectClrLst/>
-    <dgm:txLinClrLst/>
-    <dgm:txFillClrLst/>
-    <dgm:txEffectClrLst/>
-  </dgm:styleLbl>
-  <dgm:styleLbl name="fgSibTrans2D1">
-    <dgm:fillClrLst meth="repeat">
-      <a:schemeClr val="accent1">
-        <a:tint val="60000"/>
-      </a:schemeClr>
-    </dgm:fillClrLst>
-    <dgm:linClrLst meth="repeat">
-      <a:schemeClr val="accent1">
-        <a:tint val="60000"/>
-      </a:schemeClr>
-    </dgm:linClrLst>
-    <dgm:effectClrLst/>
-    <dgm:txLinClrLst/>
-    <dgm:txFillClrLst/>
-    <dgm:txEffectClrLst/>
-  </dgm:styleLbl>
-  <dgm:styleLbl name="bgSibTrans2D1">
-    <dgm:fillClrLst meth="repeat">
-      <a:schemeClr val="accent1">
-        <a:tint val="60000"/>
-      </a:schemeClr>
-    </dgm:fillClrLst>
-    <dgm:linClrLst meth="repeat">
-      <a:schemeClr val="accent1">
-        <a:tint val="60000"/>
-      </a:schemeClr>
-    </dgm:linClrLst>
-    <dgm:effectClrLst/>
-    <dgm:txLinClrLst/>
-    <dgm:txFillClrLst/>
-    <dgm:txEffectClrLst/>
-  </dgm:styleLbl>
-  <dgm:styleLbl name="sibTrans1D1">
-    <dgm:fillClrLst meth="repeat">
-      <a:schemeClr val="accent1"/>
-    </dgm:fillClrLst>
-    <dgm:linClrLst meth="repeat">
-      <a:schemeClr val="accent1"/>
-    </dgm:linClrLst>
-    <dgm:effectClrLst/>
-    <dgm:txLinClrLst/>
-    <dgm:txFillClrLst meth="repeat">
-      <a:schemeClr val="tx1"/>
-    </dgm:txFillClrLst>
-    <dgm:txEffectClrLst/>
-  </dgm:styleLbl>
-  <dgm:styleLbl name="callout">
-    <dgm:fillClrLst meth="repeat">
-      <a:schemeClr val="accent1"/>
-    </dgm:fillClrLst>
-    <dgm:linClrLst meth="repeat">
-      <a:schemeClr val="accent1">
-        <a:tint val="50000"/>
-      </a:schemeClr>
-    </dgm:linClrLst>
-    <dgm:effectClrLst/>
-    <dgm:txLinClrLst/>
-    <dgm:txFillClrLst meth="repeat">
-      <a:schemeClr val="tx1"/>
-    </dgm:txFillClrLst>
-    <dgm:txEffectClrLst/>
-  </dgm:styleLbl>
-  <dgm:styleLbl name="asst0">
-    <dgm:fillClrLst meth="repeat">
-      <a:schemeClr val="accent1"/>
-    </dgm:fillClrLst>
-    <dgm:linClrLst meth="repeat">
-      <a:schemeClr val="lt1"/>
-    </dgm:linClrLst>
-    <dgm:effectClrLst/>
-    <dgm:txLinClrLst/>
-    <dgm:txFillClrLst/>
-    <dgm:txEffectClrLst/>
-  </dgm:styleLbl>
-  <dgm:styleLbl name="asst1">
-    <dgm:fillClrLst meth="repeat">
-      <a:schemeClr val="accent1"/>
-    </dgm:fillClrLst>
-    <dgm:linClrLst meth="repeat">
-      <a:schemeClr val="lt1"/>
-    </dgm:linClrLst>
-    <dgm:effectClrLst/>
-    <dgm:txLinClrLst/>
-    <dgm:txFillClrLst/>
-    <dgm:txEffectClrLst/>
-  </dgm:styleLbl>
-  <dgm:styleLbl name="asst2">
-    <dgm:fillClrLst meth="repeat">
-      <a:schemeClr val="accent1"/>
-    </dgm:fillClrLst>
-    <dgm:linClrLst meth="repeat">
-      <a:schemeClr val="lt1"/>
-    </dgm:linClrLst>
-    <dgm:effectClrLst/>
-    <dgm:txLinClrLst/>
-    <dgm:txFillClrLst/>
-    <dgm:txEffectClrLst/>
-  </dgm:styleLbl>
-  <dgm:styleLbl name="asst3">
-    <dgm:fillClrLst meth="repeat">
-      <a:schemeClr val="accent1"/>
-    </dgm:fillClrLst>
-    <dgm:linClrLst meth="repeat">
-      <a:schemeClr val="lt1"/>
-    </dgm:linClrLst>
-    <dgm:effectClrLst/>
-    <dgm:txLinClrLst/>
-    <dgm:txFillClrLst/>
-    <dgm:txEffectClrLst/>
-  </dgm:styleLbl>
-  <dgm:styleLbl name="asst4">
-    <dgm:fillClrLst meth="repeat">
-      <a:schemeClr val="accent1"/>
-    </dgm:fillClrLst>
-    <dgm:linClrLst meth="repeat">
-      <a:schemeClr val="lt1"/>
-    </dgm:linClrLst>
-    <dgm:effectClrLst/>
-    <dgm:txLinClrLst/>
-    <dgm:txFillClrLst/>
-    <dgm:txEffectClrLst/>
-  </dgm:styleLbl>
-  <dgm:styleLbl name="parChTrans2D1">
-    <dgm:fillClrLst meth="repeat">
-      <a:schemeClr val="accent1">
-        <a:tint val="60000"/>
-      </a:schemeClr>
-    </dgm:fillClrLst>
-    <dgm:linClrLst meth="repeat">
-      <a:schemeClr val="accent1">
-        <a:tint val="60000"/>
-      </a:schemeClr>
-    </dgm:linClrLst>
-    <dgm:effectClrLst/>
-    <dgm:txLinClrLst/>
-    <dgm:txFillClrLst meth="repeat">
-      <a:schemeClr val="lt1"/>
-    </dgm:txFillClrLst>
-    <dgm:txEffectClrLst/>
-  </dgm:styleLbl>
-  <dgm:styleLbl name="parChTrans2D2">
-    <dgm:fillClrLst meth="repeat">
-      <a:schemeClr val="accent1"/>
-    </dgm:fillClrLst>
-    <dgm:linClrLst meth="repeat">
-      <a:schemeClr val="accent1"/>
-    </dgm:linClrLst>
-    <dgm:effectClrLst/>
-    <dgm:txLinClrLst/>
-    <dgm:txFillClrLst meth="repeat">
-      <a:schemeClr val="lt1"/>
-    </dgm:txFillClrLst>
-    <dgm:txEffectClrLst/>
-  </dgm:styleLbl>
-  <dgm:styleLbl name="parChTrans2D3">
-    <dgm:fillClrLst meth="repeat">
-      <a:schemeClr val="accent1"/>
-    </dgm:fillClrLst>
-    <dgm:linClrLst meth="repeat">
-      <a:schemeClr val="accent1"/>
-    </dgm:linClrLst>
-    <dgm:effectClrLst/>
-    <dgm:txLinClrLst/>
-    <dgm:txFillClrLst meth="repeat">
-      <a:schemeClr val="lt1"/>
-    </dgm:txFillClrLst>
-    <dgm:txEffectClrLst/>
-  </dgm:styleLbl>
-  <dgm:styleLbl name="parChTrans2D4">
-    <dgm:fillClrLst meth="repeat">
-      <a:schemeClr val="accent1"/>
-    </dgm:fillClrLst>
-    <dgm:linClrLst meth="repeat">
-      <a:schemeClr val="accent1"/>
-    </dgm:linClrLst>
-    <dgm:effectClrLst/>
-    <dgm:txLinClrLst/>
-    <dgm:txFillClrLst meth="repeat">
-      <a:schemeClr val="lt1"/>
-    </dgm:txFillClrLst>
-    <dgm:txEffectClrLst/>
-  </dgm:styleLbl>
-  <dgm:styleLbl name="parChTrans1D1">
-    <dgm:fillClrLst meth="repeat">
-      <a:schemeClr val="accent1"/>
-    </dgm:fillClrLst>
-    <dgm:linClrLst meth="repeat">
-      <a:schemeClr val="accent1">
-        <a:shade val="60000"/>
-      </a:schemeClr>
-    </dgm:linClrLst>
-    <dgm:effectClrLst/>
-    <dgm:txLinClrLst/>
-    <dgm:txFillClrLst meth="repeat">
-      <a:schemeClr val="tx1"/>
-    </dgm:txFillClrLst>
-    <dgm:txEffectClrLst/>
-  </dgm:styleLbl>
-  <dgm:styleLbl name="parChTrans1D2">
-    <dgm:fillClrLst meth="repeat">
-      <a:schemeClr val="accent1"/>
-    </dgm:fillClrLst>
-    <dgm:linClrLst meth="repeat">
-      <a:schemeClr val="accent1">
-        <a:shade val="60000"/>
-      </a:schemeClr>
-    </dgm:linClrLst>
-    <dgm:effectClrLst/>
-    <dgm:txLinClrLst/>
-    <dgm:txFillClrLst meth="repeat">
-      <a:schemeClr val="tx1"/>
-    </dgm:txFillClrLst>
-    <dgm:txEffectClrLst/>
-  </dgm:styleLbl>
-  <dgm:styleLbl name="parChTrans1D3">
-    <dgm:fillClrLst meth="repeat">
-      <a:schemeClr val="accent1"/>
-    </dgm:fillClrLst>
-    <dgm:linClrLst meth="repeat">
-      <a:schemeClr val="accent1">
-        <a:shade val="80000"/>
-      </a:schemeClr>
-    </dgm:linClrLst>
-    <dgm:effectClrLst/>
-    <dgm:txLinClrLst/>
-    <dgm:txFillClrLst meth="repeat">
-      <a:schemeClr val="tx1"/>
-    </dgm:txFillClrLst>
-    <dgm:txEffectClrLst/>
-  </dgm:styleLbl>
-  <dgm:styleLbl name="parChTrans1D4">
-    <dgm:fillClrLst meth="repeat">
-      <a:schemeClr val="accent1"/>
-    </dgm:fillClrLst>
-    <dgm:linClrLst meth="repeat">
-      <a:schemeClr val="accent1">
-        <a:shade val="80000"/>
-      </a:schemeClr>
-    </dgm:linClrLst>
-    <dgm:effectClrLst/>
-    <dgm:txLinClrLst/>
-    <dgm:txFillClrLst meth="repeat">
-      <a:schemeClr val="tx1"/>
-    </dgm:txFillClrLst>
-    <dgm:txEffectClrLst/>
-  </dgm:styleLbl>
-  <dgm:styleLbl name="fgAcc1">
-    <dgm:fillClrLst meth="repeat">
-      <a:schemeClr val="lt1">
-        <a:alpha val="90000"/>
-      </a:schemeClr>
-    </dgm:fillClrLst>
-    <dgm:linClrLst meth="repeat">
-      <a:schemeClr val="accent1"/>
-    </dgm:linClrLst>
-    <dgm:effectClrLst/>
-    <dgm:txLinClrLst/>
-    <dgm:txFillClrLst meth="repeat">
-      <a:schemeClr val="dk1"/>
-    </dgm:txFillClrLst>
-    <dgm:txEffectClrLst/>
-  </dgm:styleLbl>
-  <dgm:styleLbl name="conFgAcc1">
-    <dgm:fillClrLst meth="repeat">
-      <a:schemeClr val="lt1">
-        <a:alpha val="90000"/>
-      </a:schemeClr>
-    </dgm:fillClrLst>
-    <dgm:linClrLst meth="repeat">
-      <a:schemeClr val="accent1"/>
-    </dgm:linClrLst>
-    <dgm:effectClrLst/>
-    <dgm:txLinClrLst/>
-    <dgm:txFillClrLst meth="repeat">
-      <a:schemeClr val="dk1"/>
-    </dgm:txFillClrLst>
-    <dgm:txEffectClrLst/>
-  </dgm:styleLbl>
-  <dgm:styleLbl name="alignAcc1">
-    <dgm:fillClrLst meth="repeat">
-      <a:schemeClr val="lt1">
-        <a:alpha val="90000"/>
-      </a:schemeClr>
-    </dgm:fillClrLst>
-    <dgm:linClrLst meth="repeat">
-      <a:schemeClr val="accent1"/>
-    </dgm:linClrLst>
-    <dgm:effectClrLst/>
-    <dgm:txLinClrLst/>
-    <dgm:txFillClrLst meth="repeat">
-      <a:schemeClr val="dk1"/>
-    </dgm:txFillClrLst>
-    <dgm:txEffectClrLst/>
-  </dgm:styleLbl>
-  <dgm:styleLbl name="trAlignAcc1">
-    <dgm:fillClrLst meth="repeat">
-      <a:schemeClr val="lt1">
-        <a:alpha val="40000"/>
-      </a:schemeClr>
-    </dgm:fillClrLst>
-    <dgm:linClrLst meth="repeat">
-      <a:schemeClr val="accent1"/>
-    </dgm:linClrLst>
-    <dgm:effectClrLst/>
-    <dgm:txLinClrLst/>
-    <dgm:txFillClrLst meth="repeat">
-      <a:schemeClr val="dk1"/>
-    </dgm:txFillClrLst>
-    <dgm:txEffectClrLst/>
-  </dgm:styleLbl>
-  <dgm:styleLbl name="bgAcc1">
-    <dgm:fillClrLst meth="repeat">
-      <a:schemeClr val="lt1">
-        <a:alpha val="90000"/>
-      </a:schemeClr>
-    </dgm:fillClrLst>
-    <dgm:linClrLst meth="repeat">
-      <a:schemeClr val="accent1"/>
-    </dgm:linClrLst>
-    <dgm:effectClrLst/>
-    <dgm:txLinClrLst/>
-    <dgm:txFillClrLst meth="repeat">
-      <a:schemeClr val="dk1"/>
-    </dgm:txFillClrLst>
-    <dgm:txEffectClrLst/>
-  </dgm:styleLbl>
-  <dgm:styleLbl name="solidFgAcc1">
-    <dgm:fillClrLst meth="repeat">
-      <a:schemeClr val="lt1"/>
-    </dgm:fillClrLst>
-    <dgm:linClrLst meth="repeat">
-      <a:schemeClr val="accent1"/>
-    </dgm:linClrLst>
-    <dgm:effectClrLst/>
-    <dgm:txLinClrLst/>
-    <dgm:txFillClrLst meth="repeat">
-      <a:schemeClr val="dk1"/>
-    </dgm:txFillClrLst>
-    <dgm:txEffectClrLst/>
-  </dgm:styleLbl>
-  <dgm:styleLbl name="solidAlignAcc1">
-    <dgm:fillClrLst meth="repeat">
-      <a:schemeClr val="lt1"/>
-    </dgm:fillClrLst>
-    <dgm:linClrLst meth="repeat">
-      <a:schemeClr val="accent1"/>
-    </dgm:linClrLst>
-    <dgm:effectClrLst/>
-    <dgm:txLinClrLst/>
-    <dgm:txFillClrLst meth="repeat">
-      <a:schemeClr val="dk1"/>
-    </dgm:txFillClrLst>
-    <dgm:txEffectClrLst/>
-  </dgm:styleLbl>
-  <dgm:styleLbl name="solidBgAcc1">
-    <dgm:fillClrLst meth="repeat">
-      <a:schemeClr val="lt1"/>
-    </dgm:fillClrLst>
-    <dgm:linClrLst meth="repeat">
-      <a:schemeClr val="accent1"/>
-    </dgm:linClrLst>
-    <dgm:effectClrLst/>
-    <dgm:txLinClrLst/>
-    <dgm:txFillClrLst meth="repeat">
-      <a:schemeClr val="dk1"/>
-    </dgm:txFillClrLst>
-    <dgm:txEffectClrLst/>
-  </dgm:styleLbl>
-  <dgm:styleLbl name="fgAccFollowNode1">
-    <dgm:fillClrLst meth="repeat">
-      <a:schemeClr val="accent1">
-        <a:alpha val="90000"/>
-        <a:tint val="40000"/>
-      </a:schemeClr>
-    </dgm:fillClrLst>
-    <dgm:linClrLst meth="repeat">
-      <a:schemeClr val="accent1">
-        <a:alpha val="90000"/>
-        <a:tint val="40000"/>
-      </a:schemeClr>
-    </dgm:linClrLst>
-    <dgm:effectClrLst/>
-    <dgm:txLinClrLst/>
-    <dgm:txFillClrLst meth="repeat">
-      <a:schemeClr val="dk1"/>
-    </dgm:txFillClrLst>
-    <dgm:txEffectClrLst/>
-  </dgm:styleLbl>
-  <dgm:styleLbl name="alignAccFollowNode1">
-    <dgm:fillClrLst meth="repeat">
-      <a:schemeClr val="accent1">
-        <a:alpha val="90000"/>
-        <a:tint val="40000"/>
-      </a:schemeClr>
-    </dgm:fillClrLst>
-    <dgm:linClrLst meth="repeat">
-      <a:schemeClr val="accent1">
-        <a:alpha val="90000"/>
-        <a:tint val="40000"/>
-      </a:schemeClr>
-    </dgm:linClrLst>
-    <dgm:effectClrLst/>
-    <dgm:txLinClrLst/>
-    <dgm:txFillClrLst meth="repeat">
-      <a:schemeClr val="dk1"/>
-    </dgm:txFillClrLst>
-    <dgm:txEffectClrLst/>
-  </dgm:styleLbl>
-  <dgm:styleLbl name="bgAccFollowNode1">
-    <dgm:fillClrLst meth="repeat">
-      <a:schemeClr val="accent1">
-        <a:alpha val="90000"/>
-        <a:tint val="40000"/>
-      </a:schemeClr>
-    </dgm:fillClrLst>
-    <dgm:linClrLst meth="repeat">
-      <a:schemeClr val="accent1">
-        <a:alpha val="90000"/>
-        <a:tint val="40000"/>
-      </a:schemeClr>
-    </dgm:linClrLst>
-    <dgm:effectClrLst/>
-    <dgm:txLinClrLst/>
-    <dgm:txFillClrLst meth="repeat">
-      <a:schemeClr val="dk1"/>
-    </dgm:txFillClrLst>
-    <dgm:txEffectClrLst/>
-  </dgm:styleLbl>
-  <dgm:styleLbl name="fgAcc0">
-    <dgm:fillClrLst meth="repeat">
-      <a:schemeClr val="lt1">
-        <a:alpha val="90000"/>
-      </a:schemeClr>
-    </dgm:fillClrLst>
-    <dgm:linClrLst meth="repeat">
-      <a:schemeClr val="accent1"/>
-    </dgm:linClrLst>
-    <dgm:effectClrLst/>
-    <dgm:txLinClrLst/>
-    <dgm:txFillClrLst meth="repeat">
-      <a:schemeClr val="dk1"/>
-    </dgm:txFillClrLst>
-    <dgm:txEffectClrLst/>
-  </dgm:styleLbl>
-  <dgm:styleLbl name="fgAcc2">
-    <dgm:fillClrLst meth="repeat">
-      <a:schemeClr val="lt1">
-        <a:alpha val="90000"/>
-      </a:schemeClr>
-    </dgm:fillClrLst>
-    <dgm:linClrLst meth="repeat">
-      <a:schemeClr val="accent1"/>
-    </dgm:linClrLst>
-    <dgm:effectClrLst/>
-    <dgm:txLinClrLst/>
-    <dgm:txFillClrLst meth="repeat">
-      <a:schemeClr val="dk1"/>
-    </dgm:txFillClrLst>
-    <dgm:txEffectClrLst/>
-  </dgm:styleLbl>
-  <dgm:styleLbl name="fgAcc3">
-    <dgm:fillClrLst meth="repeat">
-      <a:schemeClr val="lt1">
-        <a:alpha val="90000"/>
-      </a:schemeClr>
-    </dgm:fillClrLst>
-    <dgm:linClrLst meth="repeat">
-      <a:schemeClr val="accent1"/>
-    </dgm:linClrLst>
-    <dgm:effectClrLst/>
-    <dgm:txLinClrLst/>
-    <dgm:txFillClrLst meth="repeat">
-      <a:schemeClr val="dk1"/>
-    </dgm:txFillClrLst>
-    <dgm:txEffectClrLst/>
-  </dgm:styleLbl>
-  <dgm:styleLbl name="fgAcc4">
-    <dgm:fillClrLst meth="repeat">
-      <a:schemeClr val="lt1">
-        <a:alpha val="90000"/>
-      </a:schemeClr>
-    </dgm:fillClrLst>
-    <dgm:linClrLst meth="repeat">
-      <a:schemeClr val="accent1"/>
-    </dgm:linClrLst>
-    <dgm:effectClrLst/>
-    <dgm:txLinClrLst/>
-    <dgm:txFillClrLst meth="repeat">
-      <a:schemeClr val="dk1"/>
-    </dgm:txFillClrLst>
-    <dgm:txEffectClrLst/>
-  </dgm:styleLbl>
-  <dgm:styleLbl name="bgShp">
-    <dgm:fillClrLst meth="repeat">
-      <a:schemeClr val="accent1">
-        <a:tint val="40000"/>
-      </a:schemeClr>
-    </dgm:fillClrLst>
-    <dgm:linClrLst meth="repeat">
-      <a:schemeClr val="accent1"/>
-    </dgm:linClrLst>
-    <dgm:effectClrLst/>
-    <dgm:txLinClrLst/>
-    <dgm:txFillClrLst meth="repeat">
-      <a:schemeClr val="dk1"/>
-    </dgm:txFillClrLst>
-    <dgm:txEffectClrLst/>
-  </dgm:styleLbl>
-  <dgm:styleLbl name="dkBgShp">
-    <dgm:fillClrLst meth="repeat">
-      <a:schemeClr val="accent1">
-        <a:shade val="80000"/>
-      </a:schemeClr>
-    </dgm:fillClrLst>
-    <dgm:linClrLst meth="repeat">
-      <a:schemeClr val="accent1"/>
-    </dgm:linClrLst>
-    <dgm:effectClrLst/>
-    <dgm:txLinClrLst/>
-    <dgm:txFillClrLst meth="repeat">
-      <a:schemeClr val="lt1"/>
-    </dgm:txFillClrLst>
-    <dgm:txEffectClrLst/>
-  </dgm:styleLbl>
-  <dgm:styleLbl name="trBgShp">
-    <dgm:fillClrLst meth="repeat">
-      <a:schemeClr val="accent1">
-        <a:tint val="50000"/>
-        <a:alpha val="40000"/>
-      </a:schemeClr>
-    </dgm:fillClrLst>
-    <dgm:linClrLst meth="repeat">
-      <a:schemeClr val="accent1"/>
-    </dgm:linClrLst>
-    <dgm:effectClrLst/>
-    <dgm:txLinClrLst/>
-    <dgm:txFillClrLst meth="repeat">
-      <a:schemeClr val="lt1"/>
-    </dgm:txFillClrLst>
-    <dgm:txEffectClrLst/>
-  </dgm:styleLbl>
-  <dgm:styleLbl name="fgShp">
-    <dgm:fillClrLst meth="repeat">
-      <a:schemeClr val="accent1">
-        <a:tint val="60000"/>
-      </a:schemeClr>
-    </dgm:fillClrLst>
-    <dgm:linClrLst meth="repeat">
-      <a:schemeClr val="lt1"/>
-    </dgm:linClrLst>
-    <dgm:effectClrLst/>
-    <dgm:txLinClrLst/>
-    <dgm:txFillClrLst meth="repeat">
-      <a:schemeClr val="dk1"/>
-    </dgm:txFillClrLst>
-    <dgm:txEffectClrLst/>
-  </dgm:styleLbl>
-  <dgm:styleLbl name="revTx">
-    <dgm:fillClrLst meth="repeat">
-      <a:schemeClr val="lt1">
-        <a:alpha val="0"/>
-      </a:schemeClr>
-    </dgm:fillClrLst>
-    <dgm:linClrLst meth="repeat">
-      <a:schemeClr val="dk1">
-        <a:alpha val="0"/>
-      </a:schemeClr>
-    </dgm:linClrLst>
-    <dgm:effectClrLst/>
-    <dgm:txLinClrLst/>
-    <dgm:txFillClrLst meth="repeat">
-      <a:schemeClr val="tx1"/>
-    </dgm:txFillClrLst>
-    <dgm:txEffectClrLst/>
-  </dgm:styleLbl>
-</dgm:colorsDef>
-</file>
-
-<file path=ppt/diagrams/data1.xml><?xml version="1.0" encoding="utf-8"?>
-<dgm:dataModel xmlns:dgm="http://schemas.openxmlformats.org/drawingml/2006/diagram" xmlns:a="http://schemas.openxmlformats.org/drawingml/2006/main">
-  <dgm:ptLst>
-    <dgm:pt modelId="{0CE19505-E527-44F5-9B78-63CAD7F2C92C}" type="doc">
-      <dgm:prSet loTypeId="urn:microsoft.com/office/officeart/2005/8/layout/hProcess9" loCatId="process" qsTypeId="urn:microsoft.com/office/officeart/2005/8/quickstyle/simple1" qsCatId="simple" csTypeId="urn:microsoft.com/office/officeart/2005/8/colors/accent1_2" csCatId="accent1" phldr="1"/>
-      <dgm:spPr/>
-    </dgm:pt>
-    <dgm:pt modelId="{A06C0772-EB4B-4520-A051-FD8F1570906C}">
-      <dgm:prSet phldrT="[Text]"/>
-      <dgm:spPr/>
-      <dgm:t>
-        <a:bodyPr/>
-        <a:lstStyle/>
-        <a:p>
-          <a:r>
-            <a:rPr lang="en-US" dirty="0"/>
-            <a:t>Development Sandbox</a:t>
-          </a:r>
-        </a:p>
-      </dgm:t>
-    </dgm:pt>
-    <dgm:pt modelId="{EA34971E-4A19-4FF4-9294-F0C5049BB0EE}" type="parTrans" cxnId="{B5118A0E-CEAA-4885-947F-AAF8250F203F}">
-      <dgm:prSet/>
-      <dgm:spPr/>
-      <dgm:t>
-        <a:bodyPr/>
-        <a:lstStyle/>
-        <a:p>
-          <a:endParaRPr lang="en-US"/>
-        </a:p>
-      </dgm:t>
-    </dgm:pt>
-    <dgm:pt modelId="{EB52F477-5A61-4620-994B-A9560FFD8D2B}" type="sibTrans" cxnId="{B5118A0E-CEAA-4885-947F-AAF8250F203F}">
-      <dgm:prSet/>
-      <dgm:spPr/>
-      <dgm:t>
-        <a:bodyPr/>
-        <a:lstStyle/>
-        <a:p>
-          <a:endParaRPr lang="en-US"/>
-        </a:p>
-      </dgm:t>
-    </dgm:pt>
-    <dgm:pt modelId="{07BA4662-2877-4706-8B15-70BECE5A088D}">
-      <dgm:prSet phldrT="[Text]"/>
-      <dgm:spPr/>
-      <dgm:t>
-        <a:bodyPr/>
-        <a:lstStyle/>
-        <a:p>
-          <a:r>
-            <a:rPr lang="en-US" dirty="0"/>
-            <a:t>Development Integration </a:t>
-          </a:r>
-        </a:p>
-      </dgm:t>
-    </dgm:pt>
-    <dgm:pt modelId="{2EFB02A5-04F0-4F69-A652-3F40D7C409C3}" type="parTrans" cxnId="{35FF2E88-9048-4AB1-8B2F-331440A25FF4}">
-      <dgm:prSet/>
-      <dgm:spPr/>
-      <dgm:t>
-        <a:bodyPr/>
-        <a:lstStyle/>
-        <a:p>
-          <a:endParaRPr lang="en-US"/>
-        </a:p>
-      </dgm:t>
-    </dgm:pt>
-    <dgm:pt modelId="{0BB11E57-7AD1-4AA8-8531-E5A587F3DD83}" type="sibTrans" cxnId="{35FF2E88-9048-4AB1-8B2F-331440A25FF4}">
-      <dgm:prSet/>
-      <dgm:spPr/>
-      <dgm:t>
-        <a:bodyPr/>
-        <a:lstStyle/>
-        <a:p>
-          <a:endParaRPr lang="en-US"/>
-        </a:p>
-      </dgm:t>
-    </dgm:pt>
-    <dgm:pt modelId="{4B7FD7B1-80C6-4D61-9C5D-E8E4B5CDF140}">
-      <dgm:prSet phldrT="[Text]"/>
-      <dgm:spPr/>
-      <dgm:t>
-        <a:bodyPr/>
-        <a:lstStyle/>
-        <a:p>
-          <a:r>
-            <a:rPr lang="en-US" dirty="0"/>
-            <a:t>UAT/ 1..n other environments</a:t>
-          </a:r>
-        </a:p>
-      </dgm:t>
-    </dgm:pt>
-    <dgm:pt modelId="{47E3B511-20C9-4993-893C-0275ADF9E2D3}" type="parTrans" cxnId="{B5B44C67-DD43-4506-9120-CD5C33C4F49F}">
-      <dgm:prSet/>
-      <dgm:spPr/>
-      <dgm:t>
-        <a:bodyPr/>
-        <a:lstStyle/>
-        <a:p>
-          <a:endParaRPr lang="en-US"/>
-        </a:p>
-      </dgm:t>
-    </dgm:pt>
-    <dgm:pt modelId="{7EB869F4-790E-4616-9B89-3D9408845640}" type="sibTrans" cxnId="{B5B44C67-DD43-4506-9120-CD5C33C4F49F}">
-      <dgm:prSet/>
-      <dgm:spPr/>
-      <dgm:t>
-        <a:bodyPr/>
-        <a:lstStyle/>
-        <a:p>
-          <a:endParaRPr lang="en-US"/>
-        </a:p>
-      </dgm:t>
-    </dgm:pt>
-    <dgm:pt modelId="{3B52B5AC-6D41-4359-8DD1-2BE71A3CCB59}">
-      <dgm:prSet phldrT="[Text]"/>
-      <dgm:spPr/>
-      <dgm:t>
-        <a:bodyPr/>
-        <a:lstStyle/>
-        <a:p>
-          <a:r>
-            <a:rPr lang="en-US" dirty="0"/>
-            <a:t>QA</a:t>
-          </a:r>
-        </a:p>
-      </dgm:t>
-    </dgm:pt>
-    <dgm:pt modelId="{1A1EE3AA-B3D0-498C-B40A-199637014D7D}" type="parTrans" cxnId="{14FF0A94-2EEB-47AC-BC81-375AD19881ED}">
-      <dgm:prSet/>
-      <dgm:spPr/>
-      <dgm:t>
-        <a:bodyPr/>
-        <a:lstStyle/>
-        <a:p>
-          <a:endParaRPr lang="en-US"/>
-        </a:p>
-      </dgm:t>
-    </dgm:pt>
-    <dgm:pt modelId="{428AC4C3-FB35-4270-AFEA-E8B9B623BCA3}" type="sibTrans" cxnId="{14FF0A94-2EEB-47AC-BC81-375AD19881ED}">
-      <dgm:prSet/>
-      <dgm:spPr/>
-      <dgm:t>
-        <a:bodyPr/>
-        <a:lstStyle/>
-        <a:p>
-          <a:endParaRPr lang="en-US"/>
-        </a:p>
-      </dgm:t>
-    </dgm:pt>
-    <dgm:pt modelId="{79615B41-F057-4216-ABE0-A7619A6A00EB}">
-      <dgm:prSet phldrT="[Text]"/>
-      <dgm:spPr/>
-      <dgm:t>
-        <a:bodyPr/>
-        <a:lstStyle/>
-        <a:p>
-          <a:r>
-            <a:rPr lang="en-US" dirty="0"/>
-            <a:t>VCS</a:t>
-          </a:r>
-        </a:p>
-      </dgm:t>
-    </dgm:pt>
-    <dgm:pt modelId="{D2F7D3A0-76BC-458A-B3F0-D44F6C92414B}" type="parTrans" cxnId="{58E23D1F-3720-4E28-AFEC-915634B38EF7}">
-      <dgm:prSet/>
-      <dgm:spPr/>
-      <dgm:t>
-        <a:bodyPr/>
-        <a:lstStyle/>
-        <a:p>
-          <a:endParaRPr lang="en-US"/>
-        </a:p>
-      </dgm:t>
-    </dgm:pt>
-    <dgm:pt modelId="{9EFCD8A1-573D-415C-B553-544FFEEFCCF4}" type="sibTrans" cxnId="{58E23D1F-3720-4E28-AFEC-915634B38EF7}">
-      <dgm:prSet/>
-      <dgm:spPr/>
-      <dgm:t>
-        <a:bodyPr/>
-        <a:lstStyle/>
-        <a:p>
-          <a:endParaRPr lang="en-US"/>
-        </a:p>
-      </dgm:t>
-    </dgm:pt>
-    <dgm:pt modelId="{89CCD24F-B0E7-4BE6-AFBB-69918AC636CA}">
-      <dgm:prSet phldrT="[Text]"/>
-      <dgm:spPr/>
-      <dgm:t>
-        <a:bodyPr/>
-        <a:lstStyle/>
-        <a:p>
-          <a:r>
-            <a:rPr lang="en-US"/>
-            <a:t>Continuous </a:t>
-          </a:r>
-          <a:r>
-            <a:rPr lang="en-US" dirty="0"/>
-            <a:t>Integration</a:t>
-          </a:r>
-        </a:p>
-      </dgm:t>
-    </dgm:pt>
-    <dgm:pt modelId="{A996C48C-5ACD-46D1-BB85-663B1EBE8F3E}" type="parTrans" cxnId="{F9692805-72C0-4451-8CAA-BFBCC78C1B4F}">
-      <dgm:prSet/>
-      <dgm:spPr/>
-      <dgm:t>
-        <a:bodyPr/>
-        <a:lstStyle/>
-        <a:p>
-          <a:endParaRPr lang="en-US"/>
-        </a:p>
-      </dgm:t>
-    </dgm:pt>
-    <dgm:pt modelId="{DE4F116E-9239-4925-8EDE-421C5A2CDDDC}" type="sibTrans" cxnId="{F9692805-72C0-4451-8CAA-BFBCC78C1B4F}">
-      <dgm:prSet/>
-      <dgm:spPr/>
-      <dgm:t>
-        <a:bodyPr/>
-        <a:lstStyle/>
-        <a:p>
-          <a:endParaRPr lang="en-US"/>
-        </a:p>
-      </dgm:t>
-    </dgm:pt>
-    <dgm:pt modelId="{2548F702-1E66-46B5-9ABC-6AB759D5FB8B}">
-      <dgm:prSet phldrT="[Text]"/>
-      <dgm:spPr/>
-      <dgm:t>
-        <a:bodyPr/>
-        <a:lstStyle/>
-        <a:p>
-          <a:r>
-            <a:rPr lang="en-US"/>
-            <a:t>Production</a:t>
-          </a:r>
-          <a:endParaRPr lang="en-US" dirty="0"/>
-        </a:p>
-      </dgm:t>
-    </dgm:pt>
-    <dgm:pt modelId="{B4559846-0356-4C71-BED4-4E47BB07C76C}" type="parTrans" cxnId="{5F0D655A-B38F-4D96-9AAD-CAD085EA10A5}">
-      <dgm:prSet/>
-      <dgm:spPr/>
-      <dgm:t>
-        <a:bodyPr/>
-        <a:lstStyle/>
-        <a:p>
-          <a:endParaRPr lang="en-US"/>
-        </a:p>
-      </dgm:t>
-    </dgm:pt>
-    <dgm:pt modelId="{A55AE104-BFD0-4DC1-A702-76267FA70470}" type="sibTrans" cxnId="{5F0D655A-B38F-4D96-9AAD-CAD085EA10A5}">
-      <dgm:prSet/>
-      <dgm:spPr/>
-      <dgm:t>
-        <a:bodyPr/>
-        <a:lstStyle/>
-        <a:p>
-          <a:endParaRPr lang="en-US"/>
-        </a:p>
-      </dgm:t>
-    </dgm:pt>
-    <dgm:pt modelId="{95E47628-2374-4318-ABF1-BD44693D8A7E}" type="pres">
-      <dgm:prSet presAssocID="{0CE19505-E527-44F5-9B78-63CAD7F2C92C}" presName="CompostProcess" presStyleCnt="0">
-        <dgm:presLayoutVars>
-          <dgm:dir/>
-          <dgm:resizeHandles val="exact"/>
-        </dgm:presLayoutVars>
-      </dgm:prSet>
-      <dgm:spPr/>
-    </dgm:pt>
-    <dgm:pt modelId="{AF494991-0145-42FB-9FAC-84598739C7BF}" type="pres">
-      <dgm:prSet presAssocID="{0CE19505-E527-44F5-9B78-63CAD7F2C92C}" presName="arrow" presStyleLbl="bgShp" presStyleIdx="0" presStyleCnt="1"/>
-      <dgm:spPr/>
-    </dgm:pt>
-    <dgm:pt modelId="{ADF6AB2A-95DC-4439-9B7B-534BA7C13FAE}" type="pres">
-      <dgm:prSet presAssocID="{0CE19505-E527-44F5-9B78-63CAD7F2C92C}" presName="linearProcess" presStyleCnt="0"/>
-      <dgm:spPr/>
-    </dgm:pt>
-    <dgm:pt modelId="{2FBF7677-57AD-488C-B2D1-8BF43E2ABE7C}" type="pres">
-      <dgm:prSet presAssocID="{A06C0772-EB4B-4520-A051-FD8F1570906C}" presName="textNode" presStyleLbl="node1" presStyleIdx="0" presStyleCnt="7">
-        <dgm:presLayoutVars>
-          <dgm:bulletEnabled val="1"/>
-        </dgm:presLayoutVars>
-      </dgm:prSet>
-      <dgm:spPr/>
-    </dgm:pt>
-    <dgm:pt modelId="{B6208E54-44A7-4CF3-824E-A3C276B79E33}" type="pres">
-      <dgm:prSet presAssocID="{EB52F477-5A61-4620-994B-A9560FFD8D2B}" presName="sibTrans" presStyleCnt="0"/>
-      <dgm:spPr/>
-    </dgm:pt>
-    <dgm:pt modelId="{72B9532E-95F7-4D64-9D7D-5DA593B79D93}" type="pres">
-      <dgm:prSet presAssocID="{79615B41-F057-4216-ABE0-A7619A6A00EB}" presName="textNode" presStyleLbl="node1" presStyleIdx="1" presStyleCnt="7">
-        <dgm:presLayoutVars>
-          <dgm:bulletEnabled val="1"/>
-        </dgm:presLayoutVars>
-      </dgm:prSet>
-      <dgm:spPr/>
-    </dgm:pt>
-    <dgm:pt modelId="{17D85971-F8AE-4595-B043-80CD239AED14}" type="pres">
-      <dgm:prSet presAssocID="{9EFCD8A1-573D-415C-B553-544FFEEFCCF4}" presName="sibTrans" presStyleCnt="0"/>
-      <dgm:spPr/>
-    </dgm:pt>
-    <dgm:pt modelId="{2F4EC6A7-3F18-4C8F-B73E-406B343EEC5D}" type="pres">
-      <dgm:prSet presAssocID="{89CCD24F-B0E7-4BE6-AFBB-69918AC636CA}" presName="textNode" presStyleLbl="node1" presStyleIdx="2" presStyleCnt="7">
-        <dgm:presLayoutVars>
-          <dgm:bulletEnabled val="1"/>
-        </dgm:presLayoutVars>
-      </dgm:prSet>
-      <dgm:spPr/>
-    </dgm:pt>
-    <dgm:pt modelId="{762AB066-089E-4C32-8FAD-4583A1CECE9B}" type="pres">
-      <dgm:prSet presAssocID="{DE4F116E-9239-4925-8EDE-421C5A2CDDDC}" presName="sibTrans" presStyleCnt="0"/>
-      <dgm:spPr/>
-    </dgm:pt>
-    <dgm:pt modelId="{662950D7-268F-48DD-A417-A8B5FEAB54E6}" type="pres">
-      <dgm:prSet presAssocID="{07BA4662-2877-4706-8B15-70BECE5A088D}" presName="textNode" presStyleLbl="node1" presStyleIdx="3" presStyleCnt="7">
-        <dgm:presLayoutVars>
-          <dgm:bulletEnabled val="1"/>
-        </dgm:presLayoutVars>
-      </dgm:prSet>
-      <dgm:spPr/>
-    </dgm:pt>
-    <dgm:pt modelId="{911F624D-2C5C-4F30-AF0F-4023F30BDED6}" type="pres">
-      <dgm:prSet presAssocID="{0BB11E57-7AD1-4AA8-8531-E5A587F3DD83}" presName="sibTrans" presStyleCnt="0"/>
-      <dgm:spPr/>
-    </dgm:pt>
-    <dgm:pt modelId="{8507952A-1E94-467D-B948-0A321F24253C}" type="pres">
-      <dgm:prSet presAssocID="{3B52B5AC-6D41-4359-8DD1-2BE71A3CCB59}" presName="textNode" presStyleLbl="node1" presStyleIdx="4" presStyleCnt="7">
-        <dgm:presLayoutVars>
-          <dgm:bulletEnabled val="1"/>
-        </dgm:presLayoutVars>
-      </dgm:prSet>
-      <dgm:spPr/>
-    </dgm:pt>
-    <dgm:pt modelId="{61850651-B4D0-46E8-9BD8-5396452983BC}" type="pres">
-      <dgm:prSet presAssocID="{428AC4C3-FB35-4270-AFEA-E8B9B623BCA3}" presName="sibTrans" presStyleCnt="0"/>
-      <dgm:spPr/>
-    </dgm:pt>
-    <dgm:pt modelId="{7C3DC7B1-1D6E-4455-B112-FFB8EC0A4734}" type="pres">
-      <dgm:prSet presAssocID="{4B7FD7B1-80C6-4D61-9C5D-E8E4B5CDF140}" presName="textNode" presStyleLbl="node1" presStyleIdx="5" presStyleCnt="7">
-        <dgm:presLayoutVars>
-          <dgm:bulletEnabled val="1"/>
-        </dgm:presLayoutVars>
-      </dgm:prSet>
-      <dgm:spPr/>
-    </dgm:pt>
-    <dgm:pt modelId="{55DB5FDE-2321-4837-B6D4-328F2A85FB3F}" type="pres">
-      <dgm:prSet presAssocID="{7EB869F4-790E-4616-9B89-3D9408845640}" presName="sibTrans" presStyleCnt="0"/>
-      <dgm:spPr/>
-    </dgm:pt>
-    <dgm:pt modelId="{C9581C09-77CE-4113-A727-C2C15E28AEB3}" type="pres">
-      <dgm:prSet presAssocID="{2548F702-1E66-46B5-9ABC-6AB759D5FB8B}" presName="textNode" presStyleLbl="node1" presStyleIdx="6" presStyleCnt="7">
-        <dgm:presLayoutVars>
-          <dgm:bulletEnabled val="1"/>
-        </dgm:presLayoutVars>
-      </dgm:prSet>
-      <dgm:spPr/>
-    </dgm:pt>
-  </dgm:ptLst>
-  <dgm:cxnLst>
-    <dgm:cxn modelId="{EDD60203-21EB-4D45-94F9-93A7F20B1A8F}" type="presOf" srcId="{79615B41-F057-4216-ABE0-A7619A6A00EB}" destId="{72B9532E-95F7-4D64-9D7D-5DA593B79D93}" srcOrd="0" destOrd="0" presId="urn:microsoft.com/office/officeart/2005/8/layout/hProcess9"/>
-    <dgm:cxn modelId="{F9692805-72C0-4451-8CAA-BFBCC78C1B4F}" srcId="{0CE19505-E527-44F5-9B78-63CAD7F2C92C}" destId="{89CCD24F-B0E7-4BE6-AFBB-69918AC636CA}" srcOrd="2" destOrd="0" parTransId="{A996C48C-5ACD-46D1-BB85-663B1EBE8F3E}" sibTransId="{DE4F116E-9239-4925-8EDE-421C5A2CDDDC}"/>
-    <dgm:cxn modelId="{B5118A0E-CEAA-4885-947F-AAF8250F203F}" srcId="{0CE19505-E527-44F5-9B78-63CAD7F2C92C}" destId="{A06C0772-EB4B-4520-A051-FD8F1570906C}" srcOrd="0" destOrd="0" parTransId="{EA34971E-4A19-4FF4-9294-F0C5049BB0EE}" sibTransId="{EB52F477-5A61-4620-994B-A9560FFD8D2B}"/>
-    <dgm:cxn modelId="{58E23D1F-3720-4E28-AFEC-915634B38EF7}" srcId="{0CE19505-E527-44F5-9B78-63CAD7F2C92C}" destId="{79615B41-F057-4216-ABE0-A7619A6A00EB}" srcOrd="1" destOrd="0" parTransId="{D2F7D3A0-76BC-458A-B3F0-D44F6C92414B}" sibTransId="{9EFCD8A1-573D-415C-B553-544FFEEFCCF4}"/>
-    <dgm:cxn modelId="{523F8921-BC65-43C6-BB22-A690BEA4AB54}" type="presOf" srcId="{07BA4662-2877-4706-8B15-70BECE5A088D}" destId="{662950D7-268F-48DD-A417-A8B5FEAB54E6}" srcOrd="0" destOrd="0" presId="urn:microsoft.com/office/officeart/2005/8/layout/hProcess9"/>
-    <dgm:cxn modelId="{C7B0DA35-364A-41EB-AA28-92A102588127}" type="presOf" srcId="{A06C0772-EB4B-4520-A051-FD8F1570906C}" destId="{2FBF7677-57AD-488C-B2D1-8BF43E2ABE7C}" srcOrd="0" destOrd="0" presId="urn:microsoft.com/office/officeart/2005/8/layout/hProcess9"/>
-    <dgm:cxn modelId="{B5B44C67-DD43-4506-9120-CD5C33C4F49F}" srcId="{0CE19505-E527-44F5-9B78-63CAD7F2C92C}" destId="{4B7FD7B1-80C6-4D61-9C5D-E8E4B5CDF140}" srcOrd="5" destOrd="0" parTransId="{47E3B511-20C9-4993-893C-0275ADF9E2D3}" sibTransId="{7EB869F4-790E-4616-9B89-3D9408845640}"/>
-    <dgm:cxn modelId="{AA30AF55-5E28-488D-8B0E-B03EE6CCB531}" type="presOf" srcId="{3B52B5AC-6D41-4359-8DD1-2BE71A3CCB59}" destId="{8507952A-1E94-467D-B948-0A321F24253C}" srcOrd="0" destOrd="0" presId="urn:microsoft.com/office/officeart/2005/8/layout/hProcess9"/>
-    <dgm:cxn modelId="{5F0D655A-B38F-4D96-9AAD-CAD085EA10A5}" srcId="{0CE19505-E527-44F5-9B78-63CAD7F2C92C}" destId="{2548F702-1E66-46B5-9ABC-6AB759D5FB8B}" srcOrd="6" destOrd="0" parTransId="{B4559846-0356-4C71-BED4-4E47BB07C76C}" sibTransId="{A55AE104-BFD0-4DC1-A702-76267FA70470}"/>
-    <dgm:cxn modelId="{35FF2E88-9048-4AB1-8B2F-331440A25FF4}" srcId="{0CE19505-E527-44F5-9B78-63CAD7F2C92C}" destId="{07BA4662-2877-4706-8B15-70BECE5A088D}" srcOrd="3" destOrd="0" parTransId="{2EFB02A5-04F0-4F69-A652-3F40D7C409C3}" sibTransId="{0BB11E57-7AD1-4AA8-8531-E5A587F3DD83}"/>
-    <dgm:cxn modelId="{14FF0A94-2EEB-47AC-BC81-375AD19881ED}" srcId="{0CE19505-E527-44F5-9B78-63CAD7F2C92C}" destId="{3B52B5AC-6D41-4359-8DD1-2BE71A3CCB59}" srcOrd="4" destOrd="0" parTransId="{1A1EE3AA-B3D0-498C-B40A-199637014D7D}" sibTransId="{428AC4C3-FB35-4270-AFEA-E8B9B623BCA3}"/>
-    <dgm:cxn modelId="{E62F0E9F-214D-4CB4-8A9F-BFF03FCC7D85}" type="presOf" srcId="{4B7FD7B1-80C6-4D61-9C5D-E8E4B5CDF140}" destId="{7C3DC7B1-1D6E-4455-B112-FFB8EC0A4734}" srcOrd="0" destOrd="0" presId="urn:microsoft.com/office/officeart/2005/8/layout/hProcess9"/>
-    <dgm:cxn modelId="{5B3197CF-E52F-42CC-99C0-E7E1826B5603}" type="presOf" srcId="{89CCD24F-B0E7-4BE6-AFBB-69918AC636CA}" destId="{2F4EC6A7-3F18-4C8F-B73E-406B343EEC5D}" srcOrd="0" destOrd="0" presId="urn:microsoft.com/office/officeart/2005/8/layout/hProcess9"/>
-    <dgm:cxn modelId="{C4C57ED3-8353-4074-A237-8BF92CE26EA5}" type="presOf" srcId="{2548F702-1E66-46B5-9ABC-6AB759D5FB8B}" destId="{C9581C09-77CE-4113-A727-C2C15E28AEB3}" srcOrd="0" destOrd="0" presId="urn:microsoft.com/office/officeart/2005/8/layout/hProcess9"/>
-    <dgm:cxn modelId="{011A33D5-31B2-491D-B1D9-A06E2AFAC092}" type="presOf" srcId="{0CE19505-E527-44F5-9B78-63CAD7F2C92C}" destId="{95E47628-2374-4318-ABF1-BD44693D8A7E}" srcOrd="0" destOrd="0" presId="urn:microsoft.com/office/officeart/2005/8/layout/hProcess9"/>
-    <dgm:cxn modelId="{898C5229-D151-4AD5-95C6-2E2210F9E5F6}" type="presParOf" srcId="{95E47628-2374-4318-ABF1-BD44693D8A7E}" destId="{AF494991-0145-42FB-9FAC-84598739C7BF}" srcOrd="0" destOrd="0" presId="urn:microsoft.com/office/officeart/2005/8/layout/hProcess9"/>
-    <dgm:cxn modelId="{B54184B2-1E46-45FE-9F14-14BE1235A9A9}" type="presParOf" srcId="{95E47628-2374-4318-ABF1-BD44693D8A7E}" destId="{ADF6AB2A-95DC-4439-9B7B-534BA7C13FAE}" srcOrd="1" destOrd="0" presId="urn:microsoft.com/office/officeart/2005/8/layout/hProcess9"/>
-    <dgm:cxn modelId="{6C4F1CAA-DBD2-497A-B654-4A185A25AA0C}" type="presParOf" srcId="{ADF6AB2A-95DC-4439-9B7B-534BA7C13FAE}" destId="{2FBF7677-57AD-488C-B2D1-8BF43E2ABE7C}" srcOrd="0" destOrd="0" presId="urn:microsoft.com/office/officeart/2005/8/layout/hProcess9"/>
-    <dgm:cxn modelId="{F39ECE70-BF42-4A81-B82B-EBD5084DF285}" type="presParOf" srcId="{ADF6AB2A-95DC-4439-9B7B-534BA7C13FAE}" destId="{B6208E54-44A7-4CF3-824E-A3C276B79E33}" srcOrd="1" destOrd="0" presId="urn:microsoft.com/office/officeart/2005/8/layout/hProcess9"/>
-    <dgm:cxn modelId="{77A0C5A5-549B-4E30-BF2A-8B44E3EBF4CE}" type="presParOf" srcId="{ADF6AB2A-95DC-4439-9B7B-534BA7C13FAE}" destId="{72B9532E-95F7-4D64-9D7D-5DA593B79D93}" srcOrd="2" destOrd="0" presId="urn:microsoft.com/office/officeart/2005/8/layout/hProcess9"/>
-    <dgm:cxn modelId="{3E68D62B-3226-409B-B23F-74A4E4A343B3}" type="presParOf" srcId="{ADF6AB2A-95DC-4439-9B7B-534BA7C13FAE}" destId="{17D85971-F8AE-4595-B043-80CD239AED14}" srcOrd="3" destOrd="0" presId="urn:microsoft.com/office/officeart/2005/8/layout/hProcess9"/>
-    <dgm:cxn modelId="{1727C884-1007-453A-BA17-A093A9A92871}" type="presParOf" srcId="{ADF6AB2A-95DC-4439-9B7B-534BA7C13FAE}" destId="{2F4EC6A7-3F18-4C8F-B73E-406B343EEC5D}" srcOrd="4" destOrd="0" presId="urn:microsoft.com/office/officeart/2005/8/layout/hProcess9"/>
-    <dgm:cxn modelId="{F4E4B97F-4E1E-4338-93C8-FC53F44417DC}" type="presParOf" srcId="{ADF6AB2A-95DC-4439-9B7B-534BA7C13FAE}" destId="{762AB066-089E-4C32-8FAD-4583A1CECE9B}" srcOrd="5" destOrd="0" presId="urn:microsoft.com/office/officeart/2005/8/layout/hProcess9"/>
-    <dgm:cxn modelId="{0D3AE3B8-2CA0-4AB3-8CF4-C6989AF88D95}" type="presParOf" srcId="{ADF6AB2A-95DC-4439-9B7B-534BA7C13FAE}" destId="{662950D7-268F-48DD-A417-A8B5FEAB54E6}" srcOrd="6" destOrd="0" presId="urn:microsoft.com/office/officeart/2005/8/layout/hProcess9"/>
-    <dgm:cxn modelId="{56E8374F-8D87-42E6-B6D0-E1EFAD43ADBB}" type="presParOf" srcId="{ADF6AB2A-95DC-4439-9B7B-534BA7C13FAE}" destId="{911F624D-2C5C-4F30-AF0F-4023F30BDED6}" srcOrd="7" destOrd="0" presId="urn:microsoft.com/office/officeart/2005/8/layout/hProcess9"/>
-    <dgm:cxn modelId="{98AE0289-E663-4AA3-AE3F-912107BDBC21}" type="presParOf" srcId="{ADF6AB2A-95DC-4439-9B7B-534BA7C13FAE}" destId="{8507952A-1E94-467D-B948-0A321F24253C}" srcOrd="8" destOrd="0" presId="urn:microsoft.com/office/officeart/2005/8/layout/hProcess9"/>
-    <dgm:cxn modelId="{A929ED9B-A90D-464A-A50F-F44DEF090475}" type="presParOf" srcId="{ADF6AB2A-95DC-4439-9B7B-534BA7C13FAE}" destId="{61850651-B4D0-46E8-9BD8-5396452983BC}" srcOrd="9" destOrd="0" presId="urn:microsoft.com/office/officeart/2005/8/layout/hProcess9"/>
-    <dgm:cxn modelId="{D49644B3-0DB4-4863-ADA9-A48A1A115669}" type="presParOf" srcId="{ADF6AB2A-95DC-4439-9B7B-534BA7C13FAE}" destId="{7C3DC7B1-1D6E-4455-B112-FFB8EC0A4734}" srcOrd="10" destOrd="0" presId="urn:microsoft.com/office/officeart/2005/8/layout/hProcess9"/>
-    <dgm:cxn modelId="{339983A6-C227-4741-93B2-388AEE32A30D}" type="presParOf" srcId="{ADF6AB2A-95DC-4439-9B7B-534BA7C13FAE}" destId="{55DB5FDE-2321-4837-B6D4-328F2A85FB3F}" srcOrd="11" destOrd="0" presId="urn:microsoft.com/office/officeart/2005/8/layout/hProcess9"/>
-    <dgm:cxn modelId="{41EA51F3-5DCC-4FCB-8FFB-E8080371E04B}" type="presParOf" srcId="{ADF6AB2A-95DC-4439-9B7B-534BA7C13FAE}" destId="{C9581C09-77CE-4113-A727-C2C15E28AEB3}" srcOrd="12" destOrd="0" presId="urn:microsoft.com/office/officeart/2005/8/layout/hProcess9"/>
-  </dgm:cxnLst>
-  <dgm:bg/>
-  <dgm:whole/>
-  <dgm:extLst>
-    <a:ext uri="http://schemas.microsoft.com/office/drawing/2008/diagram">
-      <dsp:dataModelExt xmlns:dsp="http://schemas.microsoft.com/office/drawing/2008/diagram" relId="rId7" minVer="http://schemas.openxmlformats.org/drawingml/2006/diagram"/>
-    </a:ext>
-  </dgm:extLst>
-</dgm:dataModel>
-</file>
-
-<file path=ppt/diagrams/drawing1.xml><?xml version="1.0" encoding="utf-8"?>
-<dsp:drawing xmlns:dgm="http://schemas.openxmlformats.org/drawingml/2006/diagram" xmlns:dsp="http://schemas.microsoft.com/office/drawing/2008/diagram" xmlns:a="http://schemas.openxmlformats.org/drawingml/2006/main">
-  <dsp:spTree>
-    <dsp:nvGrpSpPr>
-      <dsp:cNvPr id="0" name=""/>
-      <dsp:cNvGrpSpPr/>
-    </dsp:nvGrpSpPr>
-    <dsp:grpSpPr/>
-    <dsp:sp modelId="{AF494991-0145-42FB-9FAC-84598739C7BF}">
-      <dsp:nvSpPr>
-        <dsp:cNvPr id="0" name=""/>
-        <dsp:cNvSpPr/>
-      </dsp:nvSpPr>
-      <dsp:spPr>
-        <a:xfrm>
-          <a:off x="634364" y="0"/>
-          <a:ext cx="7189470" cy="5257798"/>
-        </a:xfrm>
-        <a:prstGeom prst="rightArrow">
-          <a:avLst/>
-        </a:prstGeom>
-        <a:solidFill>
-          <a:schemeClr val="accent1">
-            <a:tint val="40000"/>
-            <a:hueOff val="0"/>
-            <a:satOff val="0"/>
-            <a:lumOff val="0"/>
-            <a:alphaOff val="0"/>
-          </a:schemeClr>
-        </a:solidFill>
-        <a:ln>
-          <a:noFill/>
-        </a:ln>
-        <a:effectLst/>
-      </dsp:spPr>
-      <dsp:style>
-        <a:lnRef idx="0">
-          <a:scrgbClr r="0" g="0" b="0"/>
-        </a:lnRef>
-        <a:fillRef idx="1">
-          <a:scrgbClr r="0" g="0" b="0"/>
-        </a:fillRef>
-        <a:effectRef idx="0">
-          <a:scrgbClr r="0" g="0" b="0"/>
-        </a:effectRef>
-        <a:fontRef idx="minor"/>
-      </dsp:style>
-    </dsp:sp>
-    <dsp:sp modelId="{2FBF7677-57AD-488C-B2D1-8BF43E2ABE7C}">
-      <dsp:nvSpPr>
-        <dsp:cNvPr id="0" name=""/>
-        <dsp:cNvSpPr/>
-      </dsp:nvSpPr>
-      <dsp:spPr>
-        <a:xfrm>
-          <a:off x="722" y="1577339"/>
-          <a:ext cx="1158459" cy="2103119"/>
-        </a:xfrm>
-        <a:prstGeom prst="roundRect">
-          <a:avLst/>
-        </a:prstGeom>
-        <a:solidFill>
-          <a:schemeClr val="accent1">
-            <a:hueOff val="0"/>
-            <a:satOff val="0"/>
-            <a:lumOff val="0"/>
-            <a:alphaOff val="0"/>
-          </a:schemeClr>
-        </a:solidFill>
-        <a:ln w="25400" cap="flat" cmpd="sng" algn="ctr">
-          <a:solidFill>
-            <a:schemeClr val="lt1">
-              <a:hueOff val="0"/>
-              <a:satOff val="0"/>
-              <a:lumOff val="0"/>
-              <a:alphaOff val="0"/>
-            </a:schemeClr>
-          </a:solidFill>
-          <a:prstDash val="solid"/>
-        </a:ln>
-        <a:effectLst/>
-      </dsp:spPr>
-      <dsp:style>
-        <a:lnRef idx="2">
-          <a:scrgbClr r="0" g="0" b="0"/>
-        </a:lnRef>
-        <a:fillRef idx="1">
-          <a:scrgbClr r="0" g="0" b="0"/>
-        </a:fillRef>
-        <a:effectRef idx="0">
-          <a:scrgbClr r="0" g="0" b="0"/>
-        </a:effectRef>
-        <a:fontRef idx="minor">
-          <a:schemeClr val="lt1"/>
-        </a:fontRef>
-      </dsp:style>
-      <dsp:txBody>
-        <a:bodyPr spcFirstLastPara="0" vert="horz" wrap="square" lIns="49530" tIns="49530" rIns="49530" bIns="49530" numCol="1" spcCol="1270" anchor="ctr" anchorCtr="0">
-          <a:noAutofit/>
-        </a:bodyPr>
-        <a:lstStyle/>
-        <a:p>
-          <a:pPr marL="0" lvl="0" indent="0" algn="ctr" defTabSz="577850">
-            <a:lnSpc>
-              <a:spcPct val="90000"/>
-            </a:lnSpc>
-            <a:spcBef>
-              <a:spcPct val="0"/>
-            </a:spcBef>
-            <a:spcAft>
-              <a:spcPct val="35000"/>
-            </a:spcAft>
-            <a:buNone/>
-          </a:pPr>
-          <a:r>
-            <a:rPr lang="en-US" sz="1300" kern="1200" dirty="0"/>
-            <a:t>Development Sandbox</a:t>
-          </a:r>
-        </a:p>
-      </dsp:txBody>
-      <dsp:txXfrm>
-        <a:off x="57273" y="1633890"/>
-        <a:ext cx="1045357" cy="1990017"/>
-      </dsp:txXfrm>
-    </dsp:sp>
-    <dsp:sp modelId="{72B9532E-95F7-4D64-9D7D-5DA593B79D93}">
-      <dsp:nvSpPr>
-        <dsp:cNvPr id="0" name=""/>
-        <dsp:cNvSpPr/>
-      </dsp:nvSpPr>
-      <dsp:spPr>
-        <a:xfrm>
-          <a:off x="1217105" y="1577339"/>
-          <a:ext cx="1158459" cy="2103119"/>
-        </a:xfrm>
-        <a:prstGeom prst="roundRect">
-          <a:avLst/>
-        </a:prstGeom>
-        <a:solidFill>
-          <a:schemeClr val="accent1">
-            <a:hueOff val="0"/>
-            <a:satOff val="0"/>
-            <a:lumOff val="0"/>
-            <a:alphaOff val="0"/>
-          </a:schemeClr>
-        </a:solidFill>
-        <a:ln w="25400" cap="flat" cmpd="sng" algn="ctr">
-          <a:solidFill>
-            <a:schemeClr val="lt1">
-              <a:hueOff val="0"/>
-              <a:satOff val="0"/>
-              <a:lumOff val="0"/>
-              <a:alphaOff val="0"/>
-            </a:schemeClr>
-          </a:solidFill>
-          <a:prstDash val="solid"/>
-        </a:ln>
-        <a:effectLst/>
-      </dsp:spPr>
-      <dsp:style>
-        <a:lnRef idx="2">
-          <a:scrgbClr r="0" g="0" b="0"/>
-        </a:lnRef>
-        <a:fillRef idx="1">
-          <a:scrgbClr r="0" g="0" b="0"/>
-        </a:fillRef>
-        <a:effectRef idx="0">
-          <a:scrgbClr r="0" g="0" b="0"/>
-        </a:effectRef>
-        <a:fontRef idx="minor">
-          <a:schemeClr val="lt1"/>
-        </a:fontRef>
-      </dsp:style>
-      <dsp:txBody>
-        <a:bodyPr spcFirstLastPara="0" vert="horz" wrap="square" lIns="49530" tIns="49530" rIns="49530" bIns="49530" numCol="1" spcCol="1270" anchor="ctr" anchorCtr="0">
-          <a:noAutofit/>
-        </a:bodyPr>
-        <a:lstStyle/>
-        <a:p>
-          <a:pPr marL="0" lvl="0" indent="0" algn="ctr" defTabSz="577850">
-            <a:lnSpc>
-              <a:spcPct val="90000"/>
-            </a:lnSpc>
-            <a:spcBef>
-              <a:spcPct val="0"/>
-            </a:spcBef>
-            <a:spcAft>
-              <a:spcPct val="35000"/>
-            </a:spcAft>
-            <a:buNone/>
-          </a:pPr>
-          <a:r>
-            <a:rPr lang="en-US" sz="1300" kern="1200" dirty="0"/>
-            <a:t>VCS</a:t>
-          </a:r>
-        </a:p>
-      </dsp:txBody>
-      <dsp:txXfrm>
-        <a:off x="1273656" y="1633890"/>
-        <a:ext cx="1045357" cy="1990017"/>
-      </dsp:txXfrm>
-    </dsp:sp>
-    <dsp:sp modelId="{2F4EC6A7-3F18-4C8F-B73E-406B343EEC5D}">
-      <dsp:nvSpPr>
-        <dsp:cNvPr id="0" name=""/>
-        <dsp:cNvSpPr/>
-      </dsp:nvSpPr>
-      <dsp:spPr>
-        <a:xfrm>
-          <a:off x="2433487" y="1577339"/>
-          <a:ext cx="1158459" cy="2103119"/>
-        </a:xfrm>
-        <a:prstGeom prst="roundRect">
-          <a:avLst/>
-        </a:prstGeom>
-        <a:solidFill>
-          <a:schemeClr val="accent1">
-            <a:hueOff val="0"/>
-            <a:satOff val="0"/>
-            <a:lumOff val="0"/>
-            <a:alphaOff val="0"/>
-          </a:schemeClr>
-        </a:solidFill>
-        <a:ln w="25400" cap="flat" cmpd="sng" algn="ctr">
-          <a:solidFill>
-            <a:schemeClr val="lt1">
-              <a:hueOff val="0"/>
-              <a:satOff val="0"/>
-              <a:lumOff val="0"/>
-              <a:alphaOff val="0"/>
-            </a:schemeClr>
-          </a:solidFill>
-          <a:prstDash val="solid"/>
-        </a:ln>
-        <a:effectLst/>
-      </dsp:spPr>
-      <dsp:style>
-        <a:lnRef idx="2">
-          <a:scrgbClr r="0" g="0" b="0"/>
-        </a:lnRef>
-        <a:fillRef idx="1">
-          <a:scrgbClr r="0" g="0" b="0"/>
-        </a:fillRef>
-        <a:effectRef idx="0">
-          <a:scrgbClr r="0" g="0" b="0"/>
-        </a:effectRef>
-        <a:fontRef idx="minor">
-          <a:schemeClr val="lt1"/>
-        </a:fontRef>
-      </dsp:style>
-      <dsp:txBody>
-        <a:bodyPr spcFirstLastPara="0" vert="horz" wrap="square" lIns="49530" tIns="49530" rIns="49530" bIns="49530" numCol="1" spcCol="1270" anchor="ctr" anchorCtr="0">
-          <a:noAutofit/>
-        </a:bodyPr>
-        <a:lstStyle/>
-        <a:p>
-          <a:pPr marL="0" lvl="0" indent="0" algn="ctr" defTabSz="577850">
-            <a:lnSpc>
-              <a:spcPct val="90000"/>
-            </a:lnSpc>
-            <a:spcBef>
-              <a:spcPct val="0"/>
-            </a:spcBef>
-            <a:spcAft>
-              <a:spcPct val="35000"/>
-            </a:spcAft>
-            <a:buNone/>
-          </a:pPr>
-          <a:r>
-            <a:rPr lang="en-US" sz="1300" kern="1200"/>
-            <a:t>Continuous </a:t>
-          </a:r>
-          <a:r>
-            <a:rPr lang="en-US" sz="1300" kern="1200" dirty="0"/>
-            <a:t>Integration</a:t>
-          </a:r>
-        </a:p>
-      </dsp:txBody>
-      <dsp:txXfrm>
-        <a:off x="2490038" y="1633890"/>
-        <a:ext cx="1045357" cy="1990017"/>
-      </dsp:txXfrm>
-    </dsp:sp>
-    <dsp:sp modelId="{662950D7-268F-48DD-A417-A8B5FEAB54E6}">
-      <dsp:nvSpPr>
-        <dsp:cNvPr id="0" name=""/>
-        <dsp:cNvSpPr/>
-      </dsp:nvSpPr>
-      <dsp:spPr>
-        <a:xfrm>
-          <a:off x="3649870" y="1577339"/>
-          <a:ext cx="1158459" cy="2103119"/>
-        </a:xfrm>
-        <a:prstGeom prst="roundRect">
-          <a:avLst/>
-        </a:prstGeom>
-        <a:solidFill>
-          <a:schemeClr val="accent1">
-            <a:hueOff val="0"/>
-            <a:satOff val="0"/>
-            <a:lumOff val="0"/>
-            <a:alphaOff val="0"/>
-          </a:schemeClr>
-        </a:solidFill>
-        <a:ln w="25400" cap="flat" cmpd="sng" algn="ctr">
-          <a:solidFill>
-            <a:schemeClr val="lt1">
-              <a:hueOff val="0"/>
-              <a:satOff val="0"/>
-              <a:lumOff val="0"/>
-              <a:alphaOff val="0"/>
-            </a:schemeClr>
-          </a:solidFill>
-          <a:prstDash val="solid"/>
-        </a:ln>
-        <a:effectLst/>
-      </dsp:spPr>
-      <dsp:style>
-        <a:lnRef idx="2">
-          <a:scrgbClr r="0" g="0" b="0"/>
-        </a:lnRef>
-        <a:fillRef idx="1">
-          <a:scrgbClr r="0" g="0" b="0"/>
-        </a:fillRef>
-        <a:effectRef idx="0">
-          <a:scrgbClr r="0" g="0" b="0"/>
-        </a:effectRef>
-        <a:fontRef idx="minor">
-          <a:schemeClr val="lt1"/>
-        </a:fontRef>
-      </dsp:style>
-      <dsp:txBody>
-        <a:bodyPr spcFirstLastPara="0" vert="horz" wrap="square" lIns="49530" tIns="49530" rIns="49530" bIns="49530" numCol="1" spcCol="1270" anchor="ctr" anchorCtr="0">
-          <a:noAutofit/>
-        </a:bodyPr>
-        <a:lstStyle/>
-        <a:p>
-          <a:pPr marL="0" lvl="0" indent="0" algn="ctr" defTabSz="577850">
-            <a:lnSpc>
-              <a:spcPct val="90000"/>
-            </a:lnSpc>
-            <a:spcBef>
-              <a:spcPct val="0"/>
-            </a:spcBef>
-            <a:spcAft>
-              <a:spcPct val="35000"/>
-            </a:spcAft>
-            <a:buNone/>
-          </a:pPr>
-          <a:r>
-            <a:rPr lang="en-US" sz="1300" kern="1200" dirty="0"/>
-            <a:t>Development Integration </a:t>
-          </a:r>
-        </a:p>
-      </dsp:txBody>
-      <dsp:txXfrm>
-        <a:off x="3706421" y="1633890"/>
-        <a:ext cx="1045357" cy="1990017"/>
-      </dsp:txXfrm>
-    </dsp:sp>
-    <dsp:sp modelId="{8507952A-1E94-467D-B948-0A321F24253C}">
-      <dsp:nvSpPr>
-        <dsp:cNvPr id="0" name=""/>
-        <dsp:cNvSpPr/>
-      </dsp:nvSpPr>
-      <dsp:spPr>
-        <a:xfrm>
-          <a:off x="4866252" y="1577339"/>
-          <a:ext cx="1158459" cy="2103119"/>
-        </a:xfrm>
-        <a:prstGeom prst="roundRect">
-          <a:avLst/>
-        </a:prstGeom>
-        <a:solidFill>
-          <a:schemeClr val="accent1">
-            <a:hueOff val="0"/>
-            <a:satOff val="0"/>
-            <a:lumOff val="0"/>
-            <a:alphaOff val="0"/>
-          </a:schemeClr>
-        </a:solidFill>
-        <a:ln w="25400" cap="flat" cmpd="sng" algn="ctr">
-          <a:solidFill>
-            <a:schemeClr val="lt1">
-              <a:hueOff val="0"/>
-              <a:satOff val="0"/>
-              <a:lumOff val="0"/>
-              <a:alphaOff val="0"/>
-            </a:schemeClr>
-          </a:solidFill>
-          <a:prstDash val="solid"/>
-        </a:ln>
-        <a:effectLst/>
-      </dsp:spPr>
-      <dsp:style>
-        <a:lnRef idx="2">
-          <a:scrgbClr r="0" g="0" b="0"/>
-        </a:lnRef>
-        <a:fillRef idx="1">
-          <a:scrgbClr r="0" g="0" b="0"/>
-        </a:fillRef>
-        <a:effectRef idx="0">
-          <a:scrgbClr r="0" g="0" b="0"/>
-        </a:effectRef>
-        <a:fontRef idx="minor">
-          <a:schemeClr val="lt1"/>
-        </a:fontRef>
-      </dsp:style>
-      <dsp:txBody>
-        <a:bodyPr spcFirstLastPara="0" vert="horz" wrap="square" lIns="49530" tIns="49530" rIns="49530" bIns="49530" numCol="1" spcCol="1270" anchor="ctr" anchorCtr="0">
-          <a:noAutofit/>
-        </a:bodyPr>
-        <a:lstStyle/>
-        <a:p>
-          <a:pPr marL="0" lvl="0" indent="0" algn="ctr" defTabSz="577850">
-            <a:lnSpc>
-              <a:spcPct val="90000"/>
-            </a:lnSpc>
-            <a:spcBef>
-              <a:spcPct val="0"/>
-            </a:spcBef>
-            <a:spcAft>
-              <a:spcPct val="35000"/>
-            </a:spcAft>
-            <a:buNone/>
-          </a:pPr>
-          <a:r>
-            <a:rPr lang="en-US" sz="1300" kern="1200" dirty="0"/>
-            <a:t>QA</a:t>
-          </a:r>
-        </a:p>
-      </dsp:txBody>
-      <dsp:txXfrm>
-        <a:off x="4922803" y="1633890"/>
-        <a:ext cx="1045357" cy="1990017"/>
-      </dsp:txXfrm>
-    </dsp:sp>
-    <dsp:sp modelId="{7C3DC7B1-1D6E-4455-B112-FFB8EC0A4734}">
-      <dsp:nvSpPr>
-        <dsp:cNvPr id="0" name=""/>
-        <dsp:cNvSpPr/>
-      </dsp:nvSpPr>
-      <dsp:spPr>
-        <a:xfrm>
-          <a:off x="6082635" y="1577339"/>
-          <a:ext cx="1158459" cy="2103119"/>
-        </a:xfrm>
-        <a:prstGeom prst="roundRect">
-          <a:avLst/>
-        </a:prstGeom>
-        <a:solidFill>
-          <a:schemeClr val="accent1">
-            <a:hueOff val="0"/>
-            <a:satOff val="0"/>
-            <a:lumOff val="0"/>
-            <a:alphaOff val="0"/>
-          </a:schemeClr>
-        </a:solidFill>
-        <a:ln w="25400" cap="flat" cmpd="sng" algn="ctr">
-          <a:solidFill>
-            <a:schemeClr val="lt1">
-              <a:hueOff val="0"/>
-              <a:satOff val="0"/>
-              <a:lumOff val="0"/>
-              <a:alphaOff val="0"/>
-            </a:schemeClr>
-          </a:solidFill>
-          <a:prstDash val="solid"/>
-        </a:ln>
-        <a:effectLst/>
-      </dsp:spPr>
-      <dsp:style>
-        <a:lnRef idx="2">
-          <a:scrgbClr r="0" g="0" b="0"/>
-        </a:lnRef>
-        <a:fillRef idx="1">
-          <a:scrgbClr r="0" g="0" b="0"/>
-        </a:fillRef>
-        <a:effectRef idx="0">
-          <a:scrgbClr r="0" g="0" b="0"/>
-        </a:effectRef>
-        <a:fontRef idx="minor">
-          <a:schemeClr val="lt1"/>
-        </a:fontRef>
-      </dsp:style>
-      <dsp:txBody>
-        <a:bodyPr spcFirstLastPara="0" vert="horz" wrap="square" lIns="49530" tIns="49530" rIns="49530" bIns="49530" numCol="1" spcCol="1270" anchor="ctr" anchorCtr="0">
-          <a:noAutofit/>
-        </a:bodyPr>
-        <a:lstStyle/>
-        <a:p>
-          <a:pPr marL="0" lvl="0" indent="0" algn="ctr" defTabSz="577850">
-            <a:lnSpc>
-              <a:spcPct val="90000"/>
-            </a:lnSpc>
-            <a:spcBef>
-              <a:spcPct val="0"/>
-            </a:spcBef>
-            <a:spcAft>
-              <a:spcPct val="35000"/>
-            </a:spcAft>
-            <a:buNone/>
-          </a:pPr>
-          <a:r>
-            <a:rPr lang="en-US" sz="1300" kern="1200" dirty="0"/>
-            <a:t>UAT/ 1..n other environments</a:t>
-          </a:r>
-        </a:p>
-      </dsp:txBody>
-      <dsp:txXfrm>
-        <a:off x="6139186" y="1633890"/>
-        <a:ext cx="1045357" cy="1990017"/>
-      </dsp:txXfrm>
-    </dsp:sp>
-    <dsp:sp modelId="{C9581C09-77CE-4113-A727-C2C15E28AEB3}">
-      <dsp:nvSpPr>
-        <dsp:cNvPr id="0" name=""/>
-        <dsp:cNvSpPr/>
-      </dsp:nvSpPr>
-      <dsp:spPr>
-        <a:xfrm>
-          <a:off x="7299017" y="1577339"/>
-          <a:ext cx="1158459" cy="2103119"/>
-        </a:xfrm>
-        <a:prstGeom prst="roundRect">
-          <a:avLst/>
-        </a:prstGeom>
-        <a:solidFill>
-          <a:schemeClr val="accent1">
-            <a:hueOff val="0"/>
-            <a:satOff val="0"/>
-            <a:lumOff val="0"/>
-            <a:alphaOff val="0"/>
-          </a:schemeClr>
-        </a:solidFill>
-        <a:ln w="25400" cap="flat" cmpd="sng" algn="ctr">
-          <a:solidFill>
-            <a:schemeClr val="lt1">
-              <a:hueOff val="0"/>
-              <a:satOff val="0"/>
-              <a:lumOff val="0"/>
-              <a:alphaOff val="0"/>
-            </a:schemeClr>
-          </a:solidFill>
-          <a:prstDash val="solid"/>
-        </a:ln>
-        <a:effectLst/>
-      </dsp:spPr>
-      <dsp:style>
-        <a:lnRef idx="2">
-          <a:scrgbClr r="0" g="0" b="0"/>
-        </a:lnRef>
-        <a:fillRef idx="1">
-          <a:scrgbClr r="0" g="0" b="0"/>
-        </a:fillRef>
-        <a:effectRef idx="0">
-          <a:scrgbClr r="0" g="0" b="0"/>
-        </a:effectRef>
-        <a:fontRef idx="minor">
-          <a:schemeClr val="lt1"/>
-        </a:fontRef>
-      </dsp:style>
-      <dsp:txBody>
-        <a:bodyPr spcFirstLastPara="0" vert="horz" wrap="square" lIns="49530" tIns="49530" rIns="49530" bIns="49530" numCol="1" spcCol="1270" anchor="ctr" anchorCtr="0">
-          <a:noAutofit/>
-        </a:bodyPr>
-        <a:lstStyle/>
-        <a:p>
-          <a:pPr marL="0" lvl="0" indent="0" algn="ctr" defTabSz="577850">
-            <a:lnSpc>
-              <a:spcPct val="90000"/>
-            </a:lnSpc>
-            <a:spcBef>
-              <a:spcPct val="0"/>
-            </a:spcBef>
-            <a:spcAft>
-              <a:spcPct val="35000"/>
-            </a:spcAft>
-            <a:buNone/>
-          </a:pPr>
-          <a:r>
-            <a:rPr lang="en-US" sz="1300" kern="1200"/>
-            <a:t>Production</a:t>
-          </a:r>
-          <a:endParaRPr lang="en-US" sz="1300" kern="1200" dirty="0"/>
-        </a:p>
-      </dsp:txBody>
-      <dsp:txXfrm>
-        <a:off x="7355568" y="1633890"/>
-        <a:ext cx="1045357" cy="1990017"/>
-      </dsp:txXfrm>
-    </dsp:sp>
-  </dsp:spTree>
-</dsp:drawing>
-</file>
-
-<file path=ppt/diagrams/layout1.xml><?xml version="1.0" encoding="utf-8"?>
-<dgm:layoutDef xmlns:dgm="http://schemas.openxmlformats.org/drawingml/2006/diagram" xmlns:a="http://schemas.openxmlformats.org/drawingml/2006/main" uniqueId="urn:microsoft.com/office/officeart/2005/8/layout/hProcess9">
-  <dgm:title val=""/>
-  <dgm:desc val=""/>
-  <dgm:catLst>
-    <dgm:cat type="process" pri="5000"/>
-    <dgm:cat type="convert" pri="13000"/>
-  </dgm:catLst>
-  <dgm:sampData useDef="1">
-    <dgm:dataModel>
-      <dgm:ptLst/>
-      <dgm:bg/>
-      <dgm:whole/>
-    </dgm:dataModel>
-  </dgm:sampData>
-  <dgm:styleData>
-    <dgm:dataModel>
-      <dgm:ptLst>
-        <dgm:pt modelId="0" type="doc"/>
-        <dgm:pt modelId="1"/>
-        <dgm:pt modelId="2"/>
-      </dgm:ptLst>
-      <dgm:cxnLst>
-        <dgm:cxn modelId="3" srcId="0" destId="1" srcOrd="0" destOrd="0"/>
-        <dgm:cxn modelId="4" srcId="0" destId="2" srcOrd="1" destOrd="0"/>
-      </dgm:cxnLst>
-      <dgm:bg/>
-      <dgm:whole/>
-    </dgm:dataModel>
-  </dgm:styleData>
-  <dgm:clrData>
-    <dgm:dataModel>
-      <dgm:ptLst>
-        <dgm:pt modelId="0" type="doc"/>
-        <dgm:pt modelId="1"/>
-        <dgm:pt modelId="2"/>
-        <dgm:pt modelId="3"/>
-        <dgm:pt modelId="4"/>
-      </dgm:ptLst>
-      <dgm:cxnLst>
-        <dgm:cxn modelId="5" srcId="0" destId="1" srcOrd="0" destOrd="0"/>
-        <dgm:cxn modelId="6" srcId="0" destId="2" srcOrd="1" destOrd="0"/>
-        <dgm:cxn modelId="7" srcId="0" destId="3" srcOrd="2" destOrd="0"/>
-        <dgm:cxn modelId="8" srcId="0" destId="4" srcOrd="3" destOrd="0"/>
-      </dgm:cxnLst>
-      <dgm:bg/>
-      <dgm:whole/>
-    </dgm:dataModel>
-  </dgm:clrData>
-  <dgm:layoutNode name="CompostProcess">
-    <dgm:varLst>
-      <dgm:dir/>
-      <dgm:resizeHandles val="exact"/>
-    </dgm:varLst>
-    <dgm:alg type="composite">
-      <dgm:param type="horzAlign" val="ctr"/>
-      <dgm:param type="vertAlign" val="mid"/>
-    </dgm:alg>
-    <dgm:shape xmlns:r="http://schemas.openxmlformats.org/officeDocument/2006/relationships" r:blip="">
-      <dgm:adjLst/>
-    </dgm:shape>
-    <dgm:presOf/>
-    <dgm:constrLst>
-      <dgm:constr type="w" for="ch" forName="arrow" refType="w" fact="0.85"/>
-      <dgm:constr type="h" for="ch" forName="arrow" refType="h"/>
-      <dgm:constr type="ctrX" for="ch" forName="arrow" refType="w" fact="0.5"/>
-      <dgm:constr type="ctrY" for="ch" forName="arrow" refType="h" fact="0.5"/>
-      <dgm:constr type="w" for="ch" forName="linearProcess" refType="w"/>
-      <dgm:constr type="h" for="ch" forName="linearProcess" refType="h" fact="0.4"/>
-      <dgm:constr type="ctrX" for="ch" forName="linearProcess" refType="w" fact="0.5"/>
-      <dgm:constr type="ctrY" for="ch" forName="linearProcess" refType="h" fact="0.5"/>
-    </dgm:constrLst>
-    <dgm:ruleLst/>
-    <dgm:layoutNode name="arrow" styleLbl="bgShp">
-      <dgm:alg type="sp"/>
-      <dgm:choose name="Name0">
-        <dgm:if name="Name1" func="var" arg="dir" op="equ" val="norm">
-          <dgm:shape xmlns:r="http://schemas.openxmlformats.org/officeDocument/2006/relationships" type="rightArrow" r:blip="">
-            <dgm:adjLst/>
-          </dgm:shape>
-        </dgm:if>
-        <dgm:else name="Name2">
-          <dgm:shape xmlns:r="http://schemas.openxmlformats.org/officeDocument/2006/relationships" type="leftArrow" r:blip="">
-            <dgm:adjLst/>
-          </dgm:shape>
-        </dgm:else>
-      </dgm:choose>
-      <dgm:presOf/>
-      <dgm:constrLst/>
-      <dgm:ruleLst/>
-    </dgm:layoutNode>
-    <dgm:layoutNode name="linearProcess">
-      <dgm:choose name="Name3">
-        <dgm:if name="Name4" func="var" arg="dir" op="equ" val="norm">
-          <dgm:alg type="lin"/>
-        </dgm:if>
-        <dgm:else name="Name5">
-          <dgm:alg type="lin">
-            <dgm:param type="linDir" val="fromR"/>
-          </dgm:alg>
-        </dgm:else>
-      </dgm:choose>
-      <dgm:shape xmlns:r="http://schemas.openxmlformats.org/officeDocument/2006/relationships" r:blip="">
-        <dgm:adjLst/>
-      </dgm:shape>
-      <dgm:presOf/>
-      <dgm:constrLst>
-        <dgm:constr type="userA" for="ch" ptType="node" refType="w"/>
-        <dgm:constr type="h" for="ch" ptType="node" refType="h"/>
-        <dgm:constr type="w" for="ch" ptType="node" op="equ"/>
-        <dgm:constr type="w" for="ch" forName="sibTrans" refType="w" fact="0.05"/>
-        <dgm:constr type="primFontSz" for="ch" ptType="node" op="equ" val="65"/>
-      </dgm:constrLst>
-      <dgm:ruleLst/>
-      <dgm:forEach name="Name6" axis="ch" ptType="node">
-        <dgm:layoutNode name="textNode" styleLbl="node1">
-          <dgm:varLst>
-            <dgm:bulletEnabled val="1"/>
-          </dgm:varLst>
-          <dgm:alg type="tx"/>
-          <dgm:shape xmlns:r="http://schemas.openxmlformats.org/officeDocument/2006/relationships" type="roundRect" r:blip="">
-            <dgm:adjLst/>
-          </dgm:shape>
-          <dgm:presOf axis="desOrSelf" ptType="node"/>
-          <dgm:constrLst>
-            <dgm:constr type="userA"/>
-            <dgm:constr type="w" refType="userA" fact="0.3"/>
-            <dgm:constr type="tMarg" refType="primFontSz" fact="0.3"/>
-            <dgm:constr type="bMarg" refType="primFontSz" fact="0.3"/>
-            <dgm:constr type="lMarg" refType="primFontSz" fact="0.3"/>
-            <dgm:constr type="rMarg" refType="primFontSz" fact="0.3"/>
-          </dgm:constrLst>
-          <dgm:ruleLst>
-            <dgm:rule type="w" val="NaN" fact="1" max="NaN"/>
-            <dgm:rule type="primFontSz" val="5" fact="NaN" max="NaN"/>
-          </dgm:ruleLst>
-        </dgm:layoutNode>
-        <dgm:forEach name="Name7" axis="followSib" ptType="sibTrans" cnt="1">
-          <dgm:layoutNode name="sibTrans">
-            <dgm:alg type="sp"/>
-            <dgm:shape xmlns:r="http://schemas.openxmlformats.org/officeDocument/2006/relationships" r:blip="">
-              <dgm:adjLst/>
-            </dgm:shape>
-            <dgm:presOf/>
-            <dgm:constrLst/>
-            <dgm:ruleLst/>
-          </dgm:layoutNode>
-        </dgm:forEach>
-      </dgm:forEach>
-    </dgm:layoutNode>
-  </dgm:layoutNode>
-</dgm:layoutDef>
-</file>
-
-<file path=ppt/diagrams/quickStyle1.xml><?xml version="1.0" encoding="utf-8"?>
-<dgm:styleDef xmlns:dgm="http://schemas.openxmlformats.org/drawingml/2006/diagram" xmlns:a="http://schemas.openxmlformats.org/drawingml/2006/main" uniqueId="urn:microsoft.com/office/officeart/2005/8/quickstyle/simple1">
-  <dgm:title val=""/>
-  <dgm:desc val=""/>
-  <dgm:catLst>
-    <dgm:cat type="simple" pri="10100"/>
-  </dgm:catLst>
-  <dgm:scene3d>
-    <a:camera prst="orthographicFront"/>
-    <a:lightRig rig="threePt" dir="t"/>
-  </dgm:scene3d>
-  <dgm:styleLbl name="node0">
-    <dgm:scene3d>
-      <a:camera prst="orthographicFront"/>
-      <a:lightRig rig="threePt" dir="t"/>
-    </dgm:scene3d>
-    <dgm:sp3d/>
-    <dgm:txPr/>
-    <dgm:style>
-      <a:lnRef idx="2">
-        <a:scrgbClr r="0" g="0" b="0"/>
-      </a:lnRef>
-      <a:fillRef idx="1">
-        <a:scrgbClr r="0" g="0" b="0"/>
-      </a:fillRef>
-      <a:effectRef idx="0">
-        <a:scrgbClr r="0" g="0" b="0"/>
-      </a:effectRef>
-      <a:fontRef idx="minor">
-        <a:schemeClr val="lt1"/>
-      </a:fontRef>
-    </dgm:style>
-  </dgm:styleLbl>
-  <dgm:styleLbl name="lnNode1">
-    <dgm:scene3d>
-      <a:camera prst="orthographicFront"/>
-      <a:lightRig rig="threePt" dir="t"/>
-    </dgm:scene3d>
-    <dgm:sp3d/>
-    <dgm:txPr/>
-    <dgm:style>
-      <a:lnRef idx="2">
-        <a:scrgbClr r="0" g="0" b="0"/>
-      </a:lnRef>
-      <a:fillRef idx="1">
-        <a:scrgbClr r="0" g="0" b="0"/>
-      </a:fillRef>
-      <a:effectRef idx="0">
-        <a:scrgbClr r="0" g="0" b="0"/>
-      </a:effectRef>
-      <a:fontRef idx="minor">
-        <a:schemeClr val="lt1"/>
-      </a:fontRef>
-    </dgm:style>
-  </dgm:styleLbl>
-  <dgm:styleLbl name="vennNode1">
-    <dgm:scene3d>
-      <a:camera prst="orthographicFront"/>
-      <a:lightRig rig="threePt" dir="t"/>
-    </dgm:scene3d>
-    <dgm:sp3d/>
-    <dgm:txPr/>
-    <dgm:style>
-      <a:lnRef idx="2">
-        <a:scrgbClr r="0" g="0" b="0"/>
-      </a:lnRef>
-      <a:fillRef idx="1">
-        <a:scrgbClr r="0" g="0" b="0"/>
-      </a:fillRef>
-      <a:effectRef idx="0">
-        <a:scrgbClr r="0" g="0" b="0"/>
-      </a:effectRef>
-      <a:fontRef idx="minor">
-        <a:schemeClr val="tx1"/>
-      </a:fontRef>
-    </dgm:style>
-  </dgm:styleLbl>
-  <dgm:styleLbl name="alignNode1">
-    <dgm:scene3d>
-      <a:camera prst="orthographicFront"/>
-      <a:lightRig rig="threePt" dir="t"/>
-    </dgm:scene3d>
-    <dgm:sp3d/>
-    <dgm:txPr/>
-    <dgm:style>
-      <a:lnRef idx="2">
-        <a:scrgbClr r="0" g="0" b="0"/>
-      </a:lnRef>
-      <a:fillRef idx="1">
-        <a:scrgbClr r="0" g="0" b="0"/>
-      </a:fillRef>
-      <a:effectRef idx="0">
-        <a:scrgbClr r="0" g="0" b="0"/>
-      </a:effectRef>
-      <a:fontRef idx="minor">
-        <a:schemeClr val="lt1"/>
-      </a:fontRef>
-    </dgm:style>
-  </dgm:styleLbl>
-  <dgm:styleLbl name="node1">
-    <dgm:scene3d>
-      <a:camera prst="orthographicFront"/>
-      <a:lightRig rig="threePt" dir="t"/>
-    </dgm:scene3d>
-    <dgm:sp3d/>
-    <dgm:txPr/>
-    <dgm:style>
-      <a:lnRef idx="2">
-        <a:scrgbClr r="0" g="0" b="0"/>
-      </a:lnRef>
-      <a:fillRef idx="1">
-        <a:scrgbClr r="0" g="0" b="0"/>
-      </a:fillRef>
-      <a:effectRef idx="0">
-        <a:scrgbClr r="0" g="0" b="0"/>
-      </a:effectRef>
-      <a:fontRef idx="minor">
-        <a:schemeClr val="lt1"/>
-      </a:fontRef>
-    </dgm:style>
-  </dgm:styleLbl>
-  <dgm:styleLbl name="node2">
-    <dgm:scene3d>
-      <a:camera prst="orthographicFront"/>
-      <a:lightRig rig="threePt" dir="t"/>
-    </dgm:scene3d>
-    <dgm:sp3d/>
-    <dgm:txPr/>
-    <dgm:style>
-      <a:lnRef idx="2">
-        <a:scrgbClr r="0" g="0" b="0"/>
-      </a:lnRef>
-      <a:fillRef idx="1">
-        <a:scrgbClr r="0" g="0" b="0"/>
-      </a:fillRef>
-      <a:effectRef idx="0">
-        <a:scrgbClr r="0" g="0" b="0"/>
-      </a:effectRef>
-      <a:fontRef idx="minor">
-        <a:schemeClr val="lt1"/>
-      </a:fontRef>
-    </dgm:style>
-  </dgm:styleLbl>
-  <dgm:styleLbl name="node3">
-    <dgm:scene3d>
-      <a:camera prst="orthographicFront"/>
-      <a:lightRig rig="threePt" dir="t"/>
-    </dgm:scene3d>
-    <dgm:sp3d/>
-    <dgm:txPr/>
-    <dgm:style>
-      <a:lnRef idx="2">
-        <a:scrgbClr r="0" g="0" b="0"/>
-      </a:lnRef>
-      <a:fillRef idx="1">
-        <a:scrgbClr r="0" g="0" b="0"/>
-      </a:fillRef>
-      <a:effectRef idx="0">
-        <a:scrgbClr r="0" g="0" b="0"/>
-      </a:effectRef>
-      <a:fontRef idx="minor">
-        <a:schemeClr val="lt1"/>
-      </a:fontRef>
-    </dgm:style>
-  </dgm:styleLbl>
-  <dgm:styleLbl name="node4">
-    <dgm:scene3d>
-      <a:camera prst="orthographicFront"/>
-      <a:lightRig rig="threePt" dir="t"/>
-    </dgm:scene3d>
-    <dgm:sp3d/>
-    <dgm:txPr/>
-    <dgm:style>
-      <a:lnRef idx="2">
-        <a:scrgbClr r="0" g="0" b="0"/>
-      </a:lnRef>
-      <a:fillRef idx="1">
-        <a:scrgbClr r="0" g="0" b="0"/>
-      </a:fillRef>
-      <a:effectRef idx="0">
-        <a:scrgbClr r="0" g="0" b="0"/>
-      </a:effectRef>
-      <a:fontRef idx="minor">
-        <a:schemeClr val="lt1"/>
-      </a:fontRef>
-    </dgm:style>
-  </dgm:styleLbl>
-  <dgm:styleLbl name="fgImgPlace1">
-    <dgm:scene3d>
-      <a:camera prst="orthographicFront"/>
-      <a:lightRig rig="threePt" dir="t"/>
-    </dgm:scene3d>
-    <dgm:sp3d/>
-    <dgm:txPr/>
-    <dgm:style>
-      <a:lnRef idx="2">
-        <a:scrgbClr r="0" g="0" b="0"/>
-      </a:lnRef>
-      <a:fillRef idx="1">
-        <a:scrgbClr r="0" g="0" b="0"/>
-      </a:fillRef>
-      <a:effectRef idx="0">
-        <a:scrgbClr r="0" g="0" b="0"/>
-      </a:effectRef>
-      <a:fontRef idx="minor"/>
-    </dgm:style>
-  </dgm:styleLbl>
-  <dgm:styleLbl name="alignImgPlace1">
-    <dgm:scene3d>
-      <a:camera prst="orthographicFront"/>
-      <a:lightRig rig="threePt" dir="t"/>
-    </dgm:scene3d>
-    <dgm:sp3d/>
-    <dgm:txPr/>
-    <dgm:style>
-      <a:lnRef idx="2">
-        <a:scrgbClr r="0" g="0" b="0"/>
-      </a:lnRef>
-      <a:fillRef idx="1">
-        <a:scrgbClr r="0" g="0" b="0"/>
-      </a:fillRef>
-      <a:effectRef idx="0">
-        <a:scrgbClr r="0" g="0" b="0"/>
-      </a:effectRef>
-      <a:fontRef idx="minor"/>
-    </dgm:style>
-  </dgm:styleLbl>
-  <dgm:styleLbl name="bgImgPlace1">
-    <dgm:scene3d>
-      <a:camera prst="orthographicFront"/>
-      <a:lightRig rig="threePt" dir="t"/>
-    </dgm:scene3d>
-    <dgm:sp3d/>
-    <dgm:txPr/>
-    <dgm:style>
-      <a:lnRef idx="2">
-        <a:scrgbClr r="0" g="0" b="0"/>
-      </a:lnRef>
-      <a:fillRef idx="1">
-        <a:scrgbClr r="0" g="0" b="0"/>
-      </a:fillRef>
-      <a:effectRef idx="0">
-        <a:scrgbClr r="0" g="0" b="0"/>
-      </a:effectRef>
-      <a:fontRef idx="minor"/>
-    </dgm:style>
-  </dgm:styleLbl>
-  <dgm:styleLbl name="sibTrans2D1">
-    <dgm:scene3d>
-      <a:camera prst="orthographicFront"/>
-      <a:lightRig rig="threePt" dir="t"/>
-    </dgm:scene3d>
-    <dgm:sp3d/>
-    <dgm:txPr/>
-    <dgm:style>
-      <a:lnRef idx="0">
-        <a:scrgbClr r="0" g="0" b="0"/>
-      </a:lnRef>
-      <a:fillRef idx="1">
-        <a:scrgbClr r="0" g="0" b="0"/>
-      </a:fillRef>
-      <a:effectRef idx="0">
-        <a:scrgbClr r="0" g="0" b="0"/>
-      </a:effectRef>
-      <a:fontRef idx="minor">
-        <a:schemeClr val="lt1"/>
-      </a:fontRef>
-    </dgm:style>
-  </dgm:styleLbl>
-  <dgm:styleLbl name="fgSibTrans2D1">
-    <dgm:scene3d>
-      <a:camera prst="orthographicFront"/>
-      <a:lightRig rig="threePt" dir="t"/>
-    </dgm:scene3d>
-    <dgm:sp3d/>
-    <dgm:txPr/>
-    <dgm:style>
-      <a:lnRef idx="0">
-        <a:scrgbClr r="0" g="0" b="0"/>
-      </a:lnRef>
-      <a:fillRef idx="1">
-        <a:scrgbClr r="0" g="0" b="0"/>
-      </a:fillRef>
-      <a:effectRef idx="0">
-        <a:scrgbClr r="0" g="0" b="0"/>
-      </a:effectRef>
-      <a:fontRef idx="minor">
-        <a:schemeClr val="lt1"/>
-      </a:fontRef>
-    </dgm:style>
-  </dgm:styleLbl>
-  <dgm:styleLbl name="bgSibTrans2D1">
-    <dgm:scene3d>
-      <a:camera prst="orthographicFront"/>
-      <a:lightRig rig="threePt" dir="t"/>
-    </dgm:scene3d>
-    <dgm:sp3d/>
-    <dgm:txPr/>
-    <dgm:style>
-      <a:lnRef idx="0">
-        <a:scrgbClr r="0" g="0" b="0"/>
-      </a:lnRef>
-      <a:fillRef idx="1">
-        <a:scrgbClr r="0" g="0" b="0"/>
-      </a:fillRef>
-      <a:effectRef idx="0">
-        <a:scrgbClr r="0" g="0" b="0"/>
-      </a:effectRef>
-      <a:fontRef idx="minor">
-        <a:schemeClr val="lt1"/>
-      </a:fontRef>
-    </dgm:style>
-  </dgm:styleLbl>
-  <dgm:styleLbl name="sibTrans1D1">
-    <dgm:scene3d>
-      <a:camera prst="orthographicFront"/>
-      <a:lightRig rig="threePt" dir="t"/>
-    </dgm:scene3d>
-    <dgm:sp3d/>
-    <dgm:txPr/>
-    <dgm:style>
-      <a:lnRef idx="1">
-        <a:scrgbClr r="0" g="0" b="0"/>
-      </a:lnRef>
-      <a:fillRef idx="0">
-        <a:scrgbClr r="0" g="0" b="0"/>
-      </a:fillRef>
-      <a:effectRef idx="0">
-        <a:scrgbClr r="0" g="0" b="0"/>
-      </a:effectRef>
-      <a:fontRef idx="minor"/>
-    </dgm:style>
-  </dgm:styleLbl>
-  <dgm:styleLbl name="callout">
-    <dgm:scene3d>
-      <a:camera prst="orthographicFront"/>
-      <a:lightRig rig="threePt" dir="t"/>
-    </dgm:scene3d>
-    <dgm:sp3d/>
-    <dgm:txPr/>
-    <dgm:style>
-      <a:lnRef idx="2">
-        <a:scrgbClr r="0" g="0" b="0"/>
-      </a:lnRef>
-      <a:fillRef idx="1">
-        <a:scrgbClr r="0" g="0" b="0"/>
-      </a:fillRef>
-      <a:effectRef idx="0">
-        <a:scrgbClr r="0" g="0" b="0"/>
-      </a:effectRef>
-      <a:fontRef idx="minor"/>
-    </dgm:style>
-  </dgm:styleLbl>
-  <dgm:styleLbl name="asst0">
-    <dgm:scene3d>
-      <a:camera prst="orthographicFront"/>
-      <a:lightRig rig="threePt" dir="t"/>
-    </dgm:scene3d>
-    <dgm:sp3d/>
-    <dgm:txPr/>
-    <dgm:style>
-      <a:lnRef idx="2">
-        <a:scrgbClr r="0" g="0" b="0"/>
-      </a:lnRef>
-      <a:fillRef idx="1">
-        <a:scrgbClr r="0" g="0" b="0"/>
-      </a:fillRef>
-      <a:effectRef idx="0">
-        <a:scrgbClr r="0" g="0" b="0"/>
-      </a:effectRef>
-      <a:fontRef idx="minor">
-        <a:schemeClr val="lt1"/>
-      </a:fontRef>
-    </dgm:style>
-  </dgm:styleLbl>
-  <dgm:styleLbl name="asst1">
-    <dgm:scene3d>
-      <a:camera prst="orthographicFront"/>
-      <a:lightRig rig="threePt" dir="t"/>
-    </dgm:scene3d>
-    <dgm:sp3d/>
-    <dgm:txPr/>
-    <dgm:style>
-      <a:lnRef idx="2">
-        <a:scrgbClr r="0" g="0" b="0"/>
-      </a:lnRef>
-      <a:fillRef idx="1">
-        <a:scrgbClr r="0" g="0" b="0"/>
-      </a:fillRef>
-      <a:effectRef idx="0">
-        <a:scrgbClr r="0" g="0" b="0"/>
-      </a:effectRef>
-      <a:fontRef idx="minor">
-        <a:schemeClr val="lt1"/>
-      </a:fontRef>
-    </dgm:style>
-  </dgm:styleLbl>
-  <dgm:styleLbl name="asst2">
-    <dgm:scene3d>
-      <a:camera prst="orthographicFront"/>
-      <a:lightRig rig="threePt" dir="t"/>
-    </dgm:scene3d>
-    <dgm:sp3d/>
-    <dgm:txPr/>
-    <dgm:style>
-      <a:lnRef idx="2">
-        <a:scrgbClr r="0" g="0" b="0"/>
-      </a:lnRef>
-      <a:fillRef idx="1">
-        <a:scrgbClr r="0" g="0" b="0"/>
-      </a:fillRef>
-      <a:effectRef idx="0">
-        <a:scrgbClr r="0" g="0" b="0"/>
-      </a:effectRef>
-      <a:fontRef idx="minor">
-        <a:schemeClr val="lt1"/>
-      </a:fontRef>
-    </dgm:style>
-  </dgm:styleLbl>
-  <dgm:styleLbl name="asst3">
-    <dgm:scene3d>
-      <a:camera prst="orthographicFront"/>
-      <a:lightRig rig="threePt" dir="t"/>
-    </dgm:scene3d>
-    <dgm:sp3d/>
-    <dgm:txPr/>
-    <dgm:style>
-      <a:lnRef idx="2">
-        <a:scrgbClr r="0" g="0" b="0"/>
-      </a:lnRef>
-      <a:fillRef idx="1">
-        <a:scrgbClr r="0" g="0" b="0"/>
-      </a:fillRef>
-      <a:effectRef idx="0">
-        <a:scrgbClr r="0" g="0" b="0"/>
-      </a:effectRef>
-      <a:fontRef idx="minor">
-        <a:schemeClr val="lt1"/>
-      </a:fontRef>
-    </dgm:style>
-  </dgm:styleLbl>
-  <dgm:styleLbl name="asst4">
-    <dgm:scene3d>
-      <a:camera prst="orthographicFront"/>
-      <a:lightRig rig="threePt" dir="t"/>
-    </dgm:scene3d>
-    <dgm:sp3d/>
-    <dgm:txPr/>
-    <dgm:style>
-      <a:lnRef idx="2">
-        <a:scrgbClr r="0" g="0" b="0"/>
-      </a:lnRef>
-      <a:fillRef idx="1">
-        <a:scrgbClr r="0" g="0" b="0"/>
-      </a:fillRef>
-      <a:effectRef idx="0">
-        <a:scrgbClr r="0" g="0" b="0"/>
-      </a:effectRef>
-      <a:fontRef idx="minor">
-        <a:schemeClr val="lt1"/>
-      </a:fontRef>
-    </dgm:style>
-  </dgm:styleLbl>
-  <dgm:styleLbl name="parChTrans2D1">
-    <dgm:scene3d>
-      <a:camera prst="orthographicFront"/>
-      <a:lightRig rig="threePt" dir="t"/>
-    </dgm:scene3d>
-    <dgm:sp3d/>
-    <dgm:txPr/>
-    <dgm:style>
-      <a:lnRef idx="2">
-        <a:scrgbClr r="0" g="0" b="0"/>
-      </a:lnRef>
-      <a:fillRef idx="1">
-        <a:scrgbClr r="0" g="0" b="0"/>
-      </a:fillRef>
-      <a:effectRef idx="0">
-        <a:scrgbClr r="0" g="0" b="0"/>
-      </a:effectRef>
-      <a:fontRef idx="minor">
-        <a:schemeClr val="lt1"/>
-      </a:fontRef>
-    </dgm:style>
-  </dgm:styleLbl>
-  <dgm:styleLbl name="parChTrans2D2">
-    <dgm:scene3d>
-      <a:camera prst="orthographicFront"/>
-      <a:lightRig rig="threePt" dir="t"/>
-    </dgm:scene3d>
-    <dgm:sp3d/>
-    <dgm:txPr/>
-    <dgm:style>
-      <a:lnRef idx="2">
-        <a:scrgbClr r="0" g="0" b="0"/>
-      </a:lnRef>
-      <a:fillRef idx="1">
-        <a:scrgbClr r="0" g="0" b="0"/>
-      </a:fillRef>
-      <a:effectRef idx="0">
-        <a:scrgbClr r="0" g="0" b="0"/>
-      </a:effectRef>
-      <a:fontRef idx="minor">
-        <a:schemeClr val="lt1"/>
-      </a:fontRef>
-    </dgm:style>
-  </dgm:styleLbl>
-  <dgm:styleLbl name="parChTrans2D3">
-    <dgm:scene3d>
-      <a:camera prst="orthographicFront"/>
-      <a:lightRig rig="threePt" dir="t"/>
-    </dgm:scene3d>
-    <dgm:sp3d/>
-    <dgm:txPr/>
-    <dgm:style>
-      <a:lnRef idx="2">
-        <a:scrgbClr r="0" g="0" b="0"/>
-      </a:lnRef>
-      <a:fillRef idx="1">
-        <a:scrgbClr r="0" g="0" b="0"/>
-      </a:fillRef>
-      <a:effectRef idx="0">
-        <a:scrgbClr r="0" g="0" b="0"/>
-      </a:effectRef>
-      <a:fontRef idx="minor">
-        <a:schemeClr val="lt1"/>
-      </a:fontRef>
-    </dgm:style>
-  </dgm:styleLbl>
-  <dgm:styleLbl name="parChTrans2D4">
-    <dgm:scene3d>
-      <a:camera prst="orthographicFront"/>
-      <a:lightRig rig="threePt" dir="t"/>
-    </dgm:scene3d>
-    <dgm:sp3d/>
-    <dgm:txPr/>
-    <dgm:style>
-      <a:lnRef idx="2">
-        <a:scrgbClr r="0" g="0" b="0"/>
-      </a:lnRef>
-      <a:fillRef idx="1">
-        <a:scrgbClr r="0" g="0" b="0"/>
-      </a:fillRef>
-      <a:effectRef idx="0">
-        <a:scrgbClr r="0" g="0" b="0"/>
-      </a:effectRef>
-      <a:fontRef idx="minor">
-        <a:schemeClr val="lt1"/>
-      </a:fontRef>
-    </dgm:style>
-  </dgm:styleLbl>
-  <dgm:styleLbl name="parChTrans1D1">
-    <dgm:scene3d>
-      <a:camera prst="orthographicFront"/>
-      <a:lightRig rig="threePt" dir="t"/>
-    </dgm:scene3d>
-    <dgm:sp3d/>
-    <dgm:txPr/>
-    <dgm:style>
-      <a:lnRef idx="2">
-        <a:scrgbClr r="0" g="0" b="0"/>
-      </a:lnRef>
-      <a:fillRef idx="0">
-        <a:scrgbClr r="0" g="0" b="0"/>
-      </a:fillRef>
-      <a:effectRef idx="0">
-        <a:scrgbClr r="0" g="0" b="0"/>
-      </a:effectRef>
-      <a:fontRef idx="minor"/>
-    </dgm:style>
-  </dgm:styleLbl>
-  <dgm:styleLbl name="parChTrans1D2">
-    <dgm:scene3d>
-      <a:camera prst="orthographicFront"/>
-      <a:lightRig rig="threePt" dir="t"/>
-    </dgm:scene3d>
-    <dgm:sp3d/>
-    <dgm:txPr/>
-    <dgm:style>
-      <a:lnRef idx="2">
-        <a:scrgbClr r="0" g="0" b="0"/>
-      </a:lnRef>
-      <a:fillRef idx="0">
-        <a:scrgbClr r="0" g="0" b="0"/>
-      </a:fillRef>
-      <a:effectRef idx="0">
-        <a:scrgbClr r="0" g="0" b="0"/>
-      </a:effectRef>
-      <a:fontRef idx="minor"/>
-    </dgm:style>
-  </dgm:styleLbl>
-  <dgm:styleLbl name="parChTrans1D3">
-    <dgm:scene3d>
-      <a:camera prst="orthographicFront"/>
-      <a:lightRig rig="threePt" dir="t"/>
-    </dgm:scene3d>
-    <dgm:sp3d/>
-    <dgm:txPr/>
-    <dgm:style>
-      <a:lnRef idx="2">
-        <a:scrgbClr r="0" g="0" b="0"/>
-      </a:lnRef>
-      <a:fillRef idx="0">
-        <a:scrgbClr r="0" g="0" b="0"/>
-      </a:fillRef>
-      <a:effectRef idx="0">
-        <a:scrgbClr r="0" g="0" b="0"/>
-      </a:effectRef>
-      <a:fontRef idx="minor"/>
-    </dgm:style>
-  </dgm:styleLbl>
-  <dgm:styleLbl name="parChTrans1D4">
-    <dgm:scene3d>
-      <a:camera prst="orthographicFront"/>
-      <a:lightRig rig="threePt" dir="t"/>
-    </dgm:scene3d>
-    <dgm:sp3d/>
-    <dgm:txPr/>
-    <dgm:style>
-      <a:lnRef idx="2">
-        <a:scrgbClr r="0" g="0" b="0"/>
-      </a:lnRef>
-      <a:fillRef idx="0">
-        <a:scrgbClr r="0" g="0" b="0"/>
-      </a:fillRef>
-      <a:effectRef idx="0">
-        <a:scrgbClr r="0" g="0" b="0"/>
-      </a:effectRef>
-      <a:fontRef idx="minor"/>
-    </dgm:style>
-  </dgm:styleLbl>
-  <dgm:styleLbl name="fgAcc1">
-    <dgm:scene3d>
-      <a:camera prst="orthographicFront"/>
-      <a:lightRig rig="threePt" dir="t"/>
-    </dgm:scene3d>
-    <dgm:sp3d/>
-    <dgm:txPr/>
-    <dgm:style>
-      <a:lnRef idx="2">
-        <a:scrgbClr r="0" g="0" b="0"/>
-      </a:lnRef>
-      <a:fillRef idx="1">
-        <a:scrgbClr r="0" g="0" b="0"/>
-      </a:fillRef>
-      <a:effectRef idx="0">
-        <a:scrgbClr r="0" g="0" b="0"/>
-      </a:effectRef>
-      <a:fontRef idx="minor"/>
-    </dgm:style>
-  </dgm:styleLbl>
-  <dgm:styleLbl name="conFgAcc1">
-    <dgm:scene3d>
-      <a:camera prst="orthographicFront"/>
-      <a:lightRig rig="threePt" dir="t"/>
-    </dgm:scene3d>
-    <dgm:sp3d/>
-    <dgm:txPr/>
-    <dgm:style>
-      <a:lnRef idx="2">
-        <a:scrgbClr r="0" g="0" b="0"/>
-      </a:lnRef>
-      <a:fillRef idx="1">
-        <a:scrgbClr r="0" g="0" b="0"/>
-      </a:fillRef>
-      <a:effectRef idx="0">
-        <a:scrgbClr r="0" g="0" b="0"/>
-      </a:effectRef>
-      <a:fontRef idx="minor"/>
-    </dgm:style>
-  </dgm:styleLbl>
-  <dgm:styleLbl name="alignAcc1">
-    <dgm:scene3d>
-      <a:camera prst="orthographicFront"/>
-      <a:lightRig rig="threePt" dir="t"/>
-    </dgm:scene3d>
-    <dgm:sp3d/>
-    <dgm:txPr/>
-    <dgm:style>
-      <a:lnRef idx="2">
-        <a:scrgbClr r="0" g="0" b="0"/>
-      </a:lnRef>
-      <a:fillRef idx="1">
-        <a:scrgbClr r="0" g="0" b="0"/>
-      </a:fillRef>
-      <a:effectRef idx="0">
-        <a:scrgbClr r="0" g="0" b="0"/>
-      </a:effectRef>
-      <a:fontRef idx="minor"/>
-    </dgm:style>
-  </dgm:styleLbl>
-  <dgm:styleLbl name="trAlignAcc1">
-    <dgm:scene3d>
-      <a:camera prst="orthographicFront"/>
-      <a:lightRig rig="threePt" dir="t"/>
-    </dgm:scene3d>
-    <dgm:sp3d/>
-    <dgm:txPr/>
-    <dgm:style>
-      <a:lnRef idx="1">
-        <a:scrgbClr r="0" g="0" b="0"/>
-      </a:lnRef>
-      <a:fillRef idx="1">
-        <a:scrgbClr r="0" g="0" b="0"/>
-      </a:fillRef>
-      <a:effectRef idx="0">
-        <a:scrgbClr r="0" g="0" b="0"/>
-      </a:effectRef>
-      <a:fontRef idx="minor"/>
-    </dgm:style>
-  </dgm:styleLbl>
-  <dgm:styleLbl name="bgAcc1">
-    <dgm:scene3d>
-      <a:camera prst="orthographicFront"/>
-      <a:lightRig rig="threePt" dir="t"/>
-    </dgm:scene3d>
-    <dgm:sp3d/>
-    <dgm:txPr/>
-    <dgm:style>
-      <a:lnRef idx="2">
-        <a:scrgbClr r="0" g="0" b="0"/>
-      </a:lnRef>
-      <a:fillRef idx="1">
-        <a:scrgbClr r="0" g="0" b="0"/>
-      </a:fillRef>
-      <a:effectRef idx="0">
-        <a:scrgbClr r="0" g="0" b="0"/>
-      </a:effectRef>
-      <a:fontRef idx="minor"/>
-    </dgm:style>
-  </dgm:styleLbl>
-  <dgm:styleLbl name="solidFgAcc1">
-    <dgm:scene3d>
-      <a:camera prst="orthographicFront"/>
-      <a:lightRig rig="threePt" dir="t"/>
-    </dgm:scene3d>
-    <dgm:sp3d/>
-    <dgm:txPr/>
-    <dgm:style>
-      <a:lnRef idx="2">
-        <a:scrgbClr r="0" g="0" b="0"/>
-      </a:lnRef>
-      <a:fillRef idx="1">
-        <a:scrgbClr r="0" g="0" b="0"/>
-      </a:fillRef>
-      <a:effectRef idx="0">
-        <a:scrgbClr r="0" g="0" b="0"/>
-      </a:effectRef>
-      <a:fontRef idx="minor"/>
-    </dgm:style>
-  </dgm:styleLbl>
-  <dgm:styleLbl name="solidAlignAcc1">
-    <dgm:scene3d>
-      <a:camera prst="orthographicFront"/>
-      <a:lightRig rig="threePt" dir="t"/>
-    </dgm:scene3d>
-    <dgm:sp3d/>
-    <dgm:txPr/>
-    <dgm:style>
-      <a:lnRef idx="2">
-        <a:scrgbClr r="0" g="0" b="0"/>
-      </a:lnRef>
-      <a:fillRef idx="1">
-        <a:scrgbClr r="0" g="0" b="0"/>
-      </a:fillRef>
-      <a:effectRef idx="0">
-        <a:scrgbClr r="0" g="0" b="0"/>
-      </a:effectRef>
-      <a:fontRef idx="minor"/>
-    </dgm:style>
-  </dgm:styleLbl>
-  <dgm:styleLbl name="solidBgAcc1">
-    <dgm:scene3d>
-      <a:camera prst="orthographicFront"/>
-      <a:lightRig rig="threePt" dir="t"/>
-    </dgm:scene3d>
-    <dgm:sp3d/>
-    <dgm:txPr/>
-    <dgm:style>
-      <a:lnRef idx="2">
-        <a:scrgbClr r="0" g="0" b="0"/>
-      </a:lnRef>
-      <a:fillRef idx="1">
-        <a:scrgbClr r="0" g="0" b="0"/>
-      </a:fillRef>
-      <a:effectRef idx="0">
-        <a:scrgbClr r="0" g="0" b="0"/>
-      </a:effectRef>
-      <a:fontRef idx="minor"/>
-    </dgm:style>
-  </dgm:styleLbl>
-  <dgm:styleLbl name="fgAccFollowNode1">
-    <dgm:scene3d>
-      <a:camera prst="orthographicFront"/>
-      <a:lightRig rig="threePt" dir="t"/>
-    </dgm:scene3d>
-    <dgm:sp3d/>
-    <dgm:txPr/>
-    <dgm:style>
-      <a:lnRef idx="2">
-        <a:scrgbClr r="0" g="0" b="0"/>
-      </a:lnRef>
-      <a:fillRef idx="1">
-        <a:scrgbClr r="0" g="0" b="0"/>
-      </a:fillRef>
-      <a:effectRef idx="0">
-        <a:scrgbClr r="0" g="0" b="0"/>
-      </a:effectRef>
-      <a:fontRef idx="minor"/>
-    </dgm:style>
-  </dgm:styleLbl>
-  <dgm:styleLbl name="alignAccFollowNode1">
-    <dgm:scene3d>
-      <a:camera prst="orthographicFront"/>
-      <a:lightRig rig="threePt" dir="t"/>
-    </dgm:scene3d>
-    <dgm:sp3d/>
-    <dgm:txPr/>
-    <dgm:style>
-      <a:lnRef idx="2">
-        <a:scrgbClr r="0" g="0" b="0"/>
-      </a:lnRef>
-      <a:fillRef idx="1">
-        <a:scrgbClr r="0" g="0" b="0"/>
-      </a:fillRef>
-      <a:effectRef idx="0">
-        <a:scrgbClr r="0" g="0" b="0"/>
-      </a:effectRef>
-      <a:fontRef idx="minor"/>
-    </dgm:style>
-  </dgm:styleLbl>
-  <dgm:styleLbl name="bgAccFollowNode1">
-    <dgm:scene3d>
-      <a:camera prst="orthographicFront"/>
-      <a:lightRig rig="threePt" dir="t"/>
-    </dgm:scene3d>
-    <dgm:sp3d/>
-    <dgm:txPr/>
-    <dgm:style>
-      <a:lnRef idx="2">
-        <a:scrgbClr r="0" g="0" b="0"/>
-      </a:lnRef>
-      <a:fillRef idx="1">
-        <a:scrgbClr r="0" g="0" b="0"/>
-      </a:fillRef>
-      <a:effectRef idx="0">
-        <a:scrgbClr r="0" g="0" b="0"/>
-      </a:effectRef>
-      <a:fontRef idx="minor"/>
-    </dgm:style>
-  </dgm:styleLbl>
-  <dgm:styleLbl name="fgAcc0">
-    <dgm:scene3d>
-      <a:camera prst="orthographicFront"/>
-      <a:lightRig rig="threePt" dir="t"/>
-    </dgm:scene3d>
-    <dgm:sp3d/>
-    <dgm:txPr/>
-    <dgm:style>
-      <a:lnRef idx="2">
-        <a:scrgbClr r="0" g="0" b="0"/>
-      </a:lnRef>
-      <a:fillRef idx="1">
-        <a:scrgbClr r="0" g="0" b="0"/>
-      </a:fillRef>
-      <a:effectRef idx="0">
-        <a:scrgbClr r="0" g="0" b="0"/>
-      </a:effectRef>
-      <a:fontRef idx="minor"/>
-    </dgm:style>
-  </dgm:styleLbl>
-  <dgm:styleLbl name="fgAcc2">
-    <dgm:scene3d>
-      <a:camera prst="orthographicFront"/>
-      <a:lightRig rig="threePt" dir="t"/>
-    </dgm:scene3d>
-    <dgm:sp3d/>
-    <dgm:txPr/>
-    <dgm:style>
-      <a:lnRef idx="2">
-        <a:scrgbClr r="0" g="0" b="0"/>
-      </a:lnRef>
-      <a:fillRef idx="1">
-        <a:scrgbClr r="0" g="0" b="0"/>
-      </a:fillRef>
-      <a:effectRef idx="0">
-        <a:scrgbClr r="0" g="0" b="0"/>
-      </a:effectRef>
-      <a:fontRef idx="minor"/>
-    </dgm:style>
-  </dgm:styleLbl>
-  <dgm:styleLbl name="fgAcc3">
-    <dgm:scene3d>
-      <a:camera prst="orthographicFront"/>
-      <a:lightRig rig="threePt" dir="t"/>
-    </dgm:scene3d>
-    <dgm:sp3d/>
-    <dgm:txPr/>
-    <dgm:style>
-      <a:lnRef idx="2">
-        <a:scrgbClr r="0" g="0" b="0"/>
-      </a:lnRef>
-      <a:fillRef idx="1">
-        <a:scrgbClr r="0" g="0" b="0"/>
-      </a:fillRef>
-      <a:effectRef idx="0">
-        <a:scrgbClr r="0" g="0" b="0"/>
-      </a:effectRef>
-      <a:fontRef idx="minor"/>
-    </dgm:style>
-  </dgm:styleLbl>
-  <dgm:styleLbl name="fgAcc4">
-    <dgm:scene3d>
-      <a:camera prst="orthographicFront"/>
-      <a:lightRig rig="threePt" dir="t"/>
-    </dgm:scene3d>
-    <dgm:sp3d/>
-    <dgm:txPr/>
-    <dgm:style>
-      <a:lnRef idx="2">
-        <a:scrgbClr r="0" g="0" b="0"/>
-      </a:lnRef>
-      <a:fillRef idx="1">
-        <a:scrgbClr r="0" g="0" b="0"/>
-      </a:fillRef>
-      <a:effectRef idx="0">
-        <a:scrgbClr r="0" g="0" b="0"/>
-      </a:effectRef>
-      <a:fontRef idx="minor"/>
-    </dgm:style>
-  </dgm:styleLbl>
-  <dgm:styleLbl name="bgShp">
-    <dgm:scene3d>
-      <a:camera prst="orthographicFront"/>
-      <a:lightRig rig="threePt" dir="t"/>
-    </dgm:scene3d>
-    <dgm:sp3d/>
-    <dgm:txPr/>
-    <dgm:style>
-      <a:lnRef idx="0">
-        <a:scrgbClr r="0" g="0" b="0"/>
-      </a:lnRef>
-      <a:fillRef idx="1">
-        <a:scrgbClr r="0" g="0" b="0"/>
-      </a:fillRef>
-      <a:effectRef idx="0">
-        <a:scrgbClr r="0" g="0" b="0"/>
-      </a:effectRef>
-      <a:fontRef idx="minor"/>
-    </dgm:style>
-  </dgm:styleLbl>
-  <dgm:styleLbl name="dkBgShp">
-    <dgm:scene3d>
-      <a:camera prst="orthographicFront"/>
-      <a:lightRig rig="threePt" dir="t"/>
-    </dgm:scene3d>
-    <dgm:sp3d/>
-    <dgm:txPr/>
-    <dgm:style>
-      <a:lnRef idx="0">
-        <a:scrgbClr r="0" g="0" b="0"/>
-      </a:lnRef>
-      <a:fillRef idx="1">
-        <a:scrgbClr r="0" g="0" b="0"/>
-      </a:fillRef>
-      <a:effectRef idx="0">
-        <a:scrgbClr r="0" g="0" b="0"/>
-      </a:effectRef>
-      <a:fontRef idx="minor"/>
-    </dgm:style>
-  </dgm:styleLbl>
-  <dgm:styleLbl name="trBgShp">
-    <dgm:scene3d>
-      <a:camera prst="orthographicFront"/>
-      <a:lightRig rig="threePt" dir="t"/>
-    </dgm:scene3d>
-    <dgm:sp3d/>
-    <dgm:txPr/>
-    <dgm:style>
-      <a:lnRef idx="0">
-        <a:scrgbClr r="0" g="0" b="0"/>
-      </a:lnRef>
-      <a:fillRef idx="1">
-        <a:scrgbClr r="0" g="0" b="0"/>
-      </a:fillRef>
-      <a:effectRef idx="0">
-        <a:scrgbClr r="0" g="0" b="0"/>
-      </a:effectRef>
-      <a:fontRef idx="minor"/>
-    </dgm:style>
-  </dgm:styleLbl>
-  <dgm:styleLbl name="fgShp">
-    <dgm:scene3d>
-      <a:camera prst="orthographicFront"/>
-      <a:lightRig rig="threePt" dir="t"/>
-    </dgm:scene3d>
-    <dgm:sp3d/>
-    <dgm:txPr/>
-    <dgm:style>
-      <a:lnRef idx="2">
-        <a:scrgbClr r="0" g="0" b="0"/>
-      </a:lnRef>
-      <a:fillRef idx="1">
-        <a:scrgbClr r="0" g="0" b="0"/>
-      </a:fillRef>
-      <a:effectRef idx="0">
-        <a:scrgbClr r="0" g="0" b="0"/>
-      </a:effectRef>
-      <a:fontRef idx="minor"/>
-    </dgm:style>
-  </dgm:styleLbl>
-  <dgm:styleLbl name="revTx">
-    <dgm:scene3d>
-      <a:camera prst="orthographicFront"/>
-      <a:lightRig rig="threePt" dir="t"/>
-    </dgm:scene3d>
-    <dgm:sp3d/>
-    <dgm:txPr/>
-    <dgm:style>
-      <a:lnRef idx="0">
-        <a:scrgbClr r="0" g="0" b="0"/>
-      </a:lnRef>
-      <a:fillRef idx="0">
-        <a:scrgbClr r="0" g="0" b="0"/>
-      </a:fillRef>
-      <a:effectRef idx="0">
-        <a:scrgbClr r="0" g="0" b="0"/>
-      </a:effectRef>
-      <a:fontRef idx="minor"/>
-    </dgm:style>
-  </dgm:styleLbl>
-</dgm:styleDef>
-</file>
-
 <file path=ppt/notesMasters/notesMaster1.xml><?xml version="1.0" encoding="utf-8"?>
 <p:notesMaster xmlns:a="http://schemas.openxmlformats.org/drawingml/2006/main" xmlns:r="http://schemas.openxmlformats.org/officeDocument/2006/relationships" xmlns:p="http://schemas.openxmlformats.org/presentationml/2006/main">
   <p:cSld>
@@ -3172,7 +233,7 @@
           <a:p>
             <a:fld id="{3C31BDEC-C855-4A20-BFC3-C78B82093698}" type="datetimeFigureOut">
               <a:rPr lang="en-US" smtClean="0"/>
-              <a:t>7/19/2017</a:t>
+              <a:t>7/21/2017</a:t>
             </a:fld>
             <a:endParaRPr lang="en-US"/>
           </a:p>
@@ -3575,26 +636,6 @@
           <a:bodyPr/>
           <a:lstStyle/>
           <a:p>
-            <a:r>
-              <a:rPr lang="en-US" dirty="0"/>
-              <a:t>Demo that shows how we build a table that doesn’t follow good practices. Use </a:t>
-            </a:r>
-            <a:r>
-              <a:rPr lang="en-US" dirty="0" err="1"/>
-              <a:t>tblStagingImages</a:t>
-            </a:r>
-            <a:r>
-              <a:rPr lang="en-US" dirty="0"/>
-              <a:t> as a table name</a:t>
-            </a:r>
-          </a:p>
-          <a:p>
-            <a:r>
-              <a:rPr lang="en-US" dirty="0"/>
-              <a:t>SQL Cop catches an error. Actually catches two, name and no PK.</a:t>
-            </a:r>
-          </a:p>
-          <a:p>
             <a:endParaRPr lang="en-US" dirty="0"/>
           </a:p>
         </p:txBody>
@@ -3625,7 +666,7 @@
     </p:spTree>
     <p:extLst>
       <p:ext uri="{BB962C8B-B14F-4D97-AF65-F5344CB8AC3E}">
-        <p14:creationId xmlns:p14="http://schemas.microsoft.com/office/powerpoint/2010/main" val="2852829571"/>
+        <p14:creationId xmlns:p14="http://schemas.microsoft.com/office/powerpoint/2010/main" val="4242824005"/>
       </p:ext>
     </p:extLst>
   </p:cSld>
@@ -3681,33 +722,24 @@
           <a:p>
             <a:r>
               <a:rPr lang="en-US" dirty="0"/>
-              <a:t>Second</a:t>
-            </a:r>
-            <a:r>
-              <a:rPr lang="en-US" baseline="0" dirty="0"/>
-              <a:t> requirement – simple </a:t>
-            </a:r>
-            <a:r>
-              <a:rPr lang="en-US" baseline="0" dirty="0" err="1"/>
-              <a:t>procs</a:t>
-            </a:r>
-            <a:r>
-              <a:rPr lang="en-US" baseline="0" dirty="0"/>
-              <a:t>.</a:t>
-            </a:r>
-          </a:p>
-          <a:p>
-            <a:endParaRPr lang="en-US" baseline="0" dirty="0"/>
-          </a:p>
-          <a:p>
-            <a:r>
-              <a:rPr lang="en-US" baseline="0" dirty="0"/>
-              <a:t>Create </a:t>
-            </a:r>
-            <a:r>
-              <a:rPr lang="en-US" baseline="0" dirty="0" err="1"/>
-              <a:t>sp_insertArticleImage</a:t>
-            </a:r>
+              <a:t>Demo that shows how we build a table that doesn’t follow good practices. Use </a:t>
+            </a:r>
+            <a:r>
+              <a:rPr lang="en-US" dirty="0" err="1"/>
+              <a:t>tblStagingImages</a:t>
+            </a:r>
+            <a:r>
+              <a:rPr lang="en-US" dirty="0"/>
+              <a:t> as a table name</a:t>
+            </a:r>
+          </a:p>
+          <a:p>
+            <a:r>
+              <a:rPr lang="en-US" dirty="0"/>
+              <a:t>SQL Cop catches an error. Actually catches two, name and no PK.</a:t>
+            </a:r>
+          </a:p>
+          <a:p>
             <a:endParaRPr lang="en-US" dirty="0"/>
           </a:p>
         </p:txBody>
@@ -3729,7 +761,7 @@
           <a:p>
             <a:fld id="{737EB954-88EE-45B2-878D-41C5C083E9B9}" type="slidenum">
               <a:rPr lang="en-US" smtClean="0"/>
-              <a:t>20</a:t>
+              <a:t>19</a:t>
             </a:fld>
             <a:endParaRPr lang="en-US"/>
           </a:p>
@@ -3738,7 +770,7 @@
     </p:spTree>
     <p:extLst>
       <p:ext uri="{BB962C8B-B14F-4D97-AF65-F5344CB8AC3E}">
-        <p14:creationId xmlns:p14="http://schemas.microsoft.com/office/powerpoint/2010/main" val="4284040156"/>
+        <p14:creationId xmlns:p14="http://schemas.microsoft.com/office/powerpoint/2010/main" val="2852829571"/>
       </p:ext>
     </p:extLst>
   </p:cSld>
@@ -3908,226 +940,39 @@
           <a:p>
             <a:r>
               <a:rPr lang="en-US" dirty="0"/>
-              <a:t>Second</a:t>
+              <a:t>CD pipeline</a:t>
             </a:r>
             <a:r>
               <a:rPr lang="en-US" baseline="0" dirty="0"/>
-              <a:t> requirement – simple </a:t>
-            </a:r>
-            <a:r>
-              <a:rPr lang="en-US" baseline="0" dirty="0" err="1"/>
-              <a:t>procs</a:t>
+              <a:t> - http://www.getchef.com/images/chart-continuous-delivery.png</a:t>
+            </a:r>
+          </a:p>
+          <a:p>
+            <a:r>
+              <a:rPr lang="en-US" dirty="0"/>
+              <a:t>CD process - http://eavonius.github.io/powerdelivery/img/website_pipeline_activities.jpg</a:t>
+            </a:r>
+          </a:p>
+          <a:p>
+            <a:endParaRPr lang="en-US" dirty="0"/>
+          </a:p>
+          <a:p>
+            <a:r>
+              <a:rPr lang="en-US" dirty="0"/>
+              <a:t>Flow - http://www.rampmeupscotty.com/media/images/2012-08-23_changes_moving_through_deployment_pipeline.png</a:t>
+            </a:r>
+          </a:p>
+          <a:p>
+            <a:endParaRPr lang="en-US" dirty="0"/>
+          </a:p>
+          <a:p>
+            <a:r>
+              <a:rPr lang="en-US" dirty="0"/>
+              <a:t>Maturity</a:t>
             </a:r>
             <a:r>
               <a:rPr lang="en-US" baseline="0" dirty="0"/>
-              <a:t>.</a:t>
-            </a:r>
-          </a:p>
-          <a:p>
-            <a:endParaRPr lang="en-US" baseline="0" dirty="0"/>
-          </a:p>
-          <a:p>
-            <a:r>
-              <a:rPr lang="en-US" baseline="0" dirty="0"/>
-              <a:t>Create </a:t>
-            </a:r>
-            <a:r>
-              <a:rPr lang="en-US" baseline="0" dirty="0" err="1"/>
-              <a:t>sp_insertArticleImage</a:t>
-            </a:r>
-            <a:endParaRPr lang="en-US" dirty="0"/>
-          </a:p>
-        </p:txBody>
-      </p:sp>
-      <p:sp>
-        <p:nvSpPr>
-          <p:cNvPr id="4" name="Slide Number Placeholder 3"/>
-          <p:cNvSpPr>
-            <a:spLocks noGrp="1"/>
-          </p:cNvSpPr>
-          <p:nvPr>
-            <p:ph type="sldNum" sz="quarter" idx="10"/>
-          </p:nvPr>
-        </p:nvSpPr>
-        <p:spPr/>
-        <p:txBody>
-          <a:bodyPr/>
-          <a:lstStyle/>
-          <a:p>
-            <a:fld id="{737EB954-88EE-45B2-878D-41C5C083E9B9}" type="slidenum">
-              <a:rPr lang="en-US" smtClean="0"/>
-              <a:t>22</a:t>
-            </a:fld>
-            <a:endParaRPr lang="en-US"/>
-          </a:p>
-        </p:txBody>
-      </p:sp>
-    </p:spTree>
-    <p:extLst>
-      <p:ext uri="{BB962C8B-B14F-4D97-AF65-F5344CB8AC3E}">
-        <p14:creationId xmlns:p14="http://schemas.microsoft.com/office/powerpoint/2010/main" val="4284040156"/>
-      </p:ext>
-    </p:extLst>
-  </p:cSld>
-  <p:clrMapOvr>
-    <a:masterClrMapping/>
-  </p:clrMapOvr>
-</p:notes>
-</file>
-
-<file path=ppt/notesSlides/notesSlide14.xml><?xml version="1.0" encoding="utf-8"?>
-<p:notes xmlns:a="http://schemas.openxmlformats.org/drawingml/2006/main" xmlns:r="http://schemas.openxmlformats.org/officeDocument/2006/relationships" xmlns:p="http://schemas.openxmlformats.org/presentationml/2006/main">
-  <p:cSld>
-    <p:spTree>
-      <p:nvGrpSpPr>
-        <p:cNvPr id="1" name=""/>
-        <p:cNvGrpSpPr/>
-        <p:nvPr/>
-      </p:nvGrpSpPr>
-      <p:grpSpPr>
-        <a:xfrm>
-          <a:off x="0" y="0"/>
-          <a:ext cx="0" cy="0"/>
-          <a:chOff x="0" y="0"/>
-          <a:chExt cx="0" cy="0"/>
-        </a:xfrm>
-      </p:grpSpPr>
-      <p:sp>
-        <p:nvSpPr>
-          <p:cNvPr id="2" name="Slide Image Placeholder 1"/>
-          <p:cNvSpPr>
-            <a:spLocks noGrp="1" noRot="1" noChangeAspect="1"/>
-          </p:cNvSpPr>
-          <p:nvPr>
-            <p:ph type="sldImg"/>
-          </p:nvPr>
-        </p:nvSpPr>
-        <p:spPr/>
-      </p:sp>
-      <p:sp>
-        <p:nvSpPr>
-          <p:cNvPr id="3" name="Notes Placeholder 2"/>
-          <p:cNvSpPr>
-            <a:spLocks noGrp="1"/>
-          </p:cNvSpPr>
-          <p:nvPr>
-            <p:ph type="body" idx="1"/>
-          </p:nvPr>
-        </p:nvSpPr>
-        <p:spPr/>
-        <p:txBody>
-          <a:bodyPr/>
-          <a:lstStyle/>
-          <a:p>
-            <a:r>
-              <a:rPr lang="en-US" dirty="0"/>
-              <a:t>Alter the procedure  to meet the new logic</a:t>
-            </a:r>
-          </a:p>
-          <a:p>
-            <a:r>
-              <a:rPr lang="en-US" dirty="0"/>
-              <a:t>Write test for the proc</a:t>
-            </a:r>
-          </a:p>
-          <a:p>
-            <a:r>
-              <a:rPr lang="en-US" dirty="0"/>
-              <a:t>Run tests, have new test work, some other, older test that now fails.</a:t>
-            </a:r>
-          </a:p>
-          <a:p>
-            <a:endParaRPr lang="en-US" dirty="0"/>
-          </a:p>
-        </p:txBody>
-      </p:sp>
-      <p:sp>
-        <p:nvSpPr>
-          <p:cNvPr id="4" name="Slide Number Placeholder 3"/>
-          <p:cNvSpPr>
-            <a:spLocks noGrp="1"/>
-          </p:cNvSpPr>
-          <p:nvPr>
-            <p:ph type="sldNum" sz="quarter" idx="10"/>
-          </p:nvPr>
-        </p:nvSpPr>
-        <p:spPr/>
-        <p:txBody>
-          <a:bodyPr/>
-          <a:lstStyle/>
-          <a:p>
-            <a:fld id="{737EB954-88EE-45B2-878D-41C5C083E9B9}" type="slidenum">
-              <a:rPr lang="en-US" smtClean="0"/>
-              <a:t>23</a:t>
-            </a:fld>
-            <a:endParaRPr lang="en-US"/>
-          </a:p>
-        </p:txBody>
-      </p:sp>
-    </p:spTree>
-    <p:extLst>
-      <p:ext uri="{BB962C8B-B14F-4D97-AF65-F5344CB8AC3E}">
-        <p14:creationId xmlns:p14="http://schemas.microsoft.com/office/powerpoint/2010/main" val="815878000"/>
-      </p:ext>
-    </p:extLst>
-  </p:cSld>
-  <p:clrMapOvr>
-    <a:masterClrMapping/>
-  </p:clrMapOvr>
-</p:notes>
-</file>
-
-<file path=ppt/notesSlides/notesSlide15.xml><?xml version="1.0" encoding="utf-8"?>
-<p:notes xmlns:a="http://schemas.openxmlformats.org/drawingml/2006/main" xmlns:r="http://schemas.openxmlformats.org/officeDocument/2006/relationships" xmlns:p="http://schemas.openxmlformats.org/presentationml/2006/main">
-  <p:cSld>
-    <p:spTree>
-      <p:nvGrpSpPr>
-        <p:cNvPr id="1" name=""/>
-        <p:cNvGrpSpPr/>
-        <p:nvPr/>
-      </p:nvGrpSpPr>
-      <p:grpSpPr>
-        <a:xfrm>
-          <a:off x="0" y="0"/>
-          <a:ext cx="0" cy="0"/>
-          <a:chOff x="0" y="0"/>
-          <a:chExt cx="0" cy="0"/>
-        </a:xfrm>
-      </p:grpSpPr>
-      <p:sp>
-        <p:nvSpPr>
-          <p:cNvPr id="2" name="Slide Image Placeholder 1"/>
-          <p:cNvSpPr>
-            <a:spLocks noGrp="1" noRot="1" noChangeAspect="1"/>
-          </p:cNvSpPr>
-          <p:nvPr>
-            <p:ph type="sldImg"/>
-          </p:nvPr>
-        </p:nvSpPr>
-        <p:spPr/>
-      </p:sp>
-      <p:sp>
-        <p:nvSpPr>
-          <p:cNvPr id="3" name="Notes Placeholder 2"/>
-          <p:cNvSpPr>
-            <a:spLocks noGrp="1"/>
-          </p:cNvSpPr>
-          <p:nvPr>
-            <p:ph type="body" idx="1"/>
-          </p:nvPr>
-        </p:nvSpPr>
-        <p:spPr/>
-        <p:txBody>
-          <a:bodyPr/>
-          <a:lstStyle/>
-          <a:p>
-            <a:r>
-              <a:rPr lang="en-US" dirty="0"/>
-              <a:t>This</a:t>
-            </a:r>
-            <a:r>
-              <a:rPr lang="en-US" baseline="0" dirty="0"/>
-              <a:t> is part of a software development philosophy that seeks to build software faster, with a higher level of quality.</a:t>
+              <a:t> model - http://www.infoq.com/resource/articles/Continuous-Delivery-Maturity-Model/en/resources/fig1large.jpg</a:t>
             </a:r>
             <a:endParaRPr lang="en-US" dirty="0"/>
           </a:p>
@@ -4151,126 +996,6 @@
             <a:fld id="{737EB954-88EE-45B2-878D-41C5C083E9B9}" type="slidenum">
               <a:rPr lang="en-US" smtClean="0"/>
               <a:t>26</a:t>
-            </a:fld>
-            <a:endParaRPr lang="en-US"/>
-          </a:p>
-        </p:txBody>
-      </p:sp>
-    </p:spTree>
-    <p:extLst>
-      <p:ext uri="{BB962C8B-B14F-4D97-AF65-F5344CB8AC3E}">
-        <p14:creationId xmlns:p14="http://schemas.microsoft.com/office/powerpoint/2010/main" val="2915440239"/>
-      </p:ext>
-    </p:extLst>
-  </p:cSld>
-  <p:clrMapOvr>
-    <a:masterClrMapping/>
-  </p:clrMapOvr>
-</p:notes>
-</file>
-
-<file path=ppt/notesSlides/notesSlide16.xml><?xml version="1.0" encoding="utf-8"?>
-<p:notes xmlns:a="http://schemas.openxmlformats.org/drawingml/2006/main" xmlns:r="http://schemas.openxmlformats.org/officeDocument/2006/relationships" xmlns:p="http://schemas.openxmlformats.org/presentationml/2006/main">
-  <p:cSld>
-    <p:spTree>
-      <p:nvGrpSpPr>
-        <p:cNvPr id="1" name=""/>
-        <p:cNvGrpSpPr/>
-        <p:nvPr/>
-      </p:nvGrpSpPr>
-      <p:grpSpPr>
-        <a:xfrm>
-          <a:off x="0" y="0"/>
-          <a:ext cx="0" cy="0"/>
-          <a:chOff x="0" y="0"/>
-          <a:chExt cx="0" cy="0"/>
-        </a:xfrm>
-      </p:grpSpPr>
-      <p:sp>
-        <p:nvSpPr>
-          <p:cNvPr id="2" name="Slide Image Placeholder 1"/>
-          <p:cNvSpPr>
-            <a:spLocks noGrp="1" noRot="1" noChangeAspect="1"/>
-          </p:cNvSpPr>
-          <p:nvPr>
-            <p:ph type="sldImg"/>
-          </p:nvPr>
-        </p:nvSpPr>
-        <p:spPr/>
-      </p:sp>
-      <p:sp>
-        <p:nvSpPr>
-          <p:cNvPr id="3" name="Notes Placeholder 2"/>
-          <p:cNvSpPr>
-            <a:spLocks noGrp="1"/>
-          </p:cNvSpPr>
-          <p:nvPr>
-            <p:ph type="body" idx="1"/>
-          </p:nvPr>
-        </p:nvSpPr>
-        <p:spPr/>
-        <p:txBody>
-          <a:bodyPr/>
-          <a:lstStyle/>
-          <a:p>
-            <a:r>
-              <a:rPr lang="en-US" dirty="0"/>
-              <a:t>CD pipeline</a:t>
-            </a:r>
-            <a:r>
-              <a:rPr lang="en-US" baseline="0" dirty="0"/>
-              <a:t> - http://www.getchef.com/images/chart-continuous-delivery.png</a:t>
-            </a:r>
-          </a:p>
-          <a:p>
-            <a:r>
-              <a:rPr lang="en-US" dirty="0"/>
-              <a:t>CD process - http://eavonius.github.io/powerdelivery/img/website_pipeline_activities.jpg</a:t>
-            </a:r>
-          </a:p>
-          <a:p>
-            <a:endParaRPr lang="en-US" dirty="0"/>
-          </a:p>
-          <a:p>
-            <a:r>
-              <a:rPr lang="en-US" dirty="0"/>
-              <a:t>Flow - http://www.rampmeupscotty.com/media/images/2012-08-23_changes_moving_through_deployment_pipeline.png</a:t>
-            </a:r>
-          </a:p>
-          <a:p>
-            <a:endParaRPr lang="en-US" dirty="0"/>
-          </a:p>
-          <a:p>
-            <a:r>
-              <a:rPr lang="en-US" dirty="0"/>
-              <a:t>Maturity</a:t>
-            </a:r>
-            <a:r>
-              <a:rPr lang="en-US" baseline="0" dirty="0"/>
-              <a:t> model - http://www.infoq.com/resource/articles/Continuous-Delivery-Maturity-Model/en/resources/fig1large.jpg</a:t>
-            </a:r>
-            <a:endParaRPr lang="en-US" dirty="0"/>
-          </a:p>
-        </p:txBody>
-      </p:sp>
-      <p:sp>
-        <p:nvSpPr>
-          <p:cNvPr id="4" name="Slide Number Placeholder 3"/>
-          <p:cNvSpPr>
-            <a:spLocks noGrp="1"/>
-          </p:cNvSpPr>
-          <p:nvPr>
-            <p:ph type="sldNum" sz="quarter" idx="10"/>
-          </p:nvPr>
-        </p:nvSpPr>
-        <p:spPr/>
-        <p:txBody>
-          <a:bodyPr/>
-          <a:lstStyle/>
-          <a:p>
-            <a:fld id="{737EB954-88EE-45B2-878D-41C5C083E9B9}" type="slidenum">
-              <a:rPr lang="en-US" smtClean="0"/>
-              <a:t>29</a:t>
             </a:fld>
             <a:endParaRPr lang="en-US"/>
           </a:p>
@@ -4788,14 +1513,6 @@
           <a:bodyPr/>
           <a:lstStyle/>
           <a:p>
-            <a:r>
-              <a:rPr lang="en-US" dirty="0"/>
-              <a:t>Introduce the framework. Give URL, support,</a:t>
-            </a:r>
-            <a:r>
-              <a:rPr lang="en-US" baseline="0" dirty="0"/>
-              <a:t> this is free.</a:t>
-            </a:r>
             <a:endParaRPr lang="en-US" dirty="0"/>
           </a:p>
         </p:txBody>
@@ -4826,7 +1543,7 @@
     </p:spTree>
     <p:extLst>
       <p:ext uri="{BB962C8B-B14F-4D97-AF65-F5344CB8AC3E}">
-        <p14:creationId xmlns:p14="http://schemas.microsoft.com/office/powerpoint/2010/main" val="2314466544"/>
+        <p14:creationId xmlns:p14="http://schemas.microsoft.com/office/powerpoint/2010/main" val="4029280605"/>
       </p:ext>
     </p:extLst>
   </p:cSld>
@@ -4882,10 +1599,12 @@
           <a:p>
             <a:r>
               <a:rPr lang="en-US" dirty="0"/>
-              <a:t>https://msdn.microsoft.com/en-us/library/jj851212(v=vs.103).aspx</a:t>
-            </a:r>
-          </a:p>
-          <a:p>
+              <a:t>Introduce the framework. Give URL, support,</a:t>
+            </a:r>
+            <a:r>
+              <a:rPr lang="en-US" baseline="0" dirty="0"/>
+              <a:t> this is free.</a:t>
+            </a:r>
             <a:endParaRPr lang="en-US" dirty="0"/>
           </a:p>
         </p:txBody>
@@ -4916,7 +1635,7 @@
     </p:spTree>
     <p:extLst>
       <p:ext uri="{BB962C8B-B14F-4D97-AF65-F5344CB8AC3E}">
-        <p14:creationId xmlns:p14="http://schemas.microsoft.com/office/powerpoint/2010/main" val="1145474572"/>
+        <p14:creationId xmlns:p14="http://schemas.microsoft.com/office/powerpoint/2010/main" val="2314466544"/>
       </p:ext>
     </p:extLst>
   </p:cSld>
@@ -4972,12 +1691,10 @@
           <a:p>
             <a:r>
               <a:rPr lang="en-US" dirty="0"/>
-              <a:t>Needs a new name, but</a:t>
-            </a:r>
-            <a:r>
-              <a:rPr lang="en-US" baseline="0" dirty="0"/>
-              <a:t> this is where we talk about our demo app slightly (or code). Give a first requirement we need to do.</a:t>
-            </a:r>
+              <a:t>https://msdn.microsoft.com/en-us/library/jj851212(v=vs.103).aspx</a:t>
+            </a:r>
+          </a:p>
+          <a:p>
             <a:endParaRPr lang="en-US" dirty="0"/>
           </a:p>
         </p:txBody>
@@ -4999,7 +1716,7 @@
           <a:p>
             <a:fld id="{737EB954-88EE-45B2-878D-41C5C083E9B9}" type="slidenum">
               <a:rPr lang="en-US" smtClean="0"/>
-              <a:t>17</a:t>
+              <a:t>16</a:t>
             </a:fld>
             <a:endParaRPr lang="en-US"/>
           </a:p>
@@ -5008,7 +1725,7 @@
     </p:spTree>
     <p:extLst>
       <p:ext uri="{BB962C8B-B14F-4D97-AF65-F5344CB8AC3E}">
-        <p14:creationId xmlns:p14="http://schemas.microsoft.com/office/powerpoint/2010/main" val="4284040156"/>
+        <p14:creationId xmlns:p14="http://schemas.microsoft.com/office/powerpoint/2010/main" val="1145474572"/>
       </p:ext>
     </p:extLst>
   </p:cSld>
@@ -5198,7 +1915,7 @@
             <a:fld id="{1D8BD707-D9CF-40AE-B4C6-C98DA3205C09}" type="datetimeFigureOut">
               <a:rPr lang="en-US" smtClean="0"/>
               <a:pPr/>
-              <a:t>7/19/2017</a:t>
+              <a:t>7/21/2017</a:t>
             </a:fld>
             <a:endParaRPr lang="en-US"/>
           </a:p>
@@ -5363,7 +2080,7 @@
             <a:fld id="{1D8BD707-D9CF-40AE-B4C6-C98DA3205C09}" type="datetimeFigureOut">
               <a:rPr lang="en-US" smtClean="0"/>
               <a:pPr/>
-              <a:t>7/19/2017</a:t>
+              <a:t>7/21/2017</a:t>
             </a:fld>
             <a:endParaRPr lang="en-US"/>
           </a:p>
@@ -5538,7 +2255,7 @@
             <a:fld id="{1D8BD707-D9CF-40AE-B4C6-C98DA3205C09}" type="datetimeFigureOut">
               <a:rPr lang="en-US" smtClean="0"/>
               <a:pPr/>
-              <a:t>7/19/2017</a:t>
+              <a:t>7/21/2017</a:t>
             </a:fld>
             <a:endParaRPr lang="en-US"/>
           </a:p>
@@ -5703,7 +2420,7 @@
             <a:fld id="{1D8BD707-D9CF-40AE-B4C6-C98DA3205C09}" type="datetimeFigureOut">
               <a:rPr lang="en-US" smtClean="0"/>
               <a:pPr/>
-              <a:t>7/19/2017</a:t>
+              <a:t>7/21/2017</a:t>
             </a:fld>
             <a:endParaRPr lang="en-US"/>
           </a:p>
@@ -5945,7 +2662,7 @@
             <a:fld id="{1D8BD707-D9CF-40AE-B4C6-C98DA3205C09}" type="datetimeFigureOut">
               <a:rPr lang="en-US" smtClean="0"/>
               <a:pPr/>
-              <a:t>7/19/2017</a:t>
+              <a:t>7/21/2017</a:t>
             </a:fld>
             <a:endParaRPr lang="en-US"/>
           </a:p>
@@ -6227,7 +2944,7 @@
             <a:fld id="{1D8BD707-D9CF-40AE-B4C6-C98DA3205C09}" type="datetimeFigureOut">
               <a:rPr lang="en-US" smtClean="0"/>
               <a:pPr/>
-              <a:t>7/19/2017</a:t>
+              <a:t>7/21/2017</a:t>
             </a:fld>
             <a:endParaRPr lang="en-US"/>
           </a:p>
@@ -6643,7 +3360,7 @@
             <a:fld id="{1D8BD707-D9CF-40AE-B4C6-C98DA3205C09}" type="datetimeFigureOut">
               <a:rPr lang="en-US" smtClean="0"/>
               <a:pPr/>
-              <a:t>7/19/2017</a:t>
+              <a:t>7/21/2017</a:t>
             </a:fld>
             <a:endParaRPr lang="en-US"/>
           </a:p>
@@ -6757,7 +3474,7 @@
             <a:fld id="{1D8BD707-D9CF-40AE-B4C6-C98DA3205C09}" type="datetimeFigureOut">
               <a:rPr lang="en-US" smtClean="0"/>
               <a:pPr/>
-              <a:t>7/19/2017</a:t>
+              <a:t>7/21/2017</a:t>
             </a:fld>
             <a:endParaRPr lang="en-US"/>
           </a:p>
@@ -6849,7 +3566,7 @@
             <a:fld id="{1D8BD707-D9CF-40AE-B4C6-C98DA3205C09}" type="datetimeFigureOut">
               <a:rPr lang="en-US" smtClean="0"/>
               <a:pPr/>
-              <a:t>7/19/2017</a:t>
+              <a:t>7/21/2017</a:t>
             </a:fld>
             <a:endParaRPr lang="en-US"/>
           </a:p>
@@ -7121,7 +3838,7 @@
             <a:fld id="{1D8BD707-D9CF-40AE-B4C6-C98DA3205C09}" type="datetimeFigureOut">
               <a:rPr lang="en-US" smtClean="0"/>
               <a:pPr/>
-              <a:t>7/19/2017</a:t>
+              <a:t>7/21/2017</a:t>
             </a:fld>
             <a:endParaRPr lang="en-US"/>
           </a:p>
@@ -7370,7 +4087,7 @@
             <a:fld id="{1D8BD707-D9CF-40AE-B4C6-C98DA3205C09}" type="datetimeFigureOut">
               <a:rPr lang="en-US" smtClean="0"/>
               <a:pPr/>
-              <a:t>7/19/2017</a:t>
+              <a:t>7/21/2017</a:t>
             </a:fld>
             <a:endParaRPr lang="en-US"/>
           </a:p>
@@ -7578,7 +4295,7 @@
             <a:fld id="{1D8BD707-D9CF-40AE-B4C6-C98DA3205C09}" type="datetimeFigureOut">
               <a:rPr lang="en-US" smtClean="0"/>
               <a:pPr/>
-              <a:t>7/19/2017</a:t>
+              <a:t>7/21/2017</a:t>
             </a:fld>
             <a:endParaRPr lang="en-US"/>
           </a:p>
@@ -8311,14 +5028,12 @@
           </a:p>
           <a:p>
             <a:r>
+              <a:rPr lang="en-US" dirty="0" err="1"/>
+              <a:t>DurinWrite</a:t>
+            </a:r>
+            <a:r>
               <a:rPr lang="en-US" dirty="0"/>
-              <a:t>During development.</a:t>
-            </a:r>
-          </a:p>
-          <a:p>
-            <a:r>
-              <a:rPr lang="en-US" dirty="0"/>
-              <a:t>Write after if you must.</a:t>
+              <a:t> after if you must.</a:t>
             </a:r>
           </a:p>
           <a:p>
@@ -8326,6 +5041,12 @@
             <a:r>
               <a:rPr lang="en-US" dirty="0"/>
               <a:t>Good for existing code</a:t>
+            </a:r>
+          </a:p>
+          <a:p>
+            <a:r>
+              <a:rPr lang="en-US" dirty="0"/>
+              <a:t>g development.</a:t>
             </a:r>
           </a:p>
           <a:p>
@@ -8401,7 +5122,7 @@
         <p:spPr/>
         <p:txBody>
           <a:bodyPr>
-            <a:normAutofit/>
+            <a:normAutofit lnSpcReduction="10000"/>
           </a:bodyPr>
           <a:lstStyle/>
           <a:p>
@@ -8409,13 +5130,9 @@
               <a:spcAft>
                 <a:spcPts val="450"/>
               </a:spcAft>
-              <a:buClr>
-                <a:srgbClr val="C00000"/>
-              </a:buClr>
             </a:pPr>
             <a:r>
-              <a:rPr lang="en-US" sz="2100" b="1" dirty="0">
-                <a:latin typeface="Arial" panose="020B0604020202020204" pitchFamily="34" charset="0"/>
+              <a:rPr lang="en-US" sz="2400" b="1" dirty="0">
                 <a:cs typeface="Arial" panose="020B0604020202020204" pitchFamily="34" charset="0"/>
               </a:rPr>
               <a:t>Classes</a:t>
@@ -8423,24 +5140,35 @@
           </a:p>
           <a:p>
             <a:pPr marL="933450" lvl="1" indent="-457200">
-              <a:buFont typeface="Arial"/>
+              <a:buFont typeface="Arial" panose="020B0604020202020204" pitchFamily="34" charset="0"/>
               <a:buChar char="•"/>
             </a:pPr>
             <a:r>
-              <a:rPr lang="en-US" sz="2100" dirty="0">
-                <a:latin typeface="Arial" panose="020B0604020202020204" pitchFamily="34" charset="0"/>
+              <a:rPr lang="en-US" sz="2400" dirty="0">
                 <a:cs typeface="Arial" panose="020B0604020202020204" pitchFamily="34" charset="0"/>
               </a:rPr>
               <a:t>Group by object/area being tested</a:t>
             </a:r>
           </a:p>
           <a:p>
-            <a:pPr marL="476250" lvl="1" indent="0">
-              <a:buNone/>
+            <a:pPr marL="933450" lvl="1" indent="-457200">
+              <a:buFont typeface="Arial" panose="020B0604020202020204" pitchFamily="34" charset="0"/>
+              <a:buChar char="•"/>
             </a:pPr>
             <a:r>
-              <a:rPr lang="en-US" sz="2100" dirty="0">
-                <a:latin typeface="Arial" panose="020B0604020202020204" pitchFamily="34" charset="0"/>
+              <a:rPr lang="en-US" sz="2400" dirty="0">
+                <a:cs typeface="Arial" panose="020B0604020202020204" pitchFamily="34" charset="0"/>
+              </a:rPr>
+              <a:t>Or scale (Google – S, M, L)</a:t>
+            </a:r>
+          </a:p>
+          <a:p>
+            <a:pPr marL="819150" lvl="1" indent="-342900">
+              <a:buFont typeface="Arial" panose="020B0604020202020204" pitchFamily="34" charset="0"/>
+              <a:buChar char="•"/>
+            </a:pPr>
+            <a:r>
+              <a:rPr lang="en-US" sz="2400" dirty="0">
                 <a:cs typeface="Arial" panose="020B0604020202020204" pitchFamily="34" charset="0"/>
               </a:rPr>
               <a:t> </a:t>
@@ -8451,13 +5179,9 @@
               <a:spcAft>
                 <a:spcPts val="450"/>
               </a:spcAft>
-              <a:buClr>
-                <a:srgbClr val="C00000"/>
-              </a:buClr>
             </a:pPr>
             <a:r>
-              <a:rPr lang="en-US" sz="2100" b="1" dirty="0">
-                <a:latin typeface="Arial" panose="020B0604020202020204" pitchFamily="34" charset="0"/>
+              <a:rPr lang="en-US" sz="2400" b="1" dirty="0">
                 <a:cs typeface="Arial" panose="020B0604020202020204" pitchFamily="34" charset="0"/>
               </a:rPr>
               <a:t>Layout</a:t>
@@ -8465,12 +5189,11 @@
           </a:p>
           <a:p>
             <a:pPr marL="933450" lvl="1" indent="-457200">
-              <a:buFont typeface="Arial"/>
+              <a:buFont typeface="Arial" panose="020B0604020202020204" pitchFamily="34" charset="0"/>
               <a:buChar char="•"/>
             </a:pPr>
             <a:r>
-              <a:rPr lang="en-US" sz="2100" dirty="0">
-                <a:latin typeface="Arial" panose="020B0604020202020204" pitchFamily="34" charset="0"/>
+              <a:rPr lang="en-US" sz="2400" dirty="0">
                 <a:cs typeface="Arial" panose="020B0604020202020204" pitchFamily="34" charset="0"/>
               </a:rPr>
               <a:t>Assemble</a:t>
@@ -8478,12 +5201,11 @@
           </a:p>
           <a:p>
             <a:pPr marL="933450" lvl="1" indent="-457200">
-              <a:buFont typeface="Arial"/>
+              <a:buFont typeface="Arial" panose="020B0604020202020204" pitchFamily="34" charset="0"/>
               <a:buChar char="•"/>
             </a:pPr>
             <a:r>
-              <a:rPr lang="en-US" sz="2100" dirty="0">
-                <a:latin typeface="Arial" panose="020B0604020202020204" pitchFamily="34" charset="0"/>
+              <a:rPr lang="en-US" sz="2400" dirty="0">
                 <a:cs typeface="Arial" panose="020B0604020202020204" pitchFamily="34" charset="0"/>
               </a:rPr>
               <a:t>Act</a:t>
@@ -8491,12 +5213,11 @@
           </a:p>
           <a:p>
             <a:pPr marL="933450" lvl="1" indent="-457200">
-              <a:buFont typeface="Arial"/>
+              <a:buFont typeface="Arial" panose="020B0604020202020204" pitchFamily="34" charset="0"/>
               <a:buChar char="•"/>
             </a:pPr>
             <a:r>
-              <a:rPr lang="en-US" sz="2100" dirty="0">
-                <a:latin typeface="Arial" panose="020B0604020202020204" pitchFamily="34" charset="0"/>
+              <a:rPr lang="en-US" sz="2400" dirty="0">
                 <a:cs typeface="Arial" panose="020B0604020202020204" pitchFamily="34" charset="0"/>
               </a:rPr>
               <a:t>Assert</a:t>
@@ -8504,11 +5225,10 @@
           </a:p>
           <a:p>
             <a:pPr marL="933450" lvl="1" indent="-457200">
-              <a:buFont typeface="Arial"/>
+              <a:buFont typeface="Arial" panose="020B0604020202020204" pitchFamily="34" charset="0"/>
               <a:buChar char="•"/>
             </a:pPr>
-            <a:endParaRPr lang="en-US" sz="2100" dirty="0">
-              <a:latin typeface="Arial" panose="020B0604020202020204" pitchFamily="34" charset="0"/>
+            <a:endParaRPr lang="en-US" sz="2400" dirty="0">
               <a:cs typeface="Arial" panose="020B0604020202020204" pitchFamily="34" charset="0"/>
             </a:endParaRPr>
           </a:p>
@@ -8517,13 +5237,9 @@
               <a:spcAft>
                 <a:spcPts val="450"/>
               </a:spcAft>
-              <a:buClr>
-                <a:srgbClr val="C00000"/>
-              </a:buClr>
             </a:pPr>
             <a:r>
-              <a:rPr lang="en-US" sz="2100" b="1" dirty="0">
-                <a:latin typeface="Arial" panose="020B0604020202020204" pitchFamily="34" charset="0"/>
+              <a:rPr lang="en-US" sz="2400" b="1" dirty="0">
                 <a:cs typeface="Arial" panose="020B0604020202020204" pitchFamily="34" charset="0"/>
               </a:rPr>
               <a:t>Tests fail first</a:t>
@@ -8652,7 +5368,7 @@
       </p:grpSpPr>
       <p:sp>
         <p:nvSpPr>
-          <p:cNvPr id="2" name="Title 1"/>
+          <p:cNvPr id="4" name="Title 3"/>
           <p:cNvSpPr>
             <a:spLocks noGrp="1"/>
           </p:cNvSpPr>
@@ -8666,100 +5382,38 @@
           <a:lstStyle/>
           <a:p>
             <a:r>
-              <a:rPr lang="en-US" dirty="0" err="1"/>
-              <a:t>tSQLt</a:t>
-            </a:r>
-            <a:endParaRPr lang="en-US" dirty="0"/>
-          </a:p>
-        </p:txBody>
-      </p:sp>
-      <p:sp>
-        <p:nvSpPr>
-          <p:cNvPr id="3" name="Content Placeholder 2"/>
-          <p:cNvSpPr>
-            <a:spLocks noGrp="1"/>
-          </p:cNvSpPr>
-          <p:nvPr>
-            <p:ph idx="1"/>
-          </p:nvPr>
-        </p:nvSpPr>
-        <p:spPr/>
-        <p:txBody>
-          <a:bodyPr/>
-          <a:lstStyle/>
-          <a:p>
-            <a:r>
-              <a:rPr lang="en-US" dirty="0" err="1"/>
-              <a:t>tSQLt</a:t>
-            </a:r>
-            <a:r>
               <a:rPr lang="en-US" dirty="0"/>
-              <a:t> is a free testing framework similar to </a:t>
-            </a:r>
-            <a:r>
-              <a:rPr lang="en-US" dirty="0" err="1"/>
-              <a:t>nUnit</a:t>
-            </a:r>
+              <a:t>Test Data</a:t>
+            </a:r>
+          </a:p>
+        </p:txBody>
+      </p:sp>
+      <p:sp>
+        <p:nvSpPr>
+          <p:cNvPr id="5" name="Text Placeholder 4"/>
+          <p:cNvSpPr>
+            <a:spLocks noGrp="1"/>
+          </p:cNvSpPr>
+          <p:nvPr>
+            <p:ph type="body" idx="1"/>
+          </p:nvPr>
+        </p:nvSpPr>
+        <p:spPr/>
+        <p:txBody>
+          <a:bodyPr/>
+          <a:lstStyle/>
+          <a:p>
             <a:r>
               <a:rPr lang="en-US" dirty="0"/>
-              <a:t>/</a:t>
-            </a:r>
-            <a:r>
-              <a:rPr lang="en-US" dirty="0" err="1"/>
-              <a:t>jUnit</a:t>
-            </a:r>
-            <a:endParaRPr lang="en-US" dirty="0"/>
-          </a:p>
-          <a:p>
-            <a:r>
-              <a:rPr lang="en-US" dirty="0">
-                <a:hlinkClick r:id="rId3"/>
-              </a:rPr>
-              <a:t>tSQLt.org</a:t>
-            </a:r>
-            <a:r>
-              <a:rPr lang="en-US" dirty="0"/>
-              <a:t> – download</a:t>
-            </a:r>
-          </a:p>
-          <a:p>
-            <a:pPr lvl="1"/>
-            <a:r>
-              <a:rPr lang="en-US" dirty="0"/>
-              <a:t>Auto setup with SQL Test</a:t>
-            </a:r>
-          </a:p>
-          <a:p>
-            <a:pPr lvl="1"/>
-            <a:r>
-              <a:rPr lang="en-US" dirty="0"/>
-              <a:t>Framework requires CLR</a:t>
-            </a:r>
-          </a:p>
-          <a:p>
-            <a:r>
-              <a:rPr lang="en-US" dirty="0">
-                <a:hlinkClick r:id="rId4"/>
-              </a:rPr>
-              <a:t>Support via Google Groups</a:t>
-            </a:r>
-            <a:endParaRPr lang="en-US" dirty="0"/>
-          </a:p>
-          <a:p>
-            <a:r>
-              <a:rPr lang="en-US" dirty="0">
-                <a:hlinkClick r:id="rId5"/>
-              </a:rPr>
-              <a:t>Articles at Simple Talk</a:t>
-            </a:r>
-            <a:endParaRPr lang="en-US" dirty="0"/>
+              <a:t>Demo</a:t>
+            </a:r>
           </a:p>
         </p:txBody>
       </p:sp>
     </p:spTree>
     <p:extLst>
       <p:ext uri="{BB962C8B-B14F-4D97-AF65-F5344CB8AC3E}">
-        <p14:creationId xmlns:p14="http://schemas.microsoft.com/office/powerpoint/2010/main" val="2399096538"/>
+        <p14:creationId xmlns:p14="http://schemas.microsoft.com/office/powerpoint/2010/main" val="3540592545"/>
       </p:ext>
     </p:extLst>
   </p:cSld>
@@ -8802,57 +5456,35 @@
           <a:lstStyle/>
           <a:p>
             <a:r>
-              <a:rPr lang="en-US" dirty="0" err="1"/>
-              <a:t>tSQLt</a:t>
-            </a:r>
-            <a:endParaRPr lang="en-US" dirty="0"/>
-          </a:p>
-        </p:txBody>
-      </p:sp>
-      <p:sp>
-        <p:nvSpPr>
-          <p:cNvPr id="3" name="Content Placeholder 2"/>
-          <p:cNvSpPr>
-            <a:spLocks noGrp="1"/>
-          </p:cNvSpPr>
-          <p:nvPr>
-            <p:ph idx="1"/>
-          </p:nvPr>
-        </p:nvSpPr>
-        <p:spPr/>
-        <p:txBody>
-          <a:bodyPr/>
-          <a:lstStyle/>
-          <a:p>
-            <a:r>
               <a:rPr lang="en-US" dirty="0"/>
-              <a:t>Stored procedures in their own schema</a:t>
-            </a:r>
-          </a:p>
-          <a:p>
-            <a:r>
-              <a:rPr lang="en-US" dirty="0"/>
-              <a:t>Can run setup before tests</a:t>
-            </a:r>
-          </a:p>
-          <a:p>
-            <a:r>
-              <a:rPr lang="en-US" dirty="0"/>
-              <a:t>Can mock objects </a:t>
-            </a:r>
-          </a:p>
-          <a:p>
-            <a:r>
-              <a:rPr lang="en-US" dirty="0"/>
-              <a:t>Can implement teardown</a:t>
-            </a:r>
+              <a:t>Database Testing Frameworks</a:t>
+            </a:r>
+          </a:p>
+        </p:txBody>
+      </p:sp>
+      <p:sp>
+        <p:nvSpPr>
+          <p:cNvPr id="3" name="Text Placeholder 2"/>
+          <p:cNvSpPr>
+            <a:spLocks noGrp="1"/>
+          </p:cNvSpPr>
+          <p:nvPr>
+            <p:ph type="body" idx="1"/>
+          </p:nvPr>
+        </p:nvSpPr>
+        <p:spPr/>
+        <p:txBody>
+          <a:bodyPr/>
+          <a:lstStyle/>
+          <a:p>
+            <a:endParaRPr lang="en-US"/>
           </a:p>
         </p:txBody>
       </p:sp>
     </p:spTree>
     <p:extLst>
       <p:ext uri="{BB962C8B-B14F-4D97-AF65-F5344CB8AC3E}">
-        <p14:creationId xmlns:p14="http://schemas.microsoft.com/office/powerpoint/2010/main" val="1778634078"/>
+        <p14:creationId xmlns:p14="http://schemas.microsoft.com/office/powerpoint/2010/main" val="3452093907"/>
       </p:ext>
     </p:extLst>
   </p:cSld>
@@ -8895,51 +5527,108 @@
           <a:lstStyle/>
           <a:p>
             <a:r>
+              <a:rPr lang="en-US" dirty="0" err="1"/>
+              <a:t>tSQLt</a:t>
+            </a:r>
+            <a:endParaRPr lang="en-US" dirty="0"/>
+          </a:p>
+        </p:txBody>
+      </p:sp>
+      <p:sp>
+        <p:nvSpPr>
+          <p:cNvPr id="3" name="Content Placeholder 2"/>
+          <p:cNvSpPr>
+            <a:spLocks noGrp="1"/>
+          </p:cNvSpPr>
+          <p:nvPr>
+            <p:ph idx="1"/>
+          </p:nvPr>
+        </p:nvSpPr>
+        <p:spPr/>
+        <p:txBody>
+          <a:bodyPr>
+            <a:normAutofit/>
+          </a:bodyPr>
+          <a:lstStyle/>
+          <a:p>
+            <a:r>
+              <a:rPr lang="en-US" dirty="0" err="1"/>
+              <a:t>tSQLt</a:t>
+            </a:r>
+            <a:r>
               <a:rPr lang="en-US" dirty="0"/>
-              <a:t>Microsoft Unit Testing Framework</a:t>
-            </a:r>
-          </a:p>
-        </p:txBody>
-      </p:sp>
-      <p:sp>
-        <p:nvSpPr>
-          <p:cNvPr id="3" name="Content Placeholder 2"/>
-          <p:cNvSpPr>
-            <a:spLocks noGrp="1"/>
-          </p:cNvSpPr>
-          <p:nvPr>
-            <p:ph idx="1"/>
-          </p:nvPr>
-        </p:nvSpPr>
-        <p:spPr/>
-        <p:txBody>
-          <a:bodyPr/>
-          <a:lstStyle/>
-          <a:p>
+              <a:t> is a free, similar to </a:t>
+            </a:r>
+            <a:r>
+              <a:rPr lang="en-US" dirty="0" err="1"/>
+              <a:t>nUnit</a:t>
+            </a:r>
             <a:r>
               <a:rPr lang="en-US" dirty="0"/>
-              <a:t>For SQL Server, implemented as part of SSDT</a:t>
-            </a:r>
-          </a:p>
-          <a:p>
+              <a:t>/</a:t>
+            </a:r>
+            <a:r>
+              <a:rPr lang="en-US" dirty="0" err="1"/>
+              <a:t>jUnit</a:t>
+            </a:r>
+            <a:endParaRPr lang="en-US" dirty="0"/>
+          </a:p>
+          <a:p>
+            <a:r>
+              <a:rPr lang="en-US" dirty="0">
+                <a:hlinkClick r:id="rId3"/>
+              </a:rPr>
+              <a:t>tSQLt.org</a:t>
+            </a:r>
             <a:r>
               <a:rPr lang="en-US" dirty="0"/>
-              <a:t>This framework allows us to write tests in T-SQL.</a:t>
-            </a:r>
-          </a:p>
-          <a:p>
+              <a:t> (requires CLR)</a:t>
+            </a:r>
+          </a:p>
+          <a:p>
+            <a:pPr lvl="1"/>
             <a:r>
               <a:rPr lang="en-US" dirty="0"/>
-              <a:t>Tests are a part of a Visual Studio Database Project</a:t>
-            </a:r>
-          </a:p>
-          <a:p>
+              <a:t>Stored procedures in their own schema</a:t>
+            </a:r>
+          </a:p>
+          <a:p>
+            <a:pPr lvl="1"/>
             <a:r>
               <a:rPr lang="en-US" dirty="0"/>
-              <a:t>The framework handles transaction wrapping</a:t>
-            </a:r>
-          </a:p>
-          <a:p>
+              <a:t>Can run setup before tests</a:t>
+            </a:r>
+          </a:p>
+          <a:p>
+            <a:pPr lvl="1"/>
+            <a:r>
+              <a:rPr lang="en-US" dirty="0"/>
+              <a:t>Can mock objects </a:t>
+            </a:r>
+          </a:p>
+          <a:p>
+            <a:pPr lvl="1"/>
+            <a:r>
+              <a:rPr lang="en-US" dirty="0"/>
+              <a:t>Can implement teardown</a:t>
+            </a:r>
+          </a:p>
+          <a:p>
+            <a:r>
+              <a:rPr lang="en-US" dirty="0">
+                <a:hlinkClick r:id="rId4"/>
+              </a:rPr>
+              <a:t>Support via Google Groups</a:t>
+            </a:r>
+            <a:endParaRPr lang="en-US" dirty="0"/>
+          </a:p>
+          <a:p>
+            <a:r>
+              <a:rPr lang="en-US" dirty="0">
+                <a:hlinkClick r:id="rId5"/>
+              </a:rPr>
+              <a:t>Articles at Simple Talk</a:t>
+            </a:r>
             <a:endParaRPr lang="en-US" dirty="0"/>
           </a:p>
         </p:txBody>
@@ -8947,7 +5636,7 @@
     </p:spTree>
     <p:extLst>
       <p:ext uri="{BB962C8B-B14F-4D97-AF65-F5344CB8AC3E}">
-        <p14:creationId xmlns:p14="http://schemas.microsoft.com/office/powerpoint/2010/main" val="966011027"/>
+        <p14:creationId xmlns:p14="http://schemas.microsoft.com/office/powerpoint/2010/main" val="2399096538"/>
       </p:ext>
     </p:extLst>
   </p:cSld>
@@ -8991,7 +5680,7 @@
           <a:p>
             <a:r>
               <a:rPr lang="en-US" dirty="0"/>
-              <a:t>Standards Tests</a:t>
+              <a:t>Microsoft Unit Testing Framework</a:t>
             </a:r>
           </a:p>
         </p:txBody>
@@ -9013,38 +5702,36 @@
           <a:p>
             <a:r>
               <a:rPr lang="en-US" dirty="0"/>
-              <a:t>Ensure that the standards you care about are followed.</a:t>
-            </a:r>
-          </a:p>
-          <a:p>
-            <a:r>
-              <a:rPr lang="en-US" dirty="0" err="1"/>
-              <a:t>SQLCop</a:t>
-            </a:r>
+              <a:t>For SQL Server, implemented as part of SSDT</a:t>
+            </a:r>
+          </a:p>
+          <a:p>
             <a:r>
               <a:rPr lang="en-US" dirty="0"/>
-              <a:t> – </a:t>
-            </a:r>
-            <a:r>
-              <a:rPr lang="en-US" dirty="0">
-                <a:hlinkClick r:id="rId2"/>
-              </a:rPr>
-              <a:t>sqlcop.lessthandot.com</a:t>
-            </a:r>
+              <a:t>This framework allows us to write tests in T-SQL.</a:t>
+            </a:r>
+          </a:p>
+          <a:p>
+            <a:r>
+              <a:rPr lang="en-US" dirty="0"/>
+              <a:t>Tests are a part of a Visual Studio Database Project</a:t>
+            </a:r>
+          </a:p>
+          <a:p>
+            <a:r>
+              <a:rPr lang="en-US" dirty="0"/>
+              <a:t>The framework handles transaction wrapping</a:t>
+            </a:r>
+          </a:p>
+          <a:p>
             <a:endParaRPr lang="en-US" dirty="0"/>
-          </a:p>
-          <a:p>
-            <a:r>
-              <a:rPr lang="en-US" dirty="0"/>
-              <a:t>Easy to write your own.</a:t>
-            </a:r>
           </a:p>
         </p:txBody>
       </p:sp>
     </p:spTree>
     <p:extLst>
       <p:ext uri="{BB962C8B-B14F-4D97-AF65-F5344CB8AC3E}">
-        <p14:creationId xmlns:p14="http://schemas.microsoft.com/office/powerpoint/2010/main" val="1619672544"/>
+        <p14:creationId xmlns:p14="http://schemas.microsoft.com/office/powerpoint/2010/main" val="966011027"/>
       </p:ext>
     </p:extLst>
   </p:cSld>
@@ -9071,61 +5758,39 @@
           <a:chExt cx="0" cy="0"/>
         </a:xfrm>
       </p:grpSpPr>
-      <p:sp>
-        <p:nvSpPr>
-          <p:cNvPr id="2" name="Title 1"/>
-          <p:cNvSpPr>
-            <a:spLocks noGrp="1"/>
-          </p:cNvSpPr>
-          <p:nvPr>
-            <p:ph type="title"/>
-          </p:nvPr>
-        </p:nvSpPr>
-        <p:spPr/>
-        <p:txBody>
-          <a:bodyPr/>
-          <a:lstStyle/>
-          <a:p>
-            <a:r>
-              <a:rPr lang="en-US" dirty="0"/>
-              <a:t>Our Story</a:t>
-            </a:r>
-          </a:p>
-        </p:txBody>
-      </p:sp>
-      <p:sp>
-        <p:nvSpPr>
-          <p:cNvPr id="3" name="Content Placeholder 2"/>
-          <p:cNvSpPr>
-            <a:spLocks noGrp="1"/>
-          </p:cNvSpPr>
+      <p:pic>
+        <p:nvPicPr>
+          <p:cNvPr id="5" name="Content Placeholder 4"/>
+          <p:cNvPicPr>
+            <a:picLocks noGrp="1" noChangeAspect="1"/>
+          </p:cNvPicPr>
           <p:nvPr>
             <p:ph idx="1"/>
           </p:nvPr>
-        </p:nvSpPr>
-        <p:spPr/>
-        <p:txBody>
-          <a:bodyPr/>
-          <a:lstStyle/>
-          <a:p>
-            <a:r>
-              <a:rPr lang="en-US" dirty="0"/>
-              <a:t>This is our app and we need to enhance it</a:t>
-            </a:r>
-          </a:p>
-          <a:p>
-            <a:pPr lvl="1"/>
-            <a:r>
-              <a:rPr lang="en-US" b="1" dirty="0"/>
-              <a:t>We need to add a table to stage the images for articles.</a:t>
-            </a:r>
-          </a:p>
-        </p:txBody>
-      </p:sp>
+        </p:nvPicPr>
+        <p:blipFill>
+          <a:blip r:embed="rId2">
+            <a:extLst>
+              <a:ext uri="{28A0092B-C50C-407E-A947-70E740481C1C}">
+                <a14:useLocalDpi xmlns:a14="http://schemas.microsoft.com/office/drawing/2010/main" val="0"/>
+              </a:ext>
+            </a:extLst>
+          </a:blip>
+          <a:stretch>
+            <a:fillRect/>
+          </a:stretch>
+        </p:blipFill>
+        <p:spPr>
+          <a:xfrm>
+            <a:off x="877664" y="835902"/>
+            <a:ext cx="7388672" cy="5059362"/>
+          </a:xfrm>
+        </p:spPr>
+      </p:pic>
     </p:spTree>
     <p:extLst>
       <p:ext uri="{BB962C8B-B14F-4D97-AF65-F5344CB8AC3E}">
-        <p14:creationId xmlns:p14="http://schemas.microsoft.com/office/powerpoint/2010/main" val="2542757025"/>
+        <p14:creationId xmlns:p14="http://schemas.microsoft.com/office/powerpoint/2010/main" val="28753505"/>
       </p:ext>
     </p:extLst>
   </p:cSld>
@@ -9154,7 +5819,7 @@
       </p:grpSpPr>
       <p:sp>
         <p:nvSpPr>
-          <p:cNvPr id="4" name="Title 3"/>
+          <p:cNvPr id="2" name="Title 1"/>
           <p:cNvSpPr>
             <a:spLocks noGrp="1"/>
           </p:cNvSpPr>
@@ -9169,19 +5834,19 @@
           <a:p>
             <a:r>
               <a:rPr lang="en-US" dirty="0"/>
-              <a:t>Catching bad design</a:t>
-            </a:r>
-          </a:p>
-        </p:txBody>
-      </p:sp>
-      <p:sp>
-        <p:nvSpPr>
-          <p:cNvPr id="5" name="Text Placeholder 4"/>
-          <p:cNvSpPr>
-            <a:spLocks noGrp="1"/>
-          </p:cNvSpPr>
-          <p:nvPr>
-            <p:ph type="body" idx="1"/>
+              <a:t>Standards Tests</a:t>
+            </a:r>
+          </a:p>
+        </p:txBody>
+      </p:sp>
+      <p:sp>
+        <p:nvSpPr>
+          <p:cNvPr id="3" name="Content Placeholder 2"/>
+          <p:cNvSpPr>
+            <a:spLocks noGrp="1"/>
+          </p:cNvSpPr>
+          <p:nvPr>
+            <p:ph idx="1"/>
           </p:nvPr>
         </p:nvSpPr>
         <p:spPr/>
@@ -9191,7 +5856,30 @@
           <a:p>
             <a:r>
               <a:rPr lang="en-US" dirty="0"/>
-              <a:t>Demo</a:t>
+              <a:t>Ensure that the standards you care about are followed.</a:t>
+            </a:r>
+          </a:p>
+          <a:p>
+            <a:r>
+              <a:rPr lang="en-US" dirty="0" err="1"/>
+              <a:t>SQLCop</a:t>
+            </a:r>
+            <a:r>
+              <a:rPr lang="en-US" dirty="0"/>
+              <a:t> – </a:t>
+            </a:r>
+            <a:r>
+              <a:rPr lang="en-US" dirty="0">
+                <a:hlinkClick r:id="rId3"/>
+              </a:rPr>
+              <a:t>sqlcop.lessthandot.com</a:t>
+            </a:r>
+            <a:endParaRPr lang="en-US" dirty="0"/>
+          </a:p>
+          <a:p>
+            <a:r>
+              <a:rPr lang="en-US" dirty="0"/>
+              <a:t>Easy to write your own.</a:t>
             </a:r>
           </a:p>
         </p:txBody>
@@ -9199,7 +5887,7 @@
     </p:spTree>
     <p:extLst>
       <p:ext uri="{BB962C8B-B14F-4D97-AF65-F5344CB8AC3E}">
-        <p14:creationId xmlns:p14="http://schemas.microsoft.com/office/powerpoint/2010/main" val="420280027"/>
+        <p14:creationId xmlns:p14="http://schemas.microsoft.com/office/powerpoint/2010/main" val="1619672544"/>
       </p:ext>
     </p:extLst>
   </p:cSld>
@@ -9228,7 +5916,7 @@
       </p:grpSpPr>
       <p:sp>
         <p:nvSpPr>
-          <p:cNvPr id="2" name="Title 1"/>
+          <p:cNvPr id="4" name="Title 3"/>
           <p:cNvSpPr>
             <a:spLocks noGrp="1"/>
           </p:cNvSpPr>
@@ -9243,19 +5931,19 @@
           <a:p>
             <a:r>
               <a:rPr lang="en-US" dirty="0"/>
-              <a:t>Logic Tests</a:t>
-            </a:r>
-          </a:p>
-        </p:txBody>
-      </p:sp>
-      <p:sp>
-        <p:nvSpPr>
-          <p:cNvPr id="3" name="Content Placeholder 2"/>
-          <p:cNvSpPr>
-            <a:spLocks noGrp="1"/>
-          </p:cNvSpPr>
-          <p:nvPr>
-            <p:ph idx="1"/>
+              <a:t>Catching bad CODE</a:t>
+            </a:r>
+          </a:p>
+        </p:txBody>
+      </p:sp>
+      <p:sp>
+        <p:nvSpPr>
+          <p:cNvPr id="5" name="Text Placeholder 4"/>
+          <p:cNvSpPr>
+            <a:spLocks noGrp="1"/>
+          </p:cNvSpPr>
+          <p:nvPr>
+            <p:ph type="body" idx="1"/>
           </p:nvPr>
         </p:nvSpPr>
         <p:spPr/>
@@ -9265,13 +5953,7 @@
           <a:p>
             <a:r>
               <a:rPr lang="en-US" dirty="0"/>
-              <a:t>These are unit tests designed to find issues with a particular specific function.</a:t>
-            </a:r>
-          </a:p>
-          <a:p>
-            <a:r>
-              <a:rPr lang="en-US" dirty="0"/>
-              <a:t>This are especially useful when refactoring code as requirements may not be clear</a:t>
+              <a:t>Demo</a:t>
             </a:r>
           </a:p>
         </p:txBody>
@@ -9279,7 +5961,7 @@
     </p:spTree>
     <p:extLst>
       <p:ext uri="{BB962C8B-B14F-4D97-AF65-F5344CB8AC3E}">
-        <p14:creationId xmlns:p14="http://schemas.microsoft.com/office/powerpoint/2010/main" val="2549004961"/>
+        <p14:creationId xmlns:p14="http://schemas.microsoft.com/office/powerpoint/2010/main" val="420280027"/>
       </p:ext>
     </p:extLst>
   </p:cSld>
@@ -9420,7 +6102,7 @@
           <a:p>
             <a:r>
               <a:rPr lang="en-US" dirty="0"/>
-              <a:t>Our Story</a:t>
+              <a:t>Logic Tests</a:t>
             </a:r>
           </a:p>
         </p:txBody>
@@ -9442,21 +6124,13 @@
           <a:p>
             <a:r>
               <a:rPr lang="en-US" dirty="0"/>
-              <a:t>This is our app and we need to enhance it</a:t>
-            </a:r>
-          </a:p>
-          <a:p>
-            <a:pPr lvl="1"/>
+              <a:t>These are unit tests designed to find issues with a particular specific function.</a:t>
+            </a:r>
+          </a:p>
+          <a:p>
             <a:r>
               <a:rPr lang="en-US" dirty="0"/>
-              <a:t>We need to add a table to hold the images for articles.</a:t>
-            </a:r>
-          </a:p>
-          <a:p>
-            <a:pPr lvl="1"/>
-            <a:r>
-              <a:rPr lang="en-US" b="1" dirty="0"/>
-              <a:t>Let’s check our sales tax calculation</a:t>
+              <a:t>This are especially useful when refactoring code as requirements may not be clear</a:t>
             </a:r>
           </a:p>
         </p:txBody>
@@ -9464,7 +6138,7 @@
     </p:spTree>
     <p:extLst>
       <p:ext uri="{BB962C8B-B14F-4D97-AF65-F5344CB8AC3E}">
-        <p14:creationId xmlns:p14="http://schemas.microsoft.com/office/powerpoint/2010/main" val="3492864798"/>
+        <p14:creationId xmlns:p14="http://schemas.microsoft.com/office/powerpoint/2010/main" val="2549004961"/>
       </p:ext>
     </p:extLst>
   </p:cSld>
@@ -9508,7 +6182,7 @@
           <a:p>
             <a:r>
               <a:rPr lang="en-US" dirty="0"/>
-              <a:t>Testing Stored Procedures</a:t>
+              <a:t>Testing Code Logic</a:t>
             </a:r>
           </a:p>
         </p:txBody>
@@ -9582,7 +6256,7 @@
           <a:p>
             <a:r>
               <a:rPr lang="en-US" dirty="0"/>
-              <a:t>Our Story</a:t>
+              <a:t>Having a Test Suite</a:t>
             </a:r>
           </a:p>
         </p:txBody>
@@ -9604,28 +6278,19 @@
           <a:p>
             <a:r>
               <a:rPr lang="en-US" dirty="0"/>
-              <a:t>This is our app and we need to enhance it</a:t>
-            </a:r>
-          </a:p>
-          <a:p>
-            <a:pPr lvl="1"/>
+              <a:t>By continuing to grow your test suite with each change, developers spread the load</a:t>
+            </a:r>
+          </a:p>
+          <a:p>
             <a:r>
               <a:rPr lang="en-US" dirty="0"/>
-              <a:t>We need to add a table to hold the images for articles.</a:t>
-            </a:r>
-          </a:p>
-          <a:p>
-            <a:pPr lvl="1"/>
+              <a:t>By having a large suite, we have better code coverage.</a:t>
+            </a:r>
+          </a:p>
+          <a:p>
             <a:r>
               <a:rPr lang="en-US" dirty="0"/>
-              <a:t>Let’s check our sales tax calculation</a:t>
-            </a:r>
-          </a:p>
-          <a:p>
-            <a:pPr lvl="1"/>
-            <a:r>
-              <a:rPr lang="en-US" b="1" dirty="0"/>
-              <a:t>We want to ensure we always get the latest headlines</a:t>
+              <a:t>We can easily regression test.</a:t>
             </a:r>
           </a:p>
         </p:txBody>
@@ -9633,7 +6298,7 @@
     </p:spTree>
     <p:extLst>
       <p:ext uri="{BB962C8B-B14F-4D97-AF65-F5344CB8AC3E}">
-        <p14:creationId xmlns:p14="http://schemas.microsoft.com/office/powerpoint/2010/main" val="4238152070"/>
+        <p14:creationId xmlns:p14="http://schemas.microsoft.com/office/powerpoint/2010/main" val="2479422556"/>
       </p:ext>
     </p:extLst>
   </p:cSld>
@@ -9662,171 +6327,6 @@
       </p:grpSpPr>
       <p:sp>
         <p:nvSpPr>
-          <p:cNvPr id="4" name="Title 3"/>
-          <p:cNvSpPr>
-            <a:spLocks noGrp="1"/>
-          </p:cNvSpPr>
-          <p:nvPr>
-            <p:ph type="title"/>
-          </p:nvPr>
-        </p:nvSpPr>
-        <p:spPr/>
-        <p:txBody>
-          <a:bodyPr/>
-          <a:lstStyle/>
-          <a:p>
-            <a:r>
-              <a:rPr lang="en-US" dirty="0"/>
-              <a:t>Preventing Data </a:t>
-            </a:r>
-            <a:r>
-              <a:rPr lang="en-US" dirty="0" err="1"/>
-              <a:t>IsSues</a:t>
-            </a:r>
-            <a:endParaRPr lang="en-US" dirty="0"/>
-          </a:p>
-        </p:txBody>
-      </p:sp>
-      <p:sp>
-        <p:nvSpPr>
-          <p:cNvPr id="5" name="Text Placeholder 4"/>
-          <p:cNvSpPr>
-            <a:spLocks noGrp="1"/>
-          </p:cNvSpPr>
-          <p:nvPr>
-            <p:ph type="body" idx="1"/>
-          </p:nvPr>
-        </p:nvSpPr>
-        <p:spPr/>
-        <p:txBody>
-          <a:bodyPr/>
-          <a:lstStyle/>
-          <a:p>
-            <a:r>
-              <a:rPr lang="en-US" dirty="0"/>
-              <a:t>Demo</a:t>
-            </a:r>
-          </a:p>
-        </p:txBody>
-      </p:sp>
-    </p:spTree>
-    <p:extLst>
-      <p:ext uri="{BB962C8B-B14F-4D97-AF65-F5344CB8AC3E}">
-        <p14:creationId xmlns:p14="http://schemas.microsoft.com/office/powerpoint/2010/main" val="1027799721"/>
-      </p:ext>
-    </p:extLst>
-  </p:cSld>
-  <p:clrMapOvr>
-    <a:masterClrMapping/>
-  </p:clrMapOvr>
-</p:sld>
-</file>
-
-<file path=ppt/slides/slide24.xml><?xml version="1.0" encoding="utf-8"?>
-<p:sld xmlns:a="http://schemas.openxmlformats.org/drawingml/2006/main" xmlns:r="http://schemas.openxmlformats.org/officeDocument/2006/relationships" xmlns:p="http://schemas.openxmlformats.org/presentationml/2006/main">
-  <p:cSld>
-    <p:spTree>
-      <p:nvGrpSpPr>
-        <p:cNvPr id="1" name=""/>
-        <p:cNvGrpSpPr/>
-        <p:nvPr/>
-      </p:nvGrpSpPr>
-      <p:grpSpPr>
-        <a:xfrm>
-          <a:off x="0" y="0"/>
-          <a:ext cx="0" cy="0"/>
-          <a:chOff x="0" y="0"/>
-          <a:chExt cx="0" cy="0"/>
-        </a:xfrm>
-      </p:grpSpPr>
-      <p:sp>
-        <p:nvSpPr>
-          <p:cNvPr id="2" name="Title 1"/>
-          <p:cNvSpPr>
-            <a:spLocks noGrp="1"/>
-          </p:cNvSpPr>
-          <p:nvPr>
-            <p:ph type="title"/>
-          </p:nvPr>
-        </p:nvSpPr>
-        <p:spPr/>
-        <p:txBody>
-          <a:bodyPr/>
-          <a:lstStyle/>
-          <a:p>
-            <a:r>
-              <a:rPr lang="en-US" dirty="0"/>
-              <a:t>Having a Test Suite</a:t>
-            </a:r>
-          </a:p>
-        </p:txBody>
-      </p:sp>
-      <p:sp>
-        <p:nvSpPr>
-          <p:cNvPr id="3" name="Content Placeholder 2"/>
-          <p:cNvSpPr>
-            <a:spLocks noGrp="1"/>
-          </p:cNvSpPr>
-          <p:nvPr>
-            <p:ph idx="1"/>
-          </p:nvPr>
-        </p:nvSpPr>
-        <p:spPr/>
-        <p:txBody>
-          <a:bodyPr/>
-          <a:lstStyle/>
-          <a:p>
-            <a:r>
-              <a:rPr lang="en-US" dirty="0"/>
-              <a:t>By continuing to grow your test suite with each change, developers spread the load</a:t>
-            </a:r>
-          </a:p>
-          <a:p>
-            <a:r>
-              <a:rPr lang="en-US" dirty="0"/>
-              <a:t>By having a large suite, we have better code coverage.</a:t>
-            </a:r>
-          </a:p>
-          <a:p>
-            <a:r>
-              <a:rPr lang="en-US" dirty="0"/>
-              <a:t>We can easily regression test.</a:t>
-            </a:r>
-          </a:p>
-        </p:txBody>
-      </p:sp>
-    </p:spTree>
-    <p:extLst>
-      <p:ext uri="{BB962C8B-B14F-4D97-AF65-F5344CB8AC3E}">
-        <p14:creationId xmlns:p14="http://schemas.microsoft.com/office/powerpoint/2010/main" val="2479422556"/>
-      </p:ext>
-    </p:extLst>
-  </p:cSld>
-  <p:clrMapOvr>
-    <a:masterClrMapping/>
-  </p:clrMapOvr>
-</p:sld>
-</file>
-
-<file path=ppt/slides/slide25.xml><?xml version="1.0" encoding="utf-8"?>
-<p:sld xmlns:a="http://schemas.openxmlformats.org/drawingml/2006/main" xmlns:r="http://schemas.openxmlformats.org/officeDocument/2006/relationships" xmlns:p="http://schemas.openxmlformats.org/presentationml/2006/main">
-  <p:cSld>
-    <p:spTree>
-      <p:nvGrpSpPr>
-        <p:cNvPr id="1" name=""/>
-        <p:cNvGrpSpPr/>
-        <p:nvPr/>
-      </p:nvGrpSpPr>
-      <p:grpSpPr>
-        <a:xfrm>
-          <a:off x="0" y="0"/>
-          <a:ext cx="0" cy="0"/>
-          <a:chOff x="0" y="0"/>
-          <a:chExt cx="0" cy="0"/>
-        </a:xfrm>
-      </p:grpSpPr>
-      <p:sp>
-        <p:nvSpPr>
           <p:cNvPr id="2" name="Title 1"/>
           <p:cNvSpPr>
             <a:spLocks noGrp="1"/>
@@ -9908,84 +6408,7 @@
 </p:sld>
 </file>
 
-<file path=ppt/slides/slide26.xml><?xml version="1.0" encoding="utf-8"?>
-<p:sld xmlns:a="http://schemas.openxmlformats.org/drawingml/2006/main" xmlns:r="http://schemas.openxmlformats.org/officeDocument/2006/relationships" xmlns:p="http://schemas.openxmlformats.org/presentationml/2006/main">
-  <p:cSld>
-    <p:spTree>
-      <p:nvGrpSpPr>
-        <p:cNvPr id="1" name=""/>
-        <p:cNvGrpSpPr/>
-        <p:nvPr/>
-      </p:nvGrpSpPr>
-      <p:grpSpPr>
-        <a:xfrm>
-          <a:off x="0" y="0"/>
-          <a:ext cx="0" cy="0"/>
-          <a:chOff x="0" y="0"/>
-          <a:chExt cx="0" cy="0"/>
-        </a:xfrm>
-      </p:grpSpPr>
-      <p:sp>
-        <p:nvSpPr>
-          <p:cNvPr id="2" name="Title 1"/>
-          <p:cNvSpPr>
-            <a:spLocks noGrp="1"/>
-          </p:cNvSpPr>
-          <p:nvPr>
-            <p:ph type="title"/>
-          </p:nvPr>
-        </p:nvSpPr>
-        <p:spPr/>
-        <p:txBody>
-          <a:bodyPr/>
-          <a:lstStyle/>
-          <a:p>
-            <a:r>
-              <a:rPr lang="en-US" dirty="0"/>
-              <a:t>The Continuous Delivery Pipeline</a:t>
-            </a:r>
-          </a:p>
-        </p:txBody>
-      </p:sp>
-      <p:graphicFrame>
-        <p:nvGraphicFramePr>
-          <p:cNvPr id="4" name="Content Placeholder 3"/>
-          <p:cNvGraphicFramePr>
-            <a:graphicFrameLocks noGrp="1"/>
-          </p:cNvGraphicFramePr>
-          <p:nvPr>
-            <p:ph idx="1"/>
-            <p:extLst>
-              <p:ext uri="{D42A27DB-BD31-4B8C-83A1-F6EECF244321}">
-                <p14:modId xmlns:p14="http://schemas.microsoft.com/office/powerpoint/2010/main" val="1916021222"/>
-              </p:ext>
-            </p:extLst>
-          </p:nvPr>
-        </p:nvGraphicFramePr>
-        <p:xfrm>
-          <a:off x="381000" y="1143000"/>
-          <a:ext cx="8458200" cy="5257799"/>
-        </p:xfrm>
-        <a:graphic>
-          <a:graphicData uri="http://schemas.openxmlformats.org/drawingml/2006/diagram">
-            <dgm:relIds xmlns:dgm="http://schemas.openxmlformats.org/drawingml/2006/diagram" xmlns:r="http://schemas.openxmlformats.org/officeDocument/2006/relationships" r:dm="rId3" r:lo="rId4" r:qs="rId5" r:cs="rId6"/>
-          </a:graphicData>
-        </a:graphic>
-      </p:graphicFrame>
-    </p:spTree>
-    <p:extLst>
-      <p:ext uri="{BB962C8B-B14F-4D97-AF65-F5344CB8AC3E}">
-        <p14:creationId xmlns:p14="http://schemas.microsoft.com/office/powerpoint/2010/main" val="1239459376"/>
-      </p:ext>
-    </p:extLst>
-  </p:cSld>
-  <p:clrMapOvr>
-    <a:masterClrMapping/>
-  </p:clrMapOvr>
-</p:sld>
-</file>
-
-<file path=ppt/slides/slide27.xml><?xml version="1.0" encoding="utf-8"?>
+<file path=ppt/slides/slide24.xml><?xml version="1.0" encoding="utf-8"?>
 <p:sld xmlns:a="http://schemas.openxmlformats.org/drawingml/2006/main" xmlns:r="http://schemas.openxmlformats.org/officeDocument/2006/relationships" xmlns:p="http://schemas.openxmlformats.org/presentationml/2006/main">
   <p:cSld>
     <p:spTree>
@@ -10578,7 +7001,7 @@
 </p:sld>
 </file>
 
-<file path=ppt/slides/slide28.xml><?xml version="1.0" encoding="utf-8"?>
+<file path=ppt/slides/slide25.xml><?xml version="1.0" encoding="utf-8"?>
 <p:sld xmlns:a="http://schemas.openxmlformats.org/drawingml/2006/main" xmlns:r="http://schemas.openxmlformats.org/officeDocument/2006/relationships" xmlns:p="http://schemas.openxmlformats.org/presentationml/2006/main">
   <p:cSld>
     <p:spTree>
@@ -10676,7 +7099,7 @@
 </p:sld>
 </file>
 
-<file path=ppt/slides/slide29.xml><?xml version="1.0" encoding="utf-8"?>
+<file path=ppt/slides/slide26.xml><?xml version="1.0" encoding="utf-8"?>
 <p:sld xmlns:a="http://schemas.openxmlformats.org/drawingml/2006/main" xmlns:r="http://schemas.openxmlformats.org/officeDocument/2006/relationships" xmlns:p="http://schemas.openxmlformats.org/presentationml/2006/main">
   <p:cSld>
     <p:spTree>
@@ -11276,74 +7699,6 @@
 </p:sld>
 </file>
 
-<file path=ppt/slides/slide30.xml><?xml version="1.0" encoding="utf-8"?>
-<p:sld xmlns:a="http://schemas.openxmlformats.org/drawingml/2006/main" xmlns:r="http://schemas.openxmlformats.org/officeDocument/2006/relationships" xmlns:p="http://schemas.openxmlformats.org/presentationml/2006/main">
-  <p:cSld>
-    <p:spTree>
-      <p:nvGrpSpPr>
-        <p:cNvPr id="1" name=""/>
-        <p:cNvGrpSpPr/>
-        <p:nvPr/>
-      </p:nvGrpSpPr>
-      <p:grpSpPr>
-        <a:xfrm>
-          <a:off x="0" y="0"/>
-          <a:ext cx="0" cy="0"/>
-          <a:chOff x="0" y="0"/>
-          <a:chExt cx="0" cy="0"/>
-        </a:xfrm>
-      </p:grpSpPr>
-      <p:sp>
-        <p:nvSpPr>
-          <p:cNvPr id="2" name="Title 1"/>
-          <p:cNvSpPr>
-            <a:spLocks noGrp="1"/>
-          </p:cNvSpPr>
-          <p:nvPr>
-            <p:ph type="title"/>
-          </p:nvPr>
-        </p:nvSpPr>
-        <p:spPr/>
-        <p:txBody>
-          <a:bodyPr/>
-          <a:lstStyle/>
-          <a:p>
-            <a:endParaRPr lang="en-US" dirty="0"/>
-          </a:p>
-        </p:txBody>
-      </p:sp>
-      <p:sp>
-        <p:nvSpPr>
-          <p:cNvPr id="3" name="Content Placeholder 2"/>
-          <p:cNvSpPr>
-            <a:spLocks noGrp="1"/>
-          </p:cNvSpPr>
-          <p:nvPr>
-            <p:ph idx="1"/>
-          </p:nvPr>
-        </p:nvSpPr>
-        <p:spPr/>
-        <p:txBody>
-          <a:bodyPr/>
-          <a:lstStyle/>
-          <a:p>
-            <a:endParaRPr lang="en-US"/>
-          </a:p>
-        </p:txBody>
-      </p:sp>
-    </p:spTree>
-    <p:extLst>
-      <p:ext uri="{BB962C8B-B14F-4D97-AF65-F5344CB8AC3E}">
-        <p14:creationId xmlns:p14="http://schemas.microsoft.com/office/powerpoint/2010/main" val="1667791595"/>
-      </p:ext>
-    </p:extLst>
-  </p:cSld>
-  <p:clrMapOvr>
-    <a:masterClrMapping/>
-  </p:clrMapOvr>
-</p:sld>
-</file>
-
 <file path=ppt/slides/slide4.xml><?xml version="1.0" encoding="utf-8"?>
 <p:sld xmlns:a="http://schemas.openxmlformats.org/drawingml/2006/main" xmlns:r="http://schemas.openxmlformats.org/officeDocument/2006/relationships" xmlns:p="http://schemas.openxmlformats.org/presentationml/2006/main">
   <p:cSld>
@@ -11451,8 +7806,8 @@
         </p:nvSpPr>
         <p:spPr>
           <a:xfrm>
-            <a:off x="4914900" y="1928689"/>
-            <a:ext cx="3124200" cy="584775"/>
+            <a:off x="6248400" y="1960882"/>
+            <a:ext cx="2095500" cy="584775"/>
           </a:xfrm>
           <a:prstGeom prst="rect">
             <a:avLst/>
@@ -11484,8 +7839,8 @@
         </p:nvCxnSpPr>
         <p:spPr>
           <a:xfrm flipH="1">
-            <a:off x="3519342" y="2235476"/>
-            <a:ext cx="1357459" cy="164824"/>
+            <a:off x="3519343" y="2253269"/>
+            <a:ext cx="2207636" cy="147031"/>
           </a:xfrm>
           <a:prstGeom prst="straightConnector1">
             <a:avLst/>
@@ -11515,13 +7870,15 @@
       <p:cxnSp>
         <p:nvCxnSpPr>
           <p:cNvPr id="10" name="Straight Arrow Connector 9"/>
-          <p:cNvCxnSpPr/>
+          <p:cNvCxnSpPr>
+            <a:stCxn id="11" idx="1"/>
+          </p:cNvCxnSpPr>
           <p:nvPr/>
         </p:nvCxnSpPr>
         <p:spPr>
           <a:xfrm flipH="1">
-            <a:off x="3519342" y="3786312"/>
-            <a:ext cx="1295400" cy="976450"/>
+            <a:off x="3519342" y="4059889"/>
+            <a:ext cx="1700358" cy="702873"/>
           </a:xfrm>
           <a:prstGeom prst="straightConnector1">
             <a:avLst/>
@@ -11602,7 +7959,7 @@
         </p:nvSpPr>
         <p:spPr>
           <a:xfrm>
-            <a:off x="559521" y="1799557"/>
+            <a:off x="3644199" y="1369248"/>
             <a:ext cx="2438400" cy="2062103"/>
           </a:xfrm>
           <a:prstGeom prst="mathMultiply">
@@ -11650,7 +8007,7 @@
         </p:nvSpPr>
         <p:spPr>
           <a:xfrm>
-            <a:off x="4918365" y="3157927"/>
+            <a:off x="5219700" y="3767501"/>
             <a:ext cx="3124200" cy="584775"/>
           </a:xfrm>
           <a:prstGeom prst="rect">

--- a/UnitTestingTSQL.pptx
+++ b/UnitTestingTSQL.pptx
@@ -5,35 +5,36 @@
     <p:sldMasterId id="2147483648" r:id="rId1"/>
   </p:sldMasterIdLst>
   <p:notesMasterIdLst>
-    <p:notesMasterId r:id="rId28"/>
+    <p:notesMasterId r:id="rId29"/>
   </p:notesMasterIdLst>
   <p:sldIdLst>
     <p:sldId id="256" r:id="rId2"/>
-    <p:sldId id="282" r:id="rId3"/>
-    <p:sldId id="283" r:id="rId4"/>
-    <p:sldId id="289" r:id="rId5"/>
-    <p:sldId id="290" r:id="rId6"/>
-    <p:sldId id="291" r:id="rId7"/>
-    <p:sldId id="292" r:id="rId8"/>
-    <p:sldId id="257" r:id="rId9"/>
-    <p:sldId id="279" r:id="rId10"/>
-    <p:sldId id="280" r:id="rId11"/>
-    <p:sldId id="293" r:id="rId12"/>
-    <p:sldId id="294" r:id="rId13"/>
-    <p:sldId id="295" r:id="rId14"/>
-    <p:sldId id="296" r:id="rId15"/>
-    <p:sldId id="261" r:id="rId16"/>
-    <p:sldId id="287" r:id="rId17"/>
-    <p:sldId id="297" r:id="rId18"/>
-    <p:sldId id="262" r:id="rId19"/>
-    <p:sldId id="284" r:id="rId20"/>
-    <p:sldId id="273" r:id="rId21"/>
-    <p:sldId id="285" r:id="rId22"/>
-    <p:sldId id="276" r:id="rId23"/>
-    <p:sldId id="278" r:id="rId24"/>
-    <p:sldId id="270" r:id="rId25"/>
-    <p:sldId id="271" r:id="rId26"/>
-    <p:sldId id="265" r:id="rId27"/>
+    <p:sldId id="298" r:id="rId3"/>
+    <p:sldId id="282" r:id="rId4"/>
+    <p:sldId id="283" r:id="rId5"/>
+    <p:sldId id="289" r:id="rId6"/>
+    <p:sldId id="290" r:id="rId7"/>
+    <p:sldId id="291" r:id="rId8"/>
+    <p:sldId id="292" r:id="rId9"/>
+    <p:sldId id="257" r:id="rId10"/>
+    <p:sldId id="279" r:id="rId11"/>
+    <p:sldId id="280" r:id="rId12"/>
+    <p:sldId id="293" r:id="rId13"/>
+    <p:sldId id="294" r:id="rId14"/>
+    <p:sldId id="295" r:id="rId15"/>
+    <p:sldId id="296" r:id="rId16"/>
+    <p:sldId id="261" r:id="rId17"/>
+    <p:sldId id="287" r:id="rId18"/>
+    <p:sldId id="297" r:id="rId19"/>
+    <p:sldId id="262" r:id="rId20"/>
+    <p:sldId id="284" r:id="rId21"/>
+    <p:sldId id="273" r:id="rId22"/>
+    <p:sldId id="285" r:id="rId23"/>
+    <p:sldId id="276" r:id="rId24"/>
+    <p:sldId id="278" r:id="rId25"/>
+    <p:sldId id="270" r:id="rId26"/>
+    <p:sldId id="271" r:id="rId27"/>
+    <p:sldId id="265" r:id="rId28"/>
   </p:sldIdLst>
   <p:sldSz cx="9144000" cy="6858000" type="screen4x3"/>
   <p:notesSz cx="6858000" cy="9144000"/>
@@ -233,7 +234,7 @@
           <a:p>
             <a:fld id="{3C31BDEC-C855-4A20-BFC3-C78B82093698}" type="datetimeFigureOut">
               <a:rPr lang="en-US" smtClean="0"/>
-              <a:t>7/21/2017</a:t>
+              <a:t>7/22/2017</a:t>
             </a:fld>
             <a:endParaRPr lang="en-US"/>
           </a:p>
@@ -657,7 +658,7 @@
           <a:p>
             <a:fld id="{737EB954-88EE-45B2-878D-41C5C083E9B9}" type="slidenum">
               <a:rPr lang="en-US" smtClean="0"/>
-              <a:t>18</a:t>
+              <a:t>19</a:t>
             </a:fld>
             <a:endParaRPr lang="en-US"/>
           </a:p>
@@ -761,7 +762,7 @@
           <a:p>
             <a:fld id="{737EB954-88EE-45B2-878D-41C5C083E9B9}" type="slidenum">
               <a:rPr lang="en-US" smtClean="0"/>
-              <a:t>19</a:t>
+              <a:t>20</a:t>
             </a:fld>
             <a:endParaRPr lang="en-US"/>
           </a:p>
@@ -875,7 +876,7 @@
           <a:p>
             <a:fld id="{737EB954-88EE-45B2-878D-41C5C083E9B9}" type="slidenum">
               <a:rPr lang="en-US" smtClean="0"/>
-              <a:t>21</a:t>
+              <a:t>22</a:t>
             </a:fld>
             <a:endParaRPr lang="en-US"/>
           </a:p>
@@ -995,7 +996,7 @@
           <a:p>
             <a:fld id="{737EB954-88EE-45B2-878D-41C5C083E9B9}" type="slidenum">
               <a:rPr lang="en-US" smtClean="0"/>
-              <a:t>26</a:t>
+              <a:t>27</a:t>
             </a:fld>
             <a:endParaRPr lang="en-US"/>
           </a:p>
@@ -1089,7 +1090,7 @@
                 </a:solidFill>
               </a:rPr>
               <a:pPr/>
-              <a:t>3</a:t>
+              <a:t>4</a:t>
             </a:fld>
             <a:endParaRPr lang="en-GB" dirty="0">
               <a:solidFill>
@@ -1182,7 +1183,7 @@
           <a:p>
             <a:fld id="{23D30045-AEBE-4117-8D8F-8499E1D0AF2B}" type="slidenum">
               <a:rPr lang="en-US" smtClean="0"/>
-              <a:t>5</a:t>
+              <a:t>6</a:t>
             </a:fld>
             <a:endParaRPr lang="en-US"/>
           </a:p>
@@ -1271,7 +1272,7 @@
           <a:p>
             <a:fld id="{23D30045-AEBE-4117-8D8F-8499E1D0AF2B}" type="slidenum">
               <a:rPr lang="en-US" smtClean="0"/>
-              <a:t>6</a:t>
+              <a:t>7</a:t>
             </a:fld>
             <a:endParaRPr lang="en-US"/>
           </a:p>
@@ -1358,7 +1359,7 @@
           <a:p>
             <a:fld id="{23D30045-AEBE-4117-8D8F-8499E1D0AF2B}" type="slidenum">
               <a:rPr lang="en-US" smtClean="0"/>
-              <a:t>7</a:t>
+              <a:t>8</a:t>
             </a:fld>
             <a:endParaRPr lang="en-US"/>
           </a:p>
@@ -1450,7 +1451,7 @@
           <a:p>
             <a:fld id="{737EB954-88EE-45B2-878D-41C5C083E9B9}" type="slidenum">
               <a:rPr lang="en-US" smtClean="0"/>
-              <a:t>8</a:t>
+              <a:t>9</a:t>
             </a:fld>
             <a:endParaRPr lang="en-US"/>
           </a:p>
@@ -1534,7 +1535,7 @@
           <a:p>
             <a:fld id="{737EB954-88EE-45B2-878D-41C5C083E9B9}" type="slidenum">
               <a:rPr lang="en-US" smtClean="0"/>
-              <a:t>13</a:t>
+              <a:t>14</a:t>
             </a:fld>
             <a:endParaRPr lang="en-US"/>
           </a:p>
@@ -1626,7 +1627,7 @@
           <a:p>
             <a:fld id="{737EB954-88EE-45B2-878D-41C5C083E9B9}" type="slidenum">
               <a:rPr lang="en-US" smtClean="0"/>
-              <a:t>15</a:t>
+              <a:t>16</a:t>
             </a:fld>
             <a:endParaRPr lang="en-US"/>
           </a:p>
@@ -1716,7 +1717,7 @@
           <a:p>
             <a:fld id="{737EB954-88EE-45B2-878D-41C5C083E9B9}" type="slidenum">
               <a:rPr lang="en-US" smtClean="0"/>
-              <a:t>16</a:t>
+              <a:t>17</a:t>
             </a:fld>
             <a:endParaRPr lang="en-US"/>
           </a:p>
@@ -1915,7 +1916,7 @@
             <a:fld id="{1D8BD707-D9CF-40AE-B4C6-C98DA3205C09}" type="datetimeFigureOut">
               <a:rPr lang="en-US" smtClean="0"/>
               <a:pPr/>
-              <a:t>7/21/2017</a:t>
+              <a:t>7/22/2017</a:t>
             </a:fld>
             <a:endParaRPr lang="en-US"/>
           </a:p>
@@ -2080,7 +2081,7 @@
             <a:fld id="{1D8BD707-D9CF-40AE-B4C6-C98DA3205C09}" type="datetimeFigureOut">
               <a:rPr lang="en-US" smtClean="0"/>
               <a:pPr/>
-              <a:t>7/21/2017</a:t>
+              <a:t>7/22/2017</a:t>
             </a:fld>
             <a:endParaRPr lang="en-US"/>
           </a:p>
@@ -2255,7 +2256,7 @@
             <a:fld id="{1D8BD707-D9CF-40AE-B4C6-C98DA3205C09}" type="datetimeFigureOut">
               <a:rPr lang="en-US" smtClean="0"/>
               <a:pPr/>
-              <a:t>7/21/2017</a:t>
+              <a:t>7/22/2017</a:t>
             </a:fld>
             <a:endParaRPr lang="en-US"/>
           </a:p>
@@ -2420,7 +2421,7 @@
             <a:fld id="{1D8BD707-D9CF-40AE-B4C6-C98DA3205C09}" type="datetimeFigureOut">
               <a:rPr lang="en-US" smtClean="0"/>
               <a:pPr/>
-              <a:t>7/21/2017</a:t>
+              <a:t>7/22/2017</a:t>
             </a:fld>
             <a:endParaRPr lang="en-US"/>
           </a:p>
@@ -2662,7 +2663,7 @@
             <a:fld id="{1D8BD707-D9CF-40AE-B4C6-C98DA3205C09}" type="datetimeFigureOut">
               <a:rPr lang="en-US" smtClean="0"/>
               <a:pPr/>
-              <a:t>7/21/2017</a:t>
+              <a:t>7/22/2017</a:t>
             </a:fld>
             <a:endParaRPr lang="en-US"/>
           </a:p>
@@ -2944,7 +2945,7 @@
             <a:fld id="{1D8BD707-D9CF-40AE-B4C6-C98DA3205C09}" type="datetimeFigureOut">
               <a:rPr lang="en-US" smtClean="0"/>
               <a:pPr/>
-              <a:t>7/21/2017</a:t>
+              <a:t>7/22/2017</a:t>
             </a:fld>
             <a:endParaRPr lang="en-US"/>
           </a:p>
@@ -3360,7 +3361,7 @@
             <a:fld id="{1D8BD707-D9CF-40AE-B4C6-C98DA3205C09}" type="datetimeFigureOut">
               <a:rPr lang="en-US" smtClean="0"/>
               <a:pPr/>
-              <a:t>7/21/2017</a:t>
+              <a:t>7/22/2017</a:t>
             </a:fld>
             <a:endParaRPr lang="en-US"/>
           </a:p>
@@ -3474,7 +3475,7 @@
             <a:fld id="{1D8BD707-D9CF-40AE-B4C6-C98DA3205C09}" type="datetimeFigureOut">
               <a:rPr lang="en-US" smtClean="0"/>
               <a:pPr/>
-              <a:t>7/21/2017</a:t>
+              <a:t>7/22/2017</a:t>
             </a:fld>
             <a:endParaRPr lang="en-US"/>
           </a:p>
@@ -3566,7 +3567,7 @@
             <a:fld id="{1D8BD707-D9CF-40AE-B4C6-C98DA3205C09}" type="datetimeFigureOut">
               <a:rPr lang="en-US" smtClean="0"/>
               <a:pPr/>
-              <a:t>7/21/2017</a:t>
+              <a:t>7/22/2017</a:t>
             </a:fld>
             <a:endParaRPr lang="en-US"/>
           </a:p>
@@ -3838,7 +3839,7 @@
             <a:fld id="{1D8BD707-D9CF-40AE-B4C6-C98DA3205C09}" type="datetimeFigureOut">
               <a:rPr lang="en-US" smtClean="0"/>
               <a:pPr/>
-              <a:t>7/21/2017</a:t>
+              <a:t>7/22/2017</a:t>
             </a:fld>
             <a:endParaRPr lang="en-US"/>
           </a:p>
@@ -4087,7 +4088,7 @@
             <a:fld id="{1D8BD707-D9CF-40AE-B4C6-C98DA3205C09}" type="datetimeFigureOut">
               <a:rPr lang="en-US" smtClean="0"/>
               <a:pPr/>
-              <a:t>7/21/2017</a:t>
+              <a:t>7/22/2017</a:t>
             </a:fld>
             <a:endParaRPr lang="en-US"/>
           </a:p>
@@ -4295,7 +4296,7 @@
             <a:fld id="{1D8BD707-D9CF-40AE-B4C6-C98DA3205C09}" type="datetimeFigureOut">
               <a:rPr lang="en-US" smtClean="0"/>
               <a:pPr/>
-              <a:t>7/21/2017</a:t>
+              <a:t>7/22/2017</a:t>
             </a:fld>
             <a:endParaRPr lang="en-US"/>
           </a:p>
@@ -5001,7 +5002,7 @@
           <a:p>
             <a:r>
               <a:rPr lang="en-US" dirty="0"/>
-              <a:t>Writing Tests</a:t>
+              <a:t>Building Tests</a:t>
             </a:r>
           </a:p>
         </p:txBody>
@@ -5023,36 +5024,19 @@
           <a:p>
             <a:r>
               <a:rPr lang="en-US" dirty="0"/>
-              <a:t>TDD?</a:t>
-            </a:r>
-          </a:p>
-          <a:p>
-            <a:r>
-              <a:rPr lang="en-US" dirty="0" err="1"/>
-              <a:t>DurinWrite</a:t>
-            </a:r>
+              <a:t>We want repeatable tests</a:t>
+            </a:r>
+          </a:p>
+          <a:p>
             <a:r>
               <a:rPr lang="en-US" dirty="0"/>
-              <a:t> after if you must.</a:t>
-            </a:r>
-          </a:p>
-          <a:p>
-            <a:pPr lvl="1"/>
+              <a:t>We want automated tests</a:t>
+            </a:r>
+          </a:p>
+          <a:p>
             <a:r>
               <a:rPr lang="en-US" dirty="0"/>
-              <a:t>Good for existing code</a:t>
-            </a:r>
-          </a:p>
-          <a:p>
-            <a:r>
-              <a:rPr lang="en-US" dirty="0"/>
-              <a:t>g development.</a:t>
-            </a:r>
-          </a:p>
-          <a:p>
-            <a:r>
-              <a:rPr lang="en-US" dirty="0"/>
-              <a:t>Write as you get feedback from CI and QA testing.</a:t>
+              <a:t>We want a suite of tests</a:t>
             </a:r>
           </a:p>
         </p:txBody>
@@ -5060,7 +5044,7 @@
     </p:spTree>
     <p:extLst>
       <p:ext uri="{BB962C8B-B14F-4D97-AF65-F5344CB8AC3E}">
-        <p14:creationId xmlns:p14="http://schemas.microsoft.com/office/powerpoint/2010/main" val="1110580934"/>
+        <p14:creationId xmlns:p14="http://schemas.microsoft.com/office/powerpoint/2010/main" val="2858332371"/>
       </p:ext>
     </p:extLst>
   </p:cSld>
@@ -5104,7 +5088,7 @@
           <a:p>
             <a:r>
               <a:rPr lang="en-US" dirty="0"/>
-              <a:t>Structure of tests</a:t>
+              <a:t>Writing Tests</a:t>
             </a:r>
           </a:p>
         </p:txBody>
@@ -5121,139 +5105,49 @@
         </p:nvSpPr>
         <p:spPr/>
         <p:txBody>
-          <a:bodyPr>
-            <a:normAutofit lnSpcReduction="10000"/>
-          </a:bodyPr>
-          <a:lstStyle/>
-          <a:p>
-            <a:pPr>
-              <a:spcAft>
-                <a:spcPts val="450"/>
-              </a:spcAft>
-            </a:pPr>
-            <a:r>
-              <a:rPr lang="en-US" sz="2400" b="1" dirty="0">
-                <a:cs typeface="Arial" panose="020B0604020202020204" pitchFamily="34" charset="0"/>
-              </a:rPr>
-              <a:t>Classes</a:t>
-            </a:r>
-          </a:p>
-          <a:p>
-            <a:pPr marL="933450" lvl="1" indent="-457200">
-              <a:buFont typeface="Arial" panose="020B0604020202020204" pitchFamily="34" charset="0"/>
-              <a:buChar char="•"/>
-            </a:pPr>
-            <a:r>
-              <a:rPr lang="en-US" sz="2400" dirty="0">
-                <a:cs typeface="Arial" panose="020B0604020202020204" pitchFamily="34" charset="0"/>
-              </a:rPr>
-              <a:t>Group by object/area being tested</a:t>
-            </a:r>
-          </a:p>
-          <a:p>
-            <a:pPr marL="933450" lvl="1" indent="-457200">
-              <a:buFont typeface="Arial" panose="020B0604020202020204" pitchFamily="34" charset="0"/>
-              <a:buChar char="•"/>
-            </a:pPr>
-            <a:r>
-              <a:rPr lang="en-US" sz="2400" dirty="0">
-                <a:cs typeface="Arial" panose="020B0604020202020204" pitchFamily="34" charset="0"/>
-              </a:rPr>
-              <a:t>Or scale (Google – S, M, L)</a:t>
-            </a:r>
-          </a:p>
-          <a:p>
-            <a:pPr marL="819150" lvl="1" indent="-342900">
-              <a:buFont typeface="Arial" panose="020B0604020202020204" pitchFamily="34" charset="0"/>
-              <a:buChar char="•"/>
-            </a:pPr>
-            <a:r>
-              <a:rPr lang="en-US" sz="2400" dirty="0">
-                <a:cs typeface="Arial" panose="020B0604020202020204" pitchFamily="34" charset="0"/>
-              </a:rPr>
-              <a:t> </a:t>
-            </a:r>
-          </a:p>
-          <a:p>
-            <a:pPr>
-              <a:spcAft>
-                <a:spcPts val="450"/>
-              </a:spcAft>
-            </a:pPr>
-            <a:r>
-              <a:rPr lang="en-US" sz="2400" b="1" dirty="0">
-                <a:cs typeface="Arial" panose="020B0604020202020204" pitchFamily="34" charset="0"/>
-              </a:rPr>
-              <a:t>Layout</a:t>
-            </a:r>
-          </a:p>
-          <a:p>
-            <a:pPr marL="933450" lvl="1" indent="-457200">
-              <a:buFont typeface="Arial" panose="020B0604020202020204" pitchFamily="34" charset="0"/>
-              <a:buChar char="•"/>
-            </a:pPr>
-            <a:r>
-              <a:rPr lang="en-US" sz="2400" dirty="0">
-                <a:cs typeface="Arial" panose="020B0604020202020204" pitchFamily="34" charset="0"/>
-              </a:rPr>
-              <a:t>Assemble</a:t>
-            </a:r>
-          </a:p>
-          <a:p>
-            <a:pPr marL="933450" lvl="1" indent="-457200">
-              <a:buFont typeface="Arial" panose="020B0604020202020204" pitchFamily="34" charset="0"/>
-              <a:buChar char="•"/>
-            </a:pPr>
-            <a:r>
-              <a:rPr lang="en-US" sz="2400" dirty="0">
-                <a:cs typeface="Arial" panose="020B0604020202020204" pitchFamily="34" charset="0"/>
-              </a:rPr>
-              <a:t>Act</a:t>
-            </a:r>
-          </a:p>
-          <a:p>
-            <a:pPr marL="933450" lvl="1" indent="-457200">
-              <a:buFont typeface="Arial" panose="020B0604020202020204" pitchFamily="34" charset="0"/>
-              <a:buChar char="•"/>
-            </a:pPr>
-            <a:r>
-              <a:rPr lang="en-US" sz="2400" dirty="0">
-                <a:cs typeface="Arial" panose="020B0604020202020204" pitchFamily="34" charset="0"/>
-              </a:rPr>
-              <a:t>Assert</a:t>
-            </a:r>
-          </a:p>
-          <a:p>
-            <a:pPr marL="933450" lvl="1" indent="-457200">
-              <a:buFont typeface="Arial" panose="020B0604020202020204" pitchFamily="34" charset="0"/>
-              <a:buChar char="•"/>
-            </a:pPr>
-            <a:endParaRPr lang="en-US" sz="2400" dirty="0">
-              <a:cs typeface="Arial" panose="020B0604020202020204" pitchFamily="34" charset="0"/>
-            </a:endParaRPr>
-          </a:p>
-          <a:p>
-            <a:pPr>
-              <a:spcAft>
-                <a:spcPts val="450"/>
-              </a:spcAft>
-            </a:pPr>
-            <a:r>
-              <a:rPr lang="en-US" sz="2400" b="1" dirty="0">
-                <a:cs typeface="Arial" panose="020B0604020202020204" pitchFamily="34" charset="0"/>
-              </a:rPr>
-              <a:t>Tests fail first</a:t>
-            </a:r>
-          </a:p>
-          <a:p>
-            <a:endParaRPr lang="en-US" dirty="0"/>
+          <a:bodyPr/>
+          <a:lstStyle/>
+          <a:p>
+            <a:r>
+              <a:rPr lang="en-US" dirty="0"/>
+              <a:t>TDD?</a:t>
+            </a:r>
+          </a:p>
+          <a:p>
+            <a:r>
+              <a:rPr lang="en-US" dirty="0" err="1"/>
+              <a:t>DurinWrite</a:t>
+            </a:r>
+            <a:r>
+              <a:rPr lang="en-US" dirty="0"/>
+              <a:t> after if you must.</a:t>
+            </a:r>
+          </a:p>
+          <a:p>
+            <a:pPr lvl="1"/>
+            <a:r>
+              <a:rPr lang="en-US" dirty="0"/>
+              <a:t>Good for existing code</a:t>
+            </a:r>
+          </a:p>
+          <a:p>
+            <a:r>
+              <a:rPr lang="en-US" dirty="0"/>
+              <a:t>g development.</a:t>
+            </a:r>
+          </a:p>
+          <a:p>
+            <a:r>
+              <a:rPr lang="en-US" dirty="0"/>
+              <a:t>Write as you get feedback from CI and QA testing.</a:t>
+            </a:r>
           </a:p>
         </p:txBody>
       </p:sp>
     </p:spTree>
     <p:extLst>
       <p:ext uri="{BB962C8B-B14F-4D97-AF65-F5344CB8AC3E}">
-        <p14:creationId xmlns:p14="http://schemas.microsoft.com/office/powerpoint/2010/main" val="3790041024"/>
+        <p14:creationId xmlns:p14="http://schemas.microsoft.com/office/powerpoint/2010/main" val="1110580934"/>
       </p:ext>
     </p:extLst>
   </p:cSld>
@@ -5297,7 +5191,7 @@
           <a:p>
             <a:r>
               <a:rPr lang="en-US" dirty="0"/>
-              <a:t>Test Data</a:t>
+              <a:t>Structure of tests</a:t>
             </a:r>
           </a:p>
         </p:txBody>
@@ -5314,32 +5208,139 @@
         </p:nvSpPr>
         <p:spPr/>
         <p:txBody>
-          <a:bodyPr/>
-          <a:lstStyle/>
-          <a:p>
-            <a:r>
-              <a:rPr lang="en-US" dirty="0"/>
-              <a:t>We don't need lots of data to write code</a:t>
-            </a:r>
-          </a:p>
-          <a:p>
-            <a:r>
-              <a:rPr lang="en-US" dirty="0"/>
-              <a:t>Ideally our tests contain data</a:t>
-            </a:r>
-          </a:p>
-          <a:p>
-            <a:r>
-              <a:rPr lang="en-US" dirty="0"/>
-              <a:t>For more extensive testing, we should have a curated set of data that all developers (and systems) use.</a:t>
-            </a:r>
+          <a:bodyPr>
+            <a:normAutofit lnSpcReduction="10000"/>
+          </a:bodyPr>
+          <a:lstStyle/>
+          <a:p>
+            <a:pPr>
+              <a:spcAft>
+                <a:spcPts val="450"/>
+              </a:spcAft>
+            </a:pPr>
+            <a:r>
+              <a:rPr lang="en-US" sz="2400" b="1" dirty="0">
+                <a:cs typeface="Arial" panose="020B0604020202020204" pitchFamily="34" charset="0"/>
+              </a:rPr>
+              <a:t>Classes</a:t>
+            </a:r>
+          </a:p>
+          <a:p>
+            <a:pPr marL="933450" lvl="1" indent="-457200">
+              <a:buFont typeface="Arial" panose="020B0604020202020204" pitchFamily="34" charset="0"/>
+              <a:buChar char="•"/>
+            </a:pPr>
+            <a:r>
+              <a:rPr lang="en-US" sz="2400" dirty="0">
+                <a:cs typeface="Arial" panose="020B0604020202020204" pitchFamily="34" charset="0"/>
+              </a:rPr>
+              <a:t>Group by object/area being tested</a:t>
+            </a:r>
+          </a:p>
+          <a:p>
+            <a:pPr marL="933450" lvl="1" indent="-457200">
+              <a:buFont typeface="Arial" panose="020B0604020202020204" pitchFamily="34" charset="0"/>
+              <a:buChar char="•"/>
+            </a:pPr>
+            <a:r>
+              <a:rPr lang="en-US" sz="2400" dirty="0">
+                <a:cs typeface="Arial" panose="020B0604020202020204" pitchFamily="34" charset="0"/>
+              </a:rPr>
+              <a:t>Or scale (Google – S, M, L)</a:t>
+            </a:r>
+          </a:p>
+          <a:p>
+            <a:pPr marL="819150" lvl="1" indent="-342900">
+              <a:buFont typeface="Arial" panose="020B0604020202020204" pitchFamily="34" charset="0"/>
+              <a:buChar char="•"/>
+            </a:pPr>
+            <a:r>
+              <a:rPr lang="en-US" sz="2400" dirty="0">
+                <a:cs typeface="Arial" panose="020B0604020202020204" pitchFamily="34" charset="0"/>
+              </a:rPr>
+              <a:t> </a:t>
+            </a:r>
+          </a:p>
+          <a:p>
+            <a:pPr>
+              <a:spcAft>
+                <a:spcPts val="450"/>
+              </a:spcAft>
+            </a:pPr>
+            <a:r>
+              <a:rPr lang="en-US" sz="2400" b="1" dirty="0">
+                <a:cs typeface="Arial" panose="020B0604020202020204" pitchFamily="34" charset="0"/>
+              </a:rPr>
+              <a:t>Layout</a:t>
+            </a:r>
+          </a:p>
+          <a:p>
+            <a:pPr marL="933450" lvl="1" indent="-457200">
+              <a:buFont typeface="Arial" panose="020B0604020202020204" pitchFamily="34" charset="0"/>
+              <a:buChar char="•"/>
+            </a:pPr>
+            <a:r>
+              <a:rPr lang="en-US" sz="2400" dirty="0">
+                <a:cs typeface="Arial" panose="020B0604020202020204" pitchFamily="34" charset="0"/>
+              </a:rPr>
+              <a:t>Assemble</a:t>
+            </a:r>
+          </a:p>
+          <a:p>
+            <a:pPr marL="933450" lvl="1" indent="-457200">
+              <a:buFont typeface="Arial" panose="020B0604020202020204" pitchFamily="34" charset="0"/>
+              <a:buChar char="•"/>
+            </a:pPr>
+            <a:r>
+              <a:rPr lang="en-US" sz="2400" dirty="0">
+                <a:cs typeface="Arial" panose="020B0604020202020204" pitchFamily="34" charset="0"/>
+              </a:rPr>
+              <a:t>Act</a:t>
+            </a:r>
+          </a:p>
+          <a:p>
+            <a:pPr marL="933450" lvl="1" indent="-457200">
+              <a:buFont typeface="Arial" panose="020B0604020202020204" pitchFamily="34" charset="0"/>
+              <a:buChar char="•"/>
+            </a:pPr>
+            <a:r>
+              <a:rPr lang="en-US" sz="2400" dirty="0">
+                <a:cs typeface="Arial" panose="020B0604020202020204" pitchFamily="34" charset="0"/>
+              </a:rPr>
+              <a:t>Assert</a:t>
+            </a:r>
+          </a:p>
+          <a:p>
+            <a:pPr marL="933450" lvl="1" indent="-457200">
+              <a:buFont typeface="Arial" panose="020B0604020202020204" pitchFamily="34" charset="0"/>
+              <a:buChar char="•"/>
+            </a:pPr>
+            <a:endParaRPr lang="en-US" sz="2400" dirty="0">
+              <a:cs typeface="Arial" panose="020B0604020202020204" pitchFamily="34" charset="0"/>
+            </a:endParaRPr>
+          </a:p>
+          <a:p>
+            <a:pPr>
+              <a:spcAft>
+                <a:spcPts val="450"/>
+              </a:spcAft>
+            </a:pPr>
+            <a:r>
+              <a:rPr lang="en-US" sz="2400" b="1" dirty="0">
+                <a:cs typeface="Arial" panose="020B0604020202020204" pitchFamily="34" charset="0"/>
+              </a:rPr>
+              <a:t>Tests fail first</a:t>
+            </a:r>
+          </a:p>
+          <a:p>
+            <a:endParaRPr lang="en-US" dirty="0"/>
           </a:p>
         </p:txBody>
       </p:sp>
     </p:spTree>
     <p:extLst>
       <p:ext uri="{BB962C8B-B14F-4D97-AF65-F5344CB8AC3E}">
-        <p14:creationId xmlns:p14="http://schemas.microsoft.com/office/powerpoint/2010/main" val="1968612938"/>
+        <p14:creationId xmlns:p14="http://schemas.microsoft.com/office/powerpoint/2010/main" val="3790041024"/>
       </p:ext>
     </p:extLst>
   </p:cSld>
@@ -5368,7 +5369,7 @@
       </p:grpSpPr>
       <p:sp>
         <p:nvSpPr>
-          <p:cNvPr id="4" name="Title 3"/>
+          <p:cNvPr id="2" name="Title 1"/>
           <p:cNvSpPr>
             <a:spLocks noGrp="1"/>
           </p:cNvSpPr>
@@ -5390,12 +5391,12 @@
       </p:sp>
       <p:sp>
         <p:nvSpPr>
-          <p:cNvPr id="5" name="Text Placeholder 4"/>
-          <p:cNvSpPr>
-            <a:spLocks noGrp="1"/>
-          </p:cNvSpPr>
-          <p:nvPr>
-            <p:ph type="body" idx="1"/>
+          <p:cNvPr id="3" name="Content Placeholder 2"/>
+          <p:cNvSpPr>
+            <a:spLocks noGrp="1"/>
+          </p:cNvSpPr>
+          <p:nvPr>
+            <p:ph idx="1"/>
           </p:nvPr>
         </p:nvSpPr>
         <p:spPr/>
@@ -5405,7 +5406,19 @@
           <a:p>
             <a:r>
               <a:rPr lang="en-US" dirty="0"/>
-              <a:t>Demo</a:t>
+              <a:t>We don't need lots of data to write code</a:t>
+            </a:r>
+          </a:p>
+          <a:p>
+            <a:r>
+              <a:rPr lang="en-US" dirty="0"/>
+              <a:t>Ideally our tests contain data</a:t>
+            </a:r>
+          </a:p>
+          <a:p>
+            <a:r>
+              <a:rPr lang="en-US" dirty="0"/>
+              <a:t>For more extensive testing, we should have a curated set of data that all developers (and systems) use.</a:t>
             </a:r>
           </a:p>
         </p:txBody>
@@ -5413,7 +5426,7 @@
     </p:spTree>
     <p:extLst>
       <p:ext uri="{BB962C8B-B14F-4D97-AF65-F5344CB8AC3E}">
-        <p14:creationId xmlns:p14="http://schemas.microsoft.com/office/powerpoint/2010/main" val="3540592545"/>
+        <p14:creationId xmlns:p14="http://schemas.microsoft.com/office/powerpoint/2010/main" val="1968612938"/>
       </p:ext>
     </p:extLst>
   </p:cSld>
@@ -5442,7 +5455,7 @@
       </p:grpSpPr>
       <p:sp>
         <p:nvSpPr>
-          <p:cNvPr id="2" name="Title 1"/>
+          <p:cNvPr id="4" name="Title 3"/>
           <p:cNvSpPr>
             <a:spLocks noGrp="1"/>
           </p:cNvSpPr>
@@ -5457,14 +5470,14 @@
           <a:p>
             <a:r>
               <a:rPr lang="en-US" dirty="0"/>
-              <a:t>Database Testing Frameworks</a:t>
-            </a:r>
-          </a:p>
-        </p:txBody>
-      </p:sp>
-      <p:sp>
-        <p:nvSpPr>
-          <p:cNvPr id="3" name="Text Placeholder 2"/>
+              <a:t>Test Data</a:t>
+            </a:r>
+          </a:p>
+        </p:txBody>
+      </p:sp>
+      <p:sp>
+        <p:nvSpPr>
+          <p:cNvPr id="5" name="Text Placeholder 4"/>
           <p:cNvSpPr>
             <a:spLocks noGrp="1"/>
           </p:cNvSpPr>
@@ -5477,14 +5490,17 @@
           <a:bodyPr/>
           <a:lstStyle/>
           <a:p>
-            <a:endParaRPr lang="en-US"/>
+            <a:r>
+              <a:rPr lang="en-US" dirty="0"/>
+              <a:t>Demo</a:t>
+            </a:r>
           </a:p>
         </p:txBody>
       </p:sp>
     </p:spTree>
     <p:extLst>
       <p:ext uri="{BB962C8B-B14F-4D97-AF65-F5344CB8AC3E}">
-        <p14:creationId xmlns:p14="http://schemas.microsoft.com/office/powerpoint/2010/main" val="3452093907"/>
+        <p14:creationId xmlns:p14="http://schemas.microsoft.com/office/powerpoint/2010/main" val="3540592545"/>
       </p:ext>
     </p:extLst>
   </p:cSld>
@@ -5527,116 +5543,35 @@
           <a:lstStyle/>
           <a:p>
             <a:r>
-              <a:rPr lang="en-US" dirty="0" err="1"/>
-              <a:t>tSQLt</a:t>
-            </a:r>
-            <a:endParaRPr lang="en-US" dirty="0"/>
-          </a:p>
-        </p:txBody>
-      </p:sp>
-      <p:sp>
-        <p:nvSpPr>
-          <p:cNvPr id="3" name="Content Placeholder 2"/>
-          <p:cNvSpPr>
-            <a:spLocks noGrp="1"/>
-          </p:cNvSpPr>
-          <p:nvPr>
-            <p:ph idx="1"/>
-          </p:nvPr>
-        </p:nvSpPr>
-        <p:spPr/>
-        <p:txBody>
-          <a:bodyPr>
-            <a:normAutofit/>
-          </a:bodyPr>
-          <a:lstStyle/>
-          <a:p>
-            <a:r>
-              <a:rPr lang="en-US" dirty="0" err="1"/>
-              <a:t>tSQLt</a:t>
-            </a:r>
-            <a:r>
               <a:rPr lang="en-US" dirty="0"/>
-              <a:t> is a free, similar to </a:t>
-            </a:r>
-            <a:r>
-              <a:rPr lang="en-US" dirty="0" err="1"/>
-              <a:t>nUnit</a:t>
-            </a:r>
-            <a:r>
-              <a:rPr lang="en-US" dirty="0"/>
-              <a:t>/</a:t>
-            </a:r>
-            <a:r>
-              <a:rPr lang="en-US" dirty="0" err="1"/>
-              <a:t>jUnit</a:t>
-            </a:r>
-            <a:endParaRPr lang="en-US" dirty="0"/>
-          </a:p>
-          <a:p>
-            <a:r>
-              <a:rPr lang="en-US" dirty="0">
-                <a:hlinkClick r:id="rId3"/>
-              </a:rPr>
-              <a:t>tSQLt.org</a:t>
-            </a:r>
-            <a:r>
-              <a:rPr lang="en-US" dirty="0"/>
-              <a:t> (requires CLR)</a:t>
-            </a:r>
-          </a:p>
-          <a:p>
-            <a:pPr lvl="1"/>
-            <a:r>
-              <a:rPr lang="en-US" dirty="0"/>
-              <a:t>Stored procedures in their own schema</a:t>
-            </a:r>
-          </a:p>
-          <a:p>
-            <a:pPr lvl="1"/>
-            <a:r>
-              <a:rPr lang="en-US" dirty="0"/>
-              <a:t>Can run setup before tests</a:t>
-            </a:r>
-          </a:p>
-          <a:p>
-            <a:pPr lvl="1"/>
-            <a:r>
-              <a:rPr lang="en-US" dirty="0"/>
-              <a:t>Can mock objects </a:t>
-            </a:r>
-          </a:p>
-          <a:p>
-            <a:pPr lvl="1"/>
-            <a:r>
-              <a:rPr lang="en-US" dirty="0"/>
-              <a:t>Can implement teardown</a:t>
-            </a:r>
-          </a:p>
-          <a:p>
-            <a:r>
-              <a:rPr lang="en-US" dirty="0">
-                <a:hlinkClick r:id="rId4"/>
-              </a:rPr>
-              <a:t>Support via Google Groups</a:t>
-            </a:r>
-            <a:endParaRPr lang="en-US" dirty="0"/>
-          </a:p>
-          <a:p>
-            <a:r>
-              <a:rPr lang="en-US" dirty="0">
-                <a:hlinkClick r:id="rId5"/>
-              </a:rPr>
-              <a:t>Articles at Simple Talk</a:t>
-            </a:r>
-            <a:endParaRPr lang="en-US" dirty="0"/>
+              <a:t>Database Testing Frameworks</a:t>
+            </a:r>
+          </a:p>
+        </p:txBody>
+      </p:sp>
+      <p:sp>
+        <p:nvSpPr>
+          <p:cNvPr id="3" name="Text Placeholder 2"/>
+          <p:cNvSpPr>
+            <a:spLocks noGrp="1"/>
+          </p:cNvSpPr>
+          <p:nvPr>
+            <p:ph type="body" idx="1"/>
+          </p:nvPr>
+        </p:nvSpPr>
+        <p:spPr/>
+        <p:txBody>
+          <a:bodyPr/>
+          <a:lstStyle/>
+          <a:p>
+            <a:endParaRPr lang="en-US"/>
           </a:p>
         </p:txBody>
       </p:sp>
     </p:spTree>
     <p:extLst>
       <p:ext uri="{BB962C8B-B14F-4D97-AF65-F5344CB8AC3E}">
-        <p14:creationId xmlns:p14="http://schemas.microsoft.com/office/powerpoint/2010/main" val="2399096538"/>
+        <p14:creationId xmlns:p14="http://schemas.microsoft.com/office/powerpoint/2010/main" val="3452093907"/>
       </p:ext>
     </p:extLst>
   </p:cSld>
@@ -5679,6 +5614,158 @@
           <a:lstStyle/>
           <a:p>
             <a:r>
+              <a:rPr lang="en-US" dirty="0" err="1"/>
+              <a:t>tSQLt</a:t>
+            </a:r>
+            <a:endParaRPr lang="en-US" dirty="0"/>
+          </a:p>
+        </p:txBody>
+      </p:sp>
+      <p:sp>
+        <p:nvSpPr>
+          <p:cNvPr id="3" name="Content Placeholder 2"/>
+          <p:cNvSpPr>
+            <a:spLocks noGrp="1"/>
+          </p:cNvSpPr>
+          <p:nvPr>
+            <p:ph idx="1"/>
+          </p:nvPr>
+        </p:nvSpPr>
+        <p:spPr/>
+        <p:txBody>
+          <a:bodyPr>
+            <a:normAutofit/>
+          </a:bodyPr>
+          <a:lstStyle/>
+          <a:p>
+            <a:r>
+              <a:rPr lang="en-US" dirty="0" err="1"/>
+              <a:t>tSQLt</a:t>
+            </a:r>
+            <a:r>
+              <a:rPr lang="en-US" dirty="0"/>
+              <a:t> is a free, similar to </a:t>
+            </a:r>
+            <a:r>
+              <a:rPr lang="en-US" dirty="0" err="1"/>
+              <a:t>nUnit</a:t>
+            </a:r>
+            <a:r>
+              <a:rPr lang="en-US" dirty="0"/>
+              <a:t>/</a:t>
+            </a:r>
+            <a:r>
+              <a:rPr lang="en-US" dirty="0" err="1"/>
+              <a:t>jUnit</a:t>
+            </a:r>
+            <a:endParaRPr lang="en-US" dirty="0"/>
+          </a:p>
+          <a:p>
+            <a:r>
+              <a:rPr lang="en-US" dirty="0">
+                <a:hlinkClick r:id="rId3"/>
+              </a:rPr>
+              <a:t>tSQLt.org</a:t>
+            </a:r>
+            <a:r>
+              <a:rPr lang="en-US" dirty="0"/>
+              <a:t> (requires CLR)</a:t>
+            </a:r>
+          </a:p>
+          <a:p>
+            <a:pPr lvl="1"/>
+            <a:r>
+              <a:rPr lang="en-US" dirty="0"/>
+              <a:t>Stored procedures in their own schema</a:t>
+            </a:r>
+          </a:p>
+          <a:p>
+            <a:pPr lvl="1"/>
+            <a:r>
+              <a:rPr lang="en-US" dirty="0"/>
+              <a:t>Can run setup before tests</a:t>
+            </a:r>
+          </a:p>
+          <a:p>
+            <a:pPr lvl="1"/>
+            <a:r>
+              <a:rPr lang="en-US" dirty="0"/>
+              <a:t>Can mock objects </a:t>
+            </a:r>
+          </a:p>
+          <a:p>
+            <a:pPr lvl="1"/>
+            <a:r>
+              <a:rPr lang="en-US" dirty="0"/>
+              <a:t>Can implement teardown</a:t>
+            </a:r>
+          </a:p>
+          <a:p>
+            <a:r>
+              <a:rPr lang="en-US" dirty="0">
+                <a:hlinkClick r:id="rId4"/>
+              </a:rPr>
+              <a:t>Support via Google Groups</a:t>
+            </a:r>
+            <a:endParaRPr lang="en-US" dirty="0"/>
+          </a:p>
+          <a:p>
+            <a:r>
+              <a:rPr lang="en-US" dirty="0">
+                <a:hlinkClick r:id="rId5"/>
+              </a:rPr>
+              <a:t>Articles at Simple Talk</a:t>
+            </a:r>
+            <a:endParaRPr lang="en-US" dirty="0"/>
+          </a:p>
+        </p:txBody>
+      </p:sp>
+    </p:spTree>
+    <p:extLst>
+      <p:ext uri="{BB962C8B-B14F-4D97-AF65-F5344CB8AC3E}">
+        <p14:creationId xmlns:p14="http://schemas.microsoft.com/office/powerpoint/2010/main" val="2399096538"/>
+      </p:ext>
+    </p:extLst>
+  </p:cSld>
+  <p:clrMapOvr>
+    <a:masterClrMapping/>
+  </p:clrMapOvr>
+</p:sld>
+</file>
+
+<file path=ppt/slides/slide17.xml><?xml version="1.0" encoding="utf-8"?>
+<p:sld xmlns:a="http://schemas.openxmlformats.org/drawingml/2006/main" xmlns:r="http://schemas.openxmlformats.org/officeDocument/2006/relationships" xmlns:p="http://schemas.openxmlformats.org/presentationml/2006/main">
+  <p:cSld>
+    <p:spTree>
+      <p:nvGrpSpPr>
+        <p:cNvPr id="1" name=""/>
+        <p:cNvGrpSpPr/>
+        <p:nvPr/>
+      </p:nvGrpSpPr>
+      <p:grpSpPr>
+        <a:xfrm>
+          <a:off x="0" y="0"/>
+          <a:ext cx="0" cy="0"/>
+          <a:chOff x="0" y="0"/>
+          <a:chExt cx="0" cy="0"/>
+        </a:xfrm>
+      </p:grpSpPr>
+      <p:sp>
+        <p:nvSpPr>
+          <p:cNvPr id="2" name="Title 1"/>
+          <p:cNvSpPr>
+            <a:spLocks noGrp="1"/>
+          </p:cNvSpPr>
+          <p:nvPr>
+            <p:ph type="title"/>
+          </p:nvPr>
+        </p:nvSpPr>
+        <p:spPr/>
+        <p:txBody>
+          <a:bodyPr/>
+          <a:lstStyle/>
+          <a:p>
+            <a:r>
               <a:rPr lang="en-US" dirty="0"/>
               <a:t>Microsoft Unit Testing Framework</a:t>
             </a:r>
@@ -5741,7 +5828,7 @@
 </p:sld>
 </file>
 
-<file path=ppt/slides/slide17.xml><?xml version="1.0" encoding="utf-8"?>
+<file path=ppt/slides/slide18.xml><?xml version="1.0" encoding="utf-8"?>
 <p:sld xmlns:a="http://schemas.openxmlformats.org/drawingml/2006/main" xmlns:r="http://schemas.openxmlformats.org/officeDocument/2006/relationships" xmlns:p="http://schemas.openxmlformats.org/presentationml/2006/main">
   <p:cSld>
     <p:spTree>
@@ -5800,103 +5887,6 @@
 </p:sld>
 </file>
 
-<file path=ppt/slides/slide18.xml><?xml version="1.0" encoding="utf-8"?>
-<p:sld xmlns:a="http://schemas.openxmlformats.org/drawingml/2006/main" xmlns:r="http://schemas.openxmlformats.org/officeDocument/2006/relationships" xmlns:p="http://schemas.openxmlformats.org/presentationml/2006/main">
-  <p:cSld>
-    <p:spTree>
-      <p:nvGrpSpPr>
-        <p:cNvPr id="1" name=""/>
-        <p:cNvGrpSpPr/>
-        <p:nvPr/>
-      </p:nvGrpSpPr>
-      <p:grpSpPr>
-        <a:xfrm>
-          <a:off x="0" y="0"/>
-          <a:ext cx="0" cy="0"/>
-          <a:chOff x="0" y="0"/>
-          <a:chExt cx="0" cy="0"/>
-        </a:xfrm>
-      </p:grpSpPr>
-      <p:sp>
-        <p:nvSpPr>
-          <p:cNvPr id="2" name="Title 1"/>
-          <p:cNvSpPr>
-            <a:spLocks noGrp="1"/>
-          </p:cNvSpPr>
-          <p:nvPr>
-            <p:ph type="title"/>
-          </p:nvPr>
-        </p:nvSpPr>
-        <p:spPr/>
-        <p:txBody>
-          <a:bodyPr/>
-          <a:lstStyle/>
-          <a:p>
-            <a:r>
-              <a:rPr lang="en-US" dirty="0"/>
-              <a:t>Standards Tests</a:t>
-            </a:r>
-          </a:p>
-        </p:txBody>
-      </p:sp>
-      <p:sp>
-        <p:nvSpPr>
-          <p:cNvPr id="3" name="Content Placeholder 2"/>
-          <p:cNvSpPr>
-            <a:spLocks noGrp="1"/>
-          </p:cNvSpPr>
-          <p:nvPr>
-            <p:ph idx="1"/>
-          </p:nvPr>
-        </p:nvSpPr>
-        <p:spPr/>
-        <p:txBody>
-          <a:bodyPr/>
-          <a:lstStyle/>
-          <a:p>
-            <a:r>
-              <a:rPr lang="en-US" dirty="0"/>
-              <a:t>Ensure that the standards you care about are followed.</a:t>
-            </a:r>
-          </a:p>
-          <a:p>
-            <a:r>
-              <a:rPr lang="en-US" dirty="0" err="1"/>
-              <a:t>SQLCop</a:t>
-            </a:r>
-            <a:r>
-              <a:rPr lang="en-US" dirty="0"/>
-              <a:t> – </a:t>
-            </a:r>
-            <a:r>
-              <a:rPr lang="en-US" dirty="0">
-                <a:hlinkClick r:id="rId3"/>
-              </a:rPr>
-              <a:t>sqlcop.lessthandot.com</a:t>
-            </a:r>
-            <a:endParaRPr lang="en-US" dirty="0"/>
-          </a:p>
-          <a:p>
-            <a:r>
-              <a:rPr lang="en-US" dirty="0"/>
-              <a:t>Easy to write your own.</a:t>
-            </a:r>
-          </a:p>
-        </p:txBody>
-      </p:sp>
-    </p:spTree>
-    <p:extLst>
-      <p:ext uri="{BB962C8B-B14F-4D97-AF65-F5344CB8AC3E}">
-        <p14:creationId xmlns:p14="http://schemas.microsoft.com/office/powerpoint/2010/main" val="1619672544"/>
-      </p:ext>
-    </p:extLst>
-  </p:cSld>
-  <p:clrMapOvr>
-    <a:masterClrMapping/>
-  </p:clrMapOvr>
-</p:sld>
-</file>
-
 <file path=ppt/slides/slide19.xml><?xml version="1.0" encoding="utf-8"?>
 <p:sld xmlns:a="http://schemas.openxmlformats.org/drawingml/2006/main" xmlns:r="http://schemas.openxmlformats.org/officeDocument/2006/relationships" xmlns:p="http://schemas.openxmlformats.org/presentationml/2006/main">
   <p:cSld>
@@ -5916,7 +5906,7 @@
       </p:grpSpPr>
       <p:sp>
         <p:nvSpPr>
-          <p:cNvPr id="4" name="Title 3"/>
+          <p:cNvPr id="2" name="Title 1"/>
           <p:cNvSpPr>
             <a:spLocks noGrp="1"/>
           </p:cNvSpPr>
@@ -5931,19 +5921,19 @@
           <a:p>
             <a:r>
               <a:rPr lang="en-US" dirty="0"/>
-              <a:t>Catching bad CODE</a:t>
-            </a:r>
-          </a:p>
-        </p:txBody>
-      </p:sp>
-      <p:sp>
-        <p:nvSpPr>
-          <p:cNvPr id="5" name="Text Placeholder 4"/>
-          <p:cNvSpPr>
-            <a:spLocks noGrp="1"/>
-          </p:cNvSpPr>
-          <p:nvPr>
-            <p:ph type="body" idx="1"/>
+              <a:t>Standards Tests</a:t>
+            </a:r>
+          </a:p>
+        </p:txBody>
+      </p:sp>
+      <p:sp>
+        <p:nvSpPr>
+          <p:cNvPr id="3" name="Content Placeholder 2"/>
+          <p:cNvSpPr>
+            <a:spLocks noGrp="1"/>
+          </p:cNvSpPr>
+          <p:nvPr>
+            <p:ph idx="1"/>
           </p:nvPr>
         </p:nvSpPr>
         <p:spPr/>
@@ -5953,7 +5943,30 @@
           <a:p>
             <a:r>
               <a:rPr lang="en-US" dirty="0"/>
-              <a:t>Demo</a:t>
+              <a:t>Ensure that the standards you care about are followed.</a:t>
+            </a:r>
+          </a:p>
+          <a:p>
+            <a:r>
+              <a:rPr lang="en-US" dirty="0" err="1"/>
+              <a:t>SQLCop</a:t>
+            </a:r>
+            <a:r>
+              <a:rPr lang="en-US" dirty="0"/>
+              <a:t> – </a:t>
+            </a:r>
+            <a:r>
+              <a:rPr lang="en-US" dirty="0">
+                <a:hlinkClick r:id="rId3"/>
+              </a:rPr>
+              <a:t>sqlcop.lessthandot.com</a:t>
+            </a:r>
+            <a:endParaRPr lang="en-US" dirty="0"/>
+          </a:p>
+          <a:p>
+            <a:r>
+              <a:rPr lang="en-US" dirty="0"/>
+              <a:t>Easy to write your own.</a:t>
             </a:r>
           </a:p>
         </p:txBody>
@@ -5961,7 +5974,7 @@
     </p:spTree>
     <p:extLst>
       <p:ext uri="{BB962C8B-B14F-4D97-AF65-F5344CB8AC3E}">
-        <p14:creationId xmlns:p14="http://schemas.microsoft.com/office/powerpoint/2010/main" val="420280027"/>
+        <p14:creationId xmlns:p14="http://schemas.microsoft.com/office/powerpoint/2010/main" val="1619672544"/>
       </p:ext>
     </p:extLst>
   </p:cSld>
@@ -6003,10 +6016,7 @@
           <a:bodyPr/>
           <a:lstStyle/>
           <a:p>
-            <a:r>
-              <a:rPr lang="en-US" dirty="0"/>
-              <a:t>Agenda</a:t>
-            </a:r>
+            <a:endParaRPr lang="en-US"/>
           </a:p>
         </p:txBody>
       </p:sp>
@@ -6025,40 +6035,14 @@
           <a:bodyPr/>
           <a:lstStyle/>
           <a:p>
-            <a:r>
-              <a:rPr lang="en-US" dirty="0"/>
-              <a:t>Who Am I?</a:t>
-            </a:r>
-          </a:p>
-          <a:p>
-            <a:r>
-              <a:rPr lang="en-US" dirty="0"/>
-              <a:t>Testing Software</a:t>
-            </a:r>
-          </a:p>
-          <a:p>
-            <a:r>
-              <a:rPr lang="en-US" dirty="0"/>
-              <a:t>Database </a:t>
-            </a:r>
-            <a:r>
-              <a:rPr lang="en-US"/>
-              <a:t>Testing Frameworks</a:t>
-            </a:r>
-            <a:endParaRPr lang="en-US" dirty="0"/>
-          </a:p>
-          <a:p>
-            <a:r>
-              <a:rPr lang="en-US" dirty="0"/>
-              <a:t>Test Examples</a:t>
-            </a:r>
+            <a:endParaRPr lang="en-US"/>
           </a:p>
         </p:txBody>
       </p:sp>
     </p:spTree>
     <p:extLst>
       <p:ext uri="{BB962C8B-B14F-4D97-AF65-F5344CB8AC3E}">
-        <p14:creationId xmlns:p14="http://schemas.microsoft.com/office/powerpoint/2010/main" val="718457474"/>
+        <p14:creationId xmlns:p14="http://schemas.microsoft.com/office/powerpoint/2010/main" val="1627536841"/>
       </p:ext>
     </p:extLst>
   </p:cSld>
@@ -6087,7 +6071,7 @@
       </p:grpSpPr>
       <p:sp>
         <p:nvSpPr>
-          <p:cNvPr id="2" name="Title 1"/>
+          <p:cNvPr id="4" name="Title 3"/>
           <p:cNvSpPr>
             <a:spLocks noGrp="1"/>
           </p:cNvSpPr>
@@ -6102,19 +6086,19 @@
           <a:p>
             <a:r>
               <a:rPr lang="en-US" dirty="0"/>
-              <a:t>Logic Tests</a:t>
-            </a:r>
-          </a:p>
-        </p:txBody>
-      </p:sp>
-      <p:sp>
-        <p:nvSpPr>
-          <p:cNvPr id="3" name="Content Placeholder 2"/>
-          <p:cNvSpPr>
-            <a:spLocks noGrp="1"/>
-          </p:cNvSpPr>
-          <p:nvPr>
-            <p:ph idx="1"/>
+              <a:t>Catching bad CODE</a:t>
+            </a:r>
+          </a:p>
+        </p:txBody>
+      </p:sp>
+      <p:sp>
+        <p:nvSpPr>
+          <p:cNvPr id="5" name="Text Placeholder 4"/>
+          <p:cNvSpPr>
+            <a:spLocks noGrp="1"/>
+          </p:cNvSpPr>
+          <p:nvPr>
+            <p:ph type="body" idx="1"/>
           </p:nvPr>
         </p:nvSpPr>
         <p:spPr/>
@@ -6124,13 +6108,7 @@
           <a:p>
             <a:r>
               <a:rPr lang="en-US" dirty="0"/>
-              <a:t>These are unit tests designed to find issues with a particular specific function.</a:t>
-            </a:r>
-          </a:p>
-          <a:p>
-            <a:r>
-              <a:rPr lang="en-US" dirty="0"/>
-              <a:t>This are especially useful when refactoring code as requirements may not be clear</a:t>
+              <a:t>Demo</a:t>
             </a:r>
           </a:p>
         </p:txBody>
@@ -6138,7 +6116,7 @@
     </p:spTree>
     <p:extLst>
       <p:ext uri="{BB962C8B-B14F-4D97-AF65-F5344CB8AC3E}">
-        <p14:creationId xmlns:p14="http://schemas.microsoft.com/office/powerpoint/2010/main" val="2549004961"/>
+        <p14:creationId xmlns:p14="http://schemas.microsoft.com/office/powerpoint/2010/main" val="420280027"/>
       </p:ext>
     </p:extLst>
   </p:cSld>
@@ -6167,7 +6145,7 @@
       </p:grpSpPr>
       <p:sp>
         <p:nvSpPr>
-          <p:cNvPr id="4" name="Title 3"/>
+          <p:cNvPr id="2" name="Title 1"/>
           <p:cNvSpPr>
             <a:spLocks noGrp="1"/>
           </p:cNvSpPr>
@@ -6182,19 +6160,19 @@
           <a:p>
             <a:r>
               <a:rPr lang="en-US" dirty="0"/>
-              <a:t>Testing Code Logic</a:t>
-            </a:r>
-          </a:p>
-        </p:txBody>
-      </p:sp>
-      <p:sp>
-        <p:nvSpPr>
-          <p:cNvPr id="5" name="Text Placeholder 4"/>
-          <p:cNvSpPr>
-            <a:spLocks noGrp="1"/>
-          </p:cNvSpPr>
-          <p:nvPr>
-            <p:ph type="body" idx="1"/>
+              <a:t>Logic Tests</a:t>
+            </a:r>
+          </a:p>
+        </p:txBody>
+      </p:sp>
+      <p:sp>
+        <p:nvSpPr>
+          <p:cNvPr id="3" name="Content Placeholder 2"/>
+          <p:cNvSpPr>
+            <a:spLocks noGrp="1"/>
+          </p:cNvSpPr>
+          <p:nvPr>
+            <p:ph idx="1"/>
           </p:nvPr>
         </p:nvSpPr>
         <p:spPr/>
@@ -6204,7 +6182,13 @@
           <a:p>
             <a:r>
               <a:rPr lang="en-US" dirty="0"/>
-              <a:t>Demo</a:t>
+              <a:t>These are unit tests designed to find issues with a particular specific function.</a:t>
+            </a:r>
+          </a:p>
+          <a:p>
+            <a:r>
+              <a:rPr lang="en-US" dirty="0"/>
+              <a:t>This are especially useful when refactoring code as requirements may not be clear</a:t>
             </a:r>
           </a:p>
         </p:txBody>
@@ -6212,7 +6196,7 @@
     </p:spTree>
     <p:extLst>
       <p:ext uri="{BB962C8B-B14F-4D97-AF65-F5344CB8AC3E}">
-        <p14:creationId xmlns:p14="http://schemas.microsoft.com/office/powerpoint/2010/main" val="3075909317"/>
+        <p14:creationId xmlns:p14="http://schemas.microsoft.com/office/powerpoint/2010/main" val="2549004961"/>
       </p:ext>
     </p:extLst>
   </p:cSld>
@@ -6241,7 +6225,7 @@
       </p:grpSpPr>
       <p:sp>
         <p:nvSpPr>
-          <p:cNvPr id="2" name="Title 1"/>
+          <p:cNvPr id="4" name="Title 3"/>
           <p:cNvSpPr>
             <a:spLocks noGrp="1"/>
           </p:cNvSpPr>
@@ -6256,19 +6240,19 @@
           <a:p>
             <a:r>
               <a:rPr lang="en-US" dirty="0"/>
-              <a:t>Having a Test Suite</a:t>
-            </a:r>
-          </a:p>
-        </p:txBody>
-      </p:sp>
-      <p:sp>
-        <p:nvSpPr>
-          <p:cNvPr id="3" name="Content Placeholder 2"/>
-          <p:cNvSpPr>
-            <a:spLocks noGrp="1"/>
-          </p:cNvSpPr>
-          <p:nvPr>
-            <p:ph idx="1"/>
+              <a:t>Testing Code Logic</a:t>
+            </a:r>
+          </a:p>
+        </p:txBody>
+      </p:sp>
+      <p:sp>
+        <p:nvSpPr>
+          <p:cNvPr id="5" name="Text Placeholder 4"/>
+          <p:cNvSpPr>
+            <a:spLocks noGrp="1"/>
+          </p:cNvSpPr>
+          <p:nvPr>
+            <p:ph type="body" idx="1"/>
           </p:nvPr>
         </p:nvSpPr>
         <p:spPr/>
@@ -6278,19 +6262,7 @@
           <a:p>
             <a:r>
               <a:rPr lang="en-US" dirty="0"/>
-              <a:t>By continuing to grow your test suite with each change, developers spread the load</a:t>
-            </a:r>
-          </a:p>
-          <a:p>
-            <a:r>
-              <a:rPr lang="en-US" dirty="0"/>
-              <a:t>By having a large suite, we have better code coverage.</a:t>
-            </a:r>
-          </a:p>
-          <a:p>
-            <a:r>
-              <a:rPr lang="en-US" dirty="0"/>
-              <a:t>We can easily regression test.</a:t>
+              <a:t>Demo</a:t>
             </a:r>
           </a:p>
         </p:txBody>
@@ -6298,7 +6270,7 @@
     </p:spTree>
     <p:extLst>
       <p:ext uri="{BB962C8B-B14F-4D97-AF65-F5344CB8AC3E}">
-        <p14:creationId xmlns:p14="http://schemas.microsoft.com/office/powerpoint/2010/main" val="2479422556"/>
+        <p14:creationId xmlns:p14="http://schemas.microsoft.com/office/powerpoint/2010/main" val="3075909317"/>
       </p:ext>
     </p:extLst>
   </p:cSld>
@@ -6342,6 +6314,92 @@
           <a:p>
             <a:r>
               <a:rPr lang="en-US" dirty="0"/>
+              <a:t>Having a Test Suite</a:t>
+            </a:r>
+          </a:p>
+        </p:txBody>
+      </p:sp>
+      <p:sp>
+        <p:nvSpPr>
+          <p:cNvPr id="3" name="Content Placeholder 2"/>
+          <p:cNvSpPr>
+            <a:spLocks noGrp="1"/>
+          </p:cNvSpPr>
+          <p:nvPr>
+            <p:ph idx="1"/>
+          </p:nvPr>
+        </p:nvSpPr>
+        <p:spPr/>
+        <p:txBody>
+          <a:bodyPr/>
+          <a:lstStyle/>
+          <a:p>
+            <a:r>
+              <a:rPr lang="en-US" dirty="0"/>
+              <a:t>By continuing to grow your test suite with each change, developers spread the load</a:t>
+            </a:r>
+          </a:p>
+          <a:p>
+            <a:r>
+              <a:rPr lang="en-US" dirty="0"/>
+              <a:t>By having a large suite, we have better code coverage.</a:t>
+            </a:r>
+          </a:p>
+          <a:p>
+            <a:r>
+              <a:rPr lang="en-US" dirty="0"/>
+              <a:t>We can easily regression test.</a:t>
+            </a:r>
+          </a:p>
+        </p:txBody>
+      </p:sp>
+    </p:spTree>
+    <p:extLst>
+      <p:ext uri="{BB962C8B-B14F-4D97-AF65-F5344CB8AC3E}">
+        <p14:creationId xmlns:p14="http://schemas.microsoft.com/office/powerpoint/2010/main" val="2479422556"/>
+      </p:ext>
+    </p:extLst>
+  </p:cSld>
+  <p:clrMapOvr>
+    <a:masterClrMapping/>
+  </p:clrMapOvr>
+</p:sld>
+</file>
+
+<file path=ppt/slides/slide24.xml><?xml version="1.0" encoding="utf-8"?>
+<p:sld xmlns:a="http://schemas.openxmlformats.org/drawingml/2006/main" xmlns:r="http://schemas.openxmlformats.org/officeDocument/2006/relationships" xmlns:p="http://schemas.openxmlformats.org/presentationml/2006/main">
+  <p:cSld>
+    <p:spTree>
+      <p:nvGrpSpPr>
+        <p:cNvPr id="1" name=""/>
+        <p:cNvGrpSpPr/>
+        <p:nvPr/>
+      </p:nvGrpSpPr>
+      <p:grpSpPr>
+        <a:xfrm>
+          <a:off x="0" y="0"/>
+          <a:ext cx="0" cy="0"/>
+          <a:chOff x="0" y="0"/>
+          <a:chExt cx="0" cy="0"/>
+        </a:xfrm>
+      </p:grpSpPr>
+      <p:sp>
+        <p:nvSpPr>
+          <p:cNvPr id="2" name="Title 1"/>
+          <p:cNvSpPr>
+            <a:spLocks noGrp="1"/>
+          </p:cNvSpPr>
+          <p:nvPr>
+            <p:ph type="title"/>
+          </p:nvPr>
+        </p:nvSpPr>
+        <p:spPr/>
+        <p:txBody>
+          <a:bodyPr/>
+          <a:lstStyle/>
+          <a:p>
+            <a:r>
+              <a:rPr lang="en-US" dirty="0"/>
               <a:t>Summary</a:t>
             </a:r>
           </a:p>
@@ -6408,7 +6466,7 @@
 </p:sld>
 </file>
 
-<file path=ppt/slides/slide24.xml><?xml version="1.0" encoding="utf-8"?>
+<file path=ppt/slides/slide25.xml><?xml version="1.0" encoding="utf-8"?>
 <p:sld xmlns:a="http://schemas.openxmlformats.org/drawingml/2006/main" xmlns:r="http://schemas.openxmlformats.org/officeDocument/2006/relationships" xmlns:p="http://schemas.openxmlformats.org/presentationml/2006/main">
   <p:cSld>
     <p:spTree>
@@ -7001,104 +7059,6 @@
 </p:sld>
 </file>
 
-<file path=ppt/slides/slide25.xml><?xml version="1.0" encoding="utf-8"?>
-<p:sld xmlns:a="http://schemas.openxmlformats.org/drawingml/2006/main" xmlns:r="http://schemas.openxmlformats.org/officeDocument/2006/relationships" xmlns:p="http://schemas.openxmlformats.org/presentationml/2006/main">
-  <p:cSld>
-    <p:spTree>
-      <p:nvGrpSpPr>
-        <p:cNvPr id="1" name=""/>
-        <p:cNvGrpSpPr/>
-        <p:nvPr/>
-      </p:nvGrpSpPr>
-      <p:grpSpPr>
-        <a:xfrm>
-          <a:off x="0" y="0"/>
-          <a:ext cx="0" cy="0"/>
-          <a:chOff x="0" y="0"/>
-          <a:chExt cx="0" cy="0"/>
-        </a:xfrm>
-      </p:grpSpPr>
-      <p:sp>
-        <p:nvSpPr>
-          <p:cNvPr id="2" name="Title 1"/>
-          <p:cNvSpPr>
-            <a:spLocks noGrp="1"/>
-          </p:cNvSpPr>
-          <p:nvPr>
-            <p:ph type="title"/>
-          </p:nvPr>
-        </p:nvSpPr>
-        <p:spPr/>
-        <p:txBody>
-          <a:bodyPr/>
-          <a:lstStyle/>
-          <a:p>
-            <a:r>
-              <a:rPr lang="en-US" dirty="0"/>
-              <a:t>References</a:t>
-            </a:r>
-          </a:p>
-        </p:txBody>
-      </p:sp>
-      <p:sp>
-        <p:nvSpPr>
-          <p:cNvPr id="3" name="Content Placeholder 2"/>
-          <p:cNvSpPr>
-            <a:spLocks noGrp="1"/>
-          </p:cNvSpPr>
-          <p:nvPr>
-            <p:ph idx="1"/>
-          </p:nvPr>
-        </p:nvSpPr>
-        <p:spPr/>
-        <p:txBody>
-          <a:bodyPr/>
-          <a:lstStyle/>
-          <a:p>
-            <a:r>
-              <a:rPr lang="en-US" dirty="0"/>
-              <a:t>Continuous Integration – http://en.wikipedia.org/wiki/Continuous_integration</a:t>
-            </a:r>
-          </a:p>
-          <a:p>
-            <a:r>
-              <a:rPr lang="en-US" dirty="0"/>
-              <a:t>Getting Started Testing Databases with </a:t>
-            </a:r>
-            <a:r>
-              <a:rPr lang="en-US" dirty="0" err="1"/>
-              <a:t>tSQLt</a:t>
-            </a:r>
-            <a:r>
-              <a:rPr lang="en-US" dirty="0"/>
-              <a:t> - </a:t>
-            </a:r>
-            <a:r>
-              <a:rPr lang="en-US" dirty="0">
-                <a:hlinkClick r:id="rId2"/>
-              </a:rPr>
-              <a:t>https://www.simple-talk.com/sql/t-sql-programming/getting-started-testing-databases-with-tsqlt/</a:t>
-            </a:r>
-            <a:endParaRPr lang="en-US" dirty="0"/>
-          </a:p>
-          <a:p>
-            <a:endParaRPr lang="en-US" dirty="0"/>
-          </a:p>
-        </p:txBody>
-      </p:sp>
-    </p:spTree>
-    <p:extLst>
-      <p:ext uri="{BB962C8B-B14F-4D97-AF65-F5344CB8AC3E}">
-        <p14:creationId xmlns:p14="http://schemas.microsoft.com/office/powerpoint/2010/main" val="2962012683"/>
-      </p:ext>
-    </p:extLst>
-  </p:cSld>
-  <p:clrMapOvr>
-    <a:masterClrMapping/>
-  </p:clrMapOvr>
-</p:sld>
-</file>
-
 <file path=ppt/slides/slide26.xml><?xml version="1.0" encoding="utf-8"?>
 <p:sld xmlns:a="http://schemas.openxmlformats.org/drawingml/2006/main" xmlns:r="http://schemas.openxmlformats.org/officeDocument/2006/relationships" xmlns:p="http://schemas.openxmlformats.org/presentationml/2006/main">
   <p:cSld>
@@ -7133,6 +7093,104 @@
           <a:p>
             <a:r>
               <a:rPr lang="en-US" dirty="0"/>
+              <a:t>References</a:t>
+            </a:r>
+          </a:p>
+        </p:txBody>
+      </p:sp>
+      <p:sp>
+        <p:nvSpPr>
+          <p:cNvPr id="3" name="Content Placeholder 2"/>
+          <p:cNvSpPr>
+            <a:spLocks noGrp="1"/>
+          </p:cNvSpPr>
+          <p:nvPr>
+            <p:ph idx="1"/>
+          </p:nvPr>
+        </p:nvSpPr>
+        <p:spPr/>
+        <p:txBody>
+          <a:bodyPr/>
+          <a:lstStyle/>
+          <a:p>
+            <a:r>
+              <a:rPr lang="en-US" dirty="0"/>
+              <a:t>Continuous Integration – http://en.wikipedia.org/wiki/Continuous_integration</a:t>
+            </a:r>
+          </a:p>
+          <a:p>
+            <a:r>
+              <a:rPr lang="en-US" dirty="0"/>
+              <a:t>Getting Started Testing Databases with </a:t>
+            </a:r>
+            <a:r>
+              <a:rPr lang="en-US" dirty="0" err="1"/>
+              <a:t>tSQLt</a:t>
+            </a:r>
+            <a:r>
+              <a:rPr lang="en-US" dirty="0"/>
+              <a:t> - </a:t>
+            </a:r>
+            <a:r>
+              <a:rPr lang="en-US" dirty="0">
+                <a:hlinkClick r:id="rId2"/>
+              </a:rPr>
+              <a:t>https://www.simple-talk.com/sql/t-sql-programming/getting-started-testing-databases-with-tsqlt/</a:t>
+            </a:r>
+            <a:endParaRPr lang="en-US" dirty="0"/>
+          </a:p>
+          <a:p>
+            <a:endParaRPr lang="en-US" dirty="0"/>
+          </a:p>
+        </p:txBody>
+      </p:sp>
+    </p:spTree>
+    <p:extLst>
+      <p:ext uri="{BB962C8B-B14F-4D97-AF65-F5344CB8AC3E}">
+        <p14:creationId xmlns:p14="http://schemas.microsoft.com/office/powerpoint/2010/main" val="2962012683"/>
+      </p:ext>
+    </p:extLst>
+  </p:cSld>
+  <p:clrMapOvr>
+    <a:masterClrMapping/>
+  </p:clrMapOvr>
+</p:sld>
+</file>
+
+<file path=ppt/slides/slide27.xml><?xml version="1.0" encoding="utf-8"?>
+<p:sld xmlns:a="http://schemas.openxmlformats.org/drawingml/2006/main" xmlns:r="http://schemas.openxmlformats.org/officeDocument/2006/relationships" xmlns:p="http://schemas.openxmlformats.org/presentationml/2006/main">
+  <p:cSld>
+    <p:spTree>
+      <p:nvGrpSpPr>
+        <p:cNvPr id="1" name=""/>
+        <p:cNvGrpSpPr/>
+        <p:nvPr/>
+      </p:nvGrpSpPr>
+      <p:grpSpPr>
+        <a:xfrm>
+          <a:off x="0" y="0"/>
+          <a:ext cx="0" cy="0"/>
+          <a:chOff x="0" y="0"/>
+          <a:chExt cx="0" cy="0"/>
+        </a:xfrm>
+      </p:grpSpPr>
+      <p:sp>
+        <p:nvSpPr>
+          <p:cNvPr id="2" name="Title 1"/>
+          <p:cNvSpPr>
+            <a:spLocks noGrp="1"/>
+          </p:cNvSpPr>
+          <p:nvPr>
+            <p:ph type="title"/>
+          </p:nvPr>
+        </p:nvSpPr>
+        <p:spPr/>
+        <p:txBody>
+          <a:bodyPr/>
+          <a:lstStyle/>
+          <a:p>
+            <a:r>
+              <a:rPr lang="en-US" dirty="0"/>
               <a:t>Images</a:t>
             </a:r>
           </a:p>
@@ -7197,6 +7255,103 @@
 </file>
 
 <file path=ppt/slides/slide3.xml><?xml version="1.0" encoding="utf-8"?>
+<p:sld xmlns:a="http://schemas.openxmlformats.org/drawingml/2006/main" xmlns:r="http://schemas.openxmlformats.org/officeDocument/2006/relationships" xmlns:p="http://schemas.openxmlformats.org/presentationml/2006/main">
+  <p:cSld>
+    <p:spTree>
+      <p:nvGrpSpPr>
+        <p:cNvPr id="1" name=""/>
+        <p:cNvGrpSpPr/>
+        <p:nvPr/>
+      </p:nvGrpSpPr>
+      <p:grpSpPr>
+        <a:xfrm>
+          <a:off x="0" y="0"/>
+          <a:ext cx="0" cy="0"/>
+          <a:chOff x="0" y="0"/>
+          <a:chExt cx="0" cy="0"/>
+        </a:xfrm>
+      </p:grpSpPr>
+      <p:sp>
+        <p:nvSpPr>
+          <p:cNvPr id="2" name="Title 1"/>
+          <p:cNvSpPr>
+            <a:spLocks noGrp="1"/>
+          </p:cNvSpPr>
+          <p:nvPr>
+            <p:ph type="title"/>
+          </p:nvPr>
+        </p:nvSpPr>
+        <p:spPr/>
+        <p:txBody>
+          <a:bodyPr/>
+          <a:lstStyle/>
+          <a:p>
+            <a:r>
+              <a:rPr lang="en-US" dirty="0"/>
+              <a:t>Agenda</a:t>
+            </a:r>
+          </a:p>
+        </p:txBody>
+      </p:sp>
+      <p:sp>
+        <p:nvSpPr>
+          <p:cNvPr id="3" name="Content Placeholder 2"/>
+          <p:cNvSpPr>
+            <a:spLocks noGrp="1"/>
+          </p:cNvSpPr>
+          <p:nvPr>
+            <p:ph idx="1"/>
+          </p:nvPr>
+        </p:nvSpPr>
+        <p:spPr/>
+        <p:txBody>
+          <a:bodyPr/>
+          <a:lstStyle/>
+          <a:p>
+            <a:r>
+              <a:rPr lang="en-US" dirty="0"/>
+              <a:t>Who Am I?</a:t>
+            </a:r>
+          </a:p>
+          <a:p>
+            <a:r>
+              <a:rPr lang="en-US" dirty="0"/>
+              <a:t>Testing Software</a:t>
+            </a:r>
+          </a:p>
+          <a:p>
+            <a:r>
+              <a:rPr lang="en-US" dirty="0"/>
+              <a:t>Database </a:t>
+            </a:r>
+            <a:r>
+              <a:rPr lang="en-US"/>
+              <a:t>Testing Frameworks</a:t>
+            </a:r>
+            <a:endParaRPr lang="en-US" dirty="0"/>
+          </a:p>
+          <a:p>
+            <a:r>
+              <a:rPr lang="en-US" dirty="0"/>
+              <a:t>Test Examples</a:t>
+            </a:r>
+          </a:p>
+        </p:txBody>
+      </p:sp>
+    </p:spTree>
+    <p:extLst>
+      <p:ext uri="{BB962C8B-B14F-4D97-AF65-F5344CB8AC3E}">
+        <p14:creationId xmlns:p14="http://schemas.microsoft.com/office/powerpoint/2010/main" val="718457474"/>
+      </p:ext>
+    </p:extLst>
+  </p:cSld>
+  <p:clrMapOvr>
+    <a:masterClrMapping/>
+  </p:clrMapOvr>
+</p:sld>
+</file>
+
+<file path=ppt/slides/slide4.xml><?xml version="1.0" encoding="utf-8"?>
 <p:sld xmlns:a="http://schemas.openxmlformats.org/drawingml/2006/main" xmlns:r="http://schemas.openxmlformats.org/officeDocument/2006/relationships" xmlns:p="http://schemas.openxmlformats.org/presentationml/2006/main">
   <p:cSld>
     <p:spTree>
@@ -7699,7 +7854,7 @@
 </p:sld>
 </file>
 
-<file path=ppt/slides/slide4.xml><?xml version="1.0" encoding="utf-8"?>
+<file path=ppt/slides/slide5.xml><?xml version="1.0" encoding="utf-8"?>
 <p:sld xmlns:a="http://schemas.openxmlformats.org/drawingml/2006/main" xmlns:r="http://schemas.openxmlformats.org/officeDocument/2006/relationships" xmlns:p="http://schemas.openxmlformats.org/presentationml/2006/main">
   <p:cSld>
     <p:spTree>
@@ -8336,103 +8491,6 @@
 </p:sld>
 </file>
 
-<file path=ppt/slides/slide5.xml><?xml version="1.0" encoding="utf-8"?>
-<p:sld xmlns:a="http://schemas.openxmlformats.org/drawingml/2006/main" xmlns:r="http://schemas.openxmlformats.org/officeDocument/2006/relationships" xmlns:p="http://schemas.openxmlformats.org/presentationml/2006/main">
-  <p:cSld>
-    <p:spTree>
-      <p:nvGrpSpPr>
-        <p:cNvPr id="1" name=""/>
-        <p:cNvGrpSpPr/>
-        <p:nvPr/>
-      </p:nvGrpSpPr>
-      <p:grpSpPr>
-        <a:xfrm>
-          <a:off x="0" y="0"/>
-          <a:ext cx="0" cy="0"/>
-          <a:chOff x="0" y="0"/>
-          <a:chExt cx="0" cy="0"/>
-        </a:xfrm>
-      </p:grpSpPr>
-      <p:sp>
-        <p:nvSpPr>
-          <p:cNvPr id="2" name="Title 1"/>
-          <p:cNvSpPr>
-            <a:spLocks noGrp="1"/>
-          </p:cNvSpPr>
-          <p:nvPr>
-            <p:ph type="title"/>
-          </p:nvPr>
-        </p:nvSpPr>
-        <p:spPr/>
-        <p:txBody>
-          <a:bodyPr/>
-          <a:lstStyle/>
-          <a:p>
-            <a:r>
-              <a:rPr lang="en-US" dirty="0"/>
-              <a:t>Unit Testing</a:t>
-            </a:r>
-          </a:p>
-        </p:txBody>
-      </p:sp>
-      <p:sp>
-        <p:nvSpPr>
-          <p:cNvPr id="5" name="TextBox 4"/>
-          <p:cNvSpPr txBox="1"/>
-          <p:nvPr/>
-        </p:nvSpPr>
-        <p:spPr>
-          <a:xfrm>
-            <a:off x="405244" y="1987811"/>
-            <a:ext cx="7886700" cy="3877985"/>
-          </a:xfrm>
-          <a:prstGeom prst="rect">
-            <a:avLst/>
-          </a:prstGeom>
-          <a:noFill/>
-        </p:spPr>
-        <p:txBody>
-          <a:bodyPr wrap="square" rtlCol="0">
-            <a:spAutoFit/>
-          </a:bodyPr>
-          <a:lstStyle/>
-          <a:p>
-            <a:r>
-              <a:rPr lang="en-US" sz="3600" dirty="0"/>
-              <a:t>“The primary goal of unit testing is to take the smallest piece of testable software in the application, isolate it from the remainder of the code, and determine whether it behaves exactly as you expect.“</a:t>
-            </a:r>
-          </a:p>
-          <a:p>
-            <a:endParaRPr lang="en-US" dirty="0"/>
-          </a:p>
-          <a:p>
-            <a:r>
-              <a:rPr lang="en-US" sz="1200" dirty="0"/>
-              <a:t>From </a:t>
-            </a:r>
-            <a:r>
-              <a:rPr lang="en-US" sz="1200" dirty="0">
-                <a:hlinkClick r:id="rId3"/>
-              </a:rPr>
-              <a:t>https://msdn.microsoft.com/en-us/library/aa292197%28v=vs.71%29.aspx</a:t>
-            </a:r>
-            <a:endParaRPr lang="en-US" sz="1200" dirty="0"/>
-          </a:p>
-        </p:txBody>
-      </p:sp>
-    </p:spTree>
-    <p:extLst>
-      <p:ext uri="{BB962C8B-B14F-4D97-AF65-F5344CB8AC3E}">
-        <p14:creationId xmlns:p14="http://schemas.microsoft.com/office/powerpoint/2010/main" val="2912118878"/>
-      </p:ext>
-    </p:extLst>
-  </p:cSld>
-  <p:clrMapOvr>
-    <a:masterClrMapping/>
-  </p:clrMapOvr>
-</p:sld>
-</file>
-
 <file path=ppt/slides/slide6.xml><?xml version="1.0" encoding="utf-8"?>
 <p:sld xmlns:a="http://schemas.openxmlformats.org/drawingml/2006/main" xmlns:r="http://schemas.openxmlformats.org/officeDocument/2006/relationships" xmlns:p="http://schemas.openxmlformats.org/presentationml/2006/main">
   <p:cSld>
@@ -8474,6 +8532,103 @@
       </p:sp>
       <p:sp>
         <p:nvSpPr>
+          <p:cNvPr id="5" name="TextBox 4"/>
+          <p:cNvSpPr txBox="1"/>
+          <p:nvPr/>
+        </p:nvSpPr>
+        <p:spPr>
+          <a:xfrm>
+            <a:off x="405244" y="1987811"/>
+            <a:ext cx="7886700" cy="3877985"/>
+          </a:xfrm>
+          <a:prstGeom prst="rect">
+            <a:avLst/>
+          </a:prstGeom>
+          <a:noFill/>
+        </p:spPr>
+        <p:txBody>
+          <a:bodyPr wrap="square" rtlCol="0">
+            <a:spAutoFit/>
+          </a:bodyPr>
+          <a:lstStyle/>
+          <a:p>
+            <a:r>
+              <a:rPr lang="en-US" sz="3600" dirty="0"/>
+              <a:t>“The primary goal of unit testing is to take the smallest piece of testable software in the application, isolate it from the remainder of the code, and determine whether it behaves exactly as you expect.“</a:t>
+            </a:r>
+          </a:p>
+          <a:p>
+            <a:endParaRPr lang="en-US" dirty="0"/>
+          </a:p>
+          <a:p>
+            <a:r>
+              <a:rPr lang="en-US" sz="1200" dirty="0"/>
+              <a:t>From </a:t>
+            </a:r>
+            <a:r>
+              <a:rPr lang="en-US" sz="1200" dirty="0">
+                <a:hlinkClick r:id="rId3"/>
+              </a:rPr>
+              <a:t>https://msdn.microsoft.com/en-us/library/aa292197%28v=vs.71%29.aspx</a:t>
+            </a:r>
+            <a:endParaRPr lang="en-US" sz="1200" dirty="0"/>
+          </a:p>
+        </p:txBody>
+      </p:sp>
+    </p:spTree>
+    <p:extLst>
+      <p:ext uri="{BB962C8B-B14F-4D97-AF65-F5344CB8AC3E}">
+        <p14:creationId xmlns:p14="http://schemas.microsoft.com/office/powerpoint/2010/main" val="2912118878"/>
+      </p:ext>
+    </p:extLst>
+  </p:cSld>
+  <p:clrMapOvr>
+    <a:masterClrMapping/>
+  </p:clrMapOvr>
+</p:sld>
+</file>
+
+<file path=ppt/slides/slide7.xml><?xml version="1.0" encoding="utf-8"?>
+<p:sld xmlns:a="http://schemas.openxmlformats.org/drawingml/2006/main" xmlns:r="http://schemas.openxmlformats.org/officeDocument/2006/relationships" xmlns:p="http://schemas.openxmlformats.org/presentationml/2006/main">
+  <p:cSld>
+    <p:spTree>
+      <p:nvGrpSpPr>
+        <p:cNvPr id="1" name=""/>
+        <p:cNvGrpSpPr/>
+        <p:nvPr/>
+      </p:nvGrpSpPr>
+      <p:grpSpPr>
+        <a:xfrm>
+          <a:off x="0" y="0"/>
+          <a:ext cx="0" cy="0"/>
+          <a:chOff x="0" y="0"/>
+          <a:chExt cx="0" cy="0"/>
+        </a:xfrm>
+      </p:grpSpPr>
+      <p:sp>
+        <p:nvSpPr>
+          <p:cNvPr id="2" name="Title 1"/>
+          <p:cNvSpPr>
+            <a:spLocks noGrp="1"/>
+          </p:cNvSpPr>
+          <p:nvPr>
+            <p:ph type="title"/>
+          </p:nvPr>
+        </p:nvSpPr>
+        <p:spPr/>
+        <p:txBody>
+          <a:bodyPr/>
+          <a:lstStyle/>
+          <a:p>
+            <a:r>
+              <a:rPr lang="en-US" dirty="0"/>
+              <a:t>Unit Testing</a:t>
+            </a:r>
+          </a:p>
+        </p:txBody>
+      </p:sp>
+      <p:sp>
+        <p:nvSpPr>
           <p:cNvPr id="12" name="TextBox 11"/>
           <p:cNvSpPr txBox="1"/>
           <p:nvPr/>
@@ -8534,7 +8689,7 @@
 </p:sld>
 </file>
 
-<file path=ppt/slides/slide7.xml><?xml version="1.0" encoding="utf-8"?>
+<file path=ppt/slides/slide8.xml><?xml version="1.0" encoding="utf-8"?>
 <p:sld xmlns:a="http://schemas.openxmlformats.org/drawingml/2006/main" xmlns:r="http://schemas.openxmlformats.org/officeDocument/2006/relationships" xmlns:p="http://schemas.openxmlformats.org/presentationml/2006/main">
   <p:cSld>
     <p:spTree>
@@ -8615,7 +8770,7 @@
 </p:sld>
 </file>
 
-<file path=ppt/slides/slide8.xml><?xml version="1.0" encoding="utf-8"?>
+<file path=ppt/slides/slide9.xml><?xml version="1.0" encoding="utf-8"?>
 <p:sld xmlns:a="http://schemas.openxmlformats.org/drawingml/2006/main" xmlns:r="http://schemas.openxmlformats.org/officeDocument/2006/relationships" xmlns:p="http://schemas.openxmlformats.org/presentationml/2006/main">
   <p:cSld>
     <p:spTree>
@@ -8687,92 +8842,6 @@
     <p:extLst>
       <p:ext uri="{BB962C8B-B14F-4D97-AF65-F5344CB8AC3E}">
         <p14:creationId xmlns:p14="http://schemas.microsoft.com/office/powerpoint/2010/main" val="4110603329"/>
-      </p:ext>
-    </p:extLst>
-  </p:cSld>
-  <p:clrMapOvr>
-    <a:masterClrMapping/>
-  </p:clrMapOvr>
-</p:sld>
-</file>
-
-<file path=ppt/slides/slide9.xml><?xml version="1.0" encoding="utf-8"?>
-<p:sld xmlns:a="http://schemas.openxmlformats.org/drawingml/2006/main" xmlns:r="http://schemas.openxmlformats.org/officeDocument/2006/relationships" xmlns:p="http://schemas.openxmlformats.org/presentationml/2006/main">
-  <p:cSld>
-    <p:spTree>
-      <p:nvGrpSpPr>
-        <p:cNvPr id="1" name=""/>
-        <p:cNvGrpSpPr/>
-        <p:nvPr/>
-      </p:nvGrpSpPr>
-      <p:grpSpPr>
-        <a:xfrm>
-          <a:off x="0" y="0"/>
-          <a:ext cx="0" cy="0"/>
-          <a:chOff x="0" y="0"/>
-          <a:chExt cx="0" cy="0"/>
-        </a:xfrm>
-      </p:grpSpPr>
-      <p:sp>
-        <p:nvSpPr>
-          <p:cNvPr id="2" name="Title 1"/>
-          <p:cNvSpPr>
-            <a:spLocks noGrp="1"/>
-          </p:cNvSpPr>
-          <p:nvPr>
-            <p:ph type="title"/>
-          </p:nvPr>
-        </p:nvSpPr>
-        <p:spPr/>
-        <p:txBody>
-          <a:bodyPr/>
-          <a:lstStyle/>
-          <a:p>
-            <a:r>
-              <a:rPr lang="en-US" dirty="0"/>
-              <a:t>Building Tests</a:t>
-            </a:r>
-          </a:p>
-        </p:txBody>
-      </p:sp>
-      <p:sp>
-        <p:nvSpPr>
-          <p:cNvPr id="3" name="Content Placeholder 2"/>
-          <p:cNvSpPr>
-            <a:spLocks noGrp="1"/>
-          </p:cNvSpPr>
-          <p:nvPr>
-            <p:ph idx="1"/>
-          </p:nvPr>
-        </p:nvSpPr>
-        <p:spPr/>
-        <p:txBody>
-          <a:bodyPr/>
-          <a:lstStyle/>
-          <a:p>
-            <a:r>
-              <a:rPr lang="en-US" dirty="0"/>
-              <a:t>We want repeatable tests</a:t>
-            </a:r>
-          </a:p>
-          <a:p>
-            <a:r>
-              <a:rPr lang="en-US" dirty="0"/>
-              <a:t>We want automated tests</a:t>
-            </a:r>
-          </a:p>
-          <a:p>
-            <a:r>
-              <a:rPr lang="en-US" dirty="0"/>
-              <a:t>We want a suite of tests</a:t>
-            </a:r>
-          </a:p>
-        </p:txBody>
-      </p:sp>
-    </p:spTree>
-    <p:extLst>
-      <p:ext uri="{BB962C8B-B14F-4D97-AF65-F5344CB8AC3E}">
-        <p14:creationId xmlns:p14="http://schemas.microsoft.com/office/powerpoint/2010/main" val="2858332371"/>
       </p:ext>
     </p:extLst>
   </p:cSld>

--- a/UnitTestingTSQL.pptx
+++ b/UnitTestingTSQL.pptx
@@ -5,35 +5,36 @@
     <p:sldMasterId id="2147483648" r:id="rId1"/>
   </p:sldMasterIdLst>
   <p:notesMasterIdLst>
-    <p:notesMasterId r:id="rId28"/>
+    <p:notesMasterId r:id="rId29"/>
   </p:notesMasterIdLst>
   <p:sldIdLst>
     <p:sldId id="256" r:id="rId2"/>
-    <p:sldId id="282" r:id="rId3"/>
-    <p:sldId id="283" r:id="rId4"/>
-    <p:sldId id="289" r:id="rId5"/>
-    <p:sldId id="290" r:id="rId6"/>
-    <p:sldId id="291" r:id="rId7"/>
-    <p:sldId id="292" r:id="rId8"/>
-    <p:sldId id="257" r:id="rId9"/>
-    <p:sldId id="279" r:id="rId10"/>
-    <p:sldId id="280" r:id="rId11"/>
-    <p:sldId id="293" r:id="rId12"/>
-    <p:sldId id="294" r:id="rId13"/>
-    <p:sldId id="295" r:id="rId14"/>
-    <p:sldId id="296" r:id="rId15"/>
-    <p:sldId id="261" r:id="rId16"/>
-    <p:sldId id="287" r:id="rId17"/>
-    <p:sldId id="297" r:id="rId18"/>
-    <p:sldId id="262" r:id="rId19"/>
-    <p:sldId id="284" r:id="rId20"/>
-    <p:sldId id="273" r:id="rId21"/>
-    <p:sldId id="285" r:id="rId22"/>
-    <p:sldId id="276" r:id="rId23"/>
-    <p:sldId id="278" r:id="rId24"/>
-    <p:sldId id="270" r:id="rId25"/>
-    <p:sldId id="271" r:id="rId26"/>
-    <p:sldId id="265" r:id="rId27"/>
+    <p:sldId id="298" r:id="rId3"/>
+    <p:sldId id="282" r:id="rId4"/>
+    <p:sldId id="283" r:id="rId5"/>
+    <p:sldId id="289" r:id="rId6"/>
+    <p:sldId id="290" r:id="rId7"/>
+    <p:sldId id="291" r:id="rId8"/>
+    <p:sldId id="292" r:id="rId9"/>
+    <p:sldId id="257" r:id="rId10"/>
+    <p:sldId id="279" r:id="rId11"/>
+    <p:sldId id="280" r:id="rId12"/>
+    <p:sldId id="293" r:id="rId13"/>
+    <p:sldId id="294" r:id="rId14"/>
+    <p:sldId id="295" r:id="rId15"/>
+    <p:sldId id="296" r:id="rId16"/>
+    <p:sldId id="261" r:id="rId17"/>
+    <p:sldId id="287" r:id="rId18"/>
+    <p:sldId id="297" r:id="rId19"/>
+    <p:sldId id="262" r:id="rId20"/>
+    <p:sldId id="284" r:id="rId21"/>
+    <p:sldId id="273" r:id="rId22"/>
+    <p:sldId id="285" r:id="rId23"/>
+    <p:sldId id="276" r:id="rId24"/>
+    <p:sldId id="278" r:id="rId25"/>
+    <p:sldId id="270" r:id="rId26"/>
+    <p:sldId id="271" r:id="rId27"/>
+    <p:sldId id="265" r:id="rId28"/>
   </p:sldIdLst>
   <p:sldSz cx="9144000" cy="6858000" type="screen4x3"/>
   <p:notesSz cx="6858000" cy="9144000"/>
@@ -233,7 +234,7 @@
           <a:p>
             <a:fld id="{3C31BDEC-C855-4A20-BFC3-C78B82093698}" type="datetimeFigureOut">
               <a:rPr lang="en-US" smtClean="0"/>
-              <a:t>7/21/2017</a:t>
+              <a:t>7/22/2017</a:t>
             </a:fld>
             <a:endParaRPr lang="en-US"/>
           </a:p>
@@ -657,7 +658,7 @@
           <a:p>
             <a:fld id="{737EB954-88EE-45B2-878D-41C5C083E9B9}" type="slidenum">
               <a:rPr lang="en-US" smtClean="0"/>
-              <a:t>18</a:t>
+              <a:t>19</a:t>
             </a:fld>
             <a:endParaRPr lang="en-US"/>
           </a:p>
@@ -761,7 +762,7 @@
           <a:p>
             <a:fld id="{737EB954-88EE-45B2-878D-41C5C083E9B9}" type="slidenum">
               <a:rPr lang="en-US" smtClean="0"/>
-              <a:t>19</a:t>
+              <a:t>20</a:t>
             </a:fld>
             <a:endParaRPr lang="en-US"/>
           </a:p>
@@ -875,7 +876,7 @@
           <a:p>
             <a:fld id="{737EB954-88EE-45B2-878D-41C5C083E9B9}" type="slidenum">
               <a:rPr lang="en-US" smtClean="0"/>
-              <a:t>21</a:t>
+              <a:t>22</a:t>
             </a:fld>
             <a:endParaRPr lang="en-US"/>
           </a:p>
@@ -995,7 +996,7 @@
           <a:p>
             <a:fld id="{737EB954-88EE-45B2-878D-41C5C083E9B9}" type="slidenum">
               <a:rPr lang="en-US" smtClean="0"/>
-              <a:t>26</a:t>
+              <a:t>27</a:t>
             </a:fld>
             <a:endParaRPr lang="en-US"/>
           </a:p>
@@ -1089,7 +1090,7 @@
                 </a:solidFill>
               </a:rPr>
               <a:pPr/>
-              <a:t>3</a:t>
+              <a:t>4</a:t>
             </a:fld>
             <a:endParaRPr lang="en-GB" dirty="0">
               <a:solidFill>
@@ -1182,7 +1183,7 @@
           <a:p>
             <a:fld id="{23D30045-AEBE-4117-8D8F-8499E1D0AF2B}" type="slidenum">
               <a:rPr lang="en-US" smtClean="0"/>
-              <a:t>5</a:t>
+              <a:t>6</a:t>
             </a:fld>
             <a:endParaRPr lang="en-US"/>
           </a:p>
@@ -1271,7 +1272,7 @@
           <a:p>
             <a:fld id="{23D30045-AEBE-4117-8D8F-8499E1D0AF2B}" type="slidenum">
               <a:rPr lang="en-US" smtClean="0"/>
-              <a:t>6</a:t>
+              <a:t>7</a:t>
             </a:fld>
             <a:endParaRPr lang="en-US"/>
           </a:p>
@@ -1358,7 +1359,7 @@
           <a:p>
             <a:fld id="{23D30045-AEBE-4117-8D8F-8499E1D0AF2B}" type="slidenum">
               <a:rPr lang="en-US" smtClean="0"/>
-              <a:t>7</a:t>
+              <a:t>8</a:t>
             </a:fld>
             <a:endParaRPr lang="en-US"/>
           </a:p>
@@ -1450,7 +1451,7 @@
           <a:p>
             <a:fld id="{737EB954-88EE-45B2-878D-41C5C083E9B9}" type="slidenum">
               <a:rPr lang="en-US" smtClean="0"/>
-              <a:t>8</a:t>
+              <a:t>9</a:t>
             </a:fld>
             <a:endParaRPr lang="en-US"/>
           </a:p>
@@ -1534,7 +1535,7 @@
           <a:p>
             <a:fld id="{737EB954-88EE-45B2-878D-41C5C083E9B9}" type="slidenum">
               <a:rPr lang="en-US" smtClean="0"/>
-              <a:t>13</a:t>
+              <a:t>14</a:t>
             </a:fld>
             <a:endParaRPr lang="en-US"/>
           </a:p>
@@ -1626,7 +1627,7 @@
           <a:p>
             <a:fld id="{737EB954-88EE-45B2-878D-41C5C083E9B9}" type="slidenum">
               <a:rPr lang="en-US" smtClean="0"/>
-              <a:t>15</a:t>
+              <a:t>16</a:t>
             </a:fld>
             <a:endParaRPr lang="en-US"/>
           </a:p>
@@ -1716,7 +1717,7 @@
           <a:p>
             <a:fld id="{737EB954-88EE-45B2-878D-41C5C083E9B9}" type="slidenum">
               <a:rPr lang="en-US" smtClean="0"/>
-              <a:t>16</a:t>
+              <a:t>17</a:t>
             </a:fld>
             <a:endParaRPr lang="en-US"/>
           </a:p>
@@ -1915,7 +1916,7 @@
             <a:fld id="{1D8BD707-D9CF-40AE-B4C6-C98DA3205C09}" type="datetimeFigureOut">
               <a:rPr lang="en-US" smtClean="0"/>
               <a:pPr/>
-              <a:t>7/21/2017</a:t>
+              <a:t>7/22/2017</a:t>
             </a:fld>
             <a:endParaRPr lang="en-US"/>
           </a:p>
@@ -2080,7 +2081,7 @@
             <a:fld id="{1D8BD707-D9CF-40AE-B4C6-C98DA3205C09}" type="datetimeFigureOut">
               <a:rPr lang="en-US" smtClean="0"/>
               <a:pPr/>
-              <a:t>7/21/2017</a:t>
+              <a:t>7/22/2017</a:t>
             </a:fld>
             <a:endParaRPr lang="en-US"/>
           </a:p>
@@ -2255,7 +2256,7 @@
             <a:fld id="{1D8BD707-D9CF-40AE-B4C6-C98DA3205C09}" type="datetimeFigureOut">
               <a:rPr lang="en-US" smtClean="0"/>
               <a:pPr/>
-              <a:t>7/21/2017</a:t>
+              <a:t>7/22/2017</a:t>
             </a:fld>
             <a:endParaRPr lang="en-US"/>
           </a:p>
@@ -2420,7 +2421,7 @@
             <a:fld id="{1D8BD707-D9CF-40AE-B4C6-C98DA3205C09}" type="datetimeFigureOut">
               <a:rPr lang="en-US" smtClean="0"/>
               <a:pPr/>
-              <a:t>7/21/2017</a:t>
+              <a:t>7/22/2017</a:t>
             </a:fld>
             <a:endParaRPr lang="en-US"/>
           </a:p>
@@ -2662,7 +2663,7 @@
             <a:fld id="{1D8BD707-D9CF-40AE-B4C6-C98DA3205C09}" type="datetimeFigureOut">
               <a:rPr lang="en-US" smtClean="0"/>
               <a:pPr/>
-              <a:t>7/21/2017</a:t>
+              <a:t>7/22/2017</a:t>
             </a:fld>
             <a:endParaRPr lang="en-US"/>
           </a:p>
@@ -2944,7 +2945,7 @@
             <a:fld id="{1D8BD707-D9CF-40AE-B4C6-C98DA3205C09}" type="datetimeFigureOut">
               <a:rPr lang="en-US" smtClean="0"/>
               <a:pPr/>
-              <a:t>7/21/2017</a:t>
+              <a:t>7/22/2017</a:t>
             </a:fld>
             <a:endParaRPr lang="en-US"/>
           </a:p>
@@ -3360,7 +3361,7 @@
             <a:fld id="{1D8BD707-D9CF-40AE-B4C6-C98DA3205C09}" type="datetimeFigureOut">
               <a:rPr lang="en-US" smtClean="0"/>
               <a:pPr/>
-              <a:t>7/21/2017</a:t>
+              <a:t>7/22/2017</a:t>
             </a:fld>
             <a:endParaRPr lang="en-US"/>
           </a:p>
@@ -3474,7 +3475,7 @@
             <a:fld id="{1D8BD707-D9CF-40AE-B4C6-C98DA3205C09}" type="datetimeFigureOut">
               <a:rPr lang="en-US" smtClean="0"/>
               <a:pPr/>
-              <a:t>7/21/2017</a:t>
+              <a:t>7/22/2017</a:t>
             </a:fld>
             <a:endParaRPr lang="en-US"/>
           </a:p>
@@ -3566,7 +3567,7 @@
             <a:fld id="{1D8BD707-D9CF-40AE-B4C6-C98DA3205C09}" type="datetimeFigureOut">
               <a:rPr lang="en-US" smtClean="0"/>
               <a:pPr/>
-              <a:t>7/21/2017</a:t>
+              <a:t>7/22/2017</a:t>
             </a:fld>
             <a:endParaRPr lang="en-US"/>
           </a:p>
@@ -3838,7 +3839,7 @@
             <a:fld id="{1D8BD707-D9CF-40AE-B4C6-C98DA3205C09}" type="datetimeFigureOut">
               <a:rPr lang="en-US" smtClean="0"/>
               <a:pPr/>
-              <a:t>7/21/2017</a:t>
+              <a:t>7/22/2017</a:t>
             </a:fld>
             <a:endParaRPr lang="en-US"/>
           </a:p>
@@ -4087,7 +4088,7 @@
             <a:fld id="{1D8BD707-D9CF-40AE-B4C6-C98DA3205C09}" type="datetimeFigureOut">
               <a:rPr lang="en-US" smtClean="0"/>
               <a:pPr/>
-              <a:t>7/21/2017</a:t>
+              <a:t>7/22/2017</a:t>
             </a:fld>
             <a:endParaRPr lang="en-US"/>
           </a:p>
@@ -4295,7 +4296,7 @@
             <a:fld id="{1D8BD707-D9CF-40AE-B4C6-C98DA3205C09}" type="datetimeFigureOut">
               <a:rPr lang="en-US" smtClean="0"/>
               <a:pPr/>
-              <a:t>7/21/2017</a:t>
+              <a:t>7/22/2017</a:t>
             </a:fld>
             <a:endParaRPr lang="en-US"/>
           </a:p>
@@ -5001,7 +5002,7 @@
           <a:p>
             <a:r>
               <a:rPr lang="en-US" dirty="0"/>
-              <a:t>Writing Tests</a:t>
+              <a:t>Building Tests</a:t>
             </a:r>
           </a:p>
         </p:txBody>
@@ -5023,36 +5024,19 @@
           <a:p>
             <a:r>
               <a:rPr lang="en-US" dirty="0"/>
-              <a:t>TDD?</a:t>
-            </a:r>
-          </a:p>
-          <a:p>
-            <a:r>
-              <a:rPr lang="en-US" dirty="0" err="1"/>
-              <a:t>DurinWrite</a:t>
-            </a:r>
+              <a:t>We want repeatable tests</a:t>
+            </a:r>
+          </a:p>
+          <a:p>
             <a:r>
               <a:rPr lang="en-US" dirty="0"/>
-              <a:t> after if you must.</a:t>
-            </a:r>
-          </a:p>
-          <a:p>
-            <a:pPr lvl="1"/>
+              <a:t>We want automated tests</a:t>
+            </a:r>
+          </a:p>
+          <a:p>
             <a:r>
               <a:rPr lang="en-US" dirty="0"/>
-              <a:t>Good for existing code</a:t>
-            </a:r>
-          </a:p>
-          <a:p>
-            <a:r>
-              <a:rPr lang="en-US" dirty="0"/>
-              <a:t>g development.</a:t>
-            </a:r>
-          </a:p>
-          <a:p>
-            <a:r>
-              <a:rPr lang="en-US" dirty="0"/>
-              <a:t>Write as you get feedback from CI and QA testing.</a:t>
+              <a:t>We want a suite of tests</a:t>
             </a:r>
           </a:p>
         </p:txBody>
@@ -5060,7 +5044,7 @@
     </p:spTree>
     <p:extLst>
       <p:ext uri="{BB962C8B-B14F-4D97-AF65-F5344CB8AC3E}">
-        <p14:creationId xmlns:p14="http://schemas.microsoft.com/office/powerpoint/2010/main" val="1110580934"/>
+        <p14:creationId xmlns:p14="http://schemas.microsoft.com/office/powerpoint/2010/main" val="2858332371"/>
       </p:ext>
     </p:extLst>
   </p:cSld>
@@ -5104,7 +5088,7 @@
           <a:p>
             <a:r>
               <a:rPr lang="en-US" dirty="0"/>
-              <a:t>Structure of tests</a:t>
+              <a:t>Writing Tests</a:t>
             </a:r>
           </a:p>
         </p:txBody>
@@ -5121,139 +5105,49 @@
         </p:nvSpPr>
         <p:spPr/>
         <p:txBody>
-          <a:bodyPr>
-            <a:normAutofit lnSpcReduction="10000"/>
-          </a:bodyPr>
-          <a:lstStyle/>
-          <a:p>
-            <a:pPr>
-              <a:spcAft>
-                <a:spcPts val="450"/>
-              </a:spcAft>
-            </a:pPr>
-            <a:r>
-              <a:rPr lang="en-US" sz="2400" b="1" dirty="0">
-                <a:cs typeface="Arial" panose="020B0604020202020204" pitchFamily="34" charset="0"/>
-              </a:rPr>
-              <a:t>Classes</a:t>
-            </a:r>
-          </a:p>
-          <a:p>
-            <a:pPr marL="933450" lvl="1" indent="-457200">
-              <a:buFont typeface="Arial" panose="020B0604020202020204" pitchFamily="34" charset="0"/>
-              <a:buChar char="•"/>
-            </a:pPr>
-            <a:r>
-              <a:rPr lang="en-US" sz="2400" dirty="0">
-                <a:cs typeface="Arial" panose="020B0604020202020204" pitchFamily="34" charset="0"/>
-              </a:rPr>
-              <a:t>Group by object/area being tested</a:t>
-            </a:r>
-          </a:p>
-          <a:p>
-            <a:pPr marL="933450" lvl="1" indent="-457200">
-              <a:buFont typeface="Arial" panose="020B0604020202020204" pitchFamily="34" charset="0"/>
-              <a:buChar char="•"/>
-            </a:pPr>
-            <a:r>
-              <a:rPr lang="en-US" sz="2400" dirty="0">
-                <a:cs typeface="Arial" panose="020B0604020202020204" pitchFamily="34" charset="0"/>
-              </a:rPr>
-              <a:t>Or scale (Google – S, M, L)</a:t>
-            </a:r>
-          </a:p>
-          <a:p>
-            <a:pPr marL="819150" lvl="1" indent="-342900">
-              <a:buFont typeface="Arial" panose="020B0604020202020204" pitchFamily="34" charset="0"/>
-              <a:buChar char="•"/>
-            </a:pPr>
-            <a:r>
-              <a:rPr lang="en-US" sz="2400" dirty="0">
-                <a:cs typeface="Arial" panose="020B0604020202020204" pitchFamily="34" charset="0"/>
-              </a:rPr>
-              <a:t> </a:t>
-            </a:r>
-          </a:p>
-          <a:p>
-            <a:pPr>
-              <a:spcAft>
-                <a:spcPts val="450"/>
-              </a:spcAft>
-            </a:pPr>
-            <a:r>
-              <a:rPr lang="en-US" sz="2400" b="1" dirty="0">
-                <a:cs typeface="Arial" panose="020B0604020202020204" pitchFamily="34" charset="0"/>
-              </a:rPr>
-              <a:t>Layout</a:t>
-            </a:r>
-          </a:p>
-          <a:p>
-            <a:pPr marL="933450" lvl="1" indent="-457200">
-              <a:buFont typeface="Arial" panose="020B0604020202020204" pitchFamily="34" charset="0"/>
-              <a:buChar char="•"/>
-            </a:pPr>
-            <a:r>
-              <a:rPr lang="en-US" sz="2400" dirty="0">
-                <a:cs typeface="Arial" panose="020B0604020202020204" pitchFamily="34" charset="0"/>
-              </a:rPr>
-              <a:t>Assemble</a:t>
-            </a:r>
-          </a:p>
-          <a:p>
-            <a:pPr marL="933450" lvl="1" indent="-457200">
-              <a:buFont typeface="Arial" panose="020B0604020202020204" pitchFamily="34" charset="0"/>
-              <a:buChar char="•"/>
-            </a:pPr>
-            <a:r>
-              <a:rPr lang="en-US" sz="2400" dirty="0">
-                <a:cs typeface="Arial" panose="020B0604020202020204" pitchFamily="34" charset="0"/>
-              </a:rPr>
-              <a:t>Act</a:t>
-            </a:r>
-          </a:p>
-          <a:p>
-            <a:pPr marL="933450" lvl="1" indent="-457200">
-              <a:buFont typeface="Arial" panose="020B0604020202020204" pitchFamily="34" charset="0"/>
-              <a:buChar char="•"/>
-            </a:pPr>
-            <a:r>
-              <a:rPr lang="en-US" sz="2400" dirty="0">
-                <a:cs typeface="Arial" panose="020B0604020202020204" pitchFamily="34" charset="0"/>
-              </a:rPr>
-              <a:t>Assert</a:t>
-            </a:r>
-          </a:p>
-          <a:p>
-            <a:pPr marL="933450" lvl="1" indent="-457200">
-              <a:buFont typeface="Arial" panose="020B0604020202020204" pitchFamily="34" charset="0"/>
-              <a:buChar char="•"/>
-            </a:pPr>
-            <a:endParaRPr lang="en-US" sz="2400" dirty="0">
-              <a:cs typeface="Arial" panose="020B0604020202020204" pitchFamily="34" charset="0"/>
-            </a:endParaRPr>
-          </a:p>
-          <a:p>
-            <a:pPr>
-              <a:spcAft>
-                <a:spcPts val="450"/>
-              </a:spcAft>
-            </a:pPr>
-            <a:r>
-              <a:rPr lang="en-US" sz="2400" b="1" dirty="0">
-                <a:cs typeface="Arial" panose="020B0604020202020204" pitchFamily="34" charset="0"/>
-              </a:rPr>
-              <a:t>Tests fail first</a:t>
-            </a:r>
-          </a:p>
-          <a:p>
-            <a:endParaRPr lang="en-US" dirty="0"/>
+          <a:bodyPr/>
+          <a:lstStyle/>
+          <a:p>
+            <a:r>
+              <a:rPr lang="en-US" dirty="0"/>
+              <a:t>TDD?</a:t>
+            </a:r>
+          </a:p>
+          <a:p>
+            <a:r>
+              <a:rPr lang="en-US" dirty="0" err="1"/>
+              <a:t>DurinWrite</a:t>
+            </a:r>
+            <a:r>
+              <a:rPr lang="en-US" dirty="0"/>
+              <a:t> after if you must.</a:t>
+            </a:r>
+          </a:p>
+          <a:p>
+            <a:pPr lvl="1"/>
+            <a:r>
+              <a:rPr lang="en-US" dirty="0"/>
+              <a:t>Good for existing code</a:t>
+            </a:r>
+          </a:p>
+          <a:p>
+            <a:r>
+              <a:rPr lang="en-US" dirty="0"/>
+              <a:t>g development.</a:t>
+            </a:r>
+          </a:p>
+          <a:p>
+            <a:r>
+              <a:rPr lang="en-US" dirty="0"/>
+              <a:t>Write as you get feedback from CI and QA testing.</a:t>
+            </a:r>
           </a:p>
         </p:txBody>
       </p:sp>
     </p:spTree>
     <p:extLst>
       <p:ext uri="{BB962C8B-B14F-4D97-AF65-F5344CB8AC3E}">
-        <p14:creationId xmlns:p14="http://schemas.microsoft.com/office/powerpoint/2010/main" val="3790041024"/>
+        <p14:creationId xmlns:p14="http://schemas.microsoft.com/office/powerpoint/2010/main" val="1110580934"/>
       </p:ext>
     </p:extLst>
   </p:cSld>
@@ -5297,7 +5191,7 @@
           <a:p>
             <a:r>
               <a:rPr lang="en-US" dirty="0"/>
-              <a:t>Test Data</a:t>
+              <a:t>Structure of tests</a:t>
             </a:r>
           </a:p>
         </p:txBody>
@@ -5314,32 +5208,139 @@
         </p:nvSpPr>
         <p:spPr/>
         <p:txBody>
-          <a:bodyPr/>
-          <a:lstStyle/>
-          <a:p>
-            <a:r>
-              <a:rPr lang="en-US" dirty="0"/>
-              <a:t>We don't need lots of data to write code</a:t>
-            </a:r>
-          </a:p>
-          <a:p>
-            <a:r>
-              <a:rPr lang="en-US" dirty="0"/>
-              <a:t>Ideally our tests contain data</a:t>
-            </a:r>
-          </a:p>
-          <a:p>
-            <a:r>
-              <a:rPr lang="en-US" dirty="0"/>
-              <a:t>For more extensive testing, we should have a curated set of data that all developers (and systems) use.</a:t>
-            </a:r>
+          <a:bodyPr>
+            <a:normAutofit lnSpcReduction="10000"/>
+          </a:bodyPr>
+          <a:lstStyle/>
+          <a:p>
+            <a:pPr>
+              <a:spcAft>
+                <a:spcPts val="450"/>
+              </a:spcAft>
+            </a:pPr>
+            <a:r>
+              <a:rPr lang="en-US" sz="2400" b="1" dirty="0">
+                <a:cs typeface="Arial" panose="020B0604020202020204" pitchFamily="34" charset="0"/>
+              </a:rPr>
+              <a:t>Classes</a:t>
+            </a:r>
+          </a:p>
+          <a:p>
+            <a:pPr marL="933450" lvl="1" indent="-457200">
+              <a:buFont typeface="Arial" panose="020B0604020202020204" pitchFamily="34" charset="0"/>
+              <a:buChar char="•"/>
+            </a:pPr>
+            <a:r>
+              <a:rPr lang="en-US" sz="2400" dirty="0">
+                <a:cs typeface="Arial" panose="020B0604020202020204" pitchFamily="34" charset="0"/>
+              </a:rPr>
+              <a:t>Group by object/area being tested</a:t>
+            </a:r>
+          </a:p>
+          <a:p>
+            <a:pPr marL="933450" lvl="1" indent="-457200">
+              <a:buFont typeface="Arial" panose="020B0604020202020204" pitchFamily="34" charset="0"/>
+              <a:buChar char="•"/>
+            </a:pPr>
+            <a:r>
+              <a:rPr lang="en-US" sz="2400" dirty="0">
+                <a:cs typeface="Arial" panose="020B0604020202020204" pitchFamily="34" charset="0"/>
+              </a:rPr>
+              <a:t>Or scale (Google – S, M, L)</a:t>
+            </a:r>
+          </a:p>
+          <a:p>
+            <a:pPr marL="819150" lvl="1" indent="-342900">
+              <a:buFont typeface="Arial" panose="020B0604020202020204" pitchFamily="34" charset="0"/>
+              <a:buChar char="•"/>
+            </a:pPr>
+            <a:r>
+              <a:rPr lang="en-US" sz="2400" dirty="0">
+                <a:cs typeface="Arial" panose="020B0604020202020204" pitchFamily="34" charset="0"/>
+              </a:rPr>
+              <a:t> </a:t>
+            </a:r>
+          </a:p>
+          <a:p>
+            <a:pPr>
+              <a:spcAft>
+                <a:spcPts val="450"/>
+              </a:spcAft>
+            </a:pPr>
+            <a:r>
+              <a:rPr lang="en-US" sz="2400" b="1" dirty="0">
+                <a:cs typeface="Arial" panose="020B0604020202020204" pitchFamily="34" charset="0"/>
+              </a:rPr>
+              <a:t>Layout</a:t>
+            </a:r>
+          </a:p>
+          <a:p>
+            <a:pPr marL="933450" lvl="1" indent="-457200">
+              <a:buFont typeface="Arial" panose="020B0604020202020204" pitchFamily="34" charset="0"/>
+              <a:buChar char="•"/>
+            </a:pPr>
+            <a:r>
+              <a:rPr lang="en-US" sz="2400" dirty="0">
+                <a:cs typeface="Arial" panose="020B0604020202020204" pitchFamily="34" charset="0"/>
+              </a:rPr>
+              <a:t>Assemble</a:t>
+            </a:r>
+          </a:p>
+          <a:p>
+            <a:pPr marL="933450" lvl="1" indent="-457200">
+              <a:buFont typeface="Arial" panose="020B0604020202020204" pitchFamily="34" charset="0"/>
+              <a:buChar char="•"/>
+            </a:pPr>
+            <a:r>
+              <a:rPr lang="en-US" sz="2400" dirty="0">
+                <a:cs typeface="Arial" panose="020B0604020202020204" pitchFamily="34" charset="0"/>
+              </a:rPr>
+              <a:t>Act</a:t>
+            </a:r>
+          </a:p>
+          <a:p>
+            <a:pPr marL="933450" lvl="1" indent="-457200">
+              <a:buFont typeface="Arial" panose="020B0604020202020204" pitchFamily="34" charset="0"/>
+              <a:buChar char="•"/>
+            </a:pPr>
+            <a:r>
+              <a:rPr lang="en-US" sz="2400" dirty="0">
+                <a:cs typeface="Arial" panose="020B0604020202020204" pitchFamily="34" charset="0"/>
+              </a:rPr>
+              <a:t>Assert</a:t>
+            </a:r>
+          </a:p>
+          <a:p>
+            <a:pPr marL="933450" lvl="1" indent="-457200">
+              <a:buFont typeface="Arial" panose="020B0604020202020204" pitchFamily="34" charset="0"/>
+              <a:buChar char="•"/>
+            </a:pPr>
+            <a:endParaRPr lang="en-US" sz="2400" dirty="0">
+              <a:cs typeface="Arial" panose="020B0604020202020204" pitchFamily="34" charset="0"/>
+            </a:endParaRPr>
+          </a:p>
+          <a:p>
+            <a:pPr>
+              <a:spcAft>
+                <a:spcPts val="450"/>
+              </a:spcAft>
+            </a:pPr>
+            <a:r>
+              <a:rPr lang="en-US" sz="2400" b="1" dirty="0">
+                <a:cs typeface="Arial" panose="020B0604020202020204" pitchFamily="34" charset="0"/>
+              </a:rPr>
+              <a:t>Tests fail first</a:t>
+            </a:r>
+          </a:p>
+          <a:p>
+            <a:endParaRPr lang="en-US" dirty="0"/>
           </a:p>
         </p:txBody>
       </p:sp>
     </p:spTree>
     <p:extLst>
       <p:ext uri="{BB962C8B-B14F-4D97-AF65-F5344CB8AC3E}">
-        <p14:creationId xmlns:p14="http://schemas.microsoft.com/office/powerpoint/2010/main" val="1968612938"/>
+        <p14:creationId xmlns:p14="http://schemas.microsoft.com/office/powerpoint/2010/main" val="3790041024"/>
       </p:ext>
     </p:extLst>
   </p:cSld>
@@ -5368,7 +5369,7 @@
       </p:grpSpPr>
       <p:sp>
         <p:nvSpPr>
-          <p:cNvPr id="4" name="Title 3"/>
+          <p:cNvPr id="2" name="Title 1"/>
           <p:cNvSpPr>
             <a:spLocks noGrp="1"/>
           </p:cNvSpPr>
@@ -5390,12 +5391,12 @@
       </p:sp>
       <p:sp>
         <p:nvSpPr>
-          <p:cNvPr id="5" name="Text Placeholder 4"/>
-          <p:cNvSpPr>
-            <a:spLocks noGrp="1"/>
-          </p:cNvSpPr>
-          <p:nvPr>
-            <p:ph type="body" idx="1"/>
+          <p:cNvPr id="3" name="Content Placeholder 2"/>
+          <p:cNvSpPr>
+            <a:spLocks noGrp="1"/>
+          </p:cNvSpPr>
+          <p:nvPr>
+            <p:ph idx="1"/>
           </p:nvPr>
         </p:nvSpPr>
         <p:spPr/>
@@ -5405,7 +5406,19 @@
           <a:p>
             <a:r>
               <a:rPr lang="en-US" dirty="0"/>
-              <a:t>Demo</a:t>
+              <a:t>We don't need lots of data to write code</a:t>
+            </a:r>
+          </a:p>
+          <a:p>
+            <a:r>
+              <a:rPr lang="en-US" dirty="0"/>
+              <a:t>Ideally our tests contain data</a:t>
+            </a:r>
+          </a:p>
+          <a:p>
+            <a:r>
+              <a:rPr lang="en-US" dirty="0"/>
+              <a:t>For more extensive testing, we should have a curated set of data that all developers (and systems) use.</a:t>
             </a:r>
           </a:p>
         </p:txBody>
@@ -5413,7 +5426,7 @@
     </p:spTree>
     <p:extLst>
       <p:ext uri="{BB962C8B-B14F-4D97-AF65-F5344CB8AC3E}">
-        <p14:creationId xmlns:p14="http://schemas.microsoft.com/office/powerpoint/2010/main" val="3540592545"/>
+        <p14:creationId xmlns:p14="http://schemas.microsoft.com/office/powerpoint/2010/main" val="1968612938"/>
       </p:ext>
     </p:extLst>
   </p:cSld>
@@ -5442,7 +5455,7 @@
       </p:grpSpPr>
       <p:sp>
         <p:nvSpPr>
-          <p:cNvPr id="2" name="Title 1"/>
+          <p:cNvPr id="4" name="Title 3"/>
           <p:cNvSpPr>
             <a:spLocks noGrp="1"/>
           </p:cNvSpPr>
@@ -5457,14 +5470,14 @@
           <a:p>
             <a:r>
               <a:rPr lang="en-US" dirty="0"/>
-              <a:t>Database Testing Frameworks</a:t>
-            </a:r>
-          </a:p>
-        </p:txBody>
-      </p:sp>
-      <p:sp>
-        <p:nvSpPr>
-          <p:cNvPr id="3" name="Text Placeholder 2"/>
+              <a:t>Test Data</a:t>
+            </a:r>
+          </a:p>
+        </p:txBody>
+      </p:sp>
+      <p:sp>
+        <p:nvSpPr>
+          <p:cNvPr id="5" name="Text Placeholder 4"/>
           <p:cNvSpPr>
             <a:spLocks noGrp="1"/>
           </p:cNvSpPr>
@@ -5477,14 +5490,17 @@
           <a:bodyPr/>
           <a:lstStyle/>
           <a:p>
-            <a:endParaRPr lang="en-US"/>
+            <a:r>
+              <a:rPr lang="en-US" dirty="0"/>
+              <a:t>Demo</a:t>
+            </a:r>
           </a:p>
         </p:txBody>
       </p:sp>
     </p:spTree>
     <p:extLst>
       <p:ext uri="{BB962C8B-B14F-4D97-AF65-F5344CB8AC3E}">
-        <p14:creationId xmlns:p14="http://schemas.microsoft.com/office/powerpoint/2010/main" val="3452093907"/>
+        <p14:creationId xmlns:p14="http://schemas.microsoft.com/office/powerpoint/2010/main" val="3540592545"/>
       </p:ext>
     </p:extLst>
   </p:cSld>
@@ -5527,116 +5543,35 @@
           <a:lstStyle/>
           <a:p>
             <a:r>
-              <a:rPr lang="en-US" dirty="0" err="1"/>
-              <a:t>tSQLt</a:t>
-            </a:r>
-            <a:endParaRPr lang="en-US" dirty="0"/>
-          </a:p>
-        </p:txBody>
-      </p:sp>
-      <p:sp>
-        <p:nvSpPr>
-          <p:cNvPr id="3" name="Content Placeholder 2"/>
-          <p:cNvSpPr>
-            <a:spLocks noGrp="1"/>
-          </p:cNvSpPr>
-          <p:nvPr>
-            <p:ph idx="1"/>
-          </p:nvPr>
-        </p:nvSpPr>
-        <p:spPr/>
-        <p:txBody>
-          <a:bodyPr>
-            <a:normAutofit/>
-          </a:bodyPr>
-          <a:lstStyle/>
-          <a:p>
-            <a:r>
-              <a:rPr lang="en-US" dirty="0" err="1"/>
-              <a:t>tSQLt</a:t>
-            </a:r>
-            <a:r>
               <a:rPr lang="en-US" dirty="0"/>
-              <a:t> is a free, similar to </a:t>
-            </a:r>
-            <a:r>
-              <a:rPr lang="en-US" dirty="0" err="1"/>
-              <a:t>nUnit</a:t>
-            </a:r>
-            <a:r>
-              <a:rPr lang="en-US" dirty="0"/>
-              <a:t>/</a:t>
-            </a:r>
-            <a:r>
-              <a:rPr lang="en-US" dirty="0" err="1"/>
-              <a:t>jUnit</a:t>
-            </a:r>
-            <a:endParaRPr lang="en-US" dirty="0"/>
-          </a:p>
-          <a:p>
-            <a:r>
-              <a:rPr lang="en-US" dirty="0">
-                <a:hlinkClick r:id="rId3"/>
-              </a:rPr>
-              <a:t>tSQLt.org</a:t>
-            </a:r>
-            <a:r>
-              <a:rPr lang="en-US" dirty="0"/>
-              <a:t> (requires CLR)</a:t>
-            </a:r>
-          </a:p>
-          <a:p>
-            <a:pPr lvl="1"/>
-            <a:r>
-              <a:rPr lang="en-US" dirty="0"/>
-              <a:t>Stored procedures in their own schema</a:t>
-            </a:r>
-          </a:p>
-          <a:p>
-            <a:pPr lvl="1"/>
-            <a:r>
-              <a:rPr lang="en-US" dirty="0"/>
-              <a:t>Can run setup before tests</a:t>
-            </a:r>
-          </a:p>
-          <a:p>
-            <a:pPr lvl="1"/>
-            <a:r>
-              <a:rPr lang="en-US" dirty="0"/>
-              <a:t>Can mock objects </a:t>
-            </a:r>
-          </a:p>
-          <a:p>
-            <a:pPr lvl="1"/>
-            <a:r>
-              <a:rPr lang="en-US" dirty="0"/>
-              <a:t>Can implement teardown</a:t>
-            </a:r>
-          </a:p>
-          <a:p>
-            <a:r>
-              <a:rPr lang="en-US" dirty="0">
-                <a:hlinkClick r:id="rId4"/>
-              </a:rPr>
-              <a:t>Support via Google Groups</a:t>
-            </a:r>
-            <a:endParaRPr lang="en-US" dirty="0"/>
-          </a:p>
-          <a:p>
-            <a:r>
-              <a:rPr lang="en-US" dirty="0">
-                <a:hlinkClick r:id="rId5"/>
-              </a:rPr>
-              <a:t>Articles at Simple Talk</a:t>
-            </a:r>
-            <a:endParaRPr lang="en-US" dirty="0"/>
+              <a:t>Database Testing Frameworks</a:t>
+            </a:r>
+          </a:p>
+        </p:txBody>
+      </p:sp>
+      <p:sp>
+        <p:nvSpPr>
+          <p:cNvPr id="3" name="Text Placeholder 2"/>
+          <p:cNvSpPr>
+            <a:spLocks noGrp="1"/>
+          </p:cNvSpPr>
+          <p:nvPr>
+            <p:ph type="body" idx="1"/>
+          </p:nvPr>
+        </p:nvSpPr>
+        <p:spPr/>
+        <p:txBody>
+          <a:bodyPr/>
+          <a:lstStyle/>
+          <a:p>
+            <a:endParaRPr lang="en-US"/>
           </a:p>
         </p:txBody>
       </p:sp>
     </p:spTree>
     <p:extLst>
       <p:ext uri="{BB962C8B-B14F-4D97-AF65-F5344CB8AC3E}">
-        <p14:creationId xmlns:p14="http://schemas.microsoft.com/office/powerpoint/2010/main" val="2399096538"/>
+        <p14:creationId xmlns:p14="http://schemas.microsoft.com/office/powerpoint/2010/main" val="3452093907"/>
       </p:ext>
     </p:extLst>
   </p:cSld>
@@ -5679,6 +5614,158 @@
           <a:lstStyle/>
           <a:p>
             <a:r>
+              <a:rPr lang="en-US" dirty="0" err="1"/>
+              <a:t>tSQLt</a:t>
+            </a:r>
+            <a:endParaRPr lang="en-US" dirty="0"/>
+          </a:p>
+        </p:txBody>
+      </p:sp>
+      <p:sp>
+        <p:nvSpPr>
+          <p:cNvPr id="3" name="Content Placeholder 2"/>
+          <p:cNvSpPr>
+            <a:spLocks noGrp="1"/>
+          </p:cNvSpPr>
+          <p:nvPr>
+            <p:ph idx="1"/>
+          </p:nvPr>
+        </p:nvSpPr>
+        <p:spPr/>
+        <p:txBody>
+          <a:bodyPr>
+            <a:normAutofit/>
+          </a:bodyPr>
+          <a:lstStyle/>
+          <a:p>
+            <a:r>
+              <a:rPr lang="en-US" dirty="0" err="1"/>
+              <a:t>tSQLt</a:t>
+            </a:r>
+            <a:r>
+              <a:rPr lang="en-US" dirty="0"/>
+              <a:t> is a free, similar to </a:t>
+            </a:r>
+            <a:r>
+              <a:rPr lang="en-US" dirty="0" err="1"/>
+              <a:t>nUnit</a:t>
+            </a:r>
+            <a:r>
+              <a:rPr lang="en-US" dirty="0"/>
+              <a:t>/</a:t>
+            </a:r>
+            <a:r>
+              <a:rPr lang="en-US" dirty="0" err="1"/>
+              <a:t>jUnit</a:t>
+            </a:r>
+            <a:endParaRPr lang="en-US" dirty="0"/>
+          </a:p>
+          <a:p>
+            <a:r>
+              <a:rPr lang="en-US" dirty="0">
+                <a:hlinkClick r:id="rId3"/>
+              </a:rPr>
+              <a:t>tSQLt.org</a:t>
+            </a:r>
+            <a:r>
+              <a:rPr lang="en-US" dirty="0"/>
+              <a:t> (requires CLR)</a:t>
+            </a:r>
+          </a:p>
+          <a:p>
+            <a:pPr lvl="1"/>
+            <a:r>
+              <a:rPr lang="en-US" dirty="0"/>
+              <a:t>Stored procedures in their own schema</a:t>
+            </a:r>
+          </a:p>
+          <a:p>
+            <a:pPr lvl="1"/>
+            <a:r>
+              <a:rPr lang="en-US" dirty="0"/>
+              <a:t>Can run setup before tests</a:t>
+            </a:r>
+          </a:p>
+          <a:p>
+            <a:pPr lvl="1"/>
+            <a:r>
+              <a:rPr lang="en-US" dirty="0"/>
+              <a:t>Can mock objects </a:t>
+            </a:r>
+          </a:p>
+          <a:p>
+            <a:pPr lvl="1"/>
+            <a:r>
+              <a:rPr lang="en-US" dirty="0"/>
+              <a:t>Can implement teardown</a:t>
+            </a:r>
+          </a:p>
+          <a:p>
+            <a:r>
+              <a:rPr lang="en-US" dirty="0">
+                <a:hlinkClick r:id="rId4"/>
+              </a:rPr>
+              <a:t>Support via Google Groups</a:t>
+            </a:r>
+            <a:endParaRPr lang="en-US" dirty="0"/>
+          </a:p>
+          <a:p>
+            <a:r>
+              <a:rPr lang="en-US" dirty="0">
+                <a:hlinkClick r:id="rId5"/>
+              </a:rPr>
+              <a:t>Articles at Simple Talk</a:t>
+            </a:r>
+            <a:endParaRPr lang="en-US" dirty="0"/>
+          </a:p>
+        </p:txBody>
+      </p:sp>
+    </p:spTree>
+    <p:extLst>
+      <p:ext uri="{BB962C8B-B14F-4D97-AF65-F5344CB8AC3E}">
+        <p14:creationId xmlns:p14="http://schemas.microsoft.com/office/powerpoint/2010/main" val="2399096538"/>
+      </p:ext>
+    </p:extLst>
+  </p:cSld>
+  <p:clrMapOvr>
+    <a:masterClrMapping/>
+  </p:clrMapOvr>
+</p:sld>
+</file>
+
+<file path=ppt/slides/slide17.xml><?xml version="1.0" encoding="utf-8"?>
+<p:sld xmlns:a="http://schemas.openxmlformats.org/drawingml/2006/main" xmlns:r="http://schemas.openxmlformats.org/officeDocument/2006/relationships" xmlns:p="http://schemas.openxmlformats.org/presentationml/2006/main">
+  <p:cSld>
+    <p:spTree>
+      <p:nvGrpSpPr>
+        <p:cNvPr id="1" name=""/>
+        <p:cNvGrpSpPr/>
+        <p:nvPr/>
+      </p:nvGrpSpPr>
+      <p:grpSpPr>
+        <a:xfrm>
+          <a:off x="0" y="0"/>
+          <a:ext cx="0" cy="0"/>
+          <a:chOff x="0" y="0"/>
+          <a:chExt cx="0" cy="0"/>
+        </a:xfrm>
+      </p:grpSpPr>
+      <p:sp>
+        <p:nvSpPr>
+          <p:cNvPr id="2" name="Title 1"/>
+          <p:cNvSpPr>
+            <a:spLocks noGrp="1"/>
+          </p:cNvSpPr>
+          <p:nvPr>
+            <p:ph type="title"/>
+          </p:nvPr>
+        </p:nvSpPr>
+        <p:spPr/>
+        <p:txBody>
+          <a:bodyPr/>
+          <a:lstStyle/>
+          <a:p>
+            <a:r>
               <a:rPr lang="en-US" dirty="0"/>
               <a:t>Microsoft Unit Testing Framework</a:t>
             </a:r>
@@ -5741,7 +5828,7 @@
 </p:sld>
 </file>
 
-<file path=ppt/slides/slide17.xml><?xml version="1.0" encoding="utf-8"?>
+<file path=ppt/slides/slide18.xml><?xml version="1.0" encoding="utf-8"?>
 <p:sld xmlns:a="http://schemas.openxmlformats.org/drawingml/2006/main" xmlns:r="http://schemas.openxmlformats.org/officeDocument/2006/relationships" xmlns:p="http://schemas.openxmlformats.org/presentationml/2006/main">
   <p:cSld>
     <p:spTree>
@@ -5800,103 +5887,6 @@
 </p:sld>
 </file>
 
-<file path=ppt/slides/slide18.xml><?xml version="1.0" encoding="utf-8"?>
-<p:sld xmlns:a="http://schemas.openxmlformats.org/drawingml/2006/main" xmlns:r="http://schemas.openxmlformats.org/officeDocument/2006/relationships" xmlns:p="http://schemas.openxmlformats.org/presentationml/2006/main">
-  <p:cSld>
-    <p:spTree>
-      <p:nvGrpSpPr>
-        <p:cNvPr id="1" name=""/>
-        <p:cNvGrpSpPr/>
-        <p:nvPr/>
-      </p:nvGrpSpPr>
-      <p:grpSpPr>
-        <a:xfrm>
-          <a:off x="0" y="0"/>
-          <a:ext cx="0" cy="0"/>
-          <a:chOff x="0" y="0"/>
-          <a:chExt cx="0" cy="0"/>
-        </a:xfrm>
-      </p:grpSpPr>
-      <p:sp>
-        <p:nvSpPr>
-          <p:cNvPr id="2" name="Title 1"/>
-          <p:cNvSpPr>
-            <a:spLocks noGrp="1"/>
-          </p:cNvSpPr>
-          <p:nvPr>
-            <p:ph type="title"/>
-          </p:nvPr>
-        </p:nvSpPr>
-        <p:spPr/>
-        <p:txBody>
-          <a:bodyPr/>
-          <a:lstStyle/>
-          <a:p>
-            <a:r>
-              <a:rPr lang="en-US" dirty="0"/>
-              <a:t>Standards Tests</a:t>
-            </a:r>
-          </a:p>
-        </p:txBody>
-      </p:sp>
-      <p:sp>
-        <p:nvSpPr>
-          <p:cNvPr id="3" name="Content Placeholder 2"/>
-          <p:cNvSpPr>
-            <a:spLocks noGrp="1"/>
-          </p:cNvSpPr>
-          <p:nvPr>
-            <p:ph idx="1"/>
-          </p:nvPr>
-        </p:nvSpPr>
-        <p:spPr/>
-        <p:txBody>
-          <a:bodyPr/>
-          <a:lstStyle/>
-          <a:p>
-            <a:r>
-              <a:rPr lang="en-US" dirty="0"/>
-              <a:t>Ensure that the standards you care about are followed.</a:t>
-            </a:r>
-          </a:p>
-          <a:p>
-            <a:r>
-              <a:rPr lang="en-US" dirty="0" err="1"/>
-              <a:t>SQLCop</a:t>
-            </a:r>
-            <a:r>
-              <a:rPr lang="en-US" dirty="0"/>
-              <a:t> – </a:t>
-            </a:r>
-            <a:r>
-              <a:rPr lang="en-US" dirty="0">
-                <a:hlinkClick r:id="rId3"/>
-              </a:rPr>
-              <a:t>sqlcop.lessthandot.com</a:t>
-            </a:r>
-            <a:endParaRPr lang="en-US" dirty="0"/>
-          </a:p>
-          <a:p>
-            <a:r>
-              <a:rPr lang="en-US" dirty="0"/>
-              <a:t>Easy to write your own.</a:t>
-            </a:r>
-          </a:p>
-        </p:txBody>
-      </p:sp>
-    </p:spTree>
-    <p:extLst>
-      <p:ext uri="{BB962C8B-B14F-4D97-AF65-F5344CB8AC3E}">
-        <p14:creationId xmlns:p14="http://schemas.microsoft.com/office/powerpoint/2010/main" val="1619672544"/>
-      </p:ext>
-    </p:extLst>
-  </p:cSld>
-  <p:clrMapOvr>
-    <a:masterClrMapping/>
-  </p:clrMapOvr>
-</p:sld>
-</file>
-
 <file path=ppt/slides/slide19.xml><?xml version="1.0" encoding="utf-8"?>
 <p:sld xmlns:a="http://schemas.openxmlformats.org/drawingml/2006/main" xmlns:r="http://schemas.openxmlformats.org/officeDocument/2006/relationships" xmlns:p="http://schemas.openxmlformats.org/presentationml/2006/main">
   <p:cSld>
@@ -5916,7 +5906,7 @@
       </p:grpSpPr>
       <p:sp>
         <p:nvSpPr>
-          <p:cNvPr id="4" name="Title 3"/>
+          <p:cNvPr id="2" name="Title 1"/>
           <p:cNvSpPr>
             <a:spLocks noGrp="1"/>
           </p:cNvSpPr>
@@ -5931,19 +5921,19 @@
           <a:p>
             <a:r>
               <a:rPr lang="en-US" dirty="0"/>
-              <a:t>Catching bad CODE</a:t>
-            </a:r>
-          </a:p>
-        </p:txBody>
-      </p:sp>
-      <p:sp>
-        <p:nvSpPr>
-          <p:cNvPr id="5" name="Text Placeholder 4"/>
-          <p:cNvSpPr>
-            <a:spLocks noGrp="1"/>
-          </p:cNvSpPr>
-          <p:nvPr>
-            <p:ph type="body" idx="1"/>
+              <a:t>Standards Tests</a:t>
+            </a:r>
+          </a:p>
+        </p:txBody>
+      </p:sp>
+      <p:sp>
+        <p:nvSpPr>
+          <p:cNvPr id="3" name="Content Placeholder 2"/>
+          <p:cNvSpPr>
+            <a:spLocks noGrp="1"/>
+          </p:cNvSpPr>
+          <p:nvPr>
+            <p:ph idx="1"/>
           </p:nvPr>
         </p:nvSpPr>
         <p:spPr/>
@@ -5953,7 +5943,30 @@
           <a:p>
             <a:r>
               <a:rPr lang="en-US" dirty="0"/>
-              <a:t>Demo</a:t>
+              <a:t>Ensure that the standards you care about are followed.</a:t>
+            </a:r>
+          </a:p>
+          <a:p>
+            <a:r>
+              <a:rPr lang="en-US" dirty="0" err="1"/>
+              <a:t>SQLCop</a:t>
+            </a:r>
+            <a:r>
+              <a:rPr lang="en-US" dirty="0"/>
+              <a:t> – </a:t>
+            </a:r>
+            <a:r>
+              <a:rPr lang="en-US" dirty="0">
+                <a:hlinkClick r:id="rId3"/>
+              </a:rPr>
+              <a:t>sqlcop.lessthandot.com</a:t>
+            </a:r>
+            <a:endParaRPr lang="en-US" dirty="0"/>
+          </a:p>
+          <a:p>
+            <a:r>
+              <a:rPr lang="en-US" dirty="0"/>
+              <a:t>Easy to write your own.</a:t>
             </a:r>
           </a:p>
         </p:txBody>
@@ -5961,7 +5974,7 @@
     </p:spTree>
     <p:extLst>
       <p:ext uri="{BB962C8B-B14F-4D97-AF65-F5344CB8AC3E}">
-        <p14:creationId xmlns:p14="http://schemas.microsoft.com/office/powerpoint/2010/main" val="420280027"/>
+        <p14:creationId xmlns:p14="http://schemas.microsoft.com/office/powerpoint/2010/main" val="1619672544"/>
       </p:ext>
     </p:extLst>
   </p:cSld>
@@ -5990,12 +6003,12 @@
       </p:grpSpPr>
       <p:sp>
         <p:nvSpPr>
-          <p:cNvPr id="2" name="Title 1"/>
-          <p:cNvSpPr>
-            <a:spLocks noGrp="1"/>
-          </p:cNvSpPr>
-          <p:nvPr>
-            <p:ph type="title"/>
+          <p:cNvPr id="4" name="Title 3"/>
+          <p:cNvSpPr>
+            <a:spLocks noGrp="1"/>
+          </p:cNvSpPr>
+          <p:nvPr>
+            <p:ph type="ctrTitle"/>
           </p:nvPr>
         </p:nvSpPr>
         <p:spPr/>
@@ -6005,60 +6018,34 @@
           <a:p>
             <a:r>
               <a:rPr lang="en-US" dirty="0"/>
-              <a:t>Agenda</a:t>
-            </a:r>
-          </a:p>
-        </p:txBody>
-      </p:sp>
-      <p:sp>
-        <p:nvSpPr>
-          <p:cNvPr id="3" name="Content Placeholder 2"/>
-          <p:cNvSpPr>
-            <a:spLocks noGrp="1"/>
-          </p:cNvSpPr>
-          <p:nvPr>
-            <p:ph idx="1"/>
-          </p:nvPr>
-        </p:nvSpPr>
-        <p:spPr/>
-        <p:txBody>
-          <a:bodyPr/>
-          <a:lstStyle/>
-          <a:p>
-            <a:r>
-              <a:rPr lang="en-US" dirty="0"/>
-              <a:t>Who Am I?</a:t>
-            </a:r>
-          </a:p>
-          <a:p>
-            <a:r>
-              <a:rPr lang="en-US" dirty="0"/>
-              <a:t>Testing Software</a:t>
-            </a:r>
-          </a:p>
-          <a:p>
-            <a:r>
-              <a:rPr lang="en-US" dirty="0"/>
-              <a:t>Database </a:t>
-            </a:r>
-            <a:r>
-              <a:rPr lang="en-US"/>
-              <a:t>Testing Frameworks</a:t>
-            </a:r>
-            <a:endParaRPr lang="en-US" dirty="0"/>
-          </a:p>
-          <a:p>
-            <a:r>
-              <a:rPr lang="en-US" dirty="0"/>
-              <a:t>Test Examples</a:t>
-            </a:r>
+              <a:t>Data Platform Summit 2017</a:t>
+            </a:r>
+          </a:p>
+        </p:txBody>
+      </p:sp>
+      <p:sp>
+        <p:nvSpPr>
+          <p:cNvPr id="5" name="Subtitle 4"/>
+          <p:cNvSpPr>
+            <a:spLocks noGrp="1"/>
+          </p:cNvSpPr>
+          <p:nvPr>
+            <p:ph type="subTitle" idx="1"/>
+          </p:nvPr>
+        </p:nvSpPr>
+        <p:spPr/>
+        <p:txBody>
+          <a:bodyPr/>
+          <a:lstStyle/>
+          <a:p>
+            <a:endParaRPr lang="en-US"/>
           </a:p>
         </p:txBody>
       </p:sp>
     </p:spTree>
     <p:extLst>
       <p:ext uri="{BB962C8B-B14F-4D97-AF65-F5344CB8AC3E}">
-        <p14:creationId xmlns:p14="http://schemas.microsoft.com/office/powerpoint/2010/main" val="718457474"/>
+        <p14:creationId xmlns:p14="http://schemas.microsoft.com/office/powerpoint/2010/main" val="577387459"/>
       </p:ext>
     </p:extLst>
   </p:cSld>
@@ -6087,7 +6074,7 @@
       </p:grpSpPr>
       <p:sp>
         <p:nvSpPr>
-          <p:cNvPr id="2" name="Title 1"/>
+          <p:cNvPr id="4" name="Title 3"/>
           <p:cNvSpPr>
             <a:spLocks noGrp="1"/>
           </p:cNvSpPr>
@@ -6102,19 +6089,19 @@
           <a:p>
             <a:r>
               <a:rPr lang="en-US" dirty="0"/>
-              <a:t>Logic Tests</a:t>
-            </a:r>
-          </a:p>
-        </p:txBody>
-      </p:sp>
-      <p:sp>
-        <p:nvSpPr>
-          <p:cNvPr id="3" name="Content Placeholder 2"/>
-          <p:cNvSpPr>
-            <a:spLocks noGrp="1"/>
-          </p:cNvSpPr>
-          <p:nvPr>
-            <p:ph idx="1"/>
+              <a:t>Catching bad CODE</a:t>
+            </a:r>
+          </a:p>
+        </p:txBody>
+      </p:sp>
+      <p:sp>
+        <p:nvSpPr>
+          <p:cNvPr id="5" name="Text Placeholder 4"/>
+          <p:cNvSpPr>
+            <a:spLocks noGrp="1"/>
+          </p:cNvSpPr>
+          <p:nvPr>
+            <p:ph type="body" idx="1"/>
           </p:nvPr>
         </p:nvSpPr>
         <p:spPr/>
@@ -6124,13 +6111,7 @@
           <a:p>
             <a:r>
               <a:rPr lang="en-US" dirty="0"/>
-              <a:t>These are unit tests designed to find issues with a particular specific function.</a:t>
-            </a:r>
-          </a:p>
-          <a:p>
-            <a:r>
-              <a:rPr lang="en-US" dirty="0"/>
-              <a:t>This are especially useful when refactoring code as requirements may not be clear</a:t>
+              <a:t>Demo</a:t>
             </a:r>
           </a:p>
         </p:txBody>
@@ -6138,7 +6119,7 @@
     </p:spTree>
     <p:extLst>
       <p:ext uri="{BB962C8B-B14F-4D97-AF65-F5344CB8AC3E}">
-        <p14:creationId xmlns:p14="http://schemas.microsoft.com/office/powerpoint/2010/main" val="2549004961"/>
+        <p14:creationId xmlns:p14="http://schemas.microsoft.com/office/powerpoint/2010/main" val="420280027"/>
       </p:ext>
     </p:extLst>
   </p:cSld>
@@ -6167,7 +6148,7 @@
       </p:grpSpPr>
       <p:sp>
         <p:nvSpPr>
-          <p:cNvPr id="4" name="Title 3"/>
+          <p:cNvPr id="2" name="Title 1"/>
           <p:cNvSpPr>
             <a:spLocks noGrp="1"/>
           </p:cNvSpPr>
@@ -6182,19 +6163,19 @@
           <a:p>
             <a:r>
               <a:rPr lang="en-US" dirty="0"/>
-              <a:t>Testing Code Logic</a:t>
-            </a:r>
-          </a:p>
-        </p:txBody>
-      </p:sp>
-      <p:sp>
-        <p:nvSpPr>
-          <p:cNvPr id="5" name="Text Placeholder 4"/>
-          <p:cNvSpPr>
-            <a:spLocks noGrp="1"/>
-          </p:cNvSpPr>
-          <p:nvPr>
-            <p:ph type="body" idx="1"/>
+              <a:t>Logic Tests</a:t>
+            </a:r>
+          </a:p>
+        </p:txBody>
+      </p:sp>
+      <p:sp>
+        <p:nvSpPr>
+          <p:cNvPr id="3" name="Content Placeholder 2"/>
+          <p:cNvSpPr>
+            <a:spLocks noGrp="1"/>
+          </p:cNvSpPr>
+          <p:nvPr>
+            <p:ph idx="1"/>
           </p:nvPr>
         </p:nvSpPr>
         <p:spPr/>
@@ -6204,7 +6185,13 @@
           <a:p>
             <a:r>
               <a:rPr lang="en-US" dirty="0"/>
-              <a:t>Demo</a:t>
+              <a:t>These are unit tests designed to find issues with a particular specific function.</a:t>
+            </a:r>
+          </a:p>
+          <a:p>
+            <a:r>
+              <a:rPr lang="en-US" dirty="0"/>
+              <a:t>This are especially useful when refactoring code as requirements may not be clear</a:t>
             </a:r>
           </a:p>
         </p:txBody>
@@ -6212,7 +6199,7 @@
     </p:spTree>
     <p:extLst>
       <p:ext uri="{BB962C8B-B14F-4D97-AF65-F5344CB8AC3E}">
-        <p14:creationId xmlns:p14="http://schemas.microsoft.com/office/powerpoint/2010/main" val="3075909317"/>
+        <p14:creationId xmlns:p14="http://schemas.microsoft.com/office/powerpoint/2010/main" val="2549004961"/>
       </p:ext>
     </p:extLst>
   </p:cSld>
@@ -6241,7 +6228,7 @@
       </p:grpSpPr>
       <p:sp>
         <p:nvSpPr>
-          <p:cNvPr id="2" name="Title 1"/>
+          <p:cNvPr id="4" name="Title 3"/>
           <p:cNvSpPr>
             <a:spLocks noGrp="1"/>
           </p:cNvSpPr>
@@ -6256,19 +6243,19 @@
           <a:p>
             <a:r>
               <a:rPr lang="en-US" dirty="0"/>
-              <a:t>Having a Test Suite</a:t>
-            </a:r>
-          </a:p>
-        </p:txBody>
-      </p:sp>
-      <p:sp>
-        <p:nvSpPr>
-          <p:cNvPr id="3" name="Content Placeholder 2"/>
-          <p:cNvSpPr>
-            <a:spLocks noGrp="1"/>
-          </p:cNvSpPr>
-          <p:nvPr>
-            <p:ph idx="1"/>
+              <a:t>Testing Code Logic</a:t>
+            </a:r>
+          </a:p>
+        </p:txBody>
+      </p:sp>
+      <p:sp>
+        <p:nvSpPr>
+          <p:cNvPr id="5" name="Text Placeholder 4"/>
+          <p:cNvSpPr>
+            <a:spLocks noGrp="1"/>
+          </p:cNvSpPr>
+          <p:nvPr>
+            <p:ph type="body" idx="1"/>
           </p:nvPr>
         </p:nvSpPr>
         <p:spPr/>
@@ -6278,19 +6265,7 @@
           <a:p>
             <a:r>
               <a:rPr lang="en-US" dirty="0"/>
-              <a:t>By continuing to grow your test suite with each change, developers spread the load</a:t>
-            </a:r>
-          </a:p>
-          <a:p>
-            <a:r>
-              <a:rPr lang="en-US" dirty="0"/>
-              <a:t>By having a large suite, we have better code coverage.</a:t>
-            </a:r>
-          </a:p>
-          <a:p>
-            <a:r>
-              <a:rPr lang="en-US" dirty="0"/>
-              <a:t>We can easily regression test.</a:t>
+              <a:t>Demo</a:t>
             </a:r>
           </a:p>
         </p:txBody>
@@ -6298,7 +6273,7 @@
     </p:spTree>
     <p:extLst>
       <p:ext uri="{BB962C8B-B14F-4D97-AF65-F5344CB8AC3E}">
-        <p14:creationId xmlns:p14="http://schemas.microsoft.com/office/powerpoint/2010/main" val="2479422556"/>
+        <p14:creationId xmlns:p14="http://schemas.microsoft.com/office/powerpoint/2010/main" val="3075909317"/>
       </p:ext>
     </p:extLst>
   </p:cSld>
@@ -6342,6 +6317,92 @@
           <a:p>
             <a:r>
               <a:rPr lang="en-US" dirty="0"/>
+              <a:t>Having a Test Suite</a:t>
+            </a:r>
+          </a:p>
+        </p:txBody>
+      </p:sp>
+      <p:sp>
+        <p:nvSpPr>
+          <p:cNvPr id="3" name="Content Placeholder 2"/>
+          <p:cNvSpPr>
+            <a:spLocks noGrp="1"/>
+          </p:cNvSpPr>
+          <p:nvPr>
+            <p:ph idx="1"/>
+          </p:nvPr>
+        </p:nvSpPr>
+        <p:spPr/>
+        <p:txBody>
+          <a:bodyPr/>
+          <a:lstStyle/>
+          <a:p>
+            <a:r>
+              <a:rPr lang="en-US" dirty="0"/>
+              <a:t>By continuing to grow your test suite with each change, developers spread the load</a:t>
+            </a:r>
+          </a:p>
+          <a:p>
+            <a:r>
+              <a:rPr lang="en-US" dirty="0"/>
+              <a:t>By having a large suite, we have better code coverage.</a:t>
+            </a:r>
+          </a:p>
+          <a:p>
+            <a:r>
+              <a:rPr lang="en-US" dirty="0"/>
+              <a:t>We can easily regression test.</a:t>
+            </a:r>
+          </a:p>
+        </p:txBody>
+      </p:sp>
+    </p:spTree>
+    <p:extLst>
+      <p:ext uri="{BB962C8B-B14F-4D97-AF65-F5344CB8AC3E}">
+        <p14:creationId xmlns:p14="http://schemas.microsoft.com/office/powerpoint/2010/main" val="2479422556"/>
+      </p:ext>
+    </p:extLst>
+  </p:cSld>
+  <p:clrMapOvr>
+    <a:masterClrMapping/>
+  </p:clrMapOvr>
+</p:sld>
+</file>
+
+<file path=ppt/slides/slide24.xml><?xml version="1.0" encoding="utf-8"?>
+<p:sld xmlns:a="http://schemas.openxmlformats.org/drawingml/2006/main" xmlns:r="http://schemas.openxmlformats.org/officeDocument/2006/relationships" xmlns:p="http://schemas.openxmlformats.org/presentationml/2006/main">
+  <p:cSld>
+    <p:spTree>
+      <p:nvGrpSpPr>
+        <p:cNvPr id="1" name=""/>
+        <p:cNvGrpSpPr/>
+        <p:nvPr/>
+      </p:nvGrpSpPr>
+      <p:grpSpPr>
+        <a:xfrm>
+          <a:off x="0" y="0"/>
+          <a:ext cx="0" cy="0"/>
+          <a:chOff x="0" y="0"/>
+          <a:chExt cx="0" cy="0"/>
+        </a:xfrm>
+      </p:grpSpPr>
+      <p:sp>
+        <p:nvSpPr>
+          <p:cNvPr id="2" name="Title 1"/>
+          <p:cNvSpPr>
+            <a:spLocks noGrp="1"/>
+          </p:cNvSpPr>
+          <p:nvPr>
+            <p:ph type="title"/>
+          </p:nvPr>
+        </p:nvSpPr>
+        <p:spPr/>
+        <p:txBody>
+          <a:bodyPr/>
+          <a:lstStyle/>
+          <a:p>
+            <a:r>
+              <a:rPr lang="en-US" dirty="0"/>
               <a:t>Summary</a:t>
             </a:r>
           </a:p>
@@ -6408,7 +6469,7 @@
 </p:sld>
 </file>
 
-<file path=ppt/slides/slide24.xml><?xml version="1.0" encoding="utf-8"?>
+<file path=ppt/slides/slide25.xml><?xml version="1.0" encoding="utf-8"?>
 <p:sld xmlns:a="http://schemas.openxmlformats.org/drawingml/2006/main" xmlns:r="http://schemas.openxmlformats.org/officeDocument/2006/relationships" xmlns:p="http://schemas.openxmlformats.org/presentationml/2006/main">
   <p:cSld>
     <p:spTree>
@@ -7001,104 +7062,6 @@
 </p:sld>
 </file>
 
-<file path=ppt/slides/slide25.xml><?xml version="1.0" encoding="utf-8"?>
-<p:sld xmlns:a="http://schemas.openxmlformats.org/drawingml/2006/main" xmlns:r="http://schemas.openxmlformats.org/officeDocument/2006/relationships" xmlns:p="http://schemas.openxmlformats.org/presentationml/2006/main">
-  <p:cSld>
-    <p:spTree>
-      <p:nvGrpSpPr>
-        <p:cNvPr id="1" name=""/>
-        <p:cNvGrpSpPr/>
-        <p:nvPr/>
-      </p:nvGrpSpPr>
-      <p:grpSpPr>
-        <a:xfrm>
-          <a:off x="0" y="0"/>
-          <a:ext cx="0" cy="0"/>
-          <a:chOff x="0" y="0"/>
-          <a:chExt cx="0" cy="0"/>
-        </a:xfrm>
-      </p:grpSpPr>
-      <p:sp>
-        <p:nvSpPr>
-          <p:cNvPr id="2" name="Title 1"/>
-          <p:cNvSpPr>
-            <a:spLocks noGrp="1"/>
-          </p:cNvSpPr>
-          <p:nvPr>
-            <p:ph type="title"/>
-          </p:nvPr>
-        </p:nvSpPr>
-        <p:spPr/>
-        <p:txBody>
-          <a:bodyPr/>
-          <a:lstStyle/>
-          <a:p>
-            <a:r>
-              <a:rPr lang="en-US" dirty="0"/>
-              <a:t>References</a:t>
-            </a:r>
-          </a:p>
-        </p:txBody>
-      </p:sp>
-      <p:sp>
-        <p:nvSpPr>
-          <p:cNvPr id="3" name="Content Placeholder 2"/>
-          <p:cNvSpPr>
-            <a:spLocks noGrp="1"/>
-          </p:cNvSpPr>
-          <p:nvPr>
-            <p:ph idx="1"/>
-          </p:nvPr>
-        </p:nvSpPr>
-        <p:spPr/>
-        <p:txBody>
-          <a:bodyPr/>
-          <a:lstStyle/>
-          <a:p>
-            <a:r>
-              <a:rPr lang="en-US" dirty="0"/>
-              <a:t>Continuous Integration – http://en.wikipedia.org/wiki/Continuous_integration</a:t>
-            </a:r>
-          </a:p>
-          <a:p>
-            <a:r>
-              <a:rPr lang="en-US" dirty="0"/>
-              <a:t>Getting Started Testing Databases with </a:t>
-            </a:r>
-            <a:r>
-              <a:rPr lang="en-US" dirty="0" err="1"/>
-              <a:t>tSQLt</a:t>
-            </a:r>
-            <a:r>
-              <a:rPr lang="en-US" dirty="0"/>
-              <a:t> - </a:t>
-            </a:r>
-            <a:r>
-              <a:rPr lang="en-US" dirty="0">
-                <a:hlinkClick r:id="rId2"/>
-              </a:rPr>
-              <a:t>https://www.simple-talk.com/sql/t-sql-programming/getting-started-testing-databases-with-tsqlt/</a:t>
-            </a:r>
-            <a:endParaRPr lang="en-US" dirty="0"/>
-          </a:p>
-          <a:p>
-            <a:endParaRPr lang="en-US" dirty="0"/>
-          </a:p>
-        </p:txBody>
-      </p:sp>
-    </p:spTree>
-    <p:extLst>
-      <p:ext uri="{BB962C8B-B14F-4D97-AF65-F5344CB8AC3E}">
-        <p14:creationId xmlns:p14="http://schemas.microsoft.com/office/powerpoint/2010/main" val="2962012683"/>
-      </p:ext>
-    </p:extLst>
-  </p:cSld>
-  <p:clrMapOvr>
-    <a:masterClrMapping/>
-  </p:clrMapOvr>
-</p:sld>
-</file>
-
 <file path=ppt/slides/slide26.xml><?xml version="1.0" encoding="utf-8"?>
 <p:sld xmlns:a="http://schemas.openxmlformats.org/drawingml/2006/main" xmlns:r="http://schemas.openxmlformats.org/officeDocument/2006/relationships" xmlns:p="http://schemas.openxmlformats.org/presentationml/2006/main">
   <p:cSld>
@@ -7133,6 +7096,104 @@
           <a:p>
             <a:r>
               <a:rPr lang="en-US" dirty="0"/>
+              <a:t>References</a:t>
+            </a:r>
+          </a:p>
+        </p:txBody>
+      </p:sp>
+      <p:sp>
+        <p:nvSpPr>
+          <p:cNvPr id="3" name="Content Placeholder 2"/>
+          <p:cNvSpPr>
+            <a:spLocks noGrp="1"/>
+          </p:cNvSpPr>
+          <p:nvPr>
+            <p:ph idx="1"/>
+          </p:nvPr>
+        </p:nvSpPr>
+        <p:spPr/>
+        <p:txBody>
+          <a:bodyPr/>
+          <a:lstStyle/>
+          <a:p>
+            <a:r>
+              <a:rPr lang="en-US" dirty="0"/>
+              <a:t>Continuous Integration – http://en.wikipedia.org/wiki/Continuous_integration</a:t>
+            </a:r>
+          </a:p>
+          <a:p>
+            <a:r>
+              <a:rPr lang="en-US" dirty="0"/>
+              <a:t>Getting Started Testing Databases with </a:t>
+            </a:r>
+            <a:r>
+              <a:rPr lang="en-US" dirty="0" err="1"/>
+              <a:t>tSQLt</a:t>
+            </a:r>
+            <a:r>
+              <a:rPr lang="en-US" dirty="0"/>
+              <a:t> - </a:t>
+            </a:r>
+            <a:r>
+              <a:rPr lang="en-US" dirty="0">
+                <a:hlinkClick r:id="rId2"/>
+              </a:rPr>
+              <a:t>https://www.simple-talk.com/sql/t-sql-programming/getting-started-testing-databases-with-tsqlt/</a:t>
+            </a:r>
+            <a:endParaRPr lang="en-US" dirty="0"/>
+          </a:p>
+          <a:p>
+            <a:endParaRPr lang="en-US" dirty="0"/>
+          </a:p>
+        </p:txBody>
+      </p:sp>
+    </p:spTree>
+    <p:extLst>
+      <p:ext uri="{BB962C8B-B14F-4D97-AF65-F5344CB8AC3E}">
+        <p14:creationId xmlns:p14="http://schemas.microsoft.com/office/powerpoint/2010/main" val="2962012683"/>
+      </p:ext>
+    </p:extLst>
+  </p:cSld>
+  <p:clrMapOvr>
+    <a:masterClrMapping/>
+  </p:clrMapOvr>
+</p:sld>
+</file>
+
+<file path=ppt/slides/slide27.xml><?xml version="1.0" encoding="utf-8"?>
+<p:sld xmlns:a="http://schemas.openxmlformats.org/drawingml/2006/main" xmlns:r="http://schemas.openxmlformats.org/officeDocument/2006/relationships" xmlns:p="http://schemas.openxmlformats.org/presentationml/2006/main">
+  <p:cSld>
+    <p:spTree>
+      <p:nvGrpSpPr>
+        <p:cNvPr id="1" name=""/>
+        <p:cNvGrpSpPr/>
+        <p:nvPr/>
+      </p:nvGrpSpPr>
+      <p:grpSpPr>
+        <a:xfrm>
+          <a:off x="0" y="0"/>
+          <a:ext cx="0" cy="0"/>
+          <a:chOff x="0" y="0"/>
+          <a:chExt cx="0" cy="0"/>
+        </a:xfrm>
+      </p:grpSpPr>
+      <p:sp>
+        <p:nvSpPr>
+          <p:cNvPr id="2" name="Title 1"/>
+          <p:cNvSpPr>
+            <a:spLocks noGrp="1"/>
+          </p:cNvSpPr>
+          <p:nvPr>
+            <p:ph type="title"/>
+          </p:nvPr>
+        </p:nvSpPr>
+        <p:spPr/>
+        <p:txBody>
+          <a:bodyPr/>
+          <a:lstStyle/>
+          <a:p>
+            <a:r>
+              <a:rPr lang="en-US" dirty="0"/>
               <a:t>Images</a:t>
             </a:r>
           </a:p>
@@ -7197,6 +7258,103 @@
 </file>
 
 <file path=ppt/slides/slide3.xml><?xml version="1.0" encoding="utf-8"?>
+<p:sld xmlns:a="http://schemas.openxmlformats.org/drawingml/2006/main" xmlns:r="http://schemas.openxmlformats.org/officeDocument/2006/relationships" xmlns:p="http://schemas.openxmlformats.org/presentationml/2006/main">
+  <p:cSld>
+    <p:spTree>
+      <p:nvGrpSpPr>
+        <p:cNvPr id="1" name=""/>
+        <p:cNvGrpSpPr/>
+        <p:nvPr/>
+      </p:nvGrpSpPr>
+      <p:grpSpPr>
+        <a:xfrm>
+          <a:off x="0" y="0"/>
+          <a:ext cx="0" cy="0"/>
+          <a:chOff x="0" y="0"/>
+          <a:chExt cx="0" cy="0"/>
+        </a:xfrm>
+      </p:grpSpPr>
+      <p:sp>
+        <p:nvSpPr>
+          <p:cNvPr id="2" name="Title 1"/>
+          <p:cNvSpPr>
+            <a:spLocks noGrp="1"/>
+          </p:cNvSpPr>
+          <p:nvPr>
+            <p:ph type="title"/>
+          </p:nvPr>
+        </p:nvSpPr>
+        <p:spPr/>
+        <p:txBody>
+          <a:bodyPr/>
+          <a:lstStyle/>
+          <a:p>
+            <a:r>
+              <a:rPr lang="en-US" dirty="0"/>
+              <a:t>Agenda</a:t>
+            </a:r>
+          </a:p>
+        </p:txBody>
+      </p:sp>
+      <p:sp>
+        <p:nvSpPr>
+          <p:cNvPr id="3" name="Content Placeholder 2"/>
+          <p:cNvSpPr>
+            <a:spLocks noGrp="1"/>
+          </p:cNvSpPr>
+          <p:nvPr>
+            <p:ph idx="1"/>
+          </p:nvPr>
+        </p:nvSpPr>
+        <p:spPr/>
+        <p:txBody>
+          <a:bodyPr/>
+          <a:lstStyle/>
+          <a:p>
+            <a:r>
+              <a:rPr lang="en-US" dirty="0"/>
+              <a:t>Who Am I?</a:t>
+            </a:r>
+          </a:p>
+          <a:p>
+            <a:r>
+              <a:rPr lang="en-US" dirty="0"/>
+              <a:t>Testing Software</a:t>
+            </a:r>
+          </a:p>
+          <a:p>
+            <a:r>
+              <a:rPr lang="en-US" dirty="0"/>
+              <a:t>Database </a:t>
+            </a:r>
+            <a:r>
+              <a:rPr lang="en-US"/>
+              <a:t>Testing Frameworks</a:t>
+            </a:r>
+            <a:endParaRPr lang="en-US" dirty="0"/>
+          </a:p>
+          <a:p>
+            <a:r>
+              <a:rPr lang="en-US" dirty="0"/>
+              <a:t>Test Examples</a:t>
+            </a:r>
+          </a:p>
+        </p:txBody>
+      </p:sp>
+    </p:spTree>
+    <p:extLst>
+      <p:ext uri="{BB962C8B-B14F-4D97-AF65-F5344CB8AC3E}">
+        <p14:creationId xmlns:p14="http://schemas.microsoft.com/office/powerpoint/2010/main" val="718457474"/>
+      </p:ext>
+    </p:extLst>
+  </p:cSld>
+  <p:clrMapOvr>
+    <a:masterClrMapping/>
+  </p:clrMapOvr>
+</p:sld>
+</file>
+
+<file path=ppt/slides/slide4.xml><?xml version="1.0" encoding="utf-8"?>
 <p:sld xmlns:a="http://schemas.openxmlformats.org/drawingml/2006/main" xmlns:r="http://schemas.openxmlformats.org/officeDocument/2006/relationships" xmlns:p="http://schemas.openxmlformats.org/presentationml/2006/main">
   <p:cSld>
     <p:spTree>
@@ -7699,7 +7857,7 @@
 </p:sld>
 </file>
 
-<file path=ppt/slides/slide4.xml><?xml version="1.0" encoding="utf-8"?>
+<file path=ppt/slides/slide5.xml><?xml version="1.0" encoding="utf-8"?>
 <p:sld xmlns:a="http://schemas.openxmlformats.org/drawingml/2006/main" xmlns:r="http://schemas.openxmlformats.org/officeDocument/2006/relationships" xmlns:p="http://schemas.openxmlformats.org/presentationml/2006/main">
   <p:cSld>
     <p:spTree>
@@ -8336,103 +8494,6 @@
 </p:sld>
 </file>
 
-<file path=ppt/slides/slide5.xml><?xml version="1.0" encoding="utf-8"?>
-<p:sld xmlns:a="http://schemas.openxmlformats.org/drawingml/2006/main" xmlns:r="http://schemas.openxmlformats.org/officeDocument/2006/relationships" xmlns:p="http://schemas.openxmlformats.org/presentationml/2006/main">
-  <p:cSld>
-    <p:spTree>
-      <p:nvGrpSpPr>
-        <p:cNvPr id="1" name=""/>
-        <p:cNvGrpSpPr/>
-        <p:nvPr/>
-      </p:nvGrpSpPr>
-      <p:grpSpPr>
-        <a:xfrm>
-          <a:off x="0" y="0"/>
-          <a:ext cx="0" cy="0"/>
-          <a:chOff x="0" y="0"/>
-          <a:chExt cx="0" cy="0"/>
-        </a:xfrm>
-      </p:grpSpPr>
-      <p:sp>
-        <p:nvSpPr>
-          <p:cNvPr id="2" name="Title 1"/>
-          <p:cNvSpPr>
-            <a:spLocks noGrp="1"/>
-          </p:cNvSpPr>
-          <p:nvPr>
-            <p:ph type="title"/>
-          </p:nvPr>
-        </p:nvSpPr>
-        <p:spPr/>
-        <p:txBody>
-          <a:bodyPr/>
-          <a:lstStyle/>
-          <a:p>
-            <a:r>
-              <a:rPr lang="en-US" dirty="0"/>
-              <a:t>Unit Testing</a:t>
-            </a:r>
-          </a:p>
-        </p:txBody>
-      </p:sp>
-      <p:sp>
-        <p:nvSpPr>
-          <p:cNvPr id="5" name="TextBox 4"/>
-          <p:cNvSpPr txBox="1"/>
-          <p:nvPr/>
-        </p:nvSpPr>
-        <p:spPr>
-          <a:xfrm>
-            <a:off x="405244" y="1987811"/>
-            <a:ext cx="7886700" cy="3877985"/>
-          </a:xfrm>
-          <a:prstGeom prst="rect">
-            <a:avLst/>
-          </a:prstGeom>
-          <a:noFill/>
-        </p:spPr>
-        <p:txBody>
-          <a:bodyPr wrap="square" rtlCol="0">
-            <a:spAutoFit/>
-          </a:bodyPr>
-          <a:lstStyle/>
-          <a:p>
-            <a:r>
-              <a:rPr lang="en-US" sz="3600" dirty="0"/>
-              <a:t>“The primary goal of unit testing is to take the smallest piece of testable software in the application, isolate it from the remainder of the code, and determine whether it behaves exactly as you expect.“</a:t>
-            </a:r>
-          </a:p>
-          <a:p>
-            <a:endParaRPr lang="en-US" dirty="0"/>
-          </a:p>
-          <a:p>
-            <a:r>
-              <a:rPr lang="en-US" sz="1200" dirty="0"/>
-              <a:t>From </a:t>
-            </a:r>
-            <a:r>
-              <a:rPr lang="en-US" sz="1200" dirty="0">
-                <a:hlinkClick r:id="rId3"/>
-              </a:rPr>
-              <a:t>https://msdn.microsoft.com/en-us/library/aa292197%28v=vs.71%29.aspx</a:t>
-            </a:r>
-            <a:endParaRPr lang="en-US" sz="1200" dirty="0"/>
-          </a:p>
-        </p:txBody>
-      </p:sp>
-    </p:spTree>
-    <p:extLst>
-      <p:ext uri="{BB962C8B-B14F-4D97-AF65-F5344CB8AC3E}">
-        <p14:creationId xmlns:p14="http://schemas.microsoft.com/office/powerpoint/2010/main" val="2912118878"/>
-      </p:ext>
-    </p:extLst>
-  </p:cSld>
-  <p:clrMapOvr>
-    <a:masterClrMapping/>
-  </p:clrMapOvr>
-</p:sld>
-</file>
-
 <file path=ppt/slides/slide6.xml><?xml version="1.0" encoding="utf-8"?>
 <p:sld xmlns:a="http://schemas.openxmlformats.org/drawingml/2006/main" xmlns:r="http://schemas.openxmlformats.org/officeDocument/2006/relationships" xmlns:p="http://schemas.openxmlformats.org/presentationml/2006/main">
   <p:cSld>
@@ -8474,6 +8535,103 @@
       </p:sp>
       <p:sp>
         <p:nvSpPr>
+          <p:cNvPr id="5" name="TextBox 4"/>
+          <p:cNvSpPr txBox="1"/>
+          <p:nvPr/>
+        </p:nvSpPr>
+        <p:spPr>
+          <a:xfrm>
+            <a:off x="405244" y="1987811"/>
+            <a:ext cx="7886700" cy="3877985"/>
+          </a:xfrm>
+          <a:prstGeom prst="rect">
+            <a:avLst/>
+          </a:prstGeom>
+          <a:noFill/>
+        </p:spPr>
+        <p:txBody>
+          <a:bodyPr wrap="square" rtlCol="0">
+            <a:spAutoFit/>
+          </a:bodyPr>
+          <a:lstStyle/>
+          <a:p>
+            <a:r>
+              <a:rPr lang="en-US" sz="3600" dirty="0"/>
+              <a:t>“The primary goal of unit testing is to take the smallest piece of testable software in the application, isolate it from the remainder of the code, and determine whether it behaves exactly as you expect.“</a:t>
+            </a:r>
+          </a:p>
+          <a:p>
+            <a:endParaRPr lang="en-US" dirty="0"/>
+          </a:p>
+          <a:p>
+            <a:r>
+              <a:rPr lang="en-US" sz="1200" dirty="0"/>
+              <a:t>From </a:t>
+            </a:r>
+            <a:r>
+              <a:rPr lang="en-US" sz="1200" dirty="0">
+                <a:hlinkClick r:id="rId3"/>
+              </a:rPr>
+              <a:t>https://msdn.microsoft.com/en-us/library/aa292197%28v=vs.71%29.aspx</a:t>
+            </a:r>
+            <a:endParaRPr lang="en-US" sz="1200" dirty="0"/>
+          </a:p>
+        </p:txBody>
+      </p:sp>
+    </p:spTree>
+    <p:extLst>
+      <p:ext uri="{BB962C8B-B14F-4D97-AF65-F5344CB8AC3E}">
+        <p14:creationId xmlns:p14="http://schemas.microsoft.com/office/powerpoint/2010/main" val="2912118878"/>
+      </p:ext>
+    </p:extLst>
+  </p:cSld>
+  <p:clrMapOvr>
+    <a:masterClrMapping/>
+  </p:clrMapOvr>
+</p:sld>
+</file>
+
+<file path=ppt/slides/slide7.xml><?xml version="1.0" encoding="utf-8"?>
+<p:sld xmlns:a="http://schemas.openxmlformats.org/drawingml/2006/main" xmlns:r="http://schemas.openxmlformats.org/officeDocument/2006/relationships" xmlns:p="http://schemas.openxmlformats.org/presentationml/2006/main">
+  <p:cSld>
+    <p:spTree>
+      <p:nvGrpSpPr>
+        <p:cNvPr id="1" name=""/>
+        <p:cNvGrpSpPr/>
+        <p:nvPr/>
+      </p:nvGrpSpPr>
+      <p:grpSpPr>
+        <a:xfrm>
+          <a:off x="0" y="0"/>
+          <a:ext cx="0" cy="0"/>
+          <a:chOff x="0" y="0"/>
+          <a:chExt cx="0" cy="0"/>
+        </a:xfrm>
+      </p:grpSpPr>
+      <p:sp>
+        <p:nvSpPr>
+          <p:cNvPr id="2" name="Title 1"/>
+          <p:cNvSpPr>
+            <a:spLocks noGrp="1"/>
+          </p:cNvSpPr>
+          <p:nvPr>
+            <p:ph type="title"/>
+          </p:nvPr>
+        </p:nvSpPr>
+        <p:spPr/>
+        <p:txBody>
+          <a:bodyPr/>
+          <a:lstStyle/>
+          <a:p>
+            <a:r>
+              <a:rPr lang="en-US" dirty="0"/>
+              <a:t>Unit Testing</a:t>
+            </a:r>
+          </a:p>
+        </p:txBody>
+      </p:sp>
+      <p:sp>
+        <p:nvSpPr>
           <p:cNvPr id="12" name="TextBox 11"/>
           <p:cNvSpPr txBox="1"/>
           <p:nvPr/>
@@ -8534,7 +8692,7 @@
 </p:sld>
 </file>
 
-<file path=ppt/slides/slide7.xml><?xml version="1.0" encoding="utf-8"?>
+<file path=ppt/slides/slide8.xml><?xml version="1.0" encoding="utf-8"?>
 <p:sld xmlns:a="http://schemas.openxmlformats.org/drawingml/2006/main" xmlns:r="http://schemas.openxmlformats.org/officeDocument/2006/relationships" xmlns:p="http://schemas.openxmlformats.org/presentationml/2006/main">
   <p:cSld>
     <p:spTree>
@@ -8615,7 +8773,7 @@
 </p:sld>
 </file>
 
-<file path=ppt/slides/slide8.xml><?xml version="1.0" encoding="utf-8"?>
+<file path=ppt/slides/slide9.xml><?xml version="1.0" encoding="utf-8"?>
 <p:sld xmlns:a="http://schemas.openxmlformats.org/drawingml/2006/main" xmlns:r="http://schemas.openxmlformats.org/officeDocument/2006/relationships" xmlns:p="http://schemas.openxmlformats.org/presentationml/2006/main">
   <p:cSld>
     <p:spTree>
@@ -8687,92 +8845,6 @@
     <p:extLst>
       <p:ext uri="{BB962C8B-B14F-4D97-AF65-F5344CB8AC3E}">
         <p14:creationId xmlns:p14="http://schemas.microsoft.com/office/powerpoint/2010/main" val="4110603329"/>
-      </p:ext>
-    </p:extLst>
-  </p:cSld>
-  <p:clrMapOvr>
-    <a:masterClrMapping/>
-  </p:clrMapOvr>
-</p:sld>
-</file>
-
-<file path=ppt/slides/slide9.xml><?xml version="1.0" encoding="utf-8"?>
-<p:sld xmlns:a="http://schemas.openxmlformats.org/drawingml/2006/main" xmlns:r="http://schemas.openxmlformats.org/officeDocument/2006/relationships" xmlns:p="http://schemas.openxmlformats.org/presentationml/2006/main">
-  <p:cSld>
-    <p:spTree>
-      <p:nvGrpSpPr>
-        <p:cNvPr id="1" name=""/>
-        <p:cNvGrpSpPr/>
-        <p:nvPr/>
-      </p:nvGrpSpPr>
-      <p:grpSpPr>
-        <a:xfrm>
-          <a:off x="0" y="0"/>
-          <a:ext cx="0" cy="0"/>
-          <a:chOff x="0" y="0"/>
-          <a:chExt cx="0" cy="0"/>
-        </a:xfrm>
-      </p:grpSpPr>
-      <p:sp>
-        <p:nvSpPr>
-          <p:cNvPr id="2" name="Title 1"/>
-          <p:cNvSpPr>
-            <a:spLocks noGrp="1"/>
-          </p:cNvSpPr>
-          <p:nvPr>
-            <p:ph type="title"/>
-          </p:nvPr>
-        </p:nvSpPr>
-        <p:spPr/>
-        <p:txBody>
-          <a:bodyPr/>
-          <a:lstStyle/>
-          <a:p>
-            <a:r>
-              <a:rPr lang="en-US" dirty="0"/>
-              <a:t>Building Tests</a:t>
-            </a:r>
-          </a:p>
-        </p:txBody>
-      </p:sp>
-      <p:sp>
-        <p:nvSpPr>
-          <p:cNvPr id="3" name="Content Placeholder 2"/>
-          <p:cNvSpPr>
-            <a:spLocks noGrp="1"/>
-          </p:cNvSpPr>
-          <p:nvPr>
-            <p:ph idx="1"/>
-          </p:nvPr>
-        </p:nvSpPr>
-        <p:spPr/>
-        <p:txBody>
-          <a:bodyPr/>
-          <a:lstStyle/>
-          <a:p>
-            <a:r>
-              <a:rPr lang="en-US" dirty="0"/>
-              <a:t>We want repeatable tests</a:t>
-            </a:r>
-          </a:p>
-          <a:p>
-            <a:r>
-              <a:rPr lang="en-US" dirty="0"/>
-              <a:t>We want automated tests</a:t>
-            </a:r>
-          </a:p>
-          <a:p>
-            <a:r>
-              <a:rPr lang="en-US" dirty="0"/>
-              <a:t>We want a suite of tests</a:t>
-            </a:r>
-          </a:p>
-        </p:txBody>
-      </p:sp>
-    </p:spTree>
-    <p:extLst>
-      <p:ext uri="{BB962C8B-B14F-4D97-AF65-F5344CB8AC3E}">
-        <p14:creationId xmlns:p14="http://schemas.microsoft.com/office/powerpoint/2010/main" val="2858332371"/>
       </p:ext>
     </p:extLst>
   </p:cSld>

--- a/UnitTestingTSQL.pptx
+++ b/UnitTestingTSQL.pptx
@@ -2,13 +2,13 @@
 <file path=ppt/presentation.xml><?xml version="1.0" encoding="utf-8"?>
 <p:presentation xmlns:a="http://schemas.openxmlformats.org/drawingml/2006/main" xmlns:r="http://schemas.openxmlformats.org/officeDocument/2006/relationships" xmlns:p="http://schemas.openxmlformats.org/presentationml/2006/main" saveSubsetFonts="1">
   <p:sldMasterIdLst>
-    <p:sldMasterId id="2147483648" r:id="rId1"/>
+    <p:sldMasterId id="2147483660" r:id="rId1"/>
+    <p:sldMasterId id="2147483672" r:id="rId2"/>
   </p:sldMasterIdLst>
   <p:notesMasterIdLst>
     <p:notesMasterId r:id="rId29"/>
   </p:notesMasterIdLst>
   <p:sldIdLst>
-    <p:sldId id="256" r:id="rId2"/>
     <p:sldId id="298" r:id="rId3"/>
     <p:sldId id="282" r:id="rId4"/>
     <p:sldId id="283" r:id="rId5"/>
@@ -42,94 +42,124 @@
     <a:defPPr>
       <a:defRPr lang="en-US"/>
     </a:defPPr>
-    <a:lvl1pPr marL="0" algn="l" defTabSz="914400" rtl="0" eaLnBrk="1" latinLnBrk="0" hangingPunct="1">
-      <a:defRPr sz="1800" kern="1200">
+    <a:lvl1pPr algn="l" rtl="0" fontAlgn="base">
+      <a:spcBef>
+        <a:spcPct val="0"/>
+      </a:spcBef>
+      <a:spcAft>
+        <a:spcPct val="0"/>
+      </a:spcAft>
+      <a:defRPr kern="1200">
         <a:solidFill>
           <a:schemeClr val="tx1"/>
         </a:solidFill>
-        <a:latin typeface="+mn-lt"/>
-        <a:ea typeface="+mn-ea"/>
-        <a:cs typeface="+mn-cs"/>
+        <a:latin typeface="Arial" pitchFamily="-72" charset="0"/>
+        <a:ea typeface="ＭＳ Ｐゴシック" pitchFamily="-72" charset="-128"/>
+        <a:cs typeface="ＭＳ Ｐゴシック" pitchFamily="-72" charset="-128"/>
       </a:defRPr>
     </a:lvl1pPr>
-    <a:lvl2pPr marL="457200" algn="l" defTabSz="914400" rtl="0" eaLnBrk="1" latinLnBrk="0" hangingPunct="1">
-      <a:defRPr sz="1800" kern="1200">
+    <a:lvl2pPr marL="457200" algn="l" rtl="0" fontAlgn="base">
+      <a:spcBef>
+        <a:spcPct val="0"/>
+      </a:spcBef>
+      <a:spcAft>
+        <a:spcPct val="0"/>
+      </a:spcAft>
+      <a:defRPr kern="1200">
         <a:solidFill>
           <a:schemeClr val="tx1"/>
         </a:solidFill>
-        <a:latin typeface="+mn-lt"/>
-        <a:ea typeface="+mn-ea"/>
-        <a:cs typeface="+mn-cs"/>
+        <a:latin typeface="Arial" pitchFamily="-72" charset="0"/>
+        <a:ea typeface="ＭＳ Ｐゴシック" pitchFamily="-72" charset="-128"/>
+        <a:cs typeface="ＭＳ Ｐゴシック" pitchFamily="-72" charset="-128"/>
       </a:defRPr>
     </a:lvl2pPr>
-    <a:lvl3pPr marL="914400" algn="l" defTabSz="914400" rtl="0" eaLnBrk="1" latinLnBrk="0" hangingPunct="1">
-      <a:defRPr sz="1800" kern="1200">
+    <a:lvl3pPr marL="914400" algn="l" rtl="0" fontAlgn="base">
+      <a:spcBef>
+        <a:spcPct val="0"/>
+      </a:spcBef>
+      <a:spcAft>
+        <a:spcPct val="0"/>
+      </a:spcAft>
+      <a:defRPr kern="1200">
         <a:solidFill>
           <a:schemeClr val="tx1"/>
         </a:solidFill>
-        <a:latin typeface="+mn-lt"/>
-        <a:ea typeface="+mn-ea"/>
-        <a:cs typeface="+mn-cs"/>
+        <a:latin typeface="Arial" pitchFamily="-72" charset="0"/>
+        <a:ea typeface="ＭＳ Ｐゴシック" pitchFamily="-72" charset="-128"/>
+        <a:cs typeface="ＭＳ Ｐゴシック" pitchFamily="-72" charset="-128"/>
       </a:defRPr>
     </a:lvl3pPr>
-    <a:lvl4pPr marL="1371600" algn="l" defTabSz="914400" rtl="0" eaLnBrk="1" latinLnBrk="0" hangingPunct="1">
-      <a:defRPr sz="1800" kern="1200">
+    <a:lvl4pPr marL="1371600" algn="l" rtl="0" fontAlgn="base">
+      <a:spcBef>
+        <a:spcPct val="0"/>
+      </a:spcBef>
+      <a:spcAft>
+        <a:spcPct val="0"/>
+      </a:spcAft>
+      <a:defRPr kern="1200">
         <a:solidFill>
           <a:schemeClr val="tx1"/>
         </a:solidFill>
-        <a:latin typeface="+mn-lt"/>
-        <a:ea typeface="+mn-ea"/>
-        <a:cs typeface="+mn-cs"/>
+        <a:latin typeface="Arial" pitchFamily="-72" charset="0"/>
+        <a:ea typeface="ＭＳ Ｐゴシック" pitchFamily="-72" charset="-128"/>
+        <a:cs typeface="ＭＳ Ｐゴシック" pitchFamily="-72" charset="-128"/>
       </a:defRPr>
     </a:lvl4pPr>
-    <a:lvl5pPr marL="1828800" algn="l" defTabSz="914400" rtl="0" eaLnBrk="1" latinLnBrk="0" hangingPunct="1">
-      <a:defRPr sz="1800" kern="1200">
+    <a:lvl5pPr marL="1828800" algn="l" rtl="0" fontAlgn="base">
+      <a:spcBef>
+        <a:spcPct val="0"/>
+      </a:spcBef>
+      <a:spcAft>
+        <a:spcPct val="0"/>
+      </a:spcAft>
+      <a:defRPr kern="1200">
         <a:solidFill>
           <a:schemeClr val="tx1"/>
         </a:solidFill>
-        <a:latin typeface="+mn-lt"/>
-        <a:ea typeface="+mn-ea"/>
-        <a:cs typeface="+mn-cs"/>
+        <a:latin typeface="Arial" pitchFamily="-72" charset="0"/>
+        <a:ea typeface="ＭＳ Ｐゴシック" pitchFamily="-72" charset="-128"/>
+        <a:cs typeface="ＭＳ Ｐゴシック" pitchFamily="-72" charset="-128"/>
       </a:defRPr>
     </a:lvl5pPr>
-    <a:lvl6pPr marL="2286000" algn="l" defTabSz="914400" rtl="0" eaLnBrk="1" latinLnBrk="0" hangingPunct="1">
-      <a:defRPr sz="1800" kern="1200">
+    <a:lvl6pPr marL="2286000" algn="l" defTabSz="457200" rtl="0" eaLnBrk="1" latinLnBrk="0" hangingPunct="1">
+      <a:defRPr kern="1200">
         <a:solidFill>
           <a:schemeClr val="tx1"/>
         </a:solidFill>
-        <a:latin typeface="+mn-lt"/>
-        <a:ea typeface="+mn-ea"/>
-        <a:cs typeface="+mn-cs"/>
+        <a:latin typeface="Arial" pitchFamily="-72" charset="0"/>
+        <a:ea typeface="ＭＳ Ｐゴシック" pitchFamily="-72" charset="-128"/>
+        <a:cs typeface="ＭＳ Ｐゴシック" pitchFamily="-72" charset="-128"/>
       </a:defRPr>
     </a:lvl6pPr>
-    <a:lvl7pPr marL="2743200" algn="l" defTabSz="914400" rtl="0" eaLnBrk="1" latinLnBrk="0" hangingPunct="1">
-      <a:defRPr sz="1800" kern="1200">
+    <a:lvl7pPr marL="2743200" algn="l" defTabSz="457200" rtl="0" eaLnBrk="1" latinLnBrk="0" hangingPunct="1">
+      <a:defRPr kern="1200">
         <a:solidFill>
           <a:schemeClr val="tx1"/>
         </a:solidFill>
-        <a:latin typeface="+mn-lt"/>
-        <a:ea typeface="+mn-ea"/>
-        <a:cs typeface="+mn-cs"/>
+        <a:latin typeface="Arial" pitchFamily="-72" charset="0"/>
+        <a:ea typeface="ＭＳ Ｐゴシック" pitchFamily="-72" charset="-128"/>
+        <a:cs typeface="ＭＳ Ｐゴシック" pitchFamily="-72" charset="-128"/>
       </a:defRPr>
     </a:lvl7pPr>
-    <a:lvl8pPr marL="3200400" algn="l" defTabSz="914400" rtl="0" eaLnBrk="1" latinLnBrk="0" hangingPunct="1">
-      <a:defRPr sz="1800" kern="1200">
+    <a:lvl8pPr marL="3200400" algn="l" defTabSz="457200" rtl="0" eaLnBrk="1" latinLnBrk="0" hangingPunct="1">
+      <a:defRPr kern="1200">
         <a:solidFill>
           <a:schemeClr val="tx1"/>
         </a:solidFill>
-        <a:latin typeface="+mn-lt"/>
-        <a:ea typeface="+mn-ea"/>
-        <a:cs typeface="+mn-cs"/>
+        <a:latin typeface="Arial" pitchFamily="-72" charset="0"/>
+        <a:ea typeface="ＭＳ Ｐゴシック" pitchFamily="-72" charset="-128"/>
+        <a:cs typeface="ＭＳ Ｐゴシック" pitchFamily="-72" charset="-128"/>
       </a:defRPr>
     </a:lvl8pPr>
-    <a:lvl9pPr marL="3657600" algn="l" defTabSz="914400" rtl="0" eaLnBrk="1" latinLnBrk="0" hangingPunct="1">
-      <a:defRPr sz="1800" kern="1200">
+    <a:lvl9pPr marL="3657600" algn="l" defTabSz="457200" rtl="0" eaLnBrk="1" latinLnBrk="0" hangingPunct="1">
+      <a:defRPr kern="1200">
         <a:solidFill>
           <a:schemeClr val="tx1"/>
         </a:solidFill>
-        <a:latin typeface="+mn-lt"/>
-        <a:ea typeface="+mn-ea"/>
-        <a:cs typeface="+mn-cs"/>
+        <a:latin typeface="Arial" pitchFamily="-72" charset="0"/>
+        <a:ea typeface="ＭＳ Ｐゴシック" pitchFamily="-72" charset="-128"/>
+        <a:cs typeface="ＭＳ Ｐゴシック" pitchFamily="-72" charset="-128"/>
       </a:defRPr>
     </a:lvl9pPr>
   </p:defaultTextStyle>
@@ -234,7 +264,7 @@
           <a:p>
             <a:fld id="{3C31BDEC-C855-4A20-BFC3-C78B82093698}" type="datetimeFigureOut">
               <a:rPr lang="en-US" smtClean="0"/>
-              <a:t>7/22/2017</a:t>
+              <a:t>9/22/2017</a:t>
             </a:fld>
             <a:endParaRPr lang="en-US"/>
           </a:p>
@@ -520,7 +550,7 @@
       </p:grpSpPr>
       <p:sp>
         <p:nvSpPr>
-          <p:cNvPr id="2" name="Slide Image Placeholder 1"/>
+          <p:cNvPr id="16385" name="Slide Image Placeholder 1"/>
           <p:cNvSpPr>
             <a:spLocks noGrp="1" noRot="1" noChangeAspect="1"/>
           </p:cNvSpPr>
@@ -528,11 +558,25 @@
             <p:ph type="sldImg"/>
           </p:nvPr>
         </p:nvSpPr>
-        <p:spPr/>
-      </p:sp>
-      <p:sp>
-        <p:nvSpPr>
-          <p:cNvPr id="3" name="Notes Placeholder 2"/>
+        <p:spPr bwMode="auto">
+          <a:xfrm>
+            <a:off x="1143000" y="685800"/>
+            <a:ext cx="4572000" cy="3429000"/>
+          </a:xfrm>
+          <a:noFill/>
+          <a:ln>
+            <a:solidFill>
+              <a:srgbClr val="000000"/>
+            </a:solidFill>
+            <a:miter lim="800000"/>
+            <a:headEnd/>
+            <a:tailEnd/>
+          </a:ln>
+        </p:spPr>
+      </p:sp>
+      <p:sp>
+        <p:nvSpPr>
+          <p:cNvPr id="16386" name="Notes Placeholder 2"/>
           <p:cNvSpPr>
             <a:spLocks noGrp="1"/>
           </p:cNvSpPr>
@@ -540,50 +584,170 @@
             <p:ph type="body" idx="1"/>
           </p:nvPr>
         </p:nvSpPr>
-        <p:spPr/>
-        <p:txBody>
-          <a:bodyPr/>
+        <p:spPr bwMode="auto">
+          <a:noFill/>
+        </p:spPr>
+        <p:txBody>
+          <a:bodyPr wrap="square" numCol="1" anchor="t" anchorCtr="0" compatLnSpc="1">
+            <a:prstTxWarp prst="textNoShape">
+              <a:avLst/>
+            </a:prstTxWarp>
+          </a:bodyPr>
           <a:lstStyle/>
           <a:p>
             <a:r>
               <a:rPr lang="en-US" dirty="0"/>
-              <a:t>Unit Testing with TSQL</a:t>
-            </a:r>
-            <a:r>
-              <a:rPr lang="en-US" baseline="0" dirty="0"/>
-              <a:t> Code</a:t>
-            </a:r>
+              <a:t>Unit testing has become an integrated, expected part of most software development teams. Many database developers have yet to implement unit testing as a regular habit. This session will look at two-unit testing frameworks and show how to implement tests for common types of non-trivial T-SQL queries. You'll examine the </a:t>
+            </a:r>
+            <a:r>
+              <a:rPr lang="en-US" dirty="0" err="1"/>
+              <a:t>tSQLt</a:t>
+            </a:r>
+            <a:r>
+              <a:rPr lang="en-US" dirty="0"/>
+              <a:t> framework as well as the Microsoft Unit Testing framework for SQL Server.</a:t>
+            </a:r>
+          </a:p>
+          <a:p>
+            <a:r>
+              <a:rPr lang="en-US" dirty="0"/>
+              <a:t>You will learn:</a:t>
+            </a:r>
+          </a:p>
+          <a:p>
+            <a:r>
+              <a:rPr lang="en-US" dirty="0"/>
+              <a:t>How to structure and build unit tests for database code with </a:t>
+            </a:r>
+            <a:r>
+              <a:rPr lang="en-US" dirty="0" err="1"/>
+              <a:t>tSQLt</a:t>
+            </a:r>
+            <a:r>
+              <a:rPr lang="en-US" dirty="0"/>
+              <a:t> </a:t>
+            </a:r>
+          </a:p>
+          <a:p>
+            <a:r>
+              <a:rPr lang="en-US" dirty="0"/>
+              <a:t>How to structure and build unit tests for database code with database projects </a:t>
+            </a:r>
+          </a:p>
+          <a:p>
+            <a:r>
+              <a:rPr lang="en-US" dirty="0"/>
+              <a:t>Understand the challenges of test data and how to solve them </a:t>
+            </a:r>
+          </a:p>
+          <a:p>
+            <a:pPr>
+              <a:spcBef>
+                <a:spcPct val="0"/>
+              </a:spcBef>
+            </a:pPr>
             <a:endParaRPr lang="en-US" dirty="0"/>
           </a:p>
         </p:txBody>
       </p:sp>
       <p:sp>
         <p:nvSpPr>
-          <p:cNvPr id="4" name="Slide Number Placeholder 3"/>
-          <p:cNvSpPr>
-            <a:spLocks noGrp="1"/>
-          </p:cNvSpPr>
-          <p:nvPr>
-            <p:ph type="sldNum" sz="quarter" idx="10"/>
-          </p:nvPr>
-        </p:nvSpPr>
-        <p:spPr/>
-        <p:txBody>
-          <a:bodyPr/>
+          <p:cNvPr id="16387" name="Slide Number Placeholder 3"/>
+          <p:cNvSpPr>
+            <a:spLocks noGrp="1"/>
+          </p:cNvSpPr>
+          <p:nvPr>
+            <p:ph type="sldNum" sz="quarter" idx="5"/>
+          </p:nvPr>
+        </p:nvSpPr>
+        <p:spPr bwMode="auto">
+          <a:noFill/>
+          <a:ln>
+            <a:miter lim="800000"/>
+            <a:headEnd/>
+            <a:tailEnd/>
+          </a:ln>
+        </p:spPr>
+        <p:txBody>
+          <a:bodyPr wrap="square" numCol="1" anchorCtr="0" compatLnSpc="1">
+            <a:prstTxWarp prst="textNoShape">
+              <a:avLst/>
+            </a:prstTxWarp>
+          </a:bodyPr>
           <a:lstStyle/>
           <a:p>
-            <a:fld id="{737EB954-88EE-45B2-878D-41C5C083E9B9}" type="slidenum">
-              <a:rPr lang="en-US" smtClean="0"/>
+            <a:pPr marL="0" marR="0" lvl="0" indent="0" algn="r" defTabSz="914400" rtl="0" eaLnBrk="1" fontAlgn="base" latinLnBrk="0" hangingPunct="1">
+              <a:lnSpc>
+                <a:spcPct val="100000"/>
+              </a:lnSpc>
+              <a:spcBef>
+                <a:spcPct val="0"/>
+              </a:spcBef>
+              <a:spcAft>
+                <a:spcPct val="0"/>
+              </a:spcAft>
+              <a:buClrTx/>
+              <a:buSzTx/>
+              <a:buFontTx/>
+              <a:buNone/>
+              <a:tabLst/>
+              <a:defRPr/>
+            </a:pPr>
+            <a:fld id="{46988B0C-D0FA-4593-BF38-A7BA3E9A5D69}" type="slidenum">
+              <a:rPr kumimoji="0" lang="en-US" sz="1200" b="0" i="0" u="none" strike="noStrike" kern="1200" cap="none" spc="0" normalizeH="0" baseline="0" noProof="0">
+                <a:ln>
+                  <a:noFill/>
+                </a:ln>
+                <a:solidFill>
+                  <a:prstClr val="black"/>
+                </a:solidFill>
+                <a:effectLst/>
+                <a:uLnTx/>
+                <a:uFillTx/>
+                <a:latin typeface="Calibri"/>
+                <a:ea typeface="ＭＳ Ｐゴシック" pitchFamily="-72" charset="-128"/>
+                <a:cs typeface="ＭＳ Ｐゴシック" pitchFamily="-72" charset="-128"/>
+              </a:rPr>
+              <a:pPr marL="0" marR="0" lvl="0" indent="0" algn="r" defTabSz="914400" rtl="0" eaLnBrk="1" fontAlgn="base" latinLnBrk="0" hangingPunct="1">
+                <a:lnSpc>
+                  <a:spcPct val="100000"/>
+                </a:lnSpc>
+                <a:spcBef>
+                  <a:spcPct val="0"/>
+                </a:spcBef>
+                <a:spcAft>
+                  <a:spcPct val="0"/>
+                </a:spcAft>
+                <a:buClrTx/>
+                <a:buSzTx/>
+                <a:buFontTx/>
+                <a:buNone/>
+                <a:tabLst/>
+                <a:defRPr/>
+              </a:pPr>
               <a:t>1</a:t>
             </a:fld>
-            <a:endParaRPr lang="en-US"/>
+            <a:endParaRPr kumimoji="0" lang="en-US" sz="1200" b="0" i="0" u="none" strike="noStrike" kern="1200" cap="none" spc="0" normalizeH="0" baseline="0" noProof="0">
+              <a:ln>
+                <a:noFill/>
+              </a:ln>
+              <a:solidFill>
+                <a:prstClr val="black"/>
+              </a:solidFill>
+              <a:effectLst/>
+              <a:uLnTx/>
+              <a:uFillTx/>
+              <a:latin typeface="Calibri"/>
+              <a:ea typeface="ＭＳ Ｐゴシック" pitchFamily="-72" charset="-128"/>
+              <a:cs typeface="ＭＳ Ｐゴシック" pitchFamily="-72" charset="-128"/>
+            </a:endParaRPr>
           </a:p>
         </p:txBody>
       </p:sp>
     </p:spTree>
     <p:extLst>
       <p:ext uri="{BB962C8B-B14F-4D97-AF65-F5344CB8AC3E}">
-        <p14:creationId xmlns:p14="http://schemas.microsoft.com/office/powerpoint/2010/main" val="4191533490"/>
+        <p14:creationId xmlns:p14="http://schemas.microsoft.com/office/powerpoint/2010/main" val="2450485927"/>
       </p:ext>
     </p:extLst>
   </p:cSld>
@@ -658,7 +822,7 @@
           <a:p>
             <a:fld id="{737EB954-88EE-45B2-878D-41C5C083E9B9}" type="slidenum">
               <a:rPr lang="en-US" smtClean="0"/>
-              <a:t>19</a:t>
+              <a:t>17</a:t>
             </a:fld>
             <a:endParaRPr lang="en-US"/>
           </a:p>
@@ -667,7 +831,7 @@
     </p:spTree>
     <p:extLst>
       <p:ext uri="{BB962C8B-B14F-4D97-AF65-F5344CB8AC3E}">
-        <p14:creationId xmlns:p14="http://schemas.microsoft.com/office/powerpoint/2010/main" val="4242824005"/>
+        <p14:creationId xmlns:p14="http://schemas.microsoft.com/office/powerpoint/2010/main" val="731069816"/>
       </p:ext>
     </p:extLst>
   </p:cSld>
@@ -721,26 +885,6 @@
           <a:bodyPr/>
           <a:lstStyle/>
           <a:p>
-            <a:r>
-              <a:rPr lang="en-US" dirty="0"/>
-              <a:t>Demo that shows how we build a table that doesn’t follow good practices. Use </a:t>
-            </a:r>
-            <a:r>
-              <a:rPr lang="en-US" dirty="0" err="1"/>
-              <a:t>tblStagingImages</a:t>
-            </a:r>
-            <a:r>
-              <a:rPr lang="en-US" dirty="0"/>
-              <a:t> as a table name</a:t>
-            </a:r>
-          </a:p>
-          <a:p>
-            <a:r>
-              <a:rPr lang="en-US" dirty="0"/>
-              <a:t>SQL Cop catches an error. Actually catches two, name and no PK.</a:t>
-            </a:r>
-          </a:p>
-          <a:p>
             <a:endParaRPr lang="en-US" dirty="0"/>
           </a:p>
         </p:txBody>
@@ -762,7 +906,7 @@
           <a:p>
             <a:fld id="{737EB954-88EE-45B2-878D-41C5C083E9B9}" type="slidenum">
               <a:rPr lang="en-US" smtClean="0"/>
-              <a:t>20</a:t>
+              <a:t>18</a:t>
             </a:fld>
             <a:endParaRPr lang="en-US"/>
           </a:p>
@@ -771,7 +915,7 @@
     </p:spTree>
     <p:extLst>
       <p:ext uri="{BB962C8B-B14F-4D97-AF65-F5344CB8AC3E}">
-        <p14:creationId xmlns:p14="http://schemas.microsoft.com/office/powerpoint/2010/main" val="2852829571"/>
+        <p14:creationId xmlns:p14="http://schemas.microsoft.com/office/powerpoint/2010/main" val="4242824005"/>
       </p:ext>
     </p:extLst>
   </p:cSld>
@@ -827,31 +971,21 @@
           <a:p>
             <a:r>
               <a:rPr lang="en-US" dirty="0"/>
-              <a:t>Write proc for insert and select of images</a:t>
-            </a:r>
-          </a:p>
-          <a:p>
+              <a:t>Demo that shows how we build a table that doesn’t follow good practices. Use </a:t>
+            </a:r>
+            <a:r>
+              <a:rPr lang="en-US" dirty="0" err="1"/>
+              <a:t>tblStagingImages</a:t>
+            </a:r>
             <a:r>
               <a:rPr lang="en-US" dirty="0"/>
-              <a:t>Create new test for insert, don’t fill stub</a:t>
+              <a:t> as a table name</a:t>
             </a:r>
           </a:p>
           <a:p>
             <a:r>
               <a:rPr lang="en-US" dirty="0"/>
-              <a:t>Create new test for select and edit</a:t>
-            </a:r>
-          </a:p>
-          <a:p>
-            <a:r>
-              <a:rPr lang="en-US" dirty="0"/>
-              <a:t>Run tests, get caught naming issues, as well as one procedure works, one fails. We get the failure in the test we didn’t edit.</a:t>
-            </a:r>
-          </a:p>
-          <a:p>
-            <a:r>
-              <a:rPr lang="en-US" dirty="0"/>
-              <a:t>Correct issues in both procedures</a:t>
+              <a:t>SQL Cop catches an error. Actually catches two, name and no PK.</a:t>
             </a:r>
           </a:p>
           <a:p>
@@ -876,7 +1010,7 @@
           <a:p>
             <a:fld id="{737EB954-88EE-45B2-878D-41C5C083E9B9}" type="slidenum">
               <a:rPr lang="en-US" smtClean="0"/>
-              <a:t>22</a:t>
+              <a:t>19</a:t>
             </a:fld>
             <a:endParaRPr lang="en-US"/>
           </a:p>
@@ -885,7 +1019,7 @@
     </p:spTree>
     <p:extLst>
       <p:ext uri="{BB962C8B-B14F-4D97-AF65-F5344CB8AC3E}">
-        <p14:creationId xmlns:p14="http://schemas.microsoft.com/office/powerpoint/2010/main" val="582914193"/>
+        <p14:creationId xmlns:p14="http://schemas.microsoft.com/office/powerpoint/2010/main" val="2852829571"/>
       </p:ext>
     </p:extLst>
   </p:cSld>
@@ -941,6 +1075,120 @@
           <a:p>
             <a:r>
               <a:rPr lang="en-US" dirty="0"/>
+              <a:t>Write proc for insert and select of images</a:t>
+            </a:r>
+          </a:p>
+          <a:p>
+            <a:r>
+              <a:rPr lang="en-US" dirty="0"/>
+              <a:t>Create new test for insert, don’t fill stub</a:t>
+            </a:r>
+          </a:p>
+          <a:p>
+            <a:r>
+              <a:rPr lang="en-US" dirty="0"/>
+              <a:t>Create new test for select and edit</a:t>
+            </a:r>
+          </a:p>
+          <a:p>
+            <a:r>
+              <a:rPr lang="en-US" dirty="0"/>
+              <a:t>Run tests, get caught naming issues, as well as one procedure works, one fails. We get the failure in the test we didn’t edit.</a:t>
+            </a:r>
+          </a:p>
+          <a:p>
+            <a:r>
+              <a:rPr lang="en-US" dirty="0"/>
+              <a:t>Correct issues in both procedures</a:t>
+            </a:r>
+          </a:p>
+          <a:p>
+            <a:endParaRPr lang="en-US" dirty="0"/>
+          </a:p>
+        </p:txBody>
+      </p:sp>
+      <p:sp>
+        <p:nvSpPr>
+          <p:cNvPr id="4" name="Slide Number Placeholder 3"/>
+          <p:cNvSpPr>
+            <a:spLocks noGrp="1"/>
+          </p:cNvSpPr>
+          <p:nvPr>
+            <p:ph type="sldNum" sz="quarter" idx="10"/>
+          </p:nvPr>
+        </p:nvSpPr>
+        <p:spPr/>
+        <p:txBody>
+          <a:bodyPr/>
+          <a:lstStyle/>
+          <a:p>
+            <a:fld id="{737EB954-88EE-45B2-878D-41C5C083E9B9}" type="slidenum">
+              <a:rPr lang="en-US" smtClean="0"/>
+              <a:t>21</a:t>
+            </a:fld>
+            <a:endParaRPr lang="en-US"/>
+          </a:p>
+        </p:txBody>
+      </p:sp>
+    </p:spTree>
+    <p:extLst>
+      <p:ext uri="{BB962C8B-B14F-4D97-AF65-F5344CB8AC3E}">
+        <p14:creationId xmlns:p14="http://schemas.microsoft.com/office/powerpoint/2010/main" val="582914193"/>
+      </p:ext>
+    </p:extLst>
+  </p:cSld>
+  <p:clrMapOvr>
+    <a:masterClrMapping/>
+  </p:clrMapOvr>
+</p:notes>
+</file>
+
+<file path=ppt/notesSlides/notesSlide14.xml><?xml version="1.0" encoding="utf-8"?>
+<p:notes xmlns:a="http://schemas.openxmlformats.org/drawingml/2006/main" xmlns:r="http://schemas.openxmlformats.org/officeDocument/2006/relationships" xmlns:p="http://schemas.openxmlformats.org/presentationml/2006/main">
+  <p:cSld>
+    <p:spTree>
+      <p:nvGrpSpPr>
+        <p:cNvPr id="1" name=""/>
+        <p:cNvGrpSpPr/>
+        <p:nvPr/>
+      </p:nvGrpSpPr>
+      <p:grpSpPr>
+        <a:xfrm>
+          <a:off x="0" y="0"/>
+          <a:ext cx="0" cy="0"/>
+          <a:chOff x="0" y="0"/>
+          <a:chExt cx="0" cy="0"/>
+        </a:xfrm>
+      </p:grpSpPr>
+      <p:sp>
+        <p:nvSpPr>
+          <p:cNvPr id="2" name="Slide Image Placeholder 1"/>
+          <p:cNvSpPr>
+            <a:spLocks noGrp="1" noRot="1" noChangeAspect="1"/>
+          </p:cNvSpPr>
+          <p:nvPr>
+            <p:ph type="sldImg"/>
+          </p:nvPr>
+        </p:nvSpPr>
+        <p:spPr/>
+      </p:sp>
+      <p:sp>
+        <p:nvSpPr>
+          <p:cNvPr id="3" name="Notes Placeholder 2"/>
+          <p:cNvSpPr>
+            <a:spLocks noGrp="1"/>
+          </p:cNvSpPr>
+          <p:nvPr>
+            <p:ph type="body" idx="1"/>
+          </p:nvPr>
+        </p:nvSpPr>
+        <p:spPr/>
+        <p:txBody>
+          <a:bodyPr/>
+          <a:lstStyle/>
+          <a:p>
+            <a:r>
+              <a:rPr lang="en-US" dirty="0"/>
               <a:t>CD pipeline</a:t>
             </a:r>
             <a:r>
@@ -996,7 +1244,7 @@
           <a:p>
             <a:fld id="{737EB954-88EE-45B2-878D-41C5C083E9B9}" type="slidenum">
               <a:rPr lang="en-US" smtClean="0"/>
-              <a:t>27</a:t>
+              <a:t>26</a:t>
             </a:fld>
             <a:endParaRPr lang="en-US"/>
           </a:p>
@@ -1044,8 +1292,8 @@
         </p:nvSpPr>
         <p:spPr>
           <a:xfrm>
-            <a:off x="685800" y="1143000"/>
-            <a:ext cx="5486400" cy="3086100"/>
+            <a:off x="1371600" y="1143000"/>
+            <a:ext cx="4114800" cy="3086100"/>
           </a:xfrm>
         </p:spPr>
       </p:sp>
@@ -1090,7 +1338,7 @@
                 </a:solidFill>
               </a:rPr>
               <a:pPr/>
-              <a:t>4</a:t>
+              <a:t>3</a:t>
             </a:fld>
             <a:endParaRPr lang="en-GB" dirty="0">
               <a:solidFill>
@@ -1183,7 +1431,7 @@
           <a:p>
             <a:fld id="{23D30045-AEBE-4117-8D8F-8499E1D0AF2B}" type="slidenum">
               <a:rPr lang="en-US" smtClean="0"/>
-              <a:t>6</a:t>
+              <a:t>5</a:t>
             </a:fld>
             <a:endParaRPr lang="en-US"/>
           </a:p>
@@ -1272,7 +1520,7 @@
           <a:p>
             <a:fld id="{23D30045-AEBE-4117-8D8F-8499E1D0AF2B}" type="slidenum">
               <a:rPr lang="en-US" smtClean="0"/>
-              <a:t>7</a:t>
+              <a:t>6</a:t>
             </a:fld>
             <a:endParaRPr lang="en-US"/>
           </a:p>
@@ -1359,7 +1607,7 @@
           <a:p>
             <a:fld id="{23D30045-AEBE-4117-8D8F-8499E1D0AF2B}" type="slidenum">
               <a:rPr lang="en-US" smtClean="0"/>
-              <a:t>8</a:t>
+              <a:t>7</a:t>
             </a:fld>
             <a:endParaRPr lang="en-US"/>
           </a:p>
@@ -1451,7 +1699,7 @@
           <a:p>
             <a:fld id="{737EB954-88EE-45B2-878D-41C5C083E9B9}" type="slidenum">
               <a:rPr lang="en-US" smtClean="0"/>
-              <a:t>9</a:t>
+              <a:t>8</a:t>
             </a:fld>
             <a:endParaRPr lang="en-US"/>
           </a:p>
@@ -1535,7 +1783,7 @@
           <a:p>
             <a:fld id="{737EB954-88EE-45B2-878D-41C5C083E9B9}" type="slidenum">
               <a:rPr lang="en-US" smtClean="0"/>
-              <a:t>14</a:t>
+              <a:t>13</a:t>
             </a:fld>
             <a:endParaRPr lang="en-US"/>
           </a:p>
@@ -1627,7 +1875,7 @@
           <a:p>
             <a:fld id="{737EB954-88EE-45B2-878D-41C5C083E9B9}" type="slidenum">
               <a:rPr lang="en-US" smtClean="0"/>
-              <a:t>16</a:t>
+              <a:t>15</a:t>
             </a:fld>
             <a:endParaRPr lang="en-US"/>
           </a:p>
@@ -1717,7 +1965,7 @@
           <a:p>
             <a:fld id="{737EB954-88EE-45B2-878D-41C5C083E9B9}" type="slidenum">
               <a:rPr lang="en-US" smtClean="0"/>
-              <a:t>17</a:t>
+              <a:t>16</a:t>
             </a:fld>
             <a:endParaRPr lang="en-US"/>
           </a:p>
@@ -1738,7 +1986,7 @@
 
 <file path=ppt/slideLayouts/slideLayout1.xml><?xml version="1.0" encoding="utf-8"?>
 <p:sldLayout xmlns:a="http://schemas.openxmlformats.org/drawingml/2006/main" xmlns:r="http://schemas.openxmlformats.org/officeDocument/2006/relationships" xmlns:p="http://schemas.openxmlformats.org/presentationml/2006/main" type="title" preserve="1">
-  <p:cSld name="Title Slide">
+  <p:cSld name="Visual Studio Live! Redmond 2014">
     <p:spTree>
       <p:nvGrpSpPr>
         <p:cNvPr id="1" name=""/>
@@ -1765,7 +2013,7 @@
         </p:nvSpPr>
         <p:spPr>
           <a:xfrm>
-            <a:off x="685800" y="2130425"/>
+            <a:off x="685800" y="2130429"/>
             <a:ext cx="7772400" cy="1470025"/>
           </a:xfrm>
         </p:spPr>
@@ -1911,12 +2159,16 @@
         <p:spPr/>
         <p:txBody>
           <a:bodyPr/>
-          <a:lstStyle/>
+          <a:lstStyle>
+            <a:lvl1pPr>
+              <a:defRPr/>
+            </a:lvl1pPr>
+          </a:lstStyle>
           <a:p>
             <a:fld id="{1D8BD707-D9CF-40AE-B4C6-C98DA3205C09}" type="datetimeFigureOut">
               <a:rPr lang="en-US" smtClean="0"/>
               <a:pPr/>
-              <a:t>7/22/2017</a:t>
+              <a:t>9/22/2017</a:t>
             </a:fld>
             <a:endParaRPr lang="en-US"/>
           </a:p>
@@ -1935,37 +2187,22 @@
         <p:spPr/>
         <p:txBody>
           <a:bodyPr/>
-          <a:lstStyle/>
+          <a:lstStyle>
+            <a:lvl1pPr>
+              <a:defRPr/>
+            </a:lvl1pPr>
+          </a:lstStyle>
           <a:p>
             <a:endParaRPr lang="en-US"/>
           </a:p>
         </p:txBody>
       </p:sp>
-      <p:sp>
-        <p:nvSpPr>
-          <p:cNvPr id="6" name="Slide Number Placeholder 5"/>
-          <p:cNvSpPr>
-            <a:spLocks noGrp="1"/>
-          </p:cNvSpPr>
-          <p:nvPr>
-            <p:ph type="sldNum" sz="quarter" idx="12"/>
-          </p:nvPr>
-        </p:nvSpPr>
-        <p:spPr/>
-        <p:txBody>
-          <a:bodyPr/>
-          <a:lstStyle/>
-          <a:p>
-            <a:fld id="{B6F15528-21DE-4FAA-801E-634DDDAF4B2B}" type="slidenum">
-              <a:rPr lang="en-US" smtClean="0"/>
-              <a:pPr/>
-              <a:t>‹#›</a:t>
-            </a:fld>
-            <a:endParaRPr lang="en-US"/>
-          </a:p>
-        </p:txBody>
-      </p:sp>
     </p:spTree>
+    <p:extLst>
+      <p:ext uri="{BB962C8B-B14F-4D97-AF65-F5344CB8AC3E}">
+        <p14:creationId xmlns:p14="http://schemas.microsoft.com/office/powerpoint/2010/main" val="563826444"/>
+      </p:ext>
+    </p:extLst>
   </p:cSld>
   <p:clrMapOvr>
     <a:masterClrMapping/>
@@ -2030,7 +2267,7 @@
             <a:pPr lvl="0"/>
             <a:r>
               <a:rPr lang="en-US"/>
-              <a:t>Click to edit Master text styles</a:t>
+              <a:t>Edit Master text styles</a:t>
             </a:r>
           </a:p>
           <a:p>
@@ -2076,12 +2313,16 @@
         <p:spPr/>
         <p:txBody>
           <a:bodyPr/>
-          <a:lstStyle/>
+          <a:lstStyle>
+            <a:lvl1pPr>
+              <a:defRPr/>
+            </a:lvl1pPr>
+          </a:lstStyle>
           <a:p>
             <a:fld id="{1D8BD707-D9CF-40AE-B4C6-C98DA3205C09}" type="datetimeFigureOut">
               <a:rPr lang="en-US" smtClean="0"/>
               <a:pPr/>
-              <a:t>7/22/2017</a:t>
+              <a:t>9/22/2017</a:t>
             </a:fld>
             <a:endParaRPr lang="en-US"/>
           </a:p>
@@ -2100,37 +2341,22 @@
         <p:spPr/>
         <p:txBody>
           <a:bodyPr/>
-          <a:lstStyle/>
+          <a:lstStyle>
+            <a:lvl1pPr>
+              <a:defRPr/>
+            </a:lvl1pPr>
+          </a:lstStyle>
           <a:p>
             <a:endParaRPr lang="en-US"/>
           </a:p>
         </p:txBody>
       </p:sp>
-      <p:sp>
-        <p:nvSpPr>
-          <p:cNvPr id="6" name="Slide Number Placeholder 5"/>
-          <p:cNvSpPr>
-            <a:spLocks noGrp="1"/>
-          </p:cNvSpPr>
-          <p:nvPr>
-            <p:ph type="sldNum" sz="quarter" idx="12"/>
-          </p:nvPr>
-        </p:nvSpPr>
-        <p:spPr/>
-        <p:txBody>
-          <a:bodyPr/>
-          <a:lstStyle/>
-          <a:p>
-            <a:fld id="{B6F15528-21DE-4FAA-801E-634DDDAF4B2B}" type="slidenum">
-              <a:rPr lang="en-US" smtClean="0"/>
-              <a:pPr/>
-              <a:t>‹#›</a:t>
-            </a:fld>
-            <a:endParaRPr lang="en-US"/>
-          </a:p>
-        </p:txBody>
-      </p:sp>
     </p:spTree>
+    <p:extLst>
+      <p:ext uri="{BB962C8B-B14F-4D97-AF65-F5344CB8AC3E}">
+        <p14:creationId xmlns:p14="http://schemas.microsoft.com/office/powerpoint/2010/main" val="2453887017"/>
+      </p:ext>
+    </p:extLst>
   </p:cSld>
   <p:clrMapOvr>
     <a:masterClrMapping/>
@@ -2167,8 +2393,8 @@
         </p:nvSpPr>
         <p:spPr>
           <a:xfrm>
-            <a:off x="6629400" y="274638"/>
-            <a:ext cx="2057400" cy="5851525"/>
+            <a:off x="6629400" y="206376"/>
+            <a:ext cx="2057400" cy="4387851"/>
           </a:xfrm>
         </p:spPr>
         <p:txBody>
@@ -2194,8 +2420,8 @@
         </p:nvSpPr>
         <p:spPr>
           <a:xfrm>
-            <a:off x="457200" y="274638"/>
-            <a:ext cx="6019800" cy="5851525"/>
+            <a:off x="457200" y="206376"/>
+            <a:ext cx="6019800" cy="4387851"/>
           </a:xfrm>
         </p:spPr>
         <p:txBody>
@@ -2205,7 +2431,7 @@
             <a:pPr lvl="0"/>
             <a:r>
               <a:rPr lang="en-US"/>
-              <a:t>Click to edit Master text styles</a:t>
+              <a:t>Edit Master text styles</a:t>
             </a:r>
           </a:p>
           <a:p>
@@ -2251,12 +2477,16 @@
         <p:spPr/>
         <p:txBody>
           <a:bodyPr/>
-          <a:lstStyle/>
+          <a:lstStyle>
+            <a:lvl1pPr>
+              <a:defRPr/>
+            </a:lvl1pPr>
+          </a:lstStyle>
           <a:p>
             <a:fld id="{1D8BD707-D9CF-40AE-B4C6-C98DA3205C09}" type="datetimeFigureOut">
               <a:rPr lang="en-US" smtClean="0"/>
               <a:pPr/>
-              <a:t>7/22/2017</a:t>
+              <a:t>9/22/2017</a:t>
             </a:fld>
             <a:endParaRPr lang="en-US"/>
           </a:p>
@@ -2275,37 +2505,22 @@
         <p:spPr/>
         <p:txBody>
           <a:bodyPr/>
-          <a:lstStyle/>
+          <a:lstStyle>
+            <a:lvl1pPr>
+              <a:defRPr/>
+            </a:lvl1pPr>
+          </a:lstStyle>
           <a:p>
             <a:endParaRPr lang="en-US"/>
           </a:p>
         </p:txBody>
       </p:sp>
-      <p:sp>
-        <p:nvSpPr>
-          <p:cNvPr id="6" name="Slide Number Placeholder 5"/>
-          <p:cNvSpPr>
-            <a:spLocks noGrp="1"/>
-          </p:cNvSpPr>
-          <p:nvPr>
-            <p:ph type="sldNum" sz="quarter" idx="12"/>
-          </p:nvPr>
-        </p:nvSpPr>
-        <p:spPr/>
-        <p:txBody>
-          <a:bodyPr/>
-          <a:lstStyle/>
-          <a:p>
-            <a:fld id="{B6F15528-21DE-4FAA-801E-634DDDAF4B2B}" type="slidenum">
-              <a:rPr lang="en-US" smtClean="0"/>
-              <a:pPr/>
-              <a:t>‹#›</a:t>
-            </a:fld>
-            <a:endParaRPr lang="en-US"/>
-          </a:p>
-        </p:txBody>
-      </p:sp>
     </p:spTree>
+    <p:extLst>
+      <p:ext uri="{BB962C8B-B14F-4D97-AF65-F5344CB8AC3E}">
+        <p14:creationId xmlns:p14="http://schemas.microsoft.com/office/powerpoint/2010/main" val="421304612"/>
+      </p:ext>
+    </p:extLst>
   </p:cSld>
   <p:clrMapOvr>
     <a:masterClrMapping/>
@@ -2313,9 +2528,9 @@
 </p:sldLayout>
 </file>
 
-<file path=ppt/slideLayouts/slideLayout2.xml><?xml version="1.0" encoding="utf-8"?>
-<p:sldLayout xmlns:a="http://schemas.openxmlformats.org/drawingml/2006/main" xmlns:r="http://schemas.openxmlformats.org/officeDocument/2006/relationships" xmlns:p="http://schemas.openxmlformats.org/presentationml/2006/main" type="obj" preserve="1">
-  <p:cSld name="Title and Content">
+<file path=ppt/slideLayouts/slideLayout12.xml><?xml version="1.0" encoding="utf-8"?>
+<p:sldLayout xmlns:a="http://schemas.openxmlformats.org/drawingml/2006/main" xmlns:r="http://schemas.openxmlformats.org/officeDocument/2006/relationships" xmlns:p="http://schemas.openxmlformats.org/presentationml/2006/main" type="title" preserve="1">
+  <p:cSld name="Visual Studio Live! Redmond 2014">
     <p:spTree>
       <p:nvGrpSpPr>
         <p:cNvPr id="1" name=""/>
@@ -2337,10 +2552,15 @@
             <a:spLocks noGrp="1"/>
           </p:cNvSpPr>
           <p:nvPr>
-            <p:ph type="title"/>
-          </p:nvPr>
-        </p:nvSpPr>
-        <p:spPr/>
+            <p:ph type="ctrTitle"/>
+          </p:nvPr>
+        </p:nvSpPr>
+        <p:spPr>
+          <a:xfrm>
+            <a:off x="685800" y="2130429"/>
+            <a:ext cx="7772400" cy="1470025"/>
+          </a:xfrm>
+        </p:spPr>
         <p:txBody>
           <a:bodyPr/>
           <a:lstStyle/>
@@ -2354,51 +2574,118 @@
       </p:sp>
       <p:sp>
         <p:nvSpPr>
-          <p:cNvPr id="3" name="Content Placeholder 2"/>
-          <p:cNvSpPr>
-            <a:spLocks noGrp="1"/>
-          </p:cNvSpPr>
-          <p:nvPr>
-            <p:ph idx="1"/>
-          </p:nvPr>
-        </p:nvSpPr>
-        <p:spPr/>
-        <p:txBody>
-          <a:bodyPr/>
-          <a:lstStyle/>
-          <a:p>
-            <a:pPr lvl="0"/>
+          <p:cNvPr id="3" name="Subtitle 2"/>
+          <p:cNvSpPr>
+            <a:spLocks noGrp="1"/>
+          </p:cNvSpPr>
+          <p:nvPr>
+            <p:ph type="subTitle" idx="1"/>
+          </p:nvPr>
+        </p:nvSpPr>
+        <p:spPr>
+          <a:xfrm>
+            <a:off x="1371600" y="3886200"/>
+            <a:ext cx="6400800" cy="1752600"/>
+          </a:xfrm>
+        </p:spPr>
+        <p:txBody>
+          <a:bodyPr/>
+          <a:lstStyle>
+            <a:lvl1pPr marL="0" indent="0" algn="ctr">
+              <a:buNone/>
+              <a:defRPr>
+                <a:solidFill>
+                  <a:schemeClr val="tx1">
+                    <a:tint val="75000"/>
+                  </a:schemeClr>
+                </a:solidFill>
+              </a:defRPr>
+            </a:lvl1pPr>
+            <a:lvl2pPr marL="457200" indent="0" algn="ctr">
+              <a:buNone/>
+              <a:defRPr>
+                <a:solidFill>
+                  <a:schemeClr val="tx1">
+                    <a:tint val="75000"/>
+                  </a:schemeClr>
+                </a:solidFill>
+              </a:defRPr>
+            </a:lvl2pPr>
+            <a:lvl3pPr marL="914400" indent="0" algn="ctr">
+              <a:buNone/>
+              <a:defRPr>
+                <a:solidFill>
+                  <a:schemeClr val="tx1">
+                    <a:tint val="75000"/>
+                  </a:schemeClr>
+                </a:solidFill>
+              </a:defRPr>
+            </a:lvl3pPr>
+            <a:lvl4pPr marL="1371600" indent="0" algn="ctr">
+              <a:buNone/>
+              <a:defRPr>
+                <a:solidFill>
+                  <a:schemeClr val="tx1">
+                    <a:tint val="75000"/>
+                  </a:schemeClr>
+                </a:solidFill>
+              </a:defRPr>
+            </a:lvl4pPr>
+            <a:lvl5pPr marL="1828800" indent="0" algn="ctr">
+              <a:buNone/>
+              <a:defRPr>
+                <a:solidFill>
+                  <a:schemeClr val="tx1">
+                    <a:tint val="75000"/>
+                  </a:schemeClr>
+                </a:solidFill>
+              </a:defRPr>
+            </a:lvl5pPr>
+            <a:lvl6pPr marL="2286000" indent="0" algn="ctr">
+              <a:buNone/>
+              <a:defRPr>
+                <a:solidFill>
+                  <a:schemeClr val="tx1">
+                    <a:tint val="75000"/>
+                  </a:schemeClr>
+                </a:solidFill>
+              </a:defRPr>
+            </a:lvl6pPr>
+            <a:lvl7pPr marL="2743200" indent="0" algn="ctr">
+              <a:buNone/>
+              <a:defRPr>
+                <a:solidFill>
+                  <a:schemeClr val="tx1">
+                    <a:tint val="75000"/>
+                  </a:schemeClr>
+                </a:solidFill>
+              </a:defRPr>
+            </a:lvl7pPr>
+            <a:lvl8pPr marL="3200400" indent="0" algn="ctr">
+              <a:buNone/>
+              <a:defRPr>
+                <a:solidFill>
+                  <a:schemeClr val="tx1">
+                    <a:tint val="75000"/>
+                  </a:schemeClr>
+                </a:solidFill>
+              </a:defRPr>
+            </a:lvl8pPr>
+            <a:lvl9pPr marL="3657600" indent="0" algn="ctr">
+              <a:buNone/>
+              <a:defRPr>
+                <a:solidFill>
+                  <a:schemeClr val="tx1">
+                    <a:tint val="75000"/>
+                  </a:schemeClr>
+                </a:solidFill>
+              </a:defRPr>
+            </a:lvl9pPr>
+          </a:lstStyle>
+          <a:p>
             <a:r>
               <a:rPr lang="en-US"/>
-              <a:t>Click to edit Master text styles</a:t>
-            </a:r>
-          </a:p>
-          <a:p>
-            <a:pPr lvl="1"/>
-            <a:r>
-              <a:rPr lang="en-US"/>
-              <a:t>Second level</a:t>
-            </a:r>
-          </a:p>
-          <a:p>
-            <a:pPr lvl="2"/>
-            <a:r>
-              <a:rPr lang="en-US"/>
-              <a:t>Third level</a:t>
-            </a:r>
-          </a:p>
-          <a:p>
-            <a:pPr lvl="3"/>
-            <a:r>
-              <a:rPr lang="en-US"/>
-              <a:t>Fourth level</a:t>
-            </a:r>
-          </a:p>
-          <a:p>
-            <a:pPr lvl="4"/>
-            <a:r>
-              <a:rPr lang="en-US"/>
-              <a:t>Fifth level</a:t>
+              <a:t>Click to edit Master subtitle style</a:t>
             </a:r>
           </a:p>
         </p:txBody>
@@ -2416,12 +2703,21 @@
         <p:spPr/>
         <p:txBody>
           <a:bodyPr/>
-          <a:lstStyle/>
-          <a:p>
-            <a:fld id="{1D8BD707-D9CF-40AE-B4C6-C98DA3205C09}" type="datetimeFigureOut">
+          <a:lstStyle>
+            <a:lvl1pPr>
+              <a:defRPr/>
+            </a:lvl1pPr>
+          </a:lstStyle>
+          <a:p>
+            <a:pPr>
+              <a:defRPr/>
+            </a:pPr>
+            <a:fld id="{7F63CDA3-A2DE-473C-A81C-F73D2A1BFF69}" type="datetimeFigureOut">
               <a:rPr lang="en-US" smtClean="0"/>
-              <a:pPr/>
-              <a:t>7/22/2017</a:t>
+              <a:pPr>
+                <a:defRPr/>
+              </a:pPr>
+              <a:t>9/22/2017</a:t>
             </a:fld>
             <a:endParaRPr lang="en-US"/>
           </a:p>
@@ -2440,37 +2736,25 @@
         <p:spPr/>
         <p:txBody>
           <a:bodyPr/>
-          <a:lstStyle/>
-          <a:p>
+          <a:lstStyle>
+            <a:lvl1pPr>
+              <a:defRPr/>
+            </a:lvl1pPr>
+          </a:lstStyle>
+          <a:p>
+            <a:pPr>
+              <a:defRPr/>
+            </a:pPr>
             <a:endParaRPr lang="en-US"/>
           </a:p>
         </p:txBody>
       </p:sp>
-      <p:sp>
-        <p:nvSpPr>
-          <p:cNvPr id="6" name="Slide Number Placeholder 5"/>
-          <p:cNvSpPr>
-            <a:spLocks noGrp="1"/>
-          </p:cNvSpPr>
-          <p:nvPr>
-            <p:ph type="sldNum" sz="quarter" idx="12"/>
-          </p:nvPr>
-        </p:nvSpPr>
-        <p:spPr/>
-        <p:txBody>
-          <a:bodyPr/>
-          <a:lstStyle/>
-          <a:p>
-            <a:fld id="{B6F15528-21DE-4FAA-801E-634DDDAF4B2B}" type="slidenum">
-              <a:rPr lang="en-US" smtClean="0"/>
-              <a:pPr/>
-              <a:t>‹#›</a:t>
-            </a:fld>
-            <a:endParaRPr lang="en-US"/>
-          </a:p>
-        </p:txBody>
-      </p:sp>
     </p:spTree>
+    <p:extLst>
+      <p:ext uri="{BB962C8B-B14F-4D97-AF65-F5344CB8AC3E}">
+        <p14:creationId xmlns:p14="http://schemas.microsoft.com/office/powerpoint/2010/main" val="2765663336"/>
+      </p:ext>
+    </p:extLst>
   </p:cSld>
   <p:clrMapOvr>
     <a:masterClrMapping/>
@@ -2478,7 +2762,181 @@
 </p:sldLayout>
 </file>
 
-<file path=ppt/slideLayouts/slideLayout3.xml><?xml version="1.0" encoding="utf-8"?>
+<file path=ppt/slideLayouts/slideLayout13.xml><?xml version="1.0" encoding="utf-8"?>
+<p:sldLayout xmlns:a="http://schemas.openxmlformats.org/drawingml/2006/main" xmlns:r="http://schemas.openxmlformats.org/officeDocument/2006/relationships" xmlns:p="http://schemas.openxmlformats.org/presentationml/2006/main" type="obj" preserve="1">
+  <p:cSld name="Visual Studio Live! Washington, D.C.">
+    <p:spTree>
+      <p:nvGrpSpPr>
+        <p:cNvPr id="1" name=""/>
+        <p:cNvGrpSpPr/>
+        <p:nvPr/>
+      </p:nvGrpSpPr>
+      <p:grpSpPr>
+        <a:xfrm>
+          <a:off x="0" y="0"/>
+          <a:ext cx="0" cy="0"/>
+          <a:chOff x="0" y="0"/>
+          <a:chExt cx="0" cy="0"/>
+        </a:xfrm>
+      </p:grpSpPr>
+      <p:sp>
+        <p:nvSpPr>
+          <p:cNvPr id="2" name="Title 1"/>
+          <p:cNvSpPr>
+            <a:spLocks noGrp="1"/>
+          </p:cNvSpPr>
+          <p:nvPr>
+            <p:ph type="title"/>
+          </p:nvPr>
+        </p:nvSpPr>
+        <p:spPr/>
+        <p:txBody>
+          <a:bodyPr/>
+          <a:lstStyle>
+            <a:lvl1pPr>
+              <a:defRPr>
+                <a:solidFill>
+                  <a:schemeClr val="accent3">
+                    <a:lumMod val="50000"/>
+                  </a:schemeClr>
+                </a:solidFill>
+              </a:defRPr>
+            </a:lvl1pPr>
+          </a:lstStyle>
+          <a:p>
+            <a:r>
+              <a:rPr lang="en-US"/>
+              <a:t>Click to edit Master title style</a:t>
+            </a:r>
+            <a:endParaRPr lang="en-US" dirty="0"/>
+          </a:p>
+        </p:txBody>
+      </p:sp>
+      <p:sp>
+        <p:nvSpPr>
+          <p:cNvPr id="3" name="Content Placeholder 2"/>
+          <p:cNvSpPr>
+            <a:spLocks noGrp="1"/>
+          </p:cNvSpPr>
+          <p:nvPr>
+            <p:ph idx="1"/>
+          </p:nvPr>
+        </p:nvSpPr>
+        <p:spPr/>
+        <p:txBody>
+          <a:bodyPr/>
+          <a:lstStyle/>
+          <a:p>
+            <a:pPr lvl="0"/>
+            <a:r>
+              <a:rPr lang="en-US"/>
+              <a:t>Click to edit Master text styles</a:t>
+            </a:r>
+          </a:p>
+          <a:p>
+            <a:pPr lvl="1"/>
+            <a:r>
+              <a:rPr lang="en-US"/>
+              <a:t>Second level</a:t>
+            </a:r>
+          </a:p>
+          <a:p>
+            <a:pPr lvl="2"/>
+            <a:r>
+              <a:rPr lang="en-US"/>
+              <a:t>Third level</a:t>
+            </a:r>
+          </a:p>
+          <a:p>
+            <a:pPr lvl="3"/>
+            <a:r>
+              <a:rPr lang="en-US"/>
+              <a:t>Fourth level</a:t>
+            </a:r>
+          </a:p>
+          <a:p>
+            <a:pPr lvl="4"/>
+            <a:r>
+              <a:rPr lang="en-US"/>
+              <a:t>Fifth level</a:t>
+            </a:r>
+            <a:endParaRPr lang="en-US" dirty="0"/>
+          </a:p>
+        </p:txBody>
+      </p:sp>
+      <p:sp>
+        <p:nvSpPr>
+          <p:cNvPr id="4" name="Date Placeholder 3"/>
+          <p:cNvSpPr>
+            <a:spLocks noGrp="1"/>
+          </p:cNvSpPr>
+          <p:nvPr>
+            <p:ph type="dt" sz="half" idx="10"/>
+          </p:nvPr>
+        </p:nvSpPr>
+        <p:spPr/>
+        <p:txBody>
+          <a:bodyPr/>
+          <a:lstStyle>
+            <a:lvl1pPr>
+              <a:defRPr/>
+            </a:lvl1pPr>
+          </a:lstStyle>
+          <a:p>
+            <a:pPr>
+              <a:defRPr/>
+            </a:pPr>
+            <a:fld id="{03173A4F-54E2-42AD-AEE7-525DC08E7D5E}" type="datetimeFigureOut">
+              <a:rPr lang="en-US" smtClean="0"/>
+              <a:pPr>
+                <a:defRPr/>
+              </a:pPr>
+              <a:t>9/22/2017</a:t>
+            </a:fld>
+            <a:endParaRPr lang="en-US"/>
+          </a:p>
+        </p:txBody>
+      </p:sp>
+      <p:sp>
+        <p:nvSpPr>
+          <p:cNvPr id="5" name="Footer Placeholder 4"/>
+          <p:cNvSpPr>
+            <a:spLocks noGrp="1"/>
+          </p:cNvSpPr>
+          <p:nvPr>
+            <p:ph type="ftr" sz="quarter" idx="11"/>
+          </p:nvPr>
+        </p:nvSpPr>
+        <p:spPr/>
+        <p:txBody>
+          <a:bodyPr/>
+          <a:lstStyle>
+            <a:lvl1pPr>
+              <a:defRPr/>
+            </a:lvl1pPr>
+          </a:lstStyle>
+          <a:p>
+            <a:pPr>
+              <a:defRPr/>
+            </a:pPr>
+            <a:endParaRPr lang="en-US"/>
+          </a:p>
+        </p:txBody>
+      </p:sp>
+    </p:spTree>
+    <p:extLst>
+      <p:ext uri="{BB962C8B-B14F-4D97-AF65-F5344CB8AC3E}">
+        <p14:creationId xmlns:p14="http://schemas.microsoft.com/office/powerpoint/2010/main" val="1034535673"/>
+      </p:ext>
+    </p:extLst>
+  </p:cSld>
+  <p:clrMapOvr>
+    <a:masterClrMapping/>
+  </p:clrMapOvr>
+</p:sldLayout>
+</file>
+
+<file path=ppt/slideLayouts/slideLayout14.xml><?xml version="1.0" encoding="utf-8"?>
 <p:sldLayout xmlns:a="http://schemas.openxmlformats.org/drawingml/2006/main" xmlns:r="http://schemas.openxmlformats.org/officeDocument/2006/relationships" xmlns:p="http://schemas.openxmlformats.org/presentationml/2006/main" type="secHead" preserve="1">
   <p:cSld name="Section Header">
     <p:spTree>
@@ -2507,7 +2965,7 @@
         </p:nvSpPr>
         <p:spPr>
           <a:xfrm>
-            <a:off x="722313" y="4406900"/>
+            <a:off x="722313" y="4406901"/>
             <a:ext cx="7772400" cy="1362075"/>
           </a:xfrm>
         </p:spPr>
@@ -2538,7 +2996,7 @@
         </p:nvSpPr>
         <p:spPr>
           <a:xfrm>
-            <a:off x="722313" y="2906713"/>
+            <a:off x="722313" y="2906716"/>
             <a:ext cx="7772400" cy="1500187"/>
           </a:xfrm>
         </p:spPr>
@@ -2658,12 +3116,21 @@
         <p:spPr/>
         <p:txBody>
           <a:bodyPr/>
-          <a:lstStyle/>
-          <a:p>
-            <a:fld id="{1D8BD707-D9CF-40AE-B4C6-C98DA3205C09}" type="datetimeFigureOut">
+          <a:lstStyle>
+            <a:lvl1pPr>
+              <a:defRPr/>
+            </a:lvl1pPr>
+          </a:lstStyle>
+          <a:p>
+            <a:pPr>
+              <a:defRPr/>
+            </a:pPr>
+            <a:fld id="{6014562E-E191-4140-8CA7-D81566904FD6}" type="datetimeFigureOut">
               <a:rPr lang="en-US" smtClean="0"/>
-              <a:pPr/>
-              <a:t>7/22/2017</a:t>
+              <a:pPr>
+                <a:defRPr/>
+              </a:pPr>
+              <a:t>9/22/2017</a:t>
             </a:fld>
             <a:endParaRPr lang="en-US"/>
           </a:p>
@@ -2682,37 +3149,25 @@
         <p:spPr/>
         <p:txBody>
           <a:bodyPr/>
-          <a:lstStyle/>
-          <a:p>
+          <a:lstStyle>
+            <a:lvl1pPr>
+              <a:defRPr/>
+            </a:lvl1pPr>
+          </a:lstStyle>
+          <a:p>
+            <a:pPr>
+              <a:defRPr/>
+            </a:pPr>
             <a:endParaRPr lang="en-US"/>
           </a:p>
         </p:txBody>
       </p:sp>
-      <p:sp>
-        <p:nvSpPr>
-          <p:cNvPr id="6" name="Slide Number Placeholder 5"/>
-          <p:cNvSpPr>
-            <a:spLocks noGrp="1"/>
-          </p:cNvSpPr>
-          <p:nvPr>
-            <p:ph type="sldNum" sz="quarter" idx="12"/>
-          </p:nvPr>
-        </p:nvSpPr>
-        <p:spPr/>
-        <p:txBody>
-          <a:bodyPr/>
-          <a:lstStyle/>
-          <a:p>
-            <a:fld id="{B6F15528-21DE-4FAA-801E-634DDDAF4B2B}" type="slidenum">
-              <a:rPr lang="en-US" smtClean="0"/>
-              <a:pPr/>
-              <a:t>‹#›</a:t>
-            </a:fld>
-            <a:endParaRPr lang="en-US"/>
-          </a:p>
-        </p:txBody>
-      </p:sp>
     </p:spTree>
+    <p:extLst>
+      <p:ext uri="{BB962C8B-B14F-4D97-AF65-F5344CB8AC3E}">
+        <p14:creationId xmlns:p14="http://schemas.microsoft.com/office/powerpoint/2010/main" val="3977936758"/>
+      </p:ext>
+    </p:extLst>
   </p:cSld>
   <p:clrMapOvr>
     <a:masterClrMapping/>
@@ -2720,7 +3175,7 @@
 </p:sldLayout>
 </file>
 
-<file path=ppt/slideLayouts/slideLayout4.xml><?xml version="1.0" encoding="utf-8"?>
+<file path=ppt/slideLayouts/slideLayout15.xml><?xml version="1.0" encoding="utf-8"?>
 <p:sldLayout xmlns:a="http://schemas.openxmlformats.org/drawingml/2006/main" xmlns:r="http://schemas.openxmlformats.org/officeDocument/2006/relationships" xmlns:p="http://schemas.openxmlformats.org/presentationml/2006/main" type="twoObj" preserve="1">
   <p:cSld name="Two Content">
     <p:spTree>
@@ -2771,8 +3226,8 @@
         </p:nvSpPr>
         <p:spPr>
           <a:xfrm>
-            <a:off x="457200" y="1600200"/>
-            <a:ext cx="4038600" cy="4525963"/>
+            <a:off x="457200" y="1200152"/>
+            <a:ext cx="4038600" cy="3394075"/>
           </a:xfrm>
         </p:spPr>
         <p:txBody>
@@ -2855,8 +3310,8 @@
         </p:nvSpPr>
         <p:spPr>
           <a:xfrm>
-            <a:off x="4648200" y="1600200"/>
-            <a:ext cx="4038600" cy="4525963"/>
+            <a:off x="4648200" y="1200152"/>
+            <a:ext cx="4038600" cy="3394075"/>
           </a:xfrm>
         </p:spPr>
         <p:txBody>
@@ -2929,7 +3384,7 @@
       </p:sp>
       <p:sp>
         <p:nvSpPr>
-          <p:cNvPr id="5" name="Date Placeholder 4"/>
+          <p:cNvPr id="5" name="Date Placeholder 3"/>
           <p:cNvSpPr>
             <a:spLocks noGrp="1"/>
           </p:cNvSpPr>
@@ -2940,12 +3395,21 @@
         <p:spPr/>
         <p:txBody>
           <a:bodyPr/>
-          <a:lstStyle/>
-          <a:p>
-            <a:fld id="{1D8BD707-D9CF-40AE-B4C6-C98DA3205C09}" type="datetimeFigureOut">
+          <a:lstStyle>
+            <a:lvl1pPr>
+              <a:defRPr/>
+            </a:lvl1pPr>
+          </a:lstStyle>
+          <a:p>
+            <a:pPr>
+              <a:defRPr/>
+            </a:pPr>
+            <a:fld id="{12886AD8-D031-4E57-A880-97BEE7625BF5}" type="datetimeFigureOut">
               <a:rPr lang="en-US" smtClean="0"/>
-              <a:pPr/>
-              <a:t>7/22/2017</a:t>
+              <a:pPr>
+                <a:defRPr/>
+              </a:pPr>
+              <a:t>9/22/2017</a:t>
             </a:fld>
             <a:endParaRPr lang="en-US"/>
           </a:p>
@@ -2953,7 +3417,7 @@
       </p:sp>
       <p:sp>
         <p:nvSpPr>
-          <p:cNvPr id="6" name="Footer Placeholder 5"/>
+          <p:cNvPr id="6" name="Footer Placeholder 4"/>
           <p:cNvSpPr>
             <a:spLocks noGrp="1"/>
           </p:cNvSpPr>
@@ -2964,37 +3428,25 @@
         <p:spPr/>
         <p:txBody>
           <a:bodyPr/>
-          <a:lstStyle/>
-          <a:p>
+          <a:lstStyle>
+            <a:lvl1pPr>
+              <a:defRPr/>
+            </a:lvl1pPr>
+          </a:lstStyle>
+          <a:p>
+            <a:pPr>
+              <a:defRPr/>
+            </a:pPr>
             <a:endParaRPr lang="en-US"/>
           </a:p>
         </p:txBody>
       </p:sp>
-      <p:sp>
-        <p:nvSpPr>
-          <p:cNvPr id="7" name="Slide Number Placeholder 6"/>
-          <p:cNvSpPr>
-            <a:spLocks noGrp="1"/>
-          </p:cNvSpPr>
-          <p:nvPr>
-            <p:ph type="sldNum" sz="quarter" idx="12"/>
-          </p:nvPr>
-        </p:nvSpPr>
-        <p:spPr/>
-        <p:txBody>
-          <a:bodyPr/>
-          <a:lstStyle/>
-          <a:p>
-            <a:fld id="{B6F15528-21DE-4FAA-801E-634DDDAF4B2B}" type="slidenum">
-              <a:rPr lang="en-US" smtClean="0"/>
-              <a:pPr/>
-              <a:t>‹#›</a:t>
-            </a:fld>
-            <a:endParaRPr lang="en-US"/>
-          </a:p>
-        </p:txBody>
-      </p:sp>
     </p:spTree>
+    <p:extLst>
+      <p:ext uri="{BB962C8B-B14F-4D97-AF65-F5344CB8AC3E}">
+        <p14:creationId xmlns:p14="http://schemas.microsoft.com/office/powerpoint/2010/main" val="2100087794"/>
+      </p:ext>
+    </p:extLst>
   </p:cSld>
   <p:clrMapOvr>
     <a:masterClrMapping/>
@@ -3002,7 +3454,7 @@
 </p:sldLayout>
 </file>
 
-<file path=ppt/slideLayouts/slideLayout5.xml><?xml version="1.0" encoding="utf-8"?>
+<file path=ppt/slideLayouts/slideLayout16.xml><?xml version="1.0" encoding="utf-8"?>
 <p:sldLayout xmlns:a="http://schemas.openxmlformats.org/drawingml/2006/main" xmlns:r="http://schemas.openxmlformats.org/officeDocument/2006/relationships" xmlns:p="http://schemas.openxmlformats.org/presentationml/2006/main" type="twoTxTwoObj" preserve="1">
   <p:cSld name="Comparison">
     <p:spTree>
@@ -3029,7 +3481,12 @@
             <p:ph type="title"/>
           </p:nvPr>
         </p:nvSpPr>
-        <p:spPr/>
+        <p:spPr>
+          <a:xfrm>
+            <a:off x="457200" y="274640"/>
+            <a:ext cx="8229600" cy="1143000"/>
+          </a:xfrm>
+        </p:spPr>
         <p:txBody>
           <a:bodyPr/>
           <a:lstStyle>
@@ -3058,7 +3515,7 @@
         <p:spPr>
           <a:xfrm>
             <a:off x="457200" y="1535113"/>
-            <a:ext cx="4040188" cy="639762"/>
+            <a:ext cx="4040188" cy="639763"/>
           </a:xfrm>
         </p:spPr>
         <p:txBody>
@@ -3206,8 +3663,8 @@
         </p:nvSpPr>
         <p:spPr>
           <a:xfrm>
-            <a:off x="4645025" y="1535113"/>
-            <a:ext cx="4041775" cy="639762"/>
+            <a:off x="4645031" y="1535113"/>
+            <a:ext cx="4041775" cy="639763"/>
           </a:xfrm>
         </p:spPr>
         <p:txBody>
@@ -3271,7 +3728,7 @@
         </p:nvSpPr>
         <p:spPr>
           <a:xfrm>
-            <a:off x="4645025" y="2174875"/>
+            <a:off x="4645031" y="2174875"/>
             <a:ext cx="4041775" cy="3951288"/>
           </a:xfrm>
         </p:spPr>
@@ -3345,7 +3802,7 @@
       </p:sp>
       <p:sp>
         <p:nvSpPr>
-          <p:cNvPr id="7" name="Date Placeholder 6"/>
+          <p:cNvPr id="7" name="Date Placeholder 3"/>
           <p:cNvSpPr>
             <a:spLocks noGrp="1"/>
           </p:cNvSpPr>
@@ -3356,12 +3813,21 @@
         <p:spPr/>
         <p:txBody>
           <a:bodyPr/>
-          <a:lstStyle/>
-          <a:p>
-            <a:fld id="{1D8BD707-D9CF-40AE-B4C6-C98DA3205C09}" type="datetimeFigureOut">
+          <a:lstStyle>
+            <a:lvl1pPr>
+              <a:defRPr/>
+            </a:lvl1pPr>
+          </a:lstStyle>
+          <a:p>
+            <a:pPr>
+              <a:defRPr/>
+            </a:pPr>
+            <a:fld id="{1F146D33-8E80-4809-BCCA-EEFDCA7877C6}" type="datetimeFigureOut">
               <a:rPr lang="en-US" smtClean="0"/>
-              <a:pPr/>
-              <a:t>7/22/2017</a:t>
+              <a:pPr>
+                <a:defRPr/>
+              </a:pPr>
+              <a:t>9/22/2017</a:t>
             </a:fld>
             <a:endParaRPr lang="en-US"/>
           </a:p>
@@ -3369,7 +3835,7 @@
       </p:sp>
       <p:sp>
         <p:nvSpPr>
-          <p:cNvPr id="8" name="Footer Placeholder 7"/>
+          <p:cNvPr id="8" name="Footer Placeholder 4"/>
           <p:cNvSpPr>
             <a:spLocks noGrp="1"/>
           </p:cNvSpPr>
@@ -3380,37 +3846,25 @@
         <p:spPr/>
         <p:txBody>
           <a:bodyPr/>
-          <a:lstStyle/>
-          <a:p>
+          <a:lstStyle>
+            <a:lvl1pPr>
+              <a:defRPr/>
+            </a:lvl1pPr>
+          </a:lstStyle>
+          <a:p>
+            <a:pPr>
+              <a:defRPr/>
+            </a:pPr>
             <a:endParaRPr lang="en-US"/>
           </a:p>
         </p:txBody>
       </p:sp>
-      <p:sp>
-        <p:nvSpPr>
-          <p:cNvPr id="9" name="Slide Number Placeholder 8"/>
-          <p:cNvSpPr>
-            <a:spLocks noGrp="1"/>
-          </p:cNvSpPr>
-          <p:nvPr>
-            <p:ph type="sldNum" sz="quarter" idx="12"/>
-          </p:nvPr>
-        </p:nvSpPr>
-        <p:spPr/>
-        <p:txBody>
-          <a:bodyPr/>
-          <a:lstStyle/>
-          <a:p>
-            <a:fld id="{B6F15528-21DE-4FAA-801E-634DDDAF4B2B}" type="slidenum">
-              <a:rPr lang="en-US" smtClean="0"/>
-              <a:pPr/>
-              <a:t>‹#›</a:t>
-            </a:fld>
-            <a:endParaRPr lang="en-US"/>
-          </a:p>
-        </p:txBody>
-      </p:sp>
     </p:spTree>
+    <p:extLst>
+      <p:ext uri="{BB962C8B-B14F-4D97-AF65-F5344CB8AC3E}">
+        <p14:creationId xmlns:p14="http://schemas.microsoft.com/office/powerpoint/2010/main" val="1264550881"/>
+      </p:ext>
+    </p:extLst>
   </p:cSld>
   <p:clrMapOvr>
     <a:masterClrMapping/>
@@ -3418,7 +3872,7 @@
 </p:sldLayout>
 </file>
 
-<file path=ppt/slideLayouts/slideLayout6.xml><?xml version="1.0" encoding="utf-8"?>
+<file path=ppt/slideLayouts/slideLayout17.xml><?xml version="1.0" encoding="utf-8"?>
 <p:sldLayout xmlns:a="http://schemas.openxmlformats.org/drawingml/2006/main" xmlns:r="http://schemas.openxmlformats.org/officeDocument/2006/relationships" xmlns:p="http://schemas.openxmlformats.org/presentationml/2006/main" type="titleOnly" preserve="1">
   <p:cSld name="Title Only">
     <p:spTree>
@@ -3459,7 +3913,7 @@
       </p:sp>
       <p:sp>
         <p:nvSpPr>
-          <p:cNvPr id="3" name="Date Placeholder 2"/>
+          <p:cNvPr id="3" name="Date Placeholder 3"/>
           <p:cNvSpPr>
             <a:spLocks noGrp="1"/>
           </p:cNvSpPr>
@@ -3470,12 +3924,21 @@
         <p:spPr/>
         <p:txBody>
           <a:bodyPr/>
-          <a:lstStyle/>
-          <a:p>
-            <a:fld id="{1D8BD707-D9CF-40AE-B4C6-C98DA3205C09}" type="datetimeFigureOut">
+          <a:lstStyle>
+            <a:lvl1pPr>
+              <a:defRPr/>
+            </a:lvl1pPr>
+          </a:lstStyle>
+          <a:p>
+            <a:pPr>
+              <a:defRPr/>
+            </a:pPr>
+            <a:fld id="{3475E31E-3DDB-4319-BC51-F5022B7F3C8D}" type="datetimeFigureOut">
               <a:rPr lang="en-US" smtClean="0"/>
-              <a:pPr/>
-              <a:t>7/22/2017</a:t>
+              <a:pPr>
+                <a:defRPr/>
+              </a:pPr>
+              <a:t>9/22/2017</a:t>
             </a:fld>
             <a:endParaRPr lang="en-US"/>
           </a:p>
@@ -3483,7 +3946,7 @@
       </p:sp>
       <p:sp>
         <p:nvSpPr>
-          <p:cNvPr id="4" name="Footer Placeholder 3"/>
+          <p:cNvPr id="4" name="Footer Placeholder 4"/>
           <p:cNvSpPr>
             <a:spLocks noGrp="1"/>
           </p:cNvSpPr>
@@ -3494,37 +3957,25 @@
         <p:spPr/>
         <p:txBody>
           <a:bodyPr/>
-          <a:lstStyle/>
-          <a:p>
+          <a:lstStyle>
+            <a:lvl1pPr>
+              <a:defRPr/>
+            </a:lvl1pPr>
+          </a:lstStyle>
+          <a:p>
+            <a:pPr>
+              <a:defRPr/>
+            </a:pPr>
             <a:endParaRPr lang="en-US"/>
           </a:p>
         </p:txBody>
       </p:sp>
-      <p:sp>
-        <p:nvSpPr>
-          <p:cNvPr id="5" name="Slide Number Placeholder 4"/>
-          <p:cNvSpPr>
-            <a:spLocks noGrp="1"/>
-          </p:cNvSpPr>
-          <p:nvPr>
-            <p:ph type="sldNum" sz="quarter" idx="12"/>
-          </p:nvPr>
-        </p:nvSpPr>
-        <p:spPr/>
-        <p:txBody>
-          <a:bodyPr/>
-          <a:lstStyle/>
-          <a:p>
-            <a:fld id="{B6F15528-21DE-4FAA-801E-634DDDAF4B2B}" type="slidenum">
-              <a:rPr lang="en-US" smtClean="0"/>
-              <a:pPr/>
-              <a:t>‹#›</a:t>
-            </a:fld>
-            <a:endParaRPr lang="en-US"/>
-          </a:p>
-        </p:txBody>
-      </p:sp>
     </p:spTree>
+    <p:extLst>
+      <p:ext uri="{BB962C8B-B14F-4D97-AF65-F5344CB8AC3E}">
+        <p14:creationId xmlns:p14="http://schemas.microsoft.com/office/powerpoint/2010/main" val="1290898936"/>
+      </p:ext>
+    </p:extLst>
   </p:cSld>
   <p:clrMapOvr>
     <a:masterClrMapping/>
@@ -3532,7 +3983,7 @@
 </p:sldLayout>
 </file>
 
-<file path=ppt/slideLayouts/slideLayout7.xml><?xml version="1.0" encoding="utf-8"?>
+<file path=ppt/slideLayouts/slideLayout18.xml><?xml version="1.0" encoding="utf-8"?>
 <p:sldLayout xmlns:a="http://schemas.openxmlformats.org/drawingml/2006/main" xmlns:r="http://schemas.openxmlformats.org/officeDocument/2006/relationships" xmlns:p="http://schemas.openxmlformats.org/presentationml/2006/main" type="blank" preserve="1">
   <p:cSld name="Blank">
     <p:spTree>
@@ -3551,7 +4002,7 @@
       </p:grpSpPr>
       <p:sp>
         <p:nvSpPr>
-          <p:cNvPr id="2" name="Date Placeholder 1"/>
+          <p:cNvPr id="2" name="Date Placeholder 3"/>
           <p:cNvSpPr>
             <a:spLocks noGrp="1"/>
           </p:cNvSpPr>
@@ -3562,12 +4013,21 @@
         <p:spPr/>
         <p:txBody>
           <a:bodyPr/>
-          <a:lstStyle/>
-          <a:p>
-            <a:fld id="{1D8BD707-D9CF-40AE-B4C6-C98DA3205C09}" type="datetimeFigureOut">
+          <a:lstStyle>
+            <a:lvl1pPr>
+              <a:defRPr/>
+            </a:lvl1pPr>
+          </a:lstStyle>
+          <a:p>
+            <a:pPr>
+              <a:defRPr/>
+            </a:pPr>
+            <a:fld id="{176638B8-B788-4682-A596-85CF4ED65A7B}" type="datetimeFigureOut">
               <a:rPr lang="en-US" smtClean="0"/>
-              <a:pPr/>
-              <a:t>7/22/2017</a:t>
+              <a:pPr>
+                <a:defRPr/>
+              </a:pPr>
+              <a:t>9/22/2017</a:t>
             </a:fld>
             <a:endParaRPr lang="en-US"/>
           </a:p>
@@ -3575,7 +4035,7 @@
       </p:sp>
       <p:sp>
         <p:nvSpPr>
-          <p:cNvPr id="3" name="Footer Placeholder 2"/>
+          <p:cNvPr id="3" name="Footer Placeholder 4"/>
           <p:cNvSpPr>
             <a:spLocks noGrp="1"/>
           </p:cNvSpPr>
@@ -3586,37 +4046,25 @@
         <p:spPr/>
         <p:txBody>
           <a:bodyPr/>
-          <a:lstStyle/>
-          <a:p>
+          <a:lstStyle>
+            <a:lvl1pPr>
+              <a:defRPr/>
+            </a:lvl1pPr>
+          </a:lstStyle>
+          <a:p>
+            <a:pPr>
+              <a:defRPr/>
+            </a:pPr>
             <a:endParaRPr lang="en-US"/>
           </a:p>
         </p:txBody>
       </p:sp>
-      <p:sp>
-        <p:nvSpPr>
-          <p:cNvPr id="4" name="Slide Number Placeholder 3"/>
-          <p:cNvSpPr>
-            <a:spLocks noGrp="1"/>
-          </p:cNvSpPr>
-          <p:nvPr>
-            <p:ph type="sldNum" sz="quarter" idx="12"/>
-          </p:nvPr>
-        </p:nvSpPr>
-        <p:spPr/>
-        <p:txBody>
-          <a:bodyPr/>
-          <a:lstStyle/>
-          <a:p>
-            <a:fld id="{B6F15528-21DE-4FAA-801E-634DDDAF4B2B}" type="slidenum">
-              <a:rPr lang="en-US" smtClean="0"/>
-              <a:pPr/>
-              <a:t>‹#›</a:t>
-            </a:fld>
-            <a:endParaRPr lang="en-US"/>
-          </a:p>
-        </p:txBody>
-      </p:sp>
     </p:spTree>
+    <p:extLst>
+      <p:ext uri="{BB962C8B-B14F-4D97-AF65-F5344CB8AC3E}">
+        <p14:creationId xmlns:p14="http://schemas.microsoft.com/office/powerpoint/2010/main" val="3898707608"/>
+      </p:ext>
+    </p:extLst>
   </p:cSld>
   <p:clrMapOvr>
     <a:masterClrMapping/>
@@ -3624,7 +4072,7 @@
 </p:sldLayout>
 </file>
 
-<file path=ppt/slideLayouts/slideLayout8.xml><?xml version="1.0" encoding="utf-8"?>
+<file path=ppt/slideLayouts/slideLayout19.xml><?xml version="1.0" encoding="utf-8"?>
 <p:sldLayout xmlns:a="http://schemas.openxmlformats.org/drawingml/2006/main" xmlns:r="http://schemas.openxmlformats.org/officeDocument/2006/relationships" xmlns:p="http://schemas.openxmlformats.org/presentationml/2006/main" type="objTx" preserve="1">
   <p:cSld name="Content with Caption">
     <p:spTree>
@@ -3653,8 +4101,8 @@
         </p:nvSpPr>
         <p:spPr>
           <a:xfrm>
-            <a:off x="457200" y="273050"/>
-            <a:ext cx="3008313" cy="1162050"/>
+            <a:off x="457206" y="273052"/>
+            <a:ext cx="3008313" cy="1162051"/>
           </a:xfrm>
         </p:spPr>
         <p:txBody>
@@ -3684,7 +4132,7 @@
         </p:nvSpPr>
         <p:spPr>
           <a:xfrm>
-            <a:off x="3575050" y="273050"/>
+            <a:off x="3575050" y="273053"/>
             <a:ext cx="5111750" cy="5853113"/>
           </a:xfrm>
         </p:spPr>
@@ -3768,7 +4216,7 @@
         </p:nvSpPr>
         <p:spPr>
           <a:xfrm>
-            <a:off x="457200" y="1435100"/>
+            <a:off x="457206" y="1435104"/>
             <a:ext cx="3008313" cy="4691063"/>
           </a:xfrm>
         </p:spPr>
@@ -3823,7 +4271,7 @@
       </p:sp>
       <p:sp>
         <p:nvSpPr>
-          <p:cNvPr id="5" name="Date Placeholder 4"/>
+          <p:cNvPr id="5" name="Date Placeholder 3"/>
           <p:cNvSpPr>
             <a:spLocks noGrp="1"/>
           </p:cNvSpPr>
@@ -3834,12 +4282,21 @@
         <p:spPr/>
         <p:txBody>
           <a:bodyPr/>
-          <a:lstStyle/>
-          <a:p>
-            <a:fld id="{1D8BD707-D9CF-40AE-B4C6-C98DA3205C09}" type="datetimeFigureOut">
+          <a:lstStyle>
+            <a:lvl1pPr>
+              <a:defRPr/>
+            </a:lvl1pPr>
+          </a:lstStyle>
+          <a:p>
+            <a:pPr>
+              <a:defRPr/>
+            </a:pPr>
+            <a:fld id="{5A9C0D6F-86BC-4F0A-A9FD-A71A70874F57}" type="datetimeFigureOut">
               <a:rPr lang="en-US" smtClean="0"/>
-              <a:pPr/>
-              <a:t>7/22/2017</a:t>
+              <a:pPr>
+                <a:defRPr/>
+              </a:pPr>
+              <a:t>9/22/2017</a:t>
             </a:fld>
             <a:endParaRPr lang="en-US"/>
           </a:p>
@@ -3847,7 +4304,7 @@
       </p:sp>
       <p:sp>
         <p:nvSpPr>
-          <p:cNvPr id="6" name="Footer Placeholder 5"/>
+          <p:cNvPr id="6" name="Footer Placeholder 4"/>
           <p:cNvSpPr>
             <a:spLocks noGrp="1"/>
           </p:cNvSpPr>
@@ -3858,37 +4315,25 @@
         <p:spPr/>
         <p:txBody>
           <a:bodyPr/>
-          <a:lstStyle/>
-          <a:p>
+          <a:lstStyle>
+            <a:lvl1pPr>
+              <a:defRPr/>
+            </a:lvl1pPr>
+          </a:lstStyle>
+          <a:p>
+            <a:pPr>
+              <a:defRPr/>
+            </a:pPr>
             <a:endParaRPr lang="en-US"/>
           </a:p>
         </p:txBody>
       </p:sp>
-      <p:sp>
-        <p:nvSpPr>
-          <p:cNvPr id="7" name="Slide Number Placeholder 6"/>
-          <p:cNvSpPr>
-            <a:spLocks noGrp="1"/>
-          </p:cNvSpPr>
-          <p:nvPr>
-            <p:ph type="sldNum" sz="quarter" idx="12"/>
-          </p:nvPr>
-        </p:nvSpPr>
-        <p:spPr/>
-        <p:txBody>
-          <a:bodyPr/>
-          <a:lstStyle/>
-          <a:p>
-            <a:fld id="{B6F15528-21DE-4FAA-801E-634DDDAF4B2B}" type="slidenum">
-              <a:rPr lang="en-US" smtClean="0"/>
-              <a:pPr/>
-              <a:t>‹#›</a:t>
-            </a:fld>
-            <a:endParaRPr lang="en-US"/>
-          </a:p>
-        </p:txBody>
-      </p:sp>
     </p:spTree>
+    <p:extLst>
+      <p:ext uri="{BB962C8B-B14F-4D97-AF65-F5344CB8AC3E}">
+        <p14:creationId xmlns:p14="http://schemas.microsoft.com/office/powerpoint/2010/main" val="658332626"/>
+      </p:ext>
+    </p:extLst>
   </p:cSld>
   <p:clrMapOvr>
     <a:masterClrMapping/>
@@ -3896,7 +4341,173 @@
 </p:sldLayout>
 </file>
 
-<file path=ppt/slideLayouts/slideLayout9.xml><?xml version="1.0" encoding="utf-8"?>
+<file path=ppt/slideLayouts/slideLayout2.xml><?xml version="1.0" encoding="utf-8"?>
+<p:sldLayout xmlns:a="http://schemas.openxmlformats.org/drawingml/2006/main" xmlns:r="http://schemas.openxmlformats.org/officeDocument/2006/relationships" xmlns:p="http://schemas.openxmlformats.org/presentationml/2006/main" type="obj" preserve="1">
+  <p:cSld name="Visual Studio Live! Washington, D.C.">
+    <p:spTree>
+      <p:nvGrpSpPr>
+        <p:cNvPr id="1" name=""/>
+        <p:cNvGrpSpPr/>
+        <p:nvPr/>
+      </p:nvGrpSpPr>
+      <p:grpSpPr>
+        <a:xfrm>
+          <a:off x="0" y="0"/>
+          <a:ext cx="0" cy="0"/>
+          <a:chOff x="0" y="0"/>
+          <a:chExt cx="0" cy="0"/>
+        </a:xfrm>
+      </p:grpSpPr>
+      <p:sp>
+        <p:nvSpPr>
+          <p:cNvPr id="2" name="Title 1"/>
+          <p:cNvSpPr>
+            <a:spLocks noGrp="1"/>
+          </p:cNvSpPr>
+          <p:nvPr>
+            <p:ph type="title"/>
+          </p:nvPr>
+        </p:nvSpPr>
+        <p:spPr/>
+        <p:txBody>
+          <a:bodyPr/>
+          <a:lstStyle>
+            <a:lvl1pPr>
+              <a:defRPr>
+                <a:solidFill>
+                  <a:schemeClr val="accent3">
+                    <a:lumMod val="50000"/>
+                  </a:schemeClr>
+                </a:solidFill>
+              </a:defRPr>
+            </a:lvl1pPr>
+          </a:lstStyle>
+          <a:p>
+            <a:r>
+              <a:rPr lang="en-US"/>
+              <a:t>Click to edit Master title style</a:t>
+            </a:r>
+            <a:endParaRPr lang="en-US" dirty="0"/>
+          </a:p>
+        </p:txBody>
+      </p:sp>
+      <p:sp>
+        <p:nvSpPr>
+          <p:cNvPr id="3" name="Content Placeholder 2"/>
+          <p:cNvSpPr>
+            <a:spLocks noGrp="1"/>
+          </p:cNvSpPr>
+          <p:nvPr>
+            <p:ph idx="1"/>
+          </p:nvPr>
+        </p:nvSpPr>
+        <p:spPr/>
+        <p:txBody>
+          <a:bodyPr/>
+          <a:lstStyle/>
+          <a:p>
+            <a:pPr lvl="0"/>
+            <a:r>
+              <a:rPr lang="en-US"/>
+              <a:t>Edit Master text styles</a:t>
+            </a:r>
+          </a:p>
+          <a:p>
+            <a:pPr lvl="1"/>
+            <a:r>
+              <a:rPr lang="en-US"/>
+              <a:t>Second level</a:t>
+            </a:r>
+          </a:p>
+          <a:p>
+            <a:pPr lvl="2"/>
+            <a:r>
+              <a:rPr lang="en-US"/>
+              <a:t>Third level</a:t>
+            </a:r>
+          </a:p>
+          <a:p>
+            <a:pPr lvl="3"/>
+            <a:r>
+              <a:rPr lang="en-US"/>
+              <a:t>Fourth level</a:t>
+            </a:r>
+          </a:p>
+          <a:p>
+            <a:pPr lvl="4"/>
+            <a:r>
+              <a:rPr lang="en-US"/>
+              <a:t>Fifth level</a:t>
+            </a:r>
+            <a:endParaRPr lang="en-US" dirty="0"/>
+          </a:p>
+        </p:txBody>
+      </p:sp>
+      <p:sp>
+        <p:nvSpPr>
+          <p:cNvPr id="4" name="Date Placeholder 3"/>
+          <p:cNvSpPr>
+            <a:spLocks noGrp="1"/>
+          </p:cNvSpPr>
+          <p:nvPr>
+            <p:ph type="dt" sz="half" idx="10"/>
+          </p:nvPr>
+        </p:nvSpPr>
+        <p:spPr/>
+        <p:txBody>
+          <a:bodyPr/>
+          <a:lstStyle>
+            <a:lvl1pPr>
+              <a:defRPr/>
+            </a:lvl1pPr>
+          </a:lstStyle>
+          <a:p>
+            <a:fld id="{1D8BD707-D9CF-40AE-B4C6-C98DA3205C09}" type="datetimeFigureOut">
+              <a:rPr lang="en-US" smtClean="0"/>
+              <a:pPr/>
+              <a:t>9/22/2017</a:t>
+            </a:fld>
+            <a:endParaRPr lang="en-US"/>
+          </a:p>
+        </p:txBody>
+      </p:sp>
+      <p:sp>
+        <p:nvSpPr>
+          <p:cNvPr id="5" name="Footer Placeholder 4"/>
+          <p:cNvSpPr>
+            <a:spLocks noGrp="1"/>
+          </p:cNvSpPr>
+          <p:nvPr>
+            <p:ph type="ftr" sz="quarter" idx="11"/>
+          </p:nvPr>
+        </p:nvSpPr>
+        <p:spPr/>
+        <p:txBody>
+          <a:bodyPr/>
+          <a:lstStyle>
+            <a:lvl1pPr>
+              <a:defRPr/>
+            </a:lvl1pPr>
+          </a:lstStyle>
+          <a:p>
+            <a:endParaRPr lang="en-US"/>
+          </a:p>
+        </p:txBody>
+      </p:sp>
+    </p:spTree>
+    <p:extLst>
+      <p:ext uri="{BB962C8B-B14F-4D97-AF65-F5344CB8AC3E}">
+        <p14:creationId xmlns:p14="http://schemas.microsoft.com/office/powerpoint/2010/main" val="391864577"/>
+      </p:ext>
+    </p:extLst>
+  </p:cSld>
+  <p:clrMapOvr>
+    <a:masterClrMapping/>
+  </p:clrMapOvr>
+</p:sldLayout>
+</file>
+
+<file path=ppt/slideLayouts/slideLayout20.xml><?xml version="1.0" encoding="utf-8"?>
 <p:sldLayout xmlns:a="http://schemas.openxmlformats.org/drawingml/2006/main" xmlns:r="http://schemas.openxmlformats.org/officeDocument/2006/relationships" xmlns:p="http://schemas.openxmlformats.org/presentationml/2006/main" type="picTx" preserve="1">
   <p:cSld name="Picture with Caption">
     <p:spTree>
@@ -3925,8 +4536,8 @@
         </p:nvSpPr>
         <p:spPr>
           <a:xfrm>
-            <a:off x="1792288" y="4800600"/>
-            <a:ext cx="5486400" cy="566738"/>
+            <a:off x="1792288" y="4800601"/>
+            <a:ext cx="5486400" cy="566739"/>
           </a:xfrm>
         </p:spPr>
         <p:txBody>
@@ -3961,7 +4572,9 @@
           </a:xfrm>
         </p:spPr>
         <p:txBody>
-          <a:bodyPr/>
+          <a:bodyPr rtlCol="0">
+            <a:normAutofit/>
+          </a:bodyPr>
           <a:lstStyle>
             <a:lvl1pPr marL="0" indent="0">
               <a:buNone/>
@@ -4001,7 +4614,11 @@
             </a:lvl9pPr>
           </a:lstStyle>
           <a:p>
-            <a:endParaRPr lang="en-US"/>
+            <a:pPr lvl="0"/>
+            <a:r>
+              <a:rPr lang="en-US" noProof="0"/>
+              <a:t>Click icon to add picture</a:t>
+            </a:r>
           </a:p>
         </p:txBody>
       </p:sp>
@@ -4017,8 +4634,8 @@
         </p:nvSpPr>
         <p:spPr>
           <a:xfrm>
-            <a:off x="1792288" y="5367338"/>
-            <a:ext cx="5486400" cy="804862"/>
+            <a:off x="1792288" y="5367341"/>
+            <a:ext cx="5486400" cy="804863"/>
           </a:xfrm>
         </p:spPr>
         <p:txBody>
@@ -4072,7 +4689,7 @@
       </p:sp>
       <p:sp>
         <p:nvSpPr>
-          <p:cNvPr id="5" name="Date Placeholder 4"/>
+          <p:cNvPr id="5" name="Date Placeholder 3"/>
           <p:cNvSpPr>
             <a:spLocks noGrp="1"/>
           </p:cNvSpPr>
@@ -4083,12 +4700,589 @@
         <p:spPr/>
         <p:txBody>
           <a:bodyPr/>
+          <a:lstStyle>
+            <a:lvl1pPr>
+              <a:defRPr/>
+            </a:lvl1pPr>
+          </a:lstStyle>
+          <a:p>
+            <a:pPr>
+              <a:defRPr/>
+            </a:pPr>
+            <a:fld id="{9A62623F-4765-4759-9A73-D8655DC8D973}" type="datetimeFigureOut">
+              <a:rPr lang="en-US" smtClean="0"/>
+              <a:pPr>
+                <a:defRPr/>
+              </a:pPr>
+              <a:t>9/22/2017</a:t>
+            </a:fld>
+            <a:endParaRPr lang="en-US"/>
+          </a:p>
+        </p:txBody>
+      </p:sp>
+      <p:sp>
+        <p:nvSpPr>
+          <p:cNvPr id="6" name="Footer Placeholder 4"/>
+          <p:cNvSpPr>
+            <a:spLocks noGrp="1"/>
+          </p:cNvSpPr>
+          <p:nvPr>
+            <p:ph type="ftr" sz="quarter" idx="11"/>
+          </p:nvPr>
+        </p:nvSpPr>
+        <p:spPr/>
+        <p:txBody>
+          <a:bodyPr/>
+          <a:lstStyle>
+            <a:lvl1pPr>
+              <a:defRPr/>
+            </a:lvl1pPr>
+          </a:lstStyle>
+          <a:p>
+            <a:pPr>
+              <a:defRPr/>
+            </a:pPr>
+            <a:endParaRPr lang="en-US"/>
+          </a:p>
+        </p:txBody>
+      </p:sp>
+    </p:spTree>
+    <p:extLst>
+      <p:ext uri="{BB962C8B-B14F-4D97-AF65-F5344CB8AC3E}">
+        <p14:creationId xmlns:p14="http://schemas.microsoft.com/office/powerpoint/2010/main" val="1302853368"/>
+      </p:ext>
+    </p:extLst>
+  </p:cSld>
+  <p:clrMapOvr>
+    <a:masterClrMapping/>
+  </p:clrMapOvr>
+</p:sldLayout>
+</file>
+
+<file path=ppt/slideLayouts/slideLayout21.xml><?xml version="1.0" encoding="utf-8"?>
+<p:sldLayout xmlns:a="http://schemas.openxmlformats.org/drawingml/2006/main" xmlns:r="http://schemas.openxmlformats.org/officeDocument/2006/relationships" xmlns:p="http://schemas.openxmlformats.org/presentationml/2006/main" type="vertTx" preserve="1">
+  <p:cSld name="Title and Vertical Text">
+    <p:spTree>
+      <p:nvGrpSpPr>
+        <p:cNvPr id="1" name=""/>
+        <p:cNvGrpSpPr/>
+        <p:nvPr/>
+      </p:nvGrpSpPr>
+      <p:grpSpPr>
+        <a:xfrm>
+          <a:off x="0" y="0"/>
+          <a:ext cx="0" cy="0"/>
+          <a:chOff x="0" y="0"/>
+          <a:chExt cx="0" cy="0"/>
+        </a:xfrm>
+      </p:grpSpPr>
+      <p:sp>
+        <p:nvSpPr>
+          <p:cNvPr id="2" name="Title 1"/>
+          <p:cNvSpPr>
+            <a:spLocks noGrp="1"/>
+          </p:cNvSpPr>
+          <p:nvPr>
+            <p:ph type="title"/>
+          </p:nvPr>
+        </p:nvSpPr>
+        <p:spPr/>
+        <p:txBody>
+          <a:bodyPr/>
           <a:lstStyle/>
+          <a:p>
+            <a:r>
+              <a:rPr lang="en-US"/>
+              <a:t>Click to edit Master title style</a:t>
+            </a:r>
+          </a:p>
+        </p:txBody>
+      </p:sp>
+      <p:sp>
+        <p:nvSpPr>
+          <p:cNvPr id="3" name="Vertical Text Placeholder 2"/>
+          <p:cNvSpPr>
+            <a:spLocks noGrp="1"/>
+          </p:cNvSpPr>
+          <p:nvPr>
+            <p:ph type="body" orient="vert" idx="1"/>
+          </p:nvPr>
+        </p:nvSpPr>
+        <p:spPr/>
+        <p:txBody>
+          <a:bodyPr vert="eaVert"/>
+          <a:lstStyle/>
+          <a:p>
+            <a:pPr lvl="0"/>
+            <a:r>
+              <a:rPr lang="en-US"/>
+              <a:t>Click to edit Master text styles</a:t>
+            </a:r>
+          </a:p>
+          <a:p>
+            <a:pPr lvl="1"/>
+            <a:r>
+              <a:rPr lang="en-US"/>
+              <a:t>Second level</a:t>
+            </a:r>
+          </a:p>
+          <a:p>
+            <a:pPr lvl="2"/>
+            <a:r>
+              <a:rPr lang="en-US"/>
+              <a:t>Third level</a:t>
+            </a:r>
+          </a:p>
+          <a:p>
+            <a:pPr lvl="3"/>
+            <a:r>
+              <a:rPr lang="en-US"/>
+              <a:t>Fourth level</a:t>
+            </a:r>
+          </a:p>
+          <a:p>
+            <a:pPr lvl="4"/>
+            <a:r>
+              <a:rPr lang="en-US"/>
+              <a:t>Fifth level</a:t>
+            </a:r>
+          </a:p>
+        </p:txBody>
+      </p:sp>
+      <p:sp>
+        <p:nvSpPr>
+          <p:cNvPr id="4" name="Date Placeholder 3"/>
+          <p:cNvSpPr>
+            <a:spLocks noGrp="1"/>
+          </p:cNvSpPr>
+          <p:nvPr>
+            <p:ph type="dt" sz="half" idx="10"/>
+          </p:nvPr>
+        </p:nvSpPr>
+        <p:spPr/>
+        <p:txBody>
+          <a:bodyPr/>
+          <a:lstStyle>
+            <a:lvl1pPr>
+              <a:defRPr/>
+            </a:lvl1pPr>
+          </a:lstStyle>
+          <a:p>
+            <a:pPr>
+              <a:defRPr/>
+            </a:pPr>
+            <a:fld id="{B2ACF2FE-3FA7-4ABC-8D10-AB106564C9F6}" type="datetimeFigureOut">
+              <a:rPr lang="en-US" smtClean="0"/>
+              <a:pPr>
+                <a:defRPr/>
+              </a:pPr>
+              <a:t>9/22/2017</a:t>
+            </a:fld>
+            <a:endParaRPr lang="en-US"/>
+          </a:p>
+        </p:txBody>
+      </p:sp>
+      <p:sp>
+        <p:nvSpPr>
+          <p:cNvPr id="5" name="Footer Placeholder 4"/>
+          <p:cNvSpPr>
+            <a:spLocks noGrp="1"/>
+          </p:cNvSpPr>
+          <p:nvPr>
+            <p:ph type="ftr" sz="quarter" idx="11"/>
+          </p:nvPr>
+        </p:nvSpPr>
+        <p:spPr/>
+        <p:txBody>
+          <a:bodyPr/>
+          <a:lstStyle>
+            <a:lvl1pPr>
+              <a:defRPr/>
+            </a:lvl1pPr>
+          </a:lstStyle>
+          <a:p>
+            <a:pPr>
+              <a:defRPr/>
+            </a:pPr>
+            <a:endParaRPr lang="en-US"/>
+          </a:p>
+        </p:txBody>
+      </p:sp>
+    </p:spTree>
+    <p:extLst>
+      <p:ext uri="{BB962C8B-B14F-4D97-AF65-F5344CB8AC3E}">
+        <p14:creationId xmlns:p14="http://schemas.microsoft.com/office/powerpoint/2010/main" val="3151294547"/>
+      </p:ext>
+    </p:extLst>
+  </p:cSld>
+  <p:clrMapOvr>
+    <a:masterClrMapping/>
+  </p:clrMapOvr>
+</p:sldLayout>
+</file>
+
+<file path=ppt/slideLayouts/slideLayout22.xml><?xml version="1.0" encoding="utf-8"?>
+<p:sldLayout xmlns:a="http://schemas.openxmlformats.org/drawingml/2006/main" xmlns:r="http://schemas.openxmlformats.org/officeDocument/2006/relationships" xmlns:p="http://schemas.openxmlformats.org/presentationml/2006/main" type="vertTitleAndTx" preserve="1">
+  <p:cSld name="Vertical Title and Text">
+    <p:spTree>
+      <p:nvGrpSpPr>
+        <p:cNvPr id="1" name=""/>
+        <p:cNvGrpSpPr/>
+        <p:nvPr/>
+      </p:nvGrpSpPr>
+      <p:grpSpPr>
+        <a:xfrm>
+          <a:off x="0" y="0"/>
+          <a:ext cx="0" cy="0"/>
+          <a:chOff x="0" y="0"/>
+          <a:chExt cx="0" cy="0"/>
+        </a:xfrm>
+      </p:grpSpPr>
+      <p:sp>
+        <p:nvSpPr>
+          <p:cNvPr id="2" name="Vertical Title 1"/>
+          <p:cNvSpPr>
+            <a:spLocks noGrp="1"/>
+          </p:cNvSpPr>
+          <p:nvPr>
+            <p:ph type="title" orient="vert"/>
+          </p:nvPr>
+        </p:nvSpPr>
+        <p:spPr>
+          <a:xfrm>
+            <a:off x="6629400" y="206376"/>
+            <a:ext cx="2057400" cy="4387851"/>
+          </a:xfrm>
+        </p:spPr>
+        <p:txBody>
+          <a:bodyPr vert="eaVert"/>
+          <a:lstStyle/>
+          <a:p>
+            <a:r>
+              <a:rPr lang="en-US"/>
+              <a:t>Click to edit Master title style</a:t>
+            </a:r>
+          </a:p>
+        </p:txBody>
+      </p:sp>
+      <p:sp>
+        <p:nvSpPr>
+          <p:cNvPr id="3" name="Vertical Text Placeholder 2"/>
+          <p:cNvSpPr>
+            <a:spLocks noGrp="1"/>
+          </p:cNvSpPr>
+          <p:nvPr>
+            <p:ph type="body" orient="vert" idx="1"/>
+          </p:nvPr>
+        </p:nvSpPr>
+        <p:spPr>
+          <a:xfrm>
+            <a:off x="457200" y="206376"/>
+            <a:ext cx="6019800" cy="4387851"/>
+          </a:xfrm>
+        </p:spPr>
+        <p:txBody>
+          <a:bodyPr vert="eaVert"/>
+          <a:lstStyle/>
+          <a:p>
+            <a:pPr lvl="0"/>
+            <a:r>
+              <a:rPr lang="en-US"/>
+              <a:t>Click to edit Master text styles</a:t>
+            </a:r>
+          </a:p>
+          <a:p>
+            <a:pPr lvl="1"/>
+            <a:r>
+              <a:rPr lang="en-US"/>
+              <a:t>Second level</a:t>
+            </a:r>
+          </a:p>
+          <a:p>
+            <a:pPr lvl="2"/>
+            <a:r>
+              <a:rPr lang="en-US"/>
+              <a:t>Third level</a:t>
+            </a:r>
+          </a:p>
+          <a:p>
+            <a:pPr lvl="3"/>
+            <a:r>
+              <a:rPr lang="en-US"/>
+              <a:t>Fourth level</a:t>
+            </a:r>
+          </a:p>
+          <a:p>
+            <a:pPr lvl="4"/>
+            <a:r>
+              <a:rPr lang="en-US"/>
+              <a:t>Fifth level</a:t>
+            </a:r>
+          </a:p>
+        </p:txBody>
+      </p:sp>
+      <p:sp>
+        <p:nvSpPr>
+          <p:cNvPr id="4" name="Date Placeholder 3"/>
+          <p:cNvSpPr>
+            <a:spLocks noGrp="1"/>
+          </p:cNvSpPr>
+          <p:nvPr>
+            <p:ph type="dt" sz="half" idx="10"/>
+          </p:nvPr>
+        </p:nvSpPr>
+        <p:spPr/>
+        <p:txBody>
+          <a:bodyPr/>
+          <a:lstStyle>
+            <a:lvl1pPr>
+              <a:defRPr/>
+            </a:lvl1pPr>
+          </a:lstStyle>
+          <a:p>
+            <a:pPr>
+              <a:defRPr/>
+            </a:pPr>
+            <a:fld id="{7AD803F9-FDAA-4AD8-AB1F-AC9EA3FA17D9}" type="datetimeFigureOut">
+              <a:rPr lang="en-US" smtClean="0"/>
+              <a:pPr>
+                <a:defRPr/>
+              </a:pPr>
+              <a:t>9/22/2017</a:t>
+            </a:fld>
+            <a:endParaRPr lang="en-US"/>
+          </a:p>
+        </p:txBody>
+      </p:sp>
+      <p:sp>
+        <p:nvSpPr>
+          <p:cNvPr id="5" name="Footer Placeholder 4"/>
+          <p:cNvSpPr>
+            <a:spLocks noGrp="1"/>
+          </p:cNvSpPr>
+          <p:nvPr>
+            <p:ph type="ftr" sz="quarter" idx="11"/>
+          </p:nvPr>
+        </p:nvSpPr>
+        <p:spPr/>
+        <p:txBody>
+          <a:bodyPr/>
+          <a:lstStyle>
+            <a:lvl1pPr>
+              <a:defRPr/>
+            </a:lvl1pPr>
+          </a:lstStyle>
+          <a:p>
+            <a:pPr>
+              <a:defRPr/>
+            </a:pPr>
+            <a:endParaRPr lang="en-US"/>
+          </a:p>
+        </p:txBody>
+      </p:sp>
+    </p:spTree>
+    <p:extLst>
+      <p:ext uri="{BB962C8B-B14F-4D97-AF65-F5344CB8AC3E}">
+        <p14:creationId xmlns:p14="http://schemas.microsoft.com/office/powerpoint/2010/main" val="2039818272"/>
+      </p:ext>
+    </p:extLst>
+  </p:cSld>
+  <p:clrMapOvr>
+    <a:masterClrMapping/>
+  </p:clrMapOvr>
+</p:sldLayout>
+</file>
+
+<file path=ppt/slideLayouts/slideLayout3.xml><?xml version="1.0" encoding="utf-8"?>
+<p:sldLayout xmlns:a="http://schemas.openxmlformats.org/drawingml/2006/main" xmlns:r="http://schemas.openxmlformats.org/officeDocument/2006/relationships" xmlns:p="http://schemas.openxmlformats.org/presentationml/2006/main" type="secHead" preserve="1">
+  <p:cSld name="Section Header">
+    <p:spTree>
+      <p:nvGrpSpPr>
+        <p:cNvPr id="1" name=""/>
+        <p:cNvGrpSpPr/>
+        <p:nvPr/>
+      </p:nvGrpSpPr>
+      <p:grpSpPr>
+        <a:xfrm>
+          <a:off x="0" y="0"/>
+          <a:ext cx="0" cy="0"/>
+          <a:chOff x="0" y="0"/>
+          <a:chExt cx="0" cy="0"/>
+        </a:xfrm>
+      </p:grpSpPr>
+      <p:sp>
+        <p:nvSpPr>
+          <p:cNvPr id="2" name="Title 1"/>
+          <p:cNvSpPr>
+            <a:spLocks noGrp="1"/>
+          </p:cNvSpPr>
+          <p:nvPr>
+            <p:ph type="title"/>
+          </p:nvPr>
+        </p:nvSpPr>
+        <p:spPr>
+          <a:xfrm>
+            <a:off x="722313" y="4406901"/>
+            <a:ext cx="7772400" cy="1362075"/>
+          </a:xfrm>
+        </p:spPr>
+        <p:txBody>
+          <a:bodyPr anchor="t"/>
+          <a:lstStyle>
+            <a:lvl1pPr algn="l">
+              <a:defRPr sz="4000" b="1" cap="all"/>
+            </a:lvl1pPr>
+          </a:lstStyle>
+          <a:p>
+            <a:r>
+              <a:rPr lang="en-US"/>
+              <a:t>Click to edit Master title style</a:t>
+            </a:r>
+          </a:p>
+        </p:txBody>
+      </p:sp>
+      <p:sp>
+        <p:nvSpPr>
+          <p:cNvPr id="3" name="Text Placeholder 2"/>
+          <p:cNvSpPr>
+            <a:spLocks noGrp="1"/>
+          </p:cNvSpPr>
+          <p:nvPr>
+            <p:ph type="body" idx="1"/>
+          </p:nvPr>
+        </p:nvSpPr>
+        <p:spPr>
+          <a:xfrm>
+            <a:off x="722313" y="2906716"/>
+            <a:ext cx="7772400" cy="1500187"/>
+          </a:xfrm>
+        </p:spPr>
+        <p:txBody>
+          <a:bodyPr anchor="b"/>
+          <a:lstStyle>
+            <a:lvl1pPr marL="0" indent="0">
+              <a:buNone/>
+              <a:defRPr sz="2000">
+                <a:solidFill>
+                  <a:schemeClr val="tx1">
+                    <a:tint val="75000"/>
+                  </a:schemeClr>
+                </a:solidFill>
+              </a:defRPr>
+            </a:lvl1pPr>
+            <a:lvl2pPr marL="457200" indent="0">
+              <a:buNone/>
+              <a:defRPr sz="1800">
+                <a:solidFill>
+                  <a:schemeClr val="tx1">
+                    <a:tint val="75000"/>
+                  </a:schemeClr>
+                </a:solidFill>
+              </a:defRPr>
+            </a:lvl2pPr>
+            <a:lvl3pPr marL="914400" indent="0">
+              <a:buNone/>
+              <a:defRPr sz="1600">
+                <a:solidFill>
+                  <a:schemeClr val="tx1">
+                    <a:tint val="75000"/>
+                  </a:schemeClr>
+                </a:solidFill>
+              </a:defRPr>
+            </a:lvl3pPr>
+            <a:lvl4pPr marL="1371600" indent="0">
+              <a:buNone/>
+              <a:defRPr sz="1400">
+                <a:solidFill>
+                  <a:schemeClr val="tx1">
+                    <a:tint val="75000"/>
+                  </a:schemeClr>
+                </a:solidFill>
+              </a:defRPr>
+            </a:lvl4pPr>
+            <a:lvl5pPr marL="1828800" indent="0">
+              <a:buNone/>
+              <a:defRPr sz="1400">
+                <a:solidFill>
+                  <a:schemeClr val="tx1">
+                    <a:tint val="75000"/>
+                  </a:schemeClr>
+                </a:solidFill>
+              </a:defRPr>
+            </a:lvl5pPr>
+            <a:lvl6pPr marL="2286000" indent="0">
+              <a:buNone/>
+              <a:defRPr sz="1400">
+                <a:solidFill>
+                  <a:schemeClr val="tx1">
+                    <a:tint val="75000"/>
+                  </a:schemeClr>
+                </a:solidFill>
+              </a:defRPr>
+            </a:lvl6pPr>
+            <a:lvl7pPr marL="2743200" indent="0">
+              <a:buNone/>
+              <a:defRPr sz="1400">
+                <a:solidFill>
+                  <a:schemeClr val="tx1">
+                    <a:tint val="75000"/>
+                  </a:schemeClr>
+                </a:solidFill>
+              </a:defRPr>
+            </a:lvl7pPr>
+            <a:lvl8pPr marL="3200400" indent="0">
+              <a:buNone/>
+              <a:defRPr sz="1400">
+                <a:solidFill>
+                  <a:schemeClr val="tx1">
+                    <a:tint val="75000"/>
+                  </a:schemeClr>
+                </a:solidFill>
+              </a:defRPr>
+            </a:lvl8pPr>
+            <a:lvl9pPr marL="3657600" indent="0">
+              <a:buNone/>
+              <a:defRPr sz="1400">
+                <a:solidFill>
+                  <a:schemeClr val="tx1">
+                    <a:tint val="75000"/>
+                  </a:schemeClr>
+                </a:solidFill>
+              </a:defRPr>
+            </a:lvl9pPr>
+          </a:lstStyle>
+          <a:p>
+            <a:pPr lvl="0"/>
+            <a:r>
+              <a:rPr lang="en-US"/>
+              <a:t>Edit Master text styles</a:t>
+            </a:r>
+          </a:p>
+        </p:txBody>
+      </p:sp>
+      <p:sp>
+        <p:nvSpPr>
+          <p:cNvPr id="4" name="Date Placeholder 3"/>
+          <p:cNvSpPr>
+            <a:spLocks noGrp="1"/>
+          </p:cNvSpPr>
+          <p:nvPr>
+            <p:ph type="dt" sz="half" idx="10"/>
+          </p:nvPr>
+        </p:nvSpPr>
+        <p:spPr/>
+        <p:txBody>
+          <a:bodyPr/>
+          <a:lstStyle>
+            <a:lvl1pPr>
+              <a:defRPr/>
+            </a:lvl1pPr>
+          </a:lstStyle>
           <a:p>
             <a:fld id="{1D8BD707-D9CF-40AE-B4C6-C98DA3205C09}" type="datetimeFigureOut">
               <a:rPr lang="en-US" smtClean="0"/>
               <a:pPr/>
-              <a:t>7/22/2017</a:t>
+              <a:t>9/22/2017</a:t>
             </a:fld>
             <a:endParaRPr lang="en-US"/>
           </a:p>
@@ -4096,7 +5290,7 @@
       </p:sp>
       <p:sp>
         <p:nvSpPr>
-          <p:cNvPr id="6" name="Footer Placeholder 5"/>
+          <p:cNvPr id="5" name="Footer Placeholder 4"/>
           <p:cNvSpPr>
             <a:spLocks noGrp="1"/>
           </p:cNvSpPr>
@@ -4107,37 +5301,1392 @@
         <p:spPr/>
         <p:txBody>
           <a:bodyPr/>
+          <a:lstStyle>
+            <a:lvl1pPr>
+              <a:defRPr/>
+            </a:lvl1pPr>
+          </a:lstStyle>
+          <a:p>
+            <a:endParaRPr lang="en-US"/>
+          </a:p>
+        </p:txBody>
+      </p:sp>
+    </p:spTree>
+    <p:extLst>
+      <p:ext uri="{BB962C8B-B14F-4D97-AF65-F5344CB8AC3E}">
+        <p14:creationId xmlns:p14="http://schemas.microsoft.com/office/powerpoint/2010/main" val="206895818"/>
+      </p:ext>
+    </p:extLst>
+  </p:cSld>
+  <p:clrMapOvr>
+    <a:masterClrMapping/>
+  </p:clrMapOvr>
+</p:sldLayout>
+</file>
+
+<file path=ppt/slideLayouts/slideLayout4.xml><?xml version="1.0" encoding="utf-8"?>
+<p:sldLayout xmlns:a="http://schemas.openxmlformats.org/drawingml/2006/main" xmlns:r="http://schemas.openxmlformats.org/officeDocument/2006/relationships" xmlns:p="http://schemas.openxmlformats.org/presentationml/2006/main" type="twoObj" preserve="1">
+  <p:cSld name="Two Content">
+    <p:spTree>
+      <p:nvGrpSpPr>
+        <p:cNvPr id="1" name=""/>
+        <p:cNvGrpSpPr/>
+        <p:nvPr/>
+      </p:nvGrpSpPr>
+      <p:grpSpPr>
+        <a:xfrm>
+          <a:off x="0" y="0"/>
+          <a:ext cx="0" cy="0"/>
+          <a:chOff x="0" y="0"/>
+          <a:chExt cx="0" cy="0"/>
+        </a:xfrm>
+      </p:grpSpPr>
+      <p:sp>
+        <p:nvSpPr>
+          <p:cNvPr id="2" name="Title 1"/>
+          <p:cNvSpPr>
+            <a:spLocks noGrp="1"/>
+          </p:cNvSpPr>
+          <p:nvPr>
+            <p:ph type="title"/>
+          </p:nvPr>
+        </p:nvSpPr>
+        <p:spPr/>
+        <p:txBody>
+          <a:bodyPr/>
           <a:lstStyle/>
           <a:p>
-            <a:endParaRPr lang="en-US"/>
-          </a:p>
-        </p:txBody>
-      </p:sp>
-      <p:sp>
-        <p:nvSpPr>
-          <p:cNvPr id="7" name="Slide Number Placeholder 6"/>
-          <p:cNvSpPr>
-            <a:spLocks noGrp="1"/>
-          </p:cNvSpPr>
-          <p:nvPr>
-            <p:ph type="sldNum" sz="quarter" idx="12"/>
-          </p:nvPr>
-        </p:nvSpPr>
-        <p:spPr/>
-        <p:txBody>
-          <a:bodyPr/>
-          <a:lstStyle/>
-          <a:p>
-            <a:fld id="{B6F15528-21DE-4FAA-801E-634DDDAF4B2B}" type="slidenum">
+            <a:r>
+              <a:rPr lang="en-US"/>
+              <a:t>Click to edit Master title style</a:t>
+            </a:r>
+          </a:p>
+        </p:txBody>
+      </p:sp>
+      <p:sp>
+        <p:nvSpPr>
+          <p:cNvPr id="3" name="Content Placeholder 2"/>
+          <p:cNvSpPr>
+            <a:spLocks noGrp="1"/>
+          </p:cNvSpPr>
+          <p:nvPr>
+            <p:ph sz="half" idx="1"/>
+          </p:nvPr>
+        </p:nvSpPr>
+        <p:spPr>
+          <a:xfrm>
+            <a:off x="457200" y="1200152"/>
+            <a:ext cx="4038600" cy="3394075"/>
+          </a:xfrm>
+        </p:spPr>
+        <p:txBody>
+          <a:bodyPr/>
+          <a:lstStyle>
+            <a:lvl1pPr>
+              <a:defRPr sz="2800"/>
+            </a:lvl1pPr>
+            <a:lvl2pPr>
+              <a:defRPr sz="2400"/>
+            </a:lvl2pPr>
+            <a:lvl3pPr>
+              <a:defRPr sz="2000"/>
+            </a:lvl3pPr>
+            <a:lvl4pPr>
+              <a:defRPr sz="1800"/>
+            </a:lvl4pPr>
+            <a:lvl5pPr>
+              <a:defRPr sz="1800"/>
+            </a:lvl5pPr>
+            <a:lvl6pPr>
+              <a:defRPr sz="1800"/>
+            </a:lvl6pPr>
+            <a:lvl7pPr>
+              <a:defRPr sz="1800"/>
+            </a:lvl7pPr>
+            <a:lvl8pPr>
+              <a:defRPr sz="1800"/>
+            </a:lvl8pPr>
+            <a:lvl9pPr>
+              <a:defRPr sz="1800"/>
+            </a:lvl9pPr>
+          </a:lstStyle>
+          <a:p>
+            <a:pPr lvl="0"/>
+            <a:r>
+              <a:rPr lang="en-US"/>
+              <a:t>Edit Master text styles</a:t>
+            </a:r>
+          </a:p>
+          <a:p>
+            <a:pPr lvl="1"/>
+            <a:r>
+              <a:rPr lang="en-US"/>
+              <a:t>Second level</a:t>
+            </a:r>
+          </a:p>
+          <a:p>
+            <a:pPr lvl="2"/>
+            <a:r>
+              <a:rPr lang="en-US"/>
+              <a:t>Third level</a:t>
+            </a:r>
+          </a:p>
+          <a:p>
+            <a:pPr lvl="3"/>
+            <a:r>
+              <a:rPr lang="en-US"/>
+              <a:t>Fourth level</a:t>
+            </a:r>
+          </a:p>
+          <a:p>
+            <a:pPr lvl="4"/>
+            <a:r>
+              <a:rPr lang="en-US"/>
+              <a:t>Fifth level</a:t>
+            </a:r>
+          </a:p>
+        </p:txBody>
+      </p:sp>
+      <p:sp>
+        <p:nvSpPr>
+          <p:cNvPr id="4" name="Content Placeholder 3"/>
+          <p:cNvSpPr>
+            <a:spLocks noGrp="1"/>
+          </p:cNvSpPr>
+          <p:nvPr>
+            <p:ph sz="half" idx="2"/>
+          </p:nvPr>
+        </p:nvSpPr>
+        <p:spPr>
+          <a:xfrm>
+            <a:off x="4648200" y="1200152"/>
+            <a:ext cx="4038600" cy="3394075"/>
+          </a:xfrm>
+        </p:spPr>
+        <p:txBody>
+          <a:bodyPr/>
+          <a:lstStyle>
+            <a:lvl1pPr>
+              <a:defRPr sz="2800"/>
+            </a:lvl1pPr>
+            <a:lvl2pPr>
+              <a:defRPr sz="2400"/>
+            </a:lvl2pPr>
+            <a:lvl3pPr>
+              <a:defRPr sz="2000"/>
+            </a:lvl3pPr>
+            <a:lvl4pPr>
+              <a:defRPr sz="1800"/>
+            </a:lvl4pPr>
+            <a:lvl5pPr>
+              <a:defRPr sz="1800"/>
+            </a:lvl5pPr>
+            <a:lvl6pPr>
+              <a:defRPr sz="1800"/>
+            </a:lvl6pPr>
+            <a:lvl7pPr>
+              <a:defRPr sz="1800"/>
+            </a:lvl7pPr>
+            <a:lvl8pPr>
+              <a:defRPr sz="1800"/>
+            </a:lvl8pPr>
+            <a:lvl9pPr>
+              <a:defRPr sz="1800"/>
+            </a:lvl9pPr>
+          </a:lstStyle>
+          <a:p>
+            <a:pPr lvl="0"/>
+            <a:r>
+              <a:rPr lang="en-US"/>
+              <a:t>Edit Master text styles</a:t>
+            </a:r>
+          </a:p>
+          <a:p>
+            <a:pPr lvl="1"/>
+            <a:r>
+              <a:rPr lang="en-US"/>
+              <a:t>Second level</a:t>
+            </a:r>
+          </a:p>
+          <a:p>
+            <a:pPr lvl="2"/>
+            <a:r>
+              <a:rPr lang="en-US"/>
+              <a:t>Third level</a:t>
+            </a:r>
+          </a:p>
+          <a:p>
+            <a:pPr lvl="3"/>
+            <a:r>
+              <a:rPr lang="en-US"/>
+              <a:t>Fourth level</a:t>
+            </a:r>
+          </a:p>
+          <a:p>
+            <a:pPr lvl="4"/>
+            <a:r>
+              <a:rPr lang="en-US"/>
+              <a:t>Fifth level</a:t>
+            </a:r>
+          </a:p>
+        </p:txBody>
+      </p:sp>
+      <p:sp>
+        <p:nvSpPr>
+          <p:cNvPr id="5" name="Date Placeholder 3"/>
+          <p:cNvSpPr>
+            <a:spLocks noGrp="1"/>
+          </p:cNvSpPr>
+          <p:nvPr>
+            <p:ph type="dt" sz="half" idx="10"/>
+          </p:nvPr>
+        </p:nvSpPr>
+        <p:spPr/>
+        <p:txBody>
+          <a:bodyPr/>
+          <a:lstStyle>
+            <a:lvl1pPr>
+              <a:defRPr/>
+            </a:lvl1pPr>
+          </a:lstStyle>
+          <a:p>
+            <a:fld id="{1D8BD707-D9CF-40AE-B4C6-C98DA3205C09}" type="datetimeFigureOut">
               <a:rPr lang="en-US" smtClean="0"/>
               <a:pPr/>
-              <a:t>‹#›</a:t>
+              <a:t>9/22/2017</a:t>
             </a:fld>
             <a:endParaRPr lang="en-US"/>
           </a:p>
         </p:txBody>
       </p:sp>
+      <p:sp>
+        <p:nvSpPr>
+          <p:cNvPr id="6" name="Footer Placeholder 4"/>
+          <p:cNvSpPr>
+            <a:spLocks noGrp="1"/>
+          </p:cNvSpPr>
+          <p:nvPr>
+            <p:ph type="ftr" sz="quarter" idx="11"/>
+          </p:nvPr>
+        </p:nvSpPr>
+        <p:spPr/>
+        <p:txBody>
+          <a:bodyPr/>
+          <a:lstStyle>
+            <a:lvl1pPr>
+              <a:defRPr/>
+            </a:lvl1pPr>
+          </a:lstStyle>
+          <a:p>
+            <a:endParaRPr lang="en-US"/>
+          </a:p>
+        </p:txBody>
+      </p:sp>
     </p:spTree>
+    <p:extLst>
+      <p:ext uri="{BB962C8B-B14F-4D97-AF65-F5344CB8AC3E}">
+        <p14:creationId xmlns:p14="http://schemas.microsoft.com/office/powerpoint/2010/main" val="1540115196"/>
+      </p:ext>
+    </p:extLst>
+  </p:cSld>
+  <p:clrMapOvr>
+    <a:masterClrMapping/>
+  </p:clrMapOvr>
+</p:sldLayout>
+</file>
+
+<file path=ppt/slideLayouts/slideLayout5.xml><?xml version="1.0" encoding="utf-8"?>
+<p:sldLayout xmlns:a="http://schemas.openxmlformats.org/drawingml/2006/main" xmlns:r="http://schemas.openxmlformats.org/officeDocument/2006/relationships" xmlns:p="http://schemas.openxmlformats.org/presentationml/2006/main" type="twoTxTwoObj" preserve="1">
+  <p:cSld name="Comparison">
+    <p:spTree>
+      <p:nvGrpSpPr>
+        <p:cNvPr id="1" name=""/>
+        <p:cNvGrpSpPr/>
+        <p:nvPr/>
+      </p:nvGrpSpPr>
+      <p:grpSpPr>
+        <a:xfrm>
+          <a:off x="0" y="0"/>
+          <a:ext cx="0" cy="0"/>
+          <a:chOff x="0" y="0"/>
+          <a:chExt cx="0" cy="0"/>
+        </a:xfrm>
+      </p:grpSpPr>
+      <p:sp>
+        <p:nvSpPr>
+          <p:cNvPr id="2" name="Title 1"/>
+          <p:cNvSpPr>
+            <a:spLocks noGrp="1"/>
+          </p:cNvSpPr>
+          <p:nvPr>
+            <p:ph type="title"/>
+          </p:nvPr>
+        </p:nvSpPr>
+        <p:spPr>
+          <a:xfrm>
+            <a:off x="457200" y="274640"/>
+            <a:ext cx="8229600" cy="1143000"/>
+          </a:xfrm>
+        </p:spPr>
+        <p:txBody>
+          <a:bodyPr/>
+          <a:lstStyle>
+            <a:lvl1pPr>
+              <a:defRPr/>
+            </a:lvl1pPr>
+          </a:lstStyle>
+          <a:p>
+            <a:r>
+              <a:rPr lang="en-US"/>
+              <a:t>Click to edit Master title style</a:t>
+            </a:r>
+          </a:p>
+        </p:txBody>
+      </p:sp>
+      <p:sp>
+        <p:nvSpPr>
+          <p:cNvPr id="3" name="Text Placeholder 2"/>
+          <p:cNvSpPr>
+            <a:spLocks noGrp="1"/>
+          </p:cNvSpPr>
+          <p:nvPr>
+            <p:ph type="body" idx="1"/>
+          </p:nvPr>
+        </p:nvSpPr>
+        <p:spPr>
+          <a:xfrm>
+            <a:off x="457200" y="1535113"/>
+            <a:ext cx="4040188" cy="639763"/>
+          </a:xfrm>
+        </p:spPr>
+        <p:txBody>
+          <a:bodyPr anchor="b"/>
+          <a:lstStyle>
+            <a:lvl1pPr marL="0" indent="0">
+              <a:buNone/>
+              <a:defRPr sz="2400" b="1"/>
+            </a:lvl1pPr>
+            <a:lvl2pPr marL="457200" indent="0">
+              <a:buNone/>
+              <a:defRPr sz="2000" b="1"/>
+            </a:lvl2pPr>
+            <a:lvl3pPr marL="914400" indent="0">
+              <a:buNone/>
+              <a:defRPr sz="1800" b="1"/>
+            </a:lvl3pPr>
+            <a:lvl4pPr marL="1371600" indent="0">
+              <a:buNone/>
+              <a:defRPr sz="1600" b="1"/>
+            </a:lvl4pPr>
+            <a:lvl5pPr marL="1828800" indent="0">
+              <a:buNone/>
+              <a:defRPr sz="1600" b="1"/>
+            </a:lvl5pPr>
+            <a:lvl6pPr marL="2286000" indent="0">
+              <a:buNone/>
+              <a:defRPr sz="1600" b="1"/>
+            </a:lvl6pPr>
+            <a:lvl7pPr marL="2743200" indent="0">
+              <a:buNone/>
+              <a:defRPr sz="1600" b="1"/>
+            </a:lvl7pPr>
+            <a:lvl8pPr marL="3200400" indent="0">
+              <a:buNone/>
+              <a:defRPr sz="1600" b="1"/>
+            </a:lvl8pPr>
+            <a:lvl9pPr marL="3657600" indent="0">
+              <a:buNone/>
+              <a:defRPr sz="1600" b="1"/>
+            </a:lvl9pPr>
+          </a:lstStyle>
+          <a:p>
+            <a:pPr lvl="0"/>
+            <a:r>
+              <a:rPr lang="en-US"/>
+              <a:t>Edit Master text styles</a:t>
+            </a:r>
+          </a:p>
+        </p:txBody>
+      </p:sp>
+      <p:sp>
+        <p:nvSpPr>
+          <p:cNvPr id="4" name="Content Placeholder 3"/>
+          <p:cNvSpPr>
+            <a:spLocks noGrp="1"/>
+          </p:cNvSpPr>
+          <p:nvPr>
+            <p:ph sz="half" idx="2"/>
+          </p:nvPr>
+        </p:nvSpPr>
+        <p:spPr>
+          <a:xfrm>
+            <a:off x="457200" y="2174875"/>
+            <a:ext cx="4040188" cy="3951288"/>
+          </a:xfrm>
+        </p:spPr>
+        <p:txBody>
+          <a:bodyPr/>
+          <a:lstStyle>
+            <a:lvl1pPr>
+              <a:defRPr sz="2400"/>
+            </a:lvl1pPr>
+            <a:lvl2pPr>
+              <a:defRPr sz="2000"/>
+            </a:lvl2pPr>
+            <a:lvl3pPr>
+              <a:defRPr sz="1800"/>
+            </a:lvl3pPr>
+            <a:lvl4pPr>
+              <a:defRPr sz="1600"/>
+            </a:lvl4pPr>
+            <a:lvl5pPr>
+              <a:defRPr sz="1600"/>
+            </a:lvl5pPr>
+            <a:lvl6pPr>
+              <a:defRPr sz="1600"/>
+            </a:lvl6pPr>
+            <a:lvl7pPr>
+              <a:defRPr sz="1600"/>
+            </a:lvl7pPr>
+            <a:lvl8pPr>
+              <a:defRPr sz="1600"/>
+            </a:lvl8pPr>
+            <a:lvl9pPr>
+              <a:defRPr sz="1600"/>
+            </a:lvl9pPr>
+          </a:lstStyle>
+          <a:p>
+            <a:pPr lvl="0"/>
+            <a:r>
+              <a:rPr lang="en-US"/>
+              <a:t>Edit Master text styles</a:t>
+            </a:r>
+          </a:p>
+          <a:p>
+            <a:pPr lvl="1"/>
+            <a:r>
+              <a:rPr lang="en-US"/>
+              <a:t>Second level</a:t>
+            </a:r>
+          </a:p>
+          <a:p>
+            <a:pPr lvl="2"/>
+            <a:r>
+              <a:rPr lang="en-US"/>
+              <a:t>Third level</a:t>
+            </a:r>
+          </a:p>
+          <a:p>
+            <a:pPr lvl="3"/>
+            <a:r>
+              <a:rPr lang="en-US"/>
+              <a:t>Fourth level</a:t>
+            </a:r>
+          </a:p>
+          <a:p>
+            <a:pPr lvl="4"/>
+            <a:r>
+              <a:rPr lang="en-US"/>
+              <a:t>Fifth level</a:t>
+            </a:r>
+          </a:p>
+        </p:txBody>
+      </p:sp>
+      <p:sp>
+        <p:nvSpPr>
+          <p:cNvPr id="5" name="Text Placeholder 4"/>
+          <p:cNvSpPr>
+            <a:spLocks noGrp="1"/>
+          </p:cNvSpPr>
+          <p:nvPr>
+            <p:ph type="body" sz="quarter" idx="3"/>
+          </p:nvPr>
+        </p:nvSpPr>
+        <p:spPr>
+          <a:xfrm>
+            <a:off x="4645031" y="1535113"/>
+            <a:ext cx="4041775" cy="639763"/>
+          </a:xfrm>
+        </p:spPr>
+        <p:txBody>
+          <a:bodyPr anchor="b"/>
+          <a:lstStyle>
+            <a:lvl1pPr marL="0" indent="0">
+              <a:buNone/>
+              <a:defRPr sz="2400" b="1"/>
+            </a:lvl1pPr>
+            <a:lvl2pPr marL="457200" indent="0">
+              <a:buNone/>
+              <a:defRPr sz="2000" b="1"/>
+            </a:lvl2pPr>
+            <a:lvl3pPr marL="914400" indent="0">
+              <a:buNone/>
+              <a:defRPr sz="1800" b="1"/>
+            </a:lvl3pPr>
+            <a:lvl4pPr marL="1371600" indent="0">
+              <a:buNone/>
+              <a:defRPr sz="1600" b="1"/>
+            </a:lvl4pPr>
+            <a:lvl5pPr marL="1828800" indent="0">
+              <a:buNone/>
+              <a:defRPr sz="1600" b="1"/>
+            </a:lvl5pPr>
+            <a:lvl6pPr marL="2286000" indent="0">
+              <a:buNone/>
+              <a:defRPr sz="1600" b="1"/>
+            </a:lvl6pPr>
+            <a:lvl7pPr marL="2743200" indent="0">
+              <a:buNone/>
+              <a:defRPr sz="1600" b="1"/>
+            </a:lvl7pPr>
+            <a:lvl8pPr marL="3200400" indent="0">
+              <a:buNone/>
+              <a:defRPr sz="1600" b="1"/>
+            </a:lvl8pPr>
+            <a:lvl9pPr marL="3657600" indent="0">
+              <a:buNone/>
+              <a:defRPr sz="1600" b="1"/>
+            </a:lvl9pPr>
+          </a:lstStyle>
+          <a:p>
+            <a:pPr lvl="0"/>
+            <a:r>
+              <a:rPr lang="en-US"/>
+              <a:t>Edit Master text styles</a:t>
+            </a:r>
+          </a:p>
+        </p:txBody>
+      </p:sp>
+      <p:sp>
+        <p:nvSpPr>
+          <p:cNvPr id="6" name="Content Placeholder 5"/>
+          <p:cNvSpPr>
+            <a:spLocks noGrp="1"/>
+          </p:cNvSpPr>
+          <p:nvPr>
+            <p:ph sz="quarter" idx="4"/>
+          </p:nvPr>
+        </p:nvSpPr>
+        <p:spPr>
+          <a:xfrm>
+            <a:off x="4645031" y="2174875"/>
+            <a:ext cx="4041775" cy="3951288"/>
+          </a:xfrm>
+        </p:spPr>
+        <p:txBody>
+          <a:bodyPr/>
+          <a:lstStyle>
+            <a:lvl1pPr>
+              <a:defRPr sz="2400"/>
+            </a:lvl1pPr>
+            <a:lvl2pPr>
+              <a:defRPr sz="2000"/>
+            </a:lvl2pPr>
+            <a:lvl3pPr>
+              <a:defRPr sz="1800"/>
+            </a:lvl3pPr>
+            <a:lvl4pPr>
+              <a:defRPr sz="1600"/>
+            </a:lvl4pPr>
+            <a:lvl5pPr>
+              <a:defRPr sz="1600"/>
+            </a:lvl5pPr>
+            <a:lvl6pPr>
+              <a:defRPr sz="1600"/>
+            </a:lvl6pPr>
+            <a:lvl7pPr>
+              <a:defRPr sz="1600"/>
+            </a:lvl7pPr>
+            <a:lvl8pPr>
+              <a:defRPr sz="1600"/>
+            </a:lvl8pPr>
+            <a:lvl9pPr>
+              <a:defRPr sz="1600"/>
+            </a:lvl9pPr>
+          </a:lstStyle>
+          <a:p>
+            <a:pPr lvl="0"/>
+            <a:r>
+              <a:rPr lang="en-US"/>
+              <a:t>Edit Master text styles</a:t>
+            </a:r>
+          </a:p>
+          <a:p>
+            <a:pPr lvl="1"/>
+            <a:r>
+              <a:rPr lang="en-US"/>
+              <a:t>Second level</a:t>
+            </a:r>
+          </a:p>
+          <a:p>
+            <a:pPr lvl="2"/>
+            <a:r>
+              <a:rPr lang="en-US"/>
+              <a:t>Third level</a:t>
+            </a:r>
+          </a:p>
+          <a:p>
+            <a:pPr lvl="3"/>
+            <a:r>
+              <a:rPr lang="en-US"/>
+              <a:t>Fourth level</a:t>
+            </a:r>
+          </a:p>
+          <a:p>
+            <a:pPr lvl="4"/>
+            <a:r>
+              <a:rPr lang="en-US"/>
+              <a:t>Fifth level</a:t>
+            </a:r>
+          </a:p>
+        </p:txBody>
+      </p:sp>
+      <p:sp>
+        <p:nvSpPr>
+          <p:cNvPr id="7" name="Date Placeholder 3"/>
+          <p:cNvSpPr>
+            <a:spLocks noGrp="1"/>
+          </p:cNvSpPr>
+          <p:nvPr>
+            <p:ph type="dt" sz="half" idx="10"/>
+          </p:nvPr>
+        </p:nvSpPr>
+        <p:spPr/>
+        <p:txBody>
+          <a:bodyPr/>
+          <a:lstStyle>
+            <a:lvl1pPr>
+              <a:defRPr/>
+            </a:lvl1pPr>
+          </a:lstStyle>
+          <a:p>
+            <a:fld id="{1D8BD707-D9CF-40AE-B4C6-C98DA3205C09}" type="datetimeFigureOut">
+              <a:rPr lang="en-US" smtClean="0"/>
+              <a:pPr/>
+              <a:t>9/22/2017</a:t>
+            </a:fld>
+            <a:endParaRPr lang="en-US"/>
+          </a:p>
+        </p:txBody>
+      </p:sp>
+      <p:sp>
+        <p:nvSpPr>
+          <p:cNvPr id="8" name="Footer Placeholder 4"/>
+          <p:cNvSpPr>
+            <a:spLocks noGrp="1"/>
+          </p:cNvSpPr>
+          <p:nvPr>
+            <p:ph type="ftr" sz="quarter" idx="11"/>
+          </p:nvPr>
+        </p:nvSpPr>
+        <p:spPr/>
+        <p:txBody>
+          <a:bodyPr/>
+          <a:lstStyle>
+            <a:lvl1pPr>
+              <a:defRPr/>
+            </a:lvl1pPr>
+          </a:lstStyle>
+          <a:p>
+            <a:endParaRPr lang="en-US"/>
+          </a:p>
+        </p:txBody>
+      </p:sp>
+    </p:spTree>
+    <p:extLst>
+      <p:ext uri="{BB962C8B-B14F-4D97-AF65-F5344CB8AC3E}">
+        <p14:creationId xmlns:p14="http://schemas.microsoft.com/office/powerpoint/2010/main" val="4007092033"/>
+      </p:ext>
+    </p:extLst>
+  </p:cSld>
+  <p:clrMapOvr>
+    <a:masterClrMapping/>
+  </p:clrMapOvr>
+</p:sldLayout>
+</file>
+
+<file path=ppt/slideLayouts/slideLayout6.xml><?xml version="1.0" encoding="utf-8"?>
+<p:sldLayout xmlns:a="http://schemas.openxmlformats.org/drawingml/2006/main" xmlns:r="http://schemas.openxmlformats.org/officeDocument/2006/relationships" xmlns:p="http://schemas.openxmlformats.org/presentationml/2006/main" type="titleOnly" preserve="1">
+  <p:cSld name="Title Only">
+    <p:spTree>
+      <p:nvGrpSpPr>
+        <p:cNvPr id="1" name=""/>
+        <p:cNvGrpSpPr/>
+        <p:nvPr/>
+      </p:nvGrpSpPr>
+      <p:grpSpPr>
+        <a:xfrm>
+          <a:off x="0" y="0"/>
+          <a:ext cx="0" cy="0"/>
+          <a:chOff x="0" y="0"/>
+          <a:chExt cx="0" cy="0"/>
+        </a:xfrm>
+      </p:grpSpPr>
+      <p:sp>
+        <p:nvSpPr>
+          <p:cNvPr id="2" name="Title 1"/>
+          <p:cNvSpPr>
+            <a:spLocks noGrp="1"/>
+          </p:cNvSpPr>
+          <p:nvPr>
+            <p:ph type="title"/>
+          </p:nvPr>
+        </p:nvSpPr>
+        <p:spPr/>
+        <p:txBody>
+          <a:bodyPr/>
+          <a:lstStyle/>
+          <a:p>
+            <a:r>
+              <a:rPr lang="en-US"/>
+              <a:t>Click to edit Master title style</a:t>
+            </a:r>
+          </a:p>
+        </p:txBody>
+      </p:sp>
+      <p:sp>
+        <p:nvSpPr>
+          <p:cNvPr id="3" name="Date Placeholder 3"/>
+          <p:cNvSpPr>
+            <a:spLocks noGrp="1"/>
+          </p:cNvSpPr>
+          <p:nvPr>
+            <p:ph type="dt" sz="half" idx="10"/>
+          </p:nvPr>
+        </p:nvSpPr>
+        <p:spPr/>
+        <p:txBody>
+          <a:bodyPr/>
+          <a:lstStyle>
+            <a:lvl1pPr>
+              <a:defRPr/>
+            </a:lvl1pPr>
+          </a:lstStyle>
+          <a:p>
+            <a:fld id="{1D8BD707-D9CF-40AE-B4C6-C98DA3205C09}" type="datetimeFigureOut">
+              <a:rPr lang="en-US" smtClean="0"/>
+              <a:pPr/>
+              <a:t>9/22/2017</a:t>
+            </a:fld>
+            <a:endParaRPr lang="en-US"/>
+          </a:p>
+        </p:txBody>
+      </p:sp>
+      <p:sp>
+        <p:nvSpPr>
+          <p:cNvPr id="4" name="Footer Placeholder 4"/>
+          <p:cNvSpPr>
+            <a:spLocks noGrp="1"/>
+          </p:cNvSpPr>
+          <p:nvPr>
+            <p:ph type="ftr" sz="quarter" idx="11"/>
+          </p:nvPr>
+        </p:nvSpPr>
+        <p:spPr/>
+        <p:txBody>
+          <a:bodyPr/>
+          <a:lstStyle>
+            <a:lvl1pPr>
+              <a:defRPr/>
+            </a:lvl1pPr>
+          </a:lstStyle>
+          <a:p>
+            <a:endParaRPr lang="en-US"/>
+          </a:p>
+        </p:txBody>
+      </p:sp>
+    </p:spTree>
+    <p:extLst>
+      <p:ext uri="{BB962C8B-B14F-4D97-AF65-F5344CB8AC3E}">
+        <p14:creationId xmlns:p14="http://schemas.microsoft.com/office/powerpoint/2010/main" val="2432816847"/>
+      </p:ext>
+    </p:extLst>
+  </p:cSld>
+  <p:clrMapOvr>
+    <a:masterClrMapping/>
+  </p:clrMapOvr>
+</p:sldLayout>
+</file>
+
+<file path=ppt/slideLayouts/slideLayout7.xml><?xml version="1.0" encoding="utf-8"?>
+<p:sldLayout xmlns:a="http://schemas.openxmlformats.org/drawingml/2006/main" xmlns:r="http://schemas.openxmlformats.org/officeDocument/2006/relationships" xmlns:p="http://schemas.openxmlformats.org/presentationml/2006/main" type="blank" preserve="1">
+  <p:cSld name="Blank">
+    <p:spTree>
+      <p:nvGrpSpPr>
+        <p:cNvPr id="1" name=""/>
+        <p:cNvGrpSpPr/>
+        <p:nvPr/>
+      </p:nvGrpSpPr>
+      <p:grpSpPr>
+        <a:xfrm>
+          <a:off x="0" y="0"/>
+          <a:ext cx="0" cy="0"/>
+          <a:chOff x="0" y="0"/>
+          <a:chExt cx="0" cy="0"/>
+        </a:xfrm>
+      </p:grpSpPr>
+      <p:sp>
+        <p:nvSpPr>
+          <p:cNvPr id="2" name="Date Placeholder 3"/>
+          <p:cNvSpPr>
+            <a:spLocks noGrp="1"/>
+          </p:cNvSpPr>
+          <p:nvPr>
+            <p:ph type="dt" sz="half" idx="10"/>
+          </p:nvPr>
+        </p:nvSpPr>
+        <p:spPr/>
+        <p:txBody>
+          <a:bodyPr/>
+          <a:lstStyle>
+            <a:lvl1pPr>
+              <a:defRPr/>
+            </a:lvl1pPr>
+          </a:lstStyle>
+          <a:p>
+            <a:fld id="{1D8BD707-D9CF-40AE-B4C6-C98DA3205C09}" type="datetimeFigureOut">
+              <a:rPr lang="en-US" smtClean="0"/>
+              <a:pPr/>
+              <a:t>9/22/2017</a:t>
+            </a:fld>
+            <a:endParaRPr lang="en-US"/>
+          </a:p>
+        </p:txBody>
+      </p:sp>
+      <p:sp>
+        <p:nvSpPr>
+          <p:cNvPr id="3" name="Footer Placeholder 4"/>
+          <p:cNvSpPr>
+            <a:spLocks noGrp="1"/>
+          </p:cNvSpPr>
+          <p:nvPr>
+            <p:ph type="ftr" sz="quarter" idx="11"/>
+          </p:nvPr>
+        </p:nvSpPr>
+        <p:spPr/>
+        <p:txBody>
+          <a:bodyPr/>
+          <a:lstStyle>
+            <a:lvl1pPr>
+              <a:defRPr/>
+            </a:lvl1pPr>
+          </a:lstStyle>
+          <a:p>
+            <a:endParaRPr lang="en-US"/>
+          </a:p>
+        </p:txBody>
+      </p:sp>
+    </p:spTree>
+    <p:extLst>
+      <p:ext uri="{BB962C8B-B14F-4D97-AF65-F5344CB8AC3E}">
+        <p14:creationId xmlns:p14="http://schemas.microsoft.com/office/powerpoint/2010/main" val="2145246489"/>
+      </p:ext>
+    </p:extLst>
+  </p:cSld>
+  <p:clrMapOvr>
+    <a:masterClrMapping/>
+  </p:clrMapOvr>
+</p:sldLayout>
+</file>
+
+<file path=ppt/slideLayouts/slideLayout8.xml><?xml version="1.0" encoding="utf-8"?>
+<p:sldLayout xmlns:a="http://schemas.openxmlformats.org/drawingml/2006/main" xmlns:r="http://schemas.openxmlformats.org/officeDocument/2006/relationships" xmlns:p="http://schemas.openxmlformats.org/presentationml/2006/main" type="objTx" preserve="1">
+  <p:cSld name="Content with Caption">
+    <p:spTree>
+      <p:nvGrpSpPr>
+        <p:cNvPr id="1" name=""/>
+        <p:cNvGrpSpPr/>
+        <p:nvPr/>
+      </p:nvGrpSpPr>
+      <p:grpSpPr>
+        <a:xfrm>
+          <a:off x="0" y="0"/>
+          <a:ext cx="0" cy="0"/>
+          <a:chOff x="0" y="0"/>
+          <a:chExt cx="0" cy="0"/>
+        </a:xfrm>
+      </p:grpSpPr>
+      <p:sp>
+        <p:nvSpPr>
+          <p:cNvPr id="2" name="Title 1"/>
+          <p:cNvSpPr>
+            <a:spLocks noGrp="1"/>
+          </p:cNvSpPr>
+          <p:nvPr>
+            <p:ph type="title"/>
+          </p:nvPr>
+        </p:nvSpPr>
+        <p:spPr>
+          <a:xfrm>
+            <a:off x="457206" y="273052"/>
+            <a:ext cx="3008313" cy="1162051"/>
+          </a:xfrm>
+        </p:spPr>
+        <p:txBody>
+          <a:bodyPr anchor="b"/>
+          <a:lstStyle>
+            <a:lvl1pPr algn="l">
+              <a:defRPr sz="2000" b="1"/>
+            </a:lvl1pPr>
+          </a:lstStyle>
+          <a:p>
+            <a:r>
+              <a:rPr lang="en-US"/>
+              <a:t>Click to edit Master title style</a:t>
+            </a:r>
+          </a:p>
+        </p:txBody>
+      </p:sp>
+      <p:sp>
+        <p:nvSpPr>
+          <p:cNvPr id="3" name="Content Placeholder 2"/>
+          <p:cNvSpPr>
+            <a:spLocks noGrp="1"/>
+          </p:cNvSpPr>
+          <p:nvPr>
+            <p:ph idx="1"/>
+          </p:nvPr>
+        </p:nvSpPr>
+        <p:spPr>
+          <a:xfrm>
+            <a:off x="3575050" y="273053"/>
+            <a:ext cx="5111750" cy="5853113"/>
+          </a:xfrm>
+        </p:spPr>
+        <p:txBody>
+          <a:bodyPr/>
+          <a:lstStyle>
+            <a:lvl1pPr>
+              <a:defRPr sz="3200"/>
+            </a:lvl1pPr>
+            <a:lvl2pPr>
+              <a:defRPr sz="2800"/>
+            </a:lvl2pPr>
+            <a:lvl3pPr>
+              <a:defRPr sz="2400"/>
+            </a:lvl3pPr>
+            <a:lvl4pPr>
+              <a:defRPr sz="2000"/>
+            </a:lvl4pPr>
+            <a:lvl5pPr>
+              <a:defRPr sz="2000"/>
+            </a:lvl5pPr>
+            <a:lvl6pPr>
+              <a:defRPr sz="2000"/>
+            </a:lvl6pPr>
+            <a:lvl7pPr>
+              <a:defRPr sz="2000"/>
+            </a:lvl7pPr>
+            <a:lvl8pPr>
+              <a:defRPr sz="2000"/>
+            </a:lvl8pPr>
+            <a:lvl9pPr>
+              <a:defRPr sz="2000"/>
+            </a:lvl9pPr>
+          </a:lstStyle>
+          <a:p>
+            <a:pPr lvl="0"/>
+            <a:r>
+              <a:rPr lang="en-US"/>
+              <a:t>Edit Master text styles</a:t>
+            </a:r>
+          </a:p>
+          <a:p>
+            <a:pPr lvl="1"/>
+            <a:r>
+              <a:rPr lang="en-US"/>
+              <a:t>Second level</a:t>
+            </a:r>
+          </a:p>
+          <a:p>
+            <a:pPr lvl="2"/>
+            <a:r>
+              <a:rPr lang="en-US"/>
+              <a:t>Third level</a:t>
+            </a:r>
+          </a:p>
+          <a:p>
+            <a:pPr lvl="3"/>
+            <a:r>
+              <a:rPr lang="en-US"/>
+              <a:t>Fourth level</a:t>
+            </a:r>
+          </a:p>
+          <a:p>
+            <a:pPr lvl="4"/>
+            <a:r>
+              <a:rPr lang="en-US"/>
+              <a:t>Fifth level</a:t>
+            </a:r>
+          </a:p>
+        </p:txBody>
+      </p:sp>
+      <p:sp>
+        <p:nvSpPr>
+          <p:cNvPr id="4" name="Text Placeholder 3"/>
+          <p:cNvSpPr>
+            <a:spLocks noGrp="1"/>
+          </p:cNvSpPr>
+          <p:nvPr>
+            <p:ph type="body" sz="half" idx="2"/>
+          </p:nvPr>
+        </p:nvSpPr>
+        <p:spPr>
+          <a:xfrm>
+            <a:off x="457206" y="1435104"/>
+            <a:ext cx="3008313" cy="4691063"/>
+          </a:xfrm>
+        </p:spPr>
+        <p:txBody>
+          <a:bodyPr/>
+          <a:lstStyle>
+            <a:lvl1pPr marL="0" indent="0">
+              <a:buNone/>
+              <a:defRPr sz="1400"/>
+            </a:lvl1pPr>
+            <a:lvl2pPr marL="457200" indent="0">
+              <a:buNone/>
+              <a:defRPr sz="1200"/>
+            </a:lvl2pPr>
+            <a:lvl3pPr marL="914400" indent="0">
+              <a:buNone/>
+              <a:defRPr sz="1000"/>
+            </a:lvl3pPr>
+            <a:lvl4pPr marL="1371600" indent="0">
+              <a:buNone/>
+              <a:defRPr sz="900"/>
+            </a:lvl4pPr>
+            <a:lvl5pPr marL="1828800" indent="0">
+              <a:buNone/>
+              <a:defRPr sz="900"/>
+            </a:lvl5pPr>
+            <a:lvl6pPr marL="2286000" indent="0">
+              <a:buNone/>
+              <a:defRPr sz="900"/>
+            </a:lvl6pPr>
+            <a:lvl7pPr marL="2743200" indent="0">
+              <a:buNone/>
+              <a:defRPr sz="900"/>
+            </a:lvl7pPr>
+            <a:lvl8pPr marL="3200400" indent="0">
+              <a:buNone/>
+              <a:defRPr sz="900"/>
+            </a:lvl8pPr>
+            <a:lvl9pPr marL="3657600" indent="0">
+              <a:buNone/>
+              <a:defRPr sz="900"/>
+            </a:lvl9pPr>
+          </a:lstStyle>
+          <a:p>
+            <a:pPr lvl="0"/>
+            <a:r>
+              <a:rPr lang="en-US"/>
+              <a:t>Edit Master text styles</a:t>
+            </a:r>
+          </a:p>
+        </p:txBody>
+      </p:sp>
+      <p:sp>
+        <p:nvSpPr>
+          <p:cNvPr id="5" name="Date Placeholder 3"/>
+          <p:cNvSpPr>
+            <a:spLocks noGrp="1"/>
+          </p:cNvSpPr>
+          <p:nvPr>
+            <p:ph type="dt" sz="half" idx="10"/>
+          </p:nvPr>
+        </p:nvSpPr>
+        <p:spPr/>
+        <p:txBody>
+          <a:bodyPr/>
+          <a:lstStyle>
+            <a:lvl1pPr>
+              <a:defRPr/>
+            </a:lvl1pPr>
+          </a:lstStyle>
+          <a:p>
+            <a:fld id="{1D8BD707-D9CF-40AE-B4C6-C98DA3205C09}" type="datetimeFigureOut">
+              <a:rPr lang="en-US" smtClean="0"/>
+              <a:pPr/>
+              <a:t>9/22/2017</a:t>
+            </a:fld>
+            <a:endParaRPr lang="en-US"/>
+          </a:p>
+        </p:txBody>
+      </p:sp>
+      <p:sp>
+        <p:nvSpPr>
+          <p:cNvPr id="6" name="Footer Placeholder 4"/>
+          <p:cNvSpPr>
+            <a:spLocks noGrp="1"/>
+          </p:cNvSpPr>
+          <p:nvPr>
+            <p:ph type="ftr" sz="quarter" idx="11"/>
+          </p:nvPr>
+        </p:nvSpPr>
+        <p:spPr/>
+        <p:txBody>
+          <a:bodyPr/>
+          <a:lstStyle>
+            <a:lvl1pPr>
+              <a:defRPr/>
+            </a:lvl1pPr>
+          </a:lstStyle>
+          <a:p>
+            <a:endParaRPr lang="en-US"/>
+          </a:p>
+        </p:txBody>
+      </p:sp>
+    </p:spTree>
+    <p:extLst>
+      <p:ext uri="{BB962C8B-B14F-4D97-AF65-F5344CB8AC3E}">
+        <p14:creationId xmlns:p14="http://schemas.microsoft.com/office/powerpoint/2010/main" val="1913340993"/>
+      </p:ext>
+    </p:extLst>
+  </p:cSld>
+  <p:clrMapOvr>
+    <a:masterClrMapping/>
+  </p:clrMapOvr>
+</p:sldLayout>
+</file>
+
+<file path=ppt/slideLayouts/slideLayout9.xml><?xml version="1.0" encoding="utf-8"?>
+<p:sldLayout xmlns:a="http://schemas.openxmlformats.org/drawingml/2006/main" xmlns:r="http://schemas.openxmlformats.org/officeDocument/2006/relationships" xmlns:p="http://schemas.openxmlformats.org/presentationml/2006/main" type="picTx" preserve="1">
+  <p:cSld name="Picture with Caption">
+    <p:spTree>
+      <p:nvGrpSpPr>
+        <p:cNvPr id="1" name=""/>
+        <p:cNvGrpSpPr/>
+        <p:nvPr/>
+      </p:nvGrpSpPr>
+      <p:grpSpPr>
+        <a:xfrm>
+          <a:off x="0" y="0"/>
+          <a:ext cx="0" cy="0"/>
+          <a:chOff x="0" y="0"/>
+          <a:chExt cx="0" cy="0"/>
+        </a:xfrm>
+      </p:grpSpPr>
+      <p:sp>
+        <p:nvSpPr>
+          <p:cNvPr id="2" name="Title 1"/>
+          <p:cNvSpPr>
+            <a:spLocks noGrp="1"/>
+          </p:cNvSpPr>
+          <p:nvPr>
+            <p:ph type="title"/>
+          </p:nvPr>
+        </p:nvSpPr>
+        <p:spPr>
+          <a:xfrm>
+            <a:off x="1792288" y="4800601"/>
+            <a:ext cx="5486400" cy="566739"/>
+          </a:xfrm>
+        </p:spPr>
+        <p:txBody>
+          <a:bodyPr anchor="b"/>
+          <a:lstStyle>
+            <a:lvl1pPr algn="l">
+              <a:defRPr sz="2000" b="1"/>
+            </a:lvl1pPr>
+          </a:lstStyle>
+          <a:p>
+            <a:r>
+              <a:rPr lang="en-US"/>
+              <a:t>Click to edit Master title style</a:t>
+            </a:r>
+          </a:p>
+        </p:txBody>
+      </p:sp>
+      <p:sp>
+        <p:nvSpPr>
+          <p:cNvPr id="3" name="Picture Placeholder 2"/>
+          <p:cNvSpPr>
+            <a:spLocks noGrp="1"/>
+          </p:cNvSpPr>
+          <p:nvPr>
+            <p:ph type="pic" idx="1"/>
+          </p:nvPr>
+        </p:nvSpPr>
+        <p:spPr>
+          <a:xfrm>
+            <a:off x="1792288" y="612775"/>
+            <a:ext cx="5486400" cy="4114800"/>
+          </a:xfrm>
+        </p:spPr>
+        <p:txBody>
+          <a:bodyPr rtlCol="0">
+            <a:normAutofit/>
+          </a:bodyPr>
+          <a:lstStyle>
+            <a:lvl1pPr marL="0" indent="0">
+              <a:buNone/>
+              <a:defRPr sz="3200"/>
+            </a:lvl1pPr>
+            <a:lvl2pPr marL="457200" indent="0">
+              <a:buNone/>
+              <a:defRPr sz="2800"/>
+            </a:lvl2pPr>
+            <a:lvl3pPr marL="914400" indent="0">
+              <a:buNone/>
+              <a:defRPr sz="2400"/>
+            </a:lvl3pPr>
+            <a:lvl4pPr marL="1371600" indent="0">
+              <a:buNone/>
+              <a:defRPr sz="2000"/>
+            </a:lvl4pPr>
+            <a:lvl5pPr marL="1828800" indent="0">
+              <a:buNone/>
+              <a:defRPr sz="2000"/>
+            </a:lvl5pPr>
+            <a:lvl6pPr marL="2286000" indent="0">
+              <a:buNone/>
+              <a:defRPr sz="2000"/>
+            </a:lvl6pPr>
+            <a:lvl7pPr marL="2743200" indent="0">
+              <a:buNone/>
+              <a:defRPr sz="2000"/>
+            </a:lvl7pPr>
+            <a:lvl8pPr marL="3200400" indent="0">
+              <a:buNone/>
+              <a:defRPr sz="2000"/>
+            </a:lvl8pPr>
+            <a:lvl9pPr marL="3657600" indent="0">
+              <a:buNone/>
+              <a:defRPr sz="2000"/>
+            </a:lvl9pPr>
+          </a:lstStyle>
+          <a:p>
+            <a:pPr lvl="0"/>
+            <a:r>
+              <a:rPr lang="en-US" noProof="0"/>
+              <a:t>Click icon to add picture</a:t>
+            </a:r>
+          </a:p>
+        </p:txBody>
+      </p:sp>
+      <p:sp>
+        <p:nvSpPr>
+          <p:cNvPr id="4" name="Text Placeholder 3"/>
+          <p:cNvSpPr>
+            <a:spLocks noGrp="1"/>
+          </p:cNvSpPr>
+          <p:nvPr>
+            <p:ph type="body" sz="half" idx="2"/>
+          </p:nvPr>
+        </p:nvSpPr>
+        <p:spPr>
+          <a:xfrm>
+            <a:off x="1792288" y="5367341"/>
+            <a:ext cx="5486400" cy="804863"/>
+          </a:xfrm>
+        </p:spPr>
+        <p:txBody>
+          <a:bodyPr/>
+          <a:lstStyle>
+            <a:lvl1pPr marL="0" indent="0">
+              <a:buNone/>
+              <a:defRPr sz="1400"/>
+            </a:lvl1pPr>
+            <a:lvl2pPr marL="457200" indent="0">
+              <a:buNone/>
+              <a:defRPr sz="1200"/>
+            </a:lvl2pPr>
+            <a:lvl3pPr marL="914400" indent="0">
+              <a:buNone/>
+              <a:defRPr sz="1000"/>
+            </a:lvl3pPr>
+            <a:lvl4pPr marL="1371600" indent="0">
+              <a:buNone/>
+              <a:defRPr sz="900"/>
+            </a:lvl4pPr>
+            <a:lvl5pPr marL="1828800" indent="0">
+              <a:buNone/>
+              <a:defRPr sz="900"/>
+            </a:lvl5pPr>
+            <a:lvl6pPr marL="2286000" indent="0">
+              <a:buNone/>
+              <a:defRPr sz="900"/>
+            </a:lvl6pPr>
+            <a:lvl7pPr marL="2743200" indent="0">
+              <a:buNone/>
+              <a:defRPr sz="900"/>
+            </a:lvl7pPr>
+            <a:lvl8pPr marL="3200400" indent="0">
+              <a:buNone/>
+              <a:defRPr sz="900"/>
+            </a:lvl8pPr>
+            <a:lvl9pPr marL="3657600" indent="0">
+              <a:buNone/>
+              <a:defRPr sz="900"/>
+            </a:lvl9pPr>
+          </a:lstStyle>
+          <a:p>
+            <a:pPr lvl="0"/>
+            <a:r>
+              <a:rPr lang="en-US"/>
+              <a:t>Edit Master text styles</a:t>
+            </a:r>
+          </a:p>
+        </p:txBody>
+      </p:sp>
+      <p:sp>
+        <p:nvSpPr>
+          <p:cNvPr id="5" name="Date Placeholder 3"/>
+          <p:cNvSpPr>
+            <a:spLocks noGrp="1"/>
+          </p:cNvSpPr>
+          <p:nvPr>
+            <p:ph type="dt" sz="half" idx="10"/>
+          </p:nvPr>
+        </p:nvSpPr>
+        <p:spPr/>
+        <p:txBody>
+          <a:bodyPr/>
+          <a:lstStyle>
+            <a:lvl1pPr>
+              <a:defRPr/>
+            </a:lvl1pPr>
+          </a:lstStyle>
+          <a:p>
+            <a:fld id="{1D8BD707-D9CF-40AE-B4C6-C98DA3205C09}" type="datetimeFigureOut">
+              <a:rPr lang="en-US" smtClean="0"/>
+              <a:pPr/>
+              <a:t>9/22/2017</a:t>
+            </a:fld>
+            <a:endParaRPr lang="en-US"/>
+          </a:p>
+        </p:txBody>
+      </p:sp>
+      <p:sp>
+        <p:nvSpPr>
+          <p:cNvPr id="6" name="Footer Placeholder 4"/>
+          <p:cNvSpPr>
+            <a:spLocks noGrp="1"/>
+          </p:cNvSpPr>
+          <p:nvPr>
+            <p:ph type="ftr" sz="quarter" idx="11"/>
+          </p:nvPr>
+        </p:nvSpPr>
+        <p:spPr/>
+        <p:txBody>
+          <a:bodyPr/>
+          <a:lstStyle>
+            <a:lvl1pPr>
+              <a:defRPr/>
+            </a:lvl1pPr>
+          </a:lstStyle>
+          <a:p>
+            <a:endParaRPr lang="en-US"/>
+          </a:p>
+        </p:txBody>
+      </p:sp>
+    </p:spTree>
+    <p:extLst>
+      <p:ext uri="{BB962C8B-B14F-4D97-AF65-F5344CB8AC3E}">
+        <p14:creationId xmlns:p14="http://schemas.microsoft.com/office/powerpoint/2010/main" val="1160583089"/>
+      </p:ext>
+    </p:extLst>
   </p:cSld>
   <p:clrMapOvr>
     <a:masterClrMapping/>
@@ -4149,9 +6698,18 @@
 <p:sldMaster xmlns:a="http://schemas.openxmlformats.org/drawingml/2006/main" xmlns:r="http://schemas.openxmlformats.org/officeDocument/2006/relationships" xmlns:p="http://schemas.openxmlformats.org/presentationml/2006/main">
   <p:cSld>
     <p:bg>
-      <p:bgRef idx="1001">
-        <a:schemeClr val="bg1"/>
-      </p:bgRef>
+      <p:bgPr>
+        <a:blipFill dpi="0" rotWithShape="0">
+          <a:blip r:embed="rId13">
+            <a:lum/>
+          </a:blip>
+          <a:srcRect/>
+          <a:stretch>
+            <a:fillRect/>
+          </a:stretch>
+        </a:blipFill>
+        <a:effectLst/>
+      </p:bgPr>
     </p:bg>
     <p:spTree>
       <p:nvGrpSpPr>
@@ -4169,7 +6727,7 @@
       </p:grpSpPr>
       <p:sp>
         <p:nvSpPr>
-          <p:cNvPr id="2" name="Title Placeholder 1"/>
+          <p:cNvPr id="1026" name="Title Placeholder 1"/>
           <p:cNvSpPr>
             <a:spLocks noGrp="1"/>
           </p:cNvSpPr>
@@ -4177,31 +6735,42 @@
             <p:ph type="title"/>
           </p:nvPr>
         </p:nvSpPr>
-        <p:spPr>
+        <p:spPr bwMode="auto">
           <a:xfrm>
-            <a:off x="457200" y="274638"/>
+            <a:off x="457200" y="274639"/>
             <a:ext cx="8229600" cy="1143000"/>
           </a:xfrm>
           <a:prstGeom prst="rect">
             <a:avLst/>
           </a:prstGeom>
+          <a:noFill/>
+          <a:ln w="9525">
+            <a:noFill/>
+            <a:miter lim="800000"/>
+            <a:headEnd/>
+            <a:tailEnd/>
+          </a:ln>
         </p:spPr>
         <p:txBody>
-          <a:bodyPr vert="horz" lIns="91440" tIns="45720" rIns="91440" bIns="45720" rtlCol="0" anchor="ctr">
-            <a:normAutofit/>
+          <a:bodyPr vert="horz" wrap="square" lIns="91440" tIns="45720" rIns="91440" bIns="45720" numCol="1" anchor="ctr" anchorCtr="0" compatLnSpc="1">
+            <a:prstTxWarp prst="textNoShape">
+              <a:avLst/>
+            </a:prstTxWarp>
           </a:bodyPr>
           <a:lstStyle/>
           <a:p>
+            <a:pPr lvl="0"/>
             <a:r>
               <a:rPr lang="en-US"/>
               <a:t>Click to edit Master title style</a:t>
             </a:r>
-          </a:p>
-        </p:txBody>
-      </p:sp>
-      <p:sp>
-        <p:nvSpPr>
-          <p:cNvPr id="3" name="Text Placeholder 2"/>
+            <a:endParaRPr lang="en-US" dirty="0"/>
+          </a:p>
+        </p:txBody>
+      </p:sp>
+      <p:sp>
+        <p:nvSpPr>
+          <p:cNvPr id="1027" name="Text Placeholder 2"/>
           <p:cNvSpPr>
             <a:spLocks noGrp="1"/>
           </p:cNvSpPr>
@@ -4209,25 +6778,34 @@
             <p:ph type="body" idx="1"/>
           </p:nvPr>
         </p:nvSpPr>
-        <p:spPr>
+        <p:spPr bwMode="auto">
           <a:xfrm>
-            <a:off x="457200" y="1600200"/>
+            <a:off x="457200" y="1600201"/>
             <a:ext cx="8229600" cy="4525963"/>
           </a:xfrm>
           <a:prstGeom prst="rect">
             <a:avLst/>
           </a:prstGeom>
+          <a:noFill/>
+          <a:ln w="9525">
+            <a:noFill/>
+            <a:miter lim="800000"/>
+            <a:headEnd/>
+            <a:tailEnd/>
+          </a:ln>
         </p:spPr>
         <p:txBody>
-          <a:bodyPr vert="horz" lIns="91440" tIns="45720" rIns="91440" bIns="45720" rtlCol="0">
-            <a:normAutofit/>
+          <a:bodyPr vert="horz" wrap="square" lIns="91440" tIns="45720" rIns="91440" bIns="45720" numCol="1" anchor="t" anchorCtr="0" compatLnSpc="1">
+            <a:prstTxWarp prst="textNoShape">
+              <a:avLst/>
+            </a:prstTxWarp>
           </a:bodyPr>
           <a:lstStyle/>
           <a:p>
             <a:pPr lvl="0"/>
             <a:r>
               <a:rPr lang="en-US"/>
-              <a:t>Click to edit Master text styles</a:t>
+              <a:t>Edit Master text styles</a:t>
             </a:r>
           </a:p>
           <a:p>
@@ -4257,6 +6835,7 @@
               <a:rPr lang="en-US"/>
               <a:t>Fifth level</a:t>
             </a:r>
+            <a:endParaRPr lang="en-US" dirty="0"/>
           </a:p>
         </p:txBody>
       </p:sp>
@@ -4272,7 +6851,7 @@
         </p:nvSpPr>
         <p:spPr>
           <a:xfrm>
-            <a:off x="457200" y="6356350"/>
+            <a:off x="457200" y="6356351"/>
             <a:ext cx="2133600" cy="365125"/>
           </a:xfrm>
           <a:prstGeom prst="rect">
@@ -4282,146 +6861,434 @@
         <p:txBody>
           <a:bodyPr vert="horz" lIns="91440" tIns="45720" rIns="91440" bIns="45720" rtlCol="0" anchor="ctr"/>
           <a:lstStyle>
-            <a:lvl1pPr algn="l">
+            <a:lvl1pPr algn="l" fontAlgn="auto">
+              <a:spcBef>
+                <a:spcPts val="0"/>
+              </a:spcBef>
+              <a:spcAft>
+                <a:spcPts val="0"/>
+              </a:spcAft>
+              <a:defRPr sz="1200" smtClean="0">
+                <a:solidFill>
+                  <a:schemeClr val="tx1">
+                    <a:tint val="75000"/>
+                  </a:schemeClr>
+                </a:solidFill>
+                <a:latin typeface="+mn-lt"/>
+                <a:ea typeface="+mn-ea"/>
+                <a:cs typeface="+mn-cs"/>
+              </a:defRPr>
+            </a:lvl1pPr>
+          </a:lstStyle>
+          <a:p>
+            <a:fld id="{1D8BD707-D9CF-40AE-B4C6-C98DA3205C09}" type="datetimeFigureOut">
+              <a:rPr lang="en-US" smtClean="0"/>
+              <a:pPr/>
+              <a:t>9/22/2017</a:t>
+            </a:fld>
+            <a:endParaRPr lang="en-US"/>
+          </a:p>
+        </p:txBody>
+      </p:sp>
+      <p:sp>
+        <p:nvSpPr>
+          <p:cNvPr id="5" name="Footer Placeholder 4"/>
+          <p:cNvSpPr>
+            <a:spLocks noGrp="1"/>
+          </p:cNvSpPr>
+          <p:nvPr>
+            <p:ph type="ftr" sz="quarter" idx="3"/>
+          </p:nvPr>
+        </p:nvSpPr>
+        <p:spPr>
+          <a:xfrm>
+            <a:off x="3124200" y="6356351"/>
+            <a:ext cx="2895600" cy="365125"/>
+          </a:xfrm>
+          <a:prstGeom prst="rect">
+            <a:avLst/>
+          </a:prstGeom>
+        </p:spPr>
+        <p:txBody>
+          <a:bodyPr vert="horz" lIns="91440" tIns="45720" rIns="91440" bIns="45720" rtlCol="0" anchor="ctr"/>
+          <a:lstStyle>
+            <a:lvl1pPr algn="ctr" fontAlgn="auto">
+              <a:spcBef>
+                <a:spcPts val="0"/>
+              </a:spcBef>
+              <a:spcAft>
+                <a:spcPts val="0"/>
+              </a:spcAft>
               <a:defRPr sz="1200">
                 <a:solidFill>
                   <a:schemeClr val="tx1">
                     <a:tint val="75000"/>
                   </a:schemeClr>
                 </a:solidFill>
+                <a:latin typeface="+mn-lt"/>
+                <a:ea typeface="+mn-ea"/>
+                <a:cs typeface="+mn-cs"/>
               </a:defRPr>
             </a:lvl1pPr>
           </a:lstStyle>
           <a:p>
-            <a:fld id="{1D8BD707-D9CF-40AE-B4C6-C98DA3205C09}" type="datetimeFigureOut">
-              <a:rPr lang="en-US" smtClean="0"/>
-              <a:pPr/>
-              <a:t>7/22/2017</a:t>
-            </a:fld>
             <a:endParaRPr lang="en-US"/>
           </a:p>
         </p:txBody>
       </p:sp>
-      <p:sp>
-        <p:nvSpPr>
-          <p:cNvPr id="5" name="Footer Placeholder 4"/>
-          <p:cNvSpPr>
-            <a:spLocks noGrp="1"/>
-          </p:cNvSpPr>
-          <p:nvPr>
-            <p:ph type="ftr" sz="quarter" idx="3"/>
-          </p:nvPr>
-        </p:nvSpPr>
-        <p:spPr>
-          <a:xfrm>
-            <a:off x="3124200" y="6356350"/>
-            <a:ext cx="2895600" cy="365125"/>
-          </a:xfrm>
-          <a:prstGeom prst="rect">
-            <a:avLst/>
-          </a:prstGeom>
-        </p:spPr>
-        <p:txBody>
-          <a:bodyPr vert="horz" lIns="91440" tIns="45720" rIns="91440" bIns="45720" rtlCol="0" anchor="ctr"/>
-          <a:lstStyle>
-            <a:lvl1pPr algn="ctr">
-              <a:defRPr sz="1200">
-                <a:solidFill>
-                  <a:schemeClr val="tx1">
-                    <a:tint val="75000"/>
-                  </a:schemeClr>
-                </a:solidFill>
-              </a:defRPr>
-            </a:lvl1pPr>
-          </a:lstStyle>
-          <a:p>
-            <a:endParaRPr lang="en-US"/>
-          </a:p>
-        </p:txBody>
-      </p:sp>
-      <p:sp>
-        <p:nvSpPr>
-          <p:cNvPr id="6" name="Slide Number Placeholder 5"/>
-          <p:cNvSpPr>
-            <a:spLocks noGrp="1"/>
-          </p:cNvSpPr>
-          <p:nvPr>
-            <p:ph type="sldNum" sz="quarter" idx="4"/>
-          </p:nvPr>
-        </p:nvSpPr>
-        <p:spPr>
-          <a:xfrm>
-            <a:off x="6553200" y="6356350"/>
-            <a:ext cx="2133600" cy="365125"/>
-          </a:xfrm>
-          <a:prstGeom prst="rect">
-            <a:avLst/>
-          </a:prstGeom>
-        </p:spPr>
-        <p:txBody>
-          <a:bodyPr vert="horz" lIns="91440" tIns="45720" rIns="91440" bIns="45720" rtlCol="0" anchor="ctr"/>
-          <a:lstStyle>
-            <a:lvl1pPr algn="r">
-              <a:defRPr sz="1200">
-                <a:solidFill>
-                  <a:schemeClr val="tx1">
-                    <a:tint val="75000"/>
-                  </a:schemeClr>
-                </a:solidFill>
-              </a:defRPr>
-            </a:lvl1pPr>
-          </a:lstStyle>
-          <a:p>
-            <a:fld id="{B6F15528-21DE-4FAA-801E-634DDDAF4B2B}" type="slidenum">
-              <a:rPr lang="en-US" smtClean="0"/>
-              <a:pPr/>
-              <a:t>‹#›</a:t>
-            </a:fld>
-            <a:endParaRPr lang="en-US"/>
-          </a:p>
-        </p:txBody>
-      </p:sp>
     </p:spTree>
+    <p:extLst>
+      <p:ext uri="{BB962C8B-B14F-4D97-AF65-F5344CB8AC3E}">
+        <p14:creationId xmlns:p14="http://schemas.microsoft.com/office/powerpoint/2010/main" val="3930012669"/>
+      </p:ext>
+    </p:extLst>
   </p:cSld>
   <p:clrMap bg1="lt1" tx1="dk1" bg2="lt2" tx2="dk2" accent1="accent1" accent2="accent2" accent3="accent3" accent4="accent4" accent5="accent5" accent6="accent6" hlink="hlink" folHlink="folHlink"/>
   <p:sldLayoutIdLst>
-    <p:sldLayoutId id="2147483649" r:id="rId1"/>
-    <p:sldLayoutId id="2147483650" r:id="rId2"/>
-    <p:sldLayoutId id="2147483651" r:id="rId3"/>
-    <p:sldLayoutId id="2147483652" r:id="rId4"/>
-    <p:sldLayoutId id="2147483653" r:id="rId5"/>
-    <p:sldLayoutId id="2147483654" r:id="rId6"/>
-    <p:sldLayoutId id="2147483655" r:id="rId7"/>
-    <p:sldLayoutId id="2147483656" r:id="rId8"/>
-    <p:sldLayoutId id="2147483657" r:id="rId9"/>
-    <p:sldLayoutId id="2147483658" r:id="rId10"/>
-    <p:sldLayoutId id="2147483659" r:id="rId11"/>
+    <p:sldLayoutId id="2147483661" r:id="rId1"/>
+    <p:sldLayoutId id="2147483662" r:id="rId2"/>
+    <p:sldLayoutId id="2147483663" r:id="rId3"/>
+    <p:sldLayoutId id="2147483664" r:id="rId4"/>
+    <p:sldLayoutId id="2147483665" r:id="rId5"/>
+    <p:sldLayoutId id="2147483666" r:id="rId6"/>
+    <p:sldLayoutId id="2147483667" r:id="rId7"/>
+    <p:sldLayoutId id="2147483668" r:id="rId8"/>
+    <p:sldLayoutId id="2147483669" r:id="rId9"/>
+    <p:sldLayoutId id="2147483670" r:id="rId10"/>
+    <p:sldLayoutId id="2147483671" r:id="rId11"/>
   </p:sldLayoutIdLst>
   <p:txStyles>
     <p:titleStyle>
-      <a:lvl1pPr algn="ctr" defTabSz="914400" rtl="0" eaLnBrk="1" latinLnBrk="0" hangingPunct="1">
+      <a:lvl1pPr algn="l" rtl="0" eaLnBrk="1" fontAlgn="base" hangingPunct="1">
         <a:spcBef>
           <a:spcPct val="0"/>
         </a:spcBef>
-        <a:buNone/>
+        <a:spcAft>
+          <a:spcPct val="0"/>
+        </a:spcAft>
         <a:defRPr sz="4400" kern="1200">
+          <a:solidFill>
+            <a:schemeClr val="tx2">
+              <a:lumMod val="75000"/>
+            </a:schemeClr>
+          </a:solidFill>
+          <a:latin typeface="Arial Bold" pitchFamily="-72" charset="0"/>
+          <a:ea typeface="ＭＳ Ｐゴシック" pitchFamily="-72" charset="-128"/>
+          <a:cs typeface="ＭＳ Ｐゴシック" pitchFamily="-72" charset="-128"/>
+        </a:defRPr>
+      </a:lvl1pPr>
+      <a:lvl2pPr algn="l" rtl="0" eaLnBrk="1" fontAlgn="base" hangingPunct="1">
+        <a:spcBef>
+          <a:spcPct val="0"/>
+        </a:spcBef>
+        <a:spcAft>
+          <a:spcPct val="0"/>
+        </a:spcAft>
+        <a:defRPr sz="4400">
+          <a:solidFill>
+            <a:schemeClr val="tx2"/>
+          </a:solidFill>
+          <a:latin typeface="Arial Bold" pitchFamily="-72" charset="0"/>
+          <a:ea typeface="ＭＳ Ｐゴシック" pitchFamily="-72" charset="-128"/>
+          <a:cs typeface="ＭＳ Ｐゴシック" pitchFamily="-72" charset="-128"/>
+        </a:defRPr>
+      </a:lvl2pPr>
+      <a:lvl3pPr algn="l" rtl="0" eaLnBrk="1" fontAlgn="base" hangingPunct="1">
+        <a:spcBef>
+          <a:spcPct val="0"/>
+        </a:spcBef>
+        <a:spcAft>
+          <a:spcPct val="0"/>
+        </a:spcAft>
+        <a:defRPr sz="4400">
+          <a:solidFill>
+            <a:schemeClr val="tx2"/>
+          </a:solidFill>
+          <a:latin typeface="Arial Bold" pitchFamily="-72" charset="0"/>
+          <a:ea typeface="ＭＳ Ｐゴシック" pitchFamily="-72" charset="-128"/>
+          <a:cs typeface="ＭＳ Ｐゴシック" pitchFamily="-72" charset="-128"/>
+        </a:defRPr>
+      </a:lvl3pPr>
+      <a:lvl4pPr algn="l" rtl="0" eaLnBrk="1" fontAlgn="base" hangingPunct="1">
+        <a:spcBef>
+          <a:spcPct val="0"/>
+        </a:spcBef>
+        <a:spcAft>
+          <a:spcPct val="0"/>
+        </a:spcAft>
+        <a:defRPr sz="4400">
+          <a:solidFill>
+            <a:schemeClr val="tx2"/>
+          </a:solidFill>
+          <a:latin typeface="Arial Bold" pitchFamily="-72" charset="0"/>
+          <a:ea typeface="ＭＳ Ｐゴシック" pitchFamily="-72" charset="-128"/>
+          <a:cs typeface="ＭＳ Ｐゴシック" pitchFamily="-72" charset="-128"/>
+        </a:defRPr>
+      </a:lvl4pPr>
+      <a:lvl5pPr algn="l" rtl="0" eaLnBrk="1" fontAlgn="base" hangingPunct="1">
+        <a:spcBef>
+          <a:spcPct val="0"/>
+        </a:spcBef>
+        <a:spcAft>
+          <a:spcPct val="0"/>
+        </a:spcAft>
+        <a:defRPr sz="4400">
+          <a:solidFill>
+            <a:schemeClr val="tx2"/>
+          </a:solidFill>
+          <a:latin typeface="Arial Bold" pitchFamily="-72" charset="0"/>
+          <a:ea typeface="ＭＳ Ｐゴシック" pitchFamily="-72" charset="-128"/>
+          <a:cs typeface="ＭＳ Ｐゴシック" pitchFamily="-72" charset="-128"/>
+        </a:defRPr>
+      </a:lvl5pPr>
+      <a:lvl6pPr marL="457200" algn="l" rtl="0" eaLnBrk="1" fontAlgn="base" hangingPunct="1">
+        <a:spcBef>
+          <a:spcPct val="0"/>
+        </a:spcBef>
+        <a:spcAft>
+          <a:spcPct val="0"/>
+        </a:spcAft>
+        <a:defRPr sz="4400">
+          <a:solidFill>
+            <a:schemeClr val="tx2"/>
+          </a:solidFill>
+          <a:latin typeface="Arial Bold" pitchFamily="-72" charset="0"/>
+          <a:ea typeface="ＭＳ Ｐゴシック" pitchFamily="-72" charset="-128"/>
+          <a:cs typeface="ＭＳ Ｐゴシック" pitchFamily="-72" charset="-128"/>
+        </a:defRPr>
+      </a:lvl6pPr>
+      <a:lvl7pPr marL="914400" algn="l" rtl="0" eaLnBrk="1" fontAlgn="base" hangingPunct="1">
+        <a:spcBef>
+          <a:spcPct val="0"/>
+        </a:spcBef>
+        <a:spcAft>
+          <a:spcPct val="0"/>
+        </a:spcAft>
+        <a:defRPr sz="4400">
+          <a:solidFill>
+            <a:schemeClr val="tx2"/>
+          </a:solidFill>
+          <a:latin typeface="Arial Bold" pitchFamily="-72" charset="0"/>
+          <a:ea typeface="ＭＳ Ｐゴシック" pitchFamily="-72" charset="-128"/>
+          <a:cs typeface="ＭＳ Ｐゴシック" pitchFamily="-72" charset="-128"/>
+        </a:defRPr>
+      </a:lvl7pPr>
+      <a:lvl8pPr marL="1371600" algn="l" rtl="0" eaLnBrk="1" fontAlgn="base" hangingPunct="1">
+        <a:spcBef>
+          <a:spcPct val="0"/>
+        </a:spcBef>
+        <a:spcAft>
+          <a:spcPct val="0"/>
+        </a:spcAft>
+        <a:defRPr sz="4400">
+          <a:solidFill>
+            <a:schemeClr val="tx2"/>
+          </a:solidFill>
+          <a:latin typeface="Arial Bold" pitchFamily="-72" charset="0"/>
+          <a:ea typeface="ＭＳ Ｐゴシック" pitchFamily="-72" charset="-128"/>
+          <a:cs typeface="ＭＳ Ｐゴシック" pitchFamily="-72" charset="-128"/>
+        </a:defRPr>
+      </a:lvl8pPr>
+      <a:lvl9pPr marL="1828800" algn="l" rtl="0" eaLnBrk="1" fontAlgn="base" hangingPunct="1">
+        <a:spcBef>
+          <a:spcPct val="0"/>
+        </a:spcBef>
+        <a:spcAft>
+          <a:spcPct val="0"/>
+        </a:spcAft>
+        <a:defRPr sz="4400">
+          <a:solidFill>
+            <a:schemeClr val="tx2"/>
+          </a:solidFill>
+          <a:latin typeface="Arial Bold" pitchFamily="-72" charset="0"/>
+          <a:ea typeface="ＭＳ Ｐゴシック" pitchFamily="-72" charset="-128"/>
+          <a:cs typeface="ＭＳ Ｐゴシック" pitchFamily="-72" charset="-128"/>
+        </a:defRPr>
+      </a:lvl9pPr>
+    </p:titleStyle>
+    <p:bodyStyle>
+      <a:lvl1pPr marL="342900" indent="-342900" algn="l" rtl="0" eaLnBrk="1" fontAlgn="base" hangingPunct="1">
+        <a:spcBef>
+          <a:spcPct val="20000"/>
+        </a:spcBef>
+        <a:spcAft>
+          <a:spcPct val="0"/>
+        </a:spcAft>
+        <a:buClr>
+          <a:schemeClr val="accent3">
+            <a:lumMod val="50000"/>
+          </a:schemeClr>
+        </a:buClr>
+        <a:buFont typeface="Arial" pitchFamily="-72" charset="0"/>
+        <a:buChar char="•"/>
+        <a:defRPr sz="3200" kern="1200">
           <a:solidFill>
             <a:schemeClr val="tx1"/>
           </a:solidFill>
-          <a:latin typeface="+mj-lt"/>
-          <a:ea typeface="+mj-ea"/>
-          <a:cs typeface="+mj-cs"/>
+          <a:latin typeface="Arial" pitchFamily="-72" charset="0"/>
+          <a:ea typeface="ＭＳ Ｐゴシック" pitchFamily="-72" charset="-128"/>
+          <a:cs typeface="ＭＳ Ｐゴシック" pitchFamily="-72" charset="-128"/>
         </a:defRPr>
       </a:lvl1pPr>
-    </p:titleStyle>
-    <p:bodyStyle>
-      <a:lvl1pPr marL="342900" indent="-342900" algn="l" defTabSz="914400" rtl="0" eaLnBrk="1" latinLnBrk="0" hangingPunct="1">
+      <a:lvl2pPr marL="742950" indent="-285750" algn="l" rtl="0" eaLnBrk="1" fontAlgn="base" hangingPunct="1">
+        <a:spcBef>
+          <a:spcPct val="20000"/>
+        </a:spcBef>
+        <a:spcAft>
+          <a:spcPct val="0"/>
+        </a:spcAft>
+        <a:buClr>
+          <a:schemeClr val="accent3">
+            <a:lumMod val="50000"/>
+          </a:schemeClr>
+        </a:buClr>
+        <a:buFont typeface="Arial" pitchFamily="-72" charset="0"/>
+        <a:buChar char="–"/>
+        <a:defRPr sz="2800" kern="1200">
+          <a:solidFill>
+            <a:schemeClr val="tx1"/>
+          </a:solidFill>
+          <a:latin typeface="Arial" pitchFamily="-72" charset="0"/>
+          <a:ea typeface="ＭＳ Ｐゴシック" pitchFamily="-72" charset="-128"/>
+          <a:cs typeface="+mn-cs"/>
+        </a:defRPr>
+      </a:lvl2pPr>
+      <a:lvl3pPr marL="1143000" indent="-228600" algn="l" rtl="0" eaLnBrk="1" fontAlgn="base" hangingPunct="1">
+        <a:spcBef>
+          <a:spcPct val="20000"/>
+        </a:spcBef>
+        <a:spcAft>
+          <a:spcPct val="0"/>
+        </a:spcAft>
+        <a:buClr>
+          <a:schemeClr val="accent3">
+            <a:lumMod val="50000"/>
+          </a:schemeClr>
+        </a:buClr>
+        <a:buFont typeface="Arial" pitchFamily="-72" charset="0"/>
+        <a:buChar char="•"/>
+        <a:defRPr sz="2400" kern="1200">
+          <a:solidFill>
+            <a:schemeClr val="tx1"/>
+          </a:solidFill>
+          <a:latin typeface="Arial" pitchFamily="-72" charset="0"/>
+          <a:ea typeface="ＭＳ Ｐゴシック" pitchFamily="-72" charset="-128"/>
+          <a:cs typeface="+mn-cs"/>
+        </a:defRPr>
+      </a:lvl3pPr>
+      <a:lvl4pPr marL="1600200" indent="-228600" algn="l" rtl="0" eaLnBrk="1" fontAlgn="base" hangingPunct="1">
+        <a:spcBef>
+          <a:spcPct val="20000"/>
+        </a:spcBef>
+        <a:spcAft>
+          <a:spcPct val="0"/>
+        </a:spcAft>
+        <a:buClr>
+          <a:schemeClr val="accent3">
+            <a:lumMod val="50000"/>
+          </a:schemeClr>
+        </a:buClr>
+        <a:buFont typeface="Arial" pitchFamily="-72" charset="0"/>
+        <a:buChar char="–"/>
+        <a:defRPr sz="2000" kern="1200">
+          <a:solidFill>
+            <a:schemeClr val="tx1"/>
+          </a:solidFill>
+          <a:latin typeface="Arial" pitchFamily="-72" charset="0"/>
+          <a:ea typeface="ＭＳ Ｐゴシック" pitchFamily="-72" charset="-128"/>
+          <a:cs typeface="+mn-cs"/>
+        </a:defRPr>
+      </a:lvl4pPr>
+      <a:lvl5pPr marL="2057400" indent="-228600" algn="l" rtl="0" eaLnBrk="1" fontAlgn="base" hangingPunct="1">
+        <a:spcBef>
+          <a:spcPct val="20000"/>
+        </a:spcBef>
+        <a:spcAft>
+          <a:spcPct val="0"/>
+        </a:spcAft>
+        <a:buClr>
+          <a:schemeClr val="accent3">
+            <a:lumMod val="50000"/>
+          </a:schemeClr>
+        </a:buClr>
+        <a:buFont typeface="Arial" pitchFamily="-72" charset="0"/>
+        <a:buChar char="»"/>
+        <a:defRPr sz="2000" kern="1200">
+          <a:solidFill>
+            <a:schemeClr val="tx1"/>
+          </a:solidFill>
+          <a:latin typeface="Arial" pitchFamily="-72" charset="0"/>
+          <a:ea typeface="ＭＳ Ｐゴシック" pitchFamily="-72" charset="-128"/>
+          <a:cs typeface="+mn-cs"/>
+        </a:defRPr>
+      </a:lvl5pPr>
+      <a:lvl6pPr marL="2514600" indent="-228600" algn="l" defTabSz="914400" rtl="0" eaLnBrk="1" latinLnBrk="0" hangingPunct="1">
         <a:spcBef>
           <a:spcPct val="20000"/>
         </a:spcBef>
         <a:buFont typeface="Arial" pitchFamily="34" charset="0"/>
         <a:buChar char="•"/>
-        <a:defRPr sz="3200" kern="1200">
+        <a:defRPr sz="2000" kern="1200">
+          <a:solidFill>
+            <a:schemeClr val="tx1"/>
+          </a:solidFill>
+          <a:latin typeface="+mn-lt"/>
+          <a:ea typeface="+mn-ea"/>
+          <a:cs typeface="+mn-cs"/>
+        </a:defRPr>
+      </a:lvl6pPr>
+      <a:lvl7pPr marL="2971800" indent="-228600" algn="l" defTabSz="914400" rtl="0" eaLnBrk="1" latinLnBrk="0" hangingPunct="1">
+        <a:spcBef>
+          <a:spcPct val="20000"/>
+        </a:spcBef>
+        <a:buFont typeface="Arial" pitchFamily="34" charset="0"/>
+        <a:buChar char="•"/>
+        <a:defRPr sz="2000" kern="1200">
+          <a:solidFill>
+            <a:schemeClr val="tx1"/>
+          </a:solidFill>
+          <a:latin typeface="+mn-lt"/>
+          <a:ea typeface="+mn-ea"/>
+          <a:cs typeface="+mn-cs"/>
+        </a:defRPr>
+      </a:lvl7pPr>
+      <a:lvl8pPr marL="3429000" indent="-228600" algn="l" defTabSz="914400" rtl="0" eaLnBrk="1" latinLnBrk="0" hangingPunct="1">
+        <a:spcBef>
+          <a:spcPct val="20000"/>
+        </a:spcBef>
+        <a:buFont typeface="Arial" pitchFamily="34" charset="0"/>
+        <a:buChar char="•"/>
+        <a:defRPr sz="2000" kern="1200">
+          <a:solidFill>
+            <a:schemeClr val="tx1"/>
+          </a:solidFill>
+          <a:latin typeface="+mn-lt"/>
+          <a:ea typeface="+mn-ea"/>
+          <a:cs typeface="+mn-cs"/>
+        </a:defRPr>
+      </a:lvl8pPr>
+      <a:lvl9pPr marL="3886200" indent="-228600" algn="l" defTabSz="914400" rtl="0" eaLnBrk="1" latinLnBrk="0" hangingPunct="1">
+        <a:spcBef>
+          <a:spcPct val="20000"/>
+        </a:spcBef>
+        <a:buFont typeface="Arial" pitchFamily="34" charset="0"/>
+        <a:buChar char="•"/>
+        <a:defRPr sz="2000" kern="1200">
+          <a:solidFill>
+            <a:schemeClr val="tx1"/>
+          </a:solidFill>
+          <a:latin typeface="+mn-lt"/>
+          <a:ea typeface="+mn-ea"/>
+          <a:cs typeface="+mn-cs"/>
+        </a:defRPr>
+      </a:lvl9pPr>
+    </p:bodyStyle>
+    <p:otherStyle>
+      <a:defPPr>
+        <a:defRPr lang="en-US"/>
+      </a:defPPr>
+      <a:lvl1pPr marL="0" algn="l" defTabSz="914400" rtl="0" eaLnBrk="1" latinLnBrk="0" hangingPunct="1">
+        <a:defRPr sz="1800" kern="1200">
           <a:solidFill>
             <a:schemeClr val="tx1"/>
           </a:solidFill>
@@ -4430,13 +7297,8 @@
           <a:cs typeface="+mn-cs"/>
         </a:defRPr>
       </a:lvl1pPr>
-      <a:lvl2pPr marL="742950" indent="-285750" algn="l" defTabSz="914400" rtl="0" eaLnBrk="1" latinLnBrk="0" hangingPunct="1">
-        <a:spcBef>
-          <a:spcPct val="20000"/>
-        </a:spcBef>
-        <a:buFont typeface="Arial" pitchFamily="34" charset="0"/>
-        <a:buChar char="–"/>
-        <a:defRPr sz="2800" kern="1200">
+      <a:lvl2pPr marL="457200" algn="l" defTabSz="914400" rtl="0" eaLnBrk="1" latinLnBrk="0" hangingPunct="1">
+        <a:defRPr sz="1800" kern="1200">
           <a:solidFill>
             <a:schemeClr val="tx1"/>
           </a:solidFill>
@@ -4445,13 +7307,8 @@
           <a:cs typeface="+mn-cs"/>
         </a:defRPr>
       </a:lvl2pPr>
-      <a:lvl3pPr marL="1143000" indent="-228600" algn="l" defTabSz="914400" rtl="0" eaLnBrk="1" latinLnBrk="0" hangingPunct="1">
-        <a:spcBef>
-          <a:spcPct val="20000"/>
-        </a:spcBef>
-        <a:buFont typeface="Arial" pitchFamily="34" charset="0"/>
-        <a:buChar char="•"/>
-        <a:defRPr sz="2400" kern="1200">
+      <a:lvl3pPr marL="914400" algn="l" defTabSz="914400" rtl="0" eaLnBrk="1" latinLnBrk="0" hangingPunct="1">
+        <a:defRPr sz="1800" kern="1200">
           <a:solidFill>
             <a:schemeClr val="tx1"/>
           </a:solidFill>
@@ -4460,13 +7317,8 @@
           <a:cs typeface="+mn-cs"/>
         </a:defRPr>
       </a:lvl3pPr>
-      <a:lvl4pPr marL="1600200" indent="-228600" algn="l" defTabSz="914400" rtl="0" eaLnBrk="1" latinLnBrk="0" hangingPunct="1">
-        <a:spcBef>
-          <a:spcPct val="20000"/>
-        </a:spcBef>
-        <a:buFont typeface="Arial" pitchFamily="34" charset="0"/>
-        <a:buChar char="–"/>
-        <a:defRPr sz="2000" kern="1200">
+      <a:lvl4pPr marL="1371600" algn="l" defTabSz="914400" rtl="0" eaLnBrk="1" latinLnBrk="0" hangingPunct="1">
+        <a:defRPr sz="1800" kern="1200">
           <a:solidFill>
             <a:schemeClr val="tx1"/>
           </a:solidFill>
@@ -4475,18 +7327,594 @@
           <a:cs typeface="+mn-cs"/>
         </a:defRPr>
       </a:lvl4pPr>
-      <a:lvl5pPr marL="2057400" indent="-228600" algn="l" defTabSz="914400" rtl="0" eaLnBrk="1" latinLnBrk="0" hangingPunct="1">
+      <a:lvl5pPr marL="1828800" algn="l" defTabSz="914400" rtl="0" eaLnBrk="1" latinLnBrk="0" hangingPunct="1">
+        <a:defRPr sz="1800" kern="1200">
+          <a:solidFill>
+            <a:schemeClr val="tx1"/>
+          </a:solidFill>
+          <a:latin typeface="+mn-lt"/>
+          <a:ea typeface="+mn-ea"/>
+          <a:cs typeface="+mn-cs"/>
+        </a:defRPr>
+      </a:lvl5pPr>
+      <a:lvl6pPr marL="2286000" algn="l" defTabSz="914400" rtl="0" eaLnBrk="1" latinLnBrk="0" hangingPunct="1">
+        <a:defRPr sz="1800" kern="1200">
+          <a:solidFill>
+            <a:schemeClr val="tx1"/>
+          </a:solidFill>
+          <a:latin typeface="+mn-lt"/>
+          <a:ea typeface="+mn-ea"/>
+          <a:cs typeface="+mn-cs"/>
+        </a:defRPr>
+      </a:lvl6pPr>
+      <a:lvl7pPr marL="2743200" algn="l" defTabSz="914400" rtl="0" eaLnBrk="1" latinLnBrk="0" hangingPunct="1">
+        <a:defRPr sz="1800" kern="1200">
+          <a:solidFill>
+            <a:schemeClr val="tx1"/>
+          </a:solidFill>
+          <a:latin typeface="+mn-lt"/>
+          <a:ea typeface="+mn-ea"/>
+          <a:cs typeface="+mn-cs"/>
+        </a:defRPr>
+      </a:lvl7pPr>
+      <a:lvl8pPr marL="3200400" algn="l" defTabSz="914400" rtl="0" eaLnBrk="1" latinLnBrk="0" hangingPunct="1">
+        <a:defRPr sz="1800" kern="1200">
+          <a:solidFill>
+            <a:schemeClr val="tx1"/>
+          </a:solidFill>
+          <a:latin typeface="+mn-lt"/>
+          <a:ea typeface="+mn-ea"/>
+          <a:cs typeface="+mn-cs"/>
+        </a:defRPr>
+      </a:lvl8pPr>
+      <a:lvl9pPr marL="3657600" algn="l" defTabSz="914400" rtl="0" eaLnBrk="1" latinLnBrk="0" hangingPunct="1">
+        <a:defRPr sz="1800" kern="1200">
+          <a:solidFill>
+            <a:schemeClr val="tx1"/>
+          </a:solidFill>
+          <a:latin typeface="+mn-lt"/>
+          <a:ea typeface="+mn-ea"/>
+          <a:cs typeface="+mn-cs"/>
+        </a:defRPr>
+      </a:lvl9pPr>
+    </p:otherStyle>
+  </p:txStyles>
+</p:sldMaster>
+</file>
+
+<file path=ppt/slideMasters/slideMaster2.xml><?xml version="1.0" encoding="utf-8"?>
+<p:sldMaster xmlns:a="http://schemas.openxmlformats.org/drawingml/2006/main" xmlns:r="http://schemas.openxmlformats.org/officeDocument/2006/relationships" xmlns:p="http://schemas.openxmlformats.org/presentationml/2006/main">
+  <p:cSld>
+    <p:bg>
+      <p:bgPr>
+        <a:blipFill dpi="0" rotWithShape="0">
+          <a:blip r:embed="rId13">
+            <a:lum/>
+          </a:blip>
+          <a:srcRect/>
+          <a:stretch>
+            <a:fillRect/>
+          </a:stretch>
+        </a:blipFill>
+        <a:effectLst/>
+      </p:bgPr>
+    </p:bg>
+    <p:spTree>
+      <p:nvGrpSpPr>
+        <p:cNvPr id="1" name=""/>
+        <p:cNvGrpSpPr/>
+        <p:nvPr/>
+      </p:nvGrpSpPr>
+      <p:grpSpPr>
+        <a:xfrm>
+          <a:off x="0" y="0"/>
+          <a:ext cx="0" cy="0"/>
+          <a:chOff x="0" y="0"/>
+          <a:chExt cx="0" cy="0"/>
+        </a:xfrm>
+      </p:grpSpPr>
+      <p:sp>
+        <p:nvSpPr>
+          <p:cNvPr id="1026" name="Title Placeholder 1"/>
+          <p:cNvSpPr>
+            <a:spLocks noGrp="1"/>
+          </p:cNvSpPr>
+          <p:nvPr>
+            <p:ph type="title"/>
+          </p:nvPr>
+        </p:nvSpPr>
+        <p:spPr bwMode="auto">
+          <a:xfrm>
+            <a:off x="457200" y="274639"/>
+            <a:ext cx="8229600" cy="1143000"/>
+          </a:xfrm>
+          <a:prstGeom prst="rect">
+            <a:avLst/>
+          </a:prstGeom>
+          <a:noFill/>
+          <a:ln w="9525">
+            <a:noFill/>
+            <a:miter lim="800000"/>
+            <a:headEnd/>
+            <a:tailEnd/>
+          </a:ln>
+        </p:spPr>
+        <p:txBody>
+          <a:bodyPr vert="horz" wrap="square" lIns="91440" tIns="45720" rIns="91440" bIns="45720" numCol="1" anchor="ctr" anchorCtr="0" compatLnSpc="1">
+            <a:prstTxWarp prst="textNoShape">
+              <a:avLst/>
+            </a:prstTxWarp>
+          </a:bodyPr>
+          <a:lstStyle/>
+          <a:p>
+            <a:pPr lvl="0"/>
+            <a:r>
+              <a:rPr lang="en-US"/>
+              <a:t>Click to edit Master title style</a:t>
+            </a:r>
+            <a:endParaRPr lang="en-US" dirty="0"/>
+          </a:p>
+        </p:txBody>
+      </p:sp>
+      <p:sp>
+        <p:nvSpPr>
+          <p:cNvPr id="1027" name="Text Placeholder 2"/>
+          <p:cNvSpPr>
+            <a:spLocks noGrp="1"/>
+          </p:cNvSpPr>
+          <p:nvPr>
+            <p:ph type="body" idx="1"/>
+          </p:nvPr>
+        </p:nvSpPr>
+        <p:spPr bwMode="auto">
+          <a:xfrm>
+            <a:off x="457200" y="1600201"/>
+            <a:ext cx="8229600" cy="4525963"/>
+          </a:xfrm>
+          <a:prstGeom prst="rect">
+            <a:avLst/>
+          </a:prstGeom>
+          <a:noFill/>
+          <a:ln w="9525">
+            <a:noFill/>
+            <a:miter lim="800000"/>
+            <a:headEnd/>
+            <a:tailEnd/>
+          </a:ln>
+        </p:spPr>
+        <p:txBody>
+          <a:bodyPr vert="horz" wrap="square" lIns="91440" tIns="45720" rIns="91440" bIns="45720" numCol="1" anchor="t" anchorCtr="0" compatLnSpc="1">
+            <a:prstTxWarp prst="textNoShape">
+              <a:avLst/>
+            </a:prstTxWarp>
+          </a:bodyPr>
+          <a:lstStyle/>
+          <a:p>
+            <a:pPr lvl="0"/>
+            <a:r>
+              <a:rPr lang="en-US"/>
+              <a:t>Click to edit Master text styles</a:t>
+            </a:r>
+          </a:p>
+          <a:p>
+            <a:pPr lvl="1"/>
+            <a:r>
+              <a:rPr lang="en-US"/>
+              <a:t>Second level</a:t>
+            </a:r>
+          </a:p>
+          <a:p>
+            <a:pPr lvl="2"/>
+            <a:r>
+              <a:rPr lang="en-US"/>
+              <a:t>Third level</a:t>
+            </a:r>
+          </a:p>
+          <a:p>
+            <a:pPr lvl="3"/>
+            <a:r>
+              <a:rPr lang="en-US"/>
+              <a:t>Fourth level</a:t>
+            </a:r>
+          </a:p>
+          <a:p>
+            <a:pPr lvl="4"/>
+            <a:r>
+              <a:rPr lang="en-US"/>
+              <a:t>Fifth level</a:t>
+            </a:r>
+            <a:endParaRPr lang="en-US" dirty="0"/>
+          </a:p>
+        </p:txBody>
+      </p:sp>
+      <p:sp>
+        <p:nvSpPr>
+          <p:cNvPr id="4" name="Date Placeholder 3"/>
+          <p:cNvSpPr>
+            <a:spLocks noGrp="1"/>
+          </p:cNvSpPr>
+          <p:nvPr>
+            <p:ph type="dt" sz="half" idx="2"/>
+          </p:nvPr>
+        </p:nvSpPr>
+        <p:spPr>
+          <a:xfrm>
+            <a:off x="457200" y="6356351"/>
+            <a:ext cx="2133600" cy="365125"/>
+          </a:xfrm>
+          <a:prstGeom prst="rect">
+            <a:avLst/>
+          </a:prstGeom>
+        </p:spPr>
+        <p:txBody>
+          <a:bodyPr vert="horz" lIns="91440" tIns="45720" rIns="91440" bIns="45720" rtlCol="0" anchor="ctr"/>
+          <a:lstStyle>
+            <a:lvl1pPr algn="l" fontAlgn="auto">
+              <a:spcBef>
+                <a:spcPts val="0"/>
+              </a:spcBef>
+              <a:spcAft>
+                <a:spcPts val="0"/>
+              </a:spcAft>
+              <a:defRPr sz="1200" smtClean="0">
+                <a:solidFill>
+                  <a:schemeClr val="tx1">
+                    <a:tint val="75000"/>
+                  </a:schemeClr>
+                </a:solidFill>
+                <a:latin typeface="+mn-lt"/>
+                <a:ea typeface="+mn-ea"/>
+                <a:cs typeface="+mn-cs"/>
+              </a:defRPr>
+            </a:lvl1pPr>
+          </a:lstStyle>
+          <a:p>
+            <a:pPr>
+              <a:defRPr/>
+            </a:pPr>
+            <a:fld id="{AADEF755-0B60-4A3E-9C6A-4CADF1C89A5E}" type="datetimeFigureOut">
+              <a:rPr lang="en-US" smtClean="0"/>
+              <a:pPr>
+                <a:defRPr/>
+              </a:pPr>
+              <a:t>9/22/2017</a:t>
+            </a:fld>
+            <a:endParaRPr lang="en-US"/>
+          </a:p>
+        </p:txBody>
+      </p:sp>
+      <p:sp>
+        <p:nvSpPr>
+          <p:cNvPr id="5" name="Footer Placeholder 4"/>
+          <p:cNvSpPr>
+            <a:spLocks noGrp="1"/>
+          </p:cNvSpPr>
+          <p:nvPr>
+            <p:ph type="ftr" sz="quarter" idx="3"/>
+          </p:nvPr>
+        </p:nvSpPr>
+        <p:spPr>
+          <a:xfrm>
+            <a:off x="3124200" y="6356351"/>
+            <a:ext cx="2895600" cy="365125"/>
+          </a:xfrm>
+          <a:prstGeom prst="rect">
+            <a:avLst/>
+          </a:prstGeom>
+        </p:spPr>
+        <p:txBody>
+          <a:bodyPr vert="horz" lIns="91440" tIns="45720" rIns="91440" bIns="45720" rtlCol="0" anchor="ctr"/>
+          <a:lstStyle>
+            <a:lvl1pPr algn="ctr" fontAlgn="auto">
+              <a:spcBef>
+                <a:spcPts val="0"/>
+              </a:spcBef>
+              <a:spcAft>
+                <a:spcPts val="0"/>
+              </a:spcAft>
+              <a:defRPr sz="1200">
+                <a:solidFill>
+                  <a:schemeClr val="tx1">
+                    <a:tint val="75000"/>
+                  </a:schemeClr>
+                </a:solidFill>
+                <a:latin typeface="+mn-lt"/>
+                <a:ea typeface="+mn-ea"/>
+                <a:cs typeface="+mn-cs"/>
+              </a:defRPr>
+            </a:lvl1pPr>
+          </a:lstStyle>
+          <a:p>
+            <a:pPr>
+              <a:defRPr/>
+            </a:pPr>
+            <a:endParaRPr lang="en-US"/>
+          </a:p>
+        </p:txBody>
+      </p:sp>
+    </p:spTree>
+    <p:extLst>
+      <p:ext uri="{BB962C8B-B14F-4D97-AF65-F5344CB8AC3E}">
+        <p14:creationId xmlns:p14="http://schemas.microsoft.com/office/powerpoint/2010/main" val="1642367651"/>
+      </p:ext>
+    </p:extLst>
+  </p:cSld>
+  <p:clrMap bg1="lt1" tx1="dk1" bg2="lt2" tx2="dk2" accent1="accent1" accent2="accent2" accent3="accent3" accent4="accent4" accent5="accent5" accent6="accent6" hlink="hlink" folHlink="folHlink"/>
+  <p:sldLayoutIdLst>
+    <p:sldLayoutId id="2147483673" r:id="rId1"/>
+    <p:sldLayoutId id="2147483674" r:id="rId2"/>
+    <p:sldLayoutId id="2147483675" r:id="rId3"/>
+    <p:sldLayoutId id="2147483676" r:id="rId4"/>
+    <p:sldLayoutId id="2147483677" r:id="rId5"/>
+    <p:sldLayoutId id="2147483678" r:id="rId6"/>
+    <p:sldLayoutId id="2147483679" r:id="rId7"/>
+    <p:sldLayoutId id="2147483680" r:id="rId8"/>
+    <p:sldLayoutId id="2147483681" r:id="rId9"/>
+    <p:sldLayoutId id="2147483682" r:id="rId10"/>
+    <p:sldLayoutId id="2147483683" r:id="rId11"/>
+  </p:sldLayoutIdLst>
+  <p:txStyles>
+    <p:titleStyle>
+      <a:lvl1pPr algn="l" rtl="0" eaLnBrk="1" fontAlgn="base" hangingPunct="1">
+        <a:spcBef>
+          <a:spcPct val="0"/>
+        </a:spcBef>
+        <a:spcAft>
+          <a:spcPct val="0"/>
+        </a:spcAft>
+        <a:defRPr sz="4400" kern="1200">
+          <a:solidFill>
+            <a:schemeClr val="tx2">
+              <a:lumMod val="75000"/>
+            </a:schemeClr>
+          </a:solidFill>
+          <a:latin typeface="Arial Bold" pitchFamily="-72" charset="0"/>
+          <a:ea typeface="ＭＳ Ｐゴシック" pitchFamily="-72" charset="-128"/>
+          <a:cs typeface="ＭＳ Ｐゴシック" pitchFamily="-72" charset="-128"/>
+        </a:defRPr>
+      </a:lvl1pPr>
+      <a:lvl2pPr algn="l" rtl="0" eaLnBrk="1" fontAlgn="base" hangingPunct="1">
+        <a:spcBef>
+          <a:spcPct val="0"/>
+        </a:spcBef>
+        <a:spcAft>
+          <a:spcPct val="0"/>
+        </a:spcAft>
+        <a:defRPr sz="4400">
+          <a:solidFill>
+            <a:schemeClr val="tx2"/>
+          </a:solidFill>
+          <a:latin typeface="Arial Bold" pitchFamily="-72" charset="0"/>
+          <a:ea typeface="ＭＳ Ｐゴシック" pitchFamily="-72" charset="-128"/>
+          <a:cs typeface="ＭＳ Ｐゴシック" pitchFamily="-72" charset="-128"/>
+        </a:defRPr>
+      </a:lvl2pPr>
+      <a:lvl3pPr algn="l" rtl="0" eaLnBrk="1" fontAlgn="base" hangingPunct="1">
+        <a:spcBef>
+          <a:spcPct val="0"/>
+        </a:spcBef>
+        <a:spcAft>
+          <a:spcPct val="0"/>
+        </a:spcAft>
+        <a:defRPr sz="4400">
+          <a:solidFill>
+            <a:schemeClr val="tx2"/>
+          </a:solidFill>
+          <a:latin typeface="Arial Bold" pitchFamily="-72" charset="0"/>
+          <a:ea typeface="ＭＳ Ｐゴシック" pitchFamily="-72" charset="-128"/>
+          <a:cs typeface="ＭＳ Ｐゴシック" pitchFamily="-72" charset="-128"/>
+        </a:defRPr>
+      </a:lvl3pPr>
+      <a:lvl4pPr algn="l" rtl="0" eaLnBrk="1" fontAlgn="base" hangingPunct="1">
+        <a:spcBef>
+          <a:spcPct val="0"/>
+        </a:spcBef>
+        <a:spcAft>
+          <a:spcPct val="0"/>
+        </a:spcAft>
+        <a:defRPr sz="4400">
+          <a:solidFill>
+            <a:schemeClr val="tx2"/>
+          </a:solidFill>
+          <a:latin typeface="Arial Bold" pitchFamily="-72" charset="0"/>
+          <a:ea typeface="ＭＳ Ｐゴシック" pitchFamily="-72" charset="-128"/>
+          <a:cs typeface="ＭＳ Ｐゴシック" pitchFamily="-72" charset="-128"/>
+        </a:defRPr>
+      </a:lvl4pPr>
+      <a:lvl5pPr algn="l" rtl="0" eaLnBrk="1" fontAlgn="base" hangingPunct="1">
+        <a:spcBef>
+          <a:spcPct val="0"/>
+        </a:spcBef>
+        <a:spcAft>
+          <a:spcPct val="0"/>
+        </a:spcAft>
+        <a:defRPr sz="4400">
+          <a:solidFill>
+            <a:schemeClr val="tx2"/>
+          </a:solidFill>
+          <a:latin typeface="Arial Bold" pitchFamily="-72" charset="0"/>
+          <a:ea typeface="ＭＳ Ｐゴシック" pitchFamily="-72" charset="-128"/>
+          <a:cs typeface="ＭＳ Ｐゴシック" pitchFamily="-72" charset="-128"/>
+        </a:defRPr>
+      </a:lvl5pPr>
+      <a:lvl6pPr marL="457200" algn="l" rtl="0" eaLnBrk="1" fontAlgn="base" hangingPunct="1">
+        <a:spcBef>
+          <a:spcPct val="0"/>
+        </a:spcBef>
+        <a:spcAft>
+          <a:spcPct val="0"/>
+        </a:spcAft>
+        <a:defRPr sz="4400">
+          <a:solidFill>
+            <a:schemeClr val="tx2"/>
+          </a:solidFill>
+          <a:latin typeface="Arial Bold" pitchFamily="-72" charset="0"/>
+          <a:ea typeface="ＭＳ Ｐゴシック" pitchFamily="-72" charset="-128"/>
+          <a:cs typeface="ＭＳ Ｐゴシック" pitchFamily="-72" charset="-128"/>
+        </a:defRPr>
+      </a:lvl6pPr>
+      <a:lvl7pPr marL="914400" algn="l" rtl="0" eaLnBrk="1" fontAlgn="base" hangingPunct="1">
+        <a:spcBef>
+          <a:spcPct val="0"/>
+        </a:spcBef>
+        <a:spcAft>
+          <a:spcPct val="0"/>
+        </a:spcAft>
+        <a:defRPr sz="4400">
+          <a:solidFill>
+            <a:schemeClr val="tx2"/>
+          </a:solidFill>
+          <a:latin typeface="Arial Bold" pitchFamily="-72" charset="0"/>
+          <a:ea typeface="ＭＳ Ｐゴシック" pitchFamily="-72" charset="-128"/>
+          <a:cs typeface="ＭＳ Ｐゴシック" pitchFamily="-72" charset="-128"/>
+        </a:defRPr>
+      </a:lvl7pPr>
+      <a:lvl8pPr marL="1371600" algn="l" rtl="0" eaLnBrk="1" fontAlgn="base" hangingPunct="1">
+        <a:spcBef>
+          <a:spcPct val="0"/>
+        </a:spcBef>
+        <a:spcAft>
+          <a:spcPct val="0"/>
+        </a:spcAft>
+        <a:defRPr sz="4400">
+          <a:solidFill>
+            <a:schemeClr val="tx2"/>
+          </a:solidFill>
+          <a:latin typeface="Arial Bold" pitchFamily="-72" charset="0"/>
+          <a:ea typeface="ＭＳ Ｐゴシック" pitchFamily="-72" charset="-128"/>
+          <a:cs typeface="ＭＳ Ｐゴシック" pitchFamily="-72" charset="-128"/>
+        </a:defRPr>
+      </a:lvl8pPr>
+      <a:lvl9pPr marL="1828800" algn="l" rtl="0" eaLnBrk="1" fontAlgn="base" hangingPunct="1">
+        <a:spcBef>
+          <a:spcPct val="0"/>
+        </a:spcBef>
+        <a:spcAft>
+          <a:spcPct val="0"/>
+        </a:spcAft>
+        <a:defRPr sz="4400">
+          <a:solidFill>
+            <a:schemeClr val="tx2"/>
+          </a:solidFill>
+          <a:latin typeface="Arial Bold" pitchFamily="-72" charset="0"/>
+          <a:ea typeface="ＭＳ Ｐゴシック" pitchFamily="-72" charset="-128"/>
+          <a:cs typeface="ＭＳ Ｐゴシック" pitchFamily="-72" charset="-128"/>
+        </a:defRPr>
+      </a:lvl9pPr>
+    </p:titleStyle>
+    <p:bodyStyle>
+      <a:lvl1pPr marL="342900" indent="-342900" algn="l" rtl="0" eaLnBrk="1" fontAlgn="base" hangingPunct="1">
         <a:spcBef>
           <a:spcPct val="20000"/>
         </a:spcBef>
-        <a:buFont typeface="Arial" pitchFamily="34" charset="0"/>
+        <a:spcAft>
+          <a:spcPct val="0"/>
+        </a:spcAft>
+        <a:buClr>
+          <a:schemeClr val="accent3">
+            <a:lumMod val="50000"/>
+          </a:schemeClr>
+        </a:buClr>
+        <a:buFont typeface="Arial" pitchFamily="-72" charset="0"/>
+        <a:buChar char="•"/>
+        <a:defRPr sz="3200" kern="1200">
+          <a:solidFill>
+            <a:schemeClr val="tx1"/>
+          </a:solidFill>
+          <a:latin typeface="Arial" pitchFamily="-72" charset="0"/>
+          <a:ea typeface="ＭＳ Ｐゴシック" pitchFamily="-72" charset="-128"/>
+          <a:cs typeface="ＭＳ Ｐゴシック" pitchFamily="-72" charset="-128"/>
+        </a:defRPr>
+      </a:lvl1pPr>
+      <a:lvl2pPr marL="742950" indent="-285750" algn="l" rtl="0" eaLnBrk="1" fontAlgn="base" hangingPunct="1">
+        <a:spcBef>
+          <a:spcPct val="20000"/>
+        </a:spcBef>
+        <a:spcAft>
+          <a:spcPct val="0"/>
+        </a:spcAft>
+        <a:buClr>
+          <a:schemeClr val="accent3">
+            <a:lumMod val="50000"/>
+          </a:schemeClr>
+        </a:buClr>
+        <a:buFont typeface="Arial" pitchFamily="-72" charset="0"/>
+        <a:buChar char="–"/>
+        <a:defRPr sz="2800" kern="1200">
+          <a:solidFill>
+            <a:schemeClr val="tx1"/>
+          </a:solidFill>
+          <a:latin typeface="Arial" pitchFamily="-72" charset="0"/>
+          <a:ea typeface="ＭＳ Ｐゴシック" pitchFamily="-72" charset="-128"/>
+          <a:cs typeface="+mn-cs"/>
+        </a:defRPr>
+      </a:lvl2pPr>
+      <a:lvl3pPr marL="1143000" indent="-228600" algn="l" rtl="0" eaLnBrk="1" fontAlgn="base" hangingPunct="1">
+        <a:spcBef>
+          <a:spcPct val="20000"/>
+        </a:spcBef>
+        <a:spcAft>
+          <a:spcPct val="0"/>
+        </a:spcAft>
+        <a:buClr>
+          <a:schemeClr val="accent3">
+            <a:lumMod val="50000"/>
+          </a:schemeClr>
+        </a:buClr>
+        <a:buFont typeface="Arial" pitchFamily="-72" charset="0"/>
+        <a:buChar char="•"/>
+        <a:defRPr sz="2400" kern="1200">
+          <a:solidFill>
+            <a:schemeClr val="tx1"/>
+          </a:solidFill>
+          <a:latin typeface="Arial" pitchFamily="-72" charset="0"/>
+          <a:ea typeface="ＭＳ Ｐゴシック" pitchFamily="-72" charset="-128"/>
+          <a:cs typeface="+mn-cs"/>
+        </a:defRPr>
+      </a:lvl3pPr>
+      <a:lvl4pPr marL="1600200" indent="-228600" algn="l" rtl="0" eaLnBrk="1" fontAlgn="base" hangingPunct="1">
+        <a:spcBef>
+          <a:spcPct val="20000"/>
+        </a:spcBef>
+        <a:spcAft>
+          <a:spcPct val="0"/>
+        </a:spcAft>
+        <a:buClr>
+          <a:schemeClr val="accent3">
+            <a:lumMod val="50000"/>
+          </a:schemeClr>
+        </a:buClr>
+        <a:buFont typeface="Arial" pitchFamily="-72" charset="0"/>
+        <a:buChar char="–"/>
+        <a:defRPr sz="2000" kern="1200">
+          <a:solidFill>
+            <a:schemeClr val="tx1"/>
+          </a:solidFill>
+          <a:latin typeface="Arial" pitchFamily="-72" charset="0"/>
+          <a:ea typeface="ＭＳ Ｐゴシック" pitchFamily="-72" charset="-128"/>
+          <a:cs typeface="+mn-cs"/>
+        </a:defRPr>
+      </a:lvl4pPr>
+      <a:lvl5pPr marL="2057400" indent="-228600" algn="l" rtl="0" eaLnBrk="1" fontAlgn="base" hangingPunct="1">
+        <a:spcBef>
+          <a:spcPct val="20000"/>
+        </a:spcBef>
+        <a:spcAft>
+          <a:spcPct val="0"/>
+        </a:spcAft>
+        <a:buClr>
+          <a:schemeClr val="accent3">
+            <a:lumMod val="50000"/>
+          </a:schemeClr>
+        </a:buClr>
+        <a:buFont typeface="Arial" pitchFamily="-72" charset="0"/>
         <a:buChar char="»"/>
         <a:defRPr sz="2000" kern="1200">
           <a:solidFill>
             <a:schemeClr val="tx1"/>
           </a:solidFill>
-          <a:latin typeface="+mn-lt"/>
-          <a:ea typeface="+mn-ea"/>
+          <a:latin typeface="Arial" pitchFamily="-72" charset="0"/>
+          <a:ea typeface="ＭＳ Ｐゴシック" pitchFamily="-72" charset="-128"/>
           <a:cs typeface="+mn-cs"/>
         </a:defRPr>
       </a:lvl5pPr>
@@ -4653,6 +8081,20 @@
 <file path=ppt/slides/slide1.xml><?xml version="1.0" encoding="utf-8"?>
 <p:sld xmlns:a="http://schemas.openxmlformats.org/drawingml/2006/main" xmlns:r="http://schemas.openxmlformats.org/officeDocument/2006/relationships" xmlns:p="http://schemas.openxmlformats.org/presentationml/2006/main">
   <p:cSld>
+    <p:bg>
+      <p:bgPr>
+        <a:blipFill dpi="0" rotWithShape="0">
+          <a:blip r:embed="rId3">
+            <a:lum/>
+          </a:blip>
+          <a:srcRect/>
+          <a:stretch>
+            <a:fillRect/>
+          </a:stretch>
+        </a:blipFill>
+        <a:effectLst/>
+      </p:bgPr>
+    </p:bg>
     <p:spTree>
       <p:nvGrpSpPr>
         <p:cNvPr id="1" name=""/>
@@ -4669,302 +8111,165 @@
       </p:grpSpPr>
       <p:sp>
         <p:nvSpPr>
-          <p:cNvPr id="2" name="Title 1"/>
-          <p:cNvSpPr>
-            <a:spLocks noGrp="1"/>
-          </p:cNvSpPr>
-          <p:nvPr>
-            <p:ph type="ctrTitle"/>
-          </p:nvPr>
-        </p:nvSpPr>
-        <p:spPr/>
-        <p:txBody>
-          <a:bodyPr/>
-          <a:lstStyle/>
-          <a:p>
-            <a:r>
-              <a:rPr lang="en-US" dirty="0"/>
-              <a:t>Unit Testing</a:t>
-            </a:r>
-            <a:r>
-              <a:rPr lang="en-US" baseline="0" dirty="0"/>
-              <a:t> T-SQL Code</a:t>
-            </a:r>
-            <a:endParaRPr lang="en-US" dirty="0"/>
-          </a:p>
-        </p:txBody>
-      </p:sp>
-      <p:sp>
-        <p:nvSpPr>
-          <p:cNvPr id="4" name="Subtitle 2"/>
+          <p:cNvPr id="5" name="Rectangle 3"/>
           <p:cNvSpPr txBox="1">
-            <a:spLocks/>
+            <a:spLocks noChangeArrowheads="1"/>
           </p:cNvSpPr>
           <p:nvPr/>
         </p:nvSpPr>
-        <p:spPr>
+        <p:spPr bwMode="auto">
           <a:xfrm>
-            <a:off x="0" y="3657600"/>
-            <a:ext cx="9144000" cy="1655762"/>
+            <a:off x="971601" y="2179340"/>
+            <a:ext cx="7313613" cy="1028700"/>
           </a:xfrm>
           <a:prstGeom prst="rect">
             <a:avLst/>
           </a:prstGeom>
+          <a:noFill/>
+          <a:ln>
+            <a:noFill/>
+          </a:ln>
+          <a:effectLst/>
+          <a:extLst/>
         </p:spPr>
         <p:txBody>
-          <a:bodyPr vert="horz" lIns="91440" tIns="45720" rIns="91440" bIns="45720" rtlCol="0">
-            <a:normAutofit lnSpcReduction="10000"/>
+          <a:bodyPr lIns="90379" tIns="44448" rIns="90379" bIns="44448" anchor="b">
+            <a:prstTxWarp prst="textNoShape">
+              <a:avLst/>
+            </a:prstTxWarp>
           </a:bodyPr>
-          <a:lstStyle>
-            <a:lvl1pPr marL="0" indent="0" algn="ctr" defTabSz="914400" rtl="0" eaLnBrk="1" latinLnBrk="0" hangingPunct="1">
-              <a:spcBef>
-                <a:spcPct val="20000"/>
-              </a:spcBef>
-              <a:buFont typeface="Arial" pitchFamily="34" charset="0"/>
-              <a:buNone/>
-              <a:defRPr sz="3200" kern="1200">
+          <a:lstStyle/>
+          <a:p>
+            <a:pPr algn="ctr" defTabSz="896938" eaLnBrk="0" hangingPunct="0"/>
+            <a:r>
+              <a:rPr lang="en-US" sz="4000" b="1" dirty="0">
                 <a:solidFill>
-                  <a:schemeClr val="tx1">
-                    <a:tint val="75000"/>
-                  </a:schemeClr>
+                  <a:prstClr val="white"/>
                 </a:solidFill>
-                <a:latin typeface="+mn-lt"/>
-                <a:ea typeface="+mn-ea"/>
-                <a:cs typeface="+mn-cs"/>
-              </a:defRPr>
-            </a:lvl1pPr>
-            <a:lvl2pPr marL="457200" indent="0" algn="ctr" defTabSz="914400" rtl="0" eaLnBrk="1" latinLnBrk="0" hangingPunct="1">
-              <a:spcBef>
-                <a:spcPct val="20000"/>
-              </a:spcBef>
-              <a:buFont typeface="Arial" pitchFamily="34" charset="0"/>
-              <a:buNone/>
-              <a:defRPr sz="2800" kern="1200">
-                <a:solidFill>
-                  <a:schemeClr val="tx1">
-                    <a:tint val="75000"/>
-                  </a:schemeClr>
-                </a:solidFill>
-                <a:latin typeface="+mn-lt"/>
-                <a:ea typeface="+mn-ea"/>
-                <a:cs typeface="+mn-cs"/>
-              </a:defRPr>
-            </a:lvl2pPr>
-            <a:lvl3pPr marL="914400" indent="0" algn="ctr" defTabSz="914400" rtl="0" eaLnBrk="1" latinLnBrk="0" hangingPunct="1">
-              <a:spcBef>
-                <a:spcPct val="20000"/>
-              </a:spcBef>
-              <a:buFont typeface="Arial" pitchFamily="34" charset="0"/>
-              <a:buNone/>
-              <a:defRPr sz="2400" kern="1200">
-                <a:solidFill>
-                  <a:schemeClr val="tx1">
-                    <a:tint val="75000"/>
-                  </a:schemeClr>
-                </a:solidFill>
-                <a:latin typeface="+mn-lt"/>
-                <a:ea typeface="+mn-ea"/>
-                <a:cs typeface="+mn-cs"/>
-              </a:defRPr>
-            </a:lvl3pPr>
-            <a:lvl4pPr marL="1371600" indent="0" algn="ctr" defTabSz="914400" rtl="0" eaLnBrk="1" latinLnBrk="0" hangingPunct="1">
-              <a:spcBef>
-                <a:spcPct val="20000"/>
-              </a:spcBef>
-              <a:buFont typeface="Arial" pitchFamily="34" charset="0"/>
-              <a:buNone/>
-              <a:defRPr sz="2000" kern="1200">
-                <a:solidFill>
-                  <a:schemeClr val="tx1">
-                    <a:tint val="75000"/>
-                  </a:schemeClr>
-                </a:solidFill>
-                <a:latin typeface="+mn-lt"/>
-                <a:ea typeface="+mn-ea"/>
-                <a:cs typeface="+mn-cs"/>
-              </a:defRPr>
-            </a:lvl4pPr>
-            <a:lvl5pPr marL="1828800" indent="0" algn="ctr" defTabSz="914400" rtl="0" eaLnBrk="1" latinLnBrk="0" hangingPunct="1">
-              <a:spcBef>
-                <a:spcPct val="20000"/>
-              </a:spcBef>
-              <a:buFont typeface="Arial" pitchFamily="34" charset="0"/>
-              <a:buNone/>
-              <a:defRPr sz="2000" kern="1200">
-                <a:solidFill>
-                  <a:schemeClr val="tx1">
-                    <a:tint val="75000"/>
-                  </a:schemeClr>
-                </a:solidFill>
-                <a:latin typeface="+mn-lt"/>
-                <a:ea typeface="+mn-ea"/>
-                <a:cs typeface="+mn-cs"/>
-              </a:defRPr>
-            </a:lvl5pPr>
-            <a:lvl6pPr marL="2286000" indent="0" algn="ctr" defTabSz="914400" rtl="0" eaLnBrk="1" latinLnBrk="0" hangingPunct="1">
-              <a:spcBef>
-                <a:spcPct val="20000"/>
-              </a:spcBef>
-              <a:buFont typeface="Arial" pitchFamily="34" charset="0"/>
-              <a:buNone/>
-              <a:defRPr sz="2000" kern="1200">
-                <a:solidFill>
-                  <a:schemeClr val="tx1">
-                    <a:tint val="75000"/>
-                  </a:schemeClr>
-                </a:solidFill>
-                <a:latin typeface="+mn-lt"/>
-                <a:ea typeface="+mn-ea"/>
-                <a:cs typeface="+mn-cs"/>
-              </a:defRPr>
-            </a:lvl6pPr>
-            <a:lvl7pPr marL="2743200" indent="0" algn="ctr" defTabSz="914400" rtl="0" eaLnBrk="1" latinLnBrk="0" hangingPunct="1">
-              <a:spcBef>
-                <a:spcPct val="20000"/>
-              </a:spcBef>
-              <a:buFont typeface="Arial" pitchFamily="34" charset="0"/>
-              <a:buNone/>
-              <a:defRPr sz="2000" kern="1200">
-                <a:solidFill>
-                  <a:schemeClr val="tx1">
-                    <a:tint val="75000"/>
-                  </a:schemeClr>
-                </a:solidFill>
-                <a:latin typeface="+mn-lt"/>
-                <a:ea typeface="+mn-ea"/>
-                <a:cs typeface="+mn-cs"/>
-              </a:defRPr>
-            </a:lvl7pPr>
-            <a:lvl8pPr marL="3200400" indent="0" algn="ctr" defTabSz="914400" rtl="0" eaLnBrk="1" latinLnBrk="0" hangingPunct="1">
-              <a:spcBef>
-                <a:spcPct val="20000"/>
-              </a:spcBef>
-              <a:buFont typeface="Arial" pitchFamily="34" charset="0"/>
-              <a:buNone/>
-              <a:defRPr sz="2000" kern="1200">
-                <a:solidFill>
-                  <a:schemeClr val="tx1">
-                    <a:tint val="75000"/>
-                  </a:schemeClr>
-                </a:solidFill>
-                <a:latin typeface="+mn-lt"/>
-                <a:ea typeface="+mn-ea"/>
-                <a:cs typeface="+mn-cs"/>
-              </a:defRPr>
-            </a:lvl8pPr>
-            <a:lvl9pPr marL="3657600" indent="0" algn="ctr" defTabSz="914400" rtl="0" eaLnBrk="1" latinLnBrk="0" hangingPunct="1">
-              <a:spcBef>
-                <a:spcPct val="20000"/>
-              </a:spcBef>
-              <a:buFont typeface="Arial" pitchFamily="34" charset="0"/>
-              <a:buNone/>
-              <a:defRPr sz="2000" kern="1200">
-                <a:solidFill>
-                  <a:schemeClr val="tx1">
-                    <a:tint val="75000"/>
-                  </a:schemeClr>
-                </a:solidFill>
-                <a:latin typeface="+mn-lt"/>
-                <a:ea typeface="+mn-ea"/>
-                <a:cs typeface="+mn-cs"/>
-              </a:defRPr>
-            </a:lvl9pPr>
-          </a:lstStyle>
-          <a:p>
-            <a:r>
-              <a:rPr lang="en-US" dirty="0"/>
-              <a:t>Steve Jones</a:t>
-            </a:r>
-          </a:p>
-          <a:p>
-            <a:r>
-              <a:rPr lang="en-US" dirty="0" err="1"/>
-              <a:t>SQLServerCentral</a:t>
-            </a:r>
-            <a:endParaRPr lang="en-US" dirty="0"/>
-          </a:p>
-          <a:p>
-            <a:r>
-              <a:rPr lang="en-US" dirty="0" err="1"/>
-              <a:t>Redgate</a:t>
-            </a:r>
-            <a:r>
-              <a:rPr lang="en-US" dirty="0"/>
-              <a:t> Software</a:t>
-            </a:r>
-          </a:p>
-        </p:txBody>
-      </p:sp>
-      <p:pic>
-        <p:nvPicPr>
-          <p:cNvPr id="5" name="Picture 4"/>
-          <p:cNvPicPr>
-            <a:picLocks noChangeAspect="1"/>
-          </p:cNvPicPr>
+                <a:latin typeface="Arial Bold" pitchFamily="-72" charset="0"/>
+              </a:rPr>
+              <a:t>Unit Testing T-SQL Code</a:t>
+            </a:r>
+          </a:p>
+        </p:txBody>
+      </p:sp>
+      <p:sp>
+        <p:nvSpPr>
+          <p:cNvPr id="6" name="Rectangle 5"/>
+          <p:cNvSpPr>
+            <a:spLocks noChangeArrowheads="1"/>
+          </p:cNvSpPr>
           <p:nvPr/>
-        </p:nvPicPr>
-        <p:blipFill>
-          <a:blip r:embed="rId3">
-            <a:extLst>
-              <a:ext uri="{28A0092B-C50C-407E-A947-70E740481C1C}">
-                <a14:useLocalDpi xmlns:a14="http://schemas.microsoft.com/office/drawing/2010/main" val="0"/>
-              </a:ext>
-            </a:extLst>
-          </a:blip>
-          <a:stretch>
-            <a:fillRect/>
-          </a:stretch>
-        </p:blipFill>
-        <p:spPr>
+        </p:nvSpPr>
+        <p:spPr bwMode="auto">
           <a:xfrm>
-            <a:off x="6629400" y="5623601"/>
-            <a:ext cx="2014815" cy="711111"/>
+            <a:off x="4240214" y="3356992"/>
+            <a:ext cx="3987800" cy="1900808"/>
           </a:xfrm>
           <a:prstGeom prst="rect">
             <a:avLst/>
           </a:prstGeom>
+          <a:noFill/>
+          <a:ln>
+            <a:noFill/>
+          </a:ln>
+          <a:effectLst/>
+          <a:extLst/>
         </p:spPr>
-      </p:pic>
-      <p:pic>
-        <p:nvPicPr>
-          <p:cNvPr id="6" name="Picture 5"/>
-          <p:cNvPicPr>
-            <a:picLocks noChangeAspect="1"/>
-          </p:cNvPicPr>
-          <p:nvPr/>
-        </p:nvPicPr>
-        <p:blipFill>
-          <a:blip r:embed="rId4">
-            <a:extLst>
-              <a:ext uri="{28A0092B-C50C-407E-A947-70E740481C1C}">
-                <a14:useLocalDpi xmlns:a14="http://schemas.microsoft.com/office/drawing/2010/main" val="0"/>
-              </a:ext>
-            </a:extLst>
-          </a:blip>
-          <a:stretch>
-            <a:fillRect/>
-          </a:stretch>
-        </p:blipFill>
-        <p:spPr>
-          <a:xfrm>
-            <a:off x="228600" y="5461676"/>
-            <a:ext cx="2922244" cy="1034961"/>
-          </a:xfrm>
-          <a:prstGeom prst="rect">
-            <a:avLst/>
-          </a:prstGeom>
-        </p:spPr>
-      </p:pic>
+        <p:txBody>
+          <a:bodyPr lIns="85923" tIns="42962" rIns="85923" bIns="42962">
+            <a:prstTxWarp prst="textNoShape">
+              <a:avLst/>
+            </a:prstTxWarp>
+          </a:bodyPr>
+          <a:lstStyle/>
+          <a:p>
+            <a:pPr algn="r"/>
+            <a:r>
+              <a:rPr lang="en-US" sz="2800" b="1" dirty="0">
+                <a:solidFill>
+                  <a:prstClr val="white">
+                    <a:lumMod val="85000"/>
+                  </a:prstClr>
+                </a:solidFill>
+              </a:rPr>
+              <a:t>Steve Jones</a:t>
+            </a:r>
+          </a:p>
+          <a:p>
+            <a:pPr algn="r"/>
+            <a:r>
+              <a:rPr lang="en-US" sz="2400" b="1" dirty="0">
+                <a:solidFill>
+                  <a:prstClr val="white">
+                    <a:lumMod val="85000"/>
+                  </a:prstClr>
+                </a:solidFill>
+              </a:rPr>
+              <a:t>Editor, </a:t>
+            </a:r>
+          </a:p>
+          <a:p>
+            <a:pPr algn="r"/>
+            <a:r>
+              <a:rPr lang="en-US" sz="2400" b="1" dirty="0" err="1">
+                <a:solidFill>
+                  <a:prstClr val="white">
+                    <a:lumMod val="85000"/>
+                  </a:prstClr>
+                </a:solidFill>
+              </a:rPr>
+              <a:t>SQLServerCentral</a:t>
+            </a:r>
+            <a:endParaRPr lang="en-US" sz="2400" b="1" dirty="0">
+              <a:solidFill>
+                <a:prstClr val="white">
+                  <a:lumMod val="85000"/>
+                </a:prstClr>
+              </a:solidFill>
+            </a:endParaRPr>
+          </a:p>
+          <a:p>
+            <a:pPr algn="r"/>
+            <a:r>
+              <a:rPr lang="en-US" sz="2400" b="1" dirty="0">
+                <a:solidFill>
+                  <a:prstClr val="white">
+                    <a:lumMod val="85000"/>
+                  </a:prstClr>
+                </a:solidFill>
+              </a:rPr>
+              <a:t>Redgate Software</a:t>
+            </a:r>
+          </a:p>
+          <a:p>
+            <a:endParaRPr lang="en-US" b="1" dirty="0">
+              <a:solidFill>
+                <a:srgbClr val="FFF1D6"/>
+              </a:solidFill>
+            </a:endParaRPr>
+          </a:p>
+          <a:p>
+            <a:endParaRPr lang="en-US" sz="1400" dirty="0">
+              <a:solidFill>
+                <a:prstClr val="black"/>
+              </a:solidFill>
+              <a:latin typeface="Times New Roman" pitchFamily="-72" charset="0"/>
+            </a:endParaRPr>
+          </a:p>
+        </p:txBody>
+      </p:sp>
     </p:spTree>
     <p:extLst>
       <p:ext uri="{BB962C8B-B14F-4D97-AF65-F5344CB8AC3E}">
-        <p14:creationId xmlns:p14="http://schemas.microsoft.com/office/powerpoint/2010/main" val="1037808691"/>
+        <p14:creationId xmlns:p14="http://schemas.microsoft.com/office/powerpoint/2010/main" val="2860533796"/>
       </p:ext>
     </p:extLst>
   </p:cSld>
   <p:clrMapOvr>
     <a:masterClrMapping/>
   </p:clrMapOvr>
+  <p:transition spd="slow"/>
 </p:sld>
 </file>
 
@@ -5002,7 +8307,7 @@
           <a:p>
             <a:r>
               <a:rPr lang="en-US" dirty="0"/>
-              <a:t>Building Tests</a:t>
+              <a:t>Writing Tests</a:t>
             </a:r>
           </a:p>
         </p:txBody>
@@ -5024,19 +8329,38 @@
           <a:p>
             <a:r>
               <a:rPr lang="en-US" dirty="0"/>
-              <a:t>We want repeatable tests</a:t>
+              <a:t>TDD?</a:t>
             </a:r>
           </a:p>
           <a:p>
             <a:r>
               <a:rPr lang="en-US" dirty="0"/>
-              <a:t>We want automated tests</a:t>
+              <a:t>Write tests during coding</a:t>
             </a:r>
           </a:p>
           <a:p>
             <a:r>
               <a:rPr lang="en-US" dirty="0"/>
-              <a:t>We want a suite of tests</a:t>
+              <a:t>Write after if you must.</a:t>
+            </a:r>
+          </a:p>
+          <a:p>
+            <a:pPr lvl="1"/>
+            <a:r>
+              <a:rPr lang="en-US" dirty="0"/>
+              <a:t>Good for existing code</a:t>
+            </a:r>
+          </a:p>
+          <a:p>
+            <a:r>
+              <a:rPr lang="en-US" dirty="0"/>
+              <a:t>Write tests as you get feedback from CI and QA testing.</a:t>
+            </a:r>
+          </a:p>
+          <a:p>
+            <a:r>
+              <a:rPr lang="en-US" dirty="0"/>
+              <a:t>Write tests for ALL bug reports</a:t>
             </a:r>
           </a:p>
         </p:txBody>
@@ -5044,7 +8368,7 @@
     </p:spTree>
     <p:extLst>
       <p:ext uri="{BB962C8B-B14F-4D97-AF65-F5344CB8AC3E}">
-        <p14:creationId xmlns:p14="http://schemas.microsoft.com/office/powerpoint/2010/main" val="2858332371"/>
+        <p14:creationId xmlns:p14="http://schemas.microsoft.com/office/powerpoint/2010/main" val="1110580934"/>
       </p:ext>
     </p:extLst>
   </p:cSld>
@@ -5088,7 +8412,7 @@
           <a:p>
             <a:r>
               <a:rPr lang="en-US" dirty="0"/>
-              <a:t>Writing Tests</a:t>
+              <a:t>Structure of tests</a:t>
             </a:r>
           </a:p>
         </p:txBody>
@@ -5105,49 +8429,139 @@
         </p:nvSpPr>
         <p:spPr/>
         <p:txBody>
-          <a:bodyPr/>
+          <a:bodyPr>
+            <a:normAutofit lnSpcReduction="10000"/>
+          </a:bodyPr>
           <a:lstStyle/>
           <a:p>
-            <a:r>
-              <a:rPr lang="en-US" dirty="0"/>
-              <a:t>TDD?</a:t>
-            </a:r>
-          </a:p>
-          <a:p>
-            <a:r>
-              <a:rPr lang="en-US" dirty="0" err="1"/>
-              <a:t>DurinWrite</a:t>
-            </a:r>
-            <a:r>
-              <a:rPr lang="en-US" dirty="0"/>
-              <a:t> after if you must.</a:t>
-            </a:r>
-          </a:p>
-          <a:p>
-            <a:pPr lvl="1"/>
-            <a:r>
-              <a:rPr lang="en-US" dirty="0"/>
-              <a:t>Good for existing code</a:t>
-            </a:r>
-          </a:p>
-          <a:p>
-            <a:r>
-              <a:rPr lang="en-US" dirty="0"/>
-              <a:t>g development.</a:t>
-            </a:r>
-          </a:p>
-          <a:p>
-            <a:r>
-              <a:rPr lang="en-US" dirty="0"/>
-              <a:t>Write as you get feedback from CI and QA testing.</a:t>
-            </a:r>
+            <a:pPr>
+              <a:spcAft>
+                <a:spcPts val="450"/>
+              </a:spcAft>
+            </a:pPr>
+            <a:r>
+              <a:rPr lang="en-US" sz="2400" b="1" dirty="0">
+                <a:cs typeface="Arial" panose="020B0604020202020204" pitchFamily="34" charset="0"/>
+              </a:rPr>
+              <a:t>Classes</a:t>
+            </a:r>
+          </a:p>
+          <a:p>
+            <a:pPr marL="933450" lvl="1" indent="-457200">
+              <a:buFont typeface="Arial" panose="020B0604020202020204" pitchFamily="34" charset="0"/>
+              <a:buChar char="•"/>
+            </a:pPr>
+            <a:r>
+              <a:rPr lang="en-US" sz="2400" dirty="0">
+                <a:cs typeface="Arial" panose="020B0604020202020204" pitchFamily="34" charset="0"/>
+              </a:rPr>
+              <a:t>Group by object/area being tested</a:t>
+            </a:r>
+          </a:p>
+          <a:p>
+            <a:pPr marL="933450" lvl="1" indent="-457200">
+              <a:buFont typeface="Arial" panose="020B0604020202020204" pitchFamily="34" charset="0"/>
+              <a:buChar char="•"/>
+            </a:pPr>
+            <a:r>
+              <a:rPr lang="en-US" sz="2400" dirty="0">
+                <a:cs typeface="Arial" panose="020B0604020202020204" pitchFamily="34" charset="0"/>
+              </a:rPr>
+              <a:t>Or scale (Google – S, M, L)</a:t>
+            </a:r>
+          </a:p>
+          <a:p>
+            <a:pPr marL="819150" lvl="1" indent="-342900">
+              <a:buFont typeface="Arial" panose="020B0604020202020204" pitchFamily="34" charset="0"/>
+              <a:buChar char="•"/>
+            </a:pPr>
+            <a:r>
+              <a:rPr lang="en-US" sz="2400" dirty="0">
+                <a:cs typeface="Arial" panose="020B0604020202020204" pitchFamily="34" charset="0"/>
+              </a:rPr>
+              <a:t> </a:t>
+            </a:r>
+          </a:p>
+          <a:p>
+            <a:pPr>
+              <a:spcAft>
+                <a:spcPts val="450"/>
+              </a:spcAft>
+            </a:pPr>
+            <a:r>
+              <a:rPr lang="en-US" sz="2400" b="1" dirty="0">
+                <a:cs typeface="Arial" panose="020B0604020202020204" pitchFamily="34" charset="0"/>
+              </a:rPr>
+              <a:t>Layout</a:t>
+            </a:r>
+          </a:p>
+          <a:p>
+            <a:pPr marL="933450" lvl="1" indent="-457200">
+              <a:buFont typeface="Arial" panose="020B0604020202020204" pitchFamily="34" charset="0"/>
+              <a:buChar char="•"/>
+            </a:pPr>
+            <a:r>
+              <a:rPr lang="en-US" sz="2400" dirty="0">
+                <a:cs typeface="Arial" panose="020B0604020202020204" pitchFamily="34" charset="0"/>
+              </a:rPr>
+              <a:t>Assemble</a:t>
+            </a:r>
+          </a:p>
+          <a:p>
+            <a:pPr marL="933450" lvl="1" indent="-457200">
+              <a:buFont typeface="Arial" panose="020B0604020202020204" pitchFamily="34" charset="0"/>
+              <a:buChar char="•"/>
+            </a:pPr>
+            <a:r>
+              <a:rPr lang="en-US" sz="2400" dirty="0">
+                <a:cs typeface="Arial" panose="020B0604020202020204" pitchFamily="34" charset="0"/>
+              </a:rPr>
+              <a:t>Act</a:t>
+            </a:r>
+          </a:p>
+          <a:p>
+            <a:pPr marL="933450" lvl="1" indent="-457200">
+              <a:buFont typeface="Arial" panose="020B0604020202020204" pitchFamily="34" charset="0"/>
+              <a:buChar char="•"/>
+            </a:pPr>
+            <a:r>
+              <a:rPr lang="en-US" sz="2400" dirty="0">
+                <a:cs typeface="Arial" panose="020B0604020202020204" pitchFamily="34" charset="0"/>
+              </a:rPr>
+              <a:t>Assert</a:t>
+            </a:r>
+          </a:p>
+          <a:p>
+            <a:pPr marL="933450" lvl="1" indent="-457200">
+              <a:buFont typeface="Arial" panose="020B0604020202020204" pitchFamily="34" charset="0"/>
+              <a:buChar char="•"/>
+            </a:pPr>
+            <a:endParaRPr lang="en-US" sz="2400" dirty="0">
+              <a:cs typeface="Arial" panose="020B0604020202020204" pitchFamily="34" charset="0"/>
+            </a:endParaRPr>
+          </a:p>
+          <a:p>
+            <a:pPr>
+              <a:spcAft>
+                <a:spcPts val="450"/>
+              </a:spcAft>
+            </a:pPr>
+            <a:r>
+              <a:rPr lang="en-US" sz="2400" b="1" dirty="0">
+                <a:cs typeface="Arial" panose="020B0604020202020204" pitchFamily="34" charset="0"/>
+              </a:rPr>
+              <a:t>Tests fail first</a:t>
+            </a:r>
+          </a:p>
+          <a:p>
+            <a:endParaRPr lang="en-US" dirty="0"/>
           </a:p>
         </p:txBody>
       </p:sp>
     </p:spTree>
     <p:extLst>
       <p:ext uri="{BB962C8B-B14F-4D97-AF65-F5344CB8AC3E}">
-        <p14:creationId xmlns:p14="http://schemas.microsoft.com/office/powerpoint/2010/main" val="1110580934"/>
+        <p14:creationId xmlns:p14="http://schemas.microsoft.com/office/powerpoint/2010/main" val="3790041024"/>
       </p:ext>
     </p:extLst>
   </p:cSld>
@@ -5191,7 +8605,7 @@
           <a:p>
             <a:r>
               <a:rPr lang="en-US" dirty="0"/>
-              <a:t>Structure of tests</a:t>
+              <a:t>Test Data</a:t>
             </a:r>
           </a:p>
         </p:txBody>
@@ -5208,139 +8622,32 @@
         </p:nvSpPr>
         <p:spPr/>
         <p:txBody>
-          <a:bodyPr>
-            <a:normAutofit lnSpcReduction="10000"/>
-          </a:bodyPr>
+          <a:bodyPr/>
           <a:lstStyle/>
           <a:p>
-            <a:pPr>
-              <a:spcAft>
-                <a:spcPts val="450"/>
-              </a:spcAft>
-            </a:pPr>
-            <a:r>
-              <a:rPr lang="en-US" sz="2400" b="1" dirty="0">
-                <a:cs typeface="Arial" panose="020B0604020202020204" pitchFamily="34" charset="0"/>
-              </a:rPr>
-              <a:t>Classes</a:t>
-            </a:r>
-          </a:p>
-          <a:p>
-            <a:pPr marL="933450" lvl="1" indent="-457200">
-              <a:buFont typeface="Arial" panose="020B0604020202020204" pitchFamily="34" charset="0"/>
-              <a:buChar char="•"/>
-            </a:pPr>
-            <a:r>
-              <a:rPr lang="en-US" sz="2400" dirty="0">
-                <a:cs typeface="Arial" panose="020B0604020202020204" pitchFamily="34" charset="0"/>
-              </a:rPr>
-              <a:t>Group by object/area being tested</a:t>
-            </a:r>
-          </a:p>
-          <a:p>
-            <a:pPr marL="933450" lvl="1" indent="-457200">
-              <a:buFont typeface="Arial" panose="020B0604020202020204" pitchFamily="34" charset="0"/>
-              <a:buChar char="•"/>
-            </a:pPr>
-            <a:r>
-              <a:rPr lang="en-US" sz="2400" dirty="0">
-                <a:cs typeface="Arial" panose="020B0604020202020204" pitchFamily="34" charset="0"/>
-              </a:rPr>
-              <a:t>Or scale (Google – S, M, L)</a:t>
-            </a:r>
-          </a:p>
-          <a:p>
-            <a:pPr marL="819150" lvl="1" indent="-342900">
-              <a:buFont typeface="Arial" panose="020B0604020202020204" pitchFamily="34" charset="0"/>
-              <a:buChar char="•"/>
-            </a:pPr>
-            <a:r>
-              <a:rPr lang="en-US" sz="2400" dirty="0">
-                <a:cs typeface="Arial" panose="020B0604020202020204" pitchFamily="34" charset="0"/>
-              </a:rPr>
-              <a:t> </a:t>
-            </a:r>
-          </a:p>
-          <a:p>
-            <a:pPr>
-              <a:spcAft>
-                <a:spcPts val="450"/>
-              </a:spcAft>
-            </a:pPr>
-            <a:r>
-              <a:rPr lang="en-US" sz="2400" b="1" dirty="0">
-                <a:cs typeface="Arial" panose="020B0604020202020204" pitchFamily="34" charset="0"/>
-              </a:rPr>
-              <a:t>Layout</a:t>
-            </a:r>
-          </a:p>
-          <a:p>
-            <a:pPr marL="933450" lvl="1" indent="-457200">
-              <a:buFont typeface="Arial" panose="020B0604020202020204" pitchFamily="34" charset="0"/>
-              <a:buChar char="•"/>
-            </a:pPr>
-            <a:r>
-              <a:rPr lang="en-US" sz="2400" dirty="0">
-                <a:cs typeface="Arial" panose="020B0604020202020204" pitchFamily="34" charset="0"/>
-              </a:rPr>
-              <a:t>Assemble</a:t>
-            </a:r>
-          </a:p>
-          <a:p>
-            <a:pPr marL="933450" lvl="1" indent="-457200">
-              <a:buFont typeface="Arial" panose="020B0604020202020204" pitchFamily="34" charset="0"/>
-              <a:buChar char="•"/>
-            </a:pPr>
-            <a:r>
-              <a:rPr lang="en-US" sz="2400" dirty="0">
-                <a:cs typeface="Arial" panose="020B0604020202020204" pitchFamily="34" charset="0"/>
-              </a:rPr>
-              <a:t>Act</a:t>
-            </a:r>
-          </a:p>
-          <a:p>
-            <a:pPr marL="933450" lvl="1" indent="-457200">
-              <a:buFont typeface="Arial" panose="020B0604020202020204" pitchFamily="34" charset="0"/>
-              <a:buChar char="•"/>
-            </a:pPr>
-            <a:r>
-              <a:rPr lang="en-US" sz="2400" dirty="0">
-                <a:cs typeface="Arial" panose="020B0604020202020204" pitchFamily="34" charset="0"/>
-              </a:rPr>
-              <a:t>Assert</a:t>
-            </a:r>
-          </a:p>
-          <a:p>
-            <a:pPr marL="933450" lvl="1" indent="-457200">
-              <a:buFont typeface="Arial" panose="020B0604020202020204" pitchFamily="34" charset="0"/>
-              <a:buChar char="•"/>
-            </a:pPr>
-            <a:endParaRPr lang="en-US" sz="2400" dirty="0">
-              <a:cs typeface="Arial" panose="020B0604020202020204" pitchFamily="34" charset="0"/>
-            </a:endParaRPr>
-          </a:p>
-          <a:p>
-            <a:pPr>
-              <a:spcAft>
-                <a:spcPts val="450"/>
-              </a:spcAft>
-            </a:pPr>
-            <a:r>
-              <a:rPr lang="en-US" sz="2400" b="1" dirty="0">
-                <a:cs typeface="Arial" panose="020B0604020202020204" pitchFamily="34" charset="0"/>
-              </a:rPr>
-              <a:t>Tests fail first</a:t>
-            </a:r>
-          </a:p>
-          <a:p>
-            <a:endParaRPr lang="en-US" dirty="0"/>
+            <a:r>
+              <a:rPr lang="en-US" dirty="0"/>
+              <a:t>We don't need lots of data to write code</a:t>
+            </a:r>
+          </a:p>
+          <a:p>
+            <a:r>
+              <a:rPr lang="en-US" dirty="0"/>
+              <a:t>Ideally our tests contain data</a:t>
+            </a:r>
+          </a:p>
+          <a:p>
+            <a:r>
+              <a:rPr lang="en-US" dirty="0"/>
+              <a:t>For more extensive testing, we should have a curated set of data that all developers (and systems) use.</a:t>
+            </a:r>
           </a:p>
         </p:txBody>
       </p:sp>
     </p:spTree>
     <p:extLst>
       <p:ext uri="{BB962C8B-B14F-4D97-AF65-F5344CB8AC3E}">
-        <p14:creationId xmlns:p14="http://schemas.microsoft.com/office/powerpoint/2010/main" val="3790041024"/>
+        <p14:creationId xmlns:p14="http://schemas.microsoft.com/office/powerpoint/2010/main" val="1968612938"/>
       </p:ext>
     </p:extLst>
   </p:cSld>
@@ -5369,7 +8676,7 @@
       </p:grpSpPr>
       <p:sp>
         <p:nvSpPr>
-          <p:cNvPr id="2" name="Title 1"/>
+          <p:cNvPr id="4" name="Title 3"/>
           <p:cNvSpPr>
             <a:spLocks noGrp="1"/>
           </p:cNvSpPr>
@@ -5391,12 +8698,12 @@
       </p:sp>
       <p:sp>
         <p:nvSpPr>
-          <p:cNvPr id="3" name="Content Placeholder 2"/>
-          <p:cNvSpPr>
-            <a:spLocks noGrp="1"/>
-          </p:cNvSpPr>
-          <p:nvPr>
-            <p:ph idx="1"/>
+          <p:cNvPr id="5" name="Text Placeholder 4"/>
+          <p:cNvSpPr>
+            <a:spLocks noGrp="1"/>
+          </p:cNvSpPr>
+          <p:nvPr>
+            <p:ph type="body" idx="1"/>
           </p:nvPr>
         </p:nvSpPr>
         <p:spPr/>
@@ -5406,19 +8713,7 @@
           <a:p>
             <a:r>
               <a:rPr lang="en-US" dirty="0"/>
-              <a:t>We don't need lots of data to write code</a:t>
-            </a:r>
-          </a:p>
-          <a:p>
-            <a:r>
-              <a:rPr lang="en-US" dirty="0"/>
-              <a:t>Ideally our tests contain data</a:t>
-            </a:r>
-          </a:p>
-          <a:p>
-            <a:r>
-              <a:rPr lang="en-US" dirty="0"/>
-              <a:t>For more extensive testing, we should have a curated set of data that all developers (and systems) use.</a:t>
+              <a:t>Demo</a:t>
             </a:r>
           </a:p>
         </p:txBody>
@@ -5426,7 +8721,7 @@
     </p:spTree>
     <p:extLst>
       <p:ext uri="{BB962C8B-B14F-4D97-AF65-F5344CB8AC3E}">
-        <p14:creationId xmlns:p14="http://schemas.microsoft.com/office/powerpoint/2010/main" val="1968612938"/>
+        <p14:creationId xmlns:p14="http://schemas.microsoft.com/office/powerpoint/2010/main" val="3540592545"/>
       </p:ext>
     </p:extLst>
   </p:cSld>
@@ -5455,7 +8750,7 @@
       </p:grpSpPr>
       <p:sp>
         <p:nvSpPr>
-          <p:cNvPr id="4" name="Title 3"/>
+          <p:cNvPr id="2" name="Title 1"/>
           <p:cNvSpPr>
             <a:spLocks noGrp="1"/>
           </p:cNvSpPr>
@@ -5470,29 +8765,7 @@
           <a:p>
             <a:r>
               <a:rPr lang="en-US" dirty="0"/>
-              <a:t>Test Data</a:t>
-            </a:r>
-          </a:p>
-        </p:txBody>
-      </p:sp>
-      <p:sp>
-        <p:nvSpPr>
-          <p:cNvPr id="5" name="Text Placeholder 4"/>
-          <p:cNvSpPr>
-            <a:spLocks noGrp="1"/>
-          </p:cNvSpPr>
-          <p:nvPr>
-            <p:ph type="body" idx="1"/>
-          </p:nvPr>
-        </p:nvSpPr>
-        <p:spPr/>
-        <p:txBody>
-          <a:bodyPr/>
-          <a:lstStyle/>
-          <a:p>
-            <a:r>
-              <a:rPr lang="en-US" dirty="0"/>
-              <a:t>Demo</a:t>
+              <a:t>Database Testing Frameworks</a:t>
             </a:r>
           </a:p>
         </p:txBody>
@@ -5500,7 +8773,7 @@
     </p:spTree>
     <p:extLst>
       <p:ext uri="{BB962C8B-B14F-4D97-AF65-F5344CB8AC3E}">
-        <p14:creationId xmlns:p14="http://schemas.microsoft.com/office/powerpoint/2010/main" val="3540592545"/>
+        <p14:creationId xmlns:p14="http://schemas.microsoft.com/office/powerpoint/2010/main" val="3452093907"/>
       </p:ext>
     </p:extLst>
   </p:cSld>
@@ -5543,35 +8816,116 @@
           <a:lstStyle/>
           <a:p>
             <a:r>
+              <a:rPr lang="en-US" dirty="0" err="1"/>
+              <a:t>tSQLt</a:t>
+            </a:r>
+            <a:endParaRPr lang="en-US" dirty="0"/>
+          </a:p>
+        </p:txBody>
+      </p:sp>
+      <p:sp>
+        <p:nvSpPr>
+          <p:cNvPr id="3" name="Content Placeholder 2"/>
+          <p:cNvSpPr>
+            <a:spLocks noGrp="1"/>
+          </p:cNvSpPr>
+          <p:nvPr>
+            <p:ph idx="1"/>
+          </p:nvPr>
+        </p:nvSpPr>
+        <p:spPr/>
+        <p:txBody>
+          <a:bodyPr>
+            <a:normAutofit/>
+          </a:bodyPr>
+          <a:lstStyle/>
+          <a:p>
+            <a:r>
+              <a:rPr lang="en-US" dirty="0" err="1"/>
+              <a:t>tSQLt</a:t>
+            </a:r>
+            <a:r>
               <a:rPr lang="en-US" dirty="0"/>
-              <a:t>Database Testing Frameworks</a:t>
-            </a:r>
-          </a:p>
-        </p:txBody>
-      </p:sp>
-      <p:sp>
-        <p:nvSpPr>
-          <p:cNvPr id="3" name="Text Placeholder 2"/>
-          <p:cNvSpPr>
-            <a:spLocks noGrp="1"/>
-          </p:cNvSpPr>
-          <p:nvPr>
-            <p:ph type="body" idx="1"/>
-          </p:nvPr>
-        </p:nvSpPr>
-        <p:spPr/>
-        <p:txBody>
-          <a:bodyPr/>
-          <a:lstStyle/>
-          <a:p>
-            <a:endParaRPr lang="en-US"/>
+              <a:t> is a free, similar to </a:t>
+            </a:r>
+            <a:r>
+              <a:rPr lang="en-US" dirty="0" err="1"/>
+              <a:t>nUnit</a:t>
+            </a:r>
+            <a:r>
+              <a:rPr lang="en-US" dirty="0"/>
+              <a:t>/</a:t>
+            </a:r>
+            <a:r>
+              <a:rPr lang="en-US" dirty="0" err="1"/>
+              <a:t>jUnit</a:t>
+            </a:r>
+            <a:endParaRPr lang="en-US" dirty="0"/>
+          </a:p>
+          <a:p>
+            <a:r>
+              <a:rPr lang="en-US" dirty="0">
+                <a:hlinkClick r:id="rId3"/>
+              </a:rPr>
+              <a:t>tSQLt.org</a:t>
+            </a:r>
+            <a:r>
+              <a:rPr lang="en-US" dirty="0"/>
+              <a:t> (requires CLR)</a:t>
+            </a:r>
+          </a:p>
+          <a:p>
+            <a:pPr lvl="1"/>
+            <a:r>
+              <a:rPr lang="en-US" dirty="0"/>
+              <a:t>Stored procedures in their own schema</a:t>
+            </a:r>
+          </a:p>
+          <a:p>
+            <a:pPr lvl="1"/>
+            <a:r>
+              <a:rPr lang="en-US" dirty="0"/>
+              <a:t>Can run setup before tests</a:t>
+            </a:r>
+          </a:p>
+          <a:p>
+            <a:pPr lvl="1"/>
+            <a:r>
+              <a:rPr lang="en-US" dirty="0"/>
+              <a:t>Can mock objects </a:t>
+            </a:r>
+          </a:p>
+          <a:p>
+            <a:pPr lvl="1"/>
+            <a:r>
+              <a:rPr lang="en-US" dirty="0"/>
+              <a:t>Can implement teardown</a:t>
+            </a:r>
+          </a:p>
+          <a:p>
+            <a:r>
+              <a:rPr lang="en-US" dirty="0">
+                <a:hlinkClick r:id="rId4"/>
+              </a:rPr>
+              <a:t>Support via Google Groups</a:t>
+            </a:r>
+            <a:endParaRPr lang="en-US" dirty="0"/>
+          </a:p>
+          <a:p>
+            <a:r>
+              <a:rPr lang="en-US" dirty="0">
+                <a:hlinkClick r:id="rId5"/>
+              </a:rPr>
+              <a:t>Articles at Simple Talk</a:t>
+            </a:r>
+            <a:endParaRPr lang="en-US" dirty="0"/>
           </a:p>
         </p:txBody>
       </p:sp>
     </p:spTree>
     <p:extLst>
       <p:ext uri="{BB962C8B-B14F-4D97-AF65-F5344CB8AC3E}">
-        <p14:creationId xmlns:p14="http://schemas.microsoft.com/office/powerpoint/2010/main" val="3452093907"/>
+        <p14:creationId xmlns:p14="http://schemas.microsoft.com/office/powerpoint/2010/main" val="2399096538"/>
       </p:ext>
     </p:extLst>
   </p:cSld>
@@ -5614,10 +8968,9 @@
           <a:lstStyle/>
           <a:p>
             <a:r>
-              <a:rPr lang="en-US" dirty="0" err="1"/>
-              <a:t>tSQLt</a:t>
-            </a:r>
-            <a:endParaRPr lang="en-US" dirty="0"/>
+              <a:rPr lang="en-US" dirty="0"/>
+              <a:t>Microsoft Unit Testing Framework</a:t>
+            </a:r>
           </a:p>
         </p:txBody>
       </p:sp>
@@ -5633,89 +8986,33 @@
         </p:nvSpPr>
         <p:spPr/>
         <p:txBody>
-          <a:bodyPr>
-            <a:normAutofit/>
-          </a:bodyPr>
+          <a:bodyPr/>
           <a:lstStyle/>
           <a:p>
             <a:r>
-              <a:rPr lang="en-US" dirty="0" err="1"/>
-              <a:t>tSQLt</a:t>
-            </a:r>
-            <a:r>
               <a:rPr lang="en-US" dirty="0"/>
-              <a:t> is a free, similar to </a:t>
-            </a:r>
-            <a:r>
-              <a:rPr lang="en-US" dirty="0" err="1"/>
-              <a:t>nUnit</a:t>
-            </a:r>
+              <a:t>For SQL Server, implemented as part of SSDT</a:t>
+            </a:r>
+          </a:p>
+          <a:p>
             <a:r>
               <a:rPr lang="en-US" dirty="0"/>
-              <a:t>/</a:t>
-            </a:r>
-            <a:r>
-              <a:rPr lang="en-US" dirty="0" err="1"/>
-              <a:t>jUnit</a:t>
-            </a:r>
-            <a:endParaRPr lang="en-US" dirty="0"/>
-          </a:p>
-          <a:p>
-            <a:r>
-              <a:rPr lang="en-US" dirty="0">
-                <a:hlinkClick r:id="rId3"/>
-              </a:rPr>
-              <a:t>tSQLt.org</a:t>
-            </a:r>
+              <a:t>This framework allows us to write tests in T-SQL.</a:t>
+            </a:r>
+          </a:p>
+          <a:p>
             <a:r>
               <a:rPr lang="en-US" dirty="0"/>
-              <a:t> (requires CLR)</a:t>
-            </a:r>
-          </a:p>
-          <a:p>
-            <a:pPr lvl="1"/>
+              <a:t>Tests are a part of a Visual Studio Database Project</a:t>
+            </a:r>
+          </a:p>
+          <a:p>
             <a:r>
               <a:rPr lang="en-US" dirty="0"/>
-              <a:t>Stored procedures in their own schema</a:t>
-            </a:r>
-          </a:p>
-          <a:p>
-            <a:pPr lvl="1"/>
-            <a:r>
-              <a:rPr lang="en-US" dirty="0"/>
-              <a:t>Can run setup before tests</a:t>
-            </a:r>
-          </a:p>
-          <a:p>
-            <a:pPr lvl="1"/>
-            <a:r>
-              <a:rPr lang="en-US" dirty="0"/>
-              <a:t>Can mock objects </a:t>
-            </a:r>
-          </a:p>
-          <a:p>
-            <a:pPr lvl="1"/>
-            <a:r>
-              <a:rPr lang="en-US" dirty="0"/>
-              <a:t>Can implement teardown</a:t>
-            </a:r>
-          </a:p>
-          <a:p>
-            <a:r>
-              <a:rPr lang="en-US" dirty="0">
-                <a:hlinkClick r:id="rId4"/>
-              </a:rPr>
-              <a:t>Support via Google Groups</a:t>
-            </a:r>
-            <a:endParaRPr lang="en-US" dirty="0"/>
-          </a:p>
-          <a:p>
-            <a:r>
-              <a:rPr lang="en-US" dirty="0">
-                <a:hlinkClick r:id="rId5"/>
-              </a:rPr>
-              <a:t>Articles at Simple Talk</a:t>
-            </a:r>
+              <a:t>The framework handles transaction wrapping</a:t>
+            </a:r>
+          </a:p>
+          <a:p>
             <a:endParaRPr lang="en-US" dirty="0"/>
           </a:p>
         </p:txBody>
@@ -5723,7 +9020,7 @@
     </p:spTree>
     <p:extLst>
       <p:ext uri="{BB962C8B-B14F-4D97-AF65-F5344CB8AC3E}">
-        <p14:creationId xmlns:p14="http://schemas.microsoft.com/office/powerpoint/2010/main" val="2399096538"/>
+        <p14:creationId xmlns:p14="http://schemas.microsoft.com/office/powerpoint/2010/main" val="966011027"/>
       </p:ext>
     </p:extLst>
   </p:cSld>
@@ -5750,101 +9047,6 @@
           <a:chExt cx="0" cy="0"/>
         </a:xfrm>
       </p:grpSpPr>
-      <p:sp>
-        <p:nvSpPr>
-          <p:cNvPr id="2" name="Title 1"/>
-          <p:cNvSpPr>
-            <a:spLocks noGrp="1"/>
-          </p:cNvSpPr>
-          <p:nvPr>
-            <p:ph type="title"/>
-          </p:nvPr>
-        </p:nvSpPr>
-        <p:spPr/>
-        <p:txBody>
-          <a:bodyPr/>
-          <a:lstStyle/>
-          <a:p>
-            <a:r>
-              <a:rPr lang="en-US" dirty="0"/>
-              <a:t>Microsoft Unit Testing Framework</a:t>
-            </a:r>
-          </a:p>
-        </p:txBody>
-      </p:sp>
-      <p:sp>
-        <p:nvSpPr>
-          <p:cNvPr id="3" name="Content Placeholder 2"/>
-          <p:cNvSpPr>
-            <a:spLocks noGrp="1"/>
-          </p:cNvSpPr>
-          <p:nvPr>
-            <p:ph idx="1"/>
-          </p:nvPr>
-        </p:nvSpPr>
-        <p:spPr/>
-        <p:txBody>
-          <a:bodyPr/>
-          <a:lstStyle/>
-          <a:p>
-            <a:r>
-              <a:rPr lang="en-US" dirty="0"/>
-              <a:t>For SQL Server, implemented as part of SSDT</a:t>
-            </a:r>
-          </a:p>
-          <a:p>
-            <a:r>
-              <a:rPr lang="en-US" dirty="0"/>
-              <a:t>This framework allows us to write tests in T-SQL.</a:t>
-            </a:r>
-          </a:p>
-          <a:p>
-            <a:r>
-              <a:rPr lang="en-US" dirty="0"/>
-              <a:t>Tests are a part of a Visual Studio Database Project</a:t>
-            </a:r>
-          </a:p>
-          <a:p>
-            <a:r>
-              <a:rPr lang="en-US" dirty="0"/>
-              <a:t>The framework handles transaction wrapping</a:t>
-            </a:r>
-          </a:p>
-          <a:p>
-            <a:endParaRPr lang="en-US" dirty="0"/>
-          </a:p>
-        </p:txBody>
-      </p:sp>
-    </p:spTree>
-    <p:extLst>
-      <p:ext uri="{BB962C8B-B14F-4D97-AF65-F5344CB8AC3E}">
-        <p14:creationId xmlns:p14="http://schemas.microsoft.com/office/powerpoint/2010/main" val="966011027"/>
-      </p:ext>
-    </p:extLst>
-  </p:cSld>
-  <p:clrMapOvr>
-    <a:masterClrMapping/>
-  </p:clrMapOvr>
-</p:sld>
-</file>
-
-<file path=ppt/slides/slide18.xml><?xml version="1.0" encoding="utf-8"?>
-<p:sld xmlns:a="http://schemas.openxmlformats.org/drawingml/2006/main" xmlns:r="http://schemas.openxmlformats.org/officeDocument/2006/relationships" xmlns:p="http://schemas.openxmlformats.org/presentationml/2006/main">
-  <p:cSld>
-    <p:spTree>
-      <p:nvGrpSpPr>
-        <p:cNvPr id="1" name=""/>
-        <p:cNvGrpSpPr/>
-        <p:nvPr/>
-      </p:nvGrpSpPr>
-      <p:grpSpPr>
-        <a:xfrm>
-          <a:off x="0" y="0"/>
-          <a:ext cx="0" cy="0"/>
-          <a:chOff x="0" y="0"/>
-          <a:chExt cx="0" cy="0"/>
-        </a:xfrm>
-      </p:grpSpPr>
       <p:pic>
         <p:nvPicPr>
           <p:cNvPr id="5" name="Content Placeholder 4"/>
@@ -5856,7 +9058,7 @@
           </p:nvPr>
         </p:nvPicPr>
         <p:blipFill>
-          <a:blip r:embed="rId2">
+          <a:blip r:embed="rId3">
             <a:extLst>
               <a:ext uri="{28A0092B-C50C-407E-A947-70E740481C1C}">
                 <a14:useLocalDpi xmlns:a14="http://schemas.microsoft.com/office/drawing/2010/main" val="0"/>
@@ -5887,6 +9089,103 @@
 </p:sld>
 </file>
 
+<file path=ppt/slides/slide18.xml><?xml version="1.0" encoding="utf-8"?>
+<p:sld xmlns:a="http://schemas.openxmlformats.org/drawingml/2006/main" xmlns:r="http://schemas.openxmlformats.org/officeDocument/2006/relationships" xmlns:p="http://schemas.openxmlformats.org/presentationml/2006/main">
+  <p:cSld>
+    <p:spTree>
+      <p:nvGrpSpPr>
+        <p:cNvPr id="1" name=""/>
+        <p:cNvGrpSpPr/>
+        <p:nvPr/>
+      </p:nvGrpSpPr>
+      <p:grpSpPr>
+        <a:xfrm>
+          <a:off x="0" y="0"/>
+          <a:ext cx="0" cy="0"/>
+          <a:chOff x="0" y="0"/>
+          <a:chExt cx="0" cy="0"/>
+        </a:xfrm>
+      </p:grpSpPr>
+      <p:sp>
+        <p:nvSpPr>
+          <p:cNvPr id="2" name="Title 1"/>
+          <p:cNvSpPr>
+            <a:spLocks noGrp="1"/>
+          </p:cNvSpPr>
+          <p:nvPr>
+            <p:ph type="title"/>
+          </p:nvPr>
+        </p:nvSpPr>
+        <p:spPr/>
+        <p:txBody>
+          <a:bodyPr/>
+          <a:lstStyle/>
+          <a:p>
+            <a:r>
+              <a:rPr lang="en-US" dirty="0"/>
+              <a:t>Standards Tests</a:t>
+            </a:r>
+          </a:p>
+        </p:txBody>
+      </p:sp>
+      <p:sp>
+        <p:nvSpPr>
+          <p:cNvPr id="3" name="Content Placeholder 2"/>
+          <p:cNvSpPr>
+            <a:spLocks noGrp="1"/>
+          </p:cNvSpPr>
+          <p:nvPr>
+            <p:ph idx="1"/>
+          </p:nvPr>
+        </p:nvSpPr>
+        <p:spPr/>
+        <p:txBody>
+          <a:bodyPr/>
+          <a:lstStyle/>
+          <a:p>
+            <a:r>
+              <a:rPr lang="en-US" dirty="0"/>
+              <a:t>Ensure that the standards you care about are followed.</a:t>
+            </a:r>
+          </a:p>
+          <a:p>
+            <a:r>
+              <a:rPr lang="en-US" dirty="0" err="1"/>
+              <a:t>SQLCop</a:t>
+            </a:r>
+            <a:r>
+              <a:rPr lang="en-US" dirty="0"/>
+              <a:t> – </a:t>
+            </a:r>
+            <a:r>
+              <a:rPr lang="en-US" dirty="0">
+                <a:hlinkClick r:id="rId3"/>
+              </a:rPr>
+              <a:t>sqlcop.lessthandot.com</a:t>
+            </a:r>
+            <a:endParaRPr lang="en-US" dirty="0"/>
+          </a:p>
+          <a:p>
+            <a:r>
+              <a:rPr lang="en-US" dirty="0"/>
+              <a:t>Easy to write your own.</a:t>
+            </a:r>
+          </a:p>
+        </p:txBody>
+      </p:sp>
+    </p:spTree>
+    <p:extLst>
+      <p:ext uri="{BB962C8B-B14F-4D97-AF65-F5344CB8AC3E}">
+        <p14:creationId xmlns:p14="http://schemas.microsoft.com/office/powerpoint/2010/main" val="1619672544"/>
+      </p:ext>
+    </p:extLst>
+  </p:cSld>
+  <p:clrMapOvr>
+    <a:masterClrMapping/>
+  </p:clrMapOvr>
+</p:sld>
+</file>
+
 <file path=ppt/slides/slide19.xml><?xml version="1.0" encoding="utf-8"?>
 <p:sld xmlns:a="http://schemas.openxmlformats.org/drawingml/2006/main" xmlns:r="http://schemas.openxmlformats.org/officeDocument/2006/relationships" xmlns:p="http://schemas.openxmlformats.org/presentationml/2006/main">
   <p:cSld>
@@ -5906,7 +9205,7 @@
       </p:grpSpPr>
       <p:sp>
         <p:nvSpPr>
-          <p:cNvPr id="2" name="Title 1"/>
+          <p:cNvPr id="4" name="Title 3"/>
           <p:cNvSpPr>
             <a:spLocks noGrp="1"/>
           </p:cNvSpPr>
@@ -5921,19 +9220,19 @@
           <a:p>
             <a:r>
               <a:rPr lang="en-US" dirty="0"/>
-              <a:t>Standards Tests</a:t>
-            </a:r>
-          </a:p>
-        </p:txBody>
-      </p:sp>
-      <p:sp>
-        <p:nvSpPr>
-          <p:cNvPr id="3" name="Content Placeholder 2"/>
-          <p:cNvSpPr>
-            <a:spLocks noGrp="1"/>
-          </p:cNvSpPr>
-          <p:nvPr>
-            <p:ph idx="1"/>
+              <a:t>Catching bad CODE</a:t>
+            </a:r>
+          </a:p>
+        </p:txBody>
+      </p:sp>
+      <p:sp>
+        <p:nvSpPr>
+          <p:cNvPr id="5" name="Text Placeholder 4"/>
+          <p:cNvSpPr>
+            <a:spLocks noGrp="1"/>
+          </p:cNvSpPr>
+          <p:nvPr>
+            <p:ph type="body" idx="1"/>
           </p:nvPr>
         </p:nvSpPr>
         <p:spPr/>
@@ -5943,30 +9242,7 @@
           <a:p>
             <a:r>
               <a:rPr lang="en-US" dirty="0"/>
-              <a:t>Ensure that the standards you care about are followed.</a:t>
-            </a:r>
-          </a:p>
-          <a:p>
-            <a:r>
-              <a:rPr lang="en-US" dirty="0" err="1"/>
-              <a:t>SQLCop</a:t>
-            </a:r>
-            <a:r>
-              <a:rPr lang="en-US" dirty="0"/>
-              <a:t> – </a:t>
-            </a:r>
-            <a:r>
-              <a:rPr lang="en-US" dirty="0">
-                <a:hlinkClick r:id="rId3"/>
-              </a:rPr>
-              <a:t>sqlcop.lessthandot.com</a:t>
-            </a:r>
-            <a:endParaRPr lang="en-US" dirty="0"/>
-          </a:p>
-          <a:p>
-            <a:r>
-              <a:rPr lang="en-US" dirty="0"/>
-              <a:t>Easy to write your own.</a:t>
+              <a:t>Demo</a:t>
             </a:r>
           </a:p>
         </p:txBody>
@@ -5974,7 +9250,7 @@
     </p:spTree>
     <p:extLst>
       <p:ext uri="{BB962C8B-B14F-4D97-AF65-F5344CB8AC3E}">
-        <p14:creationId xmlns:p14="http://schemas.microsoft.com/office/powerpoint/2010/main" val="1619672544"/>
+        <p14:creationId xmlns:p14="http://schemas.microsoft.com/office/powerpoint/2010/main" val="420280027"/>
       </p:ext>
     </p:extLst>
   </p:cSld>
@@ -6003,12 +9279,12 @@
       </p:grpSpPr>
       <p:sp>
         <p:nvSpPr>
-          <p:cNvPr id="4" name="Title 3"/>
-          <p:cNvSpPr>
-            <a:spLocks noGrp="1"/>
-          </p:cNvSpPr>
-          <p:nvPr>
-            <p:ph type="ctrTitle"/>
+          <p:cNvPr id="2" name="Title 1"/>
+          <p:cNvSpPr>
+            <a:spLocks noGrp="1"/>
+          </p:cNvSpPr>
+          <p:nvPr>
+            <p:ph type="title"/>
           </p:nvPr>
         </p:nvSpPr>
         <p:spPr/>
@@ -6018,19 +9294,19 @@
           <a:p>
             <a:r>
               <a:rPr lang="en-US" dirty="0"/>
-              <a:t>Data Platform Summit 2017</a:t>
-            </a:r>
-          </a:p>
-        </p:txBody>
-      </p:sp>
-      <p:sp>
-        <p:nvSpPr>
-          <p:cNvPr id="5" name="Subtitle 4"/>
-          <p:cNvSpPr>
-            <a:spLocks noGrp="1"/>
-          </p:cNvSpPr>
-          <p:nvPr>
-            <p:ph type="subTitle" idx="1"/>
+              <a:t>Agenda</a:t>
+            </a:r>
+          </a:p>
+        </p:txBody>
+      </p:sp>
+      <p:sp>
+        <p:nvSpPr>
+          <p:cNvPr id="3" name="Content Placeholder 2"/>
+          <p:cNvSpPr>
+            <a:spLocks noGrp="1"/>
+          </p:cNvSpPr>
+          <p:nvPr>
+            <p:ph idx="1"/>
           </p:nvPr>
         </p:nvSpPr>
         <p:spPr/>
@@ -6038,14 +9314,40 @@
           <a:bodyPr/>
           <a:lstStyle/>
           <a:p>
-            <a:endParaRPr lang="en-US"/>
+            <a:r>
+              <a:rPr lang="en-US" dirty="0"/>
+              <a:t>Who Am I?</a:t>
+            </a:r>
+          </a:p>
+          <a:p>
+            <a:r>
+              <a:rPr lang="en-US" dirty="0"/>
+              <a:t>Testing Software</a:t>
+            </a:r>
+          </a:p>
+          <a:p>
+            <a:r>
+              <a:rPr lang="en-US" dirty="0"/>
+              <a:t>Database </a:t>
+            </a:r>
+            <a:r>
+              <a:rPr lang="en-US"/>
+              <a:t>Testing Frameworks</a:t>
+            </a:r>
+            <a:endParaRPr lang="en-US" dirty="0"/>
+          </a:p>
+          <a:p>
+            <a:r>
+              <a:rPr lang="en-US" dirty="0"/>
+              <a:t>Test Examples</a:t>
+            </a:r>
           </a:p>
         </p:txBody>
       </p:sp>
     </p:spTree>
     <p:extLst>
       <p:ext uri="{BB962C8B-B14F-4D97-AF65-F5344CB8AC3E}">
-        <p14:creationId xmlns:p14="http://schemas.microsoft.com/office/powerpoint/2010/main" val="577387459"/>
+        <p14:creationId xmlns:p14="http://schemas.microsoft.com/office/powerpoint/2010/main" val="718457474"/>
       </p:ext>
     </p:extLst>
   </p:cSld>
@@ -6074,7 +9376,7 @@
       </p:grpSpPr>
       <p:sp>
         <p:nvSpPr>
-          <p:cNvPr id="4" name="Title 3"/>
+          <p:cNvPr id="2" name="Title 1"/>
           <p:cNvSpPr>
             <a:spLocks noGrp="1"/>
           </p:cNvSpPr>
@@ -6089,19 +9391,19 @@
           <a:p>
             <a:r>
               <a:rPr lang="en-US" dirty="0"/>
-              <a:t>Catching bad CODE</a:t>
-            </a:r>
-          </a:p>
-        </p:txBody>
-      </p:sp>
-      <p:sp>
-        <p:nvSpPr>
-          <p:cNvPr id="5" name="Text Placeholder 4"/>
-          <p:cNvSpPr>
-            <a:spLocks noGrp="1"/>
-          </p:cNvSpPr>
-          <p:nvPr>
-            <p:ph type="body" idx="1"/>
+              <a:t>Logic Tests</a:t>
+            </a:r>
+          </a:p>
+        </p:txBody>
+      </p:sp>
+      <p:sp>
+        <p:nvSpPr>
+          <p:cNvPr id="3" name="Content Placeholder 2"/>
+          <p:cNvSpPr>
+            <a:spLocks noGrp="1"/>
+          </p:cNvSpPr>
+          <p:nvPr>
+            <p:ph idx="1"/>
           </p:nvPr>
         </p:nvSpPr>
         <p:spPr/>
@@ -6111,7 +9413,13 @@
           <a:p>
             <a:r>
               <a:rPr lang="en-US" dirty="0"/>
-              <a:t>Demo</a:t>
+              <a:t>These are unit tests designed to find issues with a particular specific function.</a:t>
+            </a:r>
+          </a:p>
+          <a:p>
+            <a:r>
+              <a:rPr lang="en-US" dirty="0"/>
+              <a:t>This are especially useful when refactoring code as requirements may not be clear</a:t>
             </a:r>
           </a:p>
         </p:txBody>
@@ -6119,7 +9427,7 @@
     </p:spTree>
     <p:extLst>
       <p:ext uri="{BB962C8B-B14F-4D97-AF65-F5344CB8AC3E}">
-        <p14:creationId xmlns:p14="http://schemas.microsoft.com/office/powerpoint/2010/main" val="420280027"/>
+        <p14:creationId xmlns:p14="http://schemas.microsoft.com/office/powerpoint/2010/main" val="2549004961"/>
       </p:ext>
     </p:extLst>
   </p:cSld>
@@ -6148,7 +9456,7 @@
       </p:grpSpPr>
       <p:sp>
         <p:nvSpPr>
-          <p:cNvPr id="2" name="Title 1"/>
+          <p:cNvPr id="4" name="Title 3"/>
           <p:cNvSpPr>
             <a:spLocks noGrp="1"/>
           </p:cNvSpPr>
@@ -6163,19 +9471,19 @@
           <a:p>
             <a:r>
               <a:rPr lang="en-US" dirty="0"/>
-              <a:t>Logic Tests</a:t>
-            </a:r>
-          </a:p>
-        </p:txBody>
-      </p:sp>
-      <p:sp>
-        <p:nvSpPr>
-          <p:cNvPr id="3" name="Content Placeholder 2"/>
-          <p:cNvSpPr>
-            <a:spLocks noGrp="1"/>
-          </p:cNvSpPr>
-          <p:nvPr>
-            <p:ph idx="1"/>
+              <a:t>Testing Code Logic</a:t>
+            </a:r>
+          </a:p>
+        </p:txBody>
+      </p:sp>
+      <p:sp>
+        <p:nvSpPr>
+          <p:cNvPr id="5" name="Text Placeholder 4"/>
+          <p:cNvSpPr>
+            <a:spLocks noGrp="1"/>
+          </p:cNvSpPr>
+          <p:nvPr>
+            <p:ph type="body" idx="1"/>
           </p:nvPr>
         </p:nvSpPr>
         <p:spPr/>
@@ -6185,13 +9493,7 @@
           <a:p>
             <a:r>
               <a:rPr lang="en-US" dirty="0"/>
-              <a:t>These are unit tests designed to find issues with a particular specific function.</a:t>
-            </a:r>
-          </a:p>
-          <a:p>
-            <a:r>
-              <a:rPr lang="en-US" dirty="0"/>
-              <a:t>This are especially useful when refactoring code as requirements may not be clear</a:t>
+              <a:t>Demo</a:t>
             </a:r>
           </a:p>
         </p:txBody>
@@ -6199,7 +9501,7 @@
     </p:spTree>
     <p:extLst>
       <p:ext uri="{BB962C8B-B14F-4D97-AF65-F5344CB8AC3E}">
-        <p14:creationId xmlns:p14="http://schemas.microsoft.com/office/powerpoint/2010/main" val="2549004961"/>
+        <p14:creationId xmlns:p14="http://schemas.microsoft.com/office/powerpoint/2010/main" val="3075909317"/>
       </p:ext>
     </p:extLst>
   </p:cSld>
@@ -6228,7 +9530,7 @@
       </p:grpSpPr>
       <p:sp>
         <p:nvSpPr>
-          <p:cNvPr id="4" name="Title 3"/>
+          <p:cNvPr id="2" name="Title 1"/>
           <p:cNvSpPr>
             <a:spLocks noGrp="1"/>
           </p:cNvSpPr>
@@ -6243,19 +9545,19 @@
           <a:p>
             <a:r>
               <a:rPr lang="en-US" dirty="0"/>
-              <a:t>Testing Code Logic</a:t>
-            </a:r>
-          </a:p>
-        </p:txBody>
-      </p:sp>
-      <p:sp>
-        <p:nvSpPr>
-          <p:cNvPr id="5" name="Text Placeholder 4"/>
-          <p:cNvSpPr>
-            <a:spLocks noGrp="1"/>
-          </p:cNvSpPr>
-          <p:nvPr>
-            <p:ph type="body" idx="1"/>
+              <a:t>Having a Test Suite</a:t>
+            </a:r>
+          </a:p>
+        </p:txBody>
+      </p:sp>
+      <p:sp>
+        <p:nvSpPr>
+          <p:cNvPr id="3" name="Content Placeholder 2"/>
+          <p:cNvSpPr>
+            <a:spLocks noGrp="1"/>
+          </p:cNvSpPr>
+          <p:nvPr>
+            <p:ph idx="1"/>
           </p:nvPr>
         </p:nvSpPr>
         <p:spPr/>
@@ -6265,7 +9567,19 @@
           <a:p>
             <a:r>
               <a:rPr lang="en-US" dirty="0"/>
-              <a:t>Demo</a:t>
+              <a:t>By continuing to grow your test suite with each change, developers spread the load</a:t>
+            </a:r>
+          </a:p>
+          <a:p>
+            <a:r>
+              <a:rPr lang="en-US" dirty="0"/>
+              <a:t>By having a large suite, we have better code coverage.</a:t>
+            </a:r>
+          </a:p>
+          <a:p>
+            <a:r>
+              <a:rPr lang="en-US" dirty="0"/>
+              <a:t>We can easily regression test.</a:t>
             </a:r>
           </a:p>
         </p:txBody>
@@ -6273,7 +9587,7 @@
     </p:spTree>
     <p:extLst>
       <p:ext uri="{BB962C8B-B14F-4D97-AF65-F5344CB8AC3E}">
-        <p14:creationId xmlns:p14="http://schemas.microsoft.com/office/powerpoint/2010/main" val="3075909317"/>
+        <p14:creationId xmlns:p14="http://schemas.microsoft.com/office/powerpoint/2010/main" val="2479422556"/>
       </p:ext>
     </p:extLst>
   </p:cSld>
@@ -6317,92 +9631,6 @@
           <a:p>
             <a:r>
               <a:rPr lang="en-US" dirty="0"/>
-              <a:t>Having a Test Suite</a:t>
-            </a:r>
-          </a:p>
-        </p:txBody>
-      </p:sp>
-      <p:sp>
-        <p:nvSpPr>
-          <p:cNvPr id="3" name="Content Placeholder 2"/>
-          <p:cNvSpPr>
-            <a:spLocks noGrp="1"/>
-          </p:cNvSpPr>
-          <p:nvPr>
-            <p:ph idx="1"/>
-          </p:nvPr>
-        </p:nvSpPr>
-        <p:spPr/>
-        <p:txBody>
-          <a:bodyPr/>
-          <a:lstStyle/>
-          <a:p>
-            <a:r>
-              <a:rPr lang="en-US" dirty="0"/>
-              <a:t>By continuing to grow your test suite with each change, developers spread the load</a:t>
-            </a:r>
-          </a:p>
-          <a:p>
-            <a:r>
-              <a:rPr lang="en-US" dirty="0"/>
-              <a:t>By having a large suite, we have better code coverage.</a:t>
-            </a:r>
-          </a:p>
-          <a:p>
-            <a:r>
-              <a:rPr lang="en-US" dirty="0"/>
-              <a:t>We can easily regression test.</a:t>
-            </a:r>
-          </a:p>
-        </p:txBody>
-      </p:sp>
-    </p:spTree>
-    <p:extLst>
-      <p:ext uri="{BB962C8B-B14F-4D97-AF65-F5344CB8AC3E}">
-        <p14:creationId xmlns:p14="http://schemas.microsoft.com/office/powerpoint/2010/main" val="2479422556"/>
-      </p:ext>
-    </p:extLst>
-  </p:cSld>
-  <p:clrMapOvr>
-    <a:masterClrMapping/>
-  </p:clrMapOvr>
-</p:sld>
-</file>
-
-<file path=ppt/slides/slide24.xml><?xml version="1.0" encoding="utf-8"?>
-<p:sld xmlns:a="http://schemas.openxmlformats.org/drawingml/2006/main" xmlns:r="http://schemas.openxmlformats.org/officeDocument/2006/relationships" xmlns:p="http://schemas.openxmlformats.org/presentationml/2006/main">
-  <p:cSld>
-    <p:spTree>
-      <p:nvGrpSpPr>
-        <p:cNvPr id="1" name=""/>
-        <p:cNvGrpSpPr/>
-        <p:nvPr/>
-      </p:nvGrpSpPr>
-      <p:grpSpPr>
-        <a:xfrm>
-          <a:off x="0" y="0"/>
-          <a:ext cx="0" cy="0"/>
-          <a:chOff x="0" y="0"/>
-          <a:chExt cx="0" cy="0"/>
-        </a:xfrm>
-      </p:grpSpPr>
-      <p:sp>
-        <p:nvSpPr>
-          <p:cNvPr id="2" name="Title 1"/>
-          <p:cNvSpPr>
-            <a:spLocks noGrp="1"/>
-          </p:cNvSpPr>
-          <p:nvPr>
-            <p:ph type="title"/>
-          </p:nvPr>
-        </p:nvSpPr>
-        <p:spPr/>
-        <p:txBody>
-          <a:bodyPr/>
-          <a:lstStyle/>
-          <a:p>
-            <a:r>
-              <a:rPr lang="en-US" dirty="0"/>
               <a:t>Summary</a:t>
             </a:r>
           </a:p>
@@ -6469,7 +9697,7 @@
 </p:sld>
 </file>
 
-<file path=ppt/slides/slide25.xml><?xml version="1.0" encoding="utf-8"?>
+<file path=ppt/slides/slide24.xml><?xml version="1.0" encoding="utf-8"?>
 <p:sld xmlns:a="http://schemas.openxmlformats.org/drawingml/2006/main" xmlns:r="http://schemas.openxmlformats.org/officeDocument/2006/relationships" xmlns:p="http://schemas.openxmlformats.org/presentationml/2006/main">
   <p:cSld>
     <p:spTree>
@@ -7062,6 +10290,104 @@
 </p:sld>
 </file>
 
+<file path=ppt/slides/slide25.xml><?xml version="1.0" encoding="utf-8"?>
+<p:sld xmlns:a="http://schemas.openxmlformats.org/drawingml/2006/main" xmlns:r="http://schemas.openxmlformats.org/officeDocument/2006/relationships" xmlns:p="http://schemas.openxmlformats.org/presentationml/2006/main">
+  <p:cSld>
+    <p:spTree>
+      <p:nvGrpSpPr>
+        <p:cNvPr id="1" name=""/>
+        <p:cNvGrpSpPr/>
+        <p:nvPr/>
+      </p:nvGrpSpPr>
+      <p:grpSpPr>
+        <a:xfrm>
+          <a:off x="0" y="0"/>
+          <a:ext cx="0" cy="0"/>
+          <a:chOff x="0" y="0"/>
+          <a:chExt cx="0" cy="0"/>
+        </a:xfrm>
+      </p:grpSpPr>
+      <p:sp>
+        <p:nvSpPr>
+          <p:cNvPr id="2" name="Title 1"/>
+          <p:cNvSpPr>
+            <a:spLocks noGrp="1"/>
+          </p:cNvSpPr>
+          <p:nvPr>
+            <p:ph type="title"/>
+          </p:nvPr>
+        </p:nvSpPr>
+        <p:spPr/>
+        <p:txBody>
+          <a:bodyPr/>
+          <a:lstStyle/>
+          <a:p>
+            <a:r>
+              <a:rPr lang="en-US" dirty="0"/>
+              <a:t>References</a:t>
+            </a:r>
+          </a:p>
+        </p:txBody>
+      </p:sp>
+      <p:sp>
+        <p:nvSpPr>
+          <p:cNvPr id="3" name="Content Placeholder 2"/>
+          <p:cNvSpPr>
+            <a:spLocks noGrp="1"/>
+          </p:cNvSpPr>
+          <p:nvPr>
+            <p:ph idx="1"/>
+          </p:nvPr>
+        </p:nvSpPr>
+        <p:spPr/>
+        <p:txBody>
+          <a:bodyPr/>
+          <a:lstStyle/>
+          <a:p>
+            <a:r>
+              <a:rPr lang="en-US" dirty="0"/>
+              <a:t>Continuous Integration – http://en.wikipedia.org/wiki/Continuous_integration</a:t>
+            </a:r>
+          </a:p>
+          <a:p>
+            <a:r>
+              <a:rPr lang="en-US" dirty="0"/>
+              <a:t>Getting Started Testing Databases with </a:t>
+            </a:r>
+            <a:r>
+              <a:rPr lang="en-US" dirty="0" err="1"/>
+              <a:t>tSQLt</a:t>
+            </a:r>
+            <a:r>
+              <a:rPr lang="en-US" dirty="0"/>
+              <a:t> - </a:t>
+            </a:r>
+            <a:r>
+              <a:rPr lang="en-US" dirty="0">
+                <a:hlinkClick r:id="rId2"/>
+              </a:rPr>
+              <a:t>https://www.simple-talk.com/sql/t-sql-programming/getting-started-testing-databases-with-tsqlt/</a:t>
+            </a:r>
+            <a:endParaRPr lang="en-US" dirty="0"/>
+          </a:p>
+          <a:p>
+            <a:endParaRPr lang="en-US" dirty="0"/>
+          </a:p>
+        </p:txBody>
+      </p:sp>
+    </p:spTree>
+    <p:extLst>
+      <p:ext uri="{BB962C8B-B14F-4D97-AF65-F5344CB8AC3E}">
+        <p14:creationId xmlns:p14="http://schemas.microsoft.com/office/powerpoint/2010/main" val="2962012683"/>
+      </p:ext>
+    </p:extLst>
+  </p:cSld>
+  <p:clrMapOvr>
+    <a:masterClrMapping/>
+  </p:clrMapOvr>
+</p:sld>
+</file>
+
 <file path=ppt/slides/slide26.xml><?xml version="1.0" encoding="utf-8"?>
 <p:sld xmlns:a="http://schemas.openxmlformats.org/drawingml/2006/main" xmlns:r="http://schemas.openxmlformats.org/officeDocument/2006/relationships" xmlns:p="http://schemas.openxmlformats.org/presentationml/2006/main">
   <p:cSld>
@@ -7096,104 +10422,6 @@
           <a:p>
             <a:r>
               <a:rPr lang="en-US" dirty="0"/>
-              <a:t>References</a:t>
-            </a:r>
-          </a:p>
-        </p:txBody>
-      </p:sp>
-      <p:sp>
-        <p:nvSpPr>
-          <p:cNvPr id="3" name="Content Placeholder 2"/>
-          <p:cNvSpPr>
-            <a:spLocks noGrp="1"/>
-          </p:cNvSpPr>
-          <p:nvPr>
-            <p:ph idx="1"/>
-          </p:nvPr>
-        </p:nvSpPr>
-        <p:spPr/>
-        <p:txBody>
-          <a:bodyPr/>
-          <a:lstStyle/>
-          <a:p>
-            <a:r>
-              <a:rPr lang="en-US" dirty="0"/>
-              <a:t>Continuous Integration – http://en.wikipedia.org/wiki/Continuous_integration</a:t>
-            </a:r>
-          </a:p>
-          <a:p>
-            <a:r>
-              <a:rPr lang="en-US" dirty="0"/>
-              <a:t>Getting Started Testing Databases with </a:t>
-            </a:r>
-            <a:r>
-              <a:rPr lang="en-US" dirty="0" err="1"/>
-              <a:t>tSQLt</a:t>
-            </a:r>
-            <a:r>
-              <a:rPr lang="en-US" dirty="0"/>
-              <a:t> - </a:t>
-            </a:r>
-            <a:r>
-              <a:rPr lang="en-US" dirty="0">
-                <a:hlinkClick r:id="rId2"/>
-              </a:rPr>
-              <a:t>https://www.simple-talk.com/sql/t-sql-programming/getting-started-testing-databases-with-tsqlt/</a:t>
-            </a:r>
-            <a:endParaRPr lang="en-US" dirty="0"/>
-          </a:p>
-          <a:p>
-            <a:endParaRPr lang="en-US" dirty="0"/>
-          </a:p>
-        </p:txBody>
-      </p:sp>
-    </p:spTree>
-    <p:extLst>
-      <p:ext uri="{BB962C8B-B14F-4D97-AF65-F5344CB8AC3E}">
-        <p14:creationId xmlns:p14="http://schemas.microsoft.com/office/powerpoint/2010/main" val="2962012683"/>
-      </p:ext>
-    </p:extLst>
-  </p:cSld>
-  <p:clrMapOvr>
-    <a:masterClrMapping/>
-  </p:clrMapOvr>
-</p:sld>
-</file>
-
-<file path=ppt/slides/slide27.xml><?xml version="1.0" encoding="utf-8"?>
-<p:sld xmlns:a="http://schemas.openxmlformats.org/drawingml/2006/main" xmlns:r="http://schemas.openxmlformats.org/officeDocument/2006/relationships" xmlns:p="http://schemas.openxmlformats.org/presentationml/2006/main">
-  <p:cSld>
-    <p:spTree>
-      <p:nvGrpSpPr>
-        <p:cNvPr id="1" name=""/>
-        <p:cNvGrpSpPr/>
-        <p:nvPr/>
-      </p:nvGrpSpPr>
-      <p:grpSpPr>
-        <a:xfrm>
-          <a:off x="0" y="0"/>
-          <a:ext cx="0" cy="0"/>
-          <a:chOff x="0" y="0"/>
-          <a:chExt cx="0" cy="0"/>
-        </a:xfrm>
-      </p:grpSpPr>
-      <p:sp>
-        <p:nvSpPr>
-          <p:cNvPr id="2" name="Title 1"/>
-          <p:cNvSpPr>
-            <a:spLocks noGrp="1"/>
-          </p:cNvSpPr>
-          <p:nvPr>
-            <p:ph type="title"/>
-          </p:nvPr>
-        </p:nvSpPr>
-        <p:spPr/>
-        <p:txBody>
-          <a:bodyPr/>
-          <a:lstStyle/>
-          <a:p>
-            <a:r>
-              <a:rPr lang="en-US" dirty="0"/>
               <a:t>Images</a:t>
             </a:r>
           </a:p>
@@ -7258,103 +10486,6 @@
 </file>
 
 <file path=ppt/slides/slide3.xml><?xml version="1.0" encoding="utf-8"?>
-<p:sld xmlns:a="http://schemas.openxmlformats.org/drawingml/2006/main" xmlns:r="http://schemas.openxmlformats.org/officeDocument/2006/relationships" xmlns:p="http://schemas.openxmlformats.org/presentationml/2006/main">
-  <p:cSld>
-    <p:spTree>
-      <p:nvGrpSpPr>
-        <p:cNvPr id="1" name=""/>
-        <p:cNvGrpSpPr/>
-        <p:nvPr/>
-      </p:nvGrpSpPr>
-      <p:grpSpPr>
-        <a:xfrm>
-          <a:off x="0" y="0"/>
-          <a:ext cx="0" cy="0"/>
-          <a:chOff x="0" y="0"/>
-          <a:chExt cx="0" cy="0"/>
-        </a:xfrm>
-      </p:grpSpPr>
-      <p:sp>
-        <p:nvSpPr>
-          <p:cNvPr id="2" name="Title 1"/>
-          <p:cNvSpPr>
-            <a:spLocks noGrp="1"/>
-          </p:cNvSpPr>
-          <p:nvPr>
-            <p:ph type="title"/>
-          </p:nvPr>
-        </p:nvSpPr>
-        <p:spPr/>
-        <p:txBody>
-          <a:bodyPr/>
-          <a:lstStyle/>
-          <a:p>
-            <a:r>
-              <a:rPr lang="en-US" dirty="0"/>
-              <a:t>Agenda</a:t>
-            </a:r>
-          </a:p>
-        </p:txBody>
-      </p:sp>
-      <p:sp>
-        <p:nvSpPr>
-          <p:cNvPr id="3" name="Content Placeholder 2"/>
-          <p:cNvSpPr>
-            <a:spLocks noGrp="1"/>
-          </p:cNvSpPr>
-          <p:nvPr>
-            <p:ph idx="1"/>
-          </p:nvPr>
-        </p:nvSpPr>
-        <p:spPr/>
-        <p:txBody>
-          <a:bodyPr/>
-          <a:lstStyle/>
-          <a:p>
-            <a:r>
-              <a:rPr lang="en-US" dirty="0"/>
-              <a:t>Who Am I?</a:t>
-            </a:r>
-          </a:p>
-          <a:p>
-            <a:r>
-              <a:rPr lang="en-US" dirty="0"/>
-              <a:t>Testing Software</a:t>
-            </a:r>
-          </a:p>
-          <a:p>
-            <a:r>
-              <a:rPr lang="en-US" dirty="0"/>
-              <a:t>Database </a:t>
-            </a:r>
-            <a:r>
-              <a:rPr lang="en-US"/>
-              <a:t>Testing Frameworks</a:t>
-            </a:r>
-            <a:endParaRPr lang="en-US" dirty="0"/>
-          </a:p>
-          <a:p>
-            <a:r>
-              <a:rPr lang="en-US" dirty="0"/>
-              <a:t>Test Examples</a:t>
-            </a:r>
-          </a:p>
-        </p:txBody>
-      </p:sp>
-    </p:spTree>
-    <p:extLst>
-      <p:ext uri="{BB962C8B-B14F-4D97-AF65-F5344CB8AC3E}">
-        <p14:creationId xmlns:p14="http://schemas.microsoft.com/office/powerpoint/2010/main" val="718457474"/>
-      </p:ext>
-    </p:extLst>
-  </p:cSld>
-  <p:clrMapOvr>
-    <a:masterClrMapping/>
-  </p:clrMapOvr>
-</p:sld>
-</file>
-
-<file path=ppt/slides/slide4.xml><?xml version="1.0" encoding="utf-8"?>
 <p:sld xmlns:a="http://schemas.openxmlformats.org/drawingml/2006/main" xmlns:r="http://schemas.openxmlformats.org/officeDocument/2006/relationships" xmlns:p="http://schemas.openxmlformats.org/presentationml/2006/main">
   <p:cSld>
     <p:spTree>
@@ -7857,7 +10988,7 @@
 </p:sld>
 </file>
 
-<file path=ppt/slides/slide5.xml><?xml version="1.0" encoding="utf-8"?>
+<file path=ppt/slides/slide4.xml><?xml version="1.0" encoding="utf-8"?>
 <p:sld xmlns:a="http://schemas.openxmlformats.org/drawingml/2006/main" xmlns:r="http://schemas.openxmlformats.org/officeDocument/2006/relationships" xmlns:p="http://schemas.openxmlformats.org/presentationml/2006/main">
   <p:cSld>
     <p:spTree>
@@ -8494,6 +11625,103 @@
 </p:sld>
 </file>
 
+<file path=ppt/slides/slide5.xml><?xml version="1.0" encoding="utf-8"?>
+<p:sld xmlns:a="http://schemas.openxmlformats.org/drawingml/2006/main" xmlns:r="http://schemas.openxmlformats.org/officeDocument/2006/relationships" xmlns:p="http://schemas.openxmlformats.org/presentationml/2006/main">
+  <p:cSld>
+    <p:spTree>
+      <p:nvGrpSpPr>
+        <p:cNvPr id="1" name=""/>
+        <p:cNvGrpSpPr/>
+        <p:nvPr/>
+      </p:nvGrpSpPr>
+      <p:grpSpPr>
+        <a:xfrm>
+          <a:off x="0" y="0"/>
+          <a:ext cx="0" cy="0"/>
+          <a:chOff x="0" y="0"/>
+          <a:chExt cx="0" cy="0"/>
+        </a:xfrm>
+      </p:grpSpPr>
+      <p:sp>
+        <p:nvSpPr>
+          <p:cNvPr id="2" name="Title 1"/>
+          <p:cNvSpPr>
+            <a:spLocks noGrp="1"/>
+          </p:cNvSpPr>
+          <p:nvPr>
+            <p:ph type="title"/>
+          </p:nvPr>
+        </p:nvSpPr>
+        <p:spPr/>
+        <p:txBody>
+          <a:bodyPr/>
+          <a:lstStyle/>
+          <a:p>
+            <a:r>
+              <a:rPr lang="en-US" dirty="0"/>
+              <a:t>Unit Testing</a:t>
+            </a:r>
+          </a:p>
+        </p:txBody>
+      </p:sp>
+      <p:sp>
+        <p:nvSpPr>
+          <p:cNvPr id="5" name="TextBox 4"/>
+          <p:cNvSpPr txBox="1"/>
+          <p:nvPr/>
+        </p:nvSpPr>
+        <p:spPr>
+          <a:xfrm>
+            <a:off x="405244" y="1676400"/>
+            <a:ext cx="7886700" cy="3877985"/>
+          </a:xfrm>
+          <a:prstGeom prst="rect">
+            <a:avLst/>
+          </a:prstGeom>
+          <a:noFill/>
+        </p:spPr>
+        <p:txBody>
+          <a:bodyPr wrap="square" rtlCol="0">
+            <a:spAutoFit/>
+          </a:bodyPr>
+          <a:lstStyle/>
+          <a:p>
+            <a:r>
+              <a:rPr lang="en-US" sz="3600" dirty="0"/>
+              <a:t>“The primary goal of unit testing is to take the smallest piece of testable software in the application, isolate it from the remainder of the code, and determine whether it behaves exactly as you expect.“</a:t>
+            </a:r>
+          </a:p>
+          <a:p>
+            <a:endParaRPr lang="en-US" dirty="0"/>
+          </a:p>
+          <a:p>
+            <a:r>
+              <a:rPr lang="en-US" sz="1200" dirty="0"/>
+              <a:t>From </a:t>
+            </a:r>
+            <a:r>
+              <a:rPr lang="en-US" sz="1200" dirty="0">
+                <a:hlinkClick r:id="rId3"/>
+              </a:rPr>
+              <a:t>https://msdn.microsoft.com/en-us/library/aa292197%28v=vs.71%29.aspx</a:t>
+            </a:r>
+            <a:endParaRPr lang="en-US" sz="1200" dirty="0"/>
+          </a:p>
+        </p:txBody>
+      </p:sp>
+    </p:spTree>
+    <p:extLst>
+      <p:ext uri="{BB962C8B-B14F-4D97-AF65-F5344CB8AC3E}">
+        <p14:creationId xmlns:p14="http://schemas.microsoft.com/office/powerpoint/2010/main" val="2912118878"/>
+      </p:ext>
+    </p:extLst>
+  </p:cSld>
+  <p:clrMapOvr>
+    <a:masterClrMapping/>
+  </p:clrMapOvr>
+</p:sld>
+</file>
+
 <file path=ppt/slides/slide6.xml><?xml version="1.0" encoding="utf-8"?>
 <p:sld xmlns:a="http://schemas.openxmlformats.org/drawingml/2006/main" xmlns:r="http://schemas.openxmlformats.org/officeDocument/2006/relationships" xmlns:p="http://schemas.openxmlformats.org/presentationml/2006/main">
   <p:cSld>
@@ -8535,110 +11763,13 @@
       </p:sp>
       <p:sp>
         <p:nvSpPr>
-          <p:cNvPr id="5" name="TextBox 4"/>
-          <p:cNvSpPr txBox="1"/>
-          <p:nvPr/>
-        </p:nvSpPr>
-        <p:spPr>
-          <a:xfrm>
-            <a:off x="405244" y="1987811"/>
-            <a:ext cx="7886700" cy="3877985"/>
-          </a:xfrm>
-          <a:prstGeom prst="rect">
-            <a:avLst/>
-          </a:prstGeom>
-          <a:noFill/>
-        </p:spPr>
-        <p:txBody>
-          <a:bodyPr wrap="square" rtlCol="0">
-            <a:spAutoFit/>
-          </a:bodyPr>
-          <a:lstStyle/>
-          <a:p>
-            <a:r>
-              <a:rPr lang="en-US" sz="3600" dirty="0"/>
-              <a:t>“The primary goal of unit testing is to take the smallest piece of testable software in the application, isolate it from the remainder of the code, and determine whether it behaves exactly as you expect.“</a:t>
-            </a:r>
-          </a:p>
-          <a:p>
-            <a:endParaRPr lang="en-US" dirty="0"/>
-          </a:p>
-          <a:p>
-            <a:r>
-              <a:rPr lang="en-US" sz="1200" dirty="0"/>
-              <a:t>From </a:t>
-            </a:r>
-            <a:r>
-              <a:rPr lang="en-US" sz="1200" dirty="0">
-                <a:hlinkClick r:id="rId3"/>
-              </a:rPr>
-              <a:t>https://msdn.microsoft.com/en-us/library/aa292197%28v=vs.71%29.aspx</a:t>
-            </a:r>
-            <a:endParaRPr lang="en-US" sz="1200" dirty="0"/>
-          </a:p>
-        </p:txBody>
-      </p:sp>
-    </p:spTree>
-    <p:extLst>
-      <p:ext uri="{BB962C8B-B14F-4D97-AF65-F5344CB8AC3E}">
-        <p14:creationId xmlns:p14="http://schemas.microsoft.com/office/powerpoint/2010/main" val="2912118878"/>
-      </p:ext>
-    </p:extLst>
-  </p:cSld>
-  <p:clrMapOvr>
-    <a:masterClrMapping/>
-  </p:clrMapOvr>
-</p:sld>
-</file>
-
-<file path=ppt/slides/slide7.xml><?xml version="1.0" encoding="utf-8"?>
-<p:sld xmlns:a="http://schemas.openxmlformats.org/drawingml/2006/main" xmlns:r="http://schemas.openxmlformats.org/officeDocument/2006/relationships" xmlns:p="http://schemas.openxmlformats.org/presentationml/2006/main">
-  <p:cSld>
-    <p:spTree>
-      <p:nvGrpSpPr>
-        <p:cNvPr id="1" name=""/>
-        <p:cNvGrpSpPr/>
-        <p:nvPr/>
-      </p:nvGrpSpPr>
-      <p:grpSpPr>
-        <a:xfrm>
-          <a:off x="0" y="0"/>
-          <a:ext cx="0" cy="0"/>
-          <a:chOff x="0" y="0"/>
-          <a:chExt cx="0" cy="0"/>
-        </a:xfrm>
-      </p:grpSpPr>
-      <p:sp>
-        <p:nvSpPr>
-          <p:cNvPr id="2" name="Title 1"/>
-          <p:cNvSpPr>
-            <a:spLocks noGrp="1"/>
-          </p:cNvSpPr>
-          <p:nvPr>
-            <p:ph type="title"/>
-          </p:nvPr>
-        </p:nvSpPr>
-        <p:spPr/>
-        <p:txBody>
-          <a:bodyPr/>
-          <a:lstStyle/>
-          <a:p>
-            <a:r>
-              <a:rPr lang="en-US" dirty="0"/>
-              <a:t>Unit Testing</a:t>
-            </a:r>
-          </a:p>
-        </p:txBody>
-      </p:sp>
-      <p:sp>
-        <p:nvSpPr>
           <p:cNvPr id="12" name="TextBox 11"/>
           <p:cNvSpPr txBox="1"/>
           <p:nvPr/>
         </p:nvSpPr>
         <p:spPr>
           <a:xfrm>
-            <a:off x="405245" y="2125268"/>
+            <a:off x="405245" y="1828800"/>
             <a:ext cx="8208819" cy="3877985"/>
           </a:xfrm>
           <a:prstGeom prst="rect">
@@ -8692,7 +11823,7 @@
 </p:sld>
 </file>
 
-<file path=ppt/slides/slide8.xml><?xml version="1.0" encoding="utf-8"?>
+<file path=ppt/slides/slide7.xml><?xml version="1.0" encoding="utf-8"?>
 <p:sld xmlns:a="http://schemas.openxmlformats.org/drawingml/2006/main" xmlns:r="http://schemas.openxmlformats.org/officeDocument/2006/relationships" xmlns:p="http://schemas.openxmlformats.org/presentationml/2006/main">
   <p:cSld>
     <p:spTree>
@@ -8773,7 +11904,7 @@
 </p:sld>
 </file>
 
-<file path=ppt/slides/slide9.xml><?xml version="1.0" encoding="utf-8"?>
+<file path=ppt/slides/slide8.xml><?xml version="1.0" encoding="utf-8"?>
 <p:sld xmlns:a="http://schemas.openxmlformats.org/drawingml/2006/main" xmlns:r="http://schemas.openxmlformats.org/officeDocument/2006/relationships" xmlns:p="http://schemas.openxmlformats.org/presentationml/2006/main">
   <p:cSld>
     <p:spTree>
@@ -8854,10 +11985,96 @@
 </p:sld>
 </file>
 
+<file path=ppt/slides/slide9.xml><?xml version="1.0" encoding="utf-8"?>
+<p:sld xmlns:a="http://schemas.openxmlformats.org/drawingml/2006/main" xmlns:r="http://schemas.openxmlformats.org/officeDocument/2006/relationships" xmlns:p="http://schemas.openxmlformats.org/presentationml/2006/main">
+  <p:cSld>
+    <p:spTree>
+      <p:nvGrpSpPr>
+        <p:cNvPr id="1" name=""/>
+        <p:cNvGrpSpPr/>
+        <p:nvPr/>
+      </p:nvGrpSpPr>
+      <p:grpSpPr>
+        <a:xfrm>
+          <a:off x="0" y="0"/>
+          <a:ext cx="0" cy="0"/>
+          <a:chOff x="0" y="0"/>
+          <a:chExt cx="0" cy="0"/>
+        </a:xfrm>
+      </p:grpSpPr>
+      <p:sp>
+        <p:nvSpPr>
+          <p:cNvPr id="2" name="Title 1"/>
+          <p:cNvSpPr>
+            <a:spLocks noGrp="1"/>
+          </p:cNvSpPr>
+          <p:nvPr>
+            <p:ph type="title"/>
+          </p:nvPr>
+        </p:nvSpPr>
+        <p:spPr/>
+        <p:txBody>
+          <a:bodyPr/>
+          <a:lstStyle/>
+          <a:p>
+            <a:r>
+              <a:rPr lang="en-US" dirty="0"/>
+              <a:t>Building Tests</a:t>
+            </a:r>
+          </a:p>
+        </p:txBody>
+      </p:sp>
+      <p:sp>
+        <p:nvSpPr>
+          <p:cNvPr id="3" name="Content Placeholder 2"/>
+          <p:cNvSpPr>
+            <a:spLocks noGrp="1"/>
+          </p:cNvSpPr>
+          <p:nvPr>
+            <p:ph idx="1"/>
+          </p:nvPr>
+        </p:nvSpPr>
+        <p:spPr/>
+        <p:txBody>
+          <a:bodyPr/>
+          <a:lstStyle/>
+          <a:p>
+            <a:r>
+              <a:rPr lang="en-US" dirty="0"/>
+              <a:t>We want repeatable tests</a:t>
+            </a:r>
+          </a:p>
+          <a:p>
+            <a:r>
+              <a:rPr lang="en-US" dirty="0"/>
+              <a:t>We want automated tests</a:t>
+            </a:r>
+          </a:p>
+          <a:p>
+            <a:r>
+              <a:rPr lang="en-US" dirty="0"/>
+              <a:t>We want a suite of tests</a:t>
+            </a:r>
+          </a:p>
+        </p:txBody>
+      </p:sp>
+    </p:spTree>
+    <p:extLst>
+      <p:ext uri="{BB962C8B-B14F-4D97-AF65-F5344CB8AC3E}">
+        <p14:creationId xmlns:p14="http://schemas.microsoft.com/office/powerpoint/2010/main" val="2858332371"/>
+      </p:ext>
+    </p:extLst>
+  </p:cSld>
+  <p:clrMapOvr>
+    <a:masterClrMapping/>
+  </p:clrMapOvr>
+</p:sld>
+</file>
+
 <file path=ppt/theme/theme1.xml><?xml version="1.0" encoding="utf-8"?>
-<a:theme xmlns:a="http://schemas.openxmlformats.org/drawingml/2006/main" name="Office Theme">
+<a:theme xmlns:a="http://schemas.openxmlformats.org/drawingml/2006/main" name="Visual Studio Live! Anaheim 2017">
   <a:themeElements>
-    <a:clrScheme name="Office">
+    <a:clrScheme name="Custom 1">
       <a:dk1>
         <a:sysClr val="windowText" lastClr="000000"/>
       </a:dk1>
@@ -8889,10 +12106,10 @@
         <a:srgbClr val="F79646"/>
       </a:accent6>
       <a:hlink>
-        <a:srgbClr val="0000FF"/>
+        <a:srgbClr val="000000"/>
       </a:hlink>
       <a:folHlink>
-        <a:srgbClr val="800080"/>
+        <a:srgbClr val="000000"/>
       </a:folHlink>
     </a:clrScheme>
     <a:fontScheme name="Office">
@@ -8929,6 +12146,7 @@
         <a:font script="Mong" typeface="Mongolian Baiti"/>
         <a:font script="Viet" typeface="Times New Roman"/>
         <a:font script="Uigh" typeface="Microsoft Uighur"/>
+        <a:font script="Geor" typeface="Sylfaen"/>
       </a:majorFont>
       <a:minorFont>
         <a:latin typeface="Calibri"/>
@@ -8963,6 +12181,7 @@
         <a:font script="Mong" typeface="Mongolian Baiti"/>
         <a:font script="Viet" typeface="Arial"/>
         <a:font script="Uigh" typeface="Microsoft Uighur"/>
+        <a:font script="Geor" typeface="Sylfaen"/>
       </a:minorFont>
     </a:fontScheme>
     <a:fmtScheme name="Office">
@@ -9133,11 +12352,462 @@
     </a:fmtScheme>
   </a:themeElements>
   <a:objectDefaults/>
-  <a:extraClrSchemeLst/>
+  <a:extraClrSchemeLst>
+    <a:extraClrScheme>
+      <a:clrScheme name="Visual Studio Live! Redmond 2014 1">
+        <a:dk1>
+          <a:srgbClr val="303030"/>
+        </a:dk1>
+        <a:lt1>
+          <a:srgbClr val="FFFFFF"/>
+        </a:lt1>
+        <a:dk2>
+          <a:srgbClr val="000000"/>
+        </a:dk2>
+        <a:lt2>
+          <a:srgbClr val="DEDEE0"/>
+        </a:lt2>
+        <a:accent1>
+          <a:srgbClr val="AD0101"/>
+        </a:accent1>
+        <a:accent2>
+          <a:srgbClr val="726056"/>
+        </a:accent2>
+        <a:accent3>
+          <a:srgbClr val="AAAAAA"/>
+        </a:accent3>
+        <a:accent4>
+          <a:srgbClr val="DADADA"/>
+        </a:accent4>
+        <a:accent5>
+          <a:srgbClr val="D3AAAA"/>
+        </a:accent5>
+        <a:accent6>
+          <a:srgbClr val="67564D"/>
+        </a:accent6>
+        <a:hlink>
+          <a:srgbClr val="D26900"/>
+        </a:hlink>
+        <a:folHlink>
+          <a:srgbClr val="D89243"/>
+        </a:folHlink>
+      </a:clrScheme>
+      <a:clrMap bg1="dk2" tx1="lt1" bg2="dk1" tx2="lt2" accent1="accent1" accent2="accent2" accent3="accent3" accent4="accent4" accent5="accent5" accent6="accent6" hlink="hlink" folHlink="folHlink"/>
+    </a:extraClrScheme>
+    <a:extraClrScheme>
+      <a:clrScheme name="Visual Studio Live! Redmond 2014 2">
+        <a:dk1>
+          <a:srgbClr val="000000"/>
+        </a:dk1>
+        <a:lt1>
+          <a:srgbClr val="FFFFFE"/>
+        </a:lt1>
+        <a:dk2>
+          <a:srgbClr val="007397"/>
+        </a:dk2>
+        <a:lt2>
+          <a:srgbClr val="636463"/>
+        </a:lt2>
+        <a:accent1>
+          <a:srgbClr val="A01420"/>
+        </a:accent1>
+        <a:accent2>
+          <a:srgbClr val="726056"/>
+        </a:accent2>
+        <a:accent3>
+          <a:srgbClr val="FFFFFE"/>
+        </a:accent3>
+        <a:accent4>
+          <a:srgbClr val="000000"/>
+        </a:accent4>
+        <a:accent5>
+          <a:srgbClr val="CDAAAB"/>
+        </a:accent5>
+        <a:accent6>
+          <a:srgbClr val="67564D"/>
+        </a:accent6>
+        <a:hlink>
+          <a:srgbClr val="007397"/>
+        </a:hlink>
+        <a:folHlink>
+          <a:srgbClr val="162F44"/>
+        </a:folHlink>
+      </a:clrScheme>
+      <a:clrMap bg1="lt1" tx1="dk1" bg2="lt2" tx2="dk2" accent1="accent1" accent2="accent2" accent3="accent3" accent4="accent4" accent5="accent5" accent6="accent6" hlink="hlink" folHlink="folHlink"/>
+    </a:extraClrScheme>
+  </a:extraClrSchemeLst>
 </a:theme>
 </file>
 
 <file path=ppt/theme/theme2.xml><?xml version="1.0" encoding="utf-8"?>
+<a:theme xmlns:a="http://schemas.openxmlformats.org/drawingml/2006/main" name="1_Visual Studio Live! Anaheim 2017">
+  <a:themeElements>
+    <a:clrScheme name="Custom 1">
+      <a:dk1>
+        <a:sysClr val="windowText" lastClr="000000"/>
+      </a:dk1>
+      <a:lt1>
+        <a:sysClr val="window" lastClr="FFFFFF"/>
+      </a:lt1>
+      <a:dk2>
+        <a:srgbClr val="1F497D"/>
+      </a:dk2>
+      <a:lt2>
+        <a:srgbClr val="EEECE1"/>
+      </a:lt2>
+      <a:accent1>
+        <a:srgbClr val="4F81BD"/>
+      </a:accent1>
+      <a:accent2>
+        <a:srgbClr val="C0504D"/>
+      </a:accent2>
+      <a:accent3>
+        <a:srgbClr val="9BBB59"/>
+      </a:accent3>
+      <a:accent4>
+        <a:srgbClr val="8064A2"/>
+      </a:accent4>
+      <a:accent5>
+        <a:srgbClr val="4BACC6"/>
+      </a:accent5>
+      <a:accent6>
+        <a:srgbClr val="F79646"/>
+      </a:accent6>
+      <a:hlink>
+        <a:srgbClr val="000000"/>
+      </a:hlink>
+      <a:folHlink>
+        <a:srgbClr val="000000"/>
+      </a:folHlink>
+    </a:clrScheme>
+    <a:fontScheme name="Office">
+      <a:majorFont>
+        <a:latin typeface="Calibri"/>
+        <a:ea typeface=""/>
+        <a:cs typeface=""/>
+        <a:font script="Jpan" typeface="ＭＳ Ｐゴシック"/>
+        <a:font script="Hang" typeface="맑은 고딕"/>
+        <a:font script="Hans" typeface="宋体"/>
+        <a:font script="Hant" typeface="新細明體"/>
+        <a:font script="Arab" typeface="Times New Roman"/>
+        <a:font script="Hebr" typeface="Times New Roman"/>
+        <a:font script="Thai" typeface="Angsana New"/>
+        <a:font script="Ethi" typeface="Nyala"/>
+        <a:font script="Beng" typeface="Vrinda"/>
+        <a:font script="Gujr" typeface="Shruti"/>
+        <a:font script="Khmr" typeface="MoolBoran"/>
+        <a:font script="Knda" typeface="Tunga"/>
+        <a:font script="Guru" typeface="Raavi"/>
+        <a:font script="Cans" typeface="Euphemia"/>
+        <a:font script="Cher" typeface="Plantagenet Cherokee"/>
+        <a:font script="Yiii" typeface="Microsoft Yi Baiti"/>
+        <a:font script="Tibt" typeface="Microsoft Himalaya"/>
+        <a:font script="Thaa" typeface="MV Boli"/>
+        <a:font script="Deva" typeface="Mangal"/>
+        <a:font script="Telu" typeface="Gautami"/>
+        <a:font script="Taml" typeface="Latha"/>
+        <a:font script="Syrc" typeface="Estrangelo Edessa"/>
+        <a:font script="Orya" typeface="Kalinga"/>
+        <a:font script="Mlym" typeface="Kartika"/>
+        <a:font script="Laoo" typeface="DokChampa"/>
+        <a:font script="Sinh" typeface="Iskoola Pota"/>
+        <a:font script="Mong" typeface="Mongolian Baiti"/>
+        <a:font script="Viet" typeface="Times New Roman"/>
+        <a:font script="Uigh" typeface="Microsoft Uighur"/>
+        <a:font script="Geor" typeface="Sylfaen"/>
+      </a:majorFont>
+      <a:minorFont>
+        <a:latin typeface="Calibri"/>
+        <a:ea typeface=""/>
+        <a:cs typeface=""/>
+        <a:font script="Jpan" typeface="ＭＳ Ｐゴシック"/>
+        <a:font script="Hang" typeface="맑은 고딕"/>
+        <a:font script="Hans" typeface="宋体"/>
+        <a:font script="Hant" typeface="新細明體"/>
+        <a:font script="Arab" typeface="Arial"/>
+        <a:font script="Hebr" typeface="Arial"/>
+        <a:font script="Thai" typeface="Cordia New"/>
+        <a:font script="Ethi" typeface="Nyala"/>
+        <a:font script="Beng" typeface="Vrinda"/>
+        <a:font script="Gujr" typeface="Shruti"/>
+        <a:font script="Khmr" typeface="DaunPenh"/>
+        <a:font script="Knda" typeface="Tunga"/>
+        <a:font script="Guru" typeface="Raavi"/>
+        <a:font script="Cans" typeface="Euphemia"/>
+        <a:font script="Cher" typeface="Plantagenet Cherokee"/>
+        <a:font script="Yiii" typeface="Microsoft Yi Baiti"/>
+        <a:font script="Tibt" typeface="Microsoft Himalaya"/>
+        <a:font script="Thaa" typeface="MV Boli"/>
+        <a:font script="Deva" typeface="Mangal"/>
+        <a:font script="Telu" typeface="Gautami"/>
+        <a:font script="Taml" typeface="Latha"/>
+        <a:font script="Syrc" typeface="Estrangelo Edessa"/>
+        <a:font script="Orya" typeface="Kalinga"/>
+        <a:font script="Mlym" typeface="Kartika"/>
+        <a:font script="Laoo" typeface="DokChampa"/>
+        <a:font script="Sinh" typeface="Iskoola Pota"/>
+        <a:font script="Mong" typeface="Mongolian Baiti"/>
+        <a:font script="Viet" typeface="Arial"/>
+        <a:font script="Uigh" typeface="Microsoft Uighur"/>
+        <a:font script="Geor" typeface="Sylfaen"/>
+      </a:minorFont>
+    </a:fontScheme>
+    <a:fmtScheme name="Office">
+      <a:fillStyleLst>
+        <a:solidFill>
+          <a:schemeClr val="phClr"/>
+        </a:solidFill>
+        <a:gradFill rotWithShape="1">
+          <a:gsLst>
+            <a:gs pos="0">
+              <a:schemeClr val="phClr">
+                <a:tint val="50000"/>
+                <a:satMod val="300000"/>
+              </a:schemeClr>
+            </a:gs>
+            <a:gs pos="35000">
+              <a:schemeClr val="phClr">
+                <a:tint val="37000"/>
+                <a:satMod val="300000"/>
+              </a:schemeClr>
+            </a:gs>
+            <a:gs pos="100000">
+              <a:schemeClr val="phClr">
+                <a:tint val="15000"/>
+                <a:satMod val="350000"/>
+              </a:schemeClr>
+            </a:gs>
+          </a:gsLst>
+          <a:lin ang="16200000" scaled="1"/>
+        </a:gradFill>
+        <a:gradFill rotWithShape="1">
+          <a:gsLst>
+            <a:gs pos="0">
+              <a:schemeClr val="phClr">
+                <a:shade val="51000"/>
+                <a:satMod val="130000"/>
+              </a:schemeClr>
+            </a:gs>
+            <a:gs pos="80000">
+              <a:schemeClr val="phClr">
+                <a:shade val="93000"/>
+                <a:satMod val="130000"/>
+              </a:schemeClr>
+            </a:gs>
+            <a:gs pos="100000">
+              <a:schemeClr val="phClr">
+                <a:shade val="94000"/>
+                <a:satMod val="135000"/>
+              </a:schemeClr>
+            </a:gs>
+          </a:gsLst>
+          <a:lin ang="16200000" scaled="0"/>
+        </a:gradFill>
+      </a:fillStyleLst>
+      <a:lnStyleLst>
+        <a:ln w="9525" cap="flat" cmpd="sng" algn="ctr">
+          <a:solidFill>
+            <a:schemeClr val="phClr">
+              <a:shade val="95000"/>
+              <a:satMod val="105000"/>
+            </a:schemeClr>
+          </a:solidFill>
+          <a:prstDash val="solid"/>
+        </a:ln>
+        <a:ln w="25400" cap="flat" cmpd="sng" algn="ctr">
+          <a:solidFill>
+            <a:schemeClr val="phClr"/>
+          </a:solidFill>
+          <a:prstDash val="solid"/>
+        </a:ln>
+        <a:ln w="38100" cap="flat" cmpd="sng" algn="ctr">
+          <a:solidFill>
+            <a:schemeClr val="phClr"/>
+          </a:solidFill>
+          <a:prstDash val="solid"/>
+        </a:ln>
+      </a:lnStyleLst>
+      <a:effectStyleLst>
+        <a:effectStyle>
+          <a:effectLst>
+            <a:outerShdw blurRad="40000" dist="20000" dir="5400000" rotWithShape="0">
+              <a:srgbClr val="000000">
+                <a:alpha val="38000"/>
+              </a:srgbClr>
+            </a:outerShdw>
+          </a:effectLst>
+        </a:effectStyle>
+        <a:effectStyle>
+          <a:effectLst>
+            <a:outerShdw blurRad="40000" dist="23000" dir="5400000" rotWithShape="0">
+              <a:srgbClr val="000000">
+                <a:alpha val="35000"/>
+              </a:srgbClr>
+            </a:outerShdw>
+          </a:effectLst>
+        </a:effectStyle>
+        <a:effectStyle>
+          <a:effectLst>
+            <a:outerShdw blurRad="40000" dist="23000" dir="5400000" rotWithShape="0">
+              <a:srgbClr val="000000">
+                <a:alpha val="35000"/>
+              </a:srgbClr>
+            </a:outerShdw>
+          </a:effectLst>
+          <a:scene3d>
+            <a:camera prst="orthographicFront">
+              <a:rot lat="0" lon="0" rev="0"/>
+            </a:camera>
+            <a:lightRig rig="threePt" dir="t">
+              <a:rot lat="0" lon="0" rev="1200000"/>
+            </a:lightRig>
+          </a:scene3d>
+          <a:sp3d>
+            <a:bevelT w="63500" h="25400"/>
+          </a:sp3d>
+        </a:effectStyle>
+      </a:effectStyleLst>
+      <a:bgFillStyleLst>
+        <a:solidFill>
+          <a:schemeClr val="phClr"/>
+        </a:solidFill>
+        <a:gradFill rotWithShape="1">
+          <a:gsLst>
+            <a:gs pos="0">
+              <a:schemeClr val="phClr">
+                <a:tint val="40000"/>
+                <a:satMod val="350000"/>
+              </a:schemeClr>
+            </a:gs>
+            <a:gs pos="40000">
+              <a:schemeClr val="phClr">
+                <a:tint val="45000"/>
+                <a:shade val="99000"/>
+                <a:satMod val="350000"/>
+              </a:schemeClr>
+            </a:gs>
+            <a:gs pos="100000">
+              <a:schemeClr val="phClr">
+                <a:shade val="20000"/>
+                <a:satMod val="255000"/>
+              </a:schemeClr>
+            </a:gs>
+          </a:gsLst>
+          <a:path path="circle">
+            <a:fillToRect l="50000" t="-80000" r="50000" b="180000"/>
+          </a:path>
+        </a:gradFill>
+        <a:gradFill rotWithShape="1">
+          <a:gsLst>
+            <a:gs pos="0">
+              <a:schemeClr val="phClr">
+                <a:tint val="80000"/>
+                <a:satMod val="300000"/>
+              </a:schemeClr>
+            </a:gs>
+            <a:gs pos="100000">
+              <a:schemeClr val="phClr">
+                <a:shade val="30000"/>
+                <a:satMod val="200000"/>
+              </a:schemeClr>
+            </a:gs>
+          </a:gsLst>
+          <a:path path="circle">
+            <a:fillToRect l="50000" t="50000" r="50000" b="50000"/>
+          </a:path>
+        </a:gradFill>
+      </a:bgFillStyleLst>
+    </a:fmtScheme>
+  </a:themeElements>
+  <a:objectDefaults/>
+  <a:extraClrSchemeLst>
+    <a:extraClrScheme>
+      <a:clrScheme name="Visual Studio Live! Redmond 2014 1">
+        <a:dk1>
+          <a:srgbClr val="303030"/>
+        </a:dk1>
+        <a:lt1>
+          <a:srgbClr val="FFFFFF"/>
+        </a:lt1>
+        <a:dk2>
+          <a:srgbClr val="000000"/>
+        </a:dk2>
+        <a:lt2>
+          <a:srgbClr val="DEDEE0"/>
+        </a:lt2>
+        <a:accent1>
+          <a:srgbClr val="AD0101"/>
+        </a:accent1>
+        <a:accent2>
+          <a:srgbClr val="726056"/>
+        </a:accent2>
+        <a:accent3>
+          <a:srgbClr val="AAAAAA"/>
+        </a:accent3>
+        <a:accent4>
+          <a:srgbClr val="DADADA"/>
+        </a:accent4>
+        <a:accent5>
+          <a:srgbClr val="D3AAAA"/>
+        </a:accent5>
+        <a:accent6>
+          <a:srgbClr val="67564D"/>
+        </a:accent6>
+        <a:hlink>
+          <a:srgbClr val="D26900"/>
+        </a:hlink>
+        <a:folHlink>
+          <a:srgbClr val="D89243"/>
+        </a:folHlink>
+      </a:clrScheme>
+      <a:clrMap bg1="dk2" tx1="lt1" bg2="dk1" tx2="lt2" accent1="accent1" accent2="accent2" accent3="accent3" accent4="accent4" accent5="accent5" accent6="accent6" hlink="hlink" folHlink="folHlink"/>
+    </a:extraClrScheme>
+    <a:extraClrScheme>
+      <a:clrScheme name="Visual Studio Live! Redmond 2014 2">
+        <a:dk1>
+          <a:srgbClr val="000000"/>
+        </a:dk1>
+        <a:lt1>
+          <a:srgbClr val="FFFFFE"/>
+        </a:lt1>
+        <a:dk2>
+          <a:srgbClr val="007397"/>
+        </a:dk2>
+        <a:lt2>
+          <a:srgbClr val="636463"/>
+        </a:lt2>
+        <a:accent1>
+          <a:srgbClr val="A01420"/>
+        </a:accent1>
+        <a:accent2>
+          <a:srgbClr val="726056"/>
+        </a:accent2>
+        <a:accent3>
+          <a:srgbClr val="FFFFFE"/>
+        </a:accent3>
+        <a:accent4>
+          <a:srgbClr val="000000"/>
+        </a:accent4>
+        <a:accent5>
+          <a:srgbClr val="CDAAAB"/>
+        </a:accent5>
+        <a:accent6>
+          <a:srgbClr val="67564D"/>
+        </a:accent6>
+        <a:hlink>
+          <a:srgbClr val="007397"/>
+        </a:hlink>
+        <a:folHlink>
+          <a:srgbClr val="162F44"/>
+        </a:folHlink>
+      </a:clrScheme>
+      <a:clrMap bg1="lt1" tx1="dk1" bg2="lt2" tx2="dk2" accent1="accent1" accent2="accent2" accent3="accent3" accent4="accent4" accent5="accent5" accent6="accent6" hlink="hlink" folHlink="folHlink"/>
+    </a:extraClrScheme>
+  </a:extraClrSchemeLst>
+</a:theme>
+</file>
+
+<file path=ppt/theme/theme3.xml><?xml version="1.0" encoding="utf-8"?>
 <a:theme xmlns:a="http://schemas.openxmlformats.org/drawingml/2006/main" name="Office Theme">
   <a:themeElements>
     <a:clrScheme name="Office">

--- a/UnitTestingTSQL.pptx
+++ b/UnitTestingTSQL.pptx
@@ -2,14 +2,14 @@
 <file path=ppt/presentation.xml><?xml version="1.0" encoding="utf-8"?>
 <p:presentation xmlns:a="http://schemas.openxmlformats.org/drawingml/2006/main" xmlns:r="http://schemas.openxmlformats.org/officeDocument/2006/relationships" xmlns:p="http://schemas.openxmlformats.org/presentationml/2006/main" saveSubsetFonts="1">
   <p:sldMasterIdLst>
-    <p:sldMasterId id="2147483648" r:id="rId1"/>
+    <p:sldMasterId id="2147483679" r:id="rId1"/>
+    <p:sldMasterId id="2147483692" r:id="rId2"/>
   </p:sldMasterIdLst>
   <p:notesMasterIdLst>
-    <p:notesMasterId r:id="rId29"/>
+    <p:notesMasterId r:id="rId30"/>
   </p:notesMasterIdLst>
   <p:sldIdLst>
-    <p:sldId id="256" r:id="rId2"/>
-    <p:sldId id="298" r:id="rId3"/>
+    <p:sldId id="300" r:id="rId3"/>
     <p:sldId id="282" r:id="rId4"/>
     <p:sldId id="283" r:id="rId5"/>
     <p:sldId id="289" r:id="rId6"/>
@@ -23,18 +23,19 @@
     <p:sldId id="294" r:id="rId14"/>
     <p:sldId id="295" r:id="rId15"/>
     <p:sldId id="296" r:id="rId16"/>
-    <p:sldId id="261" r:id="rId17"/>
-    <p:sldId id="287" r:id="rId18"/>
-    <p:sldId id="297" r:id="rId19"/>
-    <p:sldId id="262" r:id="rId20"/>
-    <p:sldId id="284" r:id="rId21"/>
-    <p:sldId id="273" r:id="rId22"/>
-    <p:sldId id="285" r:id="rId23"/>
-    <p:sldId id="276" r:id="rId24"/>
-    <p:sldId id="278" r:id="rId25"/>
-    <p:sldId id="270" r:id="rId26"/>
-    <p:sldId id="271" r:id="rId27"/>
-    <p:sldId id="265" r:id="rId28"/>
+    <p:sldId id="298" r:id="rId17"/>
+    <p:sldId id="261" r:id="rId18"/>
+    <p:sldId id="287" r:id="rId19"/>
+    <p:sldId id="297" r:id="rId20"/>
+    <p:sldId id="262" r:id="rId21"/>
+    <p:sldId id="284" r:id="rId22"/>
+    <p:sldId id="273" r:id="rId23"/>
+    <p:sldId id="285" r:id="rId24"/>
+    <p:sldId id="276" r:id="rId25"/>
+    <p:sldId id="278" r:id="rId26"/>
+    <p:sldId id="270" r:id="rId27"/>
+    <p:sldId id="271" r:id="rId28"/>
+    <p:sldId id="265" r:id="rId29"/>
   </p:sldIdLst>
   <p:sldSz cx="9144000" cy="6858000" type="screen4x3"/>
   <p:notesSz cx="6858000" cy="9144000"/>
@@ -42,94 +43,124 @@
     <a:defPPr>
       <a:defRPr lang="en-US"/>
     </a:defPPr>
-    <a:lvl1pPr marL="0" algn="l" defTabSz="914400" rtl="0" eaLnBrk="1" latinLnBrk="0" hangingPunct="1">
-      <a:defRPr sz="1800" kern="1200">
+    <a:lvl1pPr algn="l" rtl="0" fontAlgn="base">
+      <a:spcBef>
+        <a:spcPct val="0"/>
+      </a:spcBef>
+      <a:spcAft>
+        <a:spcPct val="0"/>
+      </a:spcAft>
+      <a:defRPr kern="1200">
         <a:solidFill>
           <a:schemeClr val="tx1"/>
         </a:solidFill>
-        <a:latin typeface="+mn-lt"/>
-        <a:ea typeface="+mn-ea"/>
-        <a:cs typeface="+mn-cs"/>
+        <a:latin typeface="Arial" pitchFamily="-72" charset="0"/>
+        <a:ea typeface="ＭＳ Ｐゴシック" pitchFamily="-72" charset="-128"/>
+        <a:cs typeface="ＭＳ Ｐゴシック" pitchFamily="-72" charset="-128"/>
       </a:defRPr>
     </a:lvl1pPr>
-    <a:lvl2pPr marL="457200" algn="l" defTabSz="914400" rtl="0" eaLnBrk="1" latinLnBrk="0" hangingPunct="1">
-      <a:defRPr sz="1800" kern="1200">
+    <a:lvl2pPr marL="457200" algn="l" rtl="0" fontAlgn="base">
+      <a:spcBef>
+        <a:spcPct val="0"/>
+      </a:spcBef>
+      <a:spcAft>
+        <a:spcPct val="0"/>
+      </a:spcAft>
+      <a:defRPr kern="1200">
         <a:solidFill>
           <a:schemeClr val="tx1"/>
         </a:solidFill>
-        <a:latin typeface="+mn-lt"/>
-        <a:ea typeface="+mn-ea"/>
-        <a:cs typeface="+mn-cs"/>
+        <a:latin typeface="Arial" pitchFamily="-72" charset="0"/>
+        <a:ea typeface="ＭＳ Ｐゴシック" pitchFamily="-72" charset="-128"/>
+        <a:cs typeface="ＭＳ Ｐゴシック" pitchFamily="-72" charset="-128"/>
       </a:defRPr>
     </a:lvl2pPr>
-    <a:lvl3pPr marL="914400" algn="l" defTabSz="914400" rtl="0" eaLnBrk="1" latinLnBrk="0" hangingPunct="1">
-      <a:defRPr sz="1800" kern="1200">
+    <a:lvl3pPr marL="914400" algn="l" rtl="0" fontAlgn="base">
+      <a:spcBef>
+        <a:spcPct val="0"/>
+      </a:spcBef>
+      <a:spcAft>
+        <a:spcPct val="0"/>
+      </a:spcAft>
+      <a:defRPr kern="1200">
         <a:solidFill>
           <a:schemeClr val="tx1"/>
         </a:solidFill>
-        <a:latin typeface="+mn-lt"/>
-        <a:ea typeface="+mn-ea"/>
-        <a:cs typeface="+mn-cs"/>
+        <a:latin typeface="Arial" pitchFamily="-72" charset="0"/>
+        <a:ea typeface="ＭＳ Ｐゴシック" pitchFamily="-72" charset="-128"/>
+        <a:cs typeface="ＭＳ Ｐゴシック" pitchFamily="-72" charset="-128"/>
       </a:defRPr>
     </a:lvl3pPr>
-    <a:lvl4pPr marL="1371600" algn="l" defTabSz="914400" rtl="0" eaLnBrk="1" latinLnBrk="0" hangingPunct="1">
-      <a:defRPr sz="1800" kern="1200">
+    <a:lvl4pPr marL="1371600" algn="l" rtl="0" fontAlgn="base">
+      <a:spcBef>
+        <a:spcPct val="0"/>
+      </a:spcBef>
+      <a:spcAft>
+        <a:spcPct val="0"/>
+      </a:spcAft>
+      <a:defRPr kern="1200">
         <a:solidFill>
           <a:schemeClr val="tx1"/>
         </a:solidFill>
-        <a:latin typeface="+mn-lt"/>
-        <a:ea typeface="+mn-ea"/>
-        <a:cs typeface="+mn-cs"/>
+        <a:latin typeface="Arial" pitchFamily="-72" charset="0"/>
+        <a:ea typeface="ＭＳ Ｐゴシック" pitchFamily="-72" charset="-128"/>
+        <a:cs typeface="ＭＳ Ｐゴシック" pitchFamily="-72" charset="-128"/>
       </a:defRPr>
     </a:lvl4pPr>
-    <a:lvl5pPr marL="1828800" algn="l" defTabSz="914400" rtl="0" eaLnBrk="1" latinLnBrk="0" hangingPunct="1">
-      <a:defRPr sz="1800" kern="1200">
+    <a:lvl5pPr marL="1828800" algn="l" rtl="0" fontAlgn="base">
+      <a:spcBef>
+        <a:spcPct val="0"/>
+      </a:spcBef>
+      <a:spcAft>
+        <a:spcPct val="0"/>
+      </a:spcAft>
+      <a:defRPr kern="1200">
         <a:solidFill>
           <a:schemeClr val="tx1"/>
         </a:solidFill>
-        <a:latin typeface="+mn-lt"/>
-        <a:ea typeface="+mn-ea"/>
-        <a:cs typeface="+mn-cs"/>
+        <a:latin typeface="Arial" pitchFamily="-72" charset="0"/>
+        <a:ea typeface="ＭＳ Ｐゴシック" pitchFamily="-72" charset="-128"/>
+        <a:cs typeface="ＭＳ Ｐゴシック" pitchFamily="-72" charset="-128"/>
       </a:defRPr>
     </a:lvl5pPr>
-    <a:lvl6pPr marL="2286000" algn="l" defTabSz="914400" rtl="0" eaLnBrk="1" latinLnBrk="0" hangingPunct="1">
-      <a:defRPr sz="1800" kern="1200">
+    <a:lvl6pPr marL="2286000" algn="l" defTabSz="457200" rtl="0" eaLnBrk="1" latinLnBrk="0" hangingPunct="1">
+      <a:defRPr kern="1200">
         <a:solidFill>
           <a:schemeClr val="tx1"/>
         </a:solidFill>
-        <a:latin typeface="+mn-lt"/>
-        <a:ea typeface="+mn-ea"/>
-        <a:cs typeface="+mn-cs"/>
+        <a:latin typeface="Arial" pitchFamily="-72" charset="0"/>
+        <a:ea typeface="ＭＳ Ｐゴシック" pitchFamily="-72" charset="-128"/>
+        <a:cs typeface="ＭＳ Ｐゴシック" pitchFamily="-72" charset="-128"/>
       </a:defRPr>
     </a:lvl6pPr>
-    <a:lvl7pPr marL="2743200" algn="l" defTabSz="914400" rtl="0" eaLnBrk="1" latinLnBrk="0" hangingPunct="1">
-      <a:defRPr sz="1800" kern="1200">
+    <a:lvl7pPr marL="2743200" algn="l" defTabSz="457200" rtl="0" eaLnBrk="1" latinLnBrk="0" hangingPunct="1">
+      <a:defRPr kern="1200">
         <a:solidFill>
           <a:schemeClr val="tx1"/>
         </a:solidFill>
-        <a:latin typeface="+mn-lt"/>
-        <a:ea typeface="+mn-ea"/>
-        <a:cs typeface="+mn-cs"/>
+        <a:latin typeface="Arial" pitchFamily="-72" charset="0"/>
+        <a:ea typeface="ＭＳ Ｐゴシック" pitchFamily="-72" charset="-128"/>
+        <a:cs typeface="ＭＳ Ｐゴシック" pitchFamily="-72" charset="-128"/>
       </a:defRPr>
     </a:lvl7pPr>
-    <a:lvl8pPr marL="3200400" algn="l" defTabSz="914400" rtl="0" eaLnBrk="1" latinLnBrk="0" hangingPunct="1">
-      <a:defRPr sz="1800" kern="1200">
+    <a:lvl8pPr marL="3200400" algn="l" defTabSz="457200" rtl="0" eaLnBrk="1" latinLnBrk="0" hangingPunct="1">
+      <a:defRPr kern="1200">
         <a:solidFill>
           <a:schemeClr val="tx1"/>
         </a:solidFill>
-        <a:latin typeface="+mn-lt"/>
-        <a:ea typeface="+mn-ea"/>
-        <a:cs typeface="+mn-cs"/>
+        <a:latin typeface="Arial" pitchFamily="-72" charset="0"/>
+        <a:ea typeface="ＭＳ Ｐゴシック" pitchFamily="-72" charset="-128"/>
+        <a:cs typeface="ＭＳ Ｐゴシック" pitchFamily="-72" charset="-128"/>
       </a:defRPr>
     </a:lvl8pPr>
-    <a:lvl9pPr marL="3657600" algn="l" defTabSz="914400" rtl="0" eaLnBrk="1" latinLnBrk="0" hangingPunct="1">
-      <a:defRPr sz="1800" kern="1200">
+    <a:lvl9pPr marL="3657600" algn="l" defTabSz="457200" rtl="0" eaLnBrk="1" latinLnBrk="0" hangingPunct="1">
+      <a:defRPr kern="1200">
         <a:solidFill>
           <a:schemeClr val="tx1"/>
         </a:solidFill>
-        <a:latin typeface="+mn-lt"/>
-        <a:ea typeface="+mn-ea"/>
-        <a:cs typeface="+mn-cs"/>
+        <a:latin typeface="Arial" pitchFamily="-72" charset="0"/>
+        <a:ea typeface="ＭＳ Ｐゴシック" pitchFamily="-72" charset="-128"/>
+        <a:cs typeface="ＭＳ Ｐゴシック" pitchFamily="-72" charset="-128"/>
       </a:defRPr>
     </a:lvl9pPr>
   </p:defaultTextStyle>
@@ -234,7 +265,7 @@
           <a:p>
             <a:fld id="{3C31BDEC-C855-4A20-BFC3-C78B82093698}" type="datetimeFigureOut">
               <a:rPr lang="en-US" smtClean="0"/>
-              <a:t>7/22/2017</a:t>
+              <a:t>10/11/2017</a:t>
             </a:fld>
             <a:endParaRPr lang="en-US"/>
           </a:p>
@@ -520,7 +551,7 @@
       </p:grpSpPr>
       <p:sp>
         <p:nvSpPr>
-          <p:cNvPr id="2" name="Slide Image Placeholder 1"/>
+          <p:cNvPr id="16385" name="Slide Image Placeholder 1"/>
           <p:cNvSpPr>
             <a:spLocks noGrp="1" noRot="1" noChangeAspect="1"/>
           </p:cNvSpPr>
@@ -528,11 +559,25 @@
             <p:ph type="sldImg"/>
           </p:nvPr>
         </p:nvSpPr>
-        <p:spPr/>
-      </p:sp>
-      <p:sp>
-        <p:nvSpPr>
-          <p:cNvPr id="3" name="Notes Placeholder 2"/>
+        <p:spPr bwMode="auto">
+          <a:xfrm>
+            <a:off x="1143000" y="685800"/>
+            <a:ext cx="4572000" cy="3429000"/>
+          </a:xfrm>
+          <a:noFill/>
+          <a:ln>
+            <a:solidFill>
+              <a:srgbClr val="000000"/>
+            </a:solidFill>
+            <a:miter lim="800000"/>
+            <a:headEnd/>
+            <a:tailEnd/>
+          </a:ln>
+        </p:spPr>
+      </p:sp>
+      <p:sp>
+        <p:nvSpPr>
+          <p:cNvPr id="16386" name="Notes Placeholder 2"/>
           <p:cNvSpPr>
             <a:spLocks noGrp="1"/>
           </p:cNvSpPr>
@@ -540,50 +585,124 @@
             <p:ph type="body" idx="1"/>
           </p:nvPr>
         </p:nvSpPr>
-        <p:spPr/>
-        <p:txBody>
-          <a:bodyPr/>
+        <p:spPr bwMode="auto">
+          <a:noFill/>
+        </p:spPr>
+        <p:txBody>
+          <a:bodyPr wrap="square" numCol="1" anchor="t" anchorCtr="0" compatLnSpc="1">
+            <a:prstTxWarp prst="textNoShape">
+              <a:avLst/>
+            </a:prstTxWarp>
+          </a:bodyPr>
           <a:lstStyle/>
           <a:p>
-            <a:r>
-              <a:rPr lang="en-US" dirty="0"/>
-              <a:t>Unit Testing with TSQL</a:t>
-            </a:r>
-            <a:r>
-              <a:rPr lang="en-US" baseline="0" dirty="0"/>
-              <a:t> Code</a:t>
-            </a:r>
-            <a:endParaRPr lang="en-US" dirty="0"/>
-          </a:p>
-        </p:txBody>
-      </p:sp>
-      <p:sp>
-        <p:nvSpPr>
-          <p:cNvPr id="4" name="Slide Number Placeholder 3"/>
-          <p:cNvSpPr>
-            <a:spLocks noGrp="1"/>
-          </p:cNvSpPr>
-          <p:nvPr>
-            <p:ph type="sldNum" sz="quarter" idx="10"/>
-          </p:nvPr>
-        </p:nvSpPr>
-        <p:spPr/>
-        <p:txBody>
-          <a:bodyPr/>
+            <a:pPr>
+              <a:spcBef>
+                <a:spcPct val="0"/>
+              </a:spcBef>
+            </a:pPr>
+            <a:endParaRPr lang="en-US"/>
+          </a:p>
+        </p:txBody>
+      </p:sp>
+      <p:sp>
+        <p:nvSpPr>
+          <p:cNvPr id="16387" name="Slide Number Placeholder 3"/>
+          <p:cNvSpPr>
+            <a:spLocks noGrp="1"/>
+          </p:cNvSpPr>
+          <p:nvPr>
+            <p:ph type="sldNum" sz="quarter" idx="5"/>
+          </p:nvPr>
+        </p:nvSpPr>
+        <p:spPr bwMode="auto">
+          <a:noFill/>
+          <a:ln>
+            <a:miter lim="800000"/>
+            <a:headEnd/>
+            <a:tailEnd/>
+          </a:ln>
+        </p:spPr>
+        <p:txBody>
+          <a:bodyPr wrap="square" numCol="1" anchorCtr="0" compatLnSpc="1">
+            <a:prstTxWarp prst="textNoShape">
+              <a:avLst/>
+            </a:prstTxWarp>
+          </a:bodyPr>
           <a:lstStyle/>
           <a:p>
-            <a:fld id="{737EB954-88EE-45B2-878D-41C5C083E9B9}" type="slidenum">
-              <a:rPr lang="en-US" smtClean="0"/>
+            <a:pPr marL="0" marR="0" lvl="0" indent="0" algn="r" defTabSz="914400" rtl="0" eaLnBrk="1" fontAlgn="base" latinLnBrk="0" hangingPunct="1">
+              <a:lnSpc>
+                <a:spcPct val="100000"/>
+              </a:lnSpc>
+              <a:spcBef>
+                <a:spcPct val="0"/>
+              </a:spcBef>
+              <a:spcAft>
+                <a:spcPct val="0"/>
+              </a:spcAft>
+              <a:buClrTx/>
+              <a:buSzTx/>
+              <a:buFontTx/>
+              <a:buNone/>
+              <a:tabLst/>
+              <a:defRPr/>
+            </a:pPr>
+            <a:fld id="{46988B0C-D0FA-4593-BF38-A7BA3E9A5D69}" type="slidenum">
+              <a:rPr kumimoji="0" lang="en-US" sz="1200" b="0" i="0" u="none" strike="noStrike" kern="1200" cap="none" spc="0" normalizeH="0" baseline="0" noProof="0">
+                <a:ln>
+                  <a:noFill/>
+                </a:ln>
+                <a:solidFill>
+                  <a:prstClr val="black"/>
+                </a:solidFill>
+                <a:effectLst/>
+                <a:uLnTx/>
+                <a:uFillTx/>
+                <a:latin typeface="Calibri"/>
+                <a:ea typeface="ＭＳ Ｐゴシック" pitchFamily="-72" charset="-128"/>
+                <a:cs typeface="ＭＳ Ｐゴシック" pitchFamily="-72" charset="-128"/>
+              </a:rPr>
+              <a:pPr marL="0" marR="0" lvl="0" indent="0" algn="r" defTabSz="914400" rtl="0" eaLnBrk="1" fontAlgn="base" latinLnBrk="0" hangingPunct="1">
+                <a:lnSpc>
+                  <a:spcPct val="100000"/>
+                </a:lnSpc>
+                <a:spcBef>
+                  <a:spcPct val="0"/>
+                </a:spcBef>
+                <a:spcAft>
+                  <a:spcPct val="0"/>
+                </a:spcAft>
+                <a:buClrTx/>
+                <a:buSzTx/>
+                <a:buFontTx/>
+                <a:buNone/>
+                <a:tabLst/>
+                <a:defRPr/>
+              </a:pPr>
               <a:t>1</a:t>
             </a:fld>
-            <a:endParaRPr lang="en-US"/>
+            <a:endParaRPr kumimoji="0" lang="en-US" sz="1200" b="0" i="0" u="none" strike="noStrike" kern="1200" cap="none" spc="0" normalizeH="0" baseline="0" noProof="0">
+              <a:ln>
+                <a:noFill/>
+              </a:ln>
+              <a:solidFill>
+                <a:prstClr val="black"/>
+              </a:solidFill>
+              <a:effectLst/>
+              <a:uLnTx/>
+              <a:uFillTx/>
+              <a:latin typeface="Calibri"/>
+              <a:ea typeface="ＭＳ Ｐゴシック" pitchFamily="-72" charset="-128"/>
+              <a:cs typeface="ＭＳ Ｐゴシック" pitchFamily="-72" charset="-128"/>
+            </a:endParaRPr>
           </a:p>
         </p:txBody>
       </p:sp>
     </p:spTree>
     <p:extLst>
       <p:ext uri="{BB962C8B-B14F-4D97-AF65-F5344CB8AC3E}">
-        <p14:creationId xmlns:p14="http://schemas.microsoft.com/office/powerpoint/2010/main" val="4191533490"/>
+        <p14:creationId xmlns:p14="http://schemas.microsoft.com/office/powerpoint/2010/main" val="3723008372"/>
       </p:ext>
     </p:extLst>
   </p:cSld>
@@ -1044,8 +1163,8 @@
         </p:nvSpPr>
         <p:spPr>
           <a:xfrm>
-            <a:off x="685800" y="1143000"/>
-            <a:ext cx="5486400" cy="3086100"/>
+            <a:off x="1371600" y="1143000"/>
+            <a:ext cx="4114800" cy="3086100"/>
           </a:xfrm>
         </p:spPr>
       </p:sp>
@@ -1090,7 +1209,7 @@
                 </a:solidFill>
               </a:rPr>
               <a:pPr/>
-              <a:t>4</a:t>
+              <a:t>3</a:t>
             </a:fld>
             <a:endParaRPr lang="en-GB" dirty="0">
               <a:solidFill>
@@ -1183,7 +1302,7 @@
           <a:p>
             <a:fld id="{23D30045-AEBE-4117-8D8F-8499E1D0AF2B}" type="slidenum">
               <a:rPr lang="en-US" smtClean="0"/>
-              <a:t>6</a:t>
+              <a:t>5</a:t>
             </a:fld>
             <a:endParaRPr lang="en-US"/>
           </a:p>
@@ -1272,7 +1391,7 @@
           <a:p>
             <a:fld id="{23D30045-AEBE-4117-8D8F-8499E1D0AF2B}" type="slidenum">
               <a:rPr lang="en-US" smtClean="0"/>
-              <a:t>7</a:t>
+              <a:t>6</a:t>
             </a:fld>
             <a:endParaRPr lang="en-US"/>
           </a:p>
@@ -1359,7 +1478,7 @@
           <a:p>
             <a:fld id="{23D30045-AEBE-4117-8D8F-8499E1D0AF2B}" type="slidenum">
               <a:rPr lang="en-US" smtClean="0"/>
-              <a:t>8</a:t>
+              <a:t>7</a:t>
             </a:fld>
             <a:endParaRPr lang="en-US"/>
           </a:p>
@@ -1451,7 +1570,7 @@
           <a:p>
             <a:fld id="{737EB954-88EE-45B2-878D-41C5C083E9B9}" type="slidenum">
               <a:rPr lang="en-US" smtClean="0"/>
-              <a:t>9</a:t>
+              <a:t>8</a:t>
             </a:fld>
             <a:endParaRPr lang="en-US"/>
           </a:p>
@@ -1535,7 +1654,7 @@
           <a:p>
             <a:fld id="{737EB954-88EE-45B2-878D-41C5C083E9B9}" type="slidenum">
               <a:rPr lang="en-US" smtClean="0"/>
-              <a:t>14</a:t>
+              <a:t>13</a:t>
             </a:fld>
             <a:endParaRPr lang="en-US"/>
           </a:p>
@@ -1738,7 +1857,7 @@
 
 <file path=ppt/slideLayouts/slideLayout1.xml><?xml version="1.0" encoding="utf-8"?>
 <p:sldLayout xmlns:a="http://schemas.openxmlformats.org/drawingml/2006/main" xmlns:r="http://schemas.openxmlformats.org/officeDocument/2006/relationships" xmlns:p="http://schemas.openxmlformats.org/presentationml/2006/main" type="title" preserve="1">
-  <p:cSld name="Title Slide">
+  <p:cSld name="Visual Studio Live! Redmond 2014">
     <p:spTree>
       <p:nvGrpSpPr>
         <p:cNvPr id="1" name=""/>
@@ -1765,7 +1884,7 @@
         </p:nvSpPr>
         <p:spPr>
           <a:xfrm>
-            <a:off x="685800" y="2130425"/>
+            <a:off x="685800" y="2130429"/>
             <a:ext cx="7772400" cy="1470025"/>
           </a:xfrm>
         </p:spPr>
@@ -1911,12 +2030,21 @@
         <p:spPr/>
         <p:txBody>
           <a:bodyPr/>
-          <a:lstStyle/>
-          <a:p>
-            <a:fld id="{1D8BD707-D9CF-40AE-B4C6-C98DA3205C09}" type="datetimeFigureOut">
+          <a:lstStyle>
+            <a:lvl1pPr>
+              <a:defRPr/>
+            </a:lvl1pPr>
+          </a:lstStyle>
+          <a:p>
+            <a:pPr>
+              <a:defRPr/>
+            </a:pPr>
+            <a:fld id="{7F63CDA3-A2DE-473C-A81C-F73D2A1BFF69}" type="datetimeFigureOut">
               <a:rPr lang="en-US" smtClean="0"/>
-              <a:pPr/>
-              <a:t>7/22/2017</a:t>
+              <a:pPr>
+                <a:defRPr/>
+              </a:pPr>
+              <a:t>10/11/2017</a:t>
             </a:fld>
             <a:endParaRPr lang="en-US"/>
           </a:p>
@@ -1935,37 +2063,25 @@
         <p:spPr/>
         <p:txBody>
           <a:bodyPr/>
-          <a:lstStyle/>
-          <a:p>
+          <a:lstStyle>
+            <a:lvl1pPr>
+              <a:defRPr/>
+            </a:lvl1pPr>
+          </a:lstStyle>
+          <a:p>
+            <a:pPr>
+              <a:defRPr/>
+            </a:pPr>
             <a:endParaRPr lang="en-US"/>
           </a:p>
         </p:txBody>
       </p:sp>
-      <p:sp>
-        <p:nvSpPr>
-          <p:cNvPr id="6" name="Slide Number Placeholder 5"/>
-          <p:cNvSpPr>
-            <a:spLocks noGrp="1"/>
-          </p:cNvSpPr>
-          <p:nvPr>
-            <p:ph type="sldNum" sz="quarter" idx="12"/>
-          </p:nvPr>
-        </p:nvSpPr>
-        <p:spPr/>
-        <p:txBody>
-          <a:bodyPr/>
-          <a:lstStyle/>
-          <a:p>
-            <a:fld id="{B6F15528-21DE-4FAA-801E-634DDDAF4B2B}" type="slidenum">
-              <a:rPr lang="en-US" smtClean="0"/>
-              <a:pPr/>
-              <a:t>‹#›</a:t>
-            </a:fld>
-            <a:endParaRPr lang="en-US"/>
-          </a:p>
-        </p:txBody>
-      </p:sp>
     </p:spTree>
+    <p:extLst>
+      <p:ext uri="{BB962C8B-B14F-4D97-AF65-F5344CB8AC3E}">
+        <p14:creationId xmlns:p14="http://schemas.microsoft.com/office/powerpoint/2010/main" val="3612284631"/>
+      </p:ext>
+    </p:extLst>
   </p:cSld>
   <p:clrMapOvr>
     <a:masterClrMapping/>
@@ -2030,7 +2146,7 @@
             <a:pPr lvl="0"/>
             <a:r>
               <a:rPr lang="en-US"/>
-              <a:t>Click to edit Master text styles</a:t>
+              <a:t>Edit Master text styles</a:t>
             </a:r>
           </a:p>
           <a:p>
@@ -2076,12 +2192,21 @@
         <p:spPr/>
         <p:txBody>
           <a:bodyPr/>
-          <a:lstStyle/>
-          <a:p>
-            <a:fld id="{1D8BD707-D9CF-40AE-B4C6-C98DA3205C09}" type="datetimeFigureOut">
+          <a:lstStyle>
+            <a:lvl1pPr>
+              <a:defRPr/>
+            </a:lvl1pPr>
+          </a:lstStyle>
+          <a:p>
+            <a:pPr>
+              <a:defRPr/>
+            </a:pPr>
+            <a:fld id="{B2ACF2FE-3FA7-4ABC-8D10-AB106564C9F6}" type="datetimeFigureOut">
               <a:rPr lang="en-US" smtClean="0"/>
-              <a:pPr/>
-              <a:t>7/22/2017</a:t>
+              <a:pPr>
+                <a:defRPr/>
+              </a:pPr>
+              <a:t>10/11/2017</a:t>
             </a:fld>
             <a:endParaRPr lang="en-US"/>
           </a:p>
@@ -2100,37 +2225,25 @@
         <p:spPr/>
         <p:txBody>
           <a:bodyPr/>
-          <a:lstStyle/>
-          <a:p>
+          <a:lstStyle>
+            <a:lvl1pPr>
+              <a:defRPr/>
+            </a:lvl1pPr>
+          </a:lstStyle>
+          <a:p>
+            <a:pPr>
+              <a:defRPr/>
+            </a:pPr>
             <a:endParaRPr lang="en-US"/>
           </a:p>
         </p:txBody>
       </p:sp>
-      <p:sp>
-        <p:nvSpPr>
-          <p:cNvPr id="6" name="Slide Number Placeholder 5"/>
-          <p:cNvSpPr>
-            <a:spLocks noGrp="1"/>
-          </p:cNvSpPr>
-          <p:nvPr>
-            <p:ph type="sldNum" sz="quarter" idx="12"/>
-          </p:nvPr>
-        </p:nvSpPr>
-        <p:spPr/>
-        <p:txBody>
-          <a:bodyPr/>
-          <a:lstStyle/>
-          <a:p>
-            <a:fld id="{B6F15528-21DE-4FAA-801E-634DDDAF4B2B}" type="slidenum">
-              <a:rPr lang="en-US" smtClean="0"/>
-              <a:pPr/>
-              <a:t>‹#›</a:t>
-            </a:fld>
-            <a:endParaRPr lang="en-US"/>
-          </a:p>
-        </p:txBody>
-      </p:sp>
     </p:spTree>
+    <p:extLst>
+      <p:ext uri="{BB962C8B-B14F-4D97-AF65-F5344CB8AC3E}">
+        <p14:creationId xmlns:p14="http://schemas.microsoft.com/office/powerpoint/2010/main" val="3634424082"/>
+      </p:ext>
+    </p:extLst>
   </p:cSld>
   <p:clrMapOvr>
     <a:masterClrMapping/>
@@ -2167,8 +2280,8 @@
         </p:nvSpPr>
         <p:spPr>
           <a:xfrm>
-            <a:off x="6629400" y="274638"/>
-            <a:ext cx="2057400" cy="5851525"/>
+            <a:off x="6629400" y="206376"/>
+            <a:ext cx="2057400" cy="4387851"/>
           </a:xfrm>
         </p:spPr>
         <p:txBody>
@@ -2194,8 +2307,8 @@
         </p:nvSpPr>
         <p:spPr>
           <a:xfrm>
-            <a:off x="457200" y="274638"/>
-            <a:ext cx="6019800" cy="5851525"/>
+            <a:off x="457200" y="206376"/>
+            <a:ext cx="6019800" cy="4387851"/>
           </a:xfrm>
         </p:spPr>
         <p:txBody>
@@ -2205,7 +2318,7 @@
             <a:pPr lvl="0"/>
             <a:r>
               <a:rPr lang="en-US"/>
-              <a:t>Click to edit Master text styles</a:t>
+              <a:t>Edit Master text styles</a:t>
             </a:r>
           </a:p>
           <a:p>
@@ -2251,12 +2364,21 @@
         <p:spPr/>
         <p:txBody>
           <a:bodyPr/>
-          <a:lstStyle/>
-          <a:p>
-            <a:fld id="{1D8BD707-D9CF-40AE-B4C6-C98DA3205C09}" type="datetimeFigureOut">
+          <a:lstStyle>
+            <a:lvl1pPr>
+              <a:defRPr/>
+            </a:lvl1pPr>
+          </a:lstStyle>
+          <a:p>
+            <a:pPr>
+              <a:defRPr/>
+            </a:pPr>
+            <a:fld id="{7AD803F9-FDAA-4AD8-AB1F-AC9EA3FA17D9}" type="datetimeFigureOut">
               <a:rPr lang="en-US" smtClean="0"/>
-              <a:pPr/>
-              <a:t>7/22/2017</a:t>
+              <a:pPr>
+                <a:defRPr/>
+              </a:pPr>
+              <a:t>10/11/2017</a:t>
             </a:fld>
             <a:endParaRPr lang="en-US"/>
           </a:p>
@@ -2275,37 +2397,25 @@
         <p:spPr/>
         <p:txBody>
           <a:bodyPr/>
-          <a:lstStyle/>
-          <a:p>
+          <a:lstStyle>
+            <a:lvl1pPr>
+              <a:defRPr/>
+            </a:lvl1pPr>
+          </a:lstStyle>
+          <a:p>
+            <a:pPr>
+              <a:defRPr/>
+            </a:pPr>
             <a:endParaRPr lang="en-US"/>
           </a:p>
         </p:txBody>
       </p:sp>
-      <p:sp>
-        <p:nvSpPr>
-          <p:cNvPr id="6" name="Slide Number Placeholder 5"/>
-          <p:cNvSpPr>
-            <a:spLocks noGrp="1"/>
-          </p:cNvSpPr>
-          <p:nvPr>
-            <p:ph type="sldNum" sz="quarter" idx="12"/>
-          </p:nvPr>
-        </p:nvSpPr>
-        <p:spPr/>
-        <p:txBody>
-          <a:bodyPr/>
-          <a:lstStyle/>
-          <a:p>
-            <a:fld id="{B6F15528-21DE-4FAA-801E-634DDDAF4B2B}" type="slidenum">
-              <a:rPr lang="en-US" smtClean="0"/>
-              <a:pPr/>
-              <a:t>‹#›</a:t>
-            </a:fld>
-            <a:endParaRPr lang="en-US"/>
-          </a:p>
-        </p:txBody>
-      </p:sp>
     </p:spTree>
+    <p:extLst>
+      <p:ext uri="{BB962C8B-B14F-4D97-AF65-F5344CB8AC3E}">
+        <p14:creationId xmlns:p14="http://schemas.microsoft.com/office/powerpoint/2010/main" val="1178329370"/>
+      </p:ext>
+    </p:extLst>
   </p:cSld>
   <p:clrMapOvr>
     <a:masterClrMapping/>
@@ -2313,9 +2423,20 @@
 </p:sldLayout>
 </file>
 
-<file path=ppt/slideLayouts/slideLayout2.xml><?xml version="1.0" encoding="utf-8"?>
-<p:sldLayout xmlns:a="http://schemas.openxmlformats.org/drawingml/2006/main" xmlns:r="http://schemas.openxmlformats.org/officeDocument/2006/relationships" xmlns:p="http://schemas.openxmlformats.org/presentationml/2006/main" type="obj" preserve="1">
-  <p:cSld name="Title and Content">
+<file path=ppt/slideLayouts/slideLayout12.xml><?xml version="1.0" encoding="utf-8"?>
+<p:sldLayout xmlns:a="http://schemas.openxmlformats.org/drawingml/2006/main" xmlns:r="http://schemas.openxmlformats.org/officeDocument/2006/relationships" xmlns:p="http://schemas.openxmlformats.org/presentationml/2006/main">
+  <p:cSld name="4_Section Header">
+    <p:bg>
+      <p:bgPr>
+        <a:solidFill>
+          <a:schemeClr val="accent3">
+            <a:lumMod val="60000"/>
+            <a:lumOff val="40000"/>
+          </a:schemeClr>
+        </a:solidFill>
+        <a:effectLst/>
+      </p:bgPr>
+    </p:bg>
     <p:spTree>
       <p:nvGrpSpPr>
         <p:cNvPr id="1" name=""/>
@@ -2332,145 +2453,166 @@
       </p:grpSpPr>
       <p:sp>
         <p:nvSpPr>
-          <p:cNvPr id="2" name="Title 1"/>
-          <p:cNvSpPr>
-            <a:spLocks noGrp="1"/>
-          </p:cNvSpPr>
-          <p:nvPr>
-            <p:ph type="title"/>
-          </p:nvPr>
-        </p:nvSpPr>
-        <p:spPr/>
-        <p:txBody>
-          <a:bodyPr/>
-          <a:lstStyle/>
-          <a:p>
+          <p:cNvPr id="6" name="Title 1"/>
+          <p:cNvSpPr>
+            <a:spLocks noGrp="1"/>
+          </p:cNvSpPr>
+          <p:nvPr>
+            <p:ph type="title" hasCustomPrompt="1"/>
+          </p:nvPr>
+        </p:nvSpPr>
+        <p:spPr>
+          <a:xfrm>
+            <a:off x="2857488" y="1428738"/>
+            <a:ext cx="5143536" cy="1362075"/>
+          </a:xfrm>
+        </p:spPr>
+        <p:txBody>
+          <a:bodyPr anchor="b"/>
+          <a:lstStyle>
+            <a:lvl1pPr algn="l">
+              <a:defRPr sz="3002" b="1" cap="none">
+                <a:solidFill>
+                  <a:schemeClr val="accent1"/>
+                </a:solidFill>
+              </a:defRPr>
+            </a:lvl1pPr>
+          </a:lstStyle>
+          <a:p>
+            <a:r>
+              <a:rPr lang="en-US" dirty="0"/>
+              <a:t>Click to edit master title style</a:t>
+            </a:r>
+            <a:endParaRPr lang="en-IN" dirty="0"/>
+          </a:p>
+        </p:txBody>
+      </p:sp>
+      <p:sp>
+        <p:nvSpPr>
+          <p:cNvPr id="7" name="Text Placeholder 2"/>
+          <p:cNvSpPr>
+            <a:spLocks noGrp="1"/>
+          </p:cNvSpPr>
+          <p:nvPr>
+            <p:ph type="body" idx="1"/>
+          </p:nvPr>
+        </p:nvSpPr>
+        <p:spPr>
+          <a:xfrm>
+            <a:off x="2857488" y="2928936"/>
+            <a:ext cx="5143536" cy="1500187"/>
+          </a:xfrm>
+        </p:spPr>
+        <p:txBody>
+          <a:bodyPr anchor="t"/>
+          <a:lstStyle>
+            <a:lvl1pPr marL="0" indent="0">
+              <a:buNone/>
+              <a:defRPr sz="1501">
+                <a:solidFill>
+                  <a:schemeClr val="tx1">
+                    <a:lumMod val="50000"/>
+                    <a:lumOff val="50000"/>
+                  </a:schemeClr>
+                </a:solidFill>
+              </a:defRPr>
+            </a:lvl1pPr>
+            <a:lvl2pPr marL="343129" indent="0">
+              <a:buNone/>
+              <a:defRPr sz="1351">
+                <a:solidFill>
+                  <a:schemeClr val="tx1">
+                    <a:tint val="75000"/>
+                  </a:schemeClr>
+                </a:solidFill>
+              </a:defRPr>
+            </a:lvl2pPr>
+            <a:lvl3pPr marL="686257" indent="0">
+              <a:buNone/>
+              <a:defRPr sz="1201">
+                <a:solidFill>
+                  <a:schemeClr val="tx1">
+                    <a:tint val="75000"/>
+                  </a:schemeClr>
+                </a:solidFill>
+              </a:defRPr>
+            </a:lvl3pPr>
+            <a:lvl4pPr marL="1029386" indent="0">
+              <a:buNone/>
+              <a:defRPr sz="1051">
+                <a:solidFill>
+                  <a:schemeClr val="tx1">
+                    <a:tint val="75000"/>
+                  </a:schemeClr>
+                </a:solidFill>
+              </a:defRPr>
+            </a:lvl4pPr>
+            <a:lvl5pPr marL="1372514" indent="0">
+              <a:buNone/>
+              <a:defRPr sz="1051">
+                <a:solidFill>
+                  <a:schemeClr val="tx1">
+                    <a:tint val="75000"/>
+                  </a:schemeClr>
+                </a:solidFill>
+              </a:defRPr>
+            </a:lvl5pPr>
+            <a:lvl6pPr marL="1715643" indent="0">
+              <a:buNone/>
+              <a:defRPr sz="1051">
+                <a:solidFill>
+                  <a:schemeClr val="tx1">
+                    <a:tint val="75000"/>
+                  </a:schemeClr>
+                </a:solidFill>
+              </a:defRPr>
+            </a:lvl6pPr>
+            <a:lvl7pPr marL="2058772" indent="0">
+              <a:buNone/>
+              <a:defRPr sz="1051">
+                <a:solidFill>
+                  <a:schemeClr val="tx1">
+                    <a:tint val="75000"/>
+                  </a:schemeClr>
+                </a:solidFill>
+              </a:defRPr>
+            </a:lvl7pPr>
+            <a:lvl8pPr marL="2401900" indent="0">
+              <a:buNone/>
+              <a:defRPr sz="1051">
+                <a:solidFill>
+                  <a:schemeClr val="tx1">
+                    <a:tint val="75000"/>
+                  </a:schemeClr>
+                </a:solidFill>
+              </a:defRPr>
+            </a:lvl8pPr>
+            <a:lvl9pPr marL="2745029" indent="0">
+              <a:buNone/>
+              <a:defRPr sz="1051">
+                <a:solidFill>
+                  <a:schemeClr val="tx1">
+                    <a:tint val="75000"/>
+                  </a:schemeClr>
+                </a:solidFill>
+              </a:defRPr>
+            </a:lvl9pPr>
+          </a:lstStyle>
+          <a:p>
+            <a:pPr lvl="0"/>
             <a:r>
               <a:rPr lang="en-US"/>
-              <a:t>Click to edit Master title style</a:t>
-            </a:r>
-          </a:p>
-        </p:txBody>
-      </p:sp>
-      <p:sp>
-        <p:nvSpPr>
-          <p:cNvPr id="3" name="Content Placeholder 2"/>
-          <p:cNvSpPr>
-            <a:spLocks noGrp="1"/>
-          </p:cNvSpPr>
-          <p:nvPr>
-            <p:ph idx="1"/>
-          </p:nvPr>
-        </p:nvSpPr>
-        <p:spPr/>
-        <p:txBody>
-          <a:bodyPr/>
-          <a:lstStyle/>
-          <a:p>
-            <a:pPr lvl="0"/>
-            <a:r>
-              <a:rPr lang="en-US"/>
-              <a:t>Click to edit Master text styles</a:t>
-            </a:r>
-          </a:p>
-          <a:p>
-            <a:pPr lvl="1"/>
-            <a:r>
-              <a:rPr lang="en-US"/>
-              <a:t>Second level</a:t>
-            </a:r>
-          </a:p>
-          <a:p>
-            <a:pPr lvl="2"/>
-            <a:r>
-              <a:rPr lang="en-US"/>
-              <a:t>Third level</a:t>
-            </a:r>
-          </a:p>
-          <a:p>
-            <a:pPr lvl="3"/>
-            <a:r>
-              <a:rPr lang="en-US"/>
-              <a:t>Fourth level</a:t>
-            </a:r>
-          </a:p>
-          <a:p>
-            <a:pPr lvl="4"/>
-            <a:r>
-              <a:rPr lang="en-US"/>
-              <a:t>Fifth level</a:t>
-            </a:r>
-          </a:p>
-        </p:txBody>
-      </p:sp>
-      <p:sp>
-        <p:nvSpPr>
-          <p:cNvPr id="4" name="Date Placeholder 3"/>
-          <p:cNvSpPr>
-            <a:spLocks noGrp="1"/>
-          </p:cNvSpPr>
-          <p:nvPr>
-            <p:ph type="dt" sz="half" idx="10"/>
-          </p:nvPr>
-        </p:nvSpPr>
-        <p:spPr/>
-        <p:txBody>
-          <a:bodyPr/>
-          <a:lstStyle/>
-          <a:p>
-            <a:fld id="{1D8BD707-D9CF-40AE-B4C6-C98DA3205C09}" type="datetimeFigureOut">
-              <a:rPr lang="en-US" smtClean="0"/>
-              <a:pPr/>
-              <a:t>7/22/2017</a:t>
-            </a:fld>
-            <a:endParaRPr lang="en-US"/>
-          </a:p>
-        </p:txBody>
-      </p:sp>
-      <p:sp>
-        <p:nvSpPr>
-          <p:cNvPr id="5" name="Footer Placeholder 4"/>
-          <p:cNvSpPr>
-            <a:spLocks noGrp="1"/>
-          </p:cNvSpPr>
-          <p:nvPr>
-            <p:ph type="ftr" sz="quarter" idx="11"/>
-          </p:nvPr>
-        </p:nvSpPr>
-        <p:spPr/>
-        <p:txBody>
-          <a:bodyPr/>
-          <a:lstStyle/>
-          <a:p>
-            <a:endParaRPr lang="en-US"/>
-          </a:p>
-        </p:txBody>
-      </p:sp>
-      <p:sp>
-        <p:nvSpPr>
-          <p:cNvPr id="6" name="Slide Number Placeholder 5"/>
-          <p:cNvSpPr>
-            <a:spLocks noGrp="1"/>
-          </p:cNvSpPr>
-          <p:nvPr>
-            <p:ph type="sldNum" sz="quarter" idx="12"/>
-          </p:nvPr>
-        </p:nvSpPr>
-        <p:spPr/>
-        <p:txBody>
-          <a:bodyPr/>
-          <a:lstStyle/>
-          <a:p>
-            <a:fld id="{B6F15528-21DE-4FAA-801E-634DDDAF4B2B}" type="slidenum">
-              <a:rPr lang="en-US" smtClean="0"/>
-              <a:pPr/>
-              <a:t>‹#›</a:t>
-            </a:fld>
-            <a:endParaRPr lang="en-US"/>
+              <a:t>Edit Master text styles</a:t>
+            </a:r>
           </a:p>
         </p:txBody>
       </p:sp>
     </p:spTree>
+    <p:extLst>
+      <p:ext uri="{BB962C8B-B14F-4D97-AF65-F5344CB8AC3E}">
+        <p14:creationId xmlns:p14="http://schemas.microsoft.com/office/powerpoint/2010/main" val="461793111"/>
+      </p:ext>
+    </p:extLst>
   </p:cSld>
   <p:clrMapOvr>
     <a:masterClrMapping/>
@@ -2478,7 +2620,415 @@
 </p:sldLayout>
 </file>
 
-<file path=ppt/slideLayouts/slideLayout3.xml><?xml version="1.0" encoding="utf-8"?>
+<file path=ppt/slideLayouts/slideLayout13.xml><?xml version="1.0" encoding="utf-8"?>
+<p:sldLayout xmlns:a="http://schemas.openxmlformats.org/drawingml/2006/main" xmlns:r="http://schemas.openxmlformats.org/officeDocument/2006/relationships" xmlns:p="http://schemas.openxmlformats.org/presentationml/2006/main" type="title" preserve="1">
+  <p:cSld name="Visual Studio Live! Redmond 2014">
+    <p:spTree>
+      <p:nvGrpSpPr>
+        <p:cNvPr id="1" name=""/>
+        <p:cNvGrpSpPr/>
+        <p:nvPr/>
+      </p:nvGrpSpPr>
+      <p:grpSpPr>
+        <a:xfrm>
+          <a:off x="0" y="0"/>
+          <a:ext cx="0" cy="0"/>
+          <a:chOff x="0" y="0"/>
+          <a:chExt cx="0" cy="0"/>
+        </a:xfrm>
+      </p:grpSpPr>
+      <p:sp>
+        <p:nvSpPr>
+          <p:cNvPr id="2" name="Title 1"/>
+          <p:cNvSpPr>
+            <a:spLocks noGrp="1"/>
+          </p:cNvSpPr>
+          <p:nvPr>
+            <p:ph type="ctrTitle"/>
+          </p:nvPr>
+        </p:nvSpPr>
+        <p:spPr>
+          <a:xfrm>
+            <a:off x="685800" y="2130429"/>
+            <a:ext cx="7772400" cy="1470025"/>
+          </a:xfrm>
+        </p:spPr>
+        <p:txBody>
+          <a:bodyPr/>
+          <a:lstStyle/>
+          <a:p>
+            <a:r>
+              <a:rPr lang="en-US"/>
+              <a:t>Click to edit Master title style</a:t>
+            </a:r>
+          </a:p>
+        </p:txBody>
+      </p:sp>
+      <p:sp>
+        <p:nvSpPr>
+          <p:cNvPr id="3" name="Subtitle 2"/>
+          <p:cNvSpPr>
+            <a:spLocks noGrp="1"/>
+          </p:cNvSpPr>
+          <p:nvPr>
+            <p:ph type="subTitle" idx="1"/>
+          </p:nvPr>
+        </p:nvSpPr>
+        <p:spPr>
+          <a:xfrm>
+            <a:off x="1371600" y="3886200"/>
+            <a:ext cx="6400800" cy="1752600"/>
+          </a:xfrm>
+        </p:spPr>
+        <p:txBody>
+          <a:bodyPr/>
+          <a:lstStyle>
+            <a:lvl1pPr marL="0" indent="0" algn="ctr">
+              <a:buNone/>
+              <a:defRPr>
+                <a:solidFill>
+                  <a:schemeClr val="tx1">
+                    <a:tint val="75000"/>
+                  </a:schemeClr>
+                </a:solidFill>
+              </a:defRPr>
+            </a:lvl1pPr>
+            <a:lvl2pPr marL="457200" indent="0" algn="ctr">
+              <a:buNone/>
+              <a:defRPr>
+                <a:solidFill>
+                  <a:schemeClr val="tx1">
+                    <a:tint val="75000"/>
+                  </a:schemeClr>
+                </a:solidFill>
+              </a:defRPr>
+            </a:lvl2pPr>
+            <a:lvl3pPr marL="914400" indent="0" algn="ctr">
+              <a:buNone/>
+              <a:defRPr>
+                <a:solidFill>
+                  <a:schemeClr val="tx1">
+                    <a:tint val="75000"/>
+                  </a:schemeClr>
+                </a:solidFill>
+              </a:defRPr>
+            </a:lvl3pPr>
+            <a:lvl4pPr marL="1371600" indent="0" algn="ctr">
+              <a:buNone/>
+              <a:defRPr>
+                <a:solidFill>
+                  <a:schemeClr val="tx1">
+                    <a:tint val="75000"/>
+                  </a:schemeClr>
+                </a:solidFill>
+              </a:defRPr>
+            </a:lvl4pPr>
+            <a:lvl5pPr marL="1828800" indent="0" algn="ctr">
+              <a:buNone/>
+              <a:defRPr>
+                <a:solidFill>
+                  <a:schemeClr val="tx1">
+                    <a:tint val="75000"/>
+                  </a:schemeClr>
+                </a:solidFill>
+              </a:defRPr>
+            </a:lvl5pPr>
+            <a:lvl6pPr marL="2286000" indent="0" algn="ctr">
+              <a:buNone/>
+              <a:defRPr>
+                <a:solidFill>
+                  <a:schemeClr val="tx1">
+                    <a:tint val="75000"/>
+                  </a:schemeClr>
+                </a:solidFill>
+              </a:defRPr>
+            </a:lvl6pPr>
+            <a:lvl7pPr marL="2743200" indent="0" algn="ctr">
+              <a:buNone/>
+              <a:defRPr>
+                <a:solidFill>
+                  <a:schemeClr val="tx1">
+                    <a:tint val="75000"/>
+                  </a:schemeClr>
+                </a:solidFill>
+              </a:defRPr>
+            </a:lvl7pPr>
+            <a:lvl8pPr marL="3200400" indent="0" algn="ctr">
+              <a:buNone/>
+              <a:defRPr>
+                <a:solidFill>
+                  <a:schemeClr val="tx1">
+                    <a:tint val="75000"/>
+                  </a:schemeClr>
+                </a:solidFill>
+              </a:defRPr>
+            </a:lvl8pPr>
+            <a:lvl9pPr marL="3657600" indent="0" algn="ctr">
+              <a:buNone/>
+              <a:defRPr>
+                <a:solidFill>
+                  <a:schemeClr val="tx1">
+                    <a:tint val="75000"/>
+                  </a:schemeClr>
+                </a:solidFill>
+              </a:defRPr>
+            </a:lvl9pPr>
+          </a:lstStyle>
+          <a:p>
+            <a:r>
+              <a:rPr lang="en-US"/>
+              <a:t>Click to edit Master subtitle style</a:t>
+            </a:r>
+          </a:p>
+        </p:txBody>
+      </p:sp>
+      <p:sp>
+        <p:nvSpPr>
+          <p:cNvPr id="4" name="Date Placeholder 3"/>
+          <p:cNvSpPr>
+            <a:spLocks noGrp="1"/>
+          </p:cNvSpPr>
+          <p:nvPr>
+            <p:ph type="dt" sz="half" idx="10"/>
+          </p:nvPr>
+        </p:nvSpPr>
+        <p:spPr/>
+        <p:txBody>
+          <a:bodyPr/>
+          <a:lstStyle>
+            <a:lvl1pPr>
+              <a:defRPr/>
+            </a:lvl1pPr>
+          </a:lstStyle>
+          <a:p>
+            <a:pPr>
+              <a:defRPr/>
+            </a:pPr>
+            <a:fld id="{7F63CDA3-A2DE-473C-A81C-F73D2A1BFF69}" type="datetimeFigureOut">
+              <a:rPr lang="en-US" smtClean="0"/>
+              <a:pPr>
+                <a:defRPr/>
+              </a:pPr>
+              <a:t>10/11/2017</a:t>
+            </a:fld>
+            <a:endParaRPr lang="en-US"/>
+          </a:p>
+        </p:txBody>
+      </p:sp>
+      <p:sp>
+        <p:nvSpPr>
+          <p:cNvPr id="5" name="Footer Placeholder 4"/>
+          <p:cNvSpPr>
+            <a:spLocks noGrp="1"/>
+          </p:cNvSpPr>
+          <p:nvPr>
+            <p:ph type="ftr" sz="quarter" idx="11"/>
+          </p:nvPr>
+        </p:nvSpPr>
+        <p:spPr/>
+        <p:txBody>
+          <a:bodyPr/>
+          <a:lstStyle>
+            <a:lvl1pPr>
+              <a:defRPr/>
+            </a:lvl1pPr>
+          </a:lstStyle>
+          <a:p>
+            <a:pPr>
+              <a:defRPr/>
+            </a:pPr>
+            <a:endParaRPr lang="en-US"/>
+          </a:p>
+        </p:txBody>
+      </p:sp>
+    </p:spTree>
+    <p:extLst>
+      <p:ext uri="{BB962C8B-B14F-4D97-AF65-F5344CB8AC3E}">
+        <p14:creationId xmlns:p14="http://schemas.microsoft.com/office/powerpoint/2010/main" val="1049288697"/>
+      </p:ext>
+    </p:extLst>
+  </p:cSld>
+  <p:clrMapOvr>
+    <a:masterClrMapping/>
+  </p:clrMapOvr>
+</p:sldLayout>
+</file>
+
+<file path=ppt/slideLayouts/slideLayout14.xml><?xml version="1.0" encoding="utf-8"?>
+<p:sldLayout xmlns:a="http://schemas.openxmlformats.org/drawingml/2006/main" xmlns:r="http://schemas.openxmlformats.org/officeDocument/2006/relationships" xmlns:p="http://schemas.openxmlformats.org/presentationml/2006/main" type="obj" preserve="1">
+  <p:cSld name="Visual Studio Live! Washington, D.C.">
+    <p:spTree>
+      <p:nvGrpSpPr>
+        <p:cNvPr id="1" name=""/>
+        <p:cNvGrpSpPr/>
+        <p:nvPr/>
+      </p:nvGrpSpPr>
+      <p:grpSpPr>
+        <a:xfrm>
+          <a:off x="0" y="0"/>
+          <a:ext cx="0" cy="0"/>
+          <a:chOff x="0" y="0"/>
+          <a:chExt cx="0" cy="0"/>
+        </a:xfrm>
+      </p:grpSpPr>
+      <p:sp>
+        <p:nvSpPr>
+          <p:cNvPr id="2" name="Title 1"/>
+          <p:cNvSpPr>
+            <a:spLocks noGrp="1"/>
+          </p:cNvSpPr>
+          <p:nvPr>
+            <p:ph type="title"/>
+          </p:nvPr>
+        </p:nvSpPr>
+        <p:spPr/>
+        <p:txBody>
+          <a:bodyPr/>
+          <a:lstStyle>
+            <a:lvl1pPr>
+              <a:defRPr>
+                <a:solidFill>
+                  <a:schemeClr val="accent3">
+                    <a:lumMod val="50000"/>
+                  </a:schemeClr>
+                </a:solidFill>
+              </a:defRPr>
+            </a:lvl1pPr>
+          </a:lstStyle>
+          <a:p>
+            <a:r>
+              <a:rPr lang="en-US"/>
+              <a:t>Click to edit Master title style</a:t>
+            </a:r>
+            <a:endParaRPr lang="en-US" dirty="0"/>
+          </a:p>
+        </p:txBody>
+      </p:sp>
+      <p:sp>
+        <p:nvSpPr>
+          <p:cNvPr id="3" name="Content Placeholder 2"/>
+          <p:cNvSpPr>
+            <a:spLocks noGrp="1"/>
+          </p:cNvSpPr>
+          <p:nvPr>
+            <p:ph idx="1"/>
+          </p:nvPr>
+        </p:nvSpPr>
+        <p:spPr/>
+        <p:txBody>
+          <a:bodyPr/>
+          <a:lstStyle/>
+          <a:p>
+            <a:pPr lvl="0"/>
+            <a:r>
+              <a:rPr lang="en-US"/>
+              <a:t>Click to edit Master text styles</a:t>
+            </a:r>
+          </a:p>
+          <a:p>
+            <a:pPr lvl="1"/>
+            <a:r>
+              <a:rPr lang="en-US"/>
+              <a:t>Second level</a:t>
+            </a:r>
+          </a:p>
+          <a:p>
+            <a:pPr lvl="2"/>
+            <a:r>
+              <a:rPr lang="en-US"/>
+              <a:t>Third level</a:t>
+            </a:r>
+          </a:p>
+          <a:p>
+            <a:pPr lvl="3"/>
+            <a:r>
+              <a:rPr lang="en-US"/>
+              <a:t>Fourth level</a:t>
+            </a:r>
+          </a:p>
+          <a:p>
+            <a:pPr lvl="4"/>
+            <a:r>
+              <a:rPr lang="en-US"/>
+              <a:t>Fifth level</a:t>
+            </a:r>
+            <a:endParaRPr lang="en-US" dirty="0"/>
+          </a:p>
+        </p:txBody>
+      </p:sp>
+      <p:sp>
+        <p:nvSpPr>
+          <p:cNvPr id="4" name="Date Placeholder 3"/>
+          <p:cNvSpPr>
+            <a:spLocks noGrp="1"/>
+          </p:cNvSpPr>
+          <p:nvPr>
+            <p:ph type="dt" sz="half" idx="10"/>
+          </p:nvPr>
+        </p:nvSpPr>
+        <p:spPr/>
+        <p:txBody>
+          <a:bodyPr/>
+          <a:lstStyle>
+            <a:lvl1pPr>
+              <a:defRPr/>
+            </a:lvl1pPr>
+          </a:lstStyle>
+          <a:p>
+            <a:pPr>
+              <a:defRPr/>
+            </a:pPr>
+            <a:fld id="{03173A4F-54E2-42AD-AEE7-525DC08E7D5E}" type="datetimeFigureOut">
+              <a:rPr lang="en-US" smtClean="0"/>
+              <a:pPr>
+                <a:defRPr/>
+              </a:pPr>
+              <a:t>10/11/2017</a:t>
+            </a:fld>
+            <a:endParaRPr lang="en-US"/>
+          </a:p>
+        </p:txBody>
+      </p:sp>
+      <p:sp>
+        <p:nvSpPr>
+          <p:cNvPr id="5" name="Footer Placeholder 4"/>
+          <p:cNvSpPr>
+            <a:spLocks noGrp="1"/>
+          </p:cNvSpPr>
+          <p:nvPr>
+            <p:ph type="ftr" sz="quarter" idx="11"/>
+          </p:nvPr>
+        </p:nvSpPr>
+        <p:spPr/>
+        <p:txBody>
+          <a:bodyPr/>
+          <a:lstStyle>
+            <a:lvl1pPr>
+              <a:defRPr/>
+            </a:lvl1pPr>
+          </a:lstStyle>
+          <a:p>
+            <a:pPr>
+              <a:defRPr/>
+            </a:pPr>
+            <a:endParaRPr lang="en-US"/>
+          </a:p>
+        </p:txBody>
+      </p:sp>
+    </p:spTree>
+    <p:extLst>
+      <p:ext uri="{BB962C8B-B14F-4D97-AF65-F5344CB8AC3E}">
+        <p14:creationId xmlns:p14="http://schemas.microsoft.com/office/powerpoint/2010/main" val="2246229043"/>
+      </p:ext>
+    </p:extLst>
+  </p:cSld>
+  <p:clrMapOvr>
+    <a:masterClrMapping/>
+  </p:clrMapOvr>
+</p:sldLayout>
+</file>
+
+<file path=ppt/slideLayouts/slideLayout15.xml><?xml version="1.0" encoding="utf-8"?>
 <p:sldLayout xmlns:a="http://schemas.openxmlformats.org/drawingml/2006/main" xmlns:r="http://schemas.openxmlformats.org/officeDocument/2006/relationships" xmlns:p="http://schemas.openxmlformats.org/presentationml/2006/main" type="secHead" preserve="1">
   <p:cSld name="Section Header">
     <p:spTree>
@@ -2507,7 +3057,7 @@
         </p:nvSpPr>
         <p:spPr>
           <a:xfrm>
-            <a:off x="722313" y="4406900"/>
+            <a:off x="722313" y="4406901"/>
             <a:ext cx="7772400" cy="1362075"/>
           </a:xfrm>
         </p:spPr>
@@ -2538,7 +3088,7 @@
         </p:nvSpPr>
         <p:spPr>
           <a:xfrm>
-            <a:off x="722313" y="2906713"/>
+            <a:off x="722313" y="2906716"/>
             <a:ext cx="7772400" cy="1500187"/>
           </a:xfrm>
         </p:spPr>
@@ -2658,12 +3208,21 @@
         <p:spPr/>
         <p:txBody>
           <a:bodyPr/>
-          <a:lstStyle/>
-          <a:p>
-            <a:fld id="{1D8BD707-D9CF-40AE-B4C6-C98DA3205C09}" type="datetimeFigureOut">
+          <a:lstStyle>
+            <a:lvl1pPr>
+              <a:defRPr/>
+            </a:lvl1pPr>
+          </a:lstStyle>
+          <a:p>
+            <a:pPr>
+              <a:defRPr/>
+            </a:pPr>
+            <a:fld id="{6014562E-E191-4140-8CA7-D81566904FD6}" type="datetimeFigureOut">
               <a:rPr lang="en-US" smtClean="0"/>
-              <a:pPr/>
-              <a:t>7/22/2017</a:t>
+              <a:pPr>
+                <a:defRPr/>
+              </a:pPr>
+              <a:t>10/11/2017</a:t>
             </a:fld>
             <a:endParaRPr lang="en-US"/>
           </a:p>
@@ -2682,37 +3241,25 @@
         <p:spPr/>
         <p:txBody>
           <a:bodyPr/>
-          <a:lstStyle/>
-          <a:p>
+          <a:lstStyle>
+            <a:lvl1pPr>
+              <a:defRPr/>
+            </a:lvl1pPr>
+          </a:lstStyle>
+          <a:p>
+            <a:pPr>
+              <a:defRPr/>
+            </a:pPr>
             <a:endParaRPr lang="en-US"/>
           </a:p>
         </p:txBody>
       </p:sp>
-      <p:sp>
-        <p:nvSpPr>
-          <p:cNvPr id="6" name="Slide Number Placeholder 5"/>
-          <p:cNvSpPr>
-            <a:spLocks noGrp="1"/>
-          </p:cNvSpPr>
-          <p:nvPr>
-            <p:ph type="sldNum" sz="quarter" idx="12"/>
-          </p:nvPr>
-        </p:nvSpPr>
-        <p:spPr/>
-        <p:txBody>
-          <a:bodyPr/>
-          <a:lstStyle/>
-          <a:p>
-            <a:fld id="{B6F15528-21DE-4FAA-801E-634DDDAF4B2B}" type="slidenum">
-              <a:rPr lang="en-US" smtClean="0"/>
-              <a:pPr/>
-              <a:t>‹#›</a:t>
-            </a:fld>
-            <a:endParaRPr lang="en-US"/>
-          </a:p>
-        </p:txBody>
-      </p:sp>
     </p:spTree>
+    <p:extLst>
+      <p:ext uri="{BB962C8B-B14F-4D97-AF65-F5344CB8AC3E}">
+        <p14:creationId xmlns:p14="http://schemas.microsoft.com/office/powerpoint/2010/main" val="367198842"/>
+      </p:ext>
+    </p:extLst>
   </p:cSld>
   <p:clrMapOvr>
     <a:masterClrMapping/>
@@ -2720,7 +3267,7 @@
 </p:sldLayout>
 </file>
 
-<file path=ppt/slideLayouts/slideLayout4.xml><?xml version="1.0" encoding="utf-8"?>
+<file path=ppt/slideLayouts/slideLayout16.xml><?xml version="1.0" encoding="utf-8"?>
 <p:sldLayout xmlns:a="http://schemas.openxmlformats.org/drawingml/2006/main" xmlns:r="http://schemas.openxmlformats.org/officeDocument/2006/relationships" xmlns:p="http://schemas.openxmlformats.org/presentationml/2006/main" type="twoObj" preserve="1">
   <p:cSld name="Two Content">
     <p:spTree>
@@ -2771,8 +3318,8 @@
         </p:nvSpPr>
         <p:spPr>
           <a:xfrm>
-            <a:off x="457200" y="1600200"/>
-            <a:ext cx="4038600" cy="4525963"/>
+            <a:off x="457200" y="1200152"/>
+            <a:ext cx="4038600" cy="3394075"/>
           </a:xfrm>
         </p:spPr>
         <p:txBody>
@@ -2855,8 +3402,8 @@
         </p:nvSpPr>
         <p:spPr>
           <a:xfrm>
-            <a:off x="4648200" y="1600200"/>
-            <a:ext cx="4038600" cy="4525963"/>
+            <a:off x="4648200" y="1200152"/>
+            <a:ext cx="4038600" cy="3394075"/>
           </a:xfrm>
         </p:spPr>
         <p:txBody>
@@ -2929,7 +3476,7 @@
       </p:sp>
       <p:sp>
         <p:nvSpPr>
-          <p:cNvPr id="5" name="Date Placeholder 4"/>
+          <p:cNvPr id="5" name="Date Placeholder 3"/>
           <p:cNvSpPr>
             <a:spLocks noGrp="1"/>
           </p:cNvSpPr>
@@ -2940,12 +3487,21 @@
         <p:spPr/>
         <p:txBody>
           <a:bodyPr/>
-          <a:lstStyle/>
-          <a:p>
-            <a:fld id="{1D8BD707-D9CF-40AE-B4C6-C98DA3205C09}" type="datetimeFigureOut">
+          <a:lstStyle>
+            <a:lvl1pPr>
+              <a:defRPr/>
+            </a:lvl1pPr>
+          </a:lstStyle>
+          <a:p>
+            <a:pPr>
+              <a:defRPr/>
+            </a:pPr>
+            <a:fld id="{12886AD8-D031-4E57-A880-97BEE7625BF5}" type="datetimeFigureOut">
               <a:rPr lang="en-US" smtClean="0"/>
-              <a:pPr/>
-              <a:t>7/22/2017</a:t>
+              <a:pPr>
+                <a:defRPr/>
+              </a:pPr>
+              <a:t>10/11/2017</a:t>
             </a:fld>
             <a:endParaRPr lang="en-US"/>
           </a:p>
@@ -2953,7 +3509,7 @@
       </p:sp>
       <p:sp>
         <p:nvSpPr>
-          <p:cNvPr id="6" name="Footer Placeholder 5"/>
+          <p:cNvPr id="6" name="Footer Placeholder 4"/>
           <p:cNvSpPr>
             <a:spLocks noGrp="1"/>
           </p:cNvSpPr>
@@ -2964,37 +3520,25 @@
         <p:spPr/>
         <p:txBody>
           <a:bodyPr/>
-          <a:lstStyle/>
-          <a:p>
+          <a:lstStyle>
+            <a:lvl1pPr>
+              <a:defRPr/>
+            </a:lvl1pPr>
+          </a:lstStyle>
+          <a:p>
+            <a:pPr>
+              <a:defRPr/>
+            </a:pPr>
             <a:endParaRPr lang="en-US"/>
           </a:p>
         </p:txBody>
       </p:sp>
-      <p:sp>
-        <p:nvSpPr>
-          <p:cNvPr id="7" name="Slide Number Placeholder 6"/>
-          <p:cNvSpPr>
-            <a:spLocks noGrp="1"/>
-          </p:cNvSpPr>
-          <p:nvPr>
-            <p:ph type="sldNum" sz="quarter" idx="12"/>
-          </p:nvPr>
-        </p:nvSpPr>
-        <p:spPr/>
-        <p:txBody>
-          <a:bodyPr/>
-          <a:lstStyle/>
-          <a:p>
-            <a:fld id="{B6F15528-21DE-4FAA-801E-634DDDAF4B2B}" type="slidenum">
-              <a:rPr lang="en-US" smtClean="0"/>
-              <a:pPr/>
-              <a:t>‹#›</a:t>
-            </a:fld>
-            <a:endParaRPr lang="en-US"/>
-          </a:p>
-        </p:txBody>
-      </p:sp>
     </p:spTree>
+    <p:extLst>
+      <p:ext uri="{BB962C8B-B14F-4D97-AF65-F5344CB8AC3E}">
+        <p14:creationId xmlns:p14="http://schemas.microsoft.com/office/powerpoint/2010/main" val="818603610"/>
+      </p:ext>
+    </p:extLst>
   </p:cSld>
   <p:clrMapOvr>
     <a:masterClrMapping/>
@@ -3002,7 +3546,7 @@
 </p:sldLayout>
 </file>
 
-<file path=ppt/slideLayouts/slideLayout5.xml><?xml version="1.0" encoding="utf-8"?>
+<file path=ppt/slideLayouts/slideLayout17.xml><?xml version="1.0" encoding="utf-8"?>
 <p:sldLayout xmlns:a="http://schemas.openxmlformats.org/drawingml/2006/main" xmlns:r="http://schemas.openxmlformats.org/officeDocument/2006/relationships" xmlns:p="http://schemas.openxmlformats.org/presentationml/2006/main" type="twoTxTwoObj" preserve="1">
   <p:cSld name="Comparison">
     <p:spTree>
@@ -3029,7 +3573,12 @@
             <p:ph type="title"/>
           </p:nvPr>
         </p:nvSpPr>
-        <p:spPr/>
+        <p:spPr>
+          <a:xfrm>
+            <a:off x="457200" y="274640"/>
+            <a:ext cx="8229600" cy="1143000"/>
+          </a:xfrm>
+        </p:spPr>
         <p:txBody>
           <a:bodyPr/>
           <a:lstStyle>
@@ -3058,7 +3607,7 @@
         <p:spPr>
           <a:xfrm>
             <a:off x="457200" y="1535113"/>
-            <a:ext cx="4040188" cy="639762"/>
+            <a:ext cx="4040188" cy="639763"/>
           </a:xfrm>
         </p:spPr>
         <p:txBody>
@@ -3206,8 +3755,8 @@
         </p:nvSpPr>
         <p:spPr>
           <a:xfrm>
-            <a:off x="4645025" y="1535113"/>
-            <a:ext cx="4041775" cy="639762"/>
+            <a:off x="4645031" y="1535113"/>
+            <a:ext cx="4041775" cy="639763"/>
           </a:xfrm>
         </p:spPr>
         <p:txBody>
@@ -3271,7 +3820,7 @@
         </p:nvSpPr>
         <p:spPr>
           <a:xfrm>
-            <a:off x="4645025" y="2174875"/>
+            <a:off x="4645031" y="2174875"/>
             <a:ext cx="4041775" cy="3951288"/>
           </a:xfrm>
         </p:spPr>
@@ -3345,7 +3894,7 @@
       </p:sp>
       <p:sp>
         <p:nvSpPr>
-          <p:cNvPr id="7" name="Date Placeholder 6"/>
+          <p:cNvPr id="7" name="Date Placeholder 3"/>
           <p:cNvSpPr>
             <a:spLocks noGrp="1"/>
           </p:cNvSpPr>
@@ -3356,12 +3905,21 @@
         <p:spPr/>
         <p:txBody>
           <a:bodyPr/>
-          <a:lstStyle/>
-          <a:p>
-            <a:fld id="{1D8BD707-D9CF-40AE-B4C6-C98DA3205C09}" type="datetimeFigureOut">
+          <a:lstStyle>
+            <a:lvl1pPr>
+              <a:defRPr/>
+            </a:lvl1pPr>
+          </a:lstStyle>
+          <a:p>
+            <a:pPr>
+              <a:defRPr/>
+            </a:pPr>
+            <a:fld id="{1F146D33-8E80-4809-BCCA-EEFDCA7877C6}" type="datetimeFigureOut">
               <a:rPr lang="en-US" smtClean="0"/>
-              <a:pPr/>
-              <a:t>7/22/2017</a:t>
+              <a:pPr>
+                <a:defRPr/>
+              </a:pPr>
+              <a:t>10/11/2017</a:t>
             </a:fld>
             <a:endParaRPr lang="en-US"/>
           </a:p>
@@ -3369,7 +3927,7 @@
       </p:sp>
       <p:sp>
         <p:nvSpPr>
-          <p:cNvPr id="8" name="Footer Placeholder 7"/>
+          <p:cNvPr id="8" name="Footer Placeholder 4"/>
           <p:cNvSpPr>
             <a:spLocks noGrp="1"/>
           </p:cNvSpPr>
@@ -3380,37 +3938,25 @@
         <p:spPr/>
         <p:txBody>
           <a:bodyPr/>
-          <a:lstStyle/>
-          <a:p>
+          <a:lstStyle>
+            <a:lvl1pPr>
+              <a:defRPr/>
+            </a:lvl1pPr>
+          </a:lstStyle>
+          <a:p>
+            <a:pPr>
+              <a:defRPr/>
+            </a:pPr>
             <a:endParaRPr lang="en-US"/>
           </a:p>
         </p:txBody>
       </p:sp>
-      <p:sp>
-        <p:nvSpPr>
-          <p:cNvPr id="9" name="Slide Number Placeholder 8"/>
-          <p:cNvSpPr>
-            <a:spLocks noGrp="1"/>
-          </p:cNvSpPr>
-          <p:nvPr>
-            <p:ph type="sldNum" sz="quarter" idx="12"/>
-          </p:nvPr>
-        </p:nvSpPr>
-        <p:spPr/>
-        <p:txBody>
-          <a:bodyPr/>
-          <a:lstStyle/>
-          <a:p>
-            <a:fld id="{B6F15528-21DE-4FAA-801E-634DDDAF4B2B}" type="slidenum">
-              <a:rPr lang="en-US" smtClean="0"/>
-              <a:pPr/>
-              <a:t>‹#›</a:t>
-            </a:fld>
-            <a:endParaRPr lang="en-US"/>
-          </a:p>
-        </p:txBody>
-      </p:sp>
     </p:spTree>
+    <p:extLst>
+      <p:ext uri="{BB962C8B-B14F-4D97-AF65-F5344CB8AC3E}">
+        <p14:creationId xmlns:p14="http://schemas.microsoft.com/office/powerpoint/2010/main" val="1812235173"/>
+      </p:ext>
+    </p:extLst>
   </p:cSld>
   <p:clrMapOvr>
     <a:masterClrMapping/>
@@ -3418,7 +3964,7 @@
 </p:sldLayout>
 </file>
 
-<file path=ppt/slideLayouts/slideLayout6.xml><?xml version="1.0" encoding="utf-8"?>
+<file path=ppt/slideLayouts/slideLayout18.xml><?xml version="1.0" encoding="utf-8"?>
 <p:sldLayout xmlns:a="http://schemas.openxmlformats.org/drawingml/2006/main" xmlns:r="http://schemas.openxmlformats.org/officeDocument/2006/relationships" xmlns:p="http://schemas.openxmlformats.org/presentationml/2006/main" type="titleOnly" preserve="1">
   <p:cSld name="Title Only">
     <p:spTree>
@@ -3459,7 +4005,7 @@
       </p:sp>
       <p:sp>
         <p:nvSpPr>
-          <p:cNvPr id="3" name="Date Placeholder 2"/>
+          <p:cNvPr id="3" name="Date Placeholder 3"/>
           <p:cNvSpPr>
             <a:spLocks noGrp="1"/>
           </p:cNvSpPr>
@@ -3470,12 +4016,21 @@
         <p:spPr/>
         <p:txBody>
           <a:bodyPr/>
-          <a:lstStyle/>
-          <a:p>
-            <a:fld id="{1D8BD707-D9CF-40AE-B4C6-C98DA3205C09}" type="datetimeFigureOut">
+          <a:lstStyle>
+            <a:lvl1pPr>
+              <a:defRPr/>
+            </a:lvl1pPr>
+          </a:lstStyle>
+          <a:p>
+            <a:pPr>
+              <a:defRPr/>
+            </a:pPr>
+            <a:fld id="{3475E31E-3DDB-4319-BC51-F5022B7F3C8D}" type="datetimeFigureOut">
               <a:rPr lang="en-US" smtClean="0"/>
-              <a:pPr/>
-              <a:t>7/22/2017</a:t>
+              <a:pPr>
+                <a:defRPr/>
+              </a:pPr>
+              <a:t>10/11/2017</a:t>
             </a:fld>
             <a:endParaRPr lang="en-US"/>
           </a:p>
@@ -3483,7 +4038,7 @@
       </p:sp>
       <p:sp>
         <p:nvSpPr>
-          <p:cNvPr id="4" name="Footer Placeholder 3"/>
+          <p:cNvPr id="4" name="Footer Placeholder 4"/>
           <p:cNvSpPr>
             <a:spLocks noGrp="1"/>
           </p:cNvSpPr>
@@ -3494,37 +4049,25 @@
         <p:spPr/>
         <p:txBody>
           <a:bodyPr/>
-          <a:lstStyle/>
-          <a:p>
+          <a:lstStyle>
+            <a:lvl1pPr>
+              <a:defRPr/>
+            </a:lvl1pPr>
+          </a:lstStyle>
+          <a:p>
+            <a:pPr>
+              <a:defRPr/>
+            </a:pPr>
             <a:endParaRPr lang="en-US"/>
           </a:p>
         </p:txBody>
       </p:sp>
-      <p:sp>
-        <p:nvSpPr>
-          <p:cNvPr id="5" name="Slide Number Placeholder 4"/>
-          <p:cNvSpPr>
-            <a:spLocks noGrp="1"/>
-          </p:cNvSpPr>
-          <p:nvPr>
-            <p:ph type="sldNum" sz="quarter" idx="12"/>
-          </p:nvPr>
-        </p:nvSpPr>
-        <p:spPr/>
-        <p:txBody>
-          <a:bodyPr/>
-          <a:lstStyle/>
-          <a:p>
-            <a:fld id="{B6F15528-21DE-4FAA-801E-634DDDAF4B2B}" type="slidenum">
-              <a:rPr lang="en-US" smtClean="0"/>
-              <a:pPr/>
-              <a:t>‹#›</a:t>
-            </a:fld>
-            <a:endParaRPr lang="en-US"/>
-          </a:p>
-        </p:txBody>
-      </p:sp>
     </p:spTree>
+    <p:extLst>
+      <p:ext uri="{BB962C8B-B14F-4D97-AF65-F5344CB8AC3E}">
+        <p14:creationId xmlns:p14="http://schemas.microsoft.com/office/powerpoint/2010/main" val="2922410646"/>
+      </p:ext>
+    </p:extLst>
   </p:cSld>
   <p:clrMapOvr>
     <a:masterClrMapping/>
@@ -3532,7 +4075,7 @@
 </p:sldLayout>
 </file>
 
-<file path=ppt/slideLayouts/slideLayout7.xml><?xml version="1.0" encoding="utf-8"?>
+<file path=ppt/slideLayouts/slideLayout19.xml><?xml version="1.0" encoding="utf-8"?>
 <p:sldLayout xmlns:a="http://schemas.openxmlformats.org/drawingml/2006/main" xmlns:r="http://schemas.openxmlformats.org/officeDocument/2006/relationships" xmlns:p="http://schemas.openxmlformats.org/presentationml/2006/main" type="blank" preserve="1">
   <p:cSld name="Blank">
     <p:spTree>
@@ -3551,7 +4094,7 @@
       </p:grpSpPr>
       <p:sp>
         <p:nvSpPr>
-          <p:cNvPr id="2" name="Date Placeholder 1"/>
+          <p:cNvPr id="2" name="Date Placeholder 3"/>
           <p:cNvSpPr>
             <a:spLocks noGrp="1"/>
           </p:cNvSpPr>
@@ -3562,12 +4105,21 @@
         <p:spPr/>
         <p:txBody>
           <a:bodyPr/>
-          <a:lstStyle/>
-          <a:p>
-            <a:fld id="{1D8BD707-D9CF-40AE-B4C6-C98DA3205C09}" type="datetimeFigureOut">
+          <a:lstStyle>
+            <a:lvl1pPr>
+              <a:defRPr/>
+            </a:lvl1pPr>
+          </a:lstStyle>
+          <a:p>
+            <a:pPr>
+              <a:defRPr/>
+            </a:pPr>
+            <a:fld id="{176638B8-B788-4682-A596-85CF4ED65A7B}" type="datetimeFigureOut">
               <a:rPr lang="en-US" smtClean="0"/>
-              <a:pPr/>
-              <a:t>7/22/2017</a:t>
+              <a:pPr>
+                <a:defRPr/>
+              </a:pPr>
+              <a:t>10/11/2017</a:t>
             </a:fld>
             <a:endParaRPr lang="en-US"/>
           </a:p>
@@ -3575,7 +4127,7 @@
       </p:sp>
       <p:sp>
         <p:nvSpPr>
-          <p:cNvPr id="3" name="Footer Placeholder 2"/>
+          <p:cNvPr id="3" name="Footer Placeholder 4"/>
           <p:cNvSpPr>
             <a:spLocks noGrp="1"/>
           </p:cNvSpPr>
@@ -3586,37 +4138,25 @@
         <p:spPr/>
         <p:txBody>
           <a:bodyPr/>
-          <a:lstStyle/>
-          <a:p>
+          <a:lstStyle>
+            <a:lvl1pPr>
+              <a:defRPr/>
+            </a:lvl1pPr>
+          </a:lstStyle>
+          <a:p>
+            <a:pPr>
+              <a:defRPr/>
+            </a:pPr>
             <a:endParaRPr lang="en-US"/>
           </a:p>
         </p:txBody>
       </p:sp>
-      <p:sp>
-        <p:nvSpPr>
-          <p:cNvPr id="4" name="Slide Number Placeholder 3"/>
-          <p:cNvSpPr>
-            <a:spLocks noGrp="1"/>
-          </p:cNvSpPr>
-          <p:nvPr>
-            <p:ph type="sldNum" sz="quarter" idx="12"/>
-          </p:nvPr>
-        </p:nvSpPr>
-        <p:spPr/>
-        <p:txBody>
-          <a:bodyPr/>
-          <a:lstStyle/>
-          <a:p>
-            <a:fld id="{B6F15528-21DE-4FAA-801E-634DDDAF4B2B}" type="slidenum">
-              <a:rPr lang="en-US" smtClean="0"/>
-              <a:pPr/>
-              <a:t>‹#›</a:t>
-            </a:fld>
-            <a:endParaRPr lang="en-US"/>
-          </a:p>
-        </p:txBody>
-      </p:sp>
     </p:spTree>
+    <p:extLst>
+      <p:ext uri="{BB962C8B-B14F-4D97-AF65-F5344CB8AC3E}">
+        <p14:creationId xmlns:p14="http://schemas.microsoft.com/office/powerpoint/2010/main" val="1812386729"/>
+      </p:ext>
+    </p:extLst>
   </p:cSld>
   <p:clrMapOvr>
     <a:masterClrMapping/>
@@ -3624,7 +4164,181 @@
 </p:sldLayout>
 </file>
 
-<file path=ppt/slideLayouts/slideLayout8.xml><?xml version="1.0" encoding="utf-8"?>
+<file path=ppt/slideLayouts/slideLayout2.xml><?xml version="1.0" encoding="utf-8"?>
+<p:sldLayout xmlns:a="http://schemas.openxmlformats.org/drawingml/2006/main" xmlns:r="http://schemas.openxmlformats.org/officeDocument/2006/relationships" xmlns:p="http://schemas.openxmlformats.org/presentationml/2006/main" type="obj" preserve="1">
+  <p:cSld name="Visual Studio Live! Washington, D.C.">
+    <p:spTree>
+      <p:nvGrpSpPr>
+        <p:cNvPr id="1" name=""/>
+        <p:cNvGrpSpPr/>
+        <p:nvPr/>
+      </p:nvGrpSpPr>
+      <p:grpSpPr>
+        <a:xfrm>
+          <a:off x="0" y="0"/>
+          <a:ext cx="0" cy="0"/>
+          <a:chOff x="0" y="0"/>
+          <a:chExt cx="0" cy="0"/>
+        </a:xfrm>
+      </p:grpSpPr>
+      <p:sp>
+        <p:nvSpPr>
+          <p:cNvPr id="2" name="Title 1"/>
+          <p:cNvSpPr>
+            <a:spLocks noGrp="1"/>
+          </p:cNvSpPr>
+          <p:nvPr>
+            <p:ph type="title"/>
+          </p:nvPr>
+        </p:nvSpPr>
+        <p:spPr/>
+        <p:txBody>
+          <a:bodyPr/>
+          <a:lstStyle>
+            <a:lvl1pPr>
+              <a:defRPr>
+                <a:solidFill>
+                  <a:schemeClr val="accent3">
+                    <a:lumMod val="50000"/>
+                  </a:schemeClr>
+                </a:solidFill>
+              </a:defRPr>
+            </a:lvl1pPr>
+          </a:lstStyle>
+          <a:p>
+            <a:r>
+              <a:rPr lang="en-US"/>
+              <a:t>Click to edit Master title style</a:t>
+            </a:r>
+            <a:endParaRPr lang="en-US" dirty="0"/>
+          </a:p>
+        </p:txBody>
+      </p:sp>
+      <p:sp>
+        <p:nvSpPr>
+          <p:cNvPr id="3" name="Content Placeholder 2"/>
+          <p:cNvSpPr>
+            <a:spLocks noGrp="1"/>
+          </p:cNvSpPr>
+          <p:nvPr>
+            <p:ph idx="1"/>
+          </p:nvPr>
+        </p:nvSpPr>
+        <p:spPr/>
+        <p:txBody>
+          <a:bodyPr/>
+          <a:lstStyle/>
+          <a:p>
+            <a:pPr lvl="0"/>
+            <a:r>
+              <a:rPr lang="en-US"/>
+              <a:t>Edit Master text styles</a:t>
+            </a:r>
+          </a:p>
+          <a:p>
+            <a:pPr lvl="1"/>
+            <a:r>
+              <a:rPr lang="en-US"/>
+              <a:t>Second level</a:t>
+            </a:r>
+          </a:p>
+          <a:p>
+            <a:pPr lvl="2"/>
+            <a:r>
+              <a:rPr lang="en-US"/>
+              <a:t>Third level</a:t>
+            </a:r>
+          </a:p>
+          <a:p>
+            <a:pPr lvl="3"/>
+            <a:r>
+              <a:rPr lang="en-US"/>
+              <a:t>Fourth level</a:t>
+            </a:r>
+          </a:p>
+          <a:p>
+            <a:pPr lvl="4"/>
+            <a:r>
+              <a:rPr lang="en-US"/>
+              <a:t>Fifth level</a:t>
+            </a:r>
+            <a:endParaRPr lang="en-US" dirty="0"/>
+          </a:p>
+        </p:txBody>
+      </p:sp>
+      <p:sp>
+        <p:nvSpPr>
+          <p:cNvPr id="4" name="Date Placeholder 3"/>
+          <p:cNvSpPr>
+            <a:spLocks noGrp="1"/>
+          </p:cNvSpPr>
+          <p:nvPr>
+            <p:ph type="dt" sz="half" idx="10"/>
+          </p:nvPr>
+        </p:nvSpPr>
+        <p:spPr/>
+        <p:txBody>
+          <a:bodyPr/>
+          <a:lstStyle>
+            <a:lvl1pPr>
+              <a:defRPr/>
+            </a:lvl1pPr>
+          </a:lstStyle>
+          <a:p>
+            <a:pPr>
+              <a:defRPr/>
+            </a:pPr>
+            <a:fld id="{03173A4F-54E2-42AD-AEE7-525DC08E7D5E}" type="datetimeFigureOut">
+              <a:rPr lang="en-US" smtClean="0"/>
+              <a:pPr>
+                <a:defRPr/>
+              </a:pPr>
+              <a:t>10/11/2017</a:t>
+            </a:fld>
+            <a:endParaRPr lang="en-US"/>
+          </a:p>
+        </p:txBody>
+      </p:sp>
+      <p:sp>
+        <p:nvSpPr>
+          <p:cNvPr id="5" name="Footer Placeholder 4"/>
+          <p:cNvSpPr>
+            <a:spLocks noGrp="1"/>
+          </p:cNvSpPr>
+          <p:nvPr>
+            <p:ph type="ftr" sz="quarter" idx="11"/>
+          </p:nvPr>
+        </p:nvSpPr>
+        <p:spPr/>
+        <p:txBody>
+          <a:bodyPr/>
+          <a:lstStyle>
+            <a:lvl1pPr>
+              <a:defRPr/>
+            </a:lvl1pPr>
+          </a:lstStyle>
+          <a:p>
+            <a:pPr>
+              <a:defRPr/>
+            </a:pPr>
+            <a:endParaRPr lang="en-US"/>
+          </a:p>
+        </p:txBody>
+      </p:sp>
+    </p:spTree>
+    <p:extLst>
+      <p:ext uri="{BB962C8B-B14F-4D97-AF65-F5344CB8AC3E}">
+        <p14:creationId xmlns:p14="http://schemas.microsoft.com/office/powerpoint/2010/main" val="3085098180"/>
+      </p:ext>
+    </p:extLst>
+  </p:cSld>
+  <p:clrMapOvr>
+    <a:masterClrMapping/>
+  </p:clrMapOvr>
+</p:sldLayout>
+</file>
+
+<file path=ppt/slideLayouts/slideLayout20.xml><?xml version="1.0" encoding="utf-8"?>
 <p:sldLayout xmlns:a="http://schemas.openxmlformats.org/drawingml/2006/main" xmlns:r="http://schemas.openxmlformats.org/officeDocument/2006/relationships" xmlns:p="http://schemas.openxmlformats.org/presentationml/2006/main" type="objTx" preserve="1">
   <p:cSld name="Content with Caption">
     <p:spTree>
@@ -3653,8 +4367,8 @@
         </p:nvSpPr>
         <p:spPr>
           <a:xfrm>
-            <a:off x="457200" y="273050"/>
-            <a:ext cx="3008313" cy="1162050"/>
+            <a:off x="457206" y="273052"/>
+            <a:ext cx="3008313" cy="1162051"/>
           </a:xfrm>
         </p:spPr>
         <p:txBody>
@@ -3684,7 +4398,7 @@
         </p:nvSpPr>
         <p:spPr>
           <a:xfrm>
-            <a:off x="3575050" y="273050"/>
+            <a:off x="3575050" y="273053"/>
             <a:ext cx="5111750" cy="5853113"/>
           </a:xfrm>
         </p:spPr>
@@ -3768,7 +4482,7 @@
         </p:nvSpPr>
         <p:spPr>
           <a:xfrm>
-            <a:off x="457200" y="1435100"/>
+            <a:off x="457206" y="1435104"/>
             <a:ext cx="3008313" cy="4691063"/>
           </a:xfrm>
         </p:spPr>
@@ -3823,7 +4537,7 @@
       </p:sp>
       <p:sp>
         <p:nvSpPr>
-          <p:cNvPr id="5" name="Date Placeholder 4"/>
+          <p:cNvPr id="5" name="Date Placeholder 3"/>
           <p:cNvSpPr>
             <a:spLocks noGrp="1"/>
           </p:cNvSpPr>
@@ -3834,12 +4548,21 @@
         <p:spPr/>
         <p:txBody>
           <a:bodyPr/>
-          <a:lstStyle/>
-          <a:p>
-            <a:fld id="{1D8BD707-D9CF-40AE-B4C6-C98DA3205C09}" type="datetimeFigureOut">
+          <a:lstStyle>
+            <a:lvl1pPr>
+              <a:defRPr/>
+            </a:lvl1pPr>
+          </a:lstStyle>
+          <a:p>
+            <a:pPr>
+              <a:defRPr/>
+            </a:pPr>
+            <a:fld id="{5A9C0D6F-86BC-4F0A-A9FD-A71A70874F57}" type="datetimeFigureOut">
               <a:rPr lang="en-US" smtClean="0"/>
-              <a:pPr/>
-              <a:t>7/22/2017</a:t>
+              <a:pPr>
+                <a:defRPr/>
+              </a:pPr>
+              <a:t>10/11/2017</a:t>
             </a:fld>
             <a:endParaRPr lang="en-US"/>
           </a:p>
@@ -3847,7 +4570,7 @@
       </p:sp>
       <p:sp>
         <p:nvSpPr>
-          <p:cNvPr id="6" name="Footer Placeholder 5"/>
+          <p:cNvPr id="6" name="Footer Placeholder 4"/>
           <p:cNvSpPr>
             <a:spLocks noGrp="1"/>
           </p:cNvSpPr>
@@ -3858,37 +4581,2016 @@
         <p:spPr/>
         <p:txBody>
           <a:bodyPr/>
-          <a:lstStyle/>
-          <a:p>
+          <a:lstStyle>
+            <a:lvl1pPr>
+              <a:defRPr/>
+            </a:lvl1pPr>
+          </a:lstStyle>
+          <a:p>
+            <a:pPr>
+              <a:defRPr/>
+            </a:pPr>
             <a:endParaRPr lang="en-US"/>
           </a:p>
         </p:txBody>
       </p:sp>
-      <p:sp>
-        <p:nvSpPr>
-          <p:cNvPr id="7" name="Slide Number Placeholder 6"/>
-          <p:cNvSpPr>
-            <a:spLocks noGrp="1"/>
-          </p:cNvSpPr>
-          <p:nvPr>
-            <p:ph type="sldNum" sz="quarter" idx="12"/>
+    </p:spTree>
+    <p:extLst>
+      <p:ext uri="{BB962C8B-B14F-4D97-AF65-F5344CB8AC3E}">
+        <p14:creationId xmlns:p14="http://schemas.microsoft.com/office/powerpoint/2010/main" val="567124553"/>
+      </p:ext>
+    </p:extLst>
+  </p:cSld>
+  <p:clrMapOvr>
+    <a:masterClrMapping/>
+  </p:clrMapOvr>
+</p:sldLayout>
+</file>
+
+<file path=ppt/slideLayouts/slideLayout21.xml><?xml version="1.0" encoding="utf-8"?>
+<p:sldLayout xmlns:a="http://schemas.openxmlformats.org/drawingml/2006/main" xmlns:r="http://schemas.openxmlformats.org/officeDocument/2006/relationships" xmlns:p="http://schemas.openxmlformats.org/presentationml/2006/main" type="picTx" preserve="1">
+  <p:cSld name="Picture with Caption">
+    <p:spTree>
+      <p:nvGrpSpPr>
+        <p:cNvPr id="1" name=""/>
+        <p:cNvGrpSpPr/>
+        <p:nvPr/>
+      </p:nvGrpSpPr>
+      <p:grpSpPr>
+        <a:xfrm>
+          <a:off x="0" y="0"/>
+          <a:ext cx="0" cy="0"/>
+          <a:chOff x="0" y="0"/>
+          <a:chExt cx="0" cy="0"/>
+        </a:xfrm>
+      </p:grpSpPr>
+      <p:sp>
+        <p:nvSpPr>
+          <p:cNvPr id="2" name="Title 1"/>
+          <p:cNvSpPr>
+            <a:spLocks noGrp="1"/>
+          </p:cNvSpPr>
+          <p:nvPr>
+            <p:ph type="title"/>
+          </p:nvPr>
+        </p:nvSpPr>
+        <p:spPr>
+          <a:xfrm>
+            <a:off x="1792288" y="4800601"/>
+            <a:ext cx="5486400" cy="566739"/>
+          </a:xfrm>
+        </p:spPr>
+        <p:txBody>
+          <a:bodyPr anchor="b"/>
+          <a:lstStyle>
+            <a:lvl1pPr algn="l">
+              <a:defRPr sz="2000" b="1"/>
+            </a:lvl1pPr>
+          </a:lstStyle>
+          <a:p>
+            <a:r>
+              <a:rPr lang="en-US"/>
+              <a:t>Click to edit Master title style</a:t>
+            </a:r>
+          </a:p>
+        </p:txBody>
+      </p:sp>
+      <p:sp>
+        <p:nvSpPr>
+          <p:cNvPr id="3" name="Picture Placeholder 2"/>
+          <p:cNvSpPr>
+            <a:spLocks noGrp="1"/>
+          </p:cNvSpPr>
+          <p:nvPr>
+            <p:ph type="pic" idx="1"/>
+          </p:nvPr>
+        </p:nvSpPr>
+        <p:spPr>
+          <a:xfrm>
+            <a:off x="1792288" y="612775"/>
+            <a:ext cx="5486400" cy="4114800"/>
+          </a:xfrm>
+        </p:spPr>
+        <p:txBody>
+          <a:bodyPr rtlCol="0">
+            <a:normAutofit/>
+          </a:bodyPr>
+          <a:lstStyle>
+            <a:lvl1pPr marL="0" indent="0">
+              <a:buNone/>
+              <a:defRPr sz="3200"/>
+            </a:lvl1pPr>
+            <a:lvl2pPr marL="457200" indent="0">
+              <a:buNone/>
+              <a:defRPr sz="2800"/>
+            </a:lvl2pPr>
+            <a:lvl3pPr marL="914400" indent="0">
+              <a:buNone/>
+              <a:defRPr sz="2400"/>
+            </a:lvl3pPr>
+            <a:lvl4pPr marL="1371600" indent="0">
+              <a:buNone/>
+              <a:defRPr sz="2000"/>
+            </a:lvl4pPr>
+            <a:lvl5pPr marL="1828800" indent="0">
+              <a:buNone/>
+              <a:defRPr sz="2000"/>
+            </a:lvl5pPr>
+            <a:lvl6pPr marL="2286000" indent="0">
+              <a:buNone/>
+              <a:defRPr sz="2000"/>
+            </a:lvl6pPr>
+            <a:lvl7pPr marL="2743200" indent="0">
+              <a:buNone/>
+              <a:defRPr sz="2000"/>
+            </a:lvl7pPr>
+            <a:lvl8pPr marL="3200400" indent="0">
+              <a:buNone/>
+              <a:defRPr sz="2000"/>
+            </a:lvl8pPr>
+            <a:lvl9pPr marL="3657600" indent="0">
+              <a:buNone/>
+              <a:defRPr sz="2000"/>
+            </a:lvl9pPr>
+          </a:lstStyle>
+          <a:p>
+            <a:pPr lvl="0"/>
+            <a:r>
+              <a:rPr lang="en-US" noProof="0"/>
+              <a:t>Click icon to add picture</a:t>
+            </a:r>
+          </a:p>
+        </p:txBody>
+      </p:sp>
+      <p:sp>
+        <p:nvSpPr>
+          <p:cNvPr id="4" name="Text Placeholder 3"/>
+          <p:cNvSpPr>
+            <a:spLocks noGrp="1"/>
+          </p:cNvSpPr>
+          <p:nvPr>
+            <p:ph type="body" sz="half" idx="2"/>
+          </p:nvPr>
+        </p:nvSpPr>
+        <p:spPr>
+          <a:xfrm>
+            <a:off x="1792288" y="5367341"/>
+            <a:ext cx="5486400" cy="804863"/>
+          </a:xfrm>
+        </p:spPr>
+        <p:txBody>
+          <a:bodyPr/>
+          <a:lstStyle>
+            <a:lvl1pPr marL="0" indent="0">
+              <a:buNone/>
+              <a:defRPr sz="1400"/>
+            </a:lvl1pPr>
+            <a:lvl2pPr marL="457200" indent="0">
+              <a:buNone/>
+              <a:defRPr sz="1200"/>
+            </a:lvl2pPr>
+            <a:lvl3pPr marL="914400" indent="0">
+              <a:buNone/>
+              <a:defRPr sz="1000"/>
+            </a:lvl3pPr>
+            <a:lvl4pPr marL="1371600" indent="0">
+              <a:buNone/>
+              <a:defRPr sz="900"/>
+            </a:lvl4pPr>
+            <a:lvl5pPr marL="1828800" indent="0">
+              <a:buNone/>
+              <a:defRPr sz="900"/>
+            </a:lvl5pPr>
+            <a:lvl6pPr marL="2286000" indent="0">
+              <a:buNone/>
+              <a:defRPr sz="900"/>
+            </a:lvl6pPr>
+            <a:lvl7pPr marL="2743200" indent="0">
+              <a:buNone/>
+              <a:defRPr sz="900"/>
+            </a:lvl7pPr>
+            <a:lvl8pPr marL="3200400" indent="0">
+              <a:buNone/>
+              <a:defRPr sz="900"/>
+            </a:lvl8pPr>
+            <a:lvl9pPr marL="3657600" indent="0">
+              <a:buNone/>
+              <a:defRPr sz="900"/>
+            </a:lvl9pPr>
+          </a:lstStyle>
+          <a:p>
+            <a:pPr lvl="0"/>
+            <a:r>
+              <a:rPr lang="en-US"/>
+              <a:t>Click to edit Master text styles</a:t>
+            </a:r>
+          </a:p>
+        </p:txBody>
+      </p:sp>
+      <p:sp>
+        <p:nvSpPr>
+          <p:cNvPr id="5" name="Date Placeholder 3"/>
+          <p:cNvSpPr>
+            <a:spLocks noGrp="1"/>
+          </p:cNvSpPr>
+          <p:nvPr>
+            <p:ph type="dt" sz="half" idx="10"/>
           </p:nvPr>
         </p:nvSpPr>
         <p:spPr/>
         <p:txBody>
           <a:bodyPr/>
-          <a:lstStyle/>
-          <a:p>
-            <a:fld id="{B6F15528-21DE-4FAA-801E-634DDDAF4B2B}" type="slidenum">
+          <a:lstStyle>
+            <a:lvl1pPr>
+              <a:defRPr/>
+            </a:lvl1pPr>
+          </a:lstStyle>
+          <a:p>
+            <a:pPr>
+              <a:defRPr/>
+            </a:pPr>
+            <a:fld id="{9A62623F-4765-4759-9A73-D8655DC8D973}" type="datetimeFigureOut">
               <a:rPr lang="en-US" smtClean="0"/>
-              <a:pPr/>
-              <a:t>‹#›</a:t>
+              <a:pPr>
+                <a:defRPr/>
+              </a:pPr>
+              <a:t>10/11/2017</a:t>
             </a:fld>
             <a:endParaRPr lang="en-US"/>
           </a:p>
         </p:txBody>
       </p:sp>
+      <p:sp>
+        <p:nvSpPr>
+          <p:cNvPr id="6" name="Footer Placeholder 4"/>
+          <p:cNvSpPr>
+            <a:spLocks noGrp="1"/>
+          </p:cNvSpPr>
+          <p:nvPr>
+            <p:ph type="ftr" sz="quarter" idx="11"/>
+          </p:nvPr>
+        </p:nvSpPr>
+        <p:spPr/>
+        <p:txBody>
+          <a:bodyPr/>
+          <a:lstStyle>
+            <a:lvl1pPr>
+              <a:defRPr/>
+            </a:lvl1pPr>
+          </a:lstStyle>
+          <a:p>
+            <a:pPr>
+              <a:defRPr/>
+            </a:pPr>
+            <a:endParaRPr lang="en-US"/>
+          </a:p>
+        </p:txBody>
+      </p:sp>
     </p:spTree>
+    <p:extLst>
+      <p:ext uri="{BB962C8B-B14F-4D97-AF65-F5344CB8AC3E}">
+        <p14:creationId xmlns:p14="http://schemas.microsoft.com/office/powerpoint/2010/main" val="3689011275"/>
+      </p:ext>
+    </p:extLst>
+  </p:cSld>
+  <p:clrMapOvr>
+    <a:masterClrMapping/>
+  </p:clrMapOvr>
+</p:sldLayout>
+</file>
+
+<file path=ppt/slideLayouts/slideLayout22.xml><?xml version="1.0" encoding="utf-8"?>
+<p:sldLayout xmlns:a="http://schemas.openxmlformats.org/drawingml/2006/main" xmlns:r="http://schemas.openxmlformats.org/officeDocument/2006/relationships" xmlns:p="http://schemas.openxmlformats.org/presentationml/2006/main" type="vertTx" preserve="1">
+  <p:cSld name="Title and Vertical Text">
+    <p:spTree>
+      <p:nvGrpSpPr>
+        <p:cNvPr id="1" name=""/>
+        <p:cNvGrpSpPr/>
+        <p:nvPr/>
+      </p:nvGrpSpPr>
+      <p:grpSpPr>
+        <a:xfrm>
+          <a:off x="0" y="0"/>
+          <a:ext cx="0" cy="0"/>
+          <a:chOff x="0" y="0"/>
+          <a:chExt cx="0" cy="0"/>
+        </a:xfrm>
+      </p:grpSpPr>
+      <p:sp>
+        <p:nvSpPr>
+          <p:cNvPr id="2" name="Title 1"/>
+          <p:cNvSpPr>
+            <a:spLocks noGrp="1"/>
+          </p:cNvSpPr>
+          <p:nvPr>
+            <p:ph type="title"/>
+          </p:nvPr>
+        </p:nvSpPr>
+        <p:spPr/>
+        <p:txBody>
+          <a:bodyPr/>
+          <a:lstStyle/>
+          <a:p>
+            <a:r>
+              <a:rPr lang="en-US"/>
+              <a:t>Click to edit Master title style</a:t>
+            </a:r>
+          </a:p>
+        </p:txBody>
+      </p:sp>
+      <p:sp>
+        <p:nvSpPr>
+          <p:cNvPr id="3" name="Vertical Text Placeholder 2"/>
+          <p:cNvSpPr>
+            <a:spLocks noGrp="1"/>
+          </p:cNvSpPr>
+          <p:nvPr>
+            <p:ph type="body" orient="vert" idx="1"/>
+          </p:nvPr>
+        </p:nvSpPr>
+        <p:spPr/>
+        <p:txBody>
+          <a:bodyPr vert="eaVert"/>
+          <a:lstStyle/>
+          <a:p>
+            <a:pPr lvl="0"/>
+            <a:r>
+              <a:rPr lang="en-US"/>
+              <a:t>Click to edit Master text styles</a:t>
+            </a:r>
+          </a:p>
+          <a:p>
+            <a:pPr lvl="1"/>
+            <a:r>
+              <a:rPr lang="en-US"/>
+              <a:t>Second level</a:t>
+            </a:r>
+          </a:p>
+          <a:p>
+            <a:pPr lvl="2"/>
+            <a:r>
+              <a:rPr lang="en-US"/>
+              <a:t>Third level</a:t>
+            </a:r>
+          </a:p>
+          <a:p>
+            <a:pPr lvl="3"/>
+            <a:r>
+              <a:rPr lang="en-US"/>
+              <a:t>Fourth level</a:t>
+            </a:r>
+          </a:p>
+          <a:p>
+            <a:pPr lvl="4"/>
+            <a:r>
+              <a:rPr lang="en-US"/>
+              <a:t>Fifth level</a:t>
+            </a:r>
+          </a:p>
+        </p:txBody>
+      </p:sp>
+      <p:sp>
+        <p:nvSpPr>
+          <p:cNvPr id="4" name="Date Placeholder 3"/>
+          <p:cNvSpPr>
+            <a:spLocks noGrp="1"/>
+          </p:cNvSpPr>
+          <p:nvPr>
+            <p:ph type="dt" sz="half" idx="10"/>
+          </p:nvPr>
+        </p:nvSpPr>
+        <p:spPr/>
+        <p:txBody>
+          <a:bodyPr/>
+          <a:lstStyle>
+            <a:lvl1pPr>
+              <a:defRPr/>
+            </a:lvl1pPr>
+          </a:lstStyle>
+          <a:p>
+            <a:pPr>
+              <a:defRPr/>
+            </a:pPr>
+            <a:fld id="{B2ACF2FE-3FA7-4ABC-8D10-AB106564C9F6}" type="datetimeFigureOut">
+              <a:rPr lang="en-US" smtClean="0"/>
+              <a:pPr>
+                <a:defRPr/>
+              </a:pPr>
+              <a:t>10/11/2017</a:t>
+            </a:fld>
+            <a:endParaRPr lang="en-US"/>
+          </a:p>
+        </p:txBody>
+      </p:sp>
+      <p:sp>
+        <p:nvSpPr>
+          <p:cNvPr id="5" name="Footer Placeholder 4"/>
+          <p:cNvSpPr>
+            <a:spLocks noGrp="1"/>
+          </p:cNvSpPr>
+          <p:nvPr>
+            <p:ph type="ftr" sz="quarter" idx="11"/>
+          </p:nvPr>
+        </p:nvSpPr>
+        <p:spPr/>
+        <p:txBody>
+          <a:bodyPr/>
+          <a:lstStyle>
+            <a:lvl1pPr>
+              <a:defRPr/>
+            </a:lvl1pPr>
+          </a:lstStyle>
+          <a:p>
+            <a:pPr>
+              <a:defRPr/>
+            </a:pPr>
+            <a:endParaRPr lang="en-US"/>
+          </a:p>
+        </p:txBody>
+      </p:sp>
+    </p:spTree>
+    <p:extLst>
+      <p:ext uri="{BB962C8B-B14F-4D97-AF65-F5344CB8AC3E}">
+        <p14:creationId xmlns:p14="http://schemas.microsoft.com/office/powerpoint/2010/main" val="2630303980"/>
+      </p:ext>
+    </p:extLst>
+  </p:cSld>
+  <p:clrMapOvr>
+    <a:masterClrMapping/>
+  </p:clrMapOvr>
+</p:sldLayout>
+</file>
+
+<file path=ppt/slideLayouts/slideLayout23.xml><?xml version="1.0" encoding="utf-8"?>
+<p:sldLayout xmlns:a="http://schemas.openxmlformats.org/drawingml/2006/main" xmlns:r="http://schemas.openxmlformats.org/officeDocument/2006/relationships" xmlns:p="http://schemas.openxmlformats.org/presentationml/2006/main" type="vertTitleAndTx" preserve="1">
+  <p:cSld name="Vertical Title and Text">
+    <p:spTree>
+      <p:nvGrpSpPr>
+        <p:cNvPr id="1" name=""/>
+        <p:cNvGrpSpPr/>
+        <p:nvPr/>
+      </p:nvGrpSpPr>
+      <p:grpSpPr>
+        <a:xfrm>
+          <a:off x="0" y="0"/>
+          <a:ext cx="0" cy="0"/>
+          <a:chOff x="0" y="0"/>
+          <a:chExt cx="0" cy="0"/>
+        </a:xfrm>
+      </p:grpSpPr>
+      <p:sp>
+        <p:nvSpPr>
+          <p:cNvPr id="2" name="Vertical Title 1"/>
+          <p:cNvSpPr>
+            <a:spLocks noGrp="1"/>
+          </p:cNvSpPr>
+          <p:nvPr>
+            <p:ph type="title" orient="vert"/>
+          </p:nvPr>
+        </p:nvSpPr>
+        <p:spPr>
+          <a:xfrm>
+            <a:off x="6629400" y="206376"/>
+            <a:ext cx="2057400" cy="4387851"/>
+          </a:xfrm>
+        </p:spPr>
+        <p:txBody>
+          <a:bodyPr vert="eaVert"/>
+          <a:lstStyle/>
+          <a:p>
+            <a:r>
+              <a:rPr lang="en-US"/>
+              <a:t>Click to edit Master title style</a:t>
+            </a:r>
+          </a:p>
+        </p:txBody>
+      </p:sp>
+      <p:sp>
+        <p:nvSpPr>
+          <p:cNvPr id="3" name="Vertical Text Placeholder 2"/>
+          <p:cNvSpPr>
+            <a:spLocks noGrp="1"/>
+          </p:cNvSpPr>
+          <p:nvPr>
+            <p:ph type="body" orient="vert" idx="1"/>
+          </p:nvPr>
+        </p:nvSpPr>
+        <p:spPr>
+          <a:xfrm>
+            <a:off x="457200" y="206376"/>
+            <a:ext cx="6019800" cy="4387851"/>
+          </a:xfrm>
+        </p:spPr>
+        <p:txBody>
+          <a:bodyPr vert="eaVert"/>
+          <a:lstStyle/>
+          <a:p>
+            <a:pPr lvl="0"/>
+            <a:r>
+              <a:rPr lang="en-US"/>
+              <a:t>Click to edit Master text styles</a:t>
+            </a:r>
+          </a:p>
+          <a:p>
+            <a:pPr lvl="1"/>
+            <a:r>
+              <a:rPr lang="en-US"/>
+              <a:t>Second level</a:t>
+            </a:r>
+          </a:p>
+          <a:p>
+            <a:pPr lvl="2"/>
+            <a:r>
+              <a:rPr lang="en-US"/>
+              <a:t>Third level</a:t>
+            </a:r>
+          </a:p>
+          <a:p>
+            <a:pPr lvl="3"/>
+            <a:r>
+              <a:rPr lang="en-US"/>
+              <a:t>Fourth level</a:t>
+            </a:r>
+          </a:p>
+          <a:p>
+            <a:pPr lvl="4"/>
+            <a:r>
+              <a:rPr lang="en-US"/>
+              <a:t>Fifth level</a:t>
+            </a:r>
+          </a:p>
+        </p:txBody>
+      </p:sp>
+      <p:sp>
+        <p:nvSpPr>
+          <p:cNvPr id="4" name="Date Placeholder 3"/>
+          <p:cNvSpPr>
+            <a:spLocks noGrp="1"/>
+          </p:cNvSpPr>
+          <p:nvPr>
+            <p:ph type="dt" sz="half" idx="10"/>
+          </p:nvPr>
+        </p:nvSpPr>
+        <p:spPr/>
+        <p:txBody>
+          <a:bodyPr/>
+          <a:lstStyle>
+            <a:lvl1pPr>
+              <a:defRPr/>
+            </a:lvl1pPr>
+          </a:lstStyle>
+          <a:p>
+            <a:pPr>
+              <a:defRPr/>
+            </a:pPr>
+            <a:fld id="{7AD803F9-FDAA-4AD8-AB1F-AC9EA3FA17D9}" type="datetimeFigureOut">
+              <a:rPr lang="en-US" smtClean="0"/>
+              <a:pPr>
+                <a:defRPr/>
+              </a:pPr>
+              <a:t>10/11/2017</a:t>
+            </a:fld>
+            <a:endParaRPr lang="en-US"/>
+          </a:p>
+        </p:txBody>
+      </p:sp>
+      <p:sp>
+        <p:nvSpPr>
+          <p:cNvPr id="5" name="Footer Placeholder 4"/>
+          <p:cNvSpPr>
+            <a:spLocks noGrp="1"/>
+          </p:cNvSpPr>
+          <p:nvPr>
+            <p:ph type="ftr" sz="quarter" idx="11"/>
+          </p:nvPr>
+        </p:nvSpPr>
+        <p:spPr/>
+        <p:txBody>
+          <a:bodyPr/>
+          <a:lstStyle>
+            <a:lvl1pPr>
+              <a:defRPr/>
+            </a:lvl1pPr>
+          </a:lstStyle>
+          <a:p>
+            <a:pPr>
+              <a:defRPr/>
+            </a:pPr>
+            <a:endParaRPr lang="en-US"/>
+          </a:p>
+        </p:txBody>
+      </p:sp>
+    </p:spTree>
+    <p:extLst>
+      <p:ext uri="{BB962C8B-B14F-4D97-AF65-F5344CB8AC3E}">
+        <p14:creationId xmlns:p14="http://schemas.microsoft.com/office/powerpoint/2010/main" val="1546593952"/>
+      </p:ext>
+    </p:extLst>
+  </p:cSld>
+  <p:clrMapOvr>
+    <a:masterClrMapping/>
+  </p:clrMapOvr>
+</p:sldLayout>
+</file>
+
+<file path=ppt/slideLayouts/slideLayout3.xml><?xml version="1.0" encoding="utf-8"?>
+<p:sldLayout xmlns:a="http://schemas.openxmlformats.org/drawingml/2006/main" xmlns:r="http://schemas.openxmlformats.org/officeDocument/2006/relationships" xmlns:p="http://schemas.openxmlformats.org/presentationml/2006/main" type="secHead" preserve="1">
+  <p:cSld name="Section Header">
+    <p:spTree>
+      <p:nvGrpSpPr>
+        <p:cNvPr id="1" name=""/>
+        <p:cNvGrpSpPr/>
+        <p:nvPr/>
+      </p:nvGrpSpPr>
+      <p:grpSpPr>
+        <a:xfrm>
+          <a:off x="0" y="0"/>
+          <a:ext cx="0" cy="0"/>
+          <a:chOff x="0" y="0"/>
+          <a:chExt cx="0" cy="0"/>
+        </a:xfrm>
+      </p:grpSpPr>
+      <p:sp>
+        <p:nvSpPr>
+          <p:cNvPr id="2" name="Title 1"/>
+          <p:cNvSpPr>
+            <a:spLocks noGrp="1"/>
+          </p:cNvSpPr>
+          <p:nvPr>
+            <p:ph type="title"/>
+          </p:nvPr>
+        </p:nvSpPr>
+        <p:spPr>
+          <a:xfrm>
+            <a:off x="722313" y="4406901"/>
+            <a:ext cx="7772400" cy="1362075"/>
+          </a:xfrm>
+        </p:spPr>
+        <p:txBody>
+          <a:bodyPr anchor="t"/>
+          <a:lstStyle>
+            <a:lvl1pPr algn="l">
+              <a:defRPr sz="4000" b="1" cap="all"/>
+            </a:lvl1pPr>
+          </a:lstStyle>
+          <a:p>
+            <a:r>
+              <a:rPr lang="en-US"/>
+              <a:t>Click to edit Master title style</a:t>
+            </a:r>
+          </a:p>
+        </p:txBody>
+      </p:sp>
+      <p:sp>
+        <p:nvSpPr>
+          <p:cNvPr id="3" name="Text Placeholder 2"/>
+          <p:cNvSpPr>
+            <a:spLocks noGrp="1"/>
+          </p:cNvSpPr>
+          <p:nvPr>
+            <p:ph type="body" idx="1"/>
+          </p:nvPr>
+        </p:nvSpPr>
+        <p:spPr>
+          <a:xfrm>
+            <a:off x="722313" y="2906716"/>
+            <a:ext cx="7772400" cy="1500187"/>
+          </a:xfrm>
+        </p:spPr>
+        <p:txBody>
+          <a:bodyPr anchor="b"/>
+          <a:lstStyle>
+            <a:lvl1pPr marL="0" indent="0">
+              <a:buNone/>
+              <a:defRPr sz="2000">
+                <a:solidFill>
+                  <a:schemeClr val="tx1">
+                    <a:tint val="75000"/>
+                  </a:schemeClr>
+                </a:solidFill>
+              </a:defRPr>
+            </a:lvl1pPr>
+            <a:lvl2pPr marL="457200" indent="0">
+              <a:buNone/>
+              <a:defRPr sz="1800">
+                <a:solidFill>
+                  <a:schemeClr val="tx1">
+                    <a:tint val="75000"/>
+                  </a:schemeClr>
+                </a:solidFill>
+              </a:defRPr>
+            </a:lvl2pPr>
+            <a:lvl3pPr marL="914400" indent="0">
+              <a:buNone/>
+              <a:defRPr sz="1600">
+                <a:solidFill>
+                  <a:schemeClr val="tx1">
+                    <a:tint val="75000"/>
+                  </a:schemeClr>
+                </a:solidFill>
+              </a:defRPr>
+            </a:lvl3pPr>
+            <a:lvl4pPr marL="1371600" indent="0">
+              <a:buNone/>
+              <a:defRPr sz="1400">
+                <a:solidFill>
+                  <a:schemeClr val="tx1">
+                    <a:tint val="75000"/>
+                  </a:schemeClr>
+                </a:solidFill>
+              </a:defRPr>
+            </a:lvl4pPr>
+            <a:lvl5pPr marL="1828800" indent="0">
+              <a:buNone/>
+              <a:defRPr sz="1400">
+                <a:solidFill>
+                  <a:schemeClr val="tx1">
+                    <a:tint val="75000"/>
+                  </a:schemeClr>
+                </a:solidFill>
+              </a:defRPr>
+            </a:lvl5pPr>
+            <a:lvl6pPr marL="2286000" indent="0">
+              <a:buNone/>
+              <a:defRPr sz="1400">
+                <a:solidFill>
+                  <a:schemeClr val="tx1">
+                    <a:tint val="75000"/>
+                  </a:schemeClr>
+                </a:solidFill>
+              </a:defRPr>
+            </a:lvl6pPr>
+            <a:lvl7pPr marL="2743200" indent="0">
+              <a:buNone/>
+              <a:defRPr sz="1400">
+                <a:solidFill>
+                  <a:schemeClr val="tx1">
+                    <a:tint val="75000"/>
+                  </a:schemeClr>
+                </a:solidFill>
+              </a:defRPr>
+            </a:lvl7pPr>
+            <a:lvl8pPr marL="3200400" indent="0">
+              <a:buNone/>
+              <a:defRPr sz="1400">
+                <a:solidFill>
+                  <a:schemeClr val="tx1">
+                    <a:tint val="75000"/>
+                  </a:schemeClr>
+                </a:solidFill>
+              </a:defRPr>
+            </a:lvl8pPr>
+            <a:lvl9pPr marL="3657600" indent="0">
+              <a:buNone/>
+              <a:defRPr sz="1400">
+                <a:solidFill>
+                  <a:schemeClr val="tx1">
+                    <a:tint val="75000"/>
+                  </a:schemeClr>
+                </a:solidFill>
+              </a:defRPr>
+            </a:lvl9pPr>
+          </a:lstStyle>
+          <a:p>
+            <a:pPr lvl="0"/>
+            <a:r>
+              <a:rPr lang="en-US"/>
+              <a:t>Edit Master text styles</a:t>
+            </a:r>
+          </a:p>
+        </p:txBody>
+      </p:sp>
+      <p:sp>
+        <p:nvSpPr>
+          <p:cNvPr id="4" name="Date Placeholder 3"/>
+          <p:cNvSpPr>
+            <a:spLocks noGrp="1"/>
+          </p:cNvSpPr>
+          <p:nvPr>
+            <p:ph type="dt" sz="half" idx="10"/>
+          </p:nvPr>
+        </p:nvSpPr>
+        <p:spPr/>
+        <p:txBody>
+          <a:bodyPr/>
+          <a:lstStyle>
+            <a:lvl1pPr>
+              <a:defRPr/>
+            </a:lvl1pPr>
+          </a:lstStyle>
+          <a:p>
+            <a:pPr>
+              <a:defRPr/>
+            </a:pPr>
+            <a:fld id="{6014562E-E191-4140-8CA7-D81566904FD6}" type="datetimeFigureOut">
+              <a:rPr lang="en-US" smtClean="0"/>
+              <a:pPr>
+                <a:defRPr/>
+              </a:pPr>
+              <a:t>10/11/2017</a:t>
+            </a:fld>
+            <a:endParaRPr lang="en-US"/>
+          </a:p>
+        </p:txBody>
+      </p:sp>
+      <p:sp>
+        <p:nvSpPr>
+          <p:cNvPr id="5" name="Footer Placeholder 4"/>
+          <p:cNvSpPr>
+            <a:spLocks noGrp="1"/>
+          </p:cNvSpPr>
+          <p:nvPr>
+            <p:ph type="ftr" sz="quarter" idx="11"/>
+          </p:nvPr>
+        </p:nvSpPr>
+        <p:spPr/>
+        <p:txBody>
+          <a:bodyPr/>
+          <a:lstStyle>
+            <a:lvl1pPr>
+              <a:defRPr/>
+            </a:lvl1pPr>
+          </a:lstStyle>
+          <a:p>
+            <a:pPr>
+              <a:defRPr/>
+            </a:pPr>
+            <a:endParaRPr lang="en-US"/>
+          </a:p>
+        </p:txBody>
+      </p:sp>
+    </p:spTree>
+    <p:extLst>
+      <p:ext uri="{BB962C8B-B14F-4D97-AF65-F5344CB8AC3E}">
+        <p14:creationId xmlns:p14="http://schemas.microsoft.com/office/powerpoint/2010/main" val="116196636"/>
+      </p:ext>
+    </p:extLst>
+  </p:cSld>
+  <p:clrMapOvr>
+    <a:masterClrMapping/>
+  </p:clrMapOvr>
+</p:sldLayout>
+</file>
+
+<file path=ppt/slideLayouts/slideLayout4.xml><?xml version="1.0" encoding="utf-8"?>
+<p:sldLayout xmlns:a="http://schemas.openxmlformats.org/drawingml/2006/main" xmlns:r="http://schemas.openxmlformats.org/officeDocument/2006/relationships" xmlns:p="http://schemas.openxmlformats.org/presentationml/2006/main" type="twoObj" preserve="1">
+  <p:cSld name="Two Content">
+    <p:spTree>
+      <p:nvGrpSpPr>
+        <p:cNvPr id="1" name=""/>
+        <p:cNvGrpSpPr/>
+        <p:nvPr/>
+      </p:nvGrpSpPr>
+      <p:grpSpPr>
+        <a:xfrm>
+          <a:off x="0" y="0"/>
+          <a:ext cx="0" cy="0"/>
+          <a:chOff x="0" y="0"/>
+          <a:chExt cx="0" cy="0"/>
+        </a:xfrm>
+      </p:grpSpPr>
+      <p:sp>
+        <p:nvSpPr>
+          <p:cNvPr id="2" name="Title 1"/>
+          <p:cNvSpPr>
+            <a:spLocks noGrp="1"/>
+          </p:cNvSpPr>
+          <p:nvPr>
+            <p:ph type="title"/>
+          </p:nvPr>
+        </p:nvSpPr>
+        <p:spPr/>
+        <p:txBody>
+          <a:bodyPr/>
+          <a:lstStyle/>
+          <a:p>
+            <a:r>
+              <a:rPr lang="en-US"/>
+              <a:t>Click to edit Master title style</a:t>
+            </a:r>
+          </a:p>
+        </p:txBody>
+      </p:sp>
+      <p:sp>
+        <p:nvSpPr>
+          <p:cNvPr id="3" name="Content Placeholder 2"/>
+          <p:cNvSpPr>
+            <a:spLocks noGrp="1"/>
+          </p:cNvSpPr>
+          <p:nvPr>
+            <p:ph sz="half" idx="1"/>
+          </p:nvPr>
+        </p:nvSpPr>
+        <p:spPr>
+          <a:xfrm>
+            <a:off x="457200" y="1200152"/>
+            <a:ext cx="4038600" cy="3394075"/>
+          </a:xfrm>
+        </p:spPr>
+        <p:txBody>
+          <a:bodyPr/>
+          <a:lstStyle>
+            <a:lvl1pPr>
+              <a:defRPr sz="2800"/>
+            </a:lvl1pPr>
+            <a:lvl2pPr>
+              <a:defRPr sz="2400"/>
+            </a:lvl2pPr>
+            <a:lvl3pPr>
+              <a:defRPr sz="2000"/>
+            </a:lvl3pPr>
+            <a:lvl4pPr>
+              <a:defRPr sz="1800"/>
+            </a:lvl4pPr>
+            <a:lvl5pPr>
+              <a:defRPr sz="1800"/>
+            </a:lvl5pPr>
+            <a:lvl6pPr>
+              <a:defRPr sz="1800"/>
+            </a:lvl6pPr>
+            <a:lvl7pPr>
+              <a:defRPr sz="1800"/>
+            </a:lvl7pPr>
+            <a:lvl8pPr>
+              <a:defRPr sz="1800"/>
+            </a:lvl8pPr>
+            <a:lvl9pPr>
+              <a:defRPr sz="1800"/>
+            </a:lvl9pPr>
+          </a:lstStyle>
+          <a:p>
+            <a:pPr lvl="0"/>
+            <a:r>
+              <a:rPr lang="en-US"/>
+              <a:t>Edit Master text styles</a:t>
+            </a:r>
+          </a:p>
+          <a:p>
+            <a:pPr lvl="1"/>
+            <a:r>
+              <a:rPr lang="en-US"/>
+              <a:t>Second level</a:t>
+            </a:r>
+          </a:p>
+          <a:p>
+            <a:pPr lvl="2"/>
+            <a:r>
+              <a:rPr lang="en-US"/>
+              <a:t>Third level</a:t>
+            </a:r>
+          </a:p>
+          <a:p>
+            <a:pPr lvl="3"/>
+            <a:r>
+              <a:rPr lang="en-US"/>
+              <a:t>Fourth level</a:t>
+            </a:r>
+          </a:p>
+          <a:p>
+            <a:pPr lvl="4"/>
+            <a:r>
+              <a:rPr lang="en-US"/>
+              <a:t>Fifth level</a:t>
+            </a:r>
+          </a:p>
+        </p:txBody>
+      </p:sp>
+      <p:sp>
+        <p:nvSpPr>
+          <p:cNvPr id="4" name="Content Placeholder 3"/>
+          <p:cNvSpPr>
+            <a:spLocks noGrp="1"/>
+          </p:cNvSpPr>
+          <p:nvPr>
+            <p:ph sz="half" idx="2"/>
+          </p:nvPr>
+        </p:nvSpPr>
+        <p:spPr>
+          <a:xfrm>
+            <a:off x="4648200" y="1200152"/>
+            <a:ext cx="4038600" cy="3394075"/>
+          </a:xfrm>
+        </p:spPr>
+        <p:txBody>
+          <a:bodyPr/>
+          <a:lstStyle>
+            <a:lvl1pPr>
+              <a:defRPr sz="2800"/>
+            </a:lvl1pPr>
+            <a:lvl2pPr>
+              <a:defRPr sz="2400"/>
+            </a:lvl2pPr>
+            <a:lvl3pPr>
+              <a:defRPr sz="2000"/>
+            </a:lvl3pPr>
+            <a:lvl4pPr>
+              <a:defRPr sz="1800"/>
+            </a:lvl4pPr>
+            <a:lvl5pPr>
+              <a:defRPr sz="1800"/>
+            </a:lvl5pPr>
+            <a:lvl6pPr>
+              <a:defRPr sz="1800"/>
+            </a:lvl6pPr>
+            <a:lvl7pPr>
+              <a:defRPr sz="1800"/>
+            </a:lvl7pPr>
+            <a:lvl8pPr>
+              <a:defRPr sz="1800"/>
+            </a:lvl8pPr>
+            <a:lvl9pPr>
+              <a:defRPr sz="1800"/>
+            </a:lvl9pPr>
+          </a:lstStyle>
+          <a:p>
+            <a:pPr lvl="0"/>
+            <a:r>
+              <a:rPr lang="en-US"/>
+              <a:t>Edit Master text styles</a:t>
+            </a:r>
+          </a:p>
+          <a:p>
+            <a:pPr lvl="1"/>
+            <a:r>
+              <a:rPr lang="en-US"/>
+              <a:t>Second level</a:t>
+            </a:r>
+          </a:p>
+          <a:p>
+            <a:pPr lvl="2"/>
+            <a:r>
+              <a:rPr lang="en-US"/>
+              <a:t>Third level</a:t>
+            </a:r>
+          </a:p>
+          <a:p>
+            <a:pPr lvl="3"/>
+            <a:r>
+              <a:rPr lang="en-US"/>
+              <a:t>Fourth level</a:t>
+            </a:r>
+          </a:p>
+          <a:p>
+            <a:pPr lvl="4"/>
+            <a:r>
+              <a:rPr lang="en-US"/>
+              <a:t>Fifth level</a:t>
+            </a:r>
+          </a:p>
+        </p:txBody>
+      </p:sp>
+      <p:sp>
+        <p:nvSpPr>
+          <p:cNvPr id="5" name="Date Placeholder 3"/>
+          <p:cNvSpPr>
+            <a:spLocks noGrp="1"/>
+          </p:cNvSpPr>
+          <p:nvPr>
+            <p:ph type="dt" sz="half" idx="10"/>
+          </p:nvPr>
+        </p:nvSpPr>
+        <p:spPr/>
+        <p:txBody>
+          <a:bodyPr/>
+          <a:lstStyle>
+            <a:lvl1pPr>
+              <a:defRPr/>
+            </a:lvl1pPr>
+          </a:lstStyle>
+          <a:p>
+            <a:pPr>
+              <a:defRPr/>
+            </a:pPr>
+            <a:fld id="{12886AD8-D031-4E57-A880-97BEE7625BF5}" type="datetimeFigureOut">
+              <a:rPr lang="en-US" smtClean="0"/>
+              <a:pPr>
+                <a:defRPr/>
+              </a:pPr>
+              <a:t>10/11/2017</a:t>
+            </a:fld>
+            <a:endParaRPr lang="en-US"/>
+          </a:p>
+        </p:txBody>
+      </p:sp>
+      <p:sp>
+        <p:nvSpPr>
+          <p:cNvPr id="6" name="Footer Placeholder 4"/>
+          <p:cNvSpPr>
+            <a:spLocks noGrp="1"/>
+          </p:cNvSpPr>
+          <p:nvPr>
+            <p:ph type="ftr" sz="quarter" idx="11"/>
+          </p:nvPr>
+        </p:nvSpPr>
+        <p:spPr/>
+        <p:txBody>
+          <a:bodyPr/>
+          <a:lstStyle>
+            <a:lvl1pPr>
+              <a:defRPr/>
+            </a:lvl1pPr>
+          </a:lstStyle>
+          <a:p>
+            <a:pPr>
+              <a:defRPr/>
+            </a:pPr>
+            <a:endParaRPr lang="en-US"/>
+          </a:p>
+        </p:txBody>
+      </p:sp>
+    </p:spTree>
+    <p:extLst>
+      <p:ext uri="{BB962C8B-B14F-4D97-AF65-F5344CB8AC3E}">
+        <p14:creationId xmlns:p14="http://schemas.microsoft.com/office/powerpoint/2010/main" val="773638315"/>
+      </p:ext>
+    </p:extLst>
+  </p:cSld>
+  <p:clrMapOvr>
+    <a:masterClrMapping/>
+  </p:clrMapOvr>
+</p:sldLayout>
+</file>
+
+<file path=ppt/slideLayouts/slideLayout5.xml><?xml version="1.0" encoding="utf-8"?>
+<p:sldLayout xmlns:a="http://schemas.openxmlformats.org/drawingml/2006/main" xmlns:r="http://schemas.openxmlformats.org/officeDocument/2006/relationships" xmlns:p="http://schemas.openxmlformats.org/presentationml/2006/main" type="twoTxTwoObj" preserve="1">
+  <p:cSld name="Comparison">
+    <p:spTree>
+      <p:nvGrpSpPr>
+        <p:cNvPr id="1" name=""/>
+        <p:cNvGrpSpPr/>
+        <p:nvPr/>
+      </p:nvGrpSpPr>
+      <p:grpSpPr>
+        <a:xfrm>
+          <a:off x="0" y="0"/>
+          <a:ext cx="0" cy="0"/>
+          <a:chOff x="0" y="0"/>
+          <a:chExt cx="0" cy="0"/>
+        </a:xfrm>
+      </p:grpSpPr>
+      <p:sp>
+        <p:nvSpPr>
+          <p:cNvPr id="2" name="Title 1"/>
+          <p:cNvSpPr>
+            <a:spLocks noGrp="1"/>
+          </p:cNvSpPr>
+          <p:nvPr>
+            <p:ph type="title"/>
+          </p:nvPr>
+        </p:nvSpPr>
+        <p:spPr>
+          <a:xfrm>
+            <a:off x="457200" y="274640"/>
+            <a:ext cx="8229600" cy="1143000"/>
+          </a:xfrm>
+        </p:spPr>
+        <p:txBody>
+          <a:bodyPr/>
+          <a:lstStyle>
+            <a:lvl1pPr>
+              <a:defRPr/>
+            </a:lvl1pPr>
+          </a:lstStyle>
+          <a:p>
+            <a:r>
+              <a:rPr lang="en-US"/>
+              <a:t>Click to edit Master title style</a:t>
+            </a:r>
+          </a:p>
+        </p:txBody>
+      </p:sp>
+      <p:sp>
+        <p:nvSpPr>
+          <p:cNvPr id="3" name="Text Placeholder 2"/>
+          <p:cNvSpPr>
+            <a:spLocks noGrp="1"/>
+          </p:cNvSpPr>
+          <p:nvPr>
+            <p:ph type="body" idx="1"/>
+          </p:nvPr>
+        </p:nvSpPr>
+        <p:spPr>
+          <a:xfrm>
+            <a:off x="457200" y="1535113"/>
+            <a:ext cx="4040188" cy="639763"/>
+          </a:xfrm>
+        </p:spPr>
+        <p:txBody>
+          <a:bodyPr anchor="b"/>
+          <a:lstStyle>
+            <a:lvl1pPr marL="0" indent="0">
+              <a:buNone/>
+              <a:defRPr sz="2400" b="1"/>
+            </a:lvl1pPr>
+            <a:lvl2pPr marL="457200" indent="0">
+              <a:buNone/>
+              <a:defRPr sz="2000" b="1"/>
+            </a:lvl2pPr>
+            <a:lvl3pPr marL="914400" indent="0">
+              <a:buNone/>
+              <a:defRPr sz="1800" b="1"/>
+            </a:lvl3pPr>
+            <a:lvl4pPr marL="1371600" indent="0">
+              <a:buNone/>
+              <a:defRPr sz="1600" b="1"/>
+            </a:lvl4pPr>
+            <a:lvl5pPr marL="1828800" indent="0">
+              <a:buNone/>
+              <a:defRPr sz="1600" b="1"/>
+            </a:lvl5pPr>
+            <a:lvl6pPr marL="2286000" indent="0">
+              <a:buNone/>
+              <a:defRPr sz="1600" b="1"/>
+            </a:lvl6pPr>
+            <a:lvl7pPr marL="2743200" indent="0">
+              <a:buNone/>
+              <a:defRPr sz="1600" b="1"/>
+            </a:lvl7pPr>
+            <a:lvl8pPr marL="3200400" indent="0">
+              <a:buNone/>
+              <a:defRPr sz="1600" b="1"/>
+            </a:lvl8pPr>
+            <a:lvl9pPr marL="3657600" indent="0">
+              <a:buNone/>
+              <a:defRPr sz="1600" b="1"/>
+            </a:lvl9pPr>
+          </a:lstStyle>
+          <a:p>
+            <a:pPr lvl="0"/>
+            <a:r>
+              <a:rPr lang="en-US"/>
+              <a:t>Edit Master text styles</a:t>
+            </a:r>
+          </a:p>
+        </p:txBody>
+      </p:sp>
+      <p:sp>
+        <p:nvSpPr>
+          <p:cNvPr id="4" name="Content Placeholder 3"/>
+          <p:cNvSpPr>
+            <a:spLocks noGrp="1"/>
+          </p:cNvSpPr>
+          <p:nvPr>
+            <p:ph sz="half" idx="2"/>
+          </p:nvPr>
+        </p:nvSpPr>
+        <p:spPr>
+          <a:xfrm>
+            <a:off x="457200" y="2174875"/>
+            <a:ext cx="4040188" cy="3951288"/>
+          </a:xfrm>
+        </p:spPr>
+        <p:txBody>
+          <a:bodyPr/>
+          <a:lstStyle>
+            <a:lvl1pPr>
+              <a:defRPr sz="2400"/>
+            </a:lvl1pPr>
+            <a:lvl2pPr>
+              <a:defRPr sz="2000"/>
+            </a:lvl2pPr>
+            <a:lvl3pPr>
+              <a:defRPr sz="1800"/>
+            </a:lvl3pPr>
+            <a:lvl4pPr>
+              <a:defRPr sz="1600"/>
+            </a:lvl4pPr>
+            <a:lvl5pPr>
+              <a:defRPr sz="1600"/>
+            </a:lvl5pPr>
+            <a:lvl6pPr>
+              <a:defRPr sz="1600"/>
+            </a:lvl6pPr>
+            <a:lvl7pPr>
+              <a:defRPr sz="1600"/>
+            </a:lvl7pPr>
+            <a:lvl8pPr>
+              <a:defRPr sz="1600"/>
+            </a:lvl8pPr>
+            <a:lvl9pPr>
+              <a:defRPr sz="1600"/>
+            </a:lvl9pPr>
+          </a:lstStyle>
+          <a:p>
+            <a:pPr lvl="0"/>
+            <a:r>
+              <a:rPr lang="en-US"/>
+              <a:t>Edit Master text styles</a:t>
+            </a:r>
+          </a:p>
+          <a:p>
+            <a:pPr lvl="1"/>
+            <a:r>
+              <a:rPr lang="en-US"/>
+              <a:t>Second level</a:t>
+            </a:r>
+          </a:p>
+          <a:p>
+            <a:pPr lvl="2"/>
+            <a:r>
+              <a:rPr lang="en-US"/>
+              <a:t>Third level</a:t>
+            </a:r>
+          </a:p>
+          <a:p>
+            <a:pPr lvl="3"/>
+            <a:r>
+              <a:rPr lang="en-US"/>
+              <a:t>Fourth level</a:t>
+            </a:r>
+          </a:p>
+          <a:p>
+            <a:pPr lvl="4"/>
+            <a:r>
+              <a:rPr lang="en-US"/>
+              <a:t>Fifth level</a:t>
+            </a:r>
+          </a:p>
+        </p:txBody>
+      </p:sp>
+      <p:sp>
+        <p:nvSpPr>
+          <p:cNvPr id="5" name="Text Placeholder 4"/>
+          <p:cNvSpPr>
+            <a:spLocks noGrp="1"/>
+          </p:cNvSpPr>
+          <p:nvPr>
+            <p:ph type="body" sz="quarter" idx="3"/>
+          </p:nvPr>
+        </p:nvSpPr>
+        <p:spPr>
+          <a:xfrm>
+            <a:off x="4645031" y="1535113"/>
+            <a:ext cx="4041775" cy="639763"/>
+          </a:xfrm>
+        </p:spPr>
+        <p:txBody>
+          <a:bodyPr anchor="b"/>
+          <a:lstStyle>
+            <a:lvl1pPr marL="0" indent="0">
+              <a:buNone/>
+              <a:defRPr sz="2400" b="1"/>
+            </a:lvl1pPr>
+            <a:lvl2pPr marL="457200" indent="0">
+              <a:buNone/>
+              <a:defRPr sz="2000" b="1"/>
+            </a:lvl2pPr>
+            <a:lvl3pPr marL="914400" indent="0">
+              <a:buNone/>
+              <a:defRPr sz="1800" b="1"/>
+            </a:lvl3pPr>
+            <a:lvl4pPr marL="1371600" indent="0">
+              <a:buNone/>
+              <a:defRPr sz="1600" b="1"/>
+            </a:lvl4pPr>
+            <a:lvl5pPr marL="1828800" indent="0">
+              <a:buNone/>
+              <a:defRPr sz="1600" b="1"/>
+            </a:lvl5pPr>
+            <a:lvl6pPr marL="2286000" indent="0">
+              <a:buNone/>
+              <a:defRPr sz="1600" b="1"/>
+            </a:lvl6pPr>
+            <a:lvl7pPr marL="2743200" indent="0">
+              <a:buNone/>
+              <a:defRPr sz="1600" b="1"/>
+            </a:lvl7pPr>
+            <a:lvl8pPr marL="3200400" indent="0">
+              <a:buNone/>
+              <a:defRPr sz="1600" b="1"/>
+            </a:lvl8pPr>
+            <a:lvl9pPr marL="3657600" indent="0">
+              <a:buNone/>
+              <a:defRPr sz="1600" b="1"/>
+            </a:lvl9pPr>
+          </a:lstStyle>
+          <a:p>
+            <a:pPr lvl="0"/>
+            <a:r>
+              <a:rPr lang="en-US"/>
+              <a:t>Edit Master text styles</a:t>
+            </a:r>
+          </a:p>
+        </p:txBody>
+      </p:sp>
+      <p:sp>
+        <p:nvSpPr>
+          <p:cNvPr id="6" name="Content Placeholder 5"/>
+          <p:cNvSpPr>
+            <a:spLocks noGrp="1"/>
+          </p:cNvSpPr>
+          <p:nvPr>
+            <p:ph sz="quarter" idx="4"/>
+          </p:nvPr>
+        </p:nvSpPr>
+        <p:spPr>
+          <a:xfrm>
+            <a:off x="4645031" y="2174875"/>
+            <a:ext cx="4041775" cy="3951288"/>
+          </a:xfrm>
+        </p:spPr>
+        <p:txBody>
+          <a:bodyPr/>
+          <a:lstStyle>
+            <a:lvl1pPr>
+              <a:defRPr sz="2400"/>
+            </a:lvl1pPr>
+            <a:lvl2pPr>
+              <a:defRPr sz="2000"/>
+            </a:lvl2pPr>
+            <a:lvl3pPr>
+              <a:defRPr sz="1800"/>
+            </a:lvl3pPr>
+            <a:lvl4pPr>
+              <a:defRPr sz="1600"/>
+            </a:lvl4pPr>
+            <a:lvl5pPr>
+              <a:defRPr sz="1600"/>
+            </a:lvl5pPr>
+            <a:lvl6pPr>
+              <a:defRPr sz="1600"/>
+            </a:lvl6pPr>
+            <a:lvl7pPr>
+              <a:defRPr sz="1600"/>
+            </a:lvl7pPr>
+            <a:lvl8pPr>
+              <a:defRPr sz="1600"/>
+            </a:lvl8pPr>
+            <a:lvl9pPr>
+              <a:defRPr sz="1600"/>
+            </a:lvl9pPr>
+          </a:lstStyle>
+          <a:p>
+            <a:pPr lvl="0"/>
+            <a:r>
+              <a:rPr lang="en-US"/>
+              <a:t>Edit Master text styles</a:t>
+            </a:r>
+          </a:p>
+          <a:p>
+            <a:pPr lvl="1"/>
+            <a:r>
+              <a:rPr lang="en-US"/>
+              <a:t>Second level</a:t>
+            </a:r>
+          </a:p>
+          <a:p>
+            <a:pPr lvl="2"/>
+            <a:r>
+              <a:rPr lang="en-US"/>
+              <a:t>Third level</a:t>
+            </a:r>
+          </a:p>
+          <a:p>
+            <a:pPr lvl="3"/>
+            <a:r>
+              <a:rPr lang="en-US"/>
+              <a:t>Fourth level</a:t>
+            </a:r>
+          </a:p>
+          <a:p>
+            <a:pPr lvl="4"/>
+            <a:r>
+              <a:rPr lang="en-US"/>
+              <a:t>Fifth level</a:t>
+            </a:r>
+          </a:p>
+        </p:txBody>
+      </p:sp>
+      <p:sp>
+        <p:nvSpPr>
+          <p:cNvPr id="7" name="Date Placeholder 3"/>
+          <p:cNvSpPr>
+            <a:spLocks noGrp="1"/>
+          </p:cNvSpPr>
+          <p:nvPr>
+            <p:ph type="dt" sz="half" idx="10"/>
+          </p:nvPr>
+        </p:nvSpPr>
+        <p:spPr/>
+        <p:txBody>
+          <a:bodyPr/>
+          <a:lstStyle>
+            <a:lvl1pPr>
+              <a:defRPr/>
+            </a:lvl1pPr>
+          </a:lstStyle>
+          <a:p>
+            <a:pPr>
+              <a:defRPr/>
+            </a:pPr>
+            <a:fld id="{1F146D33-8E80-4809-BCCA-EEFDCA7877C6}" type="datetimeFigureOut">
+              <a:rPr lang="en-US" smtClean="0"/>
+              <a:pPr>
+                <a:defRPr/>
+              </a:pPr>
+              <a:t>10/11/2017</a:t>
+            </a:fld>
+            <a:endParaRPr lang="en-US"/>
+          </a:p>
+        </p:txBody>
+      </p:sp>
+      <p:sp>
+        <p:nvSpPr>
+          <p:cNvPr id="8" name="Footer Placeholder 4"/>
+          <p:cNvSpPr>
+            <a:spLocks noGrp="1"/>
+          </p:cNvSpPr>
+          <p:nvPr>
+            <p:ph type="ftr" sz="quarter" idx="11"/>
+          </p:nvPr>
+        </p:nvSpPr>
+        <p:spPr/>
+        <p:txBody>
+          <a:bodyPr/>
+          <a:lstStyle>
+            <a:lvl1pPr>
+              <a:defRPr/>
+            </a:lvl1pPr>
+          </a:lstStyle>
+          <a:p>
+            <a:pPr>
+              <a:defRPr/>
+            </a:pPr>
+            <a:endParaRPr lang="en-US"/>
+          </a:p>
+        </p:txBody>
+      </p:sp>
+    </p:spTree>
+    <p:extLst>
+      <p:ext uri="{BB962C8B-B14F-4D97-AF65-F5344CB8AC3E}">
+        <p14:creationId xmlns:p14="http://schemas.microsoft.com/office/powerpoint/2010/main" val="3765105790"/>
+      </p:ext>
+    </p:extLst>
+  </p:cSld>
+  <p:clrMapOvr>
+    <a:masterClrMapping/>
+  </p:clrMapOvr>
+</p:sldLayout>
+</file>
+
+<file path=ppt/slideLayouts/slideLayout6.xml><?xml version="1.0" encoding="utf-8"?>
+<p:sldLayout xmlns:a="http://schemas.openxmlformats.org/drawingml/2006/main" xmlns:r="http://schemas.openxmlformats.org/officeDocument/2006/relationships" xmlns:p="http://schemas.openxmlformats.org/presentationml/2006/main" type="titleOnly" preserve="1">
+  <p:cSld name="Title Only">
+    <p:spTree>
+      <p:nvGrpSpPr>
+        <p:cNvPr id="1" name=""/>
+        <p:cNvGrpSpPr/>
+        <p:nvPr/>
+      </p:nvGrpSpPr>
+      <p:grpSpPr>
+        <a:xfrm>
+          <a:off x="0" y="0"/>
+          <a:ext cx="0" cy="0"/>
+          <a:chOff x="0" y="0"/>
+          <a:chExt cx="0" cy="0"/>
+        </a:xfrm>
+      </p:grpSpPr>
+      <p:sp>
+        <p:nvSpPr>
+          <p:cNvPr id="2" name="Title 1"/>
+          <p:cNvSpPr>
+            <a:spLocks noGrp="1"/>
+          </p:cNvSpPr>
+          <p:nvPr>
+            <p:ph type="title"/>
+          </p:nvPr>
+        </p:nvSpPr>
+        <p:spPr/>
+        <p:txBody>
+          <a:bodyPr/>
+          <a:lstStyle/>
+          <a:p>
+            <a:r>
+              <a:rPr lang="en-US"/>
+              <a:t>Click to edit Master title style</a:t>
+            </a:r>
+          </a:p>
+        </p:txBody>
+      </p:sp>
+      <p:sp>
+        <p:nvSpPr>
+          <p:cNvPr id="3" name="Date Placeholder 3"/>
+          <p:cNvSpPr>
+            <a:spLocks noGrp="1"/>
+          </p:cNvSpPr>
+          <p:nvPr>
+            <p:ph type="dt" sz="half" idx="10"/>
+          </p:nvPr>
+        </p:nvSpPr>
+        <p:spPr/>
+        <p:txBody>
+          <a:bodyPr/>
+          <a:lstStyle>
+            <a:lvl1pPr>
+              <a:defRPr/>
+            </a:lvl1pPr>
+          </a:lstStyle>
+          <a:p>
+            <a:pPr>
+              <a:defRPr/>
+            </a:pPr>
+            <a:fld id="{3475E31E-3DDB-4319-BC51-F5022B7F3C8D}" type="datetimeFigureOut">
+              <a:rPr lang="en-US" smtClean="0"/>
+              <a:pPr>
+                <a:defRPr/>
+              </a:pPr>
+              <a:t>10/11/2017</a:t>
+            </a:fld>
+            <a:endParaRPr lang="en-US"/>
+          </a:p>
+        </p:txBody>
+      </p:sp>
+      <p:sp>
+        <p:nvSpPr>
+          <p:cNvPr id="4" name="Footer Placeholder 4"/>
+          <p:cNvSpPr>
+            <a:spLocks noGrp="1"/>
+          </p:cNvSpPr>
+          <p:nvPr>
+            <p:ph type="ftr" sz="quarter" idx="11"/>
+          </p:nvPr>
+        </p:nvSpPr>
+        <p:spPr/>
+        <p:txBody>
+          <a:bodyPr/>
+          <a:lstStyle>
+            <a:lvl1pPr>
+              <a:defRPr/>
+            </a:lvl1pPr>
+          </a:lstStyle>
+          <a:p>
+            <a:pPr>
+              <a:defRPr/>
+            </a:pPr>
+            <a:endParaRPr lang="en-US"/>
+          </a:p>
+        </p:txBody>
+      </p:sp>
+    </p:spTree>
+    <p:extLst>
+      <p:ext uri="{BB962C8B-B14F-4D97-AF65-F5344CB8AC3E}">
+        <p14:creationId xmlns:p14="http://schemas.microsoft.com/office/powerpoint/2010/main" val="3658641878"/>
+      </p:ext>
+    </p:extLst>
+  </p:cSld>
+  <p:clrMapOvr>
+    <a:masterClrMapping/>
+  </p:clrMapOvr>
+</p:sldLayout>
+</file>
+
+<file path=ppt/slideLayouts/slideLayout7.xml><?xml version="1.0" encoding="utf-8"?>
+<p:sldLayout xmlns:a="http://schemas.openxmlformats.org/drawingml/2006/main" xmlns:r="http://schemas.openxmlformats.org/officeDocument/2006/relationships" xmlns:p="http://schemas.openxmlformats.org/presentationml/2006/main" type="blank" preserve="1">
+  <p:cSld name="Blank">
+    <p:spTree>
+      <p:nvGrpSpPr>
+        <p:cNvPr id="1" name=""/>
+        <p:cNvGrpSpPr/>
+        <p:nvPr/>
+      </p:nvGrpSpPr>
+      <p:grpSpPr>
+        <a:xfrm>
+          <a:off x="0" y="0"/>
+          <a:ext cx="0" cy="0"/>
+          <a:chOff x="0" y="0"/>
+          <a:chExt cx="0" cy="0"/>
+        </a:xfrm>
+      </p:grpSpPr>
+      <p:sp>
+        <p:nvSpPr>
+          <p:cNvPr id="2" name="Date Placeholder 3"/>
+          <p:cNvSpPr>
+            <a:spLocks noGrp="1"/>
+          </p:cNvSpPr>
+          <p:nvPr>
+            <p:ph type="dt" sz="half" idx="10"/>
+          </p:nvPr>
+        </p:nvSpPr>
+        <p:spPr/>
+        <p:txBody>
+          <a:bodyPr/>
+          <a:lstStyle>
+            <a:lvl1pPr>
+              <a:defRPr/>
+            </a:lvl1pPr>
+          </a:lstStyle>
+          <a:p>
+            <a:pPr>
+              <a:defRPr/>
+            </a:pPr>
+            <a:fld id="{176638B8-B788-4682-A596-85CF4ED65A7B}" type="datetimeFigureOut">
+              <a:rPr lang="en-US" smtClean="0"/>
+              <a:pPr>
+                <a:defRPr/>
+              </a:pPr>
+              <a:t>10/11/2017</a:t>
+            </a:fld>
+            <a:endParaRPr lang="en-US"/>
+          </a:p>
+        </p:txBody>
+      </p:sp>
+      <p:sp>
+        <p:nvSpPr>
+          <p:cNvPr id="3" name="Footer Placeholder 4"/>
+          <p:cNvSpPr>
+            <a:spLocks noGrp="1"/>
+          </p:cNvSpPr>
+          <p:nvPr>
+            <p:ph type="ftr" sz="quarter" idx="11"/>
+          </p:nvPr>
+        </p:nvSpPr>
+        <p:spPr/>
+        <p:txBody>
+          <a:bodyPr/>
+          <a:lstStyle>
+            <a:lvl1pPr>
+              <a:defRPr/>
+            </a:lvl1pPr>
+          </a:lstStyle>
+          <a:p>
+            <a:pPr>
+              <a:defRPr/>
+            </a:pPr>
+            <a:endParaRPr lang="en-US"/>
+          </a:p>
+        </p:txBody>
+      </p:sp>
+    </p:spTree>
+    <p:extLst>
+      <p:ext uri="{BB962C8B-B14F-4D97-AF65-F5344CB8AC3E}">
+        <p14:creationId xmlns:p14="http://schemas.microsoft.com/office/powerpoint/2010/main" val="2930274853"/>
+      </p:ext>
+    </p:extLst>
+  </p:cSld>
+  <p:clrMapOvr>
+    <a:masterClrMapping/>
+  </p:clrMapOvr>
+</p:sldLayout>
+</file>
+
+<file path=ppt/slideLayouts/slideLayout8.xml><?xml version="1.0" encoding="utf-8"?>
+<p:sldLayout xmlns:a="http://schemas.openxmlformats.org/drawingml/2006/main" xmlns:r="http://schemas.openxmlformats.org/officeDocument/2006/relationships" xmlns:p="http://schemas.openxmlformats.org/presentationml/2006/main" type="objTx" preserve="1">
+  <p:cSld name="Content with Caption">
+    <p:spTree>
+      <p:nvGrpSpPr>
+        <p:cNvPr id="1" name=""/>
+        <p:cNvGrpSpPr/>
+        <p:nvPr/>
+      </p:nvGrpSpPr>
+      <p:grpSpPr>
+        <a:xfrm>
+          <a:off x="0" y="0"/>
+          <a:ext cx="0" cy="0"/>
+          <a:chOff x="0" y="0"/>
+          <a:chExt cx="0" cy="0"/>
+        </a:xfrm>
+      </p:grpSpPr>
+      <p:sp>
+        <p:nvSpPr>
+          <p:cNvPr id="2" name="Title 1"/>
+          <p:cNvSpPr>
+            <a:spLocks noGrp="1"/>
+          </p:cNvSpPr>
+          <p:nvPr>
+            <p:ph type="title"/>
+          </p:nvPr>
+        </p:nvSpPr>
+        <p:spPr>
+          <a:xfrm>
+            <a:off x="457206" y="273052"/>
+            <a:ext cx="3008313" cy="1162051"/>
+          </a:xfrm>
+        </p:spPr>
+        <p:txBody>
+          <a:bodyPr anchor="b"/>
+          <a:lstStyle>
+            <a:lvl1pPr algn="l">
+              <a:defRPr sz="2000" b="1"/>
+            </a:lvl1pPr>
+          </a:lstStyle>
+          <a:p>
+            <a:r>
+              <a:rPr lang="en-US"/>
+              <a:t>Click to edit Master title style</a:t>
+            </a:r>
+          </a:p>
+        </p:txBody>
+      </p:sp>
+      <p:sp>
+        <p:nvSpPr>
+          <p:cNvPr id="3" name="Content Placeholder 2"/>
+          <p:cNvSpPr>
+            <a:spLocks noGrp="1"/>
+          </p:cNvSpPr>
+          <p:nvPr>
+            <p:ph idx="1"/>
+          </p:nvPr>
+        </p:nvSpPr>
+        <p:spPr>
+          <a:xfrm>
+            <a:off x="3575050" y="273053"/>
+            <a:ext cx="5111750" cy="5853113"/>
+          </a:xfrm>
+        </p:spPr>
+        <p:txBody>
+          <a:bodyPr/>
+          <a:lstStyle>
+            <a:lvl1pPr>
+              <a:defRPr sz="3200"/>
+            </a:lvl1pPr>
+            <a:lvl2pPr>
+              <a:defRPr sz="2800"/>
+            </a:lvl2pPr>
+            <a:lvl3pPr>
+              <a:defRPr sz="2400"/>
+            </a:lvl3pPr>
+            <a:lvl4pPr>
+              <a:defRPr sz="2000"/>
+            </a:lvl4pPr>
+            <a:lvl5pPr>
+              <a:defRPr sz="2000"/>
+            </a:lvl5pPr>
+            <a:lvl6pPr>
+              <a:defRPr sz="2000"/>
+            </a:lvl6pPr>
+            <a:lvl7pPr>
+              <a:defRPr sz="2000"/>
+            </a:lvl7pPr>
+            <a:lvl8pPr>
+              <a:defRPr sz="2000"/>
+            </a:lvl8pPr>
+            <a:lvl9pPr>
+              <a:defRPr sz="2000"/>
+            </a:lvl9pPr>
+          </a:lstStyle>
+          <a:p>
+            <a:pPr lvl="0"/>
+            <a:r>
+              <a:rPr lang="en-US"/>
+              <a:t>Edit Master text styles</a:t>
+            </a:r>
+          </a:p>
+          <a:p>
+            <a:pPr lvl="1"/>
+            <a:r>
+              <a:rPr lang="en-US"/>
+              <a:t>Second level</a:t>
+            </a:r>
+          </a:p>
+          <a:p>
+            <a:pPr lvl="2"/>
+            <a:r>
+              <a:rPr lang="en-US"/>
+              <a:t>Third level</a:t>
+            </a:r>
+          </a:p>
+          <a:p>
+            <a:pPr lvl="3"/>
+            <a:r>
+              <a:rPr lang="en-US"/>
+              <a:t>Fourth level</a:t>
+            </a:r>
+          </a:p>
+          <a:p>
+            <a:pPr lvl="4"/>
+            <a:r>
+              <a:rPr lang="en-US"/>
+              <a:t>Fifth level</a:t>
+            </a:r>
+          </a:p>
+        </p:txBody>
+      </p:sp>
+      <p:sp>
+        <p:nvSpPr>
+          <p:cNvPr id="4" name="Text Placeholder 3"/>
+          <p:cNvSpPr>
+            <a:spLocks noGrp="1"/>
+          </p:cNvSpPr>
+          <p:nvPr>
+            <p:ph type="body" sz="half" idx="2"/>
+          </p:nvPr>
+        </p:nvSpPr>
+        <p:spPr>
+          <a:xfrm>
+            <a:off x="457206" y="1435104"/>
+            <a:ext cx="3008313" cy="4691063"/>
+          </a:xfrm>
+        </p:spPr>
+        <p:txBody>
+          <a:bodyPr/>
+          <a:lstStyle>
+            <a:lvl1pPr marL="0" indent="0">
+              <a:buNone/>
+              <a:defRPr sz="1400"/>
+            </a:lvl1pPr>
+            <a:lvl2pPr marL="457200" indent="0">
+              <a:buNone/>
+              <a:defRPr sz="1200"/>
+            </a:lvl2pPr>
+            <a:lvl3pPr marL="914400" indent="0">
+              <a:buNone/>
+              <a:defRPr sz="1000"/>
+            </a:lvl3pPr>
+            <a:lvl4pPr marL="1371600" indent="0">
+              <a:buNone/>
+              <a:defRPr sz="900"/>
+            </a:lvl4pPr>
+            <a:lvl5pPr marL="1828800" indent="0">
+              <a:buNone/>
+              <a:defRPr sz="900"/>
+            </a:lvl5pPr>
+            <a:lvl6pPr marL="2286000" indent="0">
+              <a:buNone/>
+              <a:defRPr sz="900"/>
+            </a:lvl6pPr>
+            <a:lvl7pPr marL="2743200" indent="0">
+              <a:buNone/>
+              <a:defRPr sz="900"/>
+            </a:lvl7pPr>
+            <a:lvl8pPr marL="3200400" indent="0">
+              <a:buNone/>
+              <a:defRPr sz="900"/>
+            </a:lvl8pPr>
+            <a:lvl9pPr marL="3657600" indent="0">
+              <a:buNone/>
+              <a:defRPr sz="900"/>
+            </a:lvl9pPr>
+          </a:lstStyle>
+          <a:p>
+            <a:pPr lvl="0"/>
+            <a:r>
+              <a:rPr lang="en-US"/>
+              <a:t>Edit Master text styles</a:t>
+            </a:r>
+          </a:p>
+        </p:txBody>
+      </p:sp>
+      <p:sp>
+        <p:nvSpPr>
+          <p:cNvPr id="5" name="Date Placeholder 3"/>
+          <p:cNvSpPr>
+            <a:spLocks noGrp="1"/>
+          </p:cNvSpPr>
+          <p:nvPr>
+            <p:ph type="dt" sz="half" idx="10"/>
+          </p:nvPr>
+        </p:nvSpPr>
+        <p:spPr/>
+        <p:txBody>
+          <a:bodyPr/>
+          <a:lstStyle>
+            <a:lvl1pPr>
+              <a:defRPr/>
+            </a:lvl1pPr>
+          </a:lstStyle>
+          <a:p>
+            <a:pPr>
+              <a:defRPr/>
+            </a:pPr>
+            <a:fld id="{5A9C0D6F-86BC-4F0A-A9FD-A71A70874F57}" type="datetimeFigureOut">
+              <a:rPr lang="en-US" smtClean="0"/>
+              <a:pPr>
+                <a:defRPr/>
+              </a:pPr>
+              <a:t>10/11/2017</a:t>
+            </a:fld>
+            <a:endParaRPr lang="en-US"/>
+          </a:p>
+        </p:txBody>
+      </p:sp>
+      <p:sp>
+        <p:nvSpPr>
+          <p:cNvPr id="6" name="Footer Placeholder 4"/>
+          <p:cNvSpPr>
+            <a:spLocks noGrp="1"/>
+          </p:cNvSpPr>
+          <p:nvPr>
+            <p:ph type="ftr" sz="quarter" idx="11"/>
+          </p:nvPr>
+        </p:nvSpPr>
+        <p:spPr/>
+        <p:txBody>
+          <a:bodyPr/>
+          <a:lstStyle>
+            <a:lvl1pPr>
+              <a:defRPr/>
+            </a:lvl1pPr>
+          </a:lstStyle>
+          <a:p>
+            <a:pPr>
+              <a:defRPr/>
+            </a:pPr>
+            <a:endParaRPr lang="en-US"/>
+          </a:p>
+        </p:txBody>
+      </p:sp>
+    </p:spTree>
+    <p:extLst>
+      <p:ext uri="{BB962C8B-B14F-4D97-AF65-F5344CB8AC3E}">
+        <p14:creationId xmlns:p14="http://schemas.microsoft.com/office/powerpoint/2010/main" val="1082432668"/>
+      </p:ext>
+    </p:extLst>
   </p:cSld>
   <p:clrMapOvr>
     <a:masterClrMapping/>
@@ -3925,8 +6627,8 @@
         </p:nvSpPr>
         <p:spPr>
           <a:xfrm>
-            <a:off x="1792288" y="4800600"/>
-            <a:ext cx="5486400" cy="566738"/>
+            <a:off x="1792288" y="4800601"/>
+            <a:ext cx="5486400" cy="566739"/>
           </a:xfrm>
         </p:spPr>
         <p:txBody>
@@ -3961,7 +6663,9 @@
           </a:xfrm>
         </p:spPr>
         <p:txBody>
-          <a:bodyPr/>
+          <a:bodyPr rtlCol="0">
+            <a:normAutofit/>
+          </a:bodyPr>
           <a:lstStyle>
             <a:lvl1pPr marL="0" indent="0">
               <a:buNone/>
@@ -4001,7 +6705,11 @@
             </a:lvl9pPr>
           </a:lstStyle>
           <a:p>
-            <a:endParaRPr lang="en-US"/>
+            <a:pPr lvl="0"/>
+            <a:r>
+              <a:rPr lang="en-US" noProof="0"/>
+              <a:t>Click icon to add picture</a:t>
+            </a:r>
           </a:p>
         </p:txBody>
       </p:sp>
@@ -4017,8 +6725,8 @@
         </p:nvSpPr>
         <p:spPr>
           <a:xfrm>
-            <a:off x="1792288" y="5367338"/>
-            <a:ext cx="5486400" cy="804862"/>
+            <a:off x="1792288" y="5367341"/>
+            <a:ext cx="5486400" cy="804863"/>
           </a:xfrm>
         </p:spPr>
         <p:txBody>
@@ -4065,14 +6773,14 @@
             <a:pPr lvl="0"/>
             <a:r>
               <a:rPr lang="en-US"/>
-              <a:t>Click to edit Master text styles</a:t>
-            </a:r>
-          </a:p>
-        </p:txBody>
-      </p:sp>
-      <p:sp>
-        <p:nvSpPr>
-          <p:cNvPr id="5" name="Date Placeholder 4"/>
+              <a:t>Edit Master text styles</a:t>
+            </a:r>
+          </a:p>
+        </p:txBody>
+      </p:sp>
+      <p:sp>
+        <p:nvSpPr>
+          <p:cNvPr id="5" name="Date Placeholder 3"/>
           <p:cNvSpPr>
             <a:spLocks noGrp="1"/>
           </p:cNvSpPr>
@@ -4083,12 +6791,21 @@
         <p:spPr/>
         <p:txBody>
           <a:bodyPr/>
-          <a:lstStyle/>
-          <a:p>
-            <a:fld id="{1D8BD707-D9CF-40AE-B4C6-C98DA3205C09}" type="datetimeFigureOut">
+          <a:lstStyle>
+            <a:lvl1pPr>
+              <a:defRPr/>
+            </a:lvl1pPr>
+          </a:lstStyle>
+          <a:p>
+            <a:pPr>
+              <a:defRPr/>
+            </a:pPr>
+            <a:fld id="{9A62623F-4765-4759-9A73-D8655DC8D973}" type="datetimeFigureOut">
               <a:rPr lang="en-US" smtClean="0"/>
-              <a:pPr/>
-              <a:t>7/22/2017</a:t>
+              <a:pPr>
+                <a:defRPr/>
+              </a:pPr>
+              <a:t>10/11/2017</a:t>
             </a:fld>
             <a:endParaRPr lang="en-US"/>
           </a:p>
@@ -4096,7 +6813,7 @@
       </p:sp>
       <p:sp>
         <p:nvSpPr>
-          <p:cNvPr id="6" name="Footer Placeholder 5"/>
+          <p:cNvPr id="6" name="Footer Placeholder 4"/>
           <p:cNvSpPr>
             <a:spLocks noGrp="1"/>
           </p:cNvSpPr>
@@ -4107,37 +6824,25 @@
         <p:spPr/>
         <p:txBody>
           <a:bodyPr/>
-          <a:lstStyle/>
-          <a:p>
+          <a:lstStyle>
+            <a:lvl1pPr>
+              <a:defRPr/>
+            </a:lvl1pPr>
+          </a:lstStyle>
+          <a:p>
+            <a:pPr>
+              <a:defRPr/>
+            </a:pPr>
             <a:endParaRPr lang="en-US"/>
           </a:p>
         </p:txBody>
       </p:sp>
-      <p:sp>
-        <p:nvSpPr>
-          <p:cNvPr id="7" name="Slide Number Placeholder 6"/>
-          <p:cNvSpPr>
-            <a:spLocks noGrp="1"/>
-          </p:cNvSpPr>
-          <p:nvPr>
-            <p:ph type="sldNum" sz="quarter" idx="12"/>
-          </p:nvPr>
-        </p:nvSpPr>
-        <p:spPr/>
-        <p:txBody>
-          <a:bodyPr/>
-          <a:lstStyle/>
-          <a:p>
-            <a:fld id="{B6F15528-21DE-4FAA-801E-634DDDAF4B2B}" type="slidenum">
-              <a:rPr lang="en-US" smtClean="0"/>
-              <a:pPr/>
-              <a:t>‹#›</a:t>
-            </a:fld>
-            <a:endParaRPr lang="en-US"/>
-          </a:p>
-        </p:txBody>
-      </p:sp>
     </p:spTree>
+    <p:extLst>
+      <p:ext uri="{BB962C8B-B14F-4D97-AF65-F5344CB8AC3E}">
+        <p14:creationId xmlns:p14="http://schemas.microsoft.com/office/powerpoint/2010/main" val="1355903211"/>
+      </p:ext>
+    </p:extLst>
   </p:cSld>
   <p:clrMapOvr>
     <a:masterClrMapping/>
@@ -4149,9 +6854,18 @@
 <p:sldMaster xmlns:a="http://schemas.openxmlformats.org/drawingml/2006/main" xmlns:r="http://schemas.openxmlformats.org/officeDocument/2006/relationships" xmlns:p="http://schemas.openxmlformats.org/presentationml/2006/main">
   <p:cSld>
     <p:bg>
-      <p:bgRef idx="1001">
-        <a:schemeClr val="bg1"/>
-      </p:bgRef>
+      <p:bgPr>
+        <a:blipFill dpi="0" rotWithShape="0">
+          <a:blip r:embed="rId14">
+            <a:lum/>
+          </a:blip>
+          <a:srcRect/>
+          <a:stretch>
+            <a:fillRect/>
+          </a:stretch>
+        </a:blipFill>
+        <a:effectLst/>
+      </p:bgPr>
     </p:bg>
     <p:spTree>
       <p:nvGrpSpPr>
@@ -4169,7 +6883,7 @@
       </p:grpSpPr>
       <p:sp>
         <p:nvSpPr>
-          <p:cNvPr id="2" name="Title Placeholder 1"/>
+          <p:cNvPr id="1026" name="Title Placeholder 1"/>
           <p:cNvSpPr>
             <a:spLocks noGrp="1"/>
           </p:cNvSpPr>
@@ -4177,31 +6891,42 @@
             <p:ph type="title"/>
           </p:nvPr>
         </p:nvSpPr>
-        <p:spPr>
+        <p:spPr bwMode="auto">
           <a:xfrm>
-            <a:off x="457200" y="274638"/>
+            <a:off x="457200" y="274639"/>
             <a:ext cx="8229600" cy="1143000"/>
           </a:xfrm>
           <a:prstGeom prst="rect">
             <a:avLst/>
           </a:prstGeom>
+          <a:noFill/>
+          <a:ln w="9525">
+            <a:noFill/>
+            <a:miter lim="800000"/>
+            <a:headEnd/>
+            <a:tailEnd/>
+          </a:ln>
         </p:spPr>
         <p:txBody>
-          <a:bodyPr vert="horz" lIns="91440" tIns="45720" rIns="91440" bIns="45720" rtlCol="0" anchor="ctr">
-            <a:normAutofit/>
+          <a:bodyPr vert="horz" wrap="square" lIns="91440" tIns="45720" rIns="91440" bIns="45720" numCol="1" anchor="ctr" anchorCtr="0" compatLnSpc="1">
+            <a:prstTxWarp prst="textNoShape">
+              <a:avLst/>
+            </a:prstTxWarp>
           </a:bodyPr>
           <a:lstStyle/>
           <a:p>
+            <a:pPr lvl="0"/>
             <a:r>
               <a:rPr lang="en-US"/>
               <a:t>Click to edit Master title style</a:t>
             </a:r>
-          </a:p>
-        </p:txBody>
-      </p:sp>
-      <p:sp>
-        <p:nvSpPr>
-          <p:cNvPr id="3" name="Text Placeholder 2"/>
+            <a:endParaRPr lang="en-US" dirty="0"/>
+          </a:p>
+        </p:txBody>
+      </p:sp>
+      <p:sp>
+        <p:nvSpPr>
+          <p:cNvPr id="1027" name="Text Placeholder 2"/>
           <p:cNvSpPr>
             <a:spLocks noGrp="1"/>
           </p:cNvSpPr>
@@ -4209,25 +6934,34 @@
             <p:ph type="body" idx="1"/>
           </p:nvPr>
         </p:nvSpPr>
-        <p:spPr>
+        <p:spPr bwMode="auto">
           <a:xfrm>
-            <a:off x="457200" y="1600200"/>
+            <a:off x="457200" y="1600201"/>
             <a:ext cx="8229600" cy="4525963"/>
           </a:xfrm>
           <a:prstGeom prst="rect">
             <a:avLst/>
           </a:prstGeom>
+          <a:noFill/>
+          <a:ln w="9525">
+            <a:noFill/>
+            <a:miter lim="800000"/>
+            <a:headEnd/>
+            <a:tailEnd/>
+          </a:ln>
         </p:spPr>
         <p:txBody>
-          <a:bodyPr vert="horz" lIns="91440" tIns="45720" rIns="91440" bIns="45720" rtlCol="0">
-            <a:normAutofit/>
+          <a:bodyPr vert="horz" wrap="square" lIns="91440" tIns="45720" rIns="91440" bIns="45720" numCol="1" anchor="t" anchorCtr="0" compatLnSpc="1">
+            <a:prstTxWarp prst="textNoShape">
+              <a:avLst/>
+            </a:prstTxWarp>
           </a:bodyPr>
           <a:lstStyle/>
           <a:p>
             <a:pPr lvl="0"/>
             <a:r>
               <a:rPr lang="en-US"/>
-              <a:t>Click to edit Master text styles</a:t>
+              <a:t>Edit Master text styles</a:t>
             </a:r>
           </a:p>
           <a:p>
@@ -4257,6 +6991,7 @@
               <a:rPr lang="en-US"/>
               <a:t>Fifth level</a:t>
             </a:r>
+            <a:endParaRPr lang="en-US" dirty="0"/>
           </a:p>
         </p:txBody>
       </p:sp>
@@ -4272,7 +7007,7 @@
         </p:nvSpPr>
         <p:spPr>
           <a:xfrm>
-            <a:off x="457200" y="6356350"/>
+            <a:off x="457200" y="6356351"/>
             <a:ext cx="2133600" cy="365125"/>
           </a:xfrm>
           <a:prstGeom prst="rect">
@@ -4282,146 +7017,443 @@
         <p:txBody>
           <a:bodyPr vert="horz" lIns="91440" tIns="45720" rIns="91440" bIns="45720" rtlCol="0" anchor="ctr"/>
           <a:lstStyle>
-            <a:lvl1pPr algn="l">
+            <a:lvl1pPr algn="l" fontAlgn="auto">
+              <a:spcBef>
+                <a:spcPts val="0"/>
+              </a:spcBef>
+              <a:spcAft>
+                <a:spcPts val="0"/>
+              </a:spcAft>
+              <a:defRPr sz="1200" smtClean="0">
+                <a:solidFill>
+                  <a:schemeClr val="tx1">
+                    <a:tint val="75000"/>
+                  </a:schemeClr>
+                </a:solidFill>
+                <a:latin typeface="+mn-lt"/>
+                <a:ea typeface="+mn-ea"/>
+                <a:cs typeface="+mn-cs"/>
+              </a:defRPr>
+            </a:lvl1pPr>
+          </a:lstStyle>
+          <a:p>
+            <a:pPr>
+              <a:defRPr/>
+            </a:pPr>
+            <a:fld id="{AADEF755-0B60-4A3E-9C6A-4CADF1C89A5E}" type="datetimeFigureOut">
+              <a:rPr lang="en-US" smtClean="0"/>
+              <a:pPr>
+                <a:defRPr/>
+              </a:pPr>
+              <a:t>10/11/2017</a:t>
+            </a:fld>
+            <a:endParaRPr lang="en-US"/>
+          </a:p>
+        </p:txBody>
+      </p:sp>
+      <p:sp>
+        <p:nvSpPr>
+          <p:cNvPr id="5" name="Footer Placeholder 4"/>
+          <p:cNvSpPr>
+            <a:spLocks noGrp="1"/>
+          </p:cNvSpPr>
+          <p:nvPr>
+            <p:ph type="ftr" sz="quarter" idx="3"/>
+          </p:nvPr>
+        </p:nvSpPr>
+        <p:spPr>
+          <a:xfrm>
+            <a:off x="3124200" y="6356351"/>
+            <a:ext cx="2895600" cy="365125"/>
+          </a:xfrm>
+          <a:prstGeom prst="rect">
+            <a:avLst/>
+          </a:prstGeom>
+        </p:spPr>
+        <p:txBody>
+          <a:bodyPr vert="horz" lIns="91440" tIns="45720" rIns="91440" bIns="45720" rtlCol="0" anchor="ctr"/>
+          <a:lstStyle>
+            <a:lvl1pPr algn="ctr" fontAlgn="auto">
+              <a:spcBef>
+                <a:spcPts val="0"/>
+              </a:spcBef>
+              <a:spcAft>
+                <a:spcPts val="0"/>
+              </a:spcAft>
               <a:defRPr sz="1200">
                 <a:solidFill>
                   <a:schemeClr val="tx1">
                     <a:tint val="75000"/>
                   </a:schemeClr>
                 </a:solidFill>
+                <a:latin typeface="+mn-lt"/>
+                <a:ea typeface="+mn-ea"/>
+                <a:cs typeface="+mn-cs"/>
               </a:defRPr>
             </a:lvl1pPr>
           </a:lstStyle>
           <a:p>
-            <a:fld id="{1D8BD707-D9CF-40AE-B4C6-C98DA3205C09}" type="datetimeFigureOut">
-              <a:rPr lang="en-US" smtClean="0"/>
-              <a:pPr/>
-              <a:t>7/22/2017</a:t>
-            </a:fld>
+            <a:pPr>
+              <a:defRPr/>
+            </a:pPr>
             <a:endParaRPr lang="en-US"/>
           </a:p>
         </p:txBody>
       </p:sp>
-      <p:sp>
-        <p:nvSpPr>
-          <p:cNvPr id="5" name="Footer Placeholder 4"/>
-          <p:cNvSpPr>
-            <a:spLocks noGrp="1"/>
-          </p:cNvSpPr>
-          <p:nvPr>
-            <p:ph type="ftr" sz="quarter" idx="3"/>
-          </p:nvPr>
-        </p:nvSpPr>
-        <p:spPr>
-          <a:xfrm>
-            <a:off x="3124200" y="6356350"/>
-            <a:ext cx="2895600" cy="365125"/>
-          </a:xfrm>
-          <a:prstGeom prst="rect">
-            <a:avLst/>
-          </a:prstGeom>
-        </p:spPr>
-        <p:txBody>
-          <a:bodyPr vert="horz" lIns="91440" tIns="45720" rIns="91440" bIns="45720" rtlCol="0" anchor="ctr"/>
-          <a:lstStyle>
-            <a:lvl1pPr algn="ctr">
-              <a:defRPr sz="1200">
-                <a:solidFill>
-                  <a:schemeClr val="tx1">
-                    <a:tint val="75000"/>
-                  </a:schemeClr>
-                </a:solidFill>
-              </a:defRPr>
-            </a:lvl1pPr>
-          </a:lstStyle>
-          <a:p>
-            <a:endParaRPr lang="en-US"/>
-          </a:p>
-        </p:txBody>
-      </p:sp>
-      <p:sp>
-        <p:nvSpPr>
-          <p:cNvPr id="6" name="Slide Number Placeholder 5"/>
-          <p:cNvSpPr>
-            <a:spLocks noGrp="1"/>
-          </p:cNvSpPr>
-          <p:nvPr>
-            <p:ph type="sldNum" sz="quarter" idx="4"/>
-          </p:nvPr>
-        </p:nvSpPr>
-        <p:spPr>
-          <a:xfrm>
-            <a:off x="6553200" y="6356350"/>
-            <a:ext cx="2133600" cy="365125"/>
-          </a:xfrm>
-          <a:prstGeom prst="rect">
-            <a:avLst/>
-          </a:prstGeom>
-        </p:spPr>
-        <p:txBody>
-          <a:bodyPr vert="horz" lIns="91440" tIns="45720" rIns="91440" bIns="45720" rtlCol="0" anchor="ctr"/>
-          <a:lstStyle>
-            <a:lvl1pPr algn="r">
-              <a:defRPr sz="1200">
-                <a:solidFill>
-                  <a:schemeClr val="tx1">
-                    <a:tint val="75000"/>
-                  </a:schemeClr>
-                </a:solidFill>
-              </a:defRPr>
-            </a:lvl1pPr>
-          </a:lstStyle>
-          <a:p>
-            <a:fld id="{B6F15528-21DE-4FAA-801E-634DDDAF4B2B}" type="slidenum">
-              <a:rPr lang="en-US" smtClean="0"/>
-              <a:pPr/>
-              <a:t>‹#›</a:t>
-            </a:fld>
-            <a:endParaRPr lang="en-US"/>
-          </a:p>
-        </p:txBody>
-      </p:sp>
     </p:spTree>
+    <p:extLst>
+      <p:ext uri="{BB962C8B-B14F-4D97-AF65-F5344CB8AC3E}">
+        <p14:creationId xmlns:p14="http://schemas.microsoft.com/office/powerpoint/2010/main" val="3911152062"/>
+      </p:ext>
+    </p:extLst>
   </p:cSld>
   <p:clrMap bg1="lt1" tx1="dk1" bg2="lt2" tx2="dk2" accent1="accent1" accent2="accent2" accent3="accent3" accent4="accent4" accent5="accent5" accent6="accent6" hlink="hlink" folHlink="folHlink"/>
   <p:sldLayoutIdLst>
-    <p:sldLayoutId id="2147483649" r:id="rId1"/>
-    <p:sldLayoutId id="2147483650" r:id="rId2"/>
-    <p:sldLayoutId id="2147483651" r:id="rId3"/>
-    <p:sldLayoutId id="2147483652" r:id="rId4"/>
-    <p:sldLayoutId id="2147483653" r:id="rId5"/>
-    <p:sldLayoutId id="2147483654" r:id="rId6"/>
-    <p:sldLayoutId id="2147483655" r:id="rId7"/>
-    <p:sldLayoutId id="2147483656" r:id="rId8"/>
-    <p:sldLayoutId id="2147483657" r:id="rId9"/>
-    <p:sldLayoutId id="2147483658" r:id="rId10"/>
-    <p:sldLayoutId id="2147483659" r:id="rId11"/>
+    <p:sldLayoutId id="2147483680" r:id="rId1"/>
+    <p:sldLayoutId id="2147483681" r:id="rId2"/>
+    <p:sldLayoutId id="2147483682" r:id="rId3"/>
+    <p:sldLayoutId id="2147483683" r:id="rId4"/>
+    <p:sldLayoutId id="2147483684" r:id="rId5"/>
+    <p:sldLayoutId id="2147483685" r:id="rId6"/>
+    <p:sldLayoutId id="2147483686" r:id="rId7"/>
+    <p:sldLayoutId id="2147483687" r:id="rId8"/>
+    <p:sldLayoutId id="2147483688" r:id="rId9"/>
+    <p:sldLayoutId id="2147483689" r:id="rId10"/>
+    <p:sldLayoutId id="2147483690" r:id="rId11"/>
+    <p:sldLayoutId id="2147483691" r:id="rId12"/>
   </p:sldLayoutIdLst>
   <p:txStyles>
     <p:titleStyle>
-      <a:lvl1pPr algn="ctr" defTabSz="914400" rtl="0" eaLnBrk="1" latinLnBrk="0" hangingPunct="1">
+      <a:lvl1pPr algn="l" rtl="0" eaLnBrk="1" fontAlgn="base" hangingPunct="1">
         <a:spcBef>
           <a:spcPct val="0"/>
         </a:spcBef>
-        <a:buNone/>
+        <a:spcAft>
+          <a:spcPct val="0"/>
+        </a:spcAft>
         <a:defRPr sz="4400" kern="1200">
+          <a:solidFill>
+            <a:schemeClr val="tx2">
+              <a:lumMod val="75000"/>
+            </a:schemeClr>
+          </a:solidFill>
+          <a:latin typeface="Arial Bold" pitchFamily="-72" charset="0"/>
+          <a:ea typeface="ＭＳ Ｐゴシック" pitchFamily="-72" charset="-128"/>
+          <a:cs typeface="ＭＳ Ｐゴシック" pitchFamily="-72" charset="-128"/>
+        </a:defRPr>
+      </a:lvl1pPr>
+      <a:lvl2pPr algn="l" rtl="0" eaLnBrk="1" fontAlgn="base" hangingPunct="1">
+        <a:spcBef>
+          <a:spcPct val="0"/>
+        </a:spcBef>
+        <a:spcAft>
+          <a:spcPct val="0"/>
+        </a:spcAft>
+        <a:defRPr sz="4400">
+          <a:solidFill>
+            <a:schemeClr val="tx2"/>
+          </a:solidFill>
+          <a:latin typeface="Arial Bold" pitchFamily="-72" charset="0"/>
+          <a:ea typeface="ＭＳ Ｐゴシック" pitchFamily="-72" charset="-128"/>
+          <a:cs typeface="ＭＳ Ｐゴシック" pitchFamily="-72" charset="-128"/>
+        </a:defRPr>
+      </a:lvl2pPr>
+      <a:lvl3pPr algn="l" rtl="0" eaLnBrk="1" fontAlgn="base" hangingPunct="1">
+        <a:spcBef>
+          <a:spcPct val="0"/>
+        </a:spcBef>
+        <a:spcAft>
+          <a:spcPct val="0"/>
+        </a:spcAft>
+        <a:defRPr sz="4400">
+          <a:solidFill>
+            <a:schemeClr val="tx2"/>
+          </a:solidFill>
+          <a:latin typeface="Arial Bold" pitchFamily="-72" charset="0"/>
+          <a:ea typeface="ＭＳ Ｐゴシック" pitchFamily="-72" charset="-128"/>
+          <a:cs typeface="ＭＳ Ｐゴシック" pitchFamily="-72" charset="-128"/>
+        </a:defRPr>
+      </a:lvl3pPr>
+      <a:lvl4pPr algn="l" rtl="0" eaLnBrk="1" fontAlgn="base" hangingPunct="1">
+        <a:spcBef>
+          <a:spcPct val="0"/>
+        </a:spcBef>
+        <a:spcAft>
+          <a:spcPct val="0"/>
+        </a:spcAft>
+        <a:defRPr sz="4400">
+          <a:solidFill>
+            <a:schemeClr val="tx2"/>
+          </a:solidFill>
+          <a:latin typeface="Arial Bold" pitchFamily="-72" charset="0"/>
+          <a:ea typeface="ＭＳ Ｐゴシック" pitchFamily="-72" charset="-128"/>
+          <a:cs typeface="ＭＳ Ｐゴシック" pitchFamily="-72" charset="-128"/>
+        </a:defRPr>
+      </a:lvl4pPr>
+      <a:lvl5pPr algn="l" rtl="0" eaLnBrk="1" fontAlgn="base" hangingPunct="1">
+        <a:spcBef>
+          <a:spcPct val="0"/>
+        </a:spcBef>
+        <a:spcAft>
+          <a:spcPct val="0"/>
+        </a:spcAft>
+        <a:defRPr sz="4400">
+          <a:solidFill>
+            <a:schemeClr val="tx2"/>
+          </a:solidFill>
+          <a:latin typeface="Arial Bold" pitchFamily="-72" charset="0"/>
+          <a:ea typeface="ＭＳ Ｐゴシック" pitchFamily="-72" charset="-128"/>
+          <a:cs typeface="ＭＳ Ｐゴシック" pitchFamily="-72" charset="-128"/>
+        </a:defRPr>
+      </a:lvl5pPr>
+      <a:lvl6pPr marL="457200" algn="l" rtl="0" eaLnBrk="1" fontAlgn="base" hangingPunct="1">
+        <a:spcBef>
+          <a:spcPct val="0"/>
+        </a:spcBef>
+        <a:spcAft>
+          <a:spcPct val="0"/>
+        </a:spcAft>
+        <a:defRPr sz="4400">
+          <a:solidFill>
+            <a:schemeClr val="tx2"/>
+          </a:solidFill>
+          <a:latin typeface="Arial Bold" pitchFamily="-72" charset="0"/>
+          <a:ea typeface="ＭＳ Ｐゴシック" pitchFamily="-72" charset="-128"/>
+          <a:cs typeface="ＭＳ Ｐゴシック" pitchFamily="-72" charset="-128"/>
+        </a:defRPr>
+      </a:lvl6pPr>
+      <a:lvl7pPr marL="914400" algn="l" rtl="0" eaLnBrk="1" fontAlgn="base" hangingPunct="1">
+        <a:spcBef>
+          <a:spcPct val="0"/>
+        </a:spcBef>
+        <a:spcAft>
+          <a:spcPct val="0"/>
+        </a:spcAft>
+        <a:defRPr sz="4400">
+          <a:solidFill>
+            <a:schemeClr val="tx2"/>
+          </a:solidFill>
+          <a:latin typeface="Arial Bold" pitchFamily="-72" charset="0"/>
+          <a:ea typeface="ＭＳ Ｐゴシック" pitchFamily="-72" charset="-128"/>
+          <a:cs typeface="ＭＳ Ｐゴシック" pitchFamily="-72" charset="-128"/>
+        </a:defRPr>
+      </a:lvl7pPr>
+      <a:lvl8pPr marL="1371600" algn="l" rtl="0" eaLnBrk="1" fontAlgn="base" hangingPunct="1">
+        <a:spcBef>
+          <a:spcPct val="0"/>
+        </a:spcBef>
+        <a:spcAft>
+          <a:spcPct val="0"/>
+        </a:spcAft>
+        <a:defRPr sz="4400">
+          <a:solidFill>
+            <a:schemeClr val="tx2"/>
+          </a:solidFill>
+          <a:latin typeface="Arial Bold" pitchFamily="-72" charset="0"/>
+          <a:ea typeface="ＭＳ Ｐゴシック" pitchFamily="-72" charset="-128"/>
+          <a:cs typeface="ＭＳ Ｐゴシック" pitchFamily="-72" charset="-128"/>
+        </a:defRPr>
+      </a:lvl8pPr>
+      <a:lvl9pPr marL="1828800" algn="l" rtl="0" eaLnBrk="1" fontAlgn="base" hangingPunct="1">
+        <a:spcBef>
+          <a:spcPct val="0"/>
+        </a:spcBef>
+        <a:spcAft>
+          <a:spcPct val="0"/>
+        </a:spcAft>
+        <a:defRPr sz="4400">
+          <a:solidFill>
+            <a:schemeClr val="tx2"/>
+          </a:solidFill>
+          <a:latin typeface="Arial Bold" pitchFamily="-72" charset="0"/>
+          <a:ea typeface="ＭＳ Ｐゴシック" pitchFamily="-72" charset="-128"/>
+          <a:cs typeface="ＭＳ Ｐゴシック" pitchFamily="-72" charset="-128"/>
+        </a:defRPr>
+      </a:lvl9pPr>
+    </p:titleStyle>
+    <p:bodyStyle>
+      <a:lvl1pPr marL="342900" indent="-342900" algn="l" rtl="0" eaLnBrk="1" fontAlgn="base" hangingPunct="1">
+        <a:spcBef>
+          <a:spcPct val="20000"/>
+        </a:spcBef>
+        <a:spcAft>
+          <a:spcPct val="0"/>
+        </a:spcAft>
+        <a:buClr>
+          <a:schemeClr val="accent3">
+            <a:lumMod val="50000"/>
+          </a:schemeClr>
+        </a:buClr>
+        <a:buFont typeface="Arial" pitchFamily="-72" charset="0"/>
+        <a:buChar char="•"/>
+        <a:defRPr sz="3200" kern="1200">
           <a:solidFill>
             <a:schemeClr val="tx1"/>
           </a:solidFill>
-          <a:latin typeface="+mj-lt"/>
-          <a:ea typeface="+mj-ea"/>
-          <a:cs typeface="+mj-cs"/>
+          <a:latin typeface="Arial" pitchFamily="-72" charset="0"/>
+          <a:ea typeface="ＭＳ Ｐゴシック" pitchFamily="-72" charset="-128"/>
+          <a:cs typeface="ＭＳ Ｐゴシック" pitchFamily="-72" charset="-128"/>
         </a:defRPr>
       </a:lvl1pPr>
-    </p:titleStyle>
-    <p:bodyStyle>
-      <a:lvl1pPr marL="342900" indent="-342900" algn="l" defTabSz="914400" rtl="0" eaLnBrk="1" latinLnBrk="0" hangingPunct="1">
+      <a:lvl2pPr marL="742950" indent="-285750" algn="l" rtl="0" eaLnBrk="1" fontAlgn="base" hangingPunct="1">
+        <a:spcBef>
+          <a:spcPct val="20000"/>
+        </a:spcBef>
+        <a:spcAft>
+          <a:spcPct val="0"/>
+        </a:spcAft>
+        <a:buClr>
+          <a:schemeClr val="accent3">
+            <a:lumMod val="50000"/>
+          </a:schemeClr>
+        </a:buClr>
+        <a:buFont typeface="Arial" pitchFamily="-72" charset="0"/>
+        <a:buChar char="–"/>
+        <a:defRPr sz="2800" kern="1200">
+          <a:solidFill>
+            <a:schemeClr val="tx1"/>
+          </a:solidFill>
+          <a:latin typeface="Arial" pitchFamily="-72" charset="0"/>
+          <a:ea typeface="ＭＳ Ｐゴシック" pitchFamily="-72" charset="-128"/>
+          <a:cs typeface="+mn-cs"/>
+        </a:defRPr>
+      </a:lvl2pPr>
+      <a:lvl3pPr marL="1143000" indent="-228600" algn="l" rtl="0" eaLnBrk="1" fontAlgn="base" hangingPunct="1">
+        <a:spcBef>
+          <a:spcPct val="20000"/>
+        </a:spcBef>
+        <a:spcAft>
+          <a:spcPct val="0"/>
+        </a:spcAft>
+        <a:buClr>
+          <a:schemeClr val="accent3">
+            <a:lumMod val="50000"/>
+          </a:schemeClr>
+        </a:buClr>
+        <a:buFont typeface="Arial" pitchFamily="-72" charset="0"/>
+        <a:buChar char="•"/>
+        <a:defRPr sz="2400" kern="1200">
+          <a:solidFill>
+            <a:schemeClr val="tx1"/>
+          </a:solidFill>
+          <a:latin typeface="Arial" pitchFamily="-72" charset="0"/>
+          <a:ea typeface="ＭＳ Ｐゴシック" pitchFamily="-72" charset="-128"/>
+          <a:cs typeface="+mn-cs"/>
+        </a:defRPr>
+      </a:lvl3pPr>
+      <a:lvl4pPr marL="1600200" indent="-228600" algn="l" rtl="0" eaLnBrk="1" fontAlgn="base" hangingPunct="1">
+        <a:spcBef>
+          <a:spcPct val="20000"/>
+        </a:spcBef>
+        <a:spcAft>
+          <a:spcPct val="0"/>
+        </a:spcAft>
+        <a:buClr>
+          <a:schemeClr val="accent3">
+            <a:lumMod val="50000"/>
+          </a:schemeClr>
+        </a:buClr>
+        <a:buFont typeface="Arial" pitchFamily="-72" charset="0"/>
+        <a:buChar char="–"/>
+        <a:defRPr sz="2000" kern="1200">
+          <a:solidFill>
+            <a:schemeClr val="tx1"/>
+          </a:solidFill>
+          <a:latin typeface="Arial" pitchFamily="-72" charset="0"/>
+          <a:ea typeface="ＭＳ Ｐゴシック" pitchFamily="-72" charset="-128"/>
+          <a:cs typeface="+mn-cs"/>
+        </a:defRPr>
+      </a:lvl4pPr>
+      <a:lvl5pPr marL="2057400" indent="-228600" algn="l" rtl="0" eaLnBrk="1" fontAlgn="base" hangingPunct="1">
+        <a:spcBef>
+          <a:spcPct val="20000"/>
+        </a:spcBef>
+        <a:spcAft>
+          <a:spcPct val="0"/>
+        </a:spcAft>
+        <a:buClr>
+          <a:schemeClr val="accent3">
+            <a:lumMod val="50000"/>
+          </a:schemeClr>
+        </a:buClr>
+        <a:buFont typeface="Arial" pitchFamily="-72" charset="0"/>
+        <a:buChar char="»"/>
+        <a:defRPr sz="2000" kern="1200">
+          <a:solidFill>
+            <a:schemeClr val="tx1"/>
+          </a:solidFill>
+          <a:latin typeface="Arial" pitchFamily="-72" charset="0"/>
+          <a:ea typeface="ＭＳ Ｐゴシック" pitchFamily="-72" charset="-128"/>
+          <a:cs typeface="+mn-cs"/>
+        </a:defRPr>
+      </a:lvl5pPr>
+      <a:lvl6pPr marL="2514600" indent="-228600" algn="l" defTabSz="914400" rtl="0" eaLnBrk="1" latinLnBrk="0" hangingPunct="1">
         <a:spcBef>
           <a:spcPct val="20000"/>
         </a:spcBef>
         <a:buFont typeface="Arial" pitchFamily="34" charset="0"/>
         <a:buChar char="•"/>
-        <a:defRPr sz="3200" kern="1200">
+        <a:defRPr sz="2000" kern="1200">
+          <a:solidFill>
+            <a:schemeClr val="tx1"/>
+          </a:solidFill>
+          <a:latin typeface="+mn-lt"/>
+          <a:ea typeface="+mn-ea"/>
+          <a:cs typeface="+mn-cs"/>
+        </a:defRPr>
+      </a:lvl6pPr>
+      <a:lvl7pPr marL="2971800" indent="-228600" algn="l" defTabSz="914400" rtl="0" eaLnBrk="1" latinLnBrk="0" hangingPunct="1">
+        <a:spcBef>
+          <a:spcPct val="20000"/>
+        </a:spcBef>
+        <a:buFont typeface="Arial" pitchFamily="34" charset="0"/>
+        <a:buChar char="•"/>
+        <a:defRPr sz="2000" kern="1200">
+          <a:solidFill>
+            <a:schemeClr val="tx1"/>
+          </a:solidFill>
+          <a:latin typeface="+mn-lt"/>
+          <a:ea typeface="+mn-ea"/>
+          <a:cs typeface="+mn-cs"/>
+        </a:defRPr>
+      </a:lvl7pPr>
+      <a:lvl8pPr marL="3429000" indent="-228600" algn="l" defTabSz="914400" rtl="0" eaLnBrk="1" latinLnBrk="0" hangingPunct="1">
+        <a:spcBef>
+          <a:spcPct val="20000"/>
+        </a:spcBef>
+        <a:buFont typeface="Arial" pitchFamily="34" charset="0"/>
+        <a:buChar char="•"/>
+        <a:defRPr sz="2000" kern="1200">
+          <a:solidFill>
+            <a:schemeClr val="tx1"/>
+          </a:solidFill>
+          <a:latin typeface="+mn-lt"/>
+          <a:ea typeface="+mn-ea"/>
+          <a:cs typeface="+mn-cs"/>
+        </a:defRPr>
+      </a:lvl8pPr>
+      <a:lvl9pPr marL="3886200" indent="-228600" algn="l" defTabSz="914400" rtl="0" eaLnBrk="1" latinLnBrk="0" hangingPunct="1">
+        <a:spcBef>
+          <a:spcPct val="20000"/>
+        </a:spcBef>
+        <a:buFont typeface="Arial" pitchFamily="34" charset="0"/>
+        <a:buChar char="•"/>
+        <a:defRPr sz="2000" kern="1200">
+          <a:solidFill>
+            <a:schemeClr val="tx1"/>
+          </a:solidFill>
+          <a:latin typeface="+mn-lt"/>
+          <a:ea typeface="+mn-ea"/>
+          <a:cs typeface="+mn-cs"/>
+        </a:defRPr>
+      </a:lvl9pPr>
+    </p:bodyStyle>
+    <p:otherStyle>
+      <a:defPPr>
+        <a:defRPr lang="en-US"/>
+      </a:defPPr>
+      <a:lvl1pPr marL="0" algn="l" defTabSz="914400" rtl="0" eaLnBrk="1" latinLnBrk="0" hangingPunct="1">
+        <a:defRPr sz="1800" kern="1200">
           <a:solidFill>
             <a:schemeClr val="tx1"/>
           </a:solidFill>
@@ -4430,13 +7462,8 @@
           <a:cs typeface="+mn-cs"/>
         </a:defRPr>
       </a:lvl1pPr>
-      <a:lvl2pPr marL="742950" indent="-285750" algn="l" defTabSz="914400" rtl="0" eaLnBrk="1" latinLnBrk="0" hangingPunct="1">
-        <a:spcBef>
-          <a:spcPct val="20000"/>
-        </a:spcBef>
-        <a:buFont typeface="Arial" pitchFamily="34" charset="0"/>
-        <a:buChar char="–"/>
-        <a:defRPr sz="2800" kern="1200">
+      <a:lvl2pPr marL="457200" algn="l" defTabSz="914400" rtl="0" eaLnBrk="1" latinLnBrk="0" hangingPunct="1">
+        <a:defRPr sz="1800" kern="1200">
           <a:solidFill>
             <a:schemeClr val="tx1"/>
           </a:solidFill>
@@ -4445,13 +7472,8 @@
           <a:cs typeface="+mn-cs"/>
         </a:defRPr>
       </a:lvl2pPr>
-      <a:lvl3pPr marL="1143000" indent="-228600" algn="l" defTabSz="914400" rtl="0" eaLnBrk="1" latinLnBrk="0" hangingPunct="1">
-        <a:spcBef>
-          <a:spcPct val="20000"/>
-        </a:spcBef>
-        <a:buFont typeface="Arial" pitchFamily="34" charset="0"/>
-        <a:buChar char="•"/>
-        <a:defRPr sz="2400" kern="1200">
+      <a:lvl3pPr marL="914400" algn="l" defTabSz="914400" rtl="0" eaLnBrk="1" latinLnBrk="0" hangingPunct="1">
+        <a:defRPr sz="1800" kern="1200">
           <a:solidFill>
             <a:schemeClr val="tx1"/>
           </a:solidFill>
@@ -4460,13 +7482,8 @@
           <a:cs typeface="+mn-cs"/>
         </a:defRPr>
       </a:lvl3pPr>
-      <a:lvl4pPr marL="1600200" indent="-228600" algn="l" defTabSz="914400" rtl="0" eaLnBrk="1" latinLnBrk="0" hangingPunct="1">
-        <a:spcBef>
-          <a:spcPct val="20000"/>
-        </a:spcBef>
-        <a:buFont typeface="Arial" pitchFamily="34" charset="0"/>
-        <a:buChar char="–"/>
-        <a:defRPr sz="2000" kern="1200">
+      <a:lvl4pPr marL="1371600" algn="l" defTabSz="914400" rtl="0" eaLnBrk="1" latinLnBrk="0" hangingPunct="1">
+        <a:defRPr sz="1800" kern="1200">
           <a:solidFill>
             <a:schemeClr val="tx1"/>
           </a:solidFill>
@@ -4475,18 +7492,594 @@
           <a:cs typeface="+mn-cs"/>
         </a:defRPr>
       </a:lvl4pPr>
-      <a:lvl5pPr marL="2057400" indent="-228600" algn="l" defTabSz="914400" rtl="0" eaLnBrk="1" latinLnBrk="0" hangingPunct="1">
+      <a:lvl5pPr marL="1828800" algn="l" defTabSz="914400" rtl="0" eaLnBrk="1" latinLnBrk="0" hangingPunct="1">
+        <a:defRPr sz="1800" kern="1200">
+          <a:solidFill>
+            <a:schemeClr val="tx1"/>
+          </a:solidFill>
+          <a:latin typeface="+mn-lt"/>
+          <a:ea typeface="+mn-ea"/>
+          <a:cs typeface="+mn-cs"/>
+        </a:defRPr>
+      </a:lvl5pPr>
+      <a:lvl6pPr marL="2286000" algn="l" defTabSz="914400" rtl="0" eaLnBrk="1" latinLnBrk="0" hangingPunct="1">
+        <a:defRPr sz="1800" kern="1200">
+          <a:solidFill>
+            <a:schemeClr val="tx1"/>
+          </a:solidFill>
+          <a:latin typeface="+mn-lt"/>
+          <a:ea typeface="+mn-ea"/>
+          <a:cs typeface="+mn-cs"/>
+        </a:defRPr>
+      </a:lvl6pPr>
+      <a:lvl7pPr marL="2743200" algn="l" defTabSz="914400" rtl="0" eaLnBrk="1" latinLnBrk="0" hangingPunct="1">
+        <a:defRPr sz="1800" kern="1200">
+          <a:solidFill>
+            <a:schemeClr val="tx1"/>
+          </a:solidFill>
+          <a:latin typeface="+mn-lt"/>
+          <a:ea typeface="+mn-ea"/>
+          <a:cs typeface="+mn-cs"/>
+        </a:defRPr>
+      </a:lvl7pPr>
+      <a:lvl8pPr marL="3200400" algn="l" defTabSz="914400" rtl="0" eaLnBrk="1" latinLnBrk="0" hangingPunct="1">
+        <a:defRPr sz="1800" kern="1200">
+          <a:solidFill>
+            <a:schemeClr val="tx1"/>
+          </a:solidFill>
+          <a:latin typeface="+mn-lt"/>
+          <a:ea typeface="+mn-ea"/>
+          <a:cs typeface="+mn-cs"/>
+        </a:defRPr>
+      </a:lvl8pPr>
+      <a:lvl9pPr marL="3657600" algn="l" defTabSz="914400" rtl="0" eaLnBrk="1" latinLnBrk="0" hangingPunct="1">
+        <a:defRPr sz="1800" kern="1200">
+          <a:solidFill>
+            <a:schemeClr val="tx1"/>
+          </a:solidFill>
+          <a:latin typeface="+mn-lt"/>
+          <a:ea typeface="+mn-ea"/>
+          <a:cs typeface="+mn-cs"/>
+        </a:defRPr>
+      </a:lvl9pPr>
+    </p:otherStyle>
+  </p:txStyles>
+</p:sldMaster>
+</file>
+
+<file path=ppt/slideMasters/slideMaster2.xml><?xml version="1.0" encoding="utf-8"?>
+<p:sldMaster xmlns:a="http://schemas.openxmlformats.org/drawingml/2006/main" xmlns:r="http://schemas.openxmlformats.org/officeDocument/2006/relationships" xmlns:p="http://schemas.openxmlformats.org/presentationml/2006/main">
+  <p:cSld>
+    <p:bg>
+      <p:bgPr>
+        <a:blipFill dpi="0" rotWithShape="0">
+          <a:blip r:embed="rId13">
+            <a:lum/>
+          </a:blip>
+          <a:srcRect/>
+          <a:stretch>
+            <a:fillRect/>
+          </a:stretch>
+        </a:blipFill>
+        <a:effectLst/>
+      </p:bgPr>
+    </p:bg>
+    <p:spTree>
+      <p:nvGrpSpPr>
+        <p:cNvPr id="1" name=""/>
+        <p:cNvGrpSpPr/>
+        <p:nvPr/>
+      </p:nvGrpSpPr>
+      <p:grpSpPr>
+        <a:xfrm>
+          <a:off x="0" y="0"/>
+          <a:ext cx="0" cy="0"/>
+          <a:chOff x="0" y="0"/>
+          <a:chExt cx="0" cy="0"/>
+        </a:xfrm>
+      </p:grpSpPr>
+      <p:sp>
+        <p:nvSpPr>
+          <p:cNvPr id="1026" name="Title Placeholder 1"/>
+          <p:cNvSpPr>
+            <a:spLocks noGrp="1"/>
+          </p:cNvSpPr>
+          <p:nvPr>
+            <p:ph type="title"/>
+          </p:nvPr>
+        </p:nvSpPr>
+        <p:spPr bwMode="auto">
+          <a:xfrm>
+            <a:off x="457200" y="274639"/>
+            <a:ext cx="8229600" cy="1143000"/>
+          </a:xfrm>
+          <a:prstGeom prst="rect">
+            <a:avLst/>
+          </a:prstGeom>
+          <a:noFill/>
+          <a:ln w="9525">
+            <a:noFill/>
+            <a:miter lim="800000"/>
+            <a:headEnd/>
+            <a:tailEnd/>
+          </a:ln>
+        </p:spPr>
+        <p:txBody>
+          <a:bodyPr vert="horz" wrap="square" lIns="91440" tIns="45720" rIns="91440" bIns="45720" numCol="1" anchor="ctr" anchorCtr="0" compatLnSpc="1">
+            <a:prstTxWarp prst="textNoShape">
+              <a:avLst/>
+            </a:prstTxWarp>
+          </a:bodyPr>
+          <a:lstStyle/>
+          <a:p>
+            <a:pPr lvl="0"/>
+            <a:r>
+              <a:rPr lang="en-US"/>
+              <a:t>Click to edit Master title style</a:t>
+            </a:r>
+            <a:endParaRPr lang="en-US" dirty="0"/>
+          </a:p>
+        </p:txBody>
+      </p:sp>
+      <p:sp>
+        <p:nvSpPr>
+          <p:cNvPr id="1027" name="Text Placeholder 2"/>
+          <p:cNvSpPr>
+            <a:spLocks noGrp="1"/>
+          </p:cNvSpPr>
+          <p:nvPr>
+            <p:ph type="body" idx="1"/>
+          </p:nvPr>
+        </p:nvSpPr>
+        <p:spPr bwMode="auto">
+          <a:xfrm>
+            <a:off x="457200" y="1600201"/>
+            <a:ext cx="8229600" cy="4525963"/>
+          </a:xfrm>
+          <a:prstGeom prst="rect">
+            <a:avLst/>
+          </a:prstGeom>
+          <a:noFill/>
+          <a:ln w="9525">
+            <a:noFill/>
+            <a:miter lim="800000"/>
+            <a:headEnd/>
+            <a:tailEnd/>
+          </a:ln>
+        </p:spPr>
+        <p:txBody>
+          <a:bodyPr vert="horz" wrap="square" lIns="91440" tIns="45720" rIns="91440" bIns="45720" numCol="1" anchor="t" anchorCtr="0" compatLnSpc="1">
+            <a:prstTxWarp prst="textNoShape">
+              <a:avLst/>
+            </a:prstTxWarp>
+          </a:bodyPr>
+          <a:lstStyle/>
+          <a:p>
+            <a:pPr lvl="0"/>
+            <a:r>
+              <a:rPr lang="en-US"/>
+              <a:t>Click to edit Master text styles</a:t>
+            </a:r>
+          </a:p>
+          <a:p>
+            <a:pPr lvl="1"/>
+            <a:r>
+              <a:rPr lang="en-US"/>
+              <a:t>Second level</a:t>
+            </a:r>
+          </a:p>
+          <a:p>
+            <a:pPr lvl="2"/>
+            <a:r>
+              <a:rPr lang="en-US"/>
+              <a:t>Third level</a:t>
+            </a:r>
+          </a:p>
+          <a:p>
+            <a:pPr lvl="3"/>
+            <a:r>
+              <a:rPr lang="en-US"/>
+              <a:t>Fourth level</a:t>
+            </a:r>
+          </a:p>
+          <a:p>
+            <a:pPr lvl="4"/>
+            <a:r>
+              <a:rPr lang="en-US"/>
+              <a:t>Fifth level</a:t>
+            </a:r>
+            <a:endParaRPr lang="en-US" dirty="0"/>
+          </a:p>
+        </p:txBody>
+      </p:sp>
+      <p:sp>
+        <p:nvSpPr>
+          <p:cNvPr id="4" name="Date Placeholder 3"/>
+          <p:cNvSpPr>
+            <a:spLocks noGrp="1"/>
+          </p:cNvSpPr>
+          <p:nvPr>
+            <p:ph type="dt" sz="half" idx="2"/>
+          </p:nvPr>
+        </p:nvSpPr>
+        <p:spPr>
+          <a:xfrm>
+            <a:off x="457200" y="6356351"/>
+            <a:ext cx="2133600" cy="365125"/>
+          </a:xfrm>
+          <a:prstGeom prst="rect">
+            <a:avLst/>
+          </a:prstGeom>
+        </p:spPr>
+        <p:txBody>
+          <a:bodyPr vert="horz" lIns="91440" tIns="45720" rIns="91440" bIns="45720" rtlCol="0" anchor="ctr"/>
+          <a:lstStyle>
+            <a:lvl1pPr algn="l" fontAlgn="auto">
+              <a:spcBef>
+                <a:spcPts val="0"/>
+              </a:spcBef>
+              <a:spcAft>
+                <a:spcPts val="0"/>
+              </a:spcAft>
+              <a:defRPr sz="1200" smtClean="0">
+                <a:solidFill>
+                  <a:schemeClr val="tx1">
+                    <a:tint val="75000"/>
+                  </a:schemeClr>
+                </a:solidFill>
+                <a:latin typeface="+mn-lt"/>
+                <a:ea typeface="+mn-ea"/>
+                <a:cs typeface="+mn-cs"/>
+              </a:defRPr>
+            </a:lvl1pPr>
+          </a:lstStyle>
+          <a:p>
+            <a:pPr>
+              <a:defRPr/>
+            </a:pPr>
+            <a:fld id="{AADEF755-0B60-4A3E-9C6A-4CADF1C89A5E}" type="datetimeFigureOut">
+              <a:rPr lang="en-US" smtClean="0"/>
+              <a:pPr>
+                <a:defRPr/>
+              </a:pPr>
+              <a:t>10/11/2017</a:t>
+            </a:fld>
+            <a:endParaRPr lang="en-US"/>
+          </a:p>
+        </p:txBody>
+      </p:sp>
+      <p:sp>
+        <p:nvSpPr>
+          <p:cNvPr id="5" name="Footer Placeholder 4"/>
+          <p:cNvSpPr>
+            <a:spLocks noGrp="1"/>
+          </p:cNvSpPr>
+          <p:nvPr>
+            <p:ph type="ftr" sz="quarter" idx="3"/>
+          </p:nvPr>
+        </p:nvSpPr>
+        <p:spPr>
+          <a:xfrm>
+            <a:off x="3124200" y="6356351"/>
+            <a:ext cx="2895600" cy="365125"/>
+          </a:xfrm>
+          <a:prstGeom prst="rect">
+            <a:avLst/>
+          </a:prstGeom>
+        </p:spPr>
+        <p:txBody>
+          <a:bodyPr vert="horz" lIns="91440" tIns="45720" rIns="91440" bIns="45720" rtlCol="0" anchor="ctr"/>
+          <a:lstStyle>
+            <a:lvl1pPr algn="ctr" fontAlgn="auto">
+              <a:spcBef>
+                <a:spcPts val="0"/>
+              </a:spcBef>
+              <a:spcAft>
+                <a:spcPts val="0"/>
+              </a:spcAft>
+              <a:defRPr sz="1200">
+                <a:solidFill>
+                  <a:schemeClr val="tx1">
+                    <a:tint val="75000"/>
+                  </a:schemeClr>
+                </a:solidFill>
+                <a:latin typeface="+mn-lt"/>
+                <a:ea typeface="+mn-ea"/>
+                <a:cs typeface="+mn-cs"/>
+              </a:defRPr>
+            </a:lvl1pPr>
+          </a:lstStyle>
+          <a:p>
+            <a:pPr>
+              <a:defRPr/>
+            </a:pPr>
+            <a:endParaRPr lang="en-US"/>
+          </a:p>
+        </p:txBody>
+      </p:sp>
+    </p:spTree>
+    <p:extLst>
+      <p:ext uri="{BB962C8B-B14F-4D97-AF65-F5344CB8AC3E}">
+        <p14:creationId xmlns:p14="http://schemas.microsoft.com/office/powerpoint/2010/main" val="817734034"/>
+      </p:ext>
+    </p:extLst>
+  </p:cSld>
+  <p:clrMap bg1="lt1" tx1="dk1" bg2="lt2" tx2="dk2" accent1="accent1" accent2="accent2" accent3="accent3" accent4="accent4" accent5="accent5" accent6="accent6" hlink="hlink" folHlink="folHlink"/>
+  <p:sldLayoutIdLst>
+    <p:sldLayoutId id="2147483693" r:id="rId1"/>
+    <p:sldLayoutId id="2147483694" r:id="rId2"/>
+    <p:sldLayoutId id="2147483695" r:id="rId3"/>
+    <p:sldLayoutId id="2147483696" r:id="rId4"/>
+    <p:sldLayoutId id="2147483697" r:id="rId5"/>
+    <p:sldLayoutId id="2147483698" r:id="rId6"/>
+    <p:sldLayoutId id="2147483699" r:id="rId7"/>
+    <p:sldLayoutId id="2147483700" r:id="rId8"/>
+    <p:sldLayoutId id="2147483701" r:id="rId9"/>
+    <p:sldLayoutId id="2147483702" r:id="rId10"/>
+    <p:sldLayoutId id="2147483703" r:id="rId11"/>
+  </p:sldLayoutIdLst>
+  <p:txStyles>
+    <p:titleStyle>
+      <a:lvl1pPr algn="l" rtl="0" eaLnBrk="1" fontAlgn="base" hangingPunct="1">
+        <a:spcBef>
+          <a:spcPct val="0"/>
+        </a:spcBef>
+        <a:spcAft>
+          <a:spcPct val="0"/>
+        </a:spcAft>
+        <a:defRPr sz="4400" kern="1200">
+          <a:solidFill>
+            <a:schemeClr val="tx2">
+              <a:lumMod val="75000"/>
+            </a:schemeClr>
+          </a:solidFill>
+          <a:latin typeface="Arial Bold" pitchFamily="-72" charset="0"/>
+          <a:ea typeface="ＭＳ Ｐゴシック" pitchFamily="-72" charset="-128"/>
+          <a:cs typeface="ＭＳ Ｐゴシック" pitchFamily="-72" charset="-128"/>
+        </a:defRPr>
+      </a:lvl1pPr>
+      <a:lvl2pPr algn="l" rtl="0" eaLnBrk="1" fontAlgn="base" hangingPunct="1">
+        <a:spcBef>
+          <a:spcPct val="0"/>
+        </a:spcBef>
+        <a:spcAft>
+          <a:spcPct val="0"/>
+        </a:spcAft>
+        <a:defRPr sz="4400">
+          <a:solidFill>
+            <a:schemeClr val="tx2"/>
+          </a:solidFill>
+          <a:latin typeface="Arial Bold" pitchFamily="-72" charset="0"/>
+          <a:ea typeface="ＭＳ Ｐゴシック" pitchFamily="-72" charset="-128"/>
+          <a:cs typeface="ＭＳ Ｐゴシック" pitchFamily="-72" charset="-128"/>
+        </a:defRPr>
+      </a:lvl2pPr>
+      <a:lvl3pPr algn="l" rtl="0" eaLnBrk="1" fontAlgn="base" hangingPunct="1">
+        <a:spcBef>
+          <a:spcPct val="0"/>
+        </a:spcBef>
+        <a:spcAft>
+          <a:spcPct val="0"/>
+        </a:spcAft>
+        <a:defRPr sz="4400">
+          <a:solidFill>
+            <a:schemeClr val="tx2"/>
+          </a:solidFill>
+          <a:latin typeface="Arial Bold" pitchFamily="-72" charset="0"/>
+          <a:ea typeface="ＭＳ Ｐゴシック" pitchFamily="-72" charset="-128"/>
+          <a:cs typeface="ＭＳ Ｐゴシック" pitchFamily="-72" charset="-128"/>
+        </a:defRPr>
+      </a:lvl3pPr>
+      <a:lvl4pPr algn="l" rtl="0" eaLnBrk="1" fontAlgn="base" hangingPunct="1">
+        <a:spcBef>
+          <a:spcPct val="0"/>
+        </a:spcBef>
+        <a:spcAft>
+          <a:spcPct val="0"/>
+        </a:spcAft>
+        <a:defRPr sz="4400">
+          <a:solidFill>
+            <a:schemeClr val="tx2"/>
+          </a:solidFill>
+          <a:latin typeface="Arial Bold" pitchFamily="-72" charset="0"/>
+          <a:ea typeface="ＭＳ Ｐゴシック" pitchFamily="-72" charset="-128"/>
+          <a:cs typeface="ＭＳ Ｐゴシック" pitchFamily="-72" charset="-128"/>
+        </a:defRPr>
+      </a:lvl4pPr>
+      <a:lvl5pPr algn="l" rtl="0" eaLnBrk="1" fontAlgn="base" hangingPunct="1">
+        <a:spcBef>
+          <a:spcPct val="0"/>
+        </a:spcBef>
+        <a:spcAft>
+          <a:spcPct val="0"/>
+        </a:spcAft>
+        <a:defRPr sz="4400">
+          <a:solidFill>
+            <a:schemeClr val="tx2"/>
+          </a:solidFill>
+          <a:latin typeface="Arial Bold" pitchFamily="-72" charset="0"/>
+          <a:ea typeface="ＭＳ Ｐゴシック" pitchFamily="-72" charset="-128"/>
+          <a:cs typeface="ＭＳ Ｐゴシック" pitchFamily="-72" charset="-128"/>
+        </a:defRPr>
+      </a:lvl5pPr>
+      <a:lvl6pPr marL="457200" algn="l" rtl="0" eaLnBrk="1" fontAlgn="base" hangingPunct="1">
+        <a:spcBef>
+          <a:spcPct val="0"/>
+        </a:spcBef>
+        <a:spcAft>
+          <a:spcPct val="0"/>
+        </a:spcAft>
+        <a:defRPr sz="4400">
+          <a:solidFill>
+            <a:schemeClr val="tx2"/>
+          </a:solidFill>
+          <a:latin typeface="Arial Bold" pitchFamily="-72" charset="0"/>
+          <a:ea typeface="ＭＳ Ｐゴシック" pitchFamily="-72" charset="-128"/>
+          <a:cs typeface="ＭＳ Ｐゴシック" pitchFamily="-72" charset="-128"/>
+        </a:defRPr>
+      </a:lvl6pPr>
+      <a:lvl7pPr marL="914400" algn="l" rtl="0" eaLnBrk="1" fontAlgn="base" hangingPunct="1">
+        <a:spcBef>
+          <a:spcPct val="0"/>
+        </a:spcBef>
+        <a:spcAft>
+          <a:spcPct val="0"/>
+        </a:spcAft>
+        <a:defRPr sz="4400">
+          <a:solidFill>
+            <a:schemeClr val="tx2"/>
+          </a:solidFill>
+          <a:latin typeface="Arial Bold" pitchFamily="-72" charset="0"/>
+          <a:ea typeface="ＭＳ Ｐゴシック" pitchFamily="-72" charset="-128"/>
+          <a:cs typeface="ＭＳ Ｐゴシック" pitchFamily="-72" charset="-128"/>
+        </a:defRPr>
+      </a:lvl7pPr>
+      <a:lvl8pPr marL="1371600" algn="l" rtl="0" eaLnBrk="1" fontAlgn="base" hangingPunct="1">
+        <a:spcBef>
+          <a:spcPct val="0"/>
+        </a:spcBef>
+        <a:spcAft>
+          <a:spcPct val="0"/>
+        </a:spcAft>
+        <a:defRPr sz="4400">
+          <a:solidFill>
+            <a:schemeClr val="tx2"/>
+          </a:solidFill>
+          <a:latin typeface="Arial Bold" pitchFamily="-72" charset="0"/>
+          <a:ea typeface="ＭＳ Ｐゴシック" pitchFamily="-72" charset="-128"/>
+          <a:cs typeface="ＭＳ Ｐゴシック" pitchFamily="-72" charset="-128"/>
+        </a:defRPr>
+      </a:lvl8pPr>
+      <a:lvl9pPr marL="1828800" algn="l" rtl="0" eaLnBrk="1" fontAlgn="base" hangingPunct="1">
+        <a:spcBef>
+          <a:spcPct val="0"/>
+        </a:spcBef>
+        <a:spcAft>
+          <a:spcPct val="0"/>
+        </a:spcAft>
+        <a:defRPr sz="4400">
+          <a:solidFill>
+            <a:schemeClr val="tx2"/>
+          </a:solidFill>
+          <a:latin typeface="Arial Bold" pitchFamily="-72" charset="0"/>
+          <a:ea typeface="ＭＳ Ｐゴシック" pitchFamily="-72" charset="-128"/>
+          <a:cs typeface="ＭＳ Ｐゴシック" pitchFamily="-72" charset="-128"/>
+        </a:defRPr>
+      </a:lvl9pPr>
+    </p:titleStyle>
+    <p:bodyStyle>
+      <a:lvl1pPr marL="342900" indent="-342900" algn="l" rtl="0" eaLnBrk="1" fontAlgn="base" hangingPunct="1">
         <a:spcBef>
           <a:spcPct val="20000"/>
         </a:spcBef>
-        <a:buFont typeface="Arial" pitchFamily="34" charset="0"/>
+        <a:spcAft>
+          <a:spcPct val="0"/>
+        </a:spcAft>
+        <a:buClr>
+          <a:schemeClr val="accent3">
+            <a:lumMod val="50000"/>
+          </a:schemeClr>
+        </a:buClr>
+        <a:buFont typeface="Arial" pitchFamily="-72" charset="0"/>
+        <a:buChar char="•"/>
+        <a:defRPr sz="3200" kern="1200">
+          <a:solidFill>
+            <a:schemeClr val="tx1"/>
+          </a:solidFill>
+          <a:latin typeface="Arial" pitchFamily="-72" charset="0"/>
+          <a:ea typeface="ＭＳ Ｐゴシック" pitchFamily="-72" charset="-128"/>
+          <a:cs typeface="ＭＳ Ｐゴシック" pitchFamily="-72" charset="-128"/>
+        </a:defRPr>
+      </a:lvl1pPr>
+      <a:lvl2pPr marL="742950" indent="-285750" algn="l" rtl="0" eaLnBrk="1" fontAlgn="base" hangingPunct="1">
+        <a:spcBef>
+          <a:spcPct val="20000"/>
+        </a:spcBef>
+        <a:spcAft>
+          <a:spcPct val="0"/>
+        </a:spcAft>
+        <a:buClr>
+          <a:schemeClr val="accent3">
+            <a:lumMod val="50000"/>
+          </a:schemeClr>
+        </a:buClr>
+        <a:buFont typeface="Arial" pitchFamily="-72" charset="0"/>
+        <a:buChar char="–"/>
+        <a:defRPr sz="2800" kern="1200">
+          <a:solidFill>
+            <a:schemeClr val="tx1"/>
+          </a:solidFill>
+          <a:latin typeface="Arial" pitchFamily="-72" charset="0"/>
+          <a:ea typeface="ＭＳ Ｐゴシック" pitchFamily="-72" charset="-128"/>
+          <a:cs typeface="+mn-cs"/>
+        </a:defRPr>
+      </a:lvl2pPr>
+      <a:lvl3pPr marL="1143000" indent="-228600" algn="l" rtl="0" eaLnBrk="1" fontAlgn="base" hangingPunct="1">
+        <a:spcBef>
+          <a:spcPct val="20000"/>
+        </a:spcBef>
+        <a:spcAft>
+          <a:spcPct val="0"/>
+        </a:spcAft>
+        <a:buClr>
+          <a:schemeClr val="accent3">
+            <a:lumMod val="50000"/>
+          </a:schemeClr>
+        </a:buClr>
+        <a:buFont typeface="Arial" pitchFamily="-72" charset="0"/>
+        <a:buChar char="•"/>
+        <a:defRPr sz="2400" kern="1200">
+          <a:solidFill>
+            <a:schemeClr val="tx1"/>
+          </a:solidFill>
+          <a:latin typeface="Arial" pitchFamily="-72" charset="0"/>
+          <a:ea typeface="ＭＳ Ｐゴシック" pitchFamily="-72" charset="-128"/>
+          <a:cs typeface="+mn-cs"/>
+        </a:defRPr>
+      </a:lvl3pPr>
+      <a:lvl4pPr marL="1600200" indent="-228600" algn="l" rtl="0" eaLnBrk="1" fontAlgn="base" hangingPunct="1">
+        <a:spcBef>
+          <a:spcPct val="20000"/>
+        </a:spcBef>
+        <a:spcAft>
+          <a:spcPct val="0"/>
+        </a:spcAft>
+        <a:buClr>
+          <a:schemeClr val="accent3">
+            <a:lumMod val="50000"/>
+          </a:schemeClr>
+        </a:buClr>
+        <a:buFont typeface="Arial" pitchFamily="-72" charset="0"/>
+        <a:buChar char="–"/>
+        <a:defRPr sz="2000" kern="1200">
+          <a:solidFill>
+            <a:schemeClr val="tx1"/>
+          </a:solidFill>
+          <a:latin typeface="Arial" pitchFamily="-72" charset="0"/>
+          <a:ea typeface="ＭＳ Ｐゴシック" pitchFamily="-72" charset="-128"/>
+          <a:cs typeface="+mn-cs"/>
+        </a:defRPr>
+      </a:lvl4pPr>
+      <a:lvl5pPr marL="2057400" indent="-228600" algn="l" rtl="0" eaLnBrk="1" fontAlgn="base" hangingPunct="1">
+        <a:spcBef>
+          <a:spcPct val="20000"/>
+        </a:spcBef>
+        <a:spcAft>
+          <a:spcPct val="0"/>
+        </a:spcAft>
+        <a:buClr>
+          <a:schemeClr val="accent3">
+            <a:lumMod val="50000"/>
+          </a:schemeClr>
+        </a:buClr>
+        <a:buFont typeface="Arial" pitchFamily="-72" charset="0"/>
         <a:buChar char="»"/>
         <a:defRPr sz="2000" kern="1200">
           <a:solidFill>
             <a:schemeClr val="tx1"/>
           </a:solidFill>
-          <a:latin typeface="+mn-lt"/>
-          <a:ea typeface="+mn-ea"/>
+          <a:latin typeface="Arial" pitchFamily="-72" charset="0"/>
+          <a:ea typeface="ＭＳ Ｐゴシック" pitchFamily="-72" charset="-128"/>
           <a:cs typeface="+mn-cs"/>
         </a:defRPr>
       </a:lvl5pPr>
@@ -4653,6 +8246,20 @@
 <file path=ppt/slides/slide1.xml><?xml version="1.0" encoding="utf-8"?>
 <p:sld xmlns:a="http://schemas.openxmlformats.org/drawingml/2006/main" xmlns:r="http://schemas.openxmlformats.org/officeDocument/2006/relationships" xmlns:p="http://schemas.openxmlformats.org/presentationml/2006/main">
   <p:cSld>
+    <p:bg>
+      <p:bgPr>
+        <a:blipFill dpi="0" rotWithShape="0">
+          <a:blip r:embed="rId3">
+            <a:lum/>
+          </a:blip>
+          <a:srcRect/>
+          <a:stretch>
+            <a:fillRect/>
+          </a:stretch>
+        </a:blipFill>
+        <a:effectLst/>
+      </p:bgPr>
+    </p:bg>
     <p:spTree>
       <p:nvGrpSpPr>
         <p:cNvPr id="1" name=""/>
@@ -4669,302 +8276,158 @@
       </p:grpSpPr>
       <p:sp>
         <p:nvSpPr>
-          <p:cNvPr id="2" name="Title 1"/>
-          <p:cNvSpPr>
-            <a:spLocks noGrp="1"/>
-          </p:cNvSpPr>
-          <p:nvPr>
-            <p:ph type="ctrTitle"/>
-          </p:nvPr>
-        </p:nvSpPr>
-        <p:spPr/>
-        <p:txBody>
-          <a:bodyPr/>
-          <a:lstStyle/>
-          <a:p>
-            <a:r>
-              <a:rPr lang="en-US" dirty="0"/>
-              <a:t>Unit Testing</a:t>
-            </a:r>
-            <a:r>
-              <a:rPr lang="en-US" baseline="0" dirty="0"/>
-              <a:t> T-SQL Code</a:t>
-            </a:r>
-            <a:endParaRPr lang="en-US" dirty="0"/>
-          </a:p>
-        </p:txBody>
-      </p:sp>
-      <p:sp>
-        <p:nvSpPr>
-          <p:cNvPr id="4" name="Subtitle 2"/>
+          <p:cNvPr id="5" name="Rectangle 3"/>
           <p:cNvSpPr txBox="1">
-            <a:spLocks/>
+            <a:spLocks noChangeArrowheads="1"/>
           </p:cNvSpPr>
           <p:nvPr/>
         </p:nvSpPr>
-        <p:spPr>
+        <p:spPr bwMode="auto">
           <a:xfrm>
-            <a:off x="0" y="3657600"/>
-            <a:ext cx="9144000" cy="1655762"/>
+            <a:off x="971601" y="2179340"/>
+            <a:ext cx="7313613" cy="1028700"/>
           </a:xfrm>
           <a:prstGeom prst="rect">
             <a:avLst/>
           </a:prstGeom>
+          <a:noFill/>
+          <a:ln>
+            <a:noFill/>
+          </a:ln>
+          <a:effectLst/>
+          <a:extLst/>
         </p:spPr>
         <p:txBody>
-          <a:bodyPr vert="horz" lIns="91440" tIns="45720" rIns="91440" bIns="45720" rtlCol="0">
-            <a:normAutofit lnSpcReduction="10000"/>
+          <a:bodyPr lIns="90379" tIns="44448" rIns="90379" bIns="44448" anchor="b">
+            <a:prstTxWarp prst="textNoShape">
+              <a:avLst/>
+            </a:prstTxWarp>
           </a:bodyPr>
-          <a:lstStyle>
-            <a:lvl1pPr marL="0" indent="0" algn="ctr" defTabSz="914400" rtl="0" eaLnBrk="1" latinLnBrk="0" hangingPunct="1">
-              <a:spcBef>
-                <a:spcPct val="20000"/>
-              </a:spcBef>
-              <a:buFont typeface="Arial" pitchFamily="34" charset="0"/>
-              <a:buNone/>
-              <a:defRPr sz="3200" kern="1200">
+          <a:lstStyle/>
+          <a:p>
+            <a:pPr algn="ctr" defTabSz="896938" eaLnBrk="0" hangingPunct="0"/>
+            <a:r>
+              <a:rPr lang="en-US" sz="4000" b="1" dirty="0">
                 <a:solidFill>
-                  <a:schemeClr val="tx1">
-                    <a:tint val="75000"/>
-                  </a:schemeClr>
+                  <a:prstClr val="white"/>
                 </a:solidFill>
-                <a:latin typeface="+mn-lt"/>
-                <a:ea typeface="+mn-ea"/>
-                <a:cs typeface="+mn-cs"/>
-              </a:defRPr>
-            </a:lvl1pPr>
-            <a:lvl2pPr marL="457200" indent="0" algn="ctr" defTabSz="914400" rtl="0" eaLnBrk="1" latinLnBrk="0" hangingPunct="1">
-              <a:spcBef>
-                <a:spcPct val="20000"/>
-              </a:spcBef>
-              <a:buFont typeface="Arial" pitchFamily="34" charset="0"/>
-              <a:buNone/>
-              <a:defRPr sz="2800" kern="1200">
-                <a:solidFill>
-                  <a:schemeClr val="tx1">
-                    <a:tint val="75000"/>
-                  </a:schemeClr>
-                </a:solidFill>
-                <a:latin typeface="+mn-lt"/>
-                <a:ea typeface="+mn-ea"/>
-                <a:cs typeface="+mn-cs"/>
-              </a:defRPr>
-            </a:lvl2pPr>
-            <a:lvl3pPr marL="914400" indent="0" algn="ctr" defTabSz="914400" rtl="0" eaLnBrk="1" latinLnBrk="0" hangingPunct="1">
-              <a:spcBef>
-                <a:spcPct val="20000"/>
-              </a:spcBef>
-              <a:buFont typeface="Arial" pitchFamily="34" charset="0"/>
-              <a:buNone/>
-              <a:defRPr sz="2400" kern="1200">
-                <a:solidFill>
-                  <a:schemeClr val="tx1">
-                    <a:tint val="75000"/>
-                  </a:schemeClr>
-                </a:solidFill>
-                <a:latin typeface="+mn-lt"/>
-                <a:ea typeface="+mn-ea"/>
-                <a:cs typeface="+mn-cs"/>
-              </a:defRPr>
-            </a:lvl3pPr>
-            <a:lvl4pPr marL="1371600" indent="0" algn="ctr" defTabSz="914400" rtl="0" eaLnBrk="1" latinLnBrk="0" hangingPunct="1">
-              <a:spcBef>
-                <a:spcPct val="20000"/>
-              </a:spcBef>
-              <a:buFont typeface="Arial" pitchFamily="34" charset="0"/>
-              <a:buNone/>
-              <a:defRPr sz="2000" kern="1200">
-                <a:solidFill>
-                  <a:schemeClr val="tx1">
-                    <a:tint val="75000"/>
-                  </a:schemeClr>
-                </a:solidFill>
-                <a:latin typeface="+mn-lt"/>
-                <a:ea typeface="+mn-ea"/>
-                <a:cs typeface="+mn-cs"/>
-              </a:defRPr>
-            </a:lvl4pPr>
-            <a:lvl5pPr marL="1828800" indent="0" algn="ctr" defTabSz="914400" rtl="0" eaLnBrk="1" latinLnBrk="0" hangingPunct="1">
-              <a:spcBef>
-                <a:spcPct val="20000"/>
-              </a:spcBef>
-              <a:buFont typeface="Arial" pitchFamily="34" charset="0"/>
-              <a:buNone/>
-              <a:defRPr sz="2000" kern="1200">
-                <a:solidFill>
-                  <a:schemeClr val="tx1">
-                    <a:tint val="75000"/>
-                  </a:schemeClr>
-                </a:solidFill>
-                <a:latin typeface="+mn-lt"/>
-                <a:ea typeface="+mn-ea"/>
-                <a:cs typeface="+mn-cs"/>
-              </a:defRPr>
-            </a:lvl5pPr>
-            <a:lvl6pPr marL="2286000" indent="0" algn="ctr" defTabSz="914400" rtl="0" eaLnBrk="1" latinLnBrk="0" hangingPunct="1">
-              <a:spcBef>
-                <a:spcPct val="20000"/>
-              </a:spcBef>
-              <a:buFont typeface="Arial" pitchFamily="34" charset="0"/>
-              <a:buNone/>
-              <a:defRPr sz="2000" kern="1200">
-                <a:solidFill>
-                  <a:schemeClr val="tx1">
-                    <a:tint val="75000"/>
-                  </a:schemeClr>
-                </a:solidFill>
-                <a:latin typeface="+mn-lt"/>
-                <a:ea typeface="+mn-ea"/>
-                <a:cs typeface="+mn-cs"/>
-              </a:defRPr>
-            </a:lvl6pPr>
-            <a:lvl7pPr marL="2743200" indent="0" algn="ctr" defTabSz="914400" rtl="0" eaLnBrk="1" latinLnBrk="0" hangingPunct="1">
-              <a:spcBef>
-                <a:spcPct val="20000"/>
-              </a:spcBef>
-              <a:buFont typeface="Arial" pitchFamily="34" charset="0"/>
-              <a:buNone/>
-              <a:defRPr sz="2000" kern="1200">
-                <a:solidFill>
-                  <a:schemeClr val="tx1">
-                    <a:tint val="75000"/>
-                  </a:schemeClr>
-                </a:solidFill>
-                <a:latin typeface="+mn-lt"/>
-                <a:ea typeface="+mn-ea"/>
-                <a:cs typeface="+mn-cs"/>
-              </a:defRPr>
-            </a:lvl7pPr>
-            <a:lvl8pPr marL="3200400" indent="0" algn="ctr" defTabSz="914400" rtl="0" eaLnBrk="1" latinLnBrk="0" hangingPunct="1">
-              <a:spcBef>
-                <a:spcPct val="20000"/>
-              </a:spcBef>
-              <a:buFont typeface="Arial" pitchFamily="34" charset="0"/>
-              <a:buNone/>
-              <a:defRPr sz="2000" kern="1200">
-                <a:solidFill>
-                  <a:schemeClr val="tx1">
-                    <a:tint val="75000"/>
-                  </a:schemeClr>
-                </a:solidFill>
-                <a:latin typeface="+mn-lt"/>
-                <a:ea typeface="+mn-ea"/>
-                <a:cs typeface="+mn-cs"/>
-              </a:defRPr>
-            </a:lvl8pPr>
-            <a:lvl9pPr marL="3657600" indent="0" algn="ctr" defTabSz="914400" rtl="0" eaLnBrk="1" latinLnBrk="0" hangingPunct="1">
-              <a:spcBef>
-                <a:spcPct val="20000"/>
-              </a:spcBef>
-              <a:buFont typeface="Arial" pitchFamily="34" charset="0"/>
-              <a:buNone/>
-              <a:defRPr sz="2000" kern="1200">
-                <a:solidFill>
-                  <a:schemeClr val="tx1">
-                    <a:tint val="75000"/>
-                  </a:schemeClr>
-                </a:solidFill>
-                <a:latin typeface="+mn-lt"/>
-                <a:ea typeface="+mn-ea"/>
-                <a:cs typeface="+mn-cs"/>
-              </a:defRPr>
-            </a:lvl9pPr>
-          </a:lstStyle>
-          <a:p>
-            <a:r>
-              <a:rPr lang="en-US" dirty="0"/>
-              <a:t>Steve Jones</a:t>
-            </a:r>
-          </a:p>
-          <a:p>
-            <a:r>
-              <a:rPr lang="en-US" dirty="0" err="1"/>
-              <a:t>SQLServerCentral</a:t>
-            </a:r>
-            <a:endParaRPr lang="en-US" dirty="0"/>
-          </a:p>
-          <a:p>
-            <a:r>
-              <a:rPr lang="en-US" dirty="0" err="1"/>
-              <a:t>Redgate</a:t>
-            </a:r>
-            <a:r>
-              <a:rPr lang="en-US" dirty="0"/>
-              <a:t> Software</a:t>
-            </a:r>
-          </a:p>
-        </p:txBody>
-      </p:sp>
-      <p:pic>
-        <p:nvPicPr>
-          <p:cNvPr id="5" name="Picture 4"/>
-          <p:cNvPicPr>
-            <a:picLocks noChangeAspect="1"/>
-          </p:cNvPicPr>
+                <a:latin typeface="Arial Bold" pitchFamily="-72" charset="0"/>
+              </a:rPr>
+              <a:t>Unit Testing T-SQL Code</a:t>
+            </a:r>
+          </a:p>
+        </p:txBody>
+      </p:sp>
+      <p:sp>
+        <p:nvSpPr>
+          <p:cNvPr id="6" name="Rectangle 5"/>
+          <p:cNvSpPr>
+            <a:spLocks noChangeArrowheads="1"/>
+          </p:cNvSpPr>
           <p:nvPr/>
-        </p:nvPicPr>
-        <p:blipFill>
-          <a:blip r:embed="rId3">
-            <a:extLst>
-              <a:ext uri="{28A0092B-C50C-407E-A947-70E740481C1C}">
-                <a14:useLocalDpi xmlns:a14="http://schemas.microsoft.com/office/drawing/2010/main" val="0"/>
-              </a:ext>
-            </a:extLst>
-          </a:blip>
-          <a:stretch>
-            <a:fillRect/>
-          </a:stretch>
-        </p:blipFill>
-        <p:spPr>
+        </p:nvSpPr>
+        <p:spPr bwMode="auto">
           <a:xfrm>
-            <a:off x="6629400" y="5623601"/>
-            <a:ext cx="2014815" cy="711111"/>
+            <a:off x="4240214" y="3356992"/>
+            <a:ext cx="3987800" cy="1002506"/>
           </a:xfrm>
           <a:prstGeom prst="rect">
             <a:avLst/>
           </a:prstGeom>
+          <a:noFill/>
+          <a:ln>
+            <a:noFill/>
+          </a:ln>
+          <a:effectLst/>
+          <a:extLst/>
         </p:spPr>
-      </p:pic>
-      <p:pic>
-        <p:nvPicPr>
-          <p:cNvPr id="6" name="Picture 5"/>
-          <p:cNvPicPr>
-            <a:picLocks noChangeAspect="1"/>
-          </p:cNvPicPr>
-          <p:nvPr/>
-        </p:nvPicPr>
-        <p:blipFill>
-          <a:blip r:embed="rId4">
-            <a:extLst>
-              <a:ext uri="{28A0092B-C50C-407E-A947-70E740481C1C}">
-                <a14:useLocalDpi xmlns:a14="http://schemas.microsoft.com/office/drawing/2010/main" val="0"/>
-              </a:ext>
-            </a:extLst>
-          </a:blip>
-          <a:stretch>
-            <a:fillRect/>
-          </a:stretch>
-        </p:blipFill>
-        <p:spPr>
-          <a:xfrm>
-            <a:off x="228600" y="5461676"/>
-            <a:ext cx="2922244" cy="1034961"/>
-          </a:xfrm>
-          <a:prstGeom prst="rect">
-            <a:avLst/>
-          </a:prstGeom>
-        </p:spPr>
-      </p:pic>
+        <p:txBody>
+          <a:bodyPr lIns="85923" tIns="42962" rIns="85923" bIns="42962">
+            <a:prstTxWarp prst="textNoShape">
+              <a:avLst/>
+            </a:prstTxWarp>
+          </a:bodyPr>
+          <a:lstStyle/>
+          <a:p>
+            <a:pPr algn="r"/>
+            <a:r>
+              <a:rPr lang="en-US" sz="2800" b="1" dirty="0">
+                <a:solidFill>
+                  <a:prstClr val="white">
+                    <a:lumMod val="85000"/>
+                  </a:prstClr>
+                </a:solidFill>
+              </a:rPr>
+              <a:t>Steve Jones</a:t>
+            </a:r>
+          </a:p>
+          <a:p>
+            <a:pPr algn="r"/>
+            <a:r>
+              <a:rPr lang="en-US" sz="2400" b="1" dirty="0">
+                <a:solidFill>
+                  <a:prstClr val="white">
+                    <a:lumMod val="85000"/>
+                  </a:prstClr>
+                </a:solidFill>
+              </a:rPr>
+              <a:t>Editor, </a:t>
+            </a:r>
+          </a:p>
+          <a:p>
+            <a:pPr algn="r"/>
+            <a:r>
+              <a:rPr lang="en-US" sz="2400" b="1" dirty="0">
+                <a:solidFill>
+                  <a:prstClr val="white">
+                    <a:lumMod val="85000"/>
+                  </a:prstClr>
+                </a:solidFill>
+              </a:rPr>
+              <a:t>SQLServerCentral</a:t>
+            </a:r>
+          </a:p>
+          <a:p>
+            <a:pPr algn="r"/>
+            <a:r>
+              <a:rPr lang="en-US" sz="2400" b="1" dirty="0">
+                <a:solidFill>
+                  <a:prstClr val="white">
+                    <a:lumMod val="85000"/>
+                  </a:prstClr>
+                </a:solidFill>
+              </a:rPr>
+              <a:t>Redgate Software</a:t>
+            </a:r>
+          </a:p>
+          <a:p>
+            <a:endParaRPr lang="en-US" b="1" dirty="0">
+              <a:solidFill>
+                <a:srgbClr val="FFF1D6"/>
+              </a:solidFill>
+            </a:endParaRPr>
+          </a:p>
+          <a:p>
+            <a:endParaRPr lang="en-US" sz="1400" dirty="0">
+              <a:solidFill>
+                <a:prstClr val="black"/>
+              </a:solidFill>
+              <a:latin typeface="Times New Roman" pitchFamily="-72" charset="0"/>
+            </a:endParaRPr>
+          </a:p>
+        </p:txBody>
+      </p:sp>
     </p:spTree>
     <p:extLst>
       <p:ext uri="{BB962C8B-B14F-4D97-AF65-F5344CB8AC3E}">
-        <p14:creationId xmlns:p14="http://schemas.microsoft.com/office/powerpoint/2010/main" val="1037808691"/>
+        <p14:creationId xmlns:p14="http://schemas.microsoft.com/office/powerpoint/2010/main" val="1184412678"/>
       </p:ext>
     </p:extLst>
   </p:cSld>
   <p:clrMapOvr>
     <a:masterClrMapping/>
   </p:clrMapOvr>
+  <p:transition spd="slow"/>
 </p:sld>
 </file>
 
@@ -5002,7 +8465,7 @@
           <a:p>
             <a:r>
               <a:rPr lang="en-US" dirty="0"/>
-              <a:t>Building Tests</a:t>
+              <a:t>Writing Tests</a:t>
             </a:r>
           </a:p>
         </p:txBody>
@@ -5024,19 +8487,47 @@
           <a:p>
             <a:r>
               <a:rPr lang="en-US" dirty="0"/>
-              <a:t>We want repeatable tests</a:t>
+              <a:t>TDD?</a:t>
             </a:r>
           </a:p>
           <a:p>
             <a:r>
               <a:rPr lang="en-US" dirty="0"/>
-              <a:t>We want automated tests</a:t>
-            </a:r>
-          </a:p>
-          <a:p>
+              <a:t>Write after if wish before coding</a:t>
+            </a:r>
+          </a:p>
+          <a:p>
+            <a:pPr lvl="1"/>
             <a:r>
               <a:rPr lang="en-US" dirty="0"/>
-              <a:t>We want a suite of tests</a:t>
+              <a:t>Good for listing requirements</a:t>
+            </a:r>
+          </a:p>
+          <a:p>
+            <a:pPr lvl="1"/>
+            <a:r>
+              <a:rPr lang="en-US" dirty="0"/>
+              <a:t>Forces you to slow down and think about the problem</a:t>
+            </a:r>
+          </a:p>
+          <a:p>
+            <a:r>
+              <a:rPr lang="en-US" dirty="0"/>
+              <a:t>Write as you get feedback from CI and QA testing.</a:t>
+            </a:r>
+          </a:p>
+          <a:p>
+            <a:pPr lvl="1"/>
+            <a:r>
+              <a:rPr lang="en-US" dirty="0"/>
+              <a:t>All bugs should create a new test</a:t>
+            </a:r>
+          </a:p>
+          <a:p>
+            <a:pPr lvl="1"/>
+            <a:r>
+              <a:rPr lang="en-US" dirty="0"/>
+              <a:t>Prevent regressions</a:t>
             </a:r>
           </a:p>
         </p:txBody>
@@ -5044,7 +8535,7 @@
     </p:spTree>
     <p:extLst>
       <p:ext uri="{BB962C8B-B14F-4D97-AF65-F5344CB8AC3E}">
-        <p14:creationId xmlns:p14="http://schemas.microsoft.com/office/powerpoint/2010/main" val="2858332371"/>
+        <p14:creationId xmlns:p14="http://schemas.microsoft.com/office/powerpoint/2010/main" val="1110580934"/>
       </p:ext>
     </p:extLst>
   </p:cSld>
@@ -5088,7 +8579,7 @@
           <a:p>
             <a:r>
               <a:rPr lang="en-US" dirty="0"/>
-              <a:t>Writing Tests</a:t>
+              <a:t>Structure of tests</a:t>
             </a:r>
           </a:p>
         </p:txBody>
@@ -5105,49 +8596,139 @@
         </p:nvSpPr>
         <p:spPr/>
         <p:txBody>
-          <a:bodyPr/>
+          <a:bodyPr>
+            <a:normAutofit lnSpcReduction="10000"/>
+          </a:bodyPr>
           <a:lstStyle/>
           <a:p>
-            <a:r>
-              <a:rPr lang="en-US" dirty="0"/>
-              <a:t>TDD?</a:t>
-            </a:r>
-          </a:p>
-          <a:p>
-            <a:r>
-              <a:rPr lang="en-US" dirty="0" err="1"/>
-              <a:t>DurinWrite</a:t>
-            </a:r>
-            <a:r>
-              <a:rPr lang="en-US" dirty="0"/>
-              <a:t> after if you must.</a:t>
-            </a:r>
-          </a:p>
-          <a:p>
-            <a:pPr lvl="1"/>
-            <a:r>
-              <a:rPr lang="en-US" dirty="0"/>
-              <a:t>Good for existing code</a:t>
-            </a:r>
-          </a:p>
-          <a:p>
-            <a:r>
-              <a:rPr lang="en-US" dirty="0"/>
-              <a:t>g development.</a:t>
-            </a:r>
-          </a:p>
-          <a:p>
-            <a:r>
-              <a:rPr lang="en-US" dirty="0"/>
-              <a:t>Write as you get feedback from CI and QA testing.</a:t>
-            </a:r>
+            <a:pPr>
+              <a:spcAft>
+                <a:spcPts val="450"/>
+              </a:spcAft>
+            </a:pPr>
+            <a:r>
+              <a:rPr lang="en-US" sz="2400" b="1" dirty="0">
+                <a:cs typeface="Arial" panose="020B0604020202020204" pitchFamily="34" charset="0"/>
+              </a:rPr>
+              <a:t>Classes</a:t>
+            </a:r>
+          </a:p>
+          <a:p>
+            <a:pPr marL="933450" lvl="1" indent="-457200">
+              <a:buFont typeface="Arial" panose="020B0604020202020204" pitchFamily="34" charset="0"/>
+              <a:buChar char="•"/>
+            </a:pPr>
+            <a:r>
+              <a:rPr lang="en-US" sz="2400" dirty="0">
+                <a:cs typeface="Arial" panose="020B0604020202020204" pitchFamily="34" charset="0"/>
+              </a:rPr>
+              <a:t>Group by object/area being tested</a:t>
+            </a:r>
+          </a:p>
+          <a:p>
+            <a:pPr marL="933450" lvl="1" indent="-457200">
+              <a:buFont typeface="Arial" panose="020B0604020202020204" pitchFamily="34" charset="0"/>
+              <a:buChar char="•"/>
+            </a:pPr>
+            <a:r>
+              <a:rPr lang="en-US" sz="2400" dirty="0">
+                <a:cs typeface="Arial" panose="020B0604020202020204" pitchFamily="34" charset="0"/>
+              </a:rPr>
+              <a:t>Or scale (Google – S, M, L)</a:t>
+            </a:r>
+          </a:p>
+          <a:p>
+            <a:pPr marL="819150" lvl="1" indent="-342900">
+              <a:buFont typeface="Arial" panose="020B0604020202020204" pitchFamily="34" charset="0"/>
+              <a:buChar char="•"/>
+            </a:pPr>
+            <a:r>
+              <a:rPr lang="en-US" sz="2400" dirty="0">
+                <a:cs typeface="Arial" panose="020B0604020202020204" pitchFamily="34" charset="0"/>
+              </a:rPr>
+              <a:t> </a:t>
+            </a:r>
+          </a:p>
+          <a:p>
+            <a:pPr>
+              <a:spcAft>
+                <a:spcPts val="450"/>
+              </a:spcAft>
+            </a:pPr>
+            <a:r>
+              <a:rPr lang="en-US" sz="2400" b="1" dirty="0">
+                <a:cs typeface="Arial" panose="020B0604020202020204" pitchFamily="34" charset="0"/>
+              </a:rPr>
+              <a:t>Layout</a:t>
+            </a:r>
+          </a:p>
+          <a:p>
+            <a:pPr marL="933450" lvl="1" indent="-457200">
+              <a:buFont typeface="Arial" panose="020B0604020202020204" pitchFamily="34" charset="0"/>
+              <a:buChar char="•"/>
+            </a:pPr>
+            <a:r>
+              <a:rPr lang="en-US" sz="2400" dirty="0">
+                <a:cs typeface="Arial" panose="020B0604020202020204" pitchFamily="34" charset="0"/>
+              </a:rPr>
+              <a:t>Assemble</a:t>
+            </a:r>
+          </a:p>
+          <a:p>
+            <a:pPr marL="933450" lvl="1" indent="-457200">
+              <a:buFont typeface="Arial" panose="020B0604020202020204" pitchFamily="34" charset="0"/>
+              <a:buChar char="•"/>
+            </a:pPr>
+            <a:r>
+              <a:rPr lang="en-US" sz="2400" dirty="0">
+                <a:cs typeface="Arial" panose="020B0604020202020204" pitchFamily="34" charset="0"/>
+              </a:rPr>
+              <a:t>Act</a:t>
+            </a:r>
+          </a:p>
+          <a:p>
+            <a:pPr marL="933450" lvl="1" indent="-457200">
+              <a:buFont typeface="Arial" panose="020B0604020202020204" pitchFamily="34" charset="0"/>
+              <a:buChar char="•"/>
+            </a:pPr>
+            <a:r>
+              <a:rPr lang="en-US" sz="2400" dirty="0">
+                <a:cs typeface="Arial" panose="020B0604020202020204" pitchFamily="34" charset="0"/>
+              </a:rPr>
+              <a:t>Assert</a:t>
+            </a:r>
+          </a:p>
+          <a:p>
+            <a:pPr marL="933450" lvl="1" indent="-457200">
+              <a:buFont typeface="Arial" panose="020B0604020202020204" pitchFamily="34" charset="0"/>
+              <a:buChar char="•"/>
+            </a:pPr>
+            <a:endParaRPr lang="en-US" sz="2400" dirty="0">
+              <a:cs typeface="Arial" panose="020B0604020202020204" pitchFamily="34" charset="0"/>
+            </a:endParaRPr>
+          </a:p>
+          <a:p>
+            <a:pPr>
+              <a:spcAft>
+                <a:spcPts val="450"/>
+              </a:spcAft>
+            </a:pPr>
+            <a:r>
+              <a:rPr lang="en-US" sz="2400" b="1" dirty="0">
+                <a:cs typeface="Arial" panose="020B0604020202020204" pitchFamily="34" charset="0"/>
+              </a:rPr>
+              <a:t>Tests fail first</a:t>
+            </a:r>
+          </a:p>
+          <a:p>
+            <a:endParaRPr lang="en-US" dirty="0"/>
           </a:p>
         </p:txBody>
       </p:sp>
     </p:spTree>
     <p:extLst>
       <p:ext uri="{BB962C8B-B14F-4D97-AF65-F5344CB8AC3E}">
-        <p14:creationId xmlns:p14="http://schemas.microsoft.com/office/powerpoint/2010/main" val="1110580934"/>
+        <p14:creationId xmlns:p14="http://schemas.microsoft.com/office/powerpoint/2010/main" val="3790041024"/>
       </p:ext>
     </p:extLst>
   </p:cSld>
@@ -5191,7 +8772,7 @@
           <a:p>
             <a:r>
               <a:rPr lang="en-US" dirty="0"/>
-              <a:t>Structure of tests</a:t>
+              <a:t>Test Data</a:t>
             </a:r>
           </a:p>
         </p:txBody>
@@ -5208,139 +8789,32 @@
         </p:nvSpPr>
         <p:spPr/>
         <p:txBody>
-          <a:bodyPr>
-            <a:normAutofit lnSpcReduction="10000"/>
-          </a:bodyPr>
+          <a:bodyPr/>
           <a:lstStyle/>
           <a:p>
-            <a:pPr>
-              <a:spcAft>
-                <a:spcPts val="450"/>
-              </a:spcAft>
-            </a:pPr>
-            <a:r>
-              <a:rPr lang="en-US" sz="2400" b="1" dirty="0">
-                <a:cs typeface="Arial" panose="020B0604020202020204" pitchFamily="34" charset="0"/>
-              </a:rPr>
-              <a:t>Classes</a:t>
-            </a:r>
-          </a:p>
-          <a:p>
-            <a:pPr marL="933450" lvl="1" indent="-457200">
-              <a:buFont typeface="Arial" panose="020B0604020202020204" pitchFamily="34" charset="0"/>
-              <a:buChar char="•"/>
-            </a:pPr>
-            <a:r>
-              <a:rPr lang="en-US" sz="2400" dirty="0">
-                <a:cs typeface="Arial" panose="020B0604020202020204" pitchFamily="34" charset="0"/>
-              </a:rPr>
-              <a:t>Group by object/area being tested</a:t>
-            </a:r>
-          </a:p>
-          <a:p>
-            <a:pPr marL="933450" lvl="1" indent="-457200">
-              <a:buFont typeface="Arial" panose="020B0604020202020204" pitchFamily="34" charset="0"/>
-              <a:buChar char="•"/>
-            </a:pPr>
-            <a:r>
-              <a:rPr lang="en-US" sz="2400" dirty="0">
-                <a:cs typeface="Arial" panose="020B0604020202020204" pitchFamily="34" charset="0"/>
-              </a:rPr>
-              <a:t>Or scale (Google – S, M, L)</a:t>
-            </a:r>
-          </a:p>
-          <a:p>
-            <a:pPr marL="819150" lvl="1" indent="-342900">
-              <a:buFont typeface="Arial" panose="020B0604020202020204" pitchFamily="34" charset="0"/>
-              <a:buChar char="•"/>
-            </a:pPr>
-            <a:r>
-              <a:rPr lang="en-US" sz="2400" dirty="0">
-                <a:cs typeface="Arial" panose="020B0604020202020204" pitchFamily="34" charset="0"/>
-              </a:rPr>
-              <a:t> </a:t>
-            </a:r>
-          </a:p>
-          <a:p>
-            <a:pPr>
-              <a:spcAft>
-                <a:spcPts val="450"/>
-              </a:spcAft>
-            </a:pPr>
-            <a:r>
-              <a:rPr lang="en-US" sz="2400" b="1" dirty="0">
-                <a:cs typeface="Arial" panose="020B0604020202020204" pitchFamily="34" charset="0"/>
-              </a:rPr>
-              <a:t>Layout</a:t>
-            </a:r>
-          </a:p>
-          <a:p>
-            <a:pPr marL="933450" lvl="1" indent="-457200">
-              <a:buFont typeface="Arial" panose="020B0604020202020204" pitchFamily="34" charset="0"/>
-              <a:buChar char="•"/>
-            </a:pPr>
-            <a:r>
-              <a:rPr lang="en-US" sz="2400" dirty="0">
-                <a:cs typeface="Arial" panose="020B0604020202020204" pitchFamily="34" charset="0"/>
-              </a:rPr>
-              <a:t>Assemble</a:t>
-            </a:r>
-          </a:p>
-          <a:p>
-            <a:pPr marL="933450" lvl="1" indent="-457200">
-              <a:buFont typeface="Arial" panose="020B0604020202020204" pitchFamily="34" charset="0"/>
-              <a:buChar char="•"/>
-            </a:pPr>
-            <a:r>
-              <a:rPr lang="en-US" sz="2400" dirty="0">
-                <a:cs typeface="Arial" panose="020B0604020202020204" pitchFamily="34" charset="0"/>
-              </a:rPr>
-              <a:t>Act</a:t>
-            </a:r>
-          </a:p>
-          <a:p>
-            <a:pPr marL="933450" lvl="1" indent="-457200">
-              <a:buFont typeface="Arial" panose="020B0604020202020204" pitchFamily="34" charset="0"/>
-              <a:buChar char="•"/>
-            </a:pPr>
-            <a:r>
-              <a:rPr lang="en-US" sz="2400" dirty="0">
-                <a:cs typeface="Arial" panose="020B0604020202020204" pitchFamily="34" charset="0"/>
-              </a:rPr>
-              <a:t>Assert</a:t>
-            </a:r>
-          </a:p>
-          <a:p>
-            <a:pPr marL="933450" lvl="1" indent="-457200">
-              <a:buFont typeface="Arial" panose="020B0604020202020204" pitchFamily="34" charset="0"/>
-              <a:buChar char="•"/>
-            </a:pPr>
-            <a:endParaRPr lang="en-US" sz="2400" dirty="0">
-              <a:cs typeface="Arial" panose="020B0604020202020204" pitchFamily="34" charset="0"/>
-            </a:endParaRPr>
-          </a:p>
-          <a:p>
-            <a:pPr>
-              <a:spcAft>
-                <a:spcPts val="450"/>
-              </a:spcAft>
-            </a:pPr>
-            <a:r>
-              <a:rPr lang="en-US" sz="2400" b="1" dirty="0">
-                <a:cs typeface="Arial" panose="020B0604020202020204" pitchFamily="34" charset="0"/>
-              </a:rPr>
-              <a:t>Tests fail first</a:t>
-            </a:r>
-          </a:p>
-          <a:p>
-            <a:endParaRPr lang="en-US" dirty="0"/>
+            <a:r>
+              <a:rPr lang="en-US" dirty="0"/>
+              <a:t>We don't need lots of data to write code</a:t>
+            </a:r>
+          </a:p>
+          <a:p>
+            <a:r>
+              <a:rPr lang="en-US" dirty="0"/>
+              <a:t>Ideally our tests contain data</a:t>
+            </a:r>
+          </a:p>
+          <a:p>
+            <a:r>
+              <a:rPr lang="en-US" dirty="0"/>
+              <a:t>For more extensive testing, we should have a curated set of data that all developers (and systems) use.</a:t>
+            </a:r>
           </a:p>
         </p:txBody>
       </p:sp>
     </p:spTree>
     <p:extLst>
       <p:ext uri="{BB962C8B-B14F-4D97-AF65-F5344CB8AC3E}">
-        <p14:creationId xmlns:p14="http://schemas.microsoft.com/office/powerpoint/2010/main" val="3790041024"/>
+        <p14:creationId xmlns:p14="http://schemas.microsoft.com/office/powerpoint/2010/main" val="1968612938"/>
       </p:ext>
     </p:extLst>
   </p:cSld>
@@ -5369,7 +8843,7 @@
       </p:grpSpPr>
       <p:sp>
         <p:nvSpPr>
-          <p:cNvPr id="2" name="Title 1"/>
+          <p:cNvPr id="4" name="Title 3"/>
           <p:cNvSpPr>
             <a:spLocks noGrp="1"/>
           </p:cNvSpPr>
@@ -5391,12 +8865,12 @@
       </p:sp>
       <p:sp>
         <p:nvSpPr>
-          <p:cNvPr id="3" name="Content Placeholder 2"/>
-          <p:cNvSpPr>
-            <a:spLocks noGrp="1"/>
-          </p:cNvSpPr>
-          <p:nvPr>
-            <p:ph idx="1"/>
+          <p:cNvPr id="5" name="Text Placeholder 4"/>
+          <p:cNvSpPr>
+            <a:spLocks noGrp="1"/>
+          </p:cNvSpPr>
+          <p:nvPr>
+            <p:ph type="body" idx="1"/>
           </p:nvPr>
         </p:nvSpPr>
         <p:spPr/>
@@ -5406,19 +8880,7 @@
           <a:p>
             <a:r>
               <a:rPr lang="en-US" dirty="0"/>
-              <a:t>We don't need lots of data to write code</a:t>
-            </a:r>
-          </a:p>
-          <a:p>
-            <a:r>
-              <a:rPr lang="en-US" dirty="0"/>
-              <a:t>Ideally our tests contain data</a:t>
-            </a:r>
-          </a:p>
-          <a:p>
-            <a:r>
-              <a:rPr lang="en-US" dirty="0"/>
-              <a:t>For more extensive testing, we should have a curated set of data that all developers (and systems) use.</a:t>
+              <a:t>Storing and Loading Test Data</a:t>
             </a:r>
           </a:p>
         </p:txBody>
@@ -5426,7 +8888,7 @@
     </p:spTree>
     <p:extLst>
       <p:ext uri="{BB962C8B-B14F-4D97-AF65-F5344CB8AC3E}">
-        <p14:creationId xmlns:p14="http://schemas.microsoft.com/office/powerpoint/2010/main" val="1968612938"/>
+        <p14:creationId xmlns:p14="http://schemas.microsoft.com/office/powerpoint/2010/main" val="3540592545"/>
       </p:ext>
     </p:extLst>
   </p:cSld>
@@ -5455,7 +8917,7 @@
       </p:grpSpPr>
       <p:sp>
         <p:nvSpPr>
-          <p:cNvPr id="4" name="Title 3"/>
+          <p:cNvPr id="2" name="Title 1"/>
           <p:cNvSpPr>
             <a:spLocks noGrp="1"/>
           </p:cNvSpPr>
@@ -5470,14 +8932,14 @@
           <a:p>
             <a:r>
               <a:rPr lang="en-US" dirty="0"/>
-              <a:t>Test Data</a:t>
-            </a:r>
-          </a:p>
-        </p:txBody>
-      </p:sp>
-      <p:sp>
-        <p:nvSpPr>
-          <p:cNvPr id="5" name="Text Placeholder 4"/>
+              <a:t>Database Testing Frameworks</a:t>
+            </a:r>
+          </a:p>
+        </p:txBody>
+      </p:sp>
+      <p:sp>
+        <p:nvSpPr>
+          <p:cNvPr id="4" name="Text Placeholder 3"/>
           <p:cNvSpPr>
             <a:spLocks noGrp="1"/>
           </p:cNvSpPr>
@@ -5492,7 +8954,7 @@
           <a:p>
             <a:r>
               <a:rPr lang="en-US" dirty="0"/>
-              <a:t>Demo</a:t>
+              <a:t>Options for SQL Server</a:t>
             </a:r>
           </a:p>
         </p:txBody>
@@ -5500,7 +8962,7 @@
     </p:spTree>
     <p:extLst>
       <p:ext uri="{BB962C8B-B14F-4D97-AF65-F5344CB8AC3E}">
-        <p14:creationId xmlns:p14="http://schemas.microsoft.com/office/powerpoint/2010/main" val="3540592545"/>
+        <p14:creationId xmlns:p14="http://schemas.microsoft.com/office/powerpoint/2010/main" val="3452093907"/>
       </p:ext>
     </p:extLst>
   </p:cSld>
@@ -5529,7 +8991,7 @@
       </p:grpSpPr>
       <p:sp>
         <p:nvSpPr>
-          <p:cNvPr id="2" name="Title 1"/>
+          <p:cNvPr id="4" name="Title 3"/>
           <p:cNvSpPr>
             <a:spLocks noGrp="1"/>
           </p:cNvSpPr>
@@ -5544,19 +9006,19 @@
           <a:p>
             <a:r>
               <a:rPr lang="en-US" dirty="0"/>
-              <a:t>Database Testing Frameworks</a:t>
-            </a:r>
-          </a:p>
-        </p:txBody>
-      </p:sp>
-      <p:sp>
-        <p:nvSpPr>
-          <p:cNvPr id="3" name="Text Placeholder 2"/>
-          <p:cNvSpPr>
-            <a:spLocks noGrp="1"/>
-          </p:cNvSpPr>
-          <p:nvPr>
-            <p:ph type="body" idx="1"/>
+              <a:t>Testing Frameworks</a:t>
+            </a:r>
+          </a:p>
+        </p:txBody>
+      </p:sp>
+      <p:sp>
+        <p:nvSpPr>
+          <p:cNvPr id="5" name="Content Placeholder 4"/>
+          <p:cNvSpPr>
+            <a:spLocks noGrp="1"/>
+          </p:cNvSpPr>
+          <p:nvPr>
+            <p:ph idx="1"/>
           </p:nvPr>
         </p:nvSpPr>
         <p:spPr/>
@@ -5564,14 +9026,103 @@
           <a:bodyPr/>
           <a:lstStyle/>
           <a:p>
-            <a:endParaRPr lang="en-US"/>
+            <a:r>
+              <a:rPr lang="en-US" dirty="0"/>
+              <a:t>There are a number of frameworks for databases</a:t>
+            </a:r>
+          </a:p>
+          <a:p>
+            <a:r>
+              <a:rPr lang="en-US" dirty="0"/>
+              <a:t>Some are base on other unit testing frameworks, like Junit</a:t>
+            </a:r>
+          </a:p>
+          <a:p>
+            <a:r>
+              <a:rPr lang="en-US" dirty="0"/>
+              <a:t>These handle the specific nature of database requests</a:t>
+            </a:r>
+          </a:p>
+          <a:p>
+            <a:r>
+              <a:rPr lang="en-US" dirty="0"/>
+              <a:t>For SQL Server</a:t>
+            </a:r>
+          </a:p>
+          <a:p>
+            <a:pPr lvl="1"/>
+            <a:r>
+              <a:rPr lang="en-US" dirty="0" err="1"/>
+              <a:t>tSQLt</a:t>
+            </a:r>
+            <a:endParaRPr lang="en-US" dirty="0"/>
+          </a:p>
+          <a:p>
+            <a:pPr lvl="1"/>
+            <a:r>
+              <a:rPr lang="en-US" dirty="0"/>
+              <a:t>MS Unit Testing Framework</a:t>
+            </a:r>
+          </a:p>
+          <a:p>
+            <a:pPr lvl="1"/>
+            <a:r>
+              <a:rPr lang="en-US" dirty="0" err="1"/>
+              <a:t>DBTest</a:t>
+            </a:r>
+            <a:endParaRPr lang="en-US" dirty="0"/>
+          </a:p>
+          <a:p>
+            <a:pPr lvl="1"/>
+            <a:r>
+              <a:rPr lang="en-US" dirty="0" err="1"/>
+              <a:t>TSQLUnit</a:t>
+            </a:r>
+            <a:endParaRPr lang="en-US" dirty="0"/>
+          </a:p>
+          <a:p>
+            <a:pPr lvl="1"/>
+            <a:r>
+              <a:rPr lang="en-US" dirty="0" err="1"/>
+              <a:t>DBFit</a:t>
+            </a:r>
+            <a:endParaRPr lang="en-US" dirty="0"/>
+          </a:p>
+          <a:p>
+            <a:pPr lvl="1"/>
+            <a:r>
+              <a:rPr lang="en-US" dirty="0"/>
+              <a:t>SS-Unit</a:t>
+            </a:r>
+          </a:p>
+          <a:p>
+            <a:pPr lvl="1"/>
+            <a:r>
+              <a:rPr lang="en-US" dirty="0"/>
+              <a:t>T.S.T</a:t>
+            </a:r>
+          </a:p>
+          <a:p>
+            <a:pPr lvl="1"/>
+            <a:r>
+              <a:rPr lang="en-US" dirty="0" err="1"/>
+              <a:t>dbForge</a:t>
+            </a:r>
+            <a:endParaRPr lang="en-US" dirty="0"/>
+          </a:p>
+          <a:p>
+            <a:pPr lvl="1"/>
+            <a:r>
+              <a:rPr lang="en-US" dirty="0"/>
+              <a:t>others</a:t>
+            </a:r>
           </a:p>
         </p:txBody>
       </p:sp>
     </p:spTree>
     <p:extLst>
       <p:ext uri="{BB962C8B-B14F-4D97-AF65-F5344CB8AC3E}">
-        <p14:creationId xmlns:p14="http://schemas.microsoft.com/office/powerpoint/2010/main" val="3452093907"/>
+        <p14:creationId xmlns:p14="http://schemas.microsoft.com/office/powerpoint/2010/main" val="1484568939"/>
       </p:ext>
     </p:extLst>
   </p:cSld>
@@ -6003,12 +9554,12 @@
       </p:grpSpPr>
       <p:sp>
         <p:nvSpPr>
-          <p:cNvPr id="4" name="Title 3"/>
-          <p:cNvSpPr>
-            <a:spLocks noGrp="1"/>
-          </p:cNvSpPr>
-          <p:nvPr>
-            <p:ph type="ctrTitle"/>
+          <p:cNvPr id="2" name="Title 1"/>
+          <p:cNvSpPr>
+            <a:spLocks noGrp="1"/>
+          </p:cNvSpPr>
+          <p:nvPr>
+            <p:ph type="title"/>
           </p:nvPr>
         </p:nvSpPr>
         <p:spPr/>
@@ -6018,19 +9569,19 @@
           <a:p>
             <a:r>
               <a:rPr lang="en-US" dirty="0"/>
-              <a:t>Data Platform Summit 2017</a:t>
-            </a:r>
-          </a:p>
-        </p:txBody>
-      </p:sp>
-      <p:sp>
-        <p:nvSpPr>
-          <p:cNvPr id="5" name="Subtitle 4"/>
-          <p:cNvSpPr>
-            <a:spLocks noGrp="1"/>
-          </p:cNvSpPr>
-          <p:nvPr>
-            <p:ph type="subTitle" idx="1"/>
+              <a:t>Agenda</a:t>
+            </a:r>
+          </a:p>
+        </p:txBody>
+      </p:sp>
+      <p:sp>
+        <p:nvSpPr>
+          <p:cNvPr id="3" name="Content Placeholder 2"/>
+          <p:cNvSpPr>
+            <a:spLocks noGrp="1"/>
+          </p:cNvSpPr>
+          <p:nvPr>
+            <p:ph idx="1"/>
           </p:nvPr>
         </p:nvSpPr>
         <p:spPr/>
@@ -6038,14 +9589,40 @@
           <a:bodyPr/>
           <a:lstStyle/>
           <a:p>
-            <a:endParaRPr lang="en-US"/>
+            <a:r>
+              <a:rPr lang="en-US" dirty="0"/>
+              <a:t>Who Am I?</a:t>
+            </a:r>
+          </a:p>
+          <a:p>
+            <a:r>
+              <a:rPr lang="en-US" dirty="0"/>
+              <a:t>Testing Software</a:t>
+            </a:r>
+          </a:p>
+          <a:p>
+            <a:r>
+              <a:rPr lang="en-US" dirty="0"/>
+              <a:t>Database </a:t>
+            </a:r>
+            <a:r>
+              <a:rPr lang="en-US"/>
+              <a:t>Testing Frameworks</a:t>
+            </a:r>
+            <a:endParaRPr lang="en-US" dirty="0"/>
+          </a:p>
+          <a:p>
+            <a:r>
+              <a:rPr lang="en-US" dirty="0"/>
+              <a:t>Test Examples</a:t>
+            </a:r>
           </a:p>
         </p:txBody>
       </p:sp>
     </p:spTree>
     <p:extLst>
       <p:ext uri="{BB962C8B-B14F-4D97-AF65-F5344CB8AC3E}">
-        <p14:creationId xmlns:p14="http://schemas.microsoft.com/office/powerpoint/2010/main" val="577387459"/>
+        <p14:creationId xmlns:p14="http://schemas.microsoft.com/office/powerpoint/2010/main" val="718457474"/>
       </p:ext>
     </p:extLst>
   </p:cSld>
@@ -6111,7 +9688,7 @@
           <a:p>
             <a:r>
               <a:rPr lang="en-US" dirty="0"/>
-              <a:t>Demo</a:t>
+              <a:t>Using Standards and Naming Tests</a:t>
             </a:r>
           </a:p>
         </p:txBody>
@@ -6191,8 +9768,25 @@
           <a:p>
             <a:r>
               <a:rPr lang="en-US" dirty="0"/>
-              <a:t>This are especially useful when refactoring code as requirements may not be clear</a:t>
-            </a:r>
+              <a:t>This are especially useful when writing code as requirements may not be clear</a:t>
+            </a:r>
+          </a:p>
+          <a:p>
+            <a:r>
+              <a:rPr lang="en-US" dirty="0"/>
+              <a:t>Using a test ensures we document the results we expect, and have no ambiguity</a:t>
+            </a:r>
+          </a:p>
+          <a:p>
+            <a:r>
+              <a:rPr lang="en-US" dirty="0"/>
+              <a:t>This also helps prevent </a:t>
+            </a:r>
+            <a:r>
+              <a:rPr lang="en-US"/>
+              <a:t>regressions when altering code</a:t>
+            </a:r>
+            <a:endParaRPr lang="en-US" dirty="0"/>
           </a:p>
         </p:txBody>
       </p:sp>
@@ -6265,7 +9859,7 @@
           <a:p>
             <a:r>
               <a:rPr lang="en-US" dirty="0"/>
-              <a:t>Demo</a:t>
+              <a:t>Functional Unit Tests</a:t>
             </a:r>
           </a:p>
         </p:txBody>
@@ -6559,8 +10153,8 @@
         </p:nvGrpSpPr>
         <p:grpSpPr>
           <a:xfrm>
-            <a:off x="610959" y="3733800"/>
-            <a:ext cx="8030711" cy="2575049"/>
+            <a:off x="570946" y="3733971"/>
+            <a:ext cx="8115853" cy="2575049"/>
             <a:chOff x="2689225" y="3398838"/>
             <a:chExt cx="8030711" cy="2575049"/>
           </a:xfrm>
@@ -7041,7 +10635,7 @@
         </p:blipFill>
         <p:spPr>
           <a:xfrm>
-            <a:off x="7108145" y="4529138"/>
+            <a:off x="7092992" y="4222106"/>
             <a:ext cx="1533525" cy="752475"/>
           </a:xfrm>
           <a:prstGeom prst="rect">
@@ -7258,103 +10852,6 @@
 </file>
 
 <file path=ppt/slides/slide3.xml><?xml version="1.0" encoding="utf-8"?>
-<p:sld xmlns:a="http://schemas.openxmlformats.org/drawingml/2006/main" xmlns:r="http://schemas.openxmlformats.org/officeDocument/2006/relationships" xmlns:p="http://schemas.openxmlformats.org/presentationml/2006/main">
-  <p:cSld>
-    <p:spTree>
-      <p:nvGrpSpPr>
-        <p:cNvPr id="1" name=""/>
-        <p:cNvGrpSpPr/>
-        <p:nvPr/>
-      </p:nvGrpSpPr>
-      <p:grpSpPr>
-        <a:xfrm>
-          <a:off x="0" y="0"/>
-          <a:ext cx="0" cy="0"/>
-          <a:chOff x="0" y="0"/>
-          <a:chExt cx="0" cy="0"/>
-        </a:xfrm>
-      </p:grpSpPr>
-      <p:sp>
-        <p:nvSpPr>
-          <p:cNvPr id="2" name="Title 1"/>
-          <p:cNvSpPr>
-            <a:spLocks noGrp="1"/>
-          </p:cNvSpPr>
-          <p:nvPr>
-            <p:ph type="title"/>
-          </p:nvPr>
-        </p:nvSpPr>
-        <p:spPr/>
-        <p:txBody>
-          <a:bodyPr/>
-          <a:lstStyle/>
-          <a:p>
-            <a:r>
-              <a:rPr lang="en-US" dirty="0"/>
-              <a:t>Agenda</a:t>
-            </a:r>
-          </a:p>
-        </p:txBody>
-      </p:sp>
-      <p:sp>
-        <p:nvSpPr>
-          <p:cNvPr id="3" name="Content Placeholder 2"/>
-          <p:cNvSpPr>
-            <a:spLocks noGrp="1"/>
-          </p:cNvSpPr>
-          <p:nvPr>
-            <p:ph idx="1"/>
-          </p:nvPr>
-        </p:nvSpPr>
-        <p:spPr/>
-        <p:txBody>
-          <a:bodyPr/>
-          <a:lstStyle/>
-          <a:p>
-            <a:r>
-              <a:rPr lang="en-US" dirty="0"/>
-              <a:t>Who Am I?</a:t>
-            </a:r>
-          </a:p>
-          <a:p>
-            <a:r>
-              <a:rPr lang="en-US" dirty="0"/>
-              <a:t>Testing Software</a:t>
-            </a:r>
-          </a:p>
-          <a:p>
-            <a:r>
-              <a:rPr lang="en-US" dirty="0"/>
-              <a:t>Database </a:t>
-            </a:r>
-            <a:r>
-              <a:rPr lang="en-US"/>
-              <a:t>Testing Frameworks</a:t>
-            </a:r>
-            <a:endParaRPr lang="en-US" dirty="0"/>
-          </a:p>
-          <a:p>
-            <a:r>
-              <a:rPr lang="en-US" dirty="0"/>
-              <a:t>Test Examples</a:t>
-            </a:r>
-          </a:p>
-        </p:txBody>
-      </p:sp>
-    </p:spTree>
-    <p:extLst>
-      <p:ext uri="{BB962C8B-B14F-4D97-AF65-F5344CB8AC3E}">
-        <p14:creationId xmlns:p14="http://schemas.microsoft.com/office/powerpoint/2010/main" val="718457474"/>
-      </p:ext>
-    </p:extLst>
-  </p:cSld>
-  <p:clrMapOvr>
-    <a:masterClrMapping/>
-  </p:clrMapOvr>
-</p:sld>
-</file>
-
-<file path=ppt/slides/slide4.xml><?xml version="1.0" encoding="utf-8"?>
 <p:sld xmlns:a="http://schemas.openxmlformats.org/drawingml/2006/main" xmlns:r="http://schemas.openxmlformats.org/officeDocument/2006/relationships" xmlns:p="http://schemas.openxmlformats.org/presentationml/2006/main">
   <p:cSld>
     <p:spTree>
@@ -7857,7 +11354,7 @@
 </p:sld>
 </file>
 
-<file path=ppt/slides/slide5.xml><?xml version="1.0" encoding="utf-8"?>
+<file path=ppt/slides/slide4.xml><?xml version="1.0" encoding="utf-8"?>
 <p:sld xmlns:a="http://schemas.openxmlformats.org/drawingml/2006/main" xmlns:r="http://schemas.openxmlformats.org/officeDocument/2006/relationships" xmlns:p="http://schemas.openxmlformats.org/presentationml/2006/main">
   <p:cSld>
     <p:spTree>
@@ -8494,6 +11991,103 @@
 </p:sld>
 </file>
 
+<file path=ppt/slides/slide5.xml><?xml version="1.0" encoding="utf-8"?>
+<p:sld xmlns:a="http://schemas.openxmlformats.org/drawingml/2006/main" xmlns:r="http://schemas.openxmlformats.org/officeDocument/2006/relationships" xmlns:p="http://schemas.openxmlformats.org/presentationml/2006/main">
+  <p:cSld>
+    <p:spTree>
+      <p:nvGrpSpPr>
+        <p:cNvPr id="1" name=""/>
+        <p:cNvGrpSpPr/>
+        <p:nvPr/>
+      </p:nvGrpSpPr>
+      <p:grpSpPr>
+        <a:xfrm>
+          <a:off x="0" y="0"/>
+          <a:ext cx="0" cy="0"/>
+          <a:chOff x="0" y="0"/>
+          <a:chExt cx="0" cy="0"/>
+        </a:xfrm>
+      </p:grpSpPr>
+      <p:sp>
+        <p:nvSpPr>
+          <p:cNvPr id="2" name="Title 1"/>
+          <p:cNvSpPr>
+            <a:spLocks noGrp="1"/>
+          </p:cNvSpPr>
+          <p:nvPr>
+            <p:ph type="title"/>
+          </p:nvPr>
+        </p:nvSpPr>
+        <p:spPr/>
+        <p:txBody>
+          <a:bodyPr/>
+          <a:lstStyle/>
+          <a:p>
+            <a:r>
+              <a:rPr lang="en-US" dirty="0"/>
+              <a:t>Unit Testing</a:t>
+            </a:r>
+          </a:p>
+        </p:txBody>
+      </p:sp>
+      <p:sp>
+        <p:nvSpPr>
+          <p:cNvPr id="5" name="TextBox 4"/>
+          <p:cNvSpPr txBox="1"/>
+          <p:nvPr/>
+        </p:nvSpPr>
+        <p:spPr>
+          <a:xfrm>
+            <a:off x="405244" y="1447800"/>
+            <a:ext cx="7886700" cy="3877985"/>
+          </a:xfrm>
+          <a:prstGeom prst="rect">
+            <a:avLst/>
+          </a:prstGeom>
+          <a:noFill/>
+        </p:spPr>
+        <p:txBody>
+          <a:bodyPr wrap="square" rtlCol="0">
+            <a:spAutoFit/>
+          </a:bodyPr>
+          <a:lstStyle/>
+          <a:p>
+            <a:r>
+              <a:rPr lang="en-US" sz="3600" dirty="0"/>
+              <a:t>“The primary goal of unit testing is to take the smallest piece of testable software in the application, isolate it from the remainder of the code, and determine whether it behaves exactly as you expect.“</a:t>
+            </a:r>
+          </a:p>
+          <a:p>
+            <a:endParaRPr lang="en-US" dirty="0"/>
+          </a:p>
+          <a:p>
+            <a:r>
+              <a:rPr lang="en-US" sz="1200" dirty="0"/>
+              <a:t>From </a:t>
+            </a:r>
+            <a:r>
+              <a:rPr lang="en-US" sz="1200" dirty="0">
+                <a:hlinkClick r:id="rId3"/>
+              </a:rPr>
+              <a:t>https://msdn.microsoft.com/en-us/library/aa292197%28v=vs.71%29.aspx</a:t>
+            </a:r>
+            <a:endParaRPr lang="en-US" sz="1200" dirty="0"/>
+          </a:p>
+        </p:txBody>
+      </p:sp>
+    </p:spTree>
+    <p:extLst>
+      <p:ext uri="{BB962C8B-B14F-4D97-AF65-F5344CB8AC3E}">
+        <p14:creationId xmlns:p14="http://schemas.microsoft.com/office/powerpoint/2010/main" val="2912118878"/>
+      </p:ext>
+    </p:extLst>
+  </p:cSld>
+  <p:clrMapOvr>
+    <a:masterClrMapping/>
+  </p:clrMapOvr>
+</p:sld>
+</file>
+
 <file path=ppt/slides/slide6.xml><?xml version="1.0" encoding="utf-8"?>
 <p:sld xmlns:a="http://schemas.openxmlformats.org/drawingml/2006/main" xmlns:r="http://schemas.openxmlformats.org/officeDocument/2006/relationships" xmlns:p="http://schemas.openxmlformats.org/presentationml/2006/main">
   <p:cSld>
@@ -8535,110 +12129,13 @@
       </p:sp>
       <p:sp>
         <p:nvSpPr>
-          <p:cNvPr id="5" name="TextBox 4"/>
-          <p:cNvSpPr txBox="1"/>
-          <p:nvPr/>
-        </p:nvSpPr>
-        <p:spPr>
-          <a:xfrm>
-            <a:off x="405244" y="1987811"/>
-            <a:ext cx="7886700" cy="3877985"/>
-          </a:xfrm>
-          <a:prstGeom prst="rect">
-            <a:avLst/>
-          </a:prstGeom>
-          <a:noFill/>
-        </p:spPr>
-        <p:txBody>
-          <a:bodyPr wrap="square" rtlCol="0">
-            <a:spAutoFit/>
-          </a:bodyPr>
-          <a:lstStyle/>
-          <a:p>
-            <a:r>
-              <a:rPr lang="en-US" sz="3600" dirty="0"/>
-              <a:t>“The primary goal of unit testing is to take the smallest piece of testable software in the application, isolate it from the remainder of the code, and determine whether it behaves exactly as you expect.“</a:t>
-            </a:r>
-          </a:p>
-          <a:p>
-            <a:endParaRPr lang="en-US" dirty="0"/>
-          </a:p>
-          <a:p>
-            <a:r>
-              <a:rPr lang="en-US" sz="1200" dirty="0"/>
-              <a:t>From </a:t>
-            </a:r>
-            <a:r>
-              <a:rPr lang="en-US" sz="1200" dirty="0">
-                <a:hlinkClick r:id="rId3"/>
-              </a:rPr>
-              <a:t>https://msdn.microsoft.com/en-us/library/aa292197%28v=vs.71%29.aspx</a:t>
-            </a:r>
-            <a:endParaRPr lang="en-US" sz="1200" dirty="0"/>
-          </a:p>
-        </p:txBody>
-      </p:sp>
-    </p:spTree>
-    <p:extLst>
-      <p:ext uri="{BB962C8B-B14F-4D97-AF65-F5344CB8AC3E}">
-        <p14:creationId xmlns:p14="http://schemas.microsoft.com/office/powerpoint/2010/main" val="2912118878"/>
-      </p:ext>
-    </p:extLst>
-  </p:cSld>
-  <p:clrMapOvr>
-    <a:masterClrMapping/>
-  </p:clrMapOvr>
-</p:sld>
-</file>
-
-<file path=ppt/slides/slide7.xml><?xml version="1.0" encoding="utf-8"?>
-<p:sld xmlns:a="http://schemas.openxmlformats.org/drawingml/2006/main" xmlns:r="http://schemas.openxmlformats.org/officeDocument/2006/relationships" xmlns:p="http://schemas.openxmlformats.org/presentationml/2006/main">
-  <p:cSld>
-    <p:spTree>
-      <p:nvGrpSpPr>
-        <p:cNvPr id="1" name=""/>
-        <p:cNvGrpSpPr/>
-        <p:nvPr/>
-      </p:nvGrpSpPr>
-      <p:grpSpPr>
-        <a:xfrm>
-          <a:off x="0" y="0"/>
-          <a:ext cx="0" cy="0"/>
-          <a:chOff x="0" y="0"/>
-          <a:chExt cx="0" cy="0"/>
-        </a:xfrm>
-      </p:grpSpPr>
-      <p:sp>
-        <p:nvSpPr>
-          <p:cNvPr id="2" name="Title 1"/>
-          <p:cNvSpPr>
-            <a:spLocks noGrp="1"/>
-          </p:cNvSpPr>
-          <p:nvPr>
-            <p:ph type="title"/>
-          </p:nvPr>
-        </p:nvSpPr>
-        <p:spPr/>
-        <p:txBody>
-          <a:bodyPr/>
-          <a:lstStyle/>
-          <a:p>
-            <a:r>
-              <a:rPr lang="en-US" dirty="0"/>
-              <a:t>Unit Testing</a:t>
-            </a:r>
-          </a:p>
-        </p:txBody>
-      </p:sp>
-      <p:sp>
-        <p:nvSpPr>
           <p:cNvPr id="12" name="TextBox 11"/>
           <p:cNvSpPr txBox="1"/>
           <p:nvPr/>
         </p:nvSpPr>
         <p:spPr>
           <a:xfrm>
-            <a:off x="405245" y="2125268"/>
+            <a:off x="405245" y="1524000"/>
             <a:ext cx="8208819" cy="3877985"/>
           </a:xfrm>
           <a:prstGeom prst="rect">
@@ -8692,7 +12189,7 @@
 </p:sld>
 </file>
 
-<file path=ppt/slides/slide8.xml><?xml version="1.0" encoding="utf-8"?>
+<file path=ppt/slides/slide7.xml><?xml version="1.0" encoding="utf-8"?>
 <p:sld xmlns:a="http://schemas.openxmlformats.org/drawingml/2006/main" xmlns:r="http://schemas.openxmlformats.org/officeDocument/2006/relationships" xmlns:p="http://schemas.openxmlformats.org/presentationml/2006/main">
   <p:cSld>
     <p:spTree>
@@ -8773,7 +12270,7 @@
 </p:sld>
 </file>
 
-<file path=ppt/slides/slide9.xml><?xml version="1.0" encoding="utf-8"?>
+<file path=ppt/slides/slide8.xml><?xml version="1.0" encoding="utf-8"?>
 <p:sld xmlns:a="http://schemas.openxmlformats.org/drawingml/2006/main" xmlns:r="http://schemas.openxmlformats.org/officeDocument/2006/relationships" xmlns:p="http://schemas.openxmlformats.org/presentationml/2006/main">
   <p:cSld>
     <p:spTree>
@@ -8854,10 +12351,96 @@
 </p:sld>
 </file>
 
+<file path=ppt/slides/slide9.xml><?xml version="1.0" encoding="utf-8"?>
+<p:sld xmlns:a="http://schemas.openxmlformats.org/drawingml/2006/main" xmlns:r="http://schemas.openxmlformats.org/officeDocument/2006/relationships" xmlns:p="http://schemas.openxmlformats.org/presentationml/2006/main">
+  <p:cSld>
+    <p:spTree>
+      <p:nvGrpSpPr>
+        <p:cNvPr id="1" name=""/>
+        <p:cNvGrpSpPr/>
+        <p:nvPr/>
+      </p:nvGrpSpPr>
+      <p:grpSpPr>
+        <a:xfrm>
+          <a:off x="0" y="0"/>
+          <a:ext cx="0" cy="0"/>
+          <a:chOff x="0" y="0"/>
+          <a:chExt cx="0" cy="0"/>
+        </a:xfrm>
+      </p:grpSpPr>
+      <p:sp>
+        <p:nvSpPr>
+          <p:cNvPr id="2" name="Title 1"/>
+          <p:cNvSpPr>
+            <a:spLocks noGrp="1"/>
+          </p:cNvSpPr>
+          <p:nvPr>
+            <p:ph type="title"/>
+          </p:nvPr>
+        </p:nvSpPr>
+        <p:spPr/>
+        <p:txBody>
+          <a:bodyPr/>
+          <a:lstStyle/>
+          <a:p>
+            <a:r>
+              <a:rPr lang="en-US" dirty="0"/>
+              <a:t>Building Tests</a:t>
+            </a:r>
+          </a:p>
+        </p:txBody>
+      </p:sp>
+      <p:sp>
+        <p:nvSpPr>
+          <p:cNvPr id="3" name="Content Placeholder 2"/>
+          <p:cNvSpPr>
+            <a:spLocks noGrp="1"/>
+          </p:cNvSpPr>
+          <p:nvPr>
+            <p:ph idx="1"/>
+          </p:nvPr>
+        </p:nvSpPr>
+        <p:spPr/>
+        <p:txBody>
+          <a:bodyPr/>
+          <a:lstStyle/>
+          <a:p>
+            <a:r>
+              <a:rPr lang="en-US" dirty="0"/>
+              <a:t>We want repeatable tests</a:t>
+            </a:r>
+          </a:p>
+          <a:p>
+            <a:r>
+              <a:rPr lang="en-US" dirty="0"/>
+              <a:t>We want automated tests</a:t>
+            </a:r>
+          </a:p>
+          <a:p>
+            <a:r>
+              <a:rPr lang="en-US" dirty="0"/>
+              <a:t>We want a suite of tests</a:t>
+            </a:r>
+          </a:p>
+        </p:txBody>
+      </p:sp>
+    </p:spTree>
+    <p:extLst>
+      <p:ext uri="{BB962C8B-B14F-4D97-AF65-F5344CB8AC3E}">
+        <p14:creationId xmlns:p14="http://schemas.microsoft.com/office/powerpoint/2010/main" val="2858332371"/>
+      </p:ext>
+    </p:extLst>
+  </p:cSld>
+  <p:clrMapOvr>
+    <a:masterClrMapping/>
+  </p:clrMapOvr>
+</p:sld>
+</file>
+
 <file path=ppt/theme/theme1.xml><?xml version="1.0" encoding="utf-8"?>
-<a:theme xmlns:a="http://schemas.openxmlformats.org/drawingml/2006/main" name="Office Theme">
+<a:theme xmlns:a="http://schemas.openxmlformats.org/drawingml/2006/main" name="Visual Studio Live! Anaheim 2017">
   <a:themeElements>
-    <a:clrScheme name="Office">
+    <a:clrScheme name="Custom 1">
       <a:dk1>
         <a:sysClr val="windowText" lastClr="000000"/>
       </a:dk1>
@@ -8889,10 +12472,10 @@
         <a:srgbClr val="F79646"/>
       </a:accent6>
       <a:hlink>
-        <a:srgbClr val="0000FF"/>
+        <a:srgbClr val="000000"/>
       </a:hlink>
       <a:folHlink>
-        <a:srgbClr val="800080"/>
+        <a:srgbClr val="000000"/>
       </a:folHlink>
     </a:clrScheme>
     <a:fontScheme name="Office">
@@ -8929,6 +12512,7 @@
         <a:font script="Mong" typeface="Mongolian Baiti"/>
         <a:font script="Viet" typeface="Times New Roman"/>
         <a:font script="Uigh" typeface="Microsoft Uighur"/>
+        <a:font script="Geor" typeface="Sylfaen"/>
       </a:majorFont>
       <a:minorFont>
         <a:latin typeface="Calibri"/>
@@ -8963,6 +12547,7 @@
         <a:font script="Mong" typeface="Mongolian Baiti"/>
         <a:font script="Viet" typeface="Arial"/>
         <a:font script="Uigh" typeface="Microsoft Uighur"/>
+        <a:font script="Geor" typeface="Sylfaen"/>
       </a:minorFont>
     </a:fontScheme>
     <a:fmtScheme name="Office">
@@ -9133,11 +12718,462 @@
     </a:fmtScheme>
   </a:themeElements>
   <a:objectDefaults/>
-  <a:extraClrSchemeLst/>
+  <a:extraClrSchemeLst>
+    <a:extraClrScheme>
+      <a:clrScheme name="Visual Studio Live! Redmond 2014 1">
+        <a:dk1>
+          <a:srgbClr val="303030"/>
+        </a:dk1>
+        <a:lt1>
+          <a:srgbClr val="FFFFFF"/>
+        </a:lt1>
+        <a:dk2>
+          <a:srgbClr val="000000"/>
+        </a:dk2>
+        <a:lt2>
+          <a:srgbClr val="DEDEE0"/>
+        </a:lt2>
+        <a:accent1>
+          <a:srgbClr val="AD0101"/>
+        </a:accent1>
+        <a:accent2>
+          <a:srgbClr val="726056"/>
+        </a:accent2>
+        <a:accent3>
+          <a:srgbClr val="AAAAAA"/>
+        </a:accent3>
+        <a:accent4>
+          <a:srgbClr val="DADADA"/>
+        </a:accent4>
+        <a:accent5>
+          <a:srgbClr val="D3AAAA"/>
+        </a:accent5>
+        <a:accent6>
+          <a:srgbClr val="67564D"/>
+        </a:accent6>
+        <a:hlink>
+          <a:srgbClr val="D26900"/>
+        </a:hlink>
+        <a:folHlink>
+          <a:srgbClr val="D89243"/>
+        </a:folHlink>
+      </a:clrScheme>
+      <a:clrMap bg1="dk2" tx1="lt1" bg2="dk1" tx2="lt2" accent1="accent1" accent2="accent2" accent3="accent3" accent4="accent4" accent5="accent5" accent6="accent6" hlink="hlink" folHlink="folHlink"/>
+    </a:extraClrScheme>
+    <a:extraClrScheme>
+      <a:clrScheme name="Visual Studio Live! Redmond 2014 2">
+        <a:dk1>
+          <a:srgbClr val="000000"/>
+        </a:dk1>
+        <a:lt1>
+          <a:srgbClr val="FFFFFE"/>
+        </a:lt1>
+        <a:dk2>
+          <a:srgbClr val="007397"/>
+        </a:dk2>
+        <a:lt2>
+          <a:srgbClr val="636463"/>
+        </a:lt2>
+        <a:accent1>
+          <a:srgbClr val="A01420"/>
+        </a:accent1>
+        <a:accent2>
+          <a:srgbClr val="726056"/>
+        </a:accent2>
+        <a:accent3>
+          <a:srgbClr val="FFFFFE"/>
+        </a:accent3>
+        <a:accent4>
+          <a:srgbClr val="000000"/>
+        </a:accent4>
+        <a:accent5>
+          <a:srgbClr val="CDAAAB"/>
+        </a:accent5>
+        <a:accent6>
+          <a:srgbClr val="67564D"/>
+        </a:accent6>
+        <a:hlink>
+          <a:srgbClr val="007397"/>
+        </a:hlink>
+        <a:folHlink>
+          <a:srgbClr val="162F44"/>
+        </a:folHlink>
+      </a:clrScheme>
+      <a:clrMap bg1="lt1" tx1="dk1" bg2="lt2" tx2="dk2" accent1="accent1" accent2="accent2" accent3="accent3" accent4="accent4" accent5="accent5" accent6="accent6" hlink="hlink" folHlink="folHlink"/>
+    </a:extraClrScheme>
+  </a:extraClrSchemeLst>
 </a:theme>
 </file>
 
 <file path=ppt/theme/theme2.xml><?xml version="1.0" encoding="utf-8"?>
+<a:theme xmlns:a="http://schemas.openxmlformats.org/drawingml/2006/main" name="1_Visual Studio Live! Anaheim 2017">
+  <a:themeElements>
+    <a:clrScheme name="Custom 1">
+      <a:dk1>
+        <a:sysClr val="windowText" lastClr="000000"/>
+      </a:dk1>
+      <a:lt1>
+        <a:sysClr val="window" lastClr="FFFFFF"/>
+      </a:lt1>
+      <a:dk2>
+        <a:srgbClr val="1F497D"/>
+      </a:dk2>
+      <a:lt2>
+        <a:srgbClr val="EEECE1"/>
+      </a:lt2>
+      <a:accent1>
+        <a:srgbClr val="4F81BD"/>
+      </a:accent1>
+      <a:accent2>
+        <a:srgbClr val="C0504D"/>
+      </a:accent2>
+      <a:accent3>
+        <a:srgbClr val="9BBB59"/>
+      </a:accent3>
+      <a:accent4>
+        <a:srgbClr val="8064A2"/>
+      </a:accent4>
+      <a:accent5>
+        <a:srgbClr val="4BACC6"/>
+      </a:accent5>
+      <a:accent6>
+        <a:srgbClr val="F79646"/>
+      </a:accent6>
+      <a:hlink>
+        <a:srgbClr val="000000"/>
+      </a:hlink>
+      <a:folHlink>
+        <a:srgbClr val="000000"/>
+      </a:folHlink>
+    </a:clrScheme>
+    <a:fontScheme name="Office">
+      <a:majorFont>
+        <a:latin typeface="Calibri"/>
+        <a:ea typeface=""/>
+        <a:cs typeface=""/>
+        <a:font script="Jpan" typeface="ＭＳ Ｐゴシック"/>
+        <a:font script="Hang" typeface="맑은 고딕"/>
+        <a:font script="Hans" typeface="宋体"/>
+        <a:font script="Hant" typeface="新細明體"/>
+        <a:font script="Arab" typeface="Times New Roman"/>
+        <a:font script="Hebr" typeface="Times New Roman"/>
+        <a:font script="Thai" typeface="Angsana New"/>
+        <a:font script="Ethi" typeface="Nyala"/>
+        <a:font script="Beng" typeface="Vrinda"/>
+        <a:font script="Gujr" typeface="Shruti"/>
+        <a:font script="Khmr" typeface="MoolBoran"/>
+        <a:font script="Knda" typeface="Tunga"/>
+        <a:font script="Guru" typeface="Raavi"/>
+        <a:font script="Cans" typeface="Euphemia"/>
+        <a:font script="Cher" typeface="Plantagenet Cherokee"/>
+        <a:font script="Yiii" typeface="Microsoft Yi Baiti"/>
+        <a:font script="Tibt" typeface="Microsoft Himalaya"/>
+        <a:font script="Thaa" typeface="MV Boli"/>
+        <a:font script="Deva" typeface="Mangal"/>
+        <a:font script="Telu" typeface="Gautami"/>
+        <a:font script="Taml" typeface="Latha"/>
+        <a:font script="Syrc" typeface="Estrangelo Edessa"/>
+        <a:font script="Orya" typeface="Kalinga"/>
+        <a:font script="Mlym" typeface="Kartika"/>
+        <a:font script="Laoo" typeface="DokChampa"/>
+        <a:font script="Sinh" typeface="Iskoola Pota"/>
+        <a:font script="Mong" typeface="Mongolian Baiti"/>
+        <a:font script="Viet" typeface="Times New Roman"/>
+        <a:font script="Uigh" typeface="Microsoft Uighur"/>
+        <a:font script="Geor" typeface="Sylfaen"/>
+      </a:majorFont>
+      <a:minorFont>
+        <a:latin typeface="Calibri"/>
+        <a:ea typeface=""/>
+        <a:cs typeface=""/>
+        <a:font script="Jpan" typeface="ＭＳ Ｐゴシック"/>
+        <a:font script="Hang" typeface="맑은 고딕"/>
+        <a:font script="Hans" typeface="宋体"/>
+        <a:font script="Hant" typeface="新細明體"/>
+        <a:font script="Arab" typeface="Arial"/>
+        <a:font script="Hebr" typeface="Arial"/>
+        <a:font script="Thai" typeface="Cordia New"/>
+        <a:font script="Ethi" typeface="Nyala"/>
+        <a:font script="Beng" typeface="Vrinda"/>
+        <a:font script="Gujr" typeface="Shruti"/>
+        <a:font script="Khmr" typeface="DaunPenh"/>
+        <a:font script="Knda" typeface="Tunga"/>
+        <a:font script="Guru" typeface="Raavi"/>
+        <a:font script="Cans" typeface="Euphemia"/>
+        <a:font script="Cher" typeface="Plantagenet Cherokee"/>
+        <a:font script="Yiii" typeface="Microsoft Yi Baiti"/>
+        <a:font script="Tibt" typeface="Microsoft Himalaya"/>
+        <a:font script="Thaa" typeface="MV Boli"/>
+        <a:font script="Deva" typeface="Mangal"/>
+        <a:font script="Telu" typeface="Gautami"/>
+        <a:font script="Taml" typeface="Latha"/>
+        <a:font script="Syrc" typeface="Estrangelo Edessa"/>
+        <a:font script="Orya" typeface="Kalinga"/>
+        <a:font script="Mlym" typeface="Kartika"/>
+        <a:font script="Laoo" typeface="DokChampa"/>
+        <a:font script="Sinh" typeface="Iskoola Pota"/>
+        <a:font script="Mong" typeface="Mongolian Baiti"/>
+        <a:font script="Viet" typeface="Arial"/>
+        <a:font script="Uigh" typeface="Microsoft Uighur"/>
+        <a:font script="Geor" typeface="Sylfaen"/>
+      </a:minorFont>
+    </a:fontScheme>
+    <a:fmtScheme name="Office">
+      <a:fillStyleLst>
+        <a:solidFill>
+          <a:schemeClr val="phClr"/>
+        </a:solidFill>
+        <a:gradFill rotWithShape="1">
+          <a:gsLst>
+            <a:gs pos="0">
+              <a:schemeClr val="phClr">
+                <a:tint val="50000"/>
+                <a:satMod val="300000"/>
+              </a:schemeClr>
+            </a:gs>
+            <a:gs pos="35000">
+              <a:schemeClr val="phClr">
+                <a:tint val="37000"/>
+                <a:satMod val="300000"/>
+              </a:schemeClr>
+            </a:gs>
+            <a:gs pos="100000">
+              <a:schemeClr val="phClr">
+                <a:tint val="15000"/>
+                <a:satMod val="350000"/>
+              </a:schemeClr>
+            </a:gs>
+          </a:gsLst>
+          <a:lin ang="16200000" scaled="1"/>
+        </a:gradFill>
+        <a:gradFill rotWithShape="1">
+          <a:gsLst>
+            <a:gs pos="0">
+              <a:schemeClr val="phClr">
+                <a:shade val="51000"/>
+                <a:satMod val="130000"/>
+              </a:schemeClr>
+            </a:gs>
+            <a:gs pos="80000">
+              <a:schemeClr val="phClr">
+                <a:shade val="93000"/>
+                <a:satMod val="130000"/>
+              </a:schemeClr>
+            </a:gs>
+            <a:gs pos="100000">
+              <a:schemeClr val="phClr">
+                <a:shade val="94000"/>
+                <a:satMod val="135000"/>
+              </a:schemeClr>
+            </a:gs>
+          </a:gsLst>
+          <a:lin ang="16200000" scaled="0"/>
+        </a:gradFill>
+      </a:fillStyleLst>
+      <a:lnStyleLst>
+        <a:ln w="9525" cap="flat" cmpd="sng" algn="ctr">
+          <a:solidFill>
+            <a:schemeClr val="phClr">
+              <a:shade val="95000"/>
+              <a:satMod val="105000"/>
+            </a:schemeClr>
+          </a:solidFill>
+          <a:prstDash val="solid"/>
+        </a:ln>
+        <a:ln w="25400" cap="flat" cmpd="sng" algn="ctr">
+          <a:solidFill>
+            <a:schemeClr val="phClr"/>
+          </a:solidFill>
+          <a:prstDash val="solid"/>
+        </a:ln>
+        <a:ln w="38100" cap="flat" cmpd="sng" algn="ctr">
+          <a:solidFill>
+            <a:schemeClr val="phClr"/>
+          </a:solidFill>
+          <a:prstDash val="solid"/>
+        </a:ln>
+      </a:lnStyleLst>
+      <a:effectStyleLst>
+        <a:effectStyle>
+          <a:effectLst>
+            <a:outerShdw blurRad="40000" dist="20000" dir="5400000" rotWithShape="0">
+              <a:srgbClr val="000000">
+                <a:alpha val="38000"/>
+              </a:srgbClr>
+            </a:outerShdw>
+          </a:effectLst>
+        </a:effectStyle>
+        <a:effectStyle>
+          <a:effectLst>
+            <a:outerShdw blurRad="40000" dist="23000" dir="5400000" rotWithShape="0">
+              <a:srgbClr val="000000">
+                <a:alpha val="35000"/>
+              </a:srgbClr>
+            </a:outerShdw>
+          </a:effectLst>
+        </a:effectStyle>
+        <a:effectStyle>
+          <a:effectLst>
+            <a:outerShdw blurRad="40000" dist="23000" dir="5400000" rotWithShape="0">
+              <a:srgbClr val="000000">
+                <a:alpha val="35000"/>
+              </a:srgbClr>
+            </a:outerShdw>
+          </a:effectLst>
+          <a:scene3d>
+            <a:camera prst="orthographicFront">
+              <a:rot lat="0" lon="0" rev="0"/>
+            </a:camera>
+            <a:lightRig rig="threePt" dir="t">
+              <a:rot lat="0" lon="0" rev="1200000"/>
+            </a:lightRig>
+          </a:scene3d>
+          <a:sp3d>
+            <a:bevelT w="63500" h="25400"/>
+          </a:sp3d>
+        </a:effectStyle>
+      </a:effectStyleLst>
+      <a:bgFillStyleLst>
+        <a:solidFill>
+          <a:schemeClr val="phClr"/>
+        </a:solidFill>
+        <a:gradFill rotWithShape="1">
+          <a:gsLst>
+            <a:gs pos="0">
+              <a:schemeClr val="phClr">
+                <a:tint val="40000"/>
+                <a:satMod val="350000"/>
+              </a:schemeClr>
+            </a:gs>
+            <a:gs pos="40000">
+              <a:schemeClr val="phClr">
+                <a:tint val="45000"/>
+                <a:shade val="99000"/>
+                <a:satMod val="350000"/>
+              </a:schemeClr>
+            </a:gs>
+            <a:gs pos="100000">
+              <a:schemeClr val="phClr">
+                <a:shade val="20000"/>
+                <a:satMod val="255000"/>
+              </a:schemeClr>
+            </a:gs>
+          </a:gsLst>
+          <a:path path="circle">
+            <a:fillToRect l="50000" t="-80000" r="50000" b="180000"/>
+          </a:path>
+        </a:gradFill>
+        <a:gradFill rotWithShape="1">
+          <a:gsLst>
+            <a:gs pos="0">
+              <a:schemeClr val="phClr">
+                <a:tint val="80000"/>
+                <a:satMod val="300000"/>
+              </a:schemeClr>
+            </a:gs>
+            <a:gs pos="100000">
+              <a:schemeClr val="phClr">
+                <a:shade val="30000"/>
+                <a:satMod val="200000"/>
+              </a:schemeClr>
+            </a:gs>
+          </a:gsLst>
+          <a:path path="circle">
+            <a:fillToRect l="50000" t="50000" r="50000" b="50000"/>
+          </a:path>
+        </a:gradFill>
+      </a:bgFillStyleLst>
+    </a:fmtScheme>
+  </a:themeElements>
+  <a:objectDefaults/>
+  <a:extraClrSchemeLst>
+    <a:extraClrScheme>
+      <a:clrScheme name="Visual Studio Live! Redmond 2014 1">
+        <a:dk1>
+          <a:srgbClr val="303030"/>
+        </a:dk1>
+        <a:lt1>
+          <a:srgbClr val="FFFFFF"/>
+        </a:lt1>
+        <a:dk2>
+          <a:srgbClr val="000000"/>
+        </a:dk2>
+        <a:lt2>
+          <a:srgbClr val="DEDEE0"/>
+        </a:lt2>
+        <a:accent1>
+          <a:srgbClr val="AD0101"/>
+        </a:accent1>
+        <a:accent2>
+          <a:srgbClr val="726056"/>
+        </a:accent2>
+        <a:accent3>
+          <a:srgbClr val="AAAAAA"/>
+        </a:accent3>
+        <a:accent4>
+          <a:srgbClr val="DADADA"/>
+        </a:accent4>
+        <a:accent5>
+          <a:srgbClr val="D3AAAA"/>
+        </a:accent5>
+        <a:accent6>
+          <a:srgbClr val="67564D"/>
+        </a:accent6>
+        <a:hlink>
+          <a:srgbClr val="D26900"/>
+        </a:hlink>
+        <a:folHlink>
+          <a:srgbClr val="D89243"/>
+        </a:folHlink>
+      </a:clrScheme>
+      <a:clrMap bg1="dk2" tx1="lt1" bg2="dk1" tx2="lt2" accent1="accent1" accent2="accent2" accent3="accent3" accent4="accent4" accent5="accent5" accent6="accent6" hlink="hlink" folHlink="folHlink"/>
+    </a:extraClrScheme>
+    <a:extraClrScheme>
+      <a:clrScheme name="Visual Studio Live! Redmond 2014 2">
+        <a:dk1>
+          <a:srgbClr val="000000"/>
+        </a:dk1>
+        <a:lt1>
+          <a:srgbClr val="FFFFFE"/>
+        </a:lt1>
+        <a:dk2>
+          <a:srgbClr val="007397"/>
+        </a:dk2>
+        <a:lt2>
+          <a:srgbClr val="636463"/>
+        </a:lt2>
+        <a:accent1>
+          <a:srgbClr val="A01420"/>
+        </a:accent1>
+        <a:accent2>
+          <a:srgbClr val="726056"/>
+        </a:accent2>
+        <a:accent3>
+          <a:srgbClr val="FFFFFE"/>
+        </a:accent3>
+        <a:accent4>
+          <a:srgbClr val="000000"/>
+        </a:accent4>
+        <a:accent5>
+          <a:srgbClr val="CDAAAB"/>
+        </a:accent5>
+        <a:accent6>
+          <a:srgbClr val="67564D"/>
+        </a:accent6>
+        <a:hlink>
+          <a:srgbClr val="007397"/>
+        </a:hlink>
+        <a:folHlink>
+          <a:srgbClr val="162F44"/>
+        </a:folHlink>
+      </a:clrScheme>
+      <a:clrMap bg1="lt1" tx1="dk1" bg2="lt2" tx2="dk2" accent1="accent1" accent2="accent2" accent3="accent3" accent4="accent4" accent5="accent5" accent6="accent6" hlink="hlink" folHlink="folHlink"/>
+    </a:extraClrScheme>
+  </a:extraClrSchemeLst>
+</a:theme>
+</file>
+
+<file path=ppt/theme/theme3.xml><?xml version="1.0" encoding="utf-8"?>
 <a:theme xmlns:a="http://schemas.openxmlformats.org/drawingml/2006/main" name="Office Theme">
   <a:themeElements>
     <a:clrScheme name="Office">

--- a/UnitTestingTSQL.pptx
+++ b/UnitTestingTSQL.pptx
@@ -6,7 +6,7 @@
     <p:sldMasterId id="2147483692" r:id="rId2"/>
   </p:sldMasterIdLst>
   <p:notesMasterIdLst>
-    <p:notesMasterId r:id="rId30"/>
+    <p:notesMasterId r:id="rId31"/>
   </p:notesMasterIdLst>
   <p:sldIdLst>
     <p:sldId id="300" r:id="rId3"/>
@@ -21,8 +21,8 @@
     <p:sldId id="280" r:id="rId12"/>
     <p:sldId id="293" r:id="rId13"/>
     <p:sldId id="294" r:id="rId14"/>
-    <p:sldId id="295" r:id="rId15"/>
-    <p:sldId id="296" r:id="rId16"/>
+    <p:sldId id="301" r:id="rId15"/>
+    <p:sldId id="295" r:id="rId16"/>
     <p:sldId id="298" r:id="rId17"/>
     <p:sldId id="261" r:id="rId18"/>
     <p:sldId id="287" r:id="rId19"/>
@@ -30,12 +30,13 @@
     <p:sldId id="262" r:id="rId21"/>
     <p:sldId id="284" r:id="rId22"/>
     <p:sldId id="273" r:id="rId23"/>
-    <p:sldId id="285" r:id="rId24"/>
-    <p:sldId id="276" r:id="rId25"/>
-    <p:sldId id="278" r:id="rId26"/>
-    <p:sldId id="270" r:id="rId27"/>
-    <p:sldId id="271" r:id="rId28"/>
-    <p:sldId id="265" r:id="rId29"/>
+    <p:sldId id="302" r:id="rId24"/>
+    <p:sldId id="285" r:id="rId25"/>
+    <p:sldId id="276" r:id="rId26"/>
+    <p:sldId id="278" r:id="rId27"/>
+    <p:sldId id="270" r:id="rId28"/>
+    <p:sldId id="271" r:id="rId29"/>
+    <p:sldId id="265" r:id="rId30"/>
   </p:sldIdLst>
   <p:sldSz cx="9144000" cy="6858000" type="screen4x3"/>
   <p:notesSz cx="6858000" cy="9144000"/>
@@ -995,7 +996,7 @@
           <a:p>
             <a:fld id="{737EB954-88EE-45B2-878D-41C5C083E9B9}" type="slidenum">
               <a:rPr lang="en-US" smtClean="0"/>
-              <a:t>22</a:t>
+              <a:t>23</a:t>
             </a:fld>
             <a:endParaRPr lang="en-US"/>
           </a:p>
@@ -1115,7 +1116,7 @@
           <a:p>
             <a:fld id="{737EB954-88EE-45B2-878D-41C5C083E9B9}" type="slidenum">
               <a:rPr lang="en-US" smtClean="0"/>
-              <a:t>27</a:t>
+              <a:t>28</a:t>
             </a:fld>
             <a:endParaRPr lang="en-US"/>
           </a:p>
@@ -1654,7 +1655,7 @@
           <a:p>
             <a:fld id="{737EB954-88EE-45B2-878D-41C5C083E9B9}" type="slidenum">
               <a:rPr lang="en-US" smtClean="0"/>
-              <a:t>13</a:t>
+              <a:t>14</a:t>
             </a:fld>
             <a:endParaRPr lang="en-US"/>
           </a:p>
@@ -8480,7 +8481,12 @@
             <p:ph idx="1"/>
           </p:nvPr>
         </p:nvSpPr>
-        <p:spPr/>
+        <p:spPr>
+          <a:xfrm>
+            <a:off x="457200" y="1600201"/>
+            <a:ext cx="8229600" cy="4724399"/>
+          </a:xfrm>
+        </p:spPr>
         <p:txBody>
           <a:bodyPr/>
           <a:lstStyle/>
@@ -8493,7 +8499,7 @@
           <a:p>
             <a:r>
               <a:rPr lang="en-US" dirty="0"/>
-              <a:t>Write after if wish before coding</a:t>
+              <a:t>Write before coding</a:t>
             </a:r>
           </a:p>
           <a:p>
@@ -8511,9 +8517,16 @@
             </a:r>
           </a:p>
           <a:p>
+            <a:pPr lvl="1"/>
             <a:r>
               <a:rPr lang="en-US" dirty="0"/>
-              <a:t>Write as you get feedback from CI and QA testing.</a:t>
+              <a:t>Can write after</a:t>
+            </a:r>
+          </a:p>
+          <a:p>
+            <a:r>
+              <a:rPr lang="en-US" dirty="0"/>
+              <a:t>Write as you get feedback from CI and QA</a:t>
             </a:r>
           </a:p>
           <a:p>
@@ -8843,7 +8856,7 @@
       </p:grpSpPr>
       <p:sp>
         <p:nvSpPr>
-          <p:cNvPr id="4" name="Title 3"/>
+          <p:cNvPr id="2" name="Title 1"/>
           <p:cNvSpPr>
             <a:spLocks noGrp="1"/>
           </p:cNvSpPr>
@@ -8858,19 +8871,19 @@
           <a:p>
             <a:r>
               <a:rPr lang="en-US" dirty="0"/>
-              <a:t>Test Data</a:t>
-            </a:r>
-          </a:p>
-        </p:txBody>
-      </p:sp>
-      <p:sp>
-        <p:nvSpPr>
-          <p:cNvPr id="5" name="Text Placeholder 4"/>
-          <p:cNvSpPr>
-            <a:spLocks noGrp="1"/>
-          </p:cNvSpPr>
-          <p:nvPr>
-            <p:ph type="body" idx="1"/>
+              <a:t>Test Data Options</a:t>
+            </a:r>
+          </a:p>
+        </p:txBody>
+      </p:sp>
+      <p:sp>
+        <p:nvSpPr>
+          <p:cNvPr id="3" name="Content Placeholder 2"/>
+          <p:cNvSpPr>
+            <a:spLocks noGrp="1"/>
+          </p:cNvSpPr>
+          <p:nvPr>
+            <p:ph idx="1"/>
           </p:nvPr>
         </p:nvSpPr>
         <p:spPr/>
@@ -8880,7 +8893,19 @@
           <a:p>
             <a:r>
               <a:rPr lang="en-US" dirty="0"/>
-              <a:t>Storing and Loading Test Data</a:t>
+              <a:t>Restore/Clone database</a:t>
+            </a:r>
+          </a:p>
+          <a:p>
+            <a:r>
+              <a:rPr lang="en-US" dirty="0"/>
+              <a:t>Load from flat files</a:t>
+            </a:r>
+          </a:p>
+          <a:p>
+            <a:r>
+              <a:rPr lang="en-US" dirty="0"/>
+              <a:t>Load with insert statements</a:t>
             </a:r>
           </a:p>
         </p:txBody>
@@ -8888,7 +8913,7 @@
     </p:spTree>
     <p:extLst>
       <p:ext uri="{BB962C8B-B14F-4D97-AF65-F5344CB8AC3E}">
-        <p14:creationId xmlns:p14="http://schemas.microsoft.com/office/powerpoint/2010/main" val="3540592545"/>
+        <p14:creationId xmlns:p14="http://schemas.microsoft.com/office/powerpoint/2010/main" val="1207927901"/>
       </p:ext>
     </p:extLst>
   </p:cSld>
@@ -8917,7 +8942,7 @@
       </p:grpSpPr>
       <p:sp>
         <p:nvSpPr>
-          <p:cNvPr id="2" name="Title 1"/>
+          <p:cNvPr id="4" name="Title 3"/>
           <p:cNvSpPr>
             <a:spLocks noGrp="1"/>
           </p:cNvSpPr>
@@ -8932,14 +8957,14 @@
           <a:p>
             <a:r>
               <a:rPr lang="en-US" dirty="0"/>
-              <a:t>Database Testing Frameworks</a:t>
-            </a:r>
-          </a:p>
-        </p:txBody>
-      </p:sp>
-      <p:sp>
-        <p:nvSpPr>
-          <p:cNvPr id="4" name="Text Placeholder 3"/>
+              <a:t>Test Data</a:t>
+            </a:r>
+          </a:p>
+        </p:txBody>
+      </p:sp>
+      <p:sp>
+        <p:nvSpPr>
+          <p:cNvPr id="5" name="Text Placeholder 4"/>
           <p:cNvSpPr>
             <a:spLocks noGrp="1"/>
           </p:cNvSpPr>
@@ -8954,7 +8979,7 @@
           <a:p>
             <a:r>
               <a:rPr lang="en-US" dirty="0"/>
-              <a:t>Options for SQL Server</a:t>
+              <a:t>Storing and Loading Test Data</a:t>
             </a:r>
           </a:p>
         </p:txBody>
@@ -8962,7 +8987,7 @@
     </p:spTree>
     <p:extLst>
       <p:ext uri="{BB962C8B-B14F-4D97-AF65-F5344CB8AC3E}">
-        <p14:creationId xmlns:p14="http://schemas.microsoft.com/office/powerpoint/2010/main" val="3452093907"/>
+        <p14:creationId xmlns:p14="http://schemas.microsoft.com/office/powerpoint/2010/main" val="3540592545"/>
       </p:ext>
     </p:extLst>
   </p:cSld>
@@ -9027,93 +9052,87 @@
           <a:lstStyle/>
           <a:p>
             <a:r>
-              <a:rPr lang="en-US" dirty="0"/>
+              <a:rPr lang="en-US" sz="2000" dirty="0"/>
               <a:t>There are a number of frameworks for databases</a:t>
             </a:r>
           </a:p>
           <a:p>
             <a:r>
-              <a:rPr lang="en-US" dirty="0"/>
+              <a:rPr lang="en-US" sz="2000" dirty="0"/>
               <a:t>Some are base on other unit testing frameworks, like Junit</a:t>
             </a:r>
           </a:p>
           <a:p>
             <a:r>
-              <a:rPr lang="en-US" dirty="0"/>
-              <a:t>These handle the specific nature of database requests</a:t>
-            </a:r>
-          </a:p>
-          <a:p>
-            <a:r>
-              <a:rPr lang="en-US" dirty="0"/>
+              <a:rPr lang="en-US" sz="2000" dirty="0"/>
               <a:t>For SQL Server</a:t>
             </a:r>
           </a:p>
           <a:p>
             <a:pPr lvl="1"/>
             <a:r>
-              <a:rPr lang="en-US" dirty="0" err="1"/>
+              <a:rPr lang="en-US" sz="1800" dirty="0" err="1"/>
               <a:t>tSQLt</a:t>
             </a:r>
-            <a:endParaRPr lang="en-US" dirty="0"/>
+            <a:endParaRPr lang="en-US" sz="1800" dirty="0"/>
           </a:p>
           <a:p>
             <a:pPr lvl="1"/>
             <a:r>
-              <a:rPr lang="en-US" dirty="0"/>
+              <a:rPr lang="en-US" sz="1800" dirty="0"/>
               <a:t>MS Unit Testing Framework</a:t>
             </a:r>
           </a:p>
           <a:p>
             <a:pPr lvl="1"/>
             <a:r>
-              <a:rPr lang="en-US" dirty="0" err="1"/>
+              <a:rPr lang="en-US" sz="1800" dirty="0" err="1"/>
               <a:t>DBTest</a:t>
             </a:r>
-            <a:endParaRPr lang="en-US" dirty="0"/>
+            <a:endParaRPr lang="en-US" sz="1800" dirty="0"/>
           </a:p>
           <a:p>
             <a:pPr lvl="1"/>
             <a:r>
-              <a:rPr lang="en-US" dirty="0" err="1"/>
+              <a:rPr lang="en-US" sz="1800" dirty="0" err="1"/>
               <a:t>TSQLUnit</a:t>
             </a:r>
-            <a:endParaRPr lang="en-US" dirty="0"/>
+            <a:endParaRPr lang="en-US" sz="1800" dirty="0"/>
           </a:p>
           <a:p>
             <a:pPr lvl="1"/>
             <a:r>
-              <a:rPr lang="en-US" dirty="0" err="1"/>
+              <a:rPr lang="en-US" sz="1800" dirty="0" err="1"/>
               <a:t>DBFit</a:t>
             </a:r>
-            <a:endParaRPr lang="en-US" dirty="0"/>
+            <a:endParaRPr lang="en-US" sz="1800" dirty="0"/>
           </a:p>
           <a:p>
             <a:pPr lvl="1"/>
             <a:r>
-              <a:rPr lang="en-US" dirty="0"/>
+              <a:rPr lang="en-US" sz="1800" dirty="0"/>
               <a:t>SS-Unit</a:t>
             </a:r>
           </a:p>
           <a:p>
             <a:pPr lvl="1"/>
             <a:r>
-              <a:rPr lang="en-US" dirty="0"/>
+              <a:rPr lang="en-US" sz="1800" dirty="0"/>
               <a:t>T.S.T</a:t>
             </a:r>
           </a:p>
           <a:p>
             <a:pPr lvl="1"/>
             <a:r>
-              <a:rPr lang="en-US" dirty="0" err="1"/>
+              <a:rPr lang="en-US" sz="1800" dirty="0" err="1"/>
               <a:t>dbForge</a:t>
             </a:r>
-            <a:endParaRPr lang="en-US" dirty="0"/>
+            <a:endParaRPr lang="en-US" sz="1800" dirty="0"/>
           </a:p>
           <a:p>
             <a:pPr lvl="1"/>
             <a:r>
-              <a:rPr lang="en-US" dirty="0"/>
+              <a:rPr lang="en-US" sz="1800" dirty="0"/>
               <a:t>others</a:t>
             </a:r>
           </a:p>
@@ -9761,32 +9780,27 @@
           <a:lstStyle/>
           <a:p>
             <a:r>
-              <a:rPr lang="en-US" dirty="0"/>
+              <a:rPr lang="en-US" sz="2800" dirty="0"/>
               <a:t>These are unit tests designed to find issues with a particular specific function.</a:t>
             </a:r>
           </a:p>
           <a:p>
             <a:r>
-              <a:rPr lang="en-US" dirty="0"/>
+              <a:rPr lang="en-US" sz="2800" dirty="0"/>
               <a:t>This are especially useful when writing code as requirements may not be clear</a:t>
             </a:r>
           </a:p>
           <a:p>
             <a:r>
-              <a:rPr lang="en-US" dirty="0"/>
+              <a:rPr lang="en-US" sz="2800" dirty="0"/>
               <a:t>Using a test ensures we document the results we expect, and have no ambiguity</a:t>
             </a:r>
           </a:p>
           <a:p>
             <a:r>
-              <a:rPr lang="en-US" dirty="0"/>
-              <a:t>This also helps prevent </a:t>
-            </a:r>
-            <a:r>
-              <a:rPr lang="en-US"/>
-              <a:t>regressions when altering code</a:t>
-            </a:r>
-            <a:endParaRPr lang="en-US" dirty="0"/>
+              <a:rPr lang="en-US" sz="2800" dirty="0"/>
+              <a:t>This also helps prevent regressions when altering code</a:t>
+            </a:r>
           </a:p>
         </p:txBody>
       </p:sp>
@@ -9822,7 +9836,7 @@
       </p:grpSpPr>
       <p:sp>
         <p:nvSpPr>
-          <p:cNvPr id="4" name="Title 3"/>
+          <p:cNvPr id="2" name="Title 1"/>
           <p:cNvSpPr>
             <a:spLocks noGrp="1"/>
           </p:cNvSpPr>
@@ -9836,20 +9850,21 @@
           <a:lstStyle/>
           <a:p>
             <a:r>
-              <a:rPr lang="en-US" dirty="0"/>
-              <a:t>Testing Code Logic</a:t>
-            </a:r>
-          </a:p>
-        </p:txBody>
-      </p:sp>
-      <p:sp>
-        <p:nvSpPr>
-          <p:cNvPr id="5" name="Text Placeholder 4"/>
-          <p:cNvSpPr>
-            <a:spLocks noGrp="1"/>
-          </p:cNvSpPr>
-          <p:nvPr>
-            <p:ph type="body" idx="1"/>
+              <a:rPr lang="en-US"/>
+              <a:t> Checking </a:t>
+            </a:r>
+            <a:endParaRPr lang="en-US" dirty="0"/>
+          </a:p>
+        </p:txBody>
+      </p:sp>
+      <p:sp>
+        <p:nvSpPr>
+          <p:cNvPr id="3" name="Content Placeholder 2"/>
+          <p:cNvSpPr>
+            <a:spLocks noGrp="1"/>
+          </p:cNvSpPr>
+          <p:nvPr>
+            <p:ph idx="1"/>
           </p:nvPr>
         </p:nvSpPr>
         <p:spPr/>
@@ -9858,8 +9873,26 @@
           <a:lstStyle/>
           <a:p>
             <a:r>
-              <a:rPr lang="en-US" dirty="0"/>
-              <a:t>Functional Unit Tests</a:t>
+              <a:rPr lang="en-US" sz="2800" dirty="0"/>
+              <a:t>These are unit tests designed to find issues with a particular specific function.</a:t>
+            </a:r>
+          </a:p>
+          <a:p>
+            <a:r>
+              <a:rPr lang="en-US" sz="2800" dirty="0"/>
+              <a:t>This are especially useful when writing code as requirements may not be clear</a:t>
+            </a:r>
+          </a:p>
+          <a:p>
+            <a:r>
+              <a:rPr lang="en-US" sz="2800" dirty="0"/>
+              <a:t>Using a test ensures we document the results we expect, and have no ambiguity</a:t>
+            </a:r>
+          </a:p>
+          <a:p>
+            <a:r>
+              <a:rPr lang="en-US" sz="2800" dirty="0"/>
+              <a:t>This also helps prevent regressions when altering code</a:t>
             </a:r>
           </a:p>
         </p:txBody>
@@ -9867,7 +9900,7 @@
     </p:spTree>
     <p:extLst>
       <p:ext uri="{BB962C8B-B14F-4D97-AF65-F5344CB8AC3E}">
-        <p14:creationId xmlns:p14="http://schemas.microsoft.com/office/powerpoint/2010/main" val="3075909317"/>
+        <p14:creationId xmlns:p14="http://schemas.microsoft.com/office/powerpoint/2010/main" val="974780207"/>
       </p:ext>
     </p:extLst>
   </p:cSld>
@@ -9896,7 +9929,7 @@
       </p:grpSpPr>
       <p:sp>
         <p:nvSpPr>
-          <p:cNvPr id="2" name="Title 1"/>
+          <p:cNvPr id="4" name="Title 3"/>
           <p:cNvSpPr>
             <a:spLocks noGrp="1"/>
           </p:cNvSpPr>
@@ -9911,19 +9944,19 @@
           <a:p>
             <a:r>
               <a:rPr lang="en-US" dirty="0"/>
-              <a:t>Having a Test Suite</a:t>
-            </a:r>
-          </a:p>
-        </p:txBody>
-      </p:sp>
-      <p:sp>
-        <p:nvSpPr>
-          <p:cNvPr id="3" name="Content Placeholder 2"/>
-          <p:cNvSpPr>
-            <a:spLocks noGrp="1"/>
-          </p:cNvSpPr>
-          <p:nvPr>
-            <p:ph idx="1"/>
+              <a:t>Testing Code Logic</a:t>
+            </a:r>
+          </a:p>
+        </p:txBody>
+      </p:sp>
+      <p:sp>
+        <p:nvSpPr>
+          <p:cNvPr id="5" name="Text Placeholder 4"/>
+          <p:cNvSpPr>
+            <a:spLocks noGrp="1"/>
+          </p:cNvSpPr>
+          <p:nvPr>
+            <p:ph type="body" idx="1"/>
           </p:nvPr>
         </p:nvSpPr>
         <p:spPr/>
@@ -9933,19 +9966,7 @@
           <a:p>
             <a:r>
               <a:rPr lang="en-US" dirty="0"/>
-              <a:t>By continuing to grow your test suite with each change, developers spread the load</a:t>
-            </a:r>
-          </a:p>
-          <a:p>
-            <a:r>
-              <a:rPr lang="en-US" dirty="0"/>
-              <a:t>By having a large suite, we have better code coverage.</a:t>
-            </a:r>
-          </a:p>
-          <a:p>
-            <a:r>
-              <a:rPr lang="en-US" dirty="0"/>
-              <a:t>We can easily regression test.</a:t>
+              <a:t>Functional Unit Tests</a:t>
             </a:r>
           </a:p>
         </p:txBody>
@@ -9953,7 +9974,7 @@
     </p:spTree>
     <p:extLst>
       <p:ext uri="{BB962C8B-B14F-4D97-AF65-F5344CB8AC3E}">
-        <p14:creationId xmlns:p14="http://schemas.microsoft.com/office/powerpoint/2010/main" val="2479422556"/>
+        <p14:creationId xmlns:p14="http://schemas.microsoft.com/office/powerpoint/2010/main" val="3075909317"/>
       </p:ext>
     </p:extLst>
   </p:cSld>
@@ -9997,6 +10018,92 @@
           <a:p>
             <a:r>
               <a:rPr lang="en-US" dirty="0"/>
+              <a:t>Having a Test Suite</a:t>
+            </a:r>
+          </a:p>
+        </p:txBody>
+      </p:sp>
+      <p:sp>
+        <p:nvSpPr>
+          <p:cNvPr id="3" name="Content Placeholder 2"/>
+          <p:cNvSpPr>
+            <a:spLocks noGrp="1"/>
+          </p:cNvSpPr>
+          <p:nvPr>
+            <p:ph idx="1"/>
+          </p:nvPr>
+        </p:nvSpPr>
+        <p:spPr/>
+        <p:txBody>
+          <a:bodyPr/>
+          <a:lstStyle/>
+          <a:p>
+            <a:r>
+              <a:rPr lang="en-US" dirty="0"/>
+              <a:t>By continuing to grow your test suite with each change, developers spread the load</a:t>
+            </a:r>
+          </a:p>
+          <a:p>
+            <a:r>
+              <a:rPr lang="en-US" dirty="0"/>
+              <a:t>By having a large suite, we have better code coverage.</a:t>
+            </a:r>
+          </a:p>
+          <a:p>
+            <a:r>
+              <a:rPr lang="en-US" dirty="0"/>
+              <a:t>We can easily regression test.</a:t>
+            </a:r>
+          </a:p>
+        </p:txBody>
+      </p:sp>
+    </p:spTree>
+    <p:extLst>
+      <p:ext uri="{BB962C8B-B14F-4D97-AF65-F5344CB8AC3E}">
+        <p14:creationId xmlns:p14="http://schemas.microsoft.com/office/powerpoint/2010/main" val="2479422556"/>
+      </p:ext>
+    </p:extLst>
+  </p:cSld>
+  <p:clrMapOvr>
+    <a:masterClrMapping/>
+  </p:clrMapOvr>
+</p:sld>
+</file>
+
+<file path=ppt/slides/slide25.xml><?xml version="1.0" encoding="utf-8"?>
+<p:sld xmlns:a="http://schemas.openxmlformats.org/drawingml/2006/main" xmlns:r="http://schemas.openxmlformats.org/officeDocument/2006/relationships" xmlns:p="http://schemas.openxmlformats.org/presentationml/2006/main">
+  <p:cSld>
+    <p:spTree>
+      <p:nvGrpSpPr>
+        <p:cNvPr id="1" name=""/>
+        <p:cNvGrpSpPr/>
+        <p:nvPr/>
+      </p:nvGrpSpPr>
+      <p:grpSpPr>
+        <a:xfrm>
+          <a:off x="0" y="0"/>
+          <a:ext cx="0" cy="0"/>
+          <a:chOff x="0" y="0"/>
+          <a:chExt cx="0" cy="0"/>
+        </a:xfrm>
+      </p:grpSpPr>
+      <p:sp>
+        <p:nvSpPr>
+          <p:cNvPr id="2" name="Title 1"/>
+          <p:cNvSpPr>
+            <a:spLocks noGrp="1"/>
+          </p:cNvSpPr>
+          <p:nvPr>
+            <p:ph type="title"/>
+          </p:nvPr>
+        </p:nvSpPr>
+        <p:spPr/>
+        <p:txBody>
+          <a:bodyPr/>
+          <a:lstStyle/>
+          <a:p>
+            <a:r>
+              <a:rPr lang="en-US" dirty="0"/>
               <a:t>Summary</a:t>
             </a:r>
           </a:p>
@@ -10063,7 +10170,7 @@
 </p:sld>
 </file>
 
-<file path=ppt/slides/slide25.xml><?xml version="1.0" encoding="utf-8"?>
+<file path=ppt/slides/slide26.xml><?xml version="1.0" encoding="utf-8"?>
 <p:sld xmlns:a="http://schemas.openxmlformats.org/drawingml/2006/main" xmlns:r="http://schemas.openxmlformats.org/officeDocument/2006/relationships" xmlns:p="http://schemas.openxmlformats.org/presentationml/2006/main">
   <p:cSld>
     <p:spTree>
@@ -10656,7 +10763,7 @@
 </p:sld>
 </file>
 
-<file path=ppt/slides/slide26.xml><?xml version="1.0" encoding="utf-8"?>
+<file path=ppt/slides/slide27.xml><?xml version="1.0" encoding="utf-8"?>
 <p:sld xmlns:a="http://schemas.openxmlformats.org/drawingml/2006/main" xmlns:r="http://schemas.openxmlformats.org/officeDocument/2006/relationships" xmlns:p="http://schemas.openxmlformats.org/presentationml/2006/main">
   <p:cSld>
     <p:spTree>
@@ -10754,7 +10861,7 @@
 </p:sld>
 </file>
 
-<file path=ppt/slides/slide27.xml><?xml version="1.0" encoding="utf-8"?>
+<file path=ppt/slides/slide28.xml><?xml version="1.0" encoding="utf-8"?>
 <p:sld xmlns:a="http://schemas.openxmlformats.org/drawingml/2006/main" xmlns:r="http://schemas.openxmlformats.org/officeDocument/2006/relationships" xmlns:p="http://schemas.openxmlformats.org/presentationml/2006/main">
   <p:cSld>
     <p:spTree>
@@ -11614,7 +11721,7 @@
         </p:nvSpPr>
         <p:spPr>
           <a:xfrm>
-            <a:off x="3644199" y="1369248"/>
+            <a:off x="584922" y="1609419"/>
             <a:ext cx="2438400" cy="2062103"/>
           </a:xfrm>
           <a:prstGeom prst="mathMultiply">

--- a/UnitTestingTSQL.pptx
+++ b/UnitTestingTSQL.pptx
@@ -6,7 +6,7 @@
     <p:sldMasterId id="2147483692" r:id="rId2"/>
   </p:sldMasterIdLst>
   <p:notesMasterIdLst>
-    <p:notesMasterId r:id="rId31"/>
+    <p:notesMasterId r:id="rId35"/>
   </p:notesMasterIdLst>
   <p:sldIdLst>
     <p:sldId id="300" r:id="rId3"/>
@@ -32,11 +32,15 @@
     <p:sldId id="273" r:id="rId23"/>
     <p:sldId id="302" r:id="rId24"/>
     <p:sldId id="285" r:id="rId25"/>
-    <p:sldId id="276" r:id="rId26"/>
-    <p:sldId id="278" r:id="rId27"/>
-    <p:sldId id="270" r:id="rId28"/>
-    <p:sldId id="271" r:id="rId29"/>
-    <p:sldId id="265" r:id="rId30"/>
+    <p:sldId id="304" r:id="rId26"/>
+    <p:sldId id="303" r:id="rId27"/>
+    <p:sldId id="305" r:id="rId28"/>
+    <p:sldId id="306" r:id="rId29"/>
+    <p:sldId id="276" r:id="rId30"/>
+    <p:sldId id="278" r:id="rId31"/>
+    <p:sldId id="270" r:id="rId32"/>
+    <p:sldId id="271" r:id="rId33"/>
+    <p:sldId id="265" r:id="rId34"/>
   </p:sldIdLst>
   <p:sldSz cx="9144000" cy="6858000" type="screen4x3"/>
   <p:notesSz cx="6858000" cy="9144000"/>
@@ -1061,6 +1065,234 @@
           <a:p>
             <a:r>
               <a:rPr lang="en-US" dirty="0"/>
+              <a:t>Write proc for insert and select of images</a:t>
+            </a:r>
+          </a:p>
+          <a:p>
+            <a:r>
+              <a:rPr lang="en-US" dirty="0"/>
+              <a:t>Create new test for insert, don’t fill stub</a:t>
+            </a:r>
+          </a:p>
+          <a:p>
+            <a:r>
+              <a:rPr lang="en-US" dirty="0"/>
+              <a:t>Create new test for select and edit</a:t>
+            </a:r>
+          </a:p>
+          <a:p>
+            <a:r>
+              <a:rPr lang="en-US" dirty="0"/>
+              <a:t>Run tests, get caught naming issues, as well as one procedure works, one fails. We get the failure in the test we didn’t edit.</a:t>
+            </a:r>
+          </a:p>
+          <a:p>
+            <a:r>
+              <a:rPr lang="en-US" dirty="0"/>
+              <a:t>Correct issues in both procedures</a:t>
+            </a:r>
+          </a:p>
+          <a:p>
+            <a:endParaRPr lang="en-US" dirty="0"/>
+          </a:p>
+        </p:txBody>
+      </p:sp>
+      <p:sp>
+        <p:nvSpPr>
+          <p:cNvPr id="4" name="Slide Number Placeholder 3"/>
+          <p:cNvSpPr>
+            <a:spLocks noGrp="1"/>
+          </p:cNvSpPr>
+          <p:nvPr>
+            <p:ph type="sldNum" sz="quarter" idx="10"/>
+          </p:nvPr>
+        </p:nvSpPr>
+        <p:spPr/>
+        <p:txBody>
+          <a:bodyPr/>
+          <a:lstStyle/>
+          <a:p>
+            <a:fld id="{737EB954-88EE-45B2-878D-41C5C083E9B9}" type="slidenum">
+              <a:rPr lang="en-US" smtClean="0"/>
+              <a:t>25</a:t>
+            </a:fld>
+            <a:endParaRPr lang="en-US"/>
+          </a:p>
+        </p:txBody>
+      </p:sp>
+    </p:spTree>
+    <p:extLst>
+      <p:ext uri="{BB962C8B-B14F-4D97-AF65-F5344CB8AC3E}">
+        <p14:creationId xmlns:p14="http://schemas.microsoft.com/office/powerpoint/2010/main" val="1614498760"/>
+      </p:ext>
+    </p:extLst>
+  </p:cSld>
+  <p:clrMapOvr>
+    <a:masterClrMapping/>
+  </p:clrMapOvr>
+</p:notes>
+</file>
+
+<file path=ppt/notesSlides/notesSlide14.xml><?xml version="1.0" encoding="utf-8"?>
+<p:notes xmlns:a="http://schemas.openxmlformats.org/drawingml/2006/main" xmlns:r="http://schemas.openxmlformats.org/officeDocument/2006/relationships" xmlns:p="http://schemas.openxmlformats.org/presentationml/2006/main">
+  <p:cSld>
+    <p:spTree>
+      <p:nvGrpSpPr>
+        <p:cNvPr id="1" name=""/>
+        <p:cNvGrpSpPr/>
+        <p:nvPr/>
+      </p:nvGrpSpPr>
+      <p:grpSpPr>
+        <a:xfrm>
+          <a:off x="0" y="0"/>
+          <a:ext cx="0" cy="0"/>
+          <a:chOff x="0" y="0"/>
+          <a:chExt cx="0" cy="0"/>
+        </a:xfrm>
+      </p:grpSpPr>
+      <p:sp>
+        <p:nvSpPr>
+          <p:cNvPr id="2" name="Slide Image Placeholder 1"/>
+          <p:cNvSpPr>
+            <a:spLocks noGrp="1" noRot="1" noChangeAspect="1"/>
+          </p:cNvSpPr>
+          <p:nvPr>
+            <p:ph type="sldImg"/>
+          </p:nvPr>
+        </p:nvSpPr>
+        <p:spPr/>
+      </p:sp>
+      <p:sp>
+        <p:nvSpPr>
+          <p:cNvPr id="3" name="Notes Placeholder 2"/>
+          <p:cNvSpPr>
+            <a:spLocks noGrp="1"/>
+          </p:cNvSpPr>
+          <p:nvPr>
+            <p:ph type="body" idx="1"/>
+          </p:nvPr>
+        </p:nvSpPr>
+        <p:spPr/>
+        <p:txBody>
+          <a:bodyPr/>
+          <a:lstStyle/>
+          <a:p>
+            <a:r>
+              <a:rPr lang="en-US" dirty="0"/>
+              <a:t>Write proc for insert and select of images</a:t>
+            </a:r>
+          </a:p>
+          <a:p>
+            <a:r>
+              <a:rPr lang="en-US" dirty="0"/>
+              <a:t>Create new test for insert, don’t fill stub</a:t>
+            </a:r>
+          </a:p>
+          <a:p>
+            <a:r>
+              <a:rPr lang="en-US" dirty="0"/>
+              <a:t>Create new test for select and edit</a:t>
+            </a:r>
+          </a:p>
+          <a:p>
+            <a:r>
+              <a:rPr lang="en-US" dirty="0"/>
+              <a:t>Run tests, get caught naming issues, as well as one procedure works, one fails. We get the failure in the test we didn’t edit.</a:t>
+            </a:r>
+          </a:p>
+          <a:p>
+            <a:r>
+              <a:rPr lang="en-US" dirty="0"/>
+              <a:t>Correct issues in both procedures</a:t>
+            </a:r>
+          </a:p>
+          <a:p>
+            <a:endParaRPr lang="en-US" dirty="0"/>
+          </a:p>
+        </p:txBody>
+      </p:sp>
+      <p:sp>
+        <p:nvSpPr>
+          <p:cNvPr id="4" name="Slide Number Placeholder 3"/>
+          <p:cNvSpPr>
+            <a:spLocks noGrp="1"/>
+          </p:cNvSpPr>
+          <p:nvPr>
+            <p:ph type="sldNum" sz="quarter" idx="10"/>
+          </p:nvPr>
+        </p:nvSpPr>
+        <p:spPr/>
+        <p:txBody>
+          <a:bodyPr/>
+          <a:lstStyle/>
+          <a:p>
+            <a:fld id="{737EB954-88EE-45B2-878D-41C5C083E9B9}" type="slidenum">
+              <a:rPr lang="en-US" smtClean="0"/>
+              <a:t>27</a:t>
+            </a:fld>
+            <a:endParaRPr lang="en-US"/>
+          </a:p>
+        </p:txBody>
+      </p:sp>
+    </p:spTree>
+    <p:extLst>
+      <p:ext uri="{BB962C8B-B14F-4D97-AF65-F5344CB8AC3E}">
+        <p14:creationId xmlns:p14="http://schemas.microsoft.com/office/powerpoint/2010/main" val="1161020715"/>
+      </p:ext>
+    </p:extLst>
+  </p:cSld>
+  <p:clrMapOvr>
+    <a:masterClrMapping/>
+  </p:clrMapOvr>
+</p:notes>
+</file>
+
+<file path=ppt/notesSlides/notesSlide15.xml><?xml version="1.0" encoding="utf-8"?>
+<p:notes xmlns:a="http://schemas.openxmlformats.org/drawingml/2006/main" xmlns:r="http://schemas.openxmlformats.org/officeDocument/2006/relationships" xmlns:p="http://schemas.openxmlformats.org/presentationml/2006/main">
+  <p:cSld>
+    <p:spTree>
+      <p:nvGrpSpPr>
+        <p:cNvPr id="1" name=""/>
+        <p:cNvGrpSpPr/>
+        <p:nvPr/>
+      </p:nvGrpSpPr>
+      <p:grpSpPr>
+        <a:xfrm>
+          <a:off x="0" y="0"/>
+          <a:ext cx="0" cy="0"/>
+          <a:chOff x="0" y="0"/>
+          <a:chExt cx="0" cy="0"/>
+        </a:xfrm>
+      </p:grpSpPr>
+      <p:sp>
+        <p:nvSpPr>
+          <p:cNvPr id="2" name="Slide Image Placeholder 1"/>
+          <p:cNvSpPr>
+            <a:spLocks noGrp="1" noRot="1" noChangeAspect="1"/>
+          </p:cNvSpPr>
+          <p:nvPr>
+            <p:ph type="sldImg"/>
+          </p:nvPr>
+        </p:nvSpPr>
+        <p:spPr/>
+      </p:sp>
+      <p:sp>
+        <p:nvSpPr>
+          <p:cNvPr id="3" name="Notes Placeholder 2"/>
+          <p:cNvSpPr>
+            <a:spLocks noGrp="1"/>
+          </p:cNvSpPr>
+          <p:nvPr>
+            <p:ph type="body" idx="1"/>
+          </p:nvPr>
+        </p:nvSpPr>
+        <p:spPr/>
+        <p:txBody>
+          <a:bodyPr/>
+          <a:lstStyle/>
+          <a:p>
+            <a:r>
+              <a:rPr lang="en-US" dirty="0"/>
               <a:t>CD pipeline</a:t>
             </a:r>
             <a:r>
@@ -1116,7 +1348,7 @@
           <a:p>
             <a:fld id="{737EB954-88EE-45B2-878D-41C5C083E9B9}" type="slidenum">
               <a:rPr lang="en-US" smtClean="0"/>
-              <a:t>28</a:t>
+              <a:t>32</a:t>
             </a:fld>
             <a:endParaRPr lang="en-US"/>
           </a:p>
@@ -9850,10 +10082,9 @@
           <a:lstStyle/>
           <a:p>
             <a:r>
-              <a:rPr lang="en-US"/>
-              <a:t> Checking </a:t>
-            </a:r>
-            <a:endParaRPr lang="en-US" dirty="0"/>
+              <a:rPr lang="en-US" dirty="0"/>
+              <a:t> Checking Joins </a:t>
+            </a:r>
           </a:p>
         </p:txBody>
       </p:sp>
@@ -9874,25 +10105,19 @@
           <a:p>
             <a:r>
               <a:rPr lang="en-US" sz="2800" dirty="0"/>
-              <a:t>These are unit tests designed to find issues with a particular specific function.</a:t>
+              <a:t>Joins can pull data together in different ways</a:t>
             </a:r>
           </a:p>
           <a:p>
             <a:r>
               <a:rPr lang="en-US" sz="2800" dirty="0"/>
-              <a:t>This are especially useful when writing code as requirements may not be clear</a:t>
+              <a:t>Refactoring can cause problems</a:t>
             </a:r>
           </a:p>
           <a:p>
             <a:r>
               <a:rPr lang="en-US" sz="2800" dirty="0"/>
-              <a:t>Using a test ensures we document the results we expect, and have no ambiguity</a:t>
-            </a:r>
-          </a:p>
-          <a:p>
-            <a:r>
-              <a:rPr lang="en-US" sz="2800" dirty="0"/>
-              <a:t>This also helps prevent regressions when altering code</a:t>
+              <a:t>Writing code for important, complex, or problematic queries is helpful to prevent regressions</a:t>
             </a:r>
           </a:p>
         </p:txBody>
@@ -9944,29 +10169,29 @@
           <a:p>
             <a:r>
               <a:rPr lang="en-US" dirty="0"/>
+              <a:t>Checking Joins</a:t>
+            </a:r>
+          </a:p>
+        </p:txBody>
+      </p:sp>
+      <p:sp>
+        <p:nvSpPr>
+          <p:cNvPr id="5" name="Text Placeholder 4"/>
+          <p:cNvSpPr>
+            <a:spLocks noGrp="1"/>
+          </p:cNvSpPr>
+          <p:nvPr>
+            <p:ph type="body" idx="1"/>
+          </p:nvPr>
+        </p:nvSpPr>
+        <p:spPr/>
+        <p:txBody>
+          <a:bodyPr/>
+          <a:lstStyle/>
+          <a:p>
+            <a:r>
+              <a:rPr lang="en-US" dirty="0"/>
               <a:t>Testing Code Logic</a:t>
-            </a:r>
-          </a:p>
-        </p:txBody>
-      </p:sp>
-      <p:sp>
-        <p:nvSpPr>
-          <p:cNvPr id="5" name="Text Placeholder 4"/>
-          <p:cNvSpPr>
-            <a:spLocks noGrp="1"/>
-          </p:cNvSpPr>
-          <p:nvPr>
-            <p:ph type="body" idx="1"/>
-          </p:nvPr>
-        </p:nvSpPr>
-        <p:spPr/>
-        <p:txBody>
-          <a:bodyPr/>
-          <a:lstStyle/>
-          <a:p>
-            <a:r>
-              <a:rPr lang="en-US" dirty="0"/>
-              <a:t>Functional Unit Tests</a:t>
             </a:r>
           </a:p>
         </p:txBody>
@@ -10018,7 +10243,7 @@
           <a:p>
             <a:r>
               <a:rPr lang="en-US" dirty="0"/>
-              <a:t>Having a Test Suite</a:t>
+              <a:t> Checking Calculations </a:t>
             </a:r>
           </a:p>
         </p:txBody>
@@ -10039,20 +10264,20 @@
           <a:lstStyle/>
           <a:p>
             <a:r>
-              <a:rPr lang="en-US" dirty="0"/>
-              <a:t>By continuing to grow your test suite with each change, developers spread the load</a:t>
-            </a:r>
-          </a:p>
-          <a:p>
-            <a:r>
-              <a:rPr lang="en-US" dirty="0"/>
-              <a:t>By having a large suite, we have better code coverage.</a:t>
-            </a:r>
-          </a:p>
-          <a:p>
-            <a:r>
-              <a:rPr lang="en-US" dirty="0"/>
-              <a:t>We can easily regression test.</a:t>
+              <a:rPr lang="en-US" sz="2800" dirty="0"/>
+              <a:t>There are times we perform calculations in SQL</a:t>
+            </a:r>
+          </a:p>
+          <a:p>
+            <a:r>
+              <a:rPr lang="en-US" sz="2800" dirty="0"/>
+              <a:t>This is business logic that needs validation</a:t>
+            </a:r>
+          </a:p>
+          <a:p>
+            <a:r>
+              <a:rPr lang="en-US" sz="2800" dirty="0"/>
+              <a:t>Tests help ensure that the correct formula is used</a:t>
             </a:r>
           </a:p>
         </p:txBody>
@@ -10060,7 +10285,7 @@
     </p:spTree>
     <p:extLst>
       <p:ext uri="{BB962C8B-B14F-4D97-AF65-F5344CB8AC3E}">
-        <p14:creationId xmlns:p14="http://schemas.microsoft.com/office/powerpoint/2010/main" val="2479422556"/>
+        <p14:creationId xmlns:p14="http://schemas.microsoft.com/office/powerpoint/2010/main" val="2123700443"/>
       </p:ext>
     </p:extLst>
   </p:cSld>
@@ -10089,6 +10314,325 @@
       </p:grpSpPr>
       <p:sp>
         <p:nvSpPr>
+          <p:cNvPr id="4" name="Title 3"/>
+          <p:cNvSpPr>
+            <a:spLocks noGrp="1"/>
+          </p:cNvSpPr>
+          <p:nvPr>
+            <p:ph type="title"/>
+          </p:nvPr>
+        </p:nvSpPr>
+        <p:spPr/>
+        <p:txBody>
+          <a:bodyPr/>
+          <a:lstStyle/>
+          <a:p>
+            <a:r>
+              <a:rPr lang="en-US" dirty="0"/>
+              <a:t>Testing </a:t>
+            </a:r>
+            <a:r>
+              <a:rPr lang="en-US" dirty="0" err="1"/>
+              <a:t>CalcuLations</a:t>
+            </a:r>
+            <a:endParaRPr lang="en-US" dirty="0"/>
+          </a:p>
+        </p:txBody>
+      </p:sp>
+      <p:sp>
+        <p:nvSpPr>
+          <p:cNvPr id="5" name="Text Placeholder 4"/>
+          <p:cNvSpPr>
+            <a:spLocks noGrp="1"/>
+          </p:cNvSpPr>
+          <p:nvPr>
+            <p:ph type="body" idx="1"/>
+          </p:nvPr>
+        </p:nvSpPr>
+        <p:spPr/>
+        <p:txBody>
+          <a:bodyPr/>
+          <a:lstStyle/>
+          <a:p>
+            <a:r>
+              <a:rPr lang="en-US" dirty="0"/>
+              <a:t>Testing Code</a:t>
+            </a:r>
+          </a:p>
+        </p:txBody>
+      </p:sp>
+    </p:spTree>
+    <p:extLst>
+      <p:ext uri="{BB962C8B-B14F-4D97-AF65-F5344CB8AC3E}">
+        <p14:creationId xmlns:p14="http://schemas.microsoft.com/office/powerpoint/2010/main" val="1532090233"/>
+      </p:ext>
+    </p:extLst>
+  </p:cSld>
+  <p:clrMapOvr>
+    <a:masterClrMapping/>
+  </p:clrMapOvr>
+</p:sld>
+</file>
+
+<file path=ppt/slides/slide26.xml><?xml version="1.0" encoding="utf-8"?>
+<p:sld xmlns:a="http://schemas.openxmlformats.org/drawingml/2006/main" xmlns:r="http://schemas.openxmlformats.org/officeDocument/2006/relationships" xmlns:p="http://schemas.openxmlformats.org/presentationml/2006/main">
+  <p:cSld>
+    <p:spTree>
+      <p:nvGrpSpPr>
+        <p:cNvPr id="1" name=""/>
+        <p:cNvGrpSpPr/>
+        <p:nvPr/>
+      </p:nvGrpSpPr>
+      <p:grpSpPr>
+        <a:xfrm>
+          <a:off x="0" y="0"/>
+          <a:ext cx="0" cy="0"/>
+          <a:chOff x="0" y="0"/>
+          <a:chExt cx="0" cy="0"/>
+        </a:xfrm>
+      </p:grpSpPr>
+      <p:sp>
+        <p:nvSpPr>
+          <p:cNvPr id="2" name="Title 1"/>
+          <p:cNvSpPr>
+            <a:spLocks noGrp="1"/>
+          </p:cNvSpPr>
+          <p:nvPr>
+            <p:ph type="title"/>
+          </p:nvPr>
+        </p:nvSpPr>
+        <p:spPr/>
+        <p:txBody>
+          <a:bodyPr/>
+          <a:lstStyle/>
+          <a:p>
+            <a:r>
+              <a:rPr lang="en-US" dirty="0"/>
+              <a:t>Checking Boundaries</a:t>
+            </a:r>
+          </a:p>
+        </p:txBody>
+      </p:sp>
+      <p:sp>
+        <p:nvSpPr>
+          <p:cNvPr id="3" name="Content Placeholder 2"/>
+          <p:cNvSpPr>
+            <a:spLocks noGrp="1"/>
+          </p:cNvSpPr>
+          <p:nvPr>
+            <p:ph idx="1"/>
+          </p:nvPr>
+        </p:nvSpPr>
+        <p:spPr/>
+        <p:txBody>
+          <a:bodyPr/>
+          <a:lstStyle/>
+          <a:p>
+            <a:r>
+              <a:rPr lang="en-US" sz="2800" dirty="0"/>
+              <a:t>We often use CASE/SWITCH/IF logic</a:t>
+            </a:r>
+          </a:p>
+          <a:p>
+            <a:r>
+              <a:rPr lang="en-US" sz="2800" dirty="0"/>
+              <a:t>These can result in missing boundary conditions</a:t>
+            </a:r>
+          </a:p>
+        </p:txBody>
+      </p:sp>
+    </p:spTree>
+    <p:extLst>
+      <p:ext uri="{BB962C8B-B14F-4D97-AF65-F5344CB8AC3E}">
+        <p14:creationId xmlns:p14="http://schemas.microsoft.com/office/powerpoint/2010/main" val="987462211"/>
+      </p:ext>
+    </p:extLst>
+  </p:cSld>
+  <p:clrMapOvr>
+    <a:masterClrMapping/>
+  </p:clrMapOvr>
+</p:sld>
+</file>
+
+<file path=ppt/slides/slide27.xml><?xml version="1.0" encoding="utf-8"?>
+<p:sld xmlns:a="http://schemas.openxmlformats.org/drawingml/2006/main" xmlns:r="http://schemas.openxmlformats.org/officeDocument/2006/relationships" xmlns:p="http://schemas.openxmlformats.org/presentationml/2006/main">
+  <p:cSld>
+    <p:spTree>
+      <p:nvGrpSpPr>
+        <p:cNvPr id="1" name=""/>
+        <p:cNvGrpSpPr/>
+        <p:nvPr/>
+      </p:nvGrpSpPr>
+      <p:grpSpPr>
+        <a:xfrm>
+          <a:off x="0" y="0"/>
+          <a:ext cx="0" cy="0"/>
+          <a:chOff x="0" y="0"/>
+          <a:chExt cx="0" cy="0"/>
+        </a:xfrm>
+      </p:grpSpPr>
+      <p:sp>
+        <p:nvSpPr>
+          <p:cNvPr id="4" name="Title 3"/>
+          <p:cNvSpPr>
+            <a:spLocks noGrp="1"/>
+          </p:cNvSpPr>
+          <p:nvPr>
+            <p:ph type="title"/>
+          </p:nvPr>
+        </p:nvSpPr>
+        <p:spPr/>
+        <p:txBody>
+          <a:bodyPr/>
+          <a:lstStyle/>
+          <a:p>
+            <a:r>
+              <a:rPr lang="en-US" dirty="0"/>
+              <a:t>Checking Boundaries</a:t>
+            </a:r>
+          </a:p>
+        </p:txBody>
+      </p:sp>
+      <p:sp>
+        <p:nvSpPr>
+          <p:cNvPr id="5" name="Text Placeholder 4"/>
+          <p:cNvSpPr>
+            <a:spLocks noGrp="1"/>
+          </p:cNvSpPr>
+          <p:nvPr>
+            <p:ph type="body" idx="1"/>
+          </p:nvPr>
+        </p:nvSpPr>
+        <p:spPr/>
+        <p:txBody>
+          <a:bodyPr/>
+          <a:lstStyle/>
+          <a:p>
+            <a:r>
+              <a:rPr lang="en-US" dirty="0"/>
+              <a:t>Testing Code</a:t>
+            </a:r>
+          </a:p>
+        </p:txBody>
+      </p:sp>
+    </p:spTree>
+    <p:extLst>
+      <p:ext uri="{BB962C8B-B14F-4D97-AF65-F5344CB8AC3E}">
+        <p14:creationId xmlns:p14="http://schemas.microsoft.com/office/powerpoint/2010/main" val="1443834001"/>
+      </p:ext>
+    </p:extLst>
+  </p:cSld>
+  <p:clrMapOvr>
+    <a:masterClrMapping/>
+  </p:clrMapOvr>
+</p:sld>
+</file>
+
+<file path=ppt/slides/slide28.xml><?xml version="1.0" encoding="utf-8"?>
+<p:sld xmlns:a="http://schemas.openxmlformats.org/drawingml/2006/main" xmlns:r="http://schemas.openxmlformats.org/officeDocument/2006/relationships" xmlns:p="http://schemas.openxmlformats.org/presentationml/2006/main">
+  <p:cSld>
+    <p:spTree>
+      <p:nvGrpSpPr>
+        <p:cNvPr id="1" name=""/>
+        <p:cNvGrpSpPr/>
+        <p:nvPr/>
+      </p:nvGrpSpPr>
+      <p:grpSpPr>
+        <a:xfrm>
+          <a:off x="0" y="0"/>
+          <a:ext cx="0" cy="0"/>
+          <a:chOff x="0" y="0"/>
+          <a:chExt cx="0" cy="0"/>
+        </a:xfrm>
+      </p:grpSpPr>
+      <p:sp>
+        <p:nvSpPr>
+          <p:cNvPr id="2" name="Title 1"/>
+          <p:cNvSpPr>
+            <a:spLocks noGrp="1"/>
+          </p:cNvSpPr>
+          <p:nvPr>
+            <p:ph type="title"/>
+          </p:nvPr>
+        </p:nvSpPr>
+        <p:spPr/>
+        <p:txBody>
+          <a:bodyPr/>
+          <a:lstStyle/>
+          <a:p>
+            <a:r>
+              <a:rPr lang="en-US" dirty="0"/>
+              <a:t>Having a Test Suite</a:t>
+            </a:r>
+          </a:p>
+        </p:txBody>
+      </p:sp>
+      <p:sp>
+        <p:nvSpPr>
+          <p:cNvPr id="3" name="Content Placeholder 2"/>
+          <p:cNvSpPr>
+            <a:spLocks noGrp="1"/>
+          </p:cNvSpPr>
+          <p:nvPr>
+            <p:ph idx="1"/>
+          </p:nvPr>
+        </p:nvSpPr>
+        <p:spPr/>
+        <p:txBody>
+          <a:bodyPr/>
+          <a:lstStyle/>
+          <a:p>
+            <a:r>
+              <a:rPr lang="en-US" dirty="0"/>
+              <a:t>By continuing to grow your test suite with each change, developers spread the load</a:t>
+            </a:r>
+          </a:p>
+          <a:p>
+            <a:r>
+              <a:rPr lang="en-US" dirty="0"/>
+              <a:t>By having a large suite, we have better code coverage.</a:t>
+            </a:r>
+          </a:p>
+          <a:p>
+            <a:r>
+              <a:rPr lang="en-US" dirty="0"/>
+              <a:t>We can easily regression test.</a:t>
+            </a:r>
+          </a:p>
+        </p:txBody>
+      </p:sp>
+    </p:spTree>
+    <p:extLst>
+      <p:ext uri="{BB962C8B-B14F-4D97-AF65-F5344CB8AC3E}">
+        <p14:creationId xmlns:p14="http://schemas.microsoft.com/office/powerpoint/2010/main" val="2479422556"/>
+      </p:ext>
+    </p:extLst>
+  </p:cSld>
+  <p:clrMapOvr>
+    <a:masterClrMapping/>
+  </p:clrMapOvr>
+</p:sld>
+</file>
+
+<file path=ppt/slides/slide29.xml><?xml version="1.0" encoding="utf-8"?>
+<p:sld xmlns:a="http://schemas.openxmlformats.org/drawingml/2006/main" xmlns:r="http://schemas.openxmlformats.org/officeDocument/2006/relationships" xmlns:p="http://schemas.openxmlformats.org/presentationml/2006/main">
+  <p:cSld>
+    <p:spTree>
+      <p:nvGrpSpPr>
+        <p:cNvPr id="1" name=""/>
+        <p:cNvGrpSpPr/>
+        <p:nvPr/>
+      </p:nvGrpSpPr>
+      <p:grpSpPr>
+        <a:xfrm>
+          <a:off x="0" y="0"/>
+          <a:ext cx="0" cy="0"/>
+          <a:chOff x="0" y="0"/>
+          <a:chExt cx="0" cy="0"/>
+        </a:xfrm>
+      </p:grpSpPr>
+      <p:sp>
+        <p:nvSpPr>
           <p:cNvPr id="2" name="Title 1"/>
           <p:cNvSpPr>
             <a:spLocks noGrp="1"/>
@@ -10170,7 +10714,510 @@
 </p:sld>
 </file>
 
-<file path=ppt/slides/slide26.xml><?xml version="1.0" encoding="utf-8"?>
+<file path=ppt/slides/slide3.xml><?xml version="1.0" encoding="utf-8"?>
+<p:sld xmlns:a="http://schemas.openxmlformats.org/drawingml/2006/main" xmlns:r="http://schemas.openxmlformats.org/officeDocument/2006/relationships" xmlns:p="http://schemas.openxmlformats.org/presentationml/2006/main">
+  <p:cSld>
+    <p:spTree>
+      <p:nvGrpSpPr>
+        <p:cNvPr id="1" name=""/>
+        <p:cNvGrpSpPr/>
+        <p:nvPr/>
+      </p:nvGrpSpPr>
+      <p:grpSpPr>
+        <a:xfrm>
+          <a:off x="0" y="0"/>
+          <a:ext cx="0" cy="0"/>
+          <a:chOff x="0" y="0"/>
+          <a:chExt cx="0" cy="0"/>
+        </a:xfrm>
+      </p:grpSpPr>
+      <p:sp>
+        <p:nvSpPr>
+          <p:cNvPr id="2" name="Title 1"/>
+          <p:cNvSpPr>
+            <a:spLocks noGrp="1"/>
+          </p:cNvSpPr>
+          <p:nvPr>
+            <p:ph type="title"/>
+          </p:nvPr>
+        </p:nvSpPr>
+        <p:spPr>
+          <a:prstGeom prst="rect">
+            <a:avLst/>
+          </a:prstGeom>
+        </p:spPr>
+        <p:txBody>
+          <a:bodyPr>
+            <a:normAutofit/>
+          </a:bodyPr>
+          <a:lstStyle/>
+          <a:p>
+            <a:r>
+              <a:rPr lang="en-US" sz="3600" dirty="0"/>
+              <a:t>Who am I?</a:t>
+            </a:r>
+          </a:p>
+        </p:txBody>
+      </p:sp>
+      <p:sp>
+        <p:nvSpPr>
+          <p:cNvPr id="18" name="Rectangle 17"/>
+          <p:cNvSpPr/>
+          <p:nvPr/>
+        </p:nvSpPr>
+        <p:spPr>
+          <a:xfrm>
+            <a:off x="4225931" y="2916568"/>
+            <a:ext cx="3973501" cy="507831"/>
+          </a:xfrm>
+          <a:prstGeom prst="rect">
+            <a:avLst/>
+          </a:prstGeom>
+        </p:spPr>
+        <p:txBody>
+          <a:bodyPr wrap="square">
+            <a:spAutoFit/>
+          </a:bodyPr>
+          <a:lstStyle/>
+          <a:p>
+            <a:pPr>
+              <a:spcAft>
+                <a:spcPts val="2700"/>
+              </a:spcAft>
+            </a:pPr>
+            <a:r>
+              <a:rPr lang="en-US" sz="2700" dirty="0">
+                <a:solidFill>
+                  <a:schemeClr val="tx1">
+                    <a:lumMod val="50000"/>
+                    <a:lumOff val="50000"/>
+                  </a:schemeClr>
+                </a:solidFill>
+                <a:latin typeface="Microsoft Sans Serif" panose="020B0604020202020204" pitchFamily="34" charset="0"/>
+              </a:rPr>
+              <a:t>www.voiceofthedba.com</a:t>
+            </a:r>
+          </a:p>
+        </p:txBody>
+      </p:sp>
+      <p:sp>
+        <p:nvSpPr>
+          <p:cNvPr id="19" name="Rectangle 18"/>
+          <p:cNvSpPr/>
+          <p:nvPr/>
+        </p:nvSpPr>
+        <p:spPr>
+          <a:xfrm>
+            <a:off x="4225929" y="3617043"/>
+            <a:ext cx="4460872" cy="461665"/>
+          </a:xfrm>
+          <a:prstGeom prst="rect">
+            <a:avLst/>
+          </a:prstGeom>
+        </p:spPr>
+        <p:txBody>
+          <a:bodyPr wrap="square">
+            <a:spAutoFit/>
+          </a:bodyPr>
+          <a:lstStyle/>
+          <a:p>
+            <a:pPr>
+              <a:spcAft>
+                <a:spcPts val="2700"/>
+              </a:spcAft>
+            </a:pPr>
+            <a:r>
+              <a:rPr lang="en-US" sz="2400" dirty="0" err="1">
+                <a:solidFill>
+                  <a:schemeClr val="tx1">
+                    <a:lumMod val="50000"/>
+                    <a:lumOff val="50000"/>
+                  </a:schemeClr>
+                </a:solidFill>
+                <a:latin typeface="Microsoft Sans Serif" panose="020B0604020202020204" pitchFamily="34" charset="0"/>
+              </a:rPr>
+              <a:t>sjones@sqlservercentral.com</a:t>
+            </a:r>
+            <a:endParaRPr lang="en-US" sz="2400" dirty="0">
+              <a:solidFill>
+                <a:schemeClr val="tx1">
+                  <a:lumMod val="50000"/>
+                  <a:lumOff val="50000"/>
+                </a:schemeClr>
+              </a:solidFill>
+              <a:latin typeface="Microsoft Sans Serif" panose="020B0604020202020204" pitchFamily="34" charset="0"/>
+            </a:endParaRPr>
+          </a:p>
+        </p:txBody>
+      </p:sp>
+      <p:sp>
+        <p:nvSpPr>
+          <p:cNvPr id="20" name="Rectangle 19"/>
+          <p:cNvSpPr/>
+          <p:nvPr/>
+        </p:nvSpPr>
+        <p:spPr>
+          <a:xfrm>
+            <a:off x="4225929" y="4300454"/>
+            <a:ext cx="3560770" cy="507831"/>
+          </a:xfrm>
+          <a:prstGeom prst="rect">
+            <a:avLst/>
+          </a:prstGeom>
+        </p:spPr>
+        <p:txBody>
+          <a:bodyPr wrap="square">
+            <a:spAutoFit/>
+          </a:bodyPr>
+          <a:lstStyle/>
+          <a:p>
+            <a:pPr>
+              <a:spcAft>
+                <a:spcPts val="2700"/>
+              </a:spcAft>
+            </a:pPr>
+            <a:r>
+              <a:rPr lang="en-US" sz="2700" dirty="0">
+                <a:solidFill>
+                  <a:schemeClr val="tx1">
+                    <a:lumMod val="50000"/>
+                    <a:lumOff val="50000"/>
+                  </a:schemeClr>
+                </a:solidFill>
+                <a:latin typeface="Microsoft Sans Serif" panose="020B0604020202020204" pitchFamily="34" charset="0"/>
+              </a:rPr>
+              <a:t>@way0utwest</a:t>
+            </a:r>
+          </a:p>
+        </p:txBody>
+      </p:sp>
+      <p:sp>
+        <p:nvSpPr>
+          <p:cNvPr id="21" name="TextBox 20"/>
+          <p:cNvSpPr txBox="1"/>
+          <p:nvPr/>
+        </p:nvSpPr>
+        <p:spPr>
+          <a:xfrm>
+            <a:off x="3547726" y="1379469"/>
+            <a:ext cx="5310524" cy="1138773"/>
+          </a:xfrm>
+          <a:prstGeom prst="rect">
+            <a:avLst/>
+          </a:prstGeom>
+          <a:noFill/>
+        </p:spPr>
+        <p:txBody>
+          <a:bodyPr wrap="square" rtlCol="0">
+            <a:spAutoFit/>
+          </a:bodyPr>
+          <a:lstStyle/>
+          <a:p>
+            <a:r>
+              <a:rPr lang="en-US" sz="2800" b="1" dirty="0">
+                <a:solidFill>
+                  <a:srgbClr val="CC0000"/>
+                </a:solidFill>
+                <a:latin typeface="Arial"/>
+                <a:cs typeface="Arial"/>
+              </a:rPr>
+              <a:t>Steve Jones</a:t>
+            </a:r>
+          </a:p>
+          <a:p>
+            <a:r>
+              <a:rPr lang="en-US" sz="2000" b="1" dirty="0" err="1">
+                <a:solidFill>
+                  <a:srgbClr val="CC0000"/>
+                </a:solidFill>
+                <a:latin typeface="Arial"/>
+                <a:cs typeface="Arial"/>
+              </a:rPr>
+              <a:t>SQLServerCentral</a:t>
+            </a:r>
+            <a:r>
+              <a:rPr lang="en-US" sz="2000" b="1" dirty="0">
+                <a:solidFill>
+                  <a:srgbClr val="CC0000"/>
+                </a:solidFill>
+                <a:latin typeface="Arial"/>
+                <a:cs typeface="Arial"/>
+              </a:rPr>
+              <a:t> founder</a:t>
+            </a:r>
+          </a:p>
+          <a:p>
+            <a:r>
+              <a:rPr lang="en-US" sz="2000" b="1" dirty="0" err="1">
+                <a:solidFill>
+                  <a:srgbClr val="CC0000"/>
+                </a:solidFill>
+                <a:latin typeface="Arial"/>
+                <a:cs typeface="Arial"/>
+              </a:rPr>
+              <a:t>Redgate</a:t>
+            </a:r>
+            <a:r>
+              <a:rPr lang="en-US" sz="2000" b="1" dirty="0">
+                <a:solidFill>
+                  <a:srgbClr val="CC0000"/>
+                </a:solidFill>
+                <a:latin typeface="Arial"/>
+                <a:cs typeface="Arial"/>
+              </a:rPr>
+              <a:t> Software Evangelist</a:t>
+            </a:r>
+          </a:p>
+        </p:txBody>
+      </p:sp>
+      <p:pic>
+        <p:nvPicPr>
+          <p:cNvPr id="22" name="Picture 21"/>
+          <p:cNvPicPr>
+            <a:picLocks noChangeAspect="1"/>
+          </p:cNvPicPr>
+          <p:nvPr/>
+        </p:nvPicPr>
+        <p:blipFill>
+          <a:blip r:embed="rId3"/>
+          <a:stretch>
+            <a:fillRect/>
+          </a:stretch>
+        </p:blipFill>
+        <p:spPr>
+          <a:xfrm>
+            <a:off x="3655052" y="2946524"/>
+            <a:ext cx="434779" cy="478257"/>
+          </a:xfrm>
+          <a:prstGeom prst="rect">
+            <a:avLst/>
+          </a:prstGeom>
+        </p:spPr>
+      </p:pic>
+      <p:pic>
+        <p:nvPicPr>
+          <p:cNvPr id="23" name="Picture 22"/>
+          <p:cNvPicPr>
+            <a:picLocks noChangeAspect="1"/>
+          </p:cNvPicPr>
+          <p:nvPr/>
+        </p:nvPicPr>
+        <p:blipFill>
+          <a:blip r:embed="rId4"/>
+          <a:stretch>
+            <a:fillRect/>
+          </a:stretch>
+        </p:blipFill>
+        <p:spPr>
+          <a:xfrm>
+            <a:off x="3655052" y="3712291"/>
+            <a:ext cx="463485" cy="379214"/>
+          </a:xfrm>
+          <a:prstGeom prst="rect">
+            <a:avLst/>
+          </a:prstGeom>
+        </p:spPr>
+      </p:pic>
+      <p:pic>
+        <p:nvPicPr>
+          <p:cNvPr id="24" name="Picture 23"/>
+          <p:cNvPicPr>
+            <a:picLocks noChangeAspect="1"/>
+          </p:cNvPicPr>
+          <p:nvPr/>
+        </p:nvPicPr>
+        <p:blipFill>
+          <a:blip r:embed="rId5"/>
+          <a:stretch>
+            <a:fillRect/>
+          </a:stretch>
+        </p:blipFill>
+        <p:spPr>
+          <a:xfrm>
+            <a:off x="3655050" y="4338552"/>
+            <a:ext cx="504842" cy="462772"/>
+          </a:xfrm>
+          <a:prstGeom prst="rect">
+            <a:avLst/>
+          </a:prstGeom>
+        </p:spPr>
+      </p:pic>
+      <p:pic>
+        <p:nvPicPr>
+          <p:cNvPr id="3" name="Picture 2"/>
+          <p:cNvPicPr>
+            <a:picLocks noChangeAspect="1"/>
+          </p:cNvPicPr>
+          <p:nvPr/>
+        </p:nvPicPr>
+        <p:blipFill>
+          <a:blip r:embed="rId6" cstate="print">
+            <a:extLst>
+              <a:ext uri="{28A0092B-C50C-407E-A947-70E740481C1C}">
+                <a14:useLocalDpi xmlns:a14="http://schemas.microsoft.com/office/drawing/2010/main" val="0"/>
+              </a:ext>
+            </a:extLst>
+          </a:blip>
+          <a:stretch>
+            <a:fillRect/>
+          </a:stretch>
+        </p:blipFill>
+        <p:spPr>
+          <a:xfrm>
+            <a:off x="3655050" y="4971400"/>
+            <a:ext cx="495926" cy="495926"/>
+          </a:xfrm>
+          <a:prstGeom prst="rect">
+            <a:avLst/>
+          </a:prstGeom>
+        </p:spPr>
+      </p:pic>
+      <p:sp>
+        <p:nvSpPr>
+          <p:cNvPr id="4" name="TextBox 3"/>
+          <p:cNvSpPr txBox="1"/>
+          <p:nvPr/>
+        </p:nvSpPr>
+        <p:spPr>
+          <a:xfrm>
+            <a:off x="4225931" y="4971401"/>
+            <a:ext cx="3006223" cy="507831"/>
+          </a:xfrm>
+          <a:prstGeom prst="rect">
+            <a:avLst/>
+          </a:prstGeom>
+          <a:noFill/>
+        </p:spPr>
+        <p:txBody>
+          <a:bodyPr wrap="square" rtlCol="0">
+            <a:spAutoFit/>
+          </a:bodyPr>
+          <a:lstStyle/>
+          <a:p>
+            <a:pPr>
+              <a:spcAft>
+                <a:spcPts val="2700"/>
+              </a:spcAft>
+            </a:pPr>
+            <a:r>
+              <a:rPr lang="en-US" sz="2700" dirty="0">
+                <a:solidFill>
+                  <a:schemeClr val="tx1">
+                    <a:lumMod val="50000"/>
+                    <a:lumOff val="50000"/>
+                  </a:schemeClr>
+                </a:solidFill>
+                <a:latin typeface="Microsoft Sans Serif" panose="020B0604020202020204" pitchFamily="34" charset="0"/>
+              </a:rPr>
+              <a:t>/in/way0utwest</a:t>
+            </a:r>
+          </a:p>
+        </p:txBody>
+      </p:sp>
+      <p:pic>
+        <p:nvPicPr>
+          <p:cNvPr id="13" name="Picture 12"/>
+          <p:cNvPicPr>
+            <a:picLocks noChangeAspect="1"/>
+          </p:cNvPicPr>
+          <p:nvPr/>
+        </p:nvPicPr>
+        <p:blipFill>
+          <a:blip r:embed="rId7">
+            <a:extLst>
+              <a:ext uri="{28A0092B-C50C-407E-A947-70E740481C1C}">
+                <a14:useLocalDpi xmlns:a14="http://schemas.microsoft.com/office/drawing/2010/main" val="0"/>
+              </a:ext>
+            </a:extLst>
+          </a:blip>
+          <a:stretch>
+            <a:fillRect/>
+          </a:stretch>
+        </p:blipFill>
+        <p:spPr>
+          <a:xfrm>
+            <a:off x="7232154" y="4808285"/>
+            <a:ext cx="1511111" cy="533333"/>
+          </a:xfrm>
+          <a:prstGeom prst="rect">
+            <a:avLst/>
+          </a:prstGeom>
+        </p:spPr>
+      </p:pic>
+      <p:pic>
+        <p:nvPicPr>
+          <p:cNvPr id="14" name="Picture 13"/>
+          <p:cNvPicPr>
+            <a:picLocks noChangeAspect="1"/>
+          </p:cNvPicPr>
+          <p:nvPr/>
+        </p:nvPicPr>
+        <p:blipFill>
+          <a:blip r:embed="rId8">
+            <a:extLst>
+              <a:ext uri="{28A0092B-C50C-407E-A947-70E740481C1C}">
+                <a14:useLocalDpi xmlns:a14="http://schemas.microsoft.com/office/drawing/2010/main" val="0"/>
+              </a:ext>
+            </a:extLst>
+          </a:blip>
+          <a:stretch>
+            <a:fillRect/>
+          </a:stretch>
+        </p:blipFill>
+        <p:spPr>
+          <a:xfrm>
+            <a:off x="786119" y="4631413"/>
+            <a:ext cx="2191683" cy="776221"/>
+          </a:xfrm>
+          <a:prstGeom prst="rect">
+            <a:avLst/>
+          </a:prstGeom>
+        </p:spPr>
+      </p:pic>
+      <p:pic>
+        <p:nvPicPr>
+          <p:cNvPr id="5" name="Picture 4"/>
+          <p:cNvPicPr>
+            <a:picLocks noChangeAspect="1"/>
+          </p:cNvPicPr>
+          <p:nvPr/>
+        </p:nvPicPr>
+        <p:blipFill>
+          <a:blip r:embed="rId9">
+            <a:extLst>
+              <a:ext uri="{28A0092B-C50C-407E-A947-70E740481C1C}">
+                <a14:useLocalDpi xmlns:a14="http://schemas.microsoft.com/office/drawing/2010/main" val="0"/>
+              </a:ext>
+            </a:extLst>
+          </a:blip>
+          <a:stretch>
+            <a:fillRect/>
+          </a:stretch>
+        </p:blipFill>
+        <p:spPr>
+          <a:xfrm>
+            <a:off x="1073692" y="2260653"/>
+            <a:ext cx="1428572" cy="1850000"/>
+          </a:xfrm>
+          <a:prstGeom prst="rect">
+            <a:avLst/>
+          </a:prstGeom>
+        </p:spPr>
+      </p:pic>
+    </p:spTree>
+    <p:extLst>
+      <p:ext uri="{BB962C8B-B14F-4D97-AF65-F5344CB8AC3E}">
+        <p14:creationId xmlns:p14="http://schemas.microsoft.com/office/powerpoint/2010/main" val="699138362"/>
+      </p:ext>
+    </p:extLst>
+  </p:cSld>
+  <p:clrMapOvr>
+    <a:masterClrMapping/>
+  </p:clrMapOvr>
+</p:sld>
+</file>
+
+<file path=ppt/slides/slide30.xml><?xml version="1.0" encoding="utf-8"?>
 <p:sld xmlns:a="http://schemas.openxmlformats.org/drawingml/2006/main" xmlns:r="http://schemas.openxmlformats.org/officeDocument/2006/relationships" xmlns:p="http://schemas.openxmlformats.org/presentationml/2006/main">
   <p:cSld>
     <p:spTree>
@@ -10763,7 +11810,7 @@
 </p:sld>
 </file>
 
-<file path=ppt/slides/slide27.xml><?xml version="1.0" encoding="utf-8"?>
+<file path=ppt/slides/slide31.xml><?xml version="1.0" encoding="utf-8"?>
 <p:sld xmlns:a="http://schemas.openxmlformats.org/drawingml/2006/main" xmlns:r="http://schemas.openxmlformats.org/officeDocument/2006/relationships" xmlns:p="http://schemas.openxmlformats.org/presentationml/2006/main">
   <p:cSld>
     <p:spTree>
@@ -10861,7 +11908,7 @@
 </p:sld>
 </file>
 
-<file path=ppt/slides/slide28.xml><?xml version="1.0" encoding="utf-8"?>
+<file path=ppt/slides/slide32.xml><?xml version="1.0" encoding="utf-8"?>
 <p:sld xmlns:a="http://schemas.openxmlformats.org/drawingml/2006/main" xmlns:r="http://schemas.openxmlformats.org/officeDocument/2006/relationships" xmlns:p="http://schemas.openxmlformats.org/presentationml/2006/main">
   <p:cSld>
     <p:spTree>
@@ -10949,509 +11996,6 @@
     <p:extLst>
       <p:ext uri="{BB962C8B-B14F-4D97-AF65-F5344CB8AC3E}">
         <p14:creationId xmlns:p14="http://schemas.microsoft.com/office/powerpoint/2010/main" val="2354176993"/>
-      </p:ext>
-    </p:extLst>
-  </p:cSld>
-  <p:clrMapOvr>
-    <a:masterClrMapping/>
-  </p:clrMapOvr>
-</p:sld>
-</file>
-
-<file path=ppt/slides/slide3.xml><?xml version="1.0" encoding="utf-8"?>
-<p:sld xmlns:a="http://schemas.openxmlformats.org/drawingml/2006/main" xmlns:r="http://schemas.openxmlformats.org/officeDocument/2006/relationships" xmlns:p="http://schemas.openxmlformats.org/presentationml/2006/main">
-  <p:cSld>
-    <p:spTree>
-      <p:nvGrpSpPr>
-        <p:cNvPr id="1" name=""/>
-        <p:cNvGrpSpPr/>
-        <p:nvPr/>
-      </p:nvGrpSpPr>
-      <p:grpSpPr>
-        <a:xfrm>
-          <a:off x="0" y="0"/>
-          <a:ext cx="0" cy="0"/>
-          <a:chOff x="0" y="0"/>
-          <a:chExt cx="0" cy="0"/>
-        </a:xfrm>
-      </p:grpSpPr>
-      <p:sp>
-        <p:nvSpPr>
-          <p:cNvPr id="2" name="Title 1"/>
-          <p:cNvSpPr>
-            <a:spLocks noGrp="1"/>
-          </p:cNvSpPr>
-          <p:nvPr>
-            <p:ph type="title"/>
-          </p:nvPr>
-        </p:nvSpPr>
-        <p:spPr>
-          <a:prstGeom prst="rect">
-            <a:avLst/>
-          </a:prstGeom>
-        </p:spPr>
-        <p:txBody>
-          <a:bodyPr>
-            <a:normAutofit/>
-          </a:bodyPr>
-          <a:lstStyle/>
-          <a:p>
-            <a:r>
-              <a:rPr lang="en-US" sz="3600" dirty="0"/>
-              <a:t>Who am I?</a:t>
-            </a:r>
-          </a:p>
-        </p:txBody>
-      </p:sp>
-      <p:sp>
-        <p:nvSpPr>
-          <p:cNvPr id="18" name="Rectangle 17"/>
-          <p:cNvSpPr/>
-          <p:nvPr/>
-        </p:nvSpPr>
-        <p:spPr>
-          <a:xfrm>
-            <a:off x="4225931" y="2916568"/>
-            <a:ext cx="3973501" cy="507831"/>
-          </a:xfrm>
-          <a:prstGeom prst="rect">
-            <a:avLst/>
-          </a:prstGeom>
-        </p:spPr>
-        <p:txBody>
-          <a:bodyPr wrap="square">
-            <a:spAutoFit/>
-          </a:bodyPr>
-          <a:lstStyle/>
-          <a:p>
-            <a:pPr>
-              <a:spcAft>
-                <a:spcPts val="2700"/>
-              </a:spcAft>
-            </a:pPr>
-            <a:r>
-              <a:rPr lang="en-US" sz="2700" dirty="0">
-                <a:solidFill>
-                  <a:schemeClr val="tx1">
-                    <a:lumMod val="50000"/>
-                    <a:lumOff val="50000"/>
-                  </a:schemeClr>
-                </a:solidFill>
-                <a:latin typeface="Microsoft Sans Serif" panose="020B0604020202020204" pitchFamily="34" charset="0"/>
-              </a:rPr>
-              <a:t>www.voiceofthedba.com</a:t>
-            </a:r>
-          </a:p>
-        </p:txBody>
-      </p:sp>
-      <p:sp>
-        <p:nvSpPr>
-          <p:cNvPr id="19" name="Rectangle 18"/>
-          <p:cNvSpPr/>
-          <p:nvPr/>
-        </p:nvSpPr>
-        <p:spPr>
-          <a:xfrm>
-            <a:off x="4225929" y="3617043"/>
-            <a:ext cx="4460872" cy="461665"/>
-          </a:xfrm>
-          <a:prstGeom prst="rect">
-            <a:avLst/>
-          </a:prstGeom>
-        </p:spPr>
-        <p:txBody>
-          <a:bodyPr wrap="square">
-            <a:spAutoFit/>
-          </a:bodyPr>
-          <a:lstStyle/>
-          <a:p>
-            <a:pPr>
-              <a:spcAft>
-                <a:spcPts val="2700"/>
-              </a:spcAft>
-            </a:pPr>
-            <a:r>
-              <a:rPr lang="en-US" sz="2400" dirty="0" err="1">
-                <a:solidFill>
-                  <a:schemeClr val="tx1">
-                    <a:lumMod val="50000"/>
-                    <a:lumOff val="50000"/>
-                  </a:schemeClr>
-                </a:solidFill>
-                <a:latin typeface="Microsoft Sans Serif" panose="020B0604020202020204" pitchFamily="34" charset="0"/>
-              </a:rPr>
-              <a:t>sjones@sqlservercentral.com</a:t>
-            </a:r>
-            <a:endParaRPr lang="en-US" sz="2400" dirty="0">
-              <a:solidFill>
-                <a:schemeClr val="tx1">
-                  <a:lumMod val="50000"/>
-                  <a:lumOff val="50000"/>
-                </a:schemeClr>
-              </a:solidFill>
-              <a:latin typeface="Microsoft Sans Serif" panose="020B0604020202020204" pitchFamily="34" charset="0"/>
-            </a:endParaRPr>
-          </a:p>
-        </p:txBody>
-      </p:sp>
-      <p:sp>
-        <p:nvSpPr>
-          <p:cNvPr id="20" name="Rectangle 19"/>
-          <p:cNvSpPr/>
-          <p:nvPr/>
-        </p:nvSpPr>
-        <p:spPr>
-          <a:xfrm>
-            <a:off x="4225929" y="4300454"/>
-            <a:ext cx="3560770" cy="507831"/>
-          </a:xfrm>
-          <a:prstGeom prst="rect">
-            <a:avLst/>
-          </a:prstGeom>
-        </p:spPr>
-        <p:txBody>
-          <a:bodyPr wrap="square">
-            <a:spAutoFit/>
-          </a:bodyPr>
-          <a:lstStyle/>
-          <a:p>
-            <a:pPr>
-              <a:spcAft>
-                <a:spcPts val="2700"/>
-              </a:spcAft>
-            </a:pPr>
-            <a:r>
-              <a:rPr lang="en-US" sz="2700" dirty="0">
-                <a:solidFill>
-                  <a:schemeClr val="tx1">
-                    <a:lumMod val="50000"/>
-                    <a:lumOff val="50000"/>
-                  </a:schemeClr>
-                </a:solidFill>
-                <a:latin typeface="Microsoft Sans Serif" panose="020B0604020202020204" pitchFamily="34" charset="0"/>
-              </a:rPr>
-              <a:t>@way0utwest</a:t>
-            </a:r>
-          </a:p>
-        </p:txBody>
-      </p:sp>
-      <p:sp>
-        <p:nvSpPr>
-          <p:cNvPr id="21" name="TextBox 20"/>
-          <p:cNvSpPr txBox="1"/>
-          <p:nvPr/>
-        </p:nvSpPr>
-        <p:spPr>
-          <a:xfrm>
-            <a:off x="3547726" y="1379469"/>
-            <a:ext cx="5310524" cy="1138773"/>
-          </a:xfrm>
-          <a:prstGeom prst="rect">
-            <a:avLst/>
-          </a:prstGeom>
-          <a:noFill/>
-        </p:spPr>
-        <p:txBody>
-          <a:bodyPr wrap="square" rtlCol="0">
-            <a:spAutoFit/>
-          </a:bodyPr>
-          <a:lstStyle/>
-          <a:p>
-            <a:r>
-              <a:rPr lang="en-US" sz="2800" b="1" dirty="0">
-                <a:solidFill>
-                  <a:srgbClr val="CC0000"/>
-                </a:solidFill>
-                <a:latin typeface="Arial"/>
-                <a:cs typeface="Arial"/>
-              </a:rPr>
-              <a:t>Steve Jones</a:t>
-            </a:r>
-          </a:p>
-          <a:p>
-            <a:r>
-              <a:rPr lang="en-US" sz="2000" b="1" dirty="0" err="1">
-                <a:solidFill>
-                  <a:srgbClr val="CC0000"/>
-                </a:solidFill>
-                <a:latin typeface="Arial"/>
-                <a:cs typeface="Arial"/>
-              </a:rPr>
-              <a:t>SQLServerCentral</a:t>
-            </a:r>
-            <a:r>
-              <a:rPr lang="en-US" sz="2000" b="1" dirty="0">
-                <a:solidFill>
-                  <a:srgbClr val="CC0000"/>
-                </a:solidFill>
-                <a:latin typeface="Arial"/>
-                <a:cs typeface="Arial"/>
-              </a:rPr>
-              <a:t> founder</a:t>
-            </a:r>
-          </a:p>
-          <a:p>
-            <a:r>
-              <a:rPr lang="en-US" sz="2000" b="1" dirty="0" err="1">
-                <a:solidFill>
-                  <a:srgbClr val="CC0000"/>
-                </a:solidFill>
-                <a:latin typeface="Arial"/>
-                <a:cs typeface="Arial"/>
-              </a:rPr>
-              <a:t>Redgate</a:t>
-            </a:r>
-            <a:r>
-              <a:rPr lang="en-US" sz="2000" b="1" dirty="0">
-                <a:solidFill>
-                  <a:srgbClr val="CC0000"/>
-                </a:solidFill>
-                <a:latin typeface="Arial"/>
-                <a:cs typeface="Arial"/>
-              </a:rPr>
-              <a:t> Software Evangelist</a:t>
-            </a:r>
-          </a:p>
-        </p:txBody>
-      </p:sp>
-      <p:pic>
-        <p:nvPicPr>
-          <p:cNvPr id="22" name="Picture 21"/>
-          <p:cNvPicPr>
-            <a:picLocks noChangeAspect="1"/>
-          </p:cNvPicPr>
-          <p:nvPr/>
-        </p:nvPicPr>
-        <p:blipFill>
-          <a:blip r:embed="rId3"/>
-          <a:stretch>
-            <a:fillRect/>
-          </a:stretch>
-        </p:blipFill>
-        <p:spPr>
-          <a:xfrm>
-            <a:off x="3655052" y="2946524"/>
-            <a:ext cx="434779" cy="478257"/>
-          </a:xfrm>
-          <a:prstGeom prst="rect">
-            <a:avLst/>
-          </a:prstGeom>
-        </p:spPr>
-      </p:pic>
-      <p:pic>
-        <p:nvPicPr>
-          <p:cNvPr id="23" name="Picture 22"/>
-          <p:cNvPicPr>
-            <a:picLocks noChangeAspect="1"/>
-          </p:cNvPicPr>
-          <p:nvPr/>
-        </p:nvPicPr>
-        <p:blipFill>
-          <a:blip r:embed="rId4"/>
-          <a:stretch>
-            <a:fillRect/>
-          </a:stretch>
-        </p:blipFill>
-        <p:spPr>
-          <a:xfrm>
-            <a:off x="3655052" y="3712291"/>
-            <a:ext cx="463485" cy="379214"/>
-          </a:xfrm>
-          <a:prstGeom prst="rect">
-            <a:avLst/>
-          </a:prstGeom>
-        </p:spPr>
-      </p:pic>
-      <p:pic>
-        <p:nvPicPr>
-          <p:cNvPr id="24" name="Picture 23"/>
-          <p:cNvPicPr>
-            <a:picLocks noChangeAspect="1"/>
-          </p:cNvPicPr>
-          <p:nvPr/>
-        </p:nvPicPr>
-        <p:blipFill>
-          <a:blip r:embed="rId5"/>
-          <a:stretch>
-            <a:fillRect/>
-          </a:stretch>
-        </p:blipFill>
-        <p:spPr>
-          <a:xfrm>
-            <a:off x="3655050" y="4338552"/>
-            <a:ext cx="504842" cy="462772"/>
-          </a:xfrm>
-          <a:prstGeom prst="rect">
-            <a:avLst/>
-          </a:prstGeom>
-        </p:spPr>
-      </p:pic>
-      <p:pic>
-        <p:nvPicPr>
-          <p:cNvPr id="3" name="Picture 2"/>
-          <p:cNvPicPr>
-            <a:picLocks noChangeAspect="1"/>
-          </p:cNvPicPr>
-          <p:nvPr/>
-        </p:nvPicPr>
-        <p:blipFill>
-          <a:blip r:embed="rId6" cstate="print">
-            <a:extLst>
-              <a:ext uri="{28A0092B-C50C-407E-A947-70E740481C1C}">
-                <a14:useLocalDpi xmlns:a14="http://schemas.microsoft.com/office/drawing/2010/main" val="0"/>
-              </a:ext>
-            </a:extLst>
-          </a:blip>
-          <a:stretch>
-            <a:fillRect/>
-          </a:stretch>
-        </p:blipFill>
-        <p:spPr>
-          <a:xfrm>
-            <a:off x="3655050" y="4971400"/>
-            <a:ext cx="495926" cy="495926"/>
-          </a:xfrm>
-          <a:prstGeom prst="rect">
-            <a:avLst/>
-          </a:prstGeom>
-        </p:spPr>
-      </p:pic>
-      <p:sp>
-        <p:nvSpPr>
-          <p:cNvPr id="4" name="TextBox 3"/>
-          <p:cNvSpPr txBox="1"/>
-          <p:nvPr/>
-        </p:nvSpPr>
-        <p:spPr>
-          <a:xfrm>
-            <a:off x="4225931" y="4971401"/>
-            <a:ext cx="3006223" cy="507831"/>
-          </a:xfrm>
-          <a:prstGeom prst="rect">
-            <a:avLst/>
-          </a:prstGeom>
-          <a:noFill/>
-        </p:spPr>
-        <p:txBody>
-          <a:bodyPr wrap="square" rtlCol="0">
-            <a:spAutoFit/>
-          </a:bodyPr>
-          <a:lstStyle/>
-          <a:p>
-            <a:pPr>
-              <a:spcAft>
-                <a:spcPts val="2700"/>
-              </a:spcAft>
-            </a:pPr>
-            <a:r>
-              <a:rPr lang="en-US" sz="2700" dirty="0">
-                <a:solidFill>
-                  <a:schemeClr val="tx1">
-                    <a:lumMod val="50000"/>
-                    <a:lumOff val="50000"/>
-                  </a:schemeClr>
-                </a:solidFill>
-                <a:latin typeface="Microsoft Sans Serif" panose="020B0604020202020204" pitchFamily="34" charset="0"/>
-              </a:rPr>
-              <a:t>/in/way0utwest</a:t>
-            </a:r>
-          </a:p>
-        </p:txBody>
-      </p:sp>
-      <p:pic>
-        <p:nvPicPr>
-          <p:cNvPr id="13" name="Picture 12"/>
-          <p:cNvPicPr>
-            <a:picLocks noChangeAspect="1"/>
-          </p:cNvPicPr>
-          <p:nvPr/>
-        </p:nvPicPr>
-        <p:blipFill>
-          <a:blip r:embed="rId7">
-            <a:extLst>
-              <a:ext uri="{28A0092B-C50C-407E-A947-70E740481C1C}">
-                <a14:useLocalDpi xmlns:a14="http://schemas.microsoft.com/office/drawing/2010/main" val="0"/>
-              </a:ext>
-            </a:extLst>
-          </a:blip>
-          <a:stretch>
-            <a:fillRect/>
-          </a:stretch>
-        </p:blipFill>
-        <p:spPr>
-          <a:xfrm>
-            <a:off x="7232154" y="4808285"/>
-            <a:ext cx="1511111" cy="533333"/>
-          </a:xfrm>
-          <a:prstGeom prst="rect">
-            <a:avLst/>
-          </a:prstGeom>
-        </p:spPr>
-      </p:pic>
-      <p:pic>
-        <p:nvPicPr>
-          <p:cNvPr id="14" name="Picture 13"/>
-          <p:cNvPicPr>
-            <a:picLocks noChangeAspect="1"/>
-          </p:cNvPicPr>
-          <p:nvPr/>
-        </p:nvPicPr>
-        <p:blipFill>
-          <a:blip r:embed="rId8">
-            <a:extLst>
-              <a:ext uri="{28A0092B-C50C-407E-A947-70E740481C1C}">
-                <a14:useLocalDpi xmlns:a14="http://schemas.microsoft.com/office/drawing/2010/main" val="0"/>
-              </a:ext>
-            </a:extLst>
-          </a:blip>
-          <a:stretch>
-            <a:fillRect/>
-          </a:stretch>
-        </p:blipFill>
-        <p:spPr>
-          <a:xfrm>
-            <a:off x="786119" y="4631413"/>
-            <a:ext cx="2191683" cy="776221"/>
-          </a:xfrm>
-          <a:prstGeom prst="rect">
-            <a:avLst/>
-          </a:prstGeom>
-        </p:spPr>
-      </p:pic>
-      <p:pic>
-        <p:nvPicPr>
-          <p:cNvPr id="5" name="Picture 4"/>
-          <p:cNvPicPr>
-            <a:picLocks noChangeAspect="1"/>
-          </p:cNvPicPr>
-          <p:nvPr/>
-        </p:nvPicPr>
-        <p:blipFill>
-          <a:blip r:embed="rId9">
-            <a:extLst>
-              <a:ext uri="{28A0092B-C50C-407E-A947-70E740481C1C}">
-                <a14:useLocalDpi xmlns:a14="http://schemas.microsoft.com/office/drawing/2010/main" val="0"/>
-              </a:ext>
-            </a:extLst>
-          </a:blip>
-          <a:stretch>
-            <a:fillRect/>
-          </a:stretch>
-        </p:blipFill>
-        <p:spPr>
-          <a:xfrm>
-            <a:off x="1073692" y="2260653"/>
-            <a:ext cx="1428572" cy="1850000"/>
-          </a:xfrm>
-          <a:prstGeom prst="rect">
-            <a:avLst/>
-          </a:prstGeom>
-        </p:spPr>
-      </p:pic>
-    </p:spTree>
-    <p:extLst>
-      <p:ext uri="{BB962C8B-B14F-4D97-AF65-F5344CB8AC3E}">
-        <p14:creationId xmlns:p14="http://schemas.microsoft.com/office/powerpoint/2010/main" val="699138362"/>
       </p:ext>
     </p:extLst>
   </p:cSld>

--- a/UnitTestingTSQL.pptx
+++ b/UnitTestingTSQL.pptx
@@ -6,7 +6,7 @@
     <p:sldMasterId id="2147483692" r:id="rId2"/>
   </p:sldMasterIdLst>
   <p:notesMasterIdLst>
-    <p:notesMasterId r:id="rId35"/>
+    <p:notesMasterId r:id="rId40"/>
   </p:notesMasterIdLst>
   <p:sldIdLst>
     <p:sldId id="300" r:id="rId3"/>
@@ -36,11 +36,16 @@
     <p:sldId id="303" r:id="rId27"/>
     <p:sldId id="305" r:id="rId28"/>
     <p:sldId id="306" r:id="rId29"/>
-    <p:sldId id="276" r:id="rId30"/>
-    <p:sldId id="278" r:id="rId31"/>
-    <p:sldId id="270" r:id="rId32"/>
-    <p:sldId id="271" r:id="rId33"/>
-    <p:sldId id="265" r:id="rId34"/>
+    <p:sldId id="307" r:id="rId30"/>
+    <p:sldId id="308" r:id="rId31"/>
+    <p:sldId id="309" r:id="rId32"/>
+    <p:sldId id="310" r:id="rId33"/>
+    <p:sldId id="276" r:id="rId34"/>
+    <p:sldId id="311" r:id="rId35"/>
+    <p:sldId id="278" r:id="rId36"/>
+    <p:sldId id="270" r:id="rId37"/>
+    <p:sldId id="271" r:id="rId38"/>
+    <p:sldId id="265" r:id="rId39"/>
   </p:sldIdLst>
   <p:sldSz cx="9144000" cy="6858000" type="screen4x3"/>
   <p:notesSz cx="6858000" cy="9144000"/>
@@ -188,6 +193,10 @@
 </p:presentation>
 </file>
 
+<file path=ppt/revisionInfo.xml><?xml version="1.0" encoding="utf-8"?>
+<p1510:revInfo xmlns:a="http://schemas.openxmlformats.org/drawingml/2006/main" xmlns:r="http://schemas.openxmlformats.org/officeDocument/2006/relationships" xmlns:p1510="http://schemas.microsoft.com/office/powerpoint/2015/10/main"/>
+</file>
+
 <file path=ppt/notesMasters/notesMaster1.xml><?xml version="1.0" encoding="utf-8"?>
 <p:notesMaster xmlns:a="http://schemas.openxmlformats.org/drawingml/2006/main" xmlns:r="http://schemas.openxmlformats.org/officeDocument/2006/relationships" xmlns:p="http://schemas.openxmlformats.org/presentationml/2006/main">
   <p:cSld>
@@ -270,7 +279,7 @@
           <a:p>
             <a:fld id="{3C31BDEC-C855-4A20-BFC3-C78B82093698}" type="datetimeFigureOut">
               <a:rPr lang="en-US" smtClean="0"/>
-              <a:t>10/11/2017</a:t>
+              <a:t>10/12/2017</a:t>
             </a:fld>
             <a:endParaRPr lang="en-US"/>
           </a:p>
@@ -1293,6 +1302,234 @@
           <a:p>
             <a:r>
               <a:rPr lang="en-US" dirty="0"/>
+              <a:t>Write proc for insert and select of images</a:t>
+            </a:r>
+          </a:p>
+          <a:p>
+            <a:r>
+              <a:rPr lang="en-US" dirty="0"/>
+              <a:t>Create new test for insert, don’t fill stub</a:t>
+            </a:r>
+          </a:p>
+          <a:p>
+            <a:r>
+              <a:rPr lang="en-US" dirty="0"/>
+              <a:t>Create new test for select and edit</a:t>
+            </a:r>
+          </a:p>
+          <a:p>
+            <a:r>
+              <a:rPr lang="en-US" dirty="0"/>
+              <a:t>Run tests, get caught naming issues, as well as one procedure works, one fails. We get the failure in the test we didn’t edit.</a:t>
+            </a:r>
+          </a:p>
+          <a:p>
+            <a:r>
+              <a:rPr lang="en-US" dirty="0"/>
+              <a:t>Correct issues in both procedures</a:t>
+            </a:r>
+          </a:p>
+          <a:p>
+            <a:endParaRPr lang="en-US" dirty="0"/>
+          </a:p>
+        </p:txBody>
+      </p:sp>
+      <p:sp>
+        <p:nvSpPr>
+          <p:cNvPr id="4" name="Slide Number Placeholder 3"/>
+          <p:cNvSpPr>
+            <a:spLocks noGrp="1"/>
+          </p:cNvSpPr>
+          <p:nvPr>
+            <p:ph type="sldNum" sz="quarter" idx="10"/>
+          </p:nvPr>
+        </p:nvSpPr>
+        <p:spPr/>
+        <p:txBody>
+          <a:bodyPr/>
+          <a:lstStyle/>
+          <a:p>
+            <a:fld id="{737EB954-88EE-45B2-878D-41C5C083E9B9}" type="slidenum">
+              <a:rPr lang="en-US" smtClean="0"/>
+              <a:t>29</a:t>
+            </a:fld>
+            <a:endParaRPr lang="en-US"/>
+          </a:p>
+        </p:txBody>
+      </p:sp>
+    </p:spTree>
+    <p:extLst>
+      <p:ext uri="{BB962C8B-B14F-4D97-AF65-F5344CB8AC3E}">
+        <p14:creationId xmlns:p14="http://schemas.microsoft.com/office/powerpoint/2010/main" val="3706438335"/>
+      </p:ext>
+    </p:extLst>
+  </p:cSld>
+  <p:clrMapOvr>
+    <a:masterClrMapping/>
+  </p:clrMapOvr>
+</p:notes>
+</file>
+
+<file path=ppt/notesSlides/notesSlide16.xml><?xml version="1.0" encoding="utf-8"?>
+<p:notes xmlns:a="http://schemas.openxmlformats.org/drawingml/2006/main" xmlns:r="http://schemas.openxmlformats.org/officeDocument/2006/relationships" xmlns:p="http://schemas.openxmlformats.org/presentationml/2006/main">
+  <p:cSld>
+    <p:spTree>
+      <p:nvGrpSpPr>
+        <p:cNvPr id="1" name=""/>
+        <p:cNvGrpSpPr/>
+        <p:nvPr/>
+      </p:nvGrpSpPr>
+      <p:grpSpPr>
+        <a:xfrm>
+          <a:off x="0" y="0"/>
+          <a:ext cx="0" cy="0"/>
+          <a:chOff x="0" y="0"/>
+          <a:chExt cx="0" cy="0"/>
+        </a:xfrm>
+      </p:grpSpPr>
+      <p:sp>
+        <p:nvSpPr>
+          <p:cNvPr id="2" name="Slide Image Placeholder 1"/>
+          <p:cNvSpPr>
+            <a:spLocks noGrp="1" noRot="1" noChangeAspect="1"/>
+          </p:cNvSpPr>
+          <p:nvPr>
+            <p:ph type="sldImg"/>
+          </p:nvPr>
+        </p:nvSpPr>
+        <p:spPr/>
+      </p:sp>
+      <p:sp>
+        <p:nvSpPr>
+          <p:cNvPr id="3" name="Notes Placeholder 2"/>
+          <p:cNvSpPr>
+            <a:spLocks noGrp="1"/>
+          </p:cNvSpPr>
+          <p:nvPr>
+            <p:ph type="body" idx="1"/>
+          </p:nvPr>
+        </p:nvSpPr>
+        <p:spPr/>
+        <p:txBody>
+          <a:bodyPr/>
+          <a:lstStyle/>
+          <a:p>
+            <a:r>
+              <a:rPr lang="en-US" dirty="0"/>
+              <a:t>Write proc for insert and select of images</a:t>
+            </a:r>
+          </a:p>
+          <a:p>
+            <a:r>
+              <a:rPr lang="en-US" dirty="0"/>
+              <a:t>Create new test for insert, don’t fill stub</a:t>
+            </a:r>
+          </a:p>
+          <a:p>
+            <a:r>
+              <a:rPr lang="en-US" dirty="0"/>
+              <a:t>Create new test for select and edit</a:t>
+            </a:r>
+          </a:p>
+          <a:p>
+            <a:r>
+              <a:rPr lang="en-US" dirty="0"/>
+              <a:t>Run tests, get caught naming issues, as well as one procedure works, one fails. We get the failure in the test we didn’t edit.</a:t>
+            </a:r>
+          </a:p>
+          <a:p>
+            <a:r>
+              <a:rPr lang="en-US" dirty="0"/>
+              <a:t>Correct issues in both procedures</a:t>
+            </a:r>
+          </a:p>
+          <a:p>
+            <a:endParaRPr lang="en-US" dirty="0"/>
+          </a:p>
+        </p:txBody>
+      </p:sp>
+      <p:sp>
+        <p:nvSpPr>
+          <p:cNvPr id="4" name="Slide Number Placeholder 3"/>
+          <p:cNvSpPr>
+            <a:spLocks noGrp="1"/>
+          </p:cNvSpPr>
+          <p:nvPr>
+            <p:ph type="sldNum" sz="quarter" idx="10"/>
+          </p:nvPr>
+        </p:nvSpPr>
+        <p:spPr/>
+        <p:txBody>
+          <a:bodyPr/>
+          <a:lstStyle/>
+          <a:p>
+            <a:fld id="{737EB954-88EE-45B2-878D-41C5C083E9B9}" type="slidenum">
+              <a:rPr lang="en-US" smtClean="0"/>
+              <a:t>31</a:t>
+            </a:fld>
+            <a:endParaRPr lang="en-US"/>
+          </a:p>
+        </p:txBody>
+      </p:sp>
+    </p:spTree>
+    <p:extLst>
+      <p:ext uri="{BB962C8B-B14F-4D97-AF65-F5344CB8AC3E}">
+        <p14:creationId xmlns:p14="http://schemas.microsoft.com/office/powerpoint/2010/main" val="2182061461"/>
+      </p:ext>
+    </p:extLst>
+  </p:cSld>
+  <p:clrMapOvr>
+    <a:masterClrMapping/>
+  </p:clrMapOvr>
+</p:notes>
+</file>
+
+<file path=ppt/notesSlides/notesSlide17.xml><?xml version="1.0" encoding="utf-8"?>
+<p:notes xmlns:a="http://schemas.openxmlformats.org/drawingml/2006/main" xmlns:r="http://schemas.openxmlformats.org/officeDocument/2006/relationships" xmlns:p="http://schemas.openxmlformats.org/presentationml/2006/main">
+  <p:cSld>
+    <p:spTree>
+      <p:nvGrpSpPr>
+        <p:cNvPr id="1" name=""/>
+        <p:cNvGrpSpPr/>
+        <p:nvPr/>
+      </p:nvGrpSpPr>
+      <p:grpSpPr>
+        <a:xfrm>
+          <a:off x="0" y="0"/>
+          <a:ext cx="0" cy="0"/>
+          <a:chOff x="0" y="0"/>
+          <a:chExt cx="0" cy="0"/>
+        </a:xfrm>
+      </p:grpSpPr>
+      <p:sp>
+        <p:nvSpPr>
+          <p:cNvPr id="2" name="Slide Image Placeholder 1"/>
+          <p:cNvSpPr>
+            <a:spLocks noGrp="1" noRot="1" noChangeAspect="1"/>
+          </p:cNvSpPr>
+          <p:nvPr>
+            <p:ph type="sldImg"/>
+          </p:nvPr>
+        </p:nvSpPr>
+        <p:spPr/>
+      </p:sp>
+      <p:sp>
+        <p:nvSpPr>
+          <p:cNvPr id="3" name="Notes Placeholder 2"/>
+          <p:cNvSpPr>
+            <a:spLocks noGrp="1"/>
+          </p:cNvSpPr>
+          <p:nvPr>
+            <p:ph type="body" idx="1"/>
+          </p:nvPr>
+        </p:nvSpPr>
+        <p:spPr/>
+        <p:txBody>
+          <a:bodyPr/>
+          <a:lstStyle/>
+          <a:p>
+            <a:r>
+              <a:rPr lang="en-US" dirty="0"/>
               <a:t>CD pipeline</a:t>
             </a:r>
             <a:r>
@@ -1348,7 +1585,7 @@
           <a:p>
             <a:fld id="{737EB954-88EE-45B2-878D-41C5C083E9B9}" type="slidenum">
               <a:rPr lang="en-US" smtClean="0"/>
-              <a:t>32</a:t>
+              <a:t>37</a:t>
             </a:fld>
             <a:endParaRPr lang="en-US"/>
           </a:p>
@@ -2277,7 +2514,7 @@
               <a:pPr>
                 <a:defRPr/>
               </a:pPr>
-              <a:t>10/11/2017</a:t>
+              <a:t>10/12/2017</a:t>
             </a:fld>
             <a:endParaRPr lang="en-US"/>
           </a:p>
@@ -2439,7 +2676,7 @@
               <a:pPr>
                 <a:defRPr/>
               </a:pPr>
-              <a:t>10/11/2017</a:t>
+              <a:t>10/12/2017</a:t>
             </a:fld>
             <a:endParaRPr lang="en-US"/>
           </a:p>
@@ -2611,7 +2848,7 @@
               <a:pPr>
                 <a:defRPr/>
               </a:pPr>
-              <a:t>10/11/2017</a:t>
+              <a:t>10/12/2017</a:t>
             </a:fld>
             <a:endParaRPr lang="en-US"/>
           </a:p>
@@ -3042,7 +3279,7 @@
               <a:pPr>
                 <a:defRPr/>
               </a:pPr>
-              <a:t>10/11/2017</a:t>
+              <a:t>10/12/2017</a:t>
             </a:fld>
             <a:endParaRPr lang="en-US"/>
           </a:p>
@@ -3216,7 +3453,7 @@
               <a:pPr>
                 <a:defRPr/>
               </a:pPr>
-              <a:t>10/11/2017</a:t>
+              <a:t>10/12/2017</a:t>
             </a:fld>
             <a:endParaRPr lang="en-US"/>
           </a:p>
@@ -3455,7 +3692,7 @@
               <a:pPr>
                 <a:defRPr/>
               </a:pPr>
-              <a:t>10/11/2017</a:t>
+              <a:t>10/12/2017</a:t>
             </a:fld>
             <a:endParaRPr lang="en-US"/>
           </a:p>
@@ -3734,7 +3971,7 @@
               <a:pPr>
                 <a:defRPr/>
               </a:pPr>
-              <a:t>10/11/2017</a:t>
+              <a:t>10/12/2017</a:t>
             </a:fld>
             <a:endParaRPr lang="en-US"/>
           </a:p>
@@ -4152,7 +4389,7 @@
               <a:pPr>
                 <a:defRPr/>
               </a:pPr>
-              <a:t>10/11/2017</a:t>
+              <a:t>10/12/2017</a:t>
             </a:fld>
             <a:endParaRPr lang="en-US"/>
           </a:p>
@@ -4263,7 +4500,7 @@
               <a:pPr>
                 <a:defRPr/>
               </a:pPr>
-              <a:t>10/11/2017</a:t>
+              <a:t>10/12/2017</a:t>
             </a:fld>
             <a:endParaRPr lang="en-US"/>
           </a:p>
@@ -4352,7 +4589,7 @@
               <a:pPr>
                 <a:defRPr/>
               </a:pPr>
-              <a:t>10/11/2017</a:t>
+              <a:t>10/12/2017</a:t>
             </a:fld>
             <a:endParaRPr lang="en-US"/>
           </a:p>
@@ -4526,7 +4763,7 @@
               <a:pPr>
                 <a:defRPr/>
               </a:pPr>
-              <a:t>10/11/2017</a:t>
+              <a:t>10/12/2017</a:t>
             </a:fld>
             <a:endParaRPr lang="en-US"/>
           </a:p>
@@ -4795,7 +5032,7 @@
               <a:pPr>
                 <a:defRPr/>
               </a:pPr>
-              <a:t>10/11/2017</a:t>
+              <a:t>10/12/2017</a:t>
             </a:fld>
             <a:endParaRPr lang="en-US"/>
           </a:p>
@@ -5047,7 +5284,7 @@
               <a:pPr>
                 <a:defRPr/>
               </a:pPr>
-              <a:t>10/11/2017</a:t>
+              <a:t>10/12/2017</a:t>
             </a:fld>
             <a:endParaRPr lang="en-US"/>
           </a:p>
@@ -5209,7 +5446,7 @@
               <a:pPr>
                 <a:defRPr/>
               </a:pPr>
-              <a:t>10/11/2017</a:t>
+              <a:t>10/12/2017</a:t>
             </a:fld>
             <a:endParaRPr lang="en-US"/>
           </a:p>
@@ -5381,7 +5618,7 @@
               <a:pPr>
                 <a:defRPr/>
               </a:pPr>
-              <a:t>10/11/2017</a:t>
+              <a:t>10/12/2017</a:t>
             </a:fld>
             <a:endParaRPr lang="en-US"/>
           </a:p>
@@ -5620,7 +5857,7 @@
               <a:pPr>
                 <a:defRPr/>
               </a:pPr>
-              <a:t>10/11/2017</a:t>
+              <a:t>10/12/2017</a:t>
             </a:fld>
             <a:endParaRPr lang="en-US"/>
           </a:p>
@@ -5899,7 +6136,7 @@
               <a:pPr>
                 <a:defRPr/>
               </a:pPr>
-              <a:t>10/11/2017</a:t>
+              <a:t>10/12/2017</a:t>
             </a:fld>
             <a:endParaRPr lang="en-US"/>
           </a:p>
@@ -6317,7 +6554,7 @@
               <a:pPr>
                 <a:defRPr/>
               </a:pPr>
-              <a:t>10/11/2017</a:t>
+              <a:t>10/12/2017</a:t>
             </a:fld>
             <a:endParaRPr lang="en-US"/>
           </a:p>
@@ -6428,7 +6665,7 @@
               <a:pPr>
                 <a:defRPr/>
               </a:pPr>
-              <a:t>10/11/2017</a:t>
+              <a:t>10/12/2017</a:t>
             </a:fld>
             <a:endParaRPr lang="en-US"/>
           </a:p>
@@ -6517,7 +6754,7 @@
               <a:pPr>
                 <a:defRPr/>
               </a:pPr>
-              <a:t>10/11/2017</a:t>
+              <a:t>10/12/2017</a:t>
             </a:fld>
             <a:endParaRPr lang="en-US"/>
           </a:p>
@@ -6786,7 +7023,7 @@
               <a:pPr>
                 <a:defRPr/>
               </a:pPr>
-              <a:t>10/11/2017</a:t>
+              <a:t>10/12/2017</a:t>
             </a:fld>
             <a:endParaRPr lang="en-US"/>
           </a:p>
@@ -7038,7 +7275,7 @@
               <a:pPr>
                 <a:defRPr/>
               </a:pPr>
-              <a:t>10/11/2017</a:t>
+              <a:t>10/12/2017</a:t>
             </a:fld>
             <a:endParaRPr lang="en-US"/>
           </a:p>
@@ -7278,7 +7515,7 @@
               <a:pPr>
                 <a:defRPr/>
               </a:pPr>
-              <a:t>10/11/2017</a:t>
+              <a:t>10/12/2017</a:t>
             </a:fld>
             <a:endParaRPr lang="en-US"/>
           </a:p>
@@ -7975,7 +8212,7 @@
               <a:pPr>
                 <a:defRPr/>
               </a:pPr>
-              <a:t>10/11/2017</a:t>
+              <a:t>10/12/2017</a:t>
             </a:fld>
             <a:endParaRPr lang="en-US"/>
           </a:p>
@@ -9507,7 +9744,7 @@
               <a:rPr lang="en-US" dirty="0">
                 <a:hlinkClick r:id="rId4"/>
               </a:rPr>
-              <a:t>Support via Google Groups</a:t>
+              <a:t>Support via Posts</a:t>
             </a:r>
             <a:endParaRPr lang="en-US" dirty="0"/>
           </a:p>
@@ -9568,7 +9805,7 @@
           <a:lstStyle/>
           <a:p>
             <a:r>
-              <a:rPr lang="en-US" dirty="0"/>
+              <a:rPr lang="en-US" sz="3600" dirty="0"/>
               <a:t>Microsoft Unit Testing Framework</a:t>
             </a:r>
           </a:p>
@@ -10329,13 +10566,8 @@
           <a:p>
             <a:r>
               <a:rPr lang="en-US" dirty="0"/>
-              <a:t>Testing </a:t>
-            </a:r>
-            <a:r>
-              <a:rPr lang="en-US" dirty="0" err="1"/>
-              <a:t>CalcuLations</a:t>
-            </a:r>
-            <a:endParaRPr lang="en-US" dirty="0"/>
+              <a:t>Testing Calculations</a:t>
+            </a:r>
           </a:p>
         </p:txBody>
       </p:sp>
@@ -10562,7 +10794,7 @@
           <a:p>
             <a:r>
               <a:rPr lang="en-US" dirty="0"/>
-              <a:t>Having a Test Suite</a:t>
+              <a:t>Checking NULLs</a:t>
             </a:r>
           </a:p>
         </p:txBody>
@@ -10583,28 +10815,31 @@
           <a:lstStyle/>
           <a:p>
             <a:r>
-              <a:rPr lang="en-US" dirty="0"/>
-              <a:t>By continuing to grow your test suite with each change, developers spread the load</a:t>
-            </a:r>
-          </a:p>
-          <a:p>
-            <a:r>
-              <a:rPr lang="en-US" dirty="0"/>
-              <a:t>By having a large suite, we have better code coverage.</a:t>
-            </a:r>
-          </a:p>
-          <a:p>
-            <a:r>
-              <a:rPr lang="en-US" dirty="0"/>
-              <a:t>We can easily regression test.</a:t>
-            </a:r>
+              <a:rPr lang="en-US" sz="2800" dirty="0"/>
+              <a:t>NULL is a special case in databases</a:t>
+            </a:r>
+          </a:p>
+          <a:p>
+            <a:r>
+              <a:rPr lang="en-US" sz="2800" dirty="0"/>
+              <a:t>We often find these where we don't expect it</a:t>
+            </a:r>
+          </a:p>
+          <a:p>
+            <a:r>
+              <a:rPr lang="en-US" sz="2800" dirty="0"/>
+              <a:t>We need to account for NULL with some logic</a:t>
+            </a:r>
+          </a:p>
+          <a:p>
+            <a:endParaRPr lang="en-US" sz="2800" dirty="0"/>
           </a:p>
         </p:txBody>
       </p:sp>
     </p:spTree>
     <p:extLst>
       <p:ext uri="{BB962C8B-B14F-4D97-AF65-F5344CB8AC3E}">
-        <p14:creationId xmlns:p14="http://schemas.microsoft.com/office/powerpoint/2010/main" val="2479422556"/>
+        <p14:creationId xmlns:p14="http://schemas.microsoft.com/office/powerpoint/2010/main" val="4127984162"/>
       </p:ext>
     </p:extLst>
   </p:cSld>
@@ -10633,7 +10868,7 @@
       </p:grpSpPr>
       <p:sp>
         <p:nvSpPr>
-          <p:cNvPr id="2" name="Title 1"/>
+          <p:cNvPr id="4" name="Title 3"/>
           <p:cNvSpPr>
             <a:spLocks noGrp="1"/>
           </p:cNvSpPr>
@@ -10648,19 +10883,19 @@
           <a:p>
             <a:r>
               <a:rPr lang="en-US" dirty="0"/>
-              <a:t>Summary</a:t>
-            </a:r>
-          </a:p>
-        </p:txBody>
-      </p:sp>
-      <p:sp>
-        <p:nvSpPr>
-          <p:cNvPr id="3" name="Content Placeholder 2"/>
-          <p:cNvSpPr>
-            <a:spLocks noGrp="1"/>
-          </p:cNvSpPr>
-          <p:nvPr>
-            <p:ph idx="1"/>
+              <a:t>Checking NULLS</a:t>
+            </a:r>
+          </a:p>
+        </p:txBody>
+      </p:sp>
+      <p:sp>
+        <p:nvSpPr>
+          <p:cNvPr id="5" name="Text Placeholder 4"/>
+          <p:cNvSpPr>
+            <a:spLocks noGrp="1"/>
+          </p:cNvSpPr>
+          <p:nvPr>
+            <p:ph type="body" idx="1"/>
           </p:nvPr>
         </p:nvSpPr>
         <p:spPr/>
@@ -10670,33 +10905,7 @@
           <a:p>
             <a:r>
               <a:rPr lang="en-US" dirty="0"/>
-              <a:t>Testing will improve the quality of your code</a:t>
-            </a:r>
-          </a:p>
-          <a:p>
-            <a:r>
-              <a:rPr lang="en-US" dirty="0"/>
-              <a:t>Testing will lower the cost of code</a:t>
-            </a:r>
-          </a:p>
-          <a:p>
-            <a:r>
-              <a:rPr lang="en-US" dirty="0" err="1"/>
-              <a:t>tSQLt</a:t>
-            </a:r>
-            <a:r>
-              <a:rPr lang="en-US" dirty="0"/>
-              <a:t> is a framework for testing T-SQL code</a:t>
-            </a:r>
-          </a:p>
-          <a:p>
-            <a:r>
-              <a:rPr lang="en-US" dirty="0"/>
-              <a:t>SQL Cop can help you easily test </a:t>
-            </a:r>
-            <a:r>
-              <a:rPr lang="en-US"/>
-              <a:t>for standards</a:t>
+              <a:t>Testing Code</a:t>
             </a:r>
           </a:p>
         </p:txBody>
@@ -10704,7 +10913,7 @@
     </p:spTree>
     <p:extLst>
       <p:ext uri="{BB962C8B-B14F-4D97-AF65-F5344CB8AC3E}">
-        <p14:creationId xmlns:p14="http://schemas.microsoft.com/office/powerpoint/2010/main" val="3709868887"/>
+        <p14:creationId xmlns:p14="http://schemas.microsoft.com/office/powerpoint/2010/main" val="1969308736"/>
       </p:ext>
     </p:extLst>
   </p:cSld>
@@ -11218,6 +11427,459 @@
 </file>
 
 <file path=ppt/slides/slide30.xml><?xml version="1.0" encoding="utf-8"?>
+<p:sld xmlns:a="http://schemas.openxmlformats.org/drawingml/2006/main" xmlns:r="http://schemas.openxmlformats.org/officeDocument/2006/relationships" xmlns:p="http://schemas.openxmlformats.org/presentationml/2006/main">
+  <p:cSld>
+    <p:spTree>
+      <p:nvGrpSpPr>
+        <p:cNvPr id="1" name=""/>
+        <p:cNvGrpSpPr/>
+        <p:nvPr/>
+      </p:nvGrpSpPr>
+      <p:grpSpPr>
+        <a:xfrm>
+          <a:off x="0" y="0"/>
+          <a:ext cx="0" cy="0"/>
+          <a:chOff x="0" y="0"/>
+          <a:chExt cx="0" cy="0"/>
+        </a:xfrm>
+      </p:grpSpPr>
+      <p:sp>
+        <p:nvSpPr>
+          <p:cNvPr id="2" name="Title 1"/>
+          <p:cNvSpPr>
+            <a:spLocks noGrp="1"/>
+          </p:cNvSpPr>
+          <p:nvPr>
+            <p:ph type="title"/>
+          </p:nvPr>
+        </p:nvSpPr>
+        <p:spPr/>
+        <p:txBody>
+          <a:bodyPr/>
+          <a:lstStyle/>
+          <a:p>
+            <a:r>
+              <a:rPr lang="en-US" dirty="0"/>
+              <a:t>0-1-Some</a:t>
+            </a:r>
+          </a:p>
+        </p:txBody>
+      </p:sp>
+      <p:sp>
+        <p:nvSpPr>
+          <p:cNvPr id="3" name="Content Placeholder 2"/>
+          <p:cNvSpPr>
+            <a:spLocks noGrp="1"/>
+          </p:cNvSpPr>
+          <p:nvPr>
+            <p:ph idx="1"/>
+          </p:nvPr>
+        </p:nvSpPr>
+        <p:spPr/>
+        <p:txBody>
+          <a:bodyPr/>
+          <a:lstStyle/>
+          <a:p>
+            <a:r>
+              <a:rPr lang="en-US" sz="2800" dirty="0"/>
+              <a:t>A good test pattern is 0-1-some</a:t>
+            </a:r>
+          </a:p>
+          <a:p>
+            <a:r>
+              <a:rPr lang="en-US" sz="2800" dirty="0"/>
+              <a:t>Test times when no data exists (0 rows)</a:t>
+            </a:r>
+          </a:p>
+          <a:p>
+            <a:r>
+              <a:rPr lang="en-US" sz="2800" dirty="0"/>
+              <a:t>Test when 1 row exists</a:t>
+            </a:r>
+          </a:p>
+          <a:p>
+            <a:r>
+              <a:rPr lang="en-US" sz="2800" dirty="0"/>
+              <a:t>Test when more than 1 row exists</a:t>
+            </a:r>
+          </a:p>
+          <a:p>
+            <a:endParaRPr lang="en-US" sz="2800" dirty="0"/>
+          </a:p>
+        </p:txBody>
+      </p:sp>
+    </p:spTree>
+    <p:extLst>
+      <p:ext uri="{BB962C8B-B14F-4D97-AF65-F5344CB8AC3E}">
+        <p14:creationId xmlns:p14="http://schemas.microsoft.com/office/powerpoint/2010/main" val="3005142086"/>
+      </p:ext>
+    </p:extLst>
+  </p:cSld>
+  <p:clrMapOvr>
+    <a:masterClrMapping/>
+  </p:clrMapOvr>
+</p:sld>
+</file>
+
+<file path=ppt/slides/slide31.xml><?xml version="1.0" encoding="utf-8"?>
+<p:sld xmlns:a="http://schemas.openxmlformats.org/drawingml/2006/main" xmlns:r="http://schemas.openxmlformats.org/officeDocument/2006/relationships" xmlns:p="http://schemas.openxmlformats.org/presentationml/2006/main">
+  <p:cSld>
+    <p:spTree>
+      <p:nvGrpSpPr>
+        <p:cNvPr id="1" name=""/>
+        <p:cNvGrpSpPr/>
+        <p:nvPr/>
+      </p:nvGrpSpPr>
+      <p:grpSpPr>
+        <a:xfrm>
+          <a:off x="0" y="0"/>
+          <a:ext cx="0" cy="0"/>
+          <a:chOff x="0" y="0"/>
+          <a:chExt cx="0" cy="0"/>
+        </a:xfrm>
+      </p:grpSpPr>
+      <p:sp>
+        <p:nvSpPr>
+          <p:cNvPr id="4" name="Title 3"/>
+          <p:cNvSpPr>
+            <a:spLocks noGrp="1"/>
+          </p:cNvSpPr>
+          <p:nvPr>
+            <p:ph type="title"/>
+          </p:nvPr>
+        </p:nvSpPr>
+        <p:spPr/>
+        <p:txBody>
+          <a:bodyPr/>
+          <a:lstStyle/>
+          <a:p>
+            <a:r>
+              <a:rPr lang="en-US" dirty="0"/>
+              <a:t>0-1-Some test pattern</a:t>
+            </a:r>
+          </a:p>
+        </p:txBody>
+      </p:sp>
+      <p:sp>
+        <p:nvSpPr>
+          <p:cNvPr id="5" name="Text Placeholder 4"/>
+          <p:cNvSpPr>
+            <a:spLocks noGrp="1"/>
+          </p:cNvSpPr>
+          <p:nvPr>
+            <p:ph type="body" idx="1"/>
+          </p:nvPr>
+        </p:nvSpPr>
+        <p:spPr/>
+        <p:txBody>
+          <a:bodyPr/>
+          <a:lstStyle/>
+          <a:p>
+            <a:r>
+              <a:rPr lang="en-US" dirty="0"/>
+              <a:t>Testing Code</a:t>
+            </a:r>
+          </a:p>
+        </p:txBody>
+      </p:sp>
+    </p:spTree>
+    <p:extLst>
+      <p:ext uri="{BB962C8B-B14F-4D97-AF65-F5344CB8AC3E}">
+        <p14:creationId xmlns:p14="http://schemas.microsoft.com/office/powerpoint/2010/main" val="4163745074"/>
+      </p:ext>
+    </p:extLst>
+  </p:cSld>
+  <p:clrMapOvr>
+    <a:masterClrMapping/>
+  </p:clrMapOvr>
+</p:sld>
+</file>
+
+<file path=ppt/slides/slide32.xml><?xml version="1.0" encoding="utf-8"?>
+<p:sld xmlns:a="http://schemas.openxmlformats.org/drawingml/2006/main" xmlns:r="http://schemas.openxmlformats.org/officeDocument/2006/relationships" xmlns:p="http://schemas.openxmlformats.org/presentationml/2006/main">
+  <p:cSld>
+    <p:spTree>
+      <p:nvGrpSpPr>
+        <p:cNvPr id="1" name=""/>
+        <p:cNvGrpSpPr/>
+        <p:nvPr/>
+      </p:nvGrpSpPr>
+      <p:grpSpPr>
+        <a:xfrm>
+          <a:off x="0" y="0"/>
+          <a:ext cx="0" cy="0"/>
+          <a:chOff x="0" y="0"/>
+          <a:chExt cx="0" cy="0"/>
+        </a:xfrm>
+      </p:grpSpPr>
+      <p:sp>
+        <p:nvSpPr>
+          <p:cNvPr id="2" name="Title 1"/>
+          <p:cNvSpPr>
+            <a:spLocks noGrp="1"/>
+          </p:cNvSpPr>
+          <p:nvPr>
+            <p:ph type="title"/>
+          </p:nvPr>
+        </p:nvSpPr>
+        <p:spPr/>
+        <p:txBody>
+          <a:bodyPr/>
+          <a:lstStyle/>
+          <a:p>
+            <a:r>
+              <a:rPr lang="en-US" dirty="0"/>
+              <a:t>Having a Test Suite</a:t>
+            </a:r>
+          </a:p>
+        </p:txBody>
+      </p:sp>
+      <p:sp>
+        <p:nvSpPr>
+          <p:cNvPr id="3" name="Content Placeholder 2"/>
+          <p:cNvSpPr>
+            <a:spLocks noGrp="1"/>
+          </p:cNvSpPr>
+          <p:nvPr>
+            <p:ph idx="1"/>
+          </p:nvPr>
+        </p:nvSpPr>
+        <p:spPr/>
+        <p:txBody>
+          <a:bodyPr/>
+          <a:lstStyle/>
+          <a:p>
+            <a:r>
+              <a:rPr lang="en-US" dirty="0"/>
+              <a:t>By continuing to grow your test suite with each change, developers spread the load</a:t>
+            </a:r>
+          </a:p>
+          <a:p>
+            <a:r>
+              <a:rPr lang="en-US" dirty="0"/>
+              <a:t>By having a large suite, we have better code coverage.</a:t>
+            </a:r>
+          </a:p>
+          <a:p>
+            <a:r>
+              <a:rPr lang="en-US" dirty="0"/>
+              <a:t>We can easily regression test.</a:t>
+            </a:r>
+          </a:p>
+          <a:p>
+            <a:pPr marL="0" indent="0">
+              <a:buNone/>
+            </a:pPr>
+            <a:endParaRPr lang="en-US" dirty="0"/>
+          </a:p>
+        </p:txBody>
+      </p:sp>
+    </p:spTree>
+    <p:extLst>
+      <p:ext uri="{BB962C8B-B14F-4D97-AF65-F5344CB8AC3E}">
+        <p14:creationId xmlns:p14="http://schemas.microsoft.com/office/powerpoint/2010/main" val="2479422556"/>
+      </p:ext>
+    </p:extLst>
+  </p:cSld>
+  <p:clrMapOvr>
+    <a:masterClrMapping/>
+  </p:clrMapOvr>
+</p:sld>
+</file>
+
+<file path=ppt/slides/slide33.xml><?xml version="1.0" encoding="utf-8"?>
+<p:sld xmlns:a="http://schemas.openxmlformats.org/drawingml/2006/main" xmlns:r="http://schemas.openxmlformats.org/officeDocument/2006/relationships" xmlns:p="http://schemas.openxmlformats.org/presentationml/2006/main">
+  <p:cSld>
+    <p:spTree>
+      <p:nvGrpSpPr>
+        <p:cNvPr id="1" name=""/>
+        <p:cNvGrpSpPr/>
+        <p:nvPr/>
+      </p:nvGrpSpPr>
+      <p:grpSpPr>
+        <a:xfrm>
+          <a:off x="0" y="0"/>
+          <a:ext cx="0" cy="0"/>
+          <a:chOff x="0" y="0"/>
+          <a:chExt cx="0" cy="0"/>
+        </a:xfrm>
+      </p:grpSpPr>
+      <p:sp>
+        <p:nvSpPr>
+          <p:cNvPr id="2" name="Title 1"/>
+          <p:cNvSpPr>
+            <a:spLocks noGrp="1"/>
+          </p:cNvSpPr>
+          <p:nvPr>
+            <p:ph type="title"/>
+          </p:nvPr>
+        </p:nvSpPr>
+        <p:spPr/>
+        <p:txBody>
+          <a:bodyPr/>
+          <a:lstStyle/>
+          <a:p>
+            <a:r>
+              <a:rPr lang="en-US" dirty="0"/>
+              <a:t>Start With One Test</a:t>
+            </a:r>
+          </a:p>
+        </p:txBody>
+      </p:sp>
+      <p:sp>
+        <p:nvSpPr>
+          <p:cNvPr id="3" name="Content Placeholder 2"/>
+          <p:cNvSpPr>
+            <a:spLocks noGrp="1"/>
+          </p:cNvSpPr>
+          <p:nvPr>
+            <p:ph idx="1"/>
+          </p:nvPr>
+        </p:nvSpPr>
+        <p:spPr/>
+        <p:txBody>
+          <a:bodyPr/>
+          <a:lstStyle/>
+          <a:p>
+            <a:r>
+              <a:rPr lang="en-US" dirty="0"/>
+              <a:t>Developers are not responsible for testing existing code</a:t>
+            </a:r>
+          </a:p>
+          <a:p>
+            <a:r>
+              <a:rPr lang="en-US" dirty="0"/>
+              <a:t>Developers are responsible for testing their new code</a:t>
+            </a:r>
+          </a:p>
+          <a:p>
+            <a:r>
+              <a:rPr lang="en-US" dirty="0"/>
+              <a:t>One test a day for new code will build a suite</a:t>
+            </a:r>
+          </a:p>
+          <a:p>
+            <a:pPr marL="0" indent="0">
+              <a:buNone/>
+            </a:pPr>
+            <a:endParaRPr lang="en-US" dirty="0"/>
+          </a:p>
+        </p:txBody>
+      </p:sp>
+    </p:spTree>
+    <p:extLst>
+      <p:ext uri="{BB962C8B-B14F-4D97-AF65-F5344CB8AC3E}">
+        <p14:creationId xmlns:p14="http://schemas.microsoft.com/office/powerpoint/2010/main" val="4024472392"/>
+      </p:ext>
+    </p:extLst>
+  </p:cSld>
+  <p:clrMapOvr>
+    <a:masterClrMapping/>
+  </p:clrMapOvr>
+</p:sld>
+</file>
+
+<file path=ppt/slides/slide34.xml><?xml version="1.0" encoding="utf-8"?>
+<p:sld xmlns:a="http://schemas.openxmlformats.org/drawingml/2006/main" xmlns:r="http://schemas.openxmlformats.org/officeDocument/2006/relationships" xmlns:p="http://schemas.openxmlformats.org/presentationml/2006/main">
+  <p:cSld>
+    <p:spTree>
+      <p:nvGrpSpPr>
+        <p:cNvPr id="1" name=""/>
+        <p:cNvGrpSpPr/>
+        <p:nvPr/>
+      </p:nvGrpSpPr>
+      <p:grpSpPr>
+        <a:xfrm>
+          <a:off x="0" y="0"/>
+          <a:ext cx="0" cy="0"/>
+          <a:chOff x="0" y="0"/>
+          <a:chExt cx="0" cy="0"/>
+        </a:xfrm>
+      </p:grpSpPr>
+      <p:sp>
+        <p:nvSpPr>
+          <p:cNvPr id="2" name="Title 1"/>
+          <p:cNvSpPr>
+            <a:spLocks noGrp="1"/>
+          </p:cNvSpPr>
+          <p:nvPr>
+            <p:ph type="title"/>
+          </p:nvPr>
+        </p:nvSpPr>
+        <p:spPr/>
+        <p:txBody>
+          <a:bodyPr/>
+          <a:lstStyle/>
+          <a:p>
+            <a:r>
+              <a:rPr lang="en-US" dirty="0"/>
+              <a:t>Summary</a:t>
+            </a:r>
+          </a:p>
+        </p:txBody>
+      </p:sp>
+      <p:sp>
+        <p:nvSpPr>
+          <p:cNvPr id="3" name="Content Placeholder 2"/>
+          <p:cNvSpPr>
+            <a:spLocks noGrp="1"/>
+          </p:cNvSpPr>
+          <p:nvPr>
+            <p:ph idx="1"/>
+          </p:nvPr>
+        </p:nvSpPr>
+        <p:spPr/>
+        <p:txBody>
+          <a:bodyPr/>
+          <a:lstStyle/>
+          <a:p>
+            <a:r>
+              <a:rPr lang="en-US" dirty="0"/>
+              <a:t>Testing will improve the quality of your code</a:t>
+            </a:r>
+          </a:p>
+          <a:p>
+            <a:r>
+              <a:rPr lang="en-US" dirty="0"/>
+              <a:t>Testing will lower the cost of code</a:t>
+            </a:r>
+          </a:p>
+          <a:p>
+            <a:r>
+              <a:rPr lang="en-US" dirty="0" err="1"/>
+              <a:t>tSQLt</a:t>
+            </a:r>
+            <a:r>
+              <a:rPr lang="en-US" dirty="0"/>
+              <a:t> is a framework for testing T-SQL code</a:t>
+            </a:r>
+          </a:p>
+          <a:p>
+            <a:r>
+              <a:rPr lang="en-US" dirty="0"/>
+              <a:t>SQL Cop can help you easily test </a:t>
+            </a:r>
+            <a:r>
+              <a:rPr lang="en-US"/>
+              <a:t>for standards</a:t>
+            </a:r>
+          </a:p>
+        </p:txBody>
+      </p:sp>
+    </p:spTree>
+    <p:extLst>
+      <p:ext uri="{BB962C8B-B14F-4D97-AF65-F5344CB8AC3E}">
+        <p14:creationId xmlns:p14="http://schemas.microsoft.com/office/powerpoint/2010/main" val="3709868887"/>
+      </p:ext>
+    </p:extLst>
+  </p:cSld>
+  <p:clrMapOvr>
+    <a:masterClrMapping/>
+  </p:clrMapOvr>
+</p:sld>
+</file>
+
+<file path=ppt/slides/slide35.xml><?xml version="1.0" encoding="utf-8"?>
 <p:sld xmlns:a="http://schemas.openxmlformats.org/drawingml/2006/main" xmlns:r="http://schemas.openxmlformats.org/officeDocument/2006/relationships" xmlns:p="http://schemas.openxmlformats.org/presentationml/2006/main">
   <p:cSld>
     <p:spTree>
@@ -11810,7 +12472,7 @@
 </p:sld>
 </file>
 
-<file path=ppt/slides/slide31.xml><?xml version="1.0" encoding="utf-8"?>
+<file path=ppt/slides/slide36.xml><?xml version="1.0" encoding="utf-8"?>
 <p:sld xmlns:a="http://schemas.openxmlformats.org/drawingml/2006/main" xmlns:r="http://schemas.openxmlformats.org/officeDocument/2006/relationships" xmlns:p="http://schemas.openxmlformats.org/presentationml/2006/main">
   <p:cSld>
     <p:spTree>
@@ -11908,7 +12570,7 @@
 </p:sld>
 </file>
 
-<file path=ppt/slides/slide32.xml><?xml version="1.0" encoding="utf-8"?>
+<file path=ppt/slides/slide37.xml><?xml version="1.0" encoding="utf-8"?>
 <p:sld xmlns:a="http://schemas.openxmlformats.org/drawingml/2006/main" xmlns:r="http://schemas.openxmlformats.org/officeDocument/2006/relationships" xmlns:p="http://schemas.openxmlformats.org/presentationml/2006/main">
   <p:cSld>
     <p:spTree>

--- a/UnitTestingTSQL.pptx
+++ b/UnitTestingTSQL.pptx
@@ -279,7 +279,7 @@
           <a:p>
             <a:fld id="{3C31BDEC-C855-4A20-BFC3-C78B82093698}" type="datetimeFigureOut">
               <a:rPr lang="en-US" smtClean="0"/>
-              <a:t>10/12/2017</a:t>
+              <a:t>10/18/2017</a:t>
             </a:fld>
             <a:endParaRPr lang="en-US"/>
           </a:p>
@@ -2514,7 +2514,7 @@
               <a:pPr>
                 <a:defRPr/>
               </a:pPr>
-              <a:t>10/12/2017</a:t>
+              <a:t>10/18/2017</a:t>
             </a:fld>
             <a:endParaRPr lang="en-US"/>
           </a:p>
@@ -2676,7 +2676,7 @@
               <a:pPr>
                 <a:defRPr/>
               </a:pPr>
-              <a:t>10/12/2017</a:t>
+              <a:t>10/18/2017</a:t>
             </a:fld>
             <a:endParaRPr lang="en-US"/>
           </a:p>
@@ -2848,7 +2848,7 @@
               <a:pPr>
                 <a:defRPr/>
               </a:pPr>
-              <a:t>10/12/2017</a:t>
+              <a:t>10/18/2017</a:t>
             </a:fld>
             <a:endParaRPr lang="en-US"/>
           </a:p>
@@ -3279,7 +3279,7 @@
               <a:pPr>
                 <a:defRPr/>
               </a:pPr>
-              <a:t>10/12/2017</a:t>
+              <a:t>10/18/2017</a:t>
             </a:fld>
             <a:endParaRPr lang="en-US"/>
           </a:p>
@@ -3453,7 +3453,7 @@
               <a:pPr>
                 <a:defRPr/>
               </a:pPr>
-              <a:t>10/12/2017</a:t>
+              <a:t>10/18/2017</a:t>
             </a:fld>
             <a:endParaRPr lang="en-US"/>
           </a:p>
@@ -3692,7 +3692,7 @@
               <a:pPr>
                 <a:defRPr/>
               </a:pPr>
-              <a:t>10/12/2017</a:t>
+              <a:t>10/18/2017</a:t>
             </a:fld>
             <a:endParaRPr lang="en-US"/>
           </a:p>
@@ -3971,7 +3971,7 @@
               <a:pPr>
                 <a:defRPr/>
               </a:pPr>
-              <a:t>10/12/2017</a:t>
+              <a:t>10/18/2017</a:t>
             </a:fld>
             <a:endParaRPr lang="en-US"/>
           </a:p>
@@ -4389,7 +4389,7 @@
               <a:pPr>
                 <a:defRPr/>
               </a:pPr>
-              <a:t>10/12/2017</a:t>
+              <a:t>10/18/2017</a:t>
             </a:fld>
             <a:endParaRPr lang="en-US"/>
           </a:p>
@@ -4500,7 +4500,7 @@
               <a:pPr>
                 <a:defRPr/>
               </a:pPr>
-              <a:t>10/12/2017</a:t>
+              <a:t>10/18/2017</a:t>
             </a:fld>
             <a:endParaRPr lang="en-US"/>
           </a:p>
@@ -4589,7 +4589,7 @@
               <a:pPr>
                 <a:defRPr/>
               </a:pPr>
-              <a:t>10/12/2017</a:t>
+              <a:t>10/18/2017</a:t>
             </a:fld>
             <a:endParaRPr lang="en-US"/>
           </a:p>
@@ -4763,7 +4763,7 @@
               <a:pPr>
                 <a:defRPr/>
               </a:pPr>
-              <a:t>10/12/2017</a:t>
+              <a:t>10/18/2017</a:t>
             </a:fld>
             <a:endParaRPr lang="en-US"/>
           </a:p>
@@ -5032,7 +5032,7 @@
               <a:pPr>
                 <a:defRPr/>
               </a:pPr>
-              <a:t>10/12/2017</a:t>
+              <a:t>10/18/2017</a:t>
             </a:fld>
             <a:endParaRPr lang="en-US"/>
           </a:p>
@@ -5284,7 +5284,7 @@
               <a:pPr>
                 <a:defRPr/>
               </a:pPr>
-              <a:t>10/12/2017</a:t>
+              <a:t>10/18/2017</a:t>
             </a:fld>
             <a:endParaRPr lang="en-US"/>
           </a:p>
@@ -5446,7 +5446,7 @@
               <a:pPr>
                 <a:defRPr/>
               </a:pPr>
-              <a:t>10/12/2017</a:t>
+              <a:t>10/18/2017</a:t>
             </a:fld>
             <a:endParaRPr lang="en-US"/>
           </a:p>
@@ -5618,7 +5618,7 @@
               <a:pPr>
                 <a:defRPr/>
               </a:pPr>
-              <a:t>10/12/2017</a:t>
+              <a:t>10/18/2017</a:t>
             </a:fld>
             <a:endParaRPr lang="en-US"/>
           </a:p>
@@ -5857,7 +5857,7 @@
               <a:pPr>
                 <a:defRPr/>
               </a:pPr>
-              <a:t>10/12/2017</a:t>
+              <a:t>10/18/2017</a:t>
             </a:fld>
             <a:endParaRPr lang="en-US"/>
           </a:p>
@@ -6136,7 +6136,7 @@
               <a:pPr>
                 <a:defRPr/>
               </a:pPr>
-              <a:t>10/12/2017</a:t>
+              <a:t>10/18/2017</a:t>
             </a:fld>
             <a:endParaRPr lang="en-US"/>
           </a:p>
@@ -6554,7 +6554,7 @@
               <a:pPr>
                 <a:defRPr/>
               </a:pPr>
-              <a:t>10/12/2017</a:t>
+              <a:t>10/18/2017</a:t>
             </a:fld>
             <a:endParaRPr lang="en-US"/>
           </a:p>
@@ -6665,7 +6665,7 @@
               <a:pPr>
                 <a:defRPr/>
               </a:pPr>
-              <a:t>10/12/2017</a:t>
+              <a:t>10/18/2017</a:t>
             </a:fld>
             <a:endParaRPr lang="en-US"/>
           </a:p>
@@ -6754,7 +6754,7 @@
               <a:pPr>
                 <a:defRPr/>
               </a:pPr>
-              <a:t>10/12/2017</a:t>
+              <a:t>10/18/2017</a:t>
             </a:fld>
             <a:endParaRPr lang="en-US"/>
           </a:p>
@@ -7023,7 +7023,7 @@
               <a:pPr>
                 <a:defRPr/>
               </a:pPr>
-              <a:t>10/12/2017</a:t>
+              <a:t>10/18/2017</a:t>
             </a:fld>
             <a:endParaRPr lang="en-US"/>
           </a:p>
@@ -7275,7 +7275,7 @@
               <a:pPr>
                 <a:defRPr/>
               </a:pPr>
-              <a:t>10/12/2017</a:t>
+              <a:t>10/18/2017</a:t>
             </a:fld>
             <a:endParaRPr lang="en-US"/>
           </a:p>
@@ -7515,7 +7515,7 @@
               <a:pPr>
                 <a:defRPr/>
               </a:pPr>
-              <a:t>10/12/2017</a:t>
+              <a:t>10/18/2017</a:t>
             </a:fld>
             <a:endParaRPr lang="en-US"/>
           </a:p>
@@ -8212,7 +8212,7 @@
               <a:pPr>
                 <a:defRPr/>
               </a:pPr>
-              <a:t>10/12/2017</a:t>
+              <a:t>10/18/2017</a:t>
             </a:fld>
             <a:endParaRPr lang="en-US"/>
           </a:p>
@@ -9120,16 +9120,12 @@
             </a:r>
           </a:p>
           <a:p>
-            <a:pPr marL="819150" lvl="1" indent="-342900">
-              <a:buFont typeface="Arial" panose="020B0604020202020204" pitchFamily="34" charset="0"/>
-              <a:buChar char="•"/>
+            <a:pPr marL="476250" lvl="1" indent="0">
+              <a:buNone/>
             </a:pPr>
-            <a:r>
-              <a:rPr lang="en-US" sz="2400" dirty="0">
-                <a:cs typeface="Arial" panose="020B0604020202020204" pitchFamily="34" charset="0"/>
-              </a:rPr>
-              <a:t> </a:t>
-            </a:r>
+            <a:endParaRPr lang="en-US" sz="2400" dirty="0">
+              <a:cs typeface="Arial" panose="020B0604020202020204" pitchFamily="34" charset="0"/>
+            </a:endParaRPr>
           </a:p>
           <a:p>
             <a:pPr>
@@ -9528,7 +9524,7 @@
           <a:p>
             <a:r>
               <a:rPr lang="en-US" sz="2000" dirty="0"/>
-              <a:t>Some are base on other unit testing frameworks, like Junit</a:t>
+              <a:t>Some are based on other unit testing frameworks, like Junit</a:t>
             </a:r>
           </a:p>
           <a:p>
@@ -10517,6 +10513,12 @@
               <a:t>Tests help ensure that the correct formula is used</a:t>
             </a:r>
           </a:p>
+          <a:p>
+            <a:r>
+              <a:rPr lang="en-US" sz="2800" dirty="0"/>
+              <a:t>Test to be sure the correct data is used</a:t>
+            </a:r>
+          </a:p>
         </p:txBody>
       </p:sp>
     </p:spTree>
@@ -10670,6 +10672,17 @@
               <a:rPr lang="en-US" sz="2800" dirty="0"/>
               <a:t>These can result in missing boundary conditions</a:t>
             </a:r>
+          </a:p>
+          <a:p>
+            <a:r>
+              <a:rPr lang="en-US" sz="2800" dirty="0"/>
+              <a:t>Tests can help ensure all boundaries </a:t>
+            </a:r>
+            <a:r>
+              <a:rPr lang="en-US" sz="2800"/>
+              <a:t>are implemented</a:t>
+            </a:r>
+            <a:endParaRPr lang="en-US" sz="2800" dirty="0"/>
           </a:p>
         </p:txBody>
       </p:sp>
